--- a/Presentation/pdr_presentation.pptx
+++ b/Presentation/pdr_presentation.pptx
@@ -5,10 +5,10 @@
     <p:sldMasterId id="2147483648" r:id="rId4"/>
   </p:sldMasterIdLst>
   <p:notesMasterIdLst>
-    <p:notesMasterId r:id="rId46"/>
+    <p:notesMasterId r:id="rId49"/>
   </p:notesMasterIdLst>
   <p:handoutMasterIdLst>
-    <p:handoutMasterId r:id="rId47"/>
+    <p:handoutMasterId r:id="rId50"/>
   </p:handoutMasterIdLst>
   <p:sldIdLst>
     <p:sldId id="256" r:id="rId5"/>
@@ -32,26 +32,29 @@
     <p:sldId id="296" r:id="rId23"/>
     <p:sldId id="287" r:id="rId24"/>
     <p:sldId id="297" r:id="rId25"/>
-    <p:sldId id="288" r:id="rId26"/>
-    <p:sldId id="264" r:id="rId27"/>
-    <p:sldId id="265" r:id="rId28"/>
-    <p:sldId id="266" r:id="rId29"/>
-    <p:sldId id="267" r:id="rId30"/>
-    <p:sldId id="268" r:id="rId31"/>
-    <p:sldId id="269" r:id="rId32"/>
-    <p:sldId id="270" r:id="rId33"/>
-    <p:sldId id="271" r:id="rId34"/>
-    <p:sldId id="272" r:id="rId35"/>
-    <p:sldId id="273" r:id="rId36"/>
-    <p:sldId id="274" r:id="rId37"/>
-    <p:sldId id="275" r:id="rId38"/>
-    <p:sldId id="277" r:id="rId39"/>
-    <p:sldId id="276" r:id="rId40"/>
-    <p:sldId id="278" r:id="rId41"/>
-    <p:sldId id="279" r:id="rId42"/>
-    <p:sldId id="280" r:id="rId43"/>
-    <p:sldId id="281" r:id="rId44"/>
-    <p:sldId id="282" r:id="rId45"/>
+    <p:sldId id="298" r:id="rId26"/>
+    <p:sldId id="299" r:id="rId27"/>
+    <p:sldId id="300" r:id="rId28"/>
+    <p:sldId id="288" r:id="rId29"/>
+    <p:sldId id="264" r:id="rId30"/>
+    <p:sldId id="265" r:id="rId31"/>
+    <p:sldId id="266" r:id="rId32"/>
+    <p:sldId id="267" r:id="rId33"/>
+    <p:sldId id="268" r:id="rId34"/>
+    <p:sldId id="269" r:id="rId35"/>
+    <p:sldId id="270" r:id="rId36"/>
+    <p:sldId id="271" r:id="rId37"/>
+    <p:sldId id="272" r:id="rId38"/>
+    <p:sldId id="273" r:id="rId39"/>
+    <p:sldId id="274" r:id="rId40"/>
+    <p:sldId id="275" r:id="rId41"/>
+    <p:sldId id="277" r:id="rId42"/>
+    <p:sldId id="276" r:id="rId43"/>
+    <p:sldId id="278" r:id="rId44"/>
+    <p:sldId id="279" r:id="rId45"/>
+    <p:sldId id="280" r:id="rId46"/>
+    <p:sldId id="281" r:id="rId47"/>
+    <p:sldId id="282" r:id="rId48"/>
   </p:sldIdLst>
   <p:sldSz cx="12192000" cy="6858000"/>
   <p:notesSz cx="6858000" cy="9144000"/>
@@ -17546,8 +17549,8 @@
           </a:p>
         </p:txBody>
       </p:sp>
-      <mc:AlternateContent xmlns:mc="http://schemas.openxmlformats.org/markup-compatibility/2006">
-        <mc:Choice xmlns:a14="http://schemas.microsoft.com/office/drawing/2010/main" Requires="a14">
+      <mc:AlternateContent xmlns:mc="http://schemas.openxmlformats.org/markup-compatibility/2006" xmlns:a14="http://schemas.microsoft.com/office/drawing/2010/main">
+        <mc:Choice Requires="a14">
           <p:sp>
             <p:nvSpPr>
               <p:cNvPr id="6" name="Textplatzhalter 5">
@@ -17759,7 +17762,7 @@
             </p:txBody>
           </p:sp>
         </mc:Choice>
-        <mc:Fallback>
+        <mc:Fallback xmlns="">
           <p:sp>
             <p:nvSpPr>
               <p:cNvPr id="6" name="Textplatzhalter 5">
@@ -18278,8 +18281,8 @@
           </a:p>
         </p:txBody>
       </p:sp>
-      <mc:AlternateContent xmlns:mc="http://schemas.openxmlformats.org/markup-compatibility/2006">
-        <mc:Choice xmlns:a14="http://schemas.microsoft.com/office/drawing/2010/main" Requires="a14">
+      <mc:AlternateContent xmlns:mc="http://schemas.openxmlformats.org/markup-compatibility/2006" xmlns:a14="http://schemas.microsoft.com/office/drawing/2010/main">
+        <mc:Choice Requires="a14">
           <p:sp>
             <p:nvSpPr>
               <p:cNvPr id="6" name="Textplatzhalter 5">
@@ -18716,7 +18719,7 @@
             </p:txBody>
           </p:sp>
         </mc:Choice>
-        <mc:Fallback>
+        <mc:Fallback xmlns="">
           <p:sp>
             <p:nvSpPr>
               <p:cNvPr id="6" name="Textplatzhalter 5">
@@ -19027,8 +19030,8 @@
           </a:p>
         </p:txBody>
       </p:sp>
-      <mc:AlternateContent xmlns:mc="http://schemas.openxmlformats.org/markup-compatibility/2006">
-        <mc:Choice xmlns:a14="http://schemas.microsoft.com/office/drawing/2010/main" Requires="a14">
+      <mc:AlternateContent xmlns:mc="http://schemas.openxmlformats.org/markup-compatibility/2006" xmlns:a14="http://schemas.microsoft.com/office/drawing/2010/main">
+        <mc:Choice Requires="a14">
           <p:sp>
             <p:nvSpPr>
               <p:cNvPr id="6" name="Textplatzhalter 5">
@@ -19677,14 +19680,7 @@
                             <a:latin typeface="Cambria Math" panose="02040503050406030204" pitchFamily="18" charset="0"/>
                             <a:sym typeface="Wingdings" panose="05000000000000000000" pitchFamily="2" charset="2"/>
                           </a:rPr>
-                          <m:t>,</m:t>
-                        </m:r>
-                        <m:r>
-                          <a:rPr lang="de-DE" sz="2000" i="1">
-                            <a:latin typeface="Cambria Math" panose="02040503050406030204" pitchFamily="18" charset="0"/>
-                            <a:sym typeface="Wingdings" panose="05000000000000000000" pitchFamily="2" charset="2"/>
-                          </a:rPr>
-                          <m:t> …,</m:t>
+                          <m:t>, …,</m:t>
                         </m:r>
                         <m:sSubSup>
                           <m:sSubSupPr>
@@ -20195,7 +20191,7 @@
             </p:txBody>
           </p:sp>
         </mc:Choice>
-        <mc:Fallback>
+        <mc:Fallback xmlns="">
           <p:sp>
             <p:nvSpPr>
               <p:cNvPr id="6" name="Textplatzhalter 5">
@@ -20803,8 +20799,8 @@
           </a:p>
         </p:txBody>
       </p:sp>
-      <mc:AlternateContent xmlns:mc="http://schemas.openxmlformats.org/markup-compatibility/2006">
-        <mc:Choice xmlns:a14="http://schemas.microsoft.com/office/drawing/2010/main" Requires="a14">
+      <mc:AlternateContent xmlns:mc="http://schemas.openxmlformats.org/markup-compatibility/2006" xmlns:a14="http://schemas.microsoft.com/office/drawing/2010/main">
+        <mc:Choice Requires="a14">
           <p:sp>
             <p:nvSpPr>
               <p:cNvPr id="7" name="Textplatzhalter 6">
@@ -21968,7 +21964,7 @@
             </p:txBody>
           </p:sp>
         </mc:Choice>
-        <mc:Fallback>
+        <mc:Fallback xmlns="">
           <p:sp>
             <p:nvSpPr>
               <p:cNvPr id="7" name="Textplatzhalter 6">
@@ -22294,8 +22290,8 @@
           </a:p>
         </p:txBody>
       </p:sp>
-      <mc:AlternateContent xmlns:mc="http://schemas.openxmlformats.org/markup-compatibility/2006">
-        <mc:Choice xmlns:a14="http://schemas.microsoft.com/office/drawing/2010/main" Requires="a14">
+      <mc:AlternateContent xmlns:mc="http://schemas.openxmlformats.org/markup-compatibility/2006" xmlns:a14="http://schemas.microsoft.com/office/drawing/2010/main">
+        <mc:Choice Requires="a14">
           <p:sp>
             <p:nvSpPr>
               <p:cNvPr id="7" name="Textplatzhalter 6">
@@ -22876,7 +22872,7 @@
             </p:txBody>
           </p:sp>
         </mc:Choice>
-        <mc:Fallback>
+        <mc:Fallback xmlns="">
           <p:sp>
             <p:nvSpPr>
               <p:cNvPr id="7" name="Textplatzhalter 6">
@@ -23164,8 +23160,8 @@
           </a:p>
         </p:txBody>
       </p:sp>
-      <mc:AlternateContent xmlns:mc="http://schemas.openxmlformats.org/markup-compatibility/2006">
-        <mc:Choice xmlns:a14="http://schemas.microsoft.com/office/drawing/2010/main" Requires="a14">
+      <mc:AlternateContent xmlns:mc="http://schemas.openxmlformats.org/markup-compatibility/2006" xmlns:a14="http://schemas.microsoft.com/office/drawing/2010/main">
+        <mc:Choice Requires="a14">
           <p:sp>
             <p:nvSpPr>
               <p:cNvPr id="7" name="Textplatzhalter 6">
@@ -23182,12 +23178,7 @@
                 <p:ph type="body" sz="quarter" idx="13"/>
               </p:nvPr>
             </p:nvSpPr>
-            <p:spPr>
-              <a:xfrm>
-                <a:off x="564864" y="1870841"/>
-                <a:ext cx="10933716" cy="4099747"/>
-              </a:xfrm>
-            </p:spPr>
+            <p:spPr/>
             <p:txBody>
               <a:bodyPr/>
               <a:lstStyle/>
@@ -23478,7 +23469,7 @@
             </p:txBody>
           </p:sp>
         </mc:Choice>
-        <mc:Fallback>
+        <mc:Fallback xmlns="">
           <p:sp>
             <p:nvSpPr>
               <p:cNvPr id="7" name="Textplatzhalter 6">
@@ -23522,83 +23513,6 @@
           </p:sp>
         </mc:Fallback>
       </mc:AlternateContent>
-      <p:sp>
-        <p:nvSpPr>
-          <p:cNvPr id="8" name="Textplatzhalter 7">
-            <a:extLst>
-              <a:ext uri="{FF2B5EF4-FFF2-40B4-BE49-F238E27FC236}">
-                <a16:creationId xmlns:a16="http://schemas.microsoft.com/office/drawing/2014/main" id="{62ABDE02-3BE1-4B6C-81E2-B168A81D8AF5}"/>
-              </a:ext>
-            </a:extLst>
-          </p:cNvPr>
-          <p:cNvSpPr>
-            <a:spLocks noGrp="1"/>
-          </p:cNvSpPr>
-          <p:nvPr>
-            <p:ph type="body" sz="quarter" idx="14"/>
-          </p:nvPr>
-        </p:nvSpPr>
-        <p:spPr/>
-        <p:txBody>
-          <a:bodyPr/>
-          <a:lstStyle/>
-          <a:p>
-            <a:r>
-              <a:rPr lang="de-DE" dirty="0" err="1"/>
-              <a:t>Proving</a:t>
-            </a:r>
-            <a:r>
-              <a:rPr lang="de-DE" dirty="0"/>
-              <a:t> </a:t>
-            </a:r>
-            <a:r>
-              <a:rPr lang="de-DE" dirty="0" err="1"/>
-              <a:t>that</a:t>
-            </a:r>
-            <a:r>
-              <a:rPr lang="de-DE" dirty="0"/>
-              <a:t> </a:t>
-            </a:r>
-            <a:r>
-              <a:rPr lang="de-DE" dirty="0" err="1"/>
-              <a:t>new</a:t>
-            </a:r>
-            <a:r>
-              <a:rPr lang="de-DE" dirty="0"/>
-              <a:t> </a:t>
-            </a:r>
-            <a:r>
-              <a:rPr lang="de-DE" dirty="0" err="1"/>
-              <a:t>bad</a:t>
-            </a:r>
-            <a:r>
-              <a:rPr lang="de-DE" dirty="0"/>
-              <a:t> </a:t>
-            </a:r>
-            <a:r>
-              <a:rPr lang="de-DE" dirty="0" err="1"/>
-              <a:t>states</a:t>
-            </a:r>
-            <a:r>
-              <a:rPr lang="de-DE" dirty="0"/>
-              <a:t> </a:t>
-            </a:r>
-            <a:r>
-              <a:rPr lang="de-DE" dirty="0" err="1"/>
-              <a:t>are</a:t>
-            </a:r>
-            <a:r>
-              <a:rPr lang="de-DE" dirty="0"/>
-              <a:t> not </a:t>
-            </a:r>
-            <a:r>
-              <a:rPr lang="de-DE" dirty="0" err="1"/>
-              <a:t>reachable</a:t>
-            </a:r>
-            <a:endParaRPr lang="en-US" dirty="0"/>
-          </a:p>
-        </p:txBody>
-      </p:sp>
     </p:spTree>
     <p:extLst>
       <p:ext uri="{BB962C8B-B14F-4D97-AF65-F5344CB8AC3E}">
@@ -24257,12 +24171,546 @@
           </a:p>
         </p:txBody>
       </p:sp>
+      <mc:AlternateContent xmlns:mc="http://schemas.openxmlformats.org/markup-compatibility/2006">
+        <mc:Choice xmlns:a14="http://schemas.microsoft.com/office/drawing/2010/main" Requires="a14">
+          <p:sp>
+            <p:nvSpPr>
+              <p:cNvPr id="2" name="Textplatzhalter 1">
+                <a:extLst>
+                  <a:ext uri="{FF2B5EF4-FFF2-40B4-BE49-F238E27FC236}">
+                    <a16:creationId xmlns:a16="http://schemas.microsoft.com/office/drawing/2014/main" id="{C337C313-F3FF-45E7-8430-A2F7DF0AEE39}"/>
+                  </a:ext>
+                </a:extLst>
+              </p:cNvPr>
+              <p:cNvSpPr>
+                <a:spLocks noGrp="1"/>
+              </p:cNvSpPr>
+              <p:nvPr>
+                <p:ph type="body" sz="quarter" idx="13"/>
+              </p:nvPr>
+            </p:nvSpPr>
+            <p:spPr/>
+            <p:txBody>
+              <a:bodyPr/>
+              <a:lstStyle/>
+              <a:p>
+                <a:r>
+                  <a:rPr lang="de-DE" dirty="0"/>
+                  <a:t>After </a:t>
+                </a:r>
+                <a:r>
+                  <a:rPr lang="de-DE" dirty="0" err="1"/>
+                  <a:t>no</a:t>
+                </a:r>
+                <a:r>
+                  <a:rPr lang="de-DE" dirty="0"/>
+                  <a:t> </a:t>
+                </a:r>
+                <a:r>
+                  <a:rPr lang="de-DE" dirty="0" err="1"/>
+                  <a:t>proof-obligations</a:t>
+                </a:r>
+                <a:r>
+                  <a:rPr lang="de-DE" dirty="0"/>
+                  <a:t> </a:t>
+                </a:r>
+                <a:r>
+                  <a:rPr lang="de-DE" dirty="0" err="1"/>
+                  <a:t>are</a:t>
+                </a:r>
+                <a:r>
+                  <a:rPr lang="de-DE" dirty="0"/>
+                  <a:t> </a:t>
+                </a:r>
+                <a:r>
+                  <a:rPr lang="de-DE" dirty="0" err="1"/>
+                  <a:t>left</a:t>
+                </a:r>
+                <a:r>
+                  <a:rPr lang="de-DE" dirty="0"/>
+                  <a:t>, </a:t>
+                </a:r>
+                <a:r>
+                  <a:rPr lang="de-DE" dirty="0" err="1"/>
+                  <a:t>the</a:t>
+                </a:r>
+                <a:r>
+                  <a:rPr lang="de-DE" dirty="0"/>
+                  <a:t> </a:t>
+                </a:r>
+                <a:r>
+                  <a:rPr lang="de-DE" dirty="0" err="1"/>
+                  <a:t>algorithm</a:t>
+                </a:r>
+                <a:r>
+                  <a:rPr lang="de-DE" dirty="0"/>
+                  <a:t> </a:t>
+                </a:r>
+                <a:r>
+                  <a:rPr lang="de-DE" dirty="0" err="1"/>
+                  <a:t>initzializes</a:t>
+                </a:r>
+                <a:r>
+                  <a:rPr lang="de-DE" dirty="0"/>
+                  <a:t> </a:t>
+                </a:r>
+                <a:r>
+                  <a:rPr lang="de-DE" dirty="0" err="1"/>
+                  <a:t>new</a:t>
+                </a:r>
+                <a:r>
+                  <a:rPr lang="de-DE" dirty="0"/>
+                  <a:t> </a:t>
+                </a:r>
+                <a:r>
+                  <a:rPr lang="de-DE" dirty="0" err="1"/>
+                  <a:t>frame</a:t>
+                </a:r>
+                <a:r>
+                  <a:rPr lang="de-DE" dirty="0"/>
+                  <a:t> </a:t>
+                </a:r>
+                <a14:m>
+                  <m:oMath xmlns:m="http://schemas.openxmlformats.org/officeDocument/2006/math">
+                    <m:sSub>
+                      <m:sSubPr>
+                        <m:ctrlPr>
+                          <a:rPr lang="de-DE" i="1" smtClean="0">
+                            <a:latin typeface="Cambria Math" panose="02040503050406030204" pitchFamily="18" charset="0"/>
+                          </a:rPr>
+                        </m:ctrlPr>
+                      </m:sSubPr>
+                      <m:e>
+                        <m:r>
+                          <a:rPr lang="de-DE" b="0" i="1" smtClean="0">
+                            <a:latin typeface="Cambria Math" panose="02040503050406030204" pitchFamily="18" charset="0"/>
+                          </a:rPr>
+                          <m:t>𝐹</m:t>
+                        </m:r>
+                      </m:e>
+                      <m:sub>
+                        <m:r>
+                          <a:rPr lang="de-DE" b="0" i="1" smtClean="0">
+                            <a:latin typeface="Cambria Math" panose="02040503050406030204" pitchFamily="18" charset="0"/>
+                          </a:rPr>
+                          <m:t>𝑘</m:t>
+                        </m:r>
+                        <m:r>
+                          <a:rPr lang="de-DE" b="0" i="1" smtClean="0">
+                            <a:latin typeface="Cambria Math" panose="02040503050406030204" pitchFamily="18" charset="0"/>
+                          </a:rPr>
+                          <m:t>+1</m:t>
+                        </m:r>
+                      </m:sub>
+                    </m:sSub>
+                    <m:r>
+                      <a:rPr lang="de-DE" b="0" i="0" smtClean="0">
+                        <a:latin typeface="Cambria Math" panose="02040503050406030204" pitchFamily="18" charset="0"/>
+                      </a:rPr>
+                      <m:t>=</m:t>
+                    </m:r>
+                    <m:r>
+                      <m:rPr>
+                        <m:sty m:val="p"/>
+                      </m:rPr>
+                      <a:rPr lang="de-DE" b="0" i="0" smtClean="0">
+                        <a:latin typeface="Cambria Math" panose="02040503050406030204" pitchFamily="18" charset="0"/>
+                      </a:rPr>
+                      <m:t>P</m:t>
+                    </m:r>
+                  </m:oMath>
+                </a14:m>
+                <a:endParaRPr lang="en-US" dirty="0"/>
+              </a:p>
+              <a:p>
+                <a:endParaRPr lang="de-DE" dirty="0"/>
+              </a:p>
+              <a:p>
+                <a:r>
+                  <a:rPr lang="de-DE" dirty="0" err="1"/>
+                  <a:t>Algorithm</a:t>
+                </a:r>
+                <a:r>
+                  <a:rPr lang="de-DE" dirty="0"/>
+                  <a:t> </a:t>
+                </a:r>
+                <a:r>
+                  <a:rPr lang="de-DE" dirty="0" err="1"/>
+                  <a:t>passes</a:t>
+                </a:r>
+                <a:r>
+                  <a:rPr lang="de-DE" dirty="0"/>
+                  <a:t> on </a:t>
+                </a:r>
+                <a:r>
+                  <a:rPr lang="de-DE" dirty="0" err="1"/>
+                  <a:t>learned</a:t>
+                </a:r>
+                <a:r>
+                  <a:rPr lang="de-DE" dirty="0"/>
+                  <a:t> </a:t>
+                </a:r>
+                <a:r>
+                  <a:rPr lang="de-DE" dirty="0" err="1"/>
+                  <a:t>informations</a:t>
+                </a:r>
+                <a:r>
+                  <a:rPr lang="de-DE" dirty="0"/>
+                  <a:t>, </a:t>
+                </a:r>
+                <a:r>
+                  <a:rPr lang="de-DE" dirty="0" err="1"/>
+                  <a:t>e.g</a:t>
+                </a:r>
+                <a:r>
+                  <a:rPr lang="de-DE" dirty="0"/>
+                  <a:t>, </a:t>
+                </a:r>
+                <a:r>
+                  <a:rPr lang="de-DE" dirty="0" err="1"/>
+                  <a:t>which</a:t>
+                </a:r>
+                <a:r>
+                  <a:rPr lang="de-DE" dirty="0"/>
+                  <a:t> </a:t>
+                </a:r>
+                <a:r>
+                  <a:rPr lang="de-DE" dirty="0" err="1"/>
+                  <a:t>states</a:t>
+                </a:r>
+                <a:r>
+                  <a:rPr lang="de-DE" dirty="0"/>
+                  <a:t> </a:t>
+                </a:r>
+                <a:r>
+                  <a:rPr lang="de-DE" dirty="0" err="1"/>
+                  <a:t>are</a:t>
+                </a:r>
+                <a:r>
+                  <a:rPr lang="de-DE" dirty="0"/>
+                  <a:t> </a:t>
+                </a:r>
+                <a:r>
+                  <a:rPr lang="de-DE" dirty="0" err="1"/>
+                  <a:t>blocked</a:t>
+                </a:r>
+                <a:r>
+                  <a:rPr lang="de-DE" dirty="0"/>
+                  <a:t>:</a:t>
+                </a:r>
+              </a:p>
+              <a:p>
+                <a:pPr lvl="1"/>
+                <a:r>
+                  <a:rPr lang="de-DE" dirty="0" err="1"/>
+                  <a:t>For</a:t>
+                </a:r>
+                <a:r>
+                  <a:rPr lang="de-DE" dirty="0"/>
+                  <a:t> </a:t>
+                </a:r>
+                <a:r>
+                  <a:rPr lang="de-DE" dirty="0" err="1"/>
+                  <a:t>each</a:t>
+                </a:r>
+                <a:r>
+                  <a:rPr lang="de-DE" dirty="0"/>
+                  <a:t> </a:t>
+                </a:r>
+                <a:r>
+                  <a:rPr lang="de-DE" dirty="0" err="1"/>
+                  <a:t>clause</a:t>
+                </a:r>
+                <a:r>
+                  <a:rPr lang="de-DE" dirty="0"/>
+                  <a:t> c in </a:t>
+                </a:r>
+                <a14:m>
+                  <m:oMath xmlns:m="http://schemas.openxmlformats.org/officeDocument/2006/math">
+                    <m:sSub>
+                      <m:sSubPr>
+                        <m:ctrlPr>
+                          <a:rPr lang="de-DE" i="1" smtClean="0">
+                            <a:latin typeface="Cambria Math" panose="02040503050406030204" pitchFamily="18" charset="0"/>
+                          </a:rPr>
+                        </m:ctrlPr>
+                      </m:sSubPr>
+                      <m:e>
+                        <m:r>
+                          <a:rPr lang="de-DE" b="0" i="1" smtClean="0">
+                            <a:latin typeface="Cambria Math" panose="02040503050406030204" pitchFamily="18" charset="0"/>
+                          </a:rPr>
+                          <m:t>𝐹</m:t>
+                        </m:r>
+                      </m:e>
+                      <m:sub>
+                        <m:r>
+                          <a:rPr lang="de-DE" b="0" i="1" smtClean="0">
+                            <a:latin typeface="Cambria Math" panose="02040503050406030204" pitchFamily="18" charset="0"/>
+                          </a:rPr>
+                          <m:t>𝑘</m:t>
+                        </m:r>
+                      </m:sub>
+                    </m:sSub>
+                  </m:oMath>
+                </a14:m>
+                <a:r>
+                  <a:rPr lang="en-US" dirty="0"/>
+                  <a:t> check: </a:t>
+                </a:r>
+                <a14:m>
+                  <m:oMath xmlns:m="http://schemas.openxmlformats.org/officeDocument/2006/math">
+                    <m:sSub>
+                      <m:sSubPr>
+                        <m:ctrlPr>
+                          <a:rPr lang="en-US" i="1" smtClean="0">
+                            <a:latin typeface="Cambria Math" panose="02040503050406030204" pitchFamily="18" charset="0"/>
+                          </a:rPr>
+                        </m:ctrlPr>
+                      </m:sSubPr>
+                      <m:e>
+                        <m:r>
+                          <a:rPr lang="de-DE" b="0" i="1" smtClean="0">
+                            <a:latin typeface="Cambria Math" panose="02040503050406030204" pitchFamily="18" charset="0"/>
+                          </a:rPr>
+                          <m:t>𝐹</m:t>
+                        </m:r>
+                      </m:e>
+                      <m:sub>
+                        <m:r>
+                          <a:rPr lang="de-DE" b="0" i="1" smtClean="0">
+                            <a:latin typeface="Cambria Math" panose="02040503050406030204" pitchFamily="18" charset="0"/>
+                          </a:rPr>
+                          <m:t>𝑘</m:t>
+                        </m:r>
+                      </m:sub>
+                    </m:sSub>
+                    <m:r>
+                      <a:rPr lang="de-DE" b="0" i="1" smtClean="0">
+                        <a:latin typeface="Cambria Math" panose="02040503050406030204" pitchFamily="18" charset="0"/>
+                      </a:rPr>
+                      <m:t> </m:t>
+                    </m:r>
+                    <m:nary>
+                      <m:naryPr>
+                        <m:chr m:val="⋀"/>
+                        <m:subHide m:val="on"/>
+                        <m:supHide m:val="on"/>
+                        <m:ctrlPr>
+                          <a:rPr lang="de-DE" b="0" i="1" smtClean="0">
+                            <a:latin typeface="Cambria Math" panose="02040503050406030204" pitchFamily="18" charset="0"/>
+                            <a:ea typeface="Cambria Math" panose="02040503050406030204" pitchFamily="18" charset="0"/>
+                          </a:rPr>
+                        </m:ctrlPr>
+                      </m:naryPr>
+                      <m:sub/>
+                      <m:sup/>
+                      <m:e>
+                        <m:r>
+                          <a:rPr lang="de-DE" b="0" i="1" smtClean="0">
+                            <a:latin typeface="Cambria Math" panose="02040503050406030204" pitchFamily="18" charset="0"/>
+                            <a:ea typeface="Cambria Math" panose="02040503050406030204" pitchFamily="18" charset="0"/>
+                          </a:rPr>
+                          <m:t>𝑇</m:t>
+                        </m:r>
+                      </m:e>
+                    </m:nary>
+                    <m:r>
+                      <a:rPr lang="de-DE" b="0" i="1" smtClean="0">
+                        <a:latin typeface="Cambria Math" panose="02040503050406030204" pitchFamily="18" charset="0"/>
+                        <a:ea typeface="Cambria Math" panose="02040503050406030204" pitchFamily="18" charset="0"/>
+                      </a:rPr>
+                      <m:t> </m:t>
+                    </m:r>
+                    <m:nary>
+                      <m:naryPr>
+                        <m:chr m:val="⋀"/>
+                        <m:subHide m:val="on"/>
+                        <m:supHide m:val="on"/>
+                        <m:ctrlPr>
+                          <a:rPr lang="de-DE" b="0" i="1" smtClean="0">
+                            <a:latin typeface="Cambria Math" panose="02040503050406030204" pitchFamily="18" charset="0"/>
+                            <a:ea typeface="Cambria Math" panose="02040503050406030204" pitchFamily="18" charset="0"/>
+                          </a:rPr>
+                        </m:ctrlPr>
+                      </m:naryPr>
+                      <m:sub/>
+                      <m:sup/>
+                      <m:e>
+                        <m:r>
+                          <a:rPr lang="de-DE" b="0" i="1" smtClean="0">
+                            <a:latin typeface="Cambria Math" panose="02040503050406030204" pitchFamily="18" charset="0"/>
+                            <a:ea typeface="Cambria Math" panose="02040503050406030204" pitchFamily="18" charset="0"/>
+                          </a:rPr>
+                          <m:t> </m:t>
+                        </m:r>
+                        <m:acc>
+                          <m:accPr>
+                            <m:chr m:val="̅"/>
+                            <m:ctrlPr>
+                              <a:rPr lang="de-DE" b="0" i="1" smtClean="0">
+                                <a:latin typeface="Cambria Math" panose="02040503050406030204" pitchFamily="18" charset="0"/>
+                                <a:ea typeface="Cambria Math" panose="02040503050406030204" pitchFamily="18" charset="0"/>
+                              </a:rPr>
+                            </m:ctrlPr>
+                          </m:accPr>
+                          <m:e>
+                            <m:r>
+                              <a:rPr lang="de-DE" b="0" i="1" smtClean="0">
+                                <a:latin typeface="Cambria Math" panose="02040503050406030204" pitchFamily="18" charset="0"/>
+                                <a:ea typeface="Cambria Math" panose="02040503050406030204" pitchFamily="18" charset="0"/>
+                              </a:rPr>
+                              <m:t>𝑐</m:t>
+                            </m:r>
+                          </m:e>
+                        </m:acc>
+                        <m:r>
+                          <a:rPr lang="de-DE" b="0" i="1" smtClean="0">
+                            <a:latin typeface="Cambria Math" panose="02040503050406030204" pitchFamily="18" charset="0"/>
+                          </a:rPr>
+                          <m:t>′</m:t>
+                        </m:r>
+                      </m:e>
+                    </m:nary>
+                  </m:oMath>
+                </a14:m>
+                <a:r>
+                  <a:rPr lang="en-US" dirty="0"/>
+                  <a:t> for satisfiability</a:t>
+                </a:r>
+              </a:p>
+              <a:p>
+                <a:pPr marL="506412" lvl="2" indent="0">
+                  <a:buNone/>
+                </a:pPr>
+                <a:endParaRPr lang="de-DE" dirty="0"/>
+              </a:p>
+              <a:p>
+                <a:pPr lvl="2">
+                  <a:buFont typeface="Wingdings" panose="05000000000000000000" pitchFamily="2" charset="2"/>
+                  <a:buChar char="è"/>
+                </a:pPr>
+                <a:r>
+                  <a:rPr lang="de-DE" dirty="0" err="1">
+                    <a:sym typeface="Wingdings" panose="05000000000000000000" pitchFamily="2" charset="2"/>
+                  </a:rPr>
+                  <a:t>If</a:t>
+                </a:r>
+                <a:r>
+                  <a:rPr lang="de-DE" dirty="0">
+                    <a:sym typeface="Wingdings" panose="05000000000000000000" pitchFamily="2" charset="2"/>
+                  </a:rPr>
+                  <a:t> </a:t>
+                </a:r>
+                <a:r>
+                  <a:rPr lang="de-DE" dirty="0" err="1">
+                    <a:sym typeface="Wingdings" panose="05000000000000000000" pitchFamily="2" charset="2"/>
+                  </a:rPr>
+                  <a:t>satisfiable</a:t>
+                </a:r>
+                <a:r>
+                  <a:rPr lang="de-DE" dirty="0">
+                    <a:sym typeface="Wingdings" panose="05000000000000000000" pitchFamily="2" charset="2"/>
+                  </a:rPr>
+                  <a:t>:</a:t>
+                </a:r>
+              </a:p>
+              <a:p>
+                <a:pPr lvl="3">
+                  <a:buFont typeface="Wingdings" panose="05000000000000000000" pitchFamily="2" charset="2"/>
+                  <a:buChar char="§"/>
+                </a:pPr>
+                <a:r>
+                  <a:rPr lang="de-DE" dirty="0"/>
+                  <a:t>Do </a:t>
+                </a:r>
+                <a:r>
+                  <a:rPr lang="de-DE" dirty="0" err="1"/>
+                  <a:t>nothing</a:t>
+                </a:r>
+                <a:r>
+                  <a:rPr lang="de-DE" dirty="0"/>
+                  <a:t>, </a:t>
+                </a:r>
+                <a:r>
+                  <a:rPr lang="de-DE" dirty="0" err="1"/>
+                  <a:t>continue</a:t>
+                </a:r>
+                <a:r>
+                  <a:rPr lang="de-DE" dirty="0"/>
+                  <a:t> </a:t>
+                </a:r>
+                <a:r>
+                  <a:rPr lang="de-DE" dirty="0" err="1"/>
+                  <a:t>with</a:t>
+                </a:r>
+                <a:r>
+                  <a:rPr lang="de-DE" dirty="0"/>
+                  <a:t> </a:t>
+                </a:r>
+                <a:r>
+                  <a:rPr lang="de-DE" dirty="0" err="1"/>
+                  <a:t>next</a:t>
+                </a:r>
+                <a:r>
+                  <a:rPr lang="de-DE" dirty="0"/>
+                  <a:t> </a:t>
+                </a:r>
+                <a:r>
+                  <a:rPr lang="de-DE" dirty="0" err="1"/>
+                  <a:t>clause</a:t>
+                </a:r>
+                <a:endParaRPr lang="en-US" dirty="0"/>
+              </a:p>
+            </p:txBody>
+          </p:sp>
+        </mc:Choice>
+        <mc:Fallback>
+          <p:sp>
+            <p:nvSpPr>
+              <p:cNvPr id="2" name="Textplatzhalter 1">
+                <a:extLst>
+                  <a:ext uri="{FF2B5EF4-FFF2-40B4-BE49-F238E27FC236}">
+                    <a16:creationId xmlns:a16="http://schemas.microsoft.com/office/drawing/2014/main" id="{C337C313-F3FF-45E7-8430-A2F7DF0AEE39}"/>
+                  </a:ext>
+                </a:extLst>
+              </p:cNvPr>
+              <p:cNvSpPr>
+                <a:spLocks noGrp="1" noRot="1" noChangeAspect="1" noMove="1" noResize="1" noEditPoints="1" noAdjustHandles="1" noChangeArrowheads="1" noChangeShapeType="1" noTextEdit="1"/>
+              </p:cNvSpPr>
+              <p:nvPr>
+                <p:ph type="body" sz="quarter" idx="13"/>
+              </p:nvPr>
+            </p:nvSpPr>
+            <p:spPr>
+              <a:blipFill>
+                <a:blip r:embed="rId2"/>
+                <a:stretch>
+                  <a:fillRect l="-498" t="-1488"/>
+                </a:stretch>
+              </a:blipFill>
+            </p:spPr>
+            <p:txBody>
+              <a:bodyPr/>
+              <a:lstStyle/>
+              <a:p>
+                <a:r>
+                  <a:rPr lang="en-US">
+                    <a:noFill/>
+                  </a:rPr>
+                  <a:t> </a:t>
+                </a:r>
+              </a:p>
+            </p:txBody>
+          </p:sp>
+        </mc:Fallback>
+      </mc:AlternateContent>
       <p:sp>
         <p:nvSpPr>
-          <p:cNvPr id="7" name="Textplatzhalter 6">
+          <p:cNvPr id="8" name="Textplatzhalter 7">
             <a:extLst>
               <a:ext uri="{FF2B5EF4-FFF2-40B4-BE49-F238E27FC236}">
-                <a16:creationId xmlns:a16="http://schemas.microsoft.com/office/drawing/2014/main" id="{01BD1209-667D-4CAC-A48F-A6A410D5C3AC}"/>
+                <a16:creationId xmlns:a16="http://schemas.microsoft.com/office/drawing/2014/main" id="{EB5900AC-9042-4445-AAA7-322581583494}"/>
               </a:ext>
             </a:extLst>
           </p:cNvPr>
@@ -24270,7 +24718,7 @@
             <a:spLocks noGrp="1"/>
           </p:cNvSpPr>
           <p:nvPr>
-            <p:ph type="body" sz="quarter" idx="13"/>
+            <p:ph type="body" sz="quarter" idx="14"/>
           </p:nvPr>
         </p:nvSpPr>
         <p:spPr/>
@@ -24278,7 +24726,27 @@
           <a:bodyPr/>
           <a:lstStyle/>
           <a:p>
-            <a:endParaRPr lang="en-US"/>
+            <a:r>
+              <a:rPr lang="de-DE" dirty="0" err="1"/>
+              <a:t>Propagating</a:t>
+            </a:r>
+            <a:r>
+              <a:rPr lang="de-DE" dirty="0"/>
+              <a:t> </a:t>
+            </a:r>
+            <a:r>
+              <a:rPr lang="de-DE" dirty="0" err="1"/>
+              <a:t>learned</a:t>
+            </a:r>
+            <a:r>
+              <a:rPr lang="de-DE" dirty="0"/>
+              <a:t> </a:t>
+            </a:r>
+            <a:r>
+              <a:rPr lang="de-DE" dirty="0" err="1"/>
+              <a:t>information</a:t>
+            </a:r>
+            <a:endParaRPr lang="en-US" dirty="0"/>
           </a:p>
         </p:txBody>
       </p:sp>
@@ -24308,6 +24776,2463 @@
 </file>
 
 <file path=ppt/slides/slide22.xml><?xml version="1.0" encoding="utf-8"?>
+<p:sld xmlns:a="http://schemas.openxmlformats.org/drawingml/2006/main" xmlns:r="http://schemas.openxmlformats.org/officeDocument/2006/relationships" xmlns:p="http://schemas.openxmlformats.org/presentationml/2006/main">
+  <p:cSld>
+    <p:spTree>
+      <p:nvGrpSpPr>
+        <p:cNvPr id="1" name=""/>
+        <p:cNvGrpSpPr/>
+        <p:nvPr/>
+      </p:nvGrpSpPr>
+      <p:grpSpPr>
+        <a:xfrm>
+          <a:off x="0" y="0"/>
+          <a:ext cx="0" cy="0"/>
+          <a:chOff x="0" y="0"/>
+          <a:chExt cx="0" cy="0"/>
+        </a:xfrm>
+      </p:grpSpPr>
+      <p:sp>
+        <p:nvSpPr>
+          <p:cNvPr id="6" name="Titel 5">
+            <a:extLst>
+              <a:ext uri="{FF2B5EF4-FFF2-40B4-BE49-F238E27FC236}">
+                <a16:creationId xmlns:a16="http://schemas.microsoft.com/office/drawing/2014/main" id="{1661A19C-2FAC-45A3-810F-F0198EA3B294}"/>
+              </a:ext>
+            </a:extLst>
+          </p:cNvPr>
+          <p:cNvSpPr>
+            <a:spLocks noGrp="1"/>
+          </p:cNvSpPr>
+          <p:nvPr>
+            <p:ph type="title"/>
+          </p:nvPr>
+        </p:nvSpPr>
+        <p:spPr/>
+        <p:txBody>
+          <a:bodyPr>
+            <a:normAutofit fontScale="90000"/>
+          </a:bodyPr>
+          <a:lstStyle/>
+          <a:p>
+            <a:r>
+              <a:rPr lang="de-DE" dirty="0"/>
+              <a:t>2.2 </a:t>
+            </a:r>
+            <a:r>
+              <a:rPr lang="de-DE" dirty="0" err="1"/>
+              <a:t>Algorithm</a:t>
+            </a:r>
+            <a:r>
+              <a:rPr lang="de-DE" dirty="0"/>
+              <a:t>: </a:t>
+            </a:r>
+            <a:r>
+              <a:rPr lang="de-DE" b="0" dirty="0"/>
+              <a:t>Propagation-Phase</a:t>
+            </a:r>
+            <a:endParaRPr lang="en-US" b="0" dirty="0"/>
+          </a:p>
+        </p:txBody>
+      </p:sp>
+      <p:sp>
+        <p:nvSpPr>
+          <p:cNvPr id="3" name="Datumsplatzhalter 2">
+            <a:extLst>
+              <a:ext uri="{FF2B5EF4-FFF2-40B4-BE49-F238E27FC236}">
+                <a16:creationId xmlns:a16="http://schemas.microsoft.com/office/drawing/2014/main" id="{9B2C4A63-DAA0-46CB-BFF4-627C7D5EC074}"/>
+              </a:ext>
+            </a:extLst>
+          </p:cNvPr>
+          <p:cNvSpPr>
+            <a:spLocks noGrp="1"/>
+          </p:cNvSpPr>
+          <p:nvPr>
+            <p:ph type="dt" sz="half" idx="10"/>
+          </p:nvPr>
+        </p:nvSpPr>
+        <p:spPr/>
+        <p:txBody>
+          <a:bodyPr/>
+          <a:lstStyle/>
+          <a:p>
+            <a:pPr algn="r"/>
+            <a:r>
+              <a:rPr lang="de-DE" noProof="0"/>
+              <a:t>28.8.18</a:t>
+            </a:r>
+            <a:endParaRPr lang="de-DE" noProof="0" dirty="0"/>
+          </a:p>
+        </p:txBody>
+      </p:sp>
+      <p:sp>
+        <p:nvSpPr>
+          <p:cNvPr id="4" name="Fußzeilenplatzhalter 3">
+            <a:extLst>
+              <a:ext uri="{FF2B5EF4-FFF2-40B4-BE49-F238E27FC236}">
+                <a16:creationId xmlns:a16="http://schemas.microsoft.com/office/drawing/2014/main" id="{F01DBAC8-199D-47F3-A570-982F80C57CDD}"/>
+              </a:ext>
+            </a:extLst>
+          </p:cNvPr>
+          <p:cNvSpPr>
+            <a:spLocks noGrp="1"/>
+          </p:cNvSpPr>
+          <p:nvPr>
+            <p:ph type="ftr" sz="quarter" idx="11"/>
+          </p:nvPr>
+        </p:nvSpPr>
+        <p:spPr/>
+        <p:txBody>
+          <a:bodyPr/>
+          <a:lstStyle/>
+          <a:p>
+            <a:pPr rtl="0"/>
+            <a:endParaRPr lang="de-DE" noProof="0" dirty="0"/>
+          </a:p>
+        </p:txBody>
+      </p:sp>
+      <p:sp>
+        <p:nvSpPr>
+          <p:cNvPr id="5" name="Foliennummernplatzhalter 4">
+            <a:extLst>
+              <a:ext uri="{FF2B5EF4-FFF2-40B4-BE49-F238E27FC236}">
+                <a16:creationId xmlns:a16="http://schemas.microsoft.com/office/drawing/2014/main" id="{DD033B92-4039-43BD-BBE0-0462193EF5A3}"/>
+              </a:ext>
+            </a:extLst>
+          </p:cNvPr>
+          <p:cNvSpPr>
+            <a:spLocks noGrp="1"/>
+          </p:cNvSpPr>
+          <p:nvPr>
+            <p:ph type="sldNum" sz="quarter" idx="12"/>
+          </p:nvPr>
+        </p:nvSpPr>
+        <p:spPr/>
+        <p:txBody>
+          <a:bodyPr/>
+          <a:lstStyle/>
+          <a:p>
+            <a:pPr rtl="0"/>
+            <a:r>
+              <a:rPr lang="de-DE" noProof="0"/>
+              <a:t>‹Nr.›</a:t>
+            </a:r>
+            <a:endParaRPr lang="de-DE" noProof="0" dirty="0"/>
+          </a:p>
+        </p:txBody>
+      </p:sp>
+      <mc:AlternateContent xmlns:mc="http://schemas.openxmlformats.org/markup-compatibility/2006">
+        <mc:Choice xmlns:a14="http://schemas.microsoft.com/office/drawing/2010/main" Requires="a14">
+          <p:sp>
+            <p:nvSpPr>
+              <p:cNvPr id="2" name="Textplatzhalter 1">
+                <a:extLst>
+                  <a:ext uri="{FF2B5EF4-FFF2-40B4-BE49-F238E27FC236}">
+                    <a16:creationId xmlns:a16="http://schemas.microsoft.com/office/drawing/2014/main" id="{C337C313-F3FF-45E7-8430-A2F7DF0AEE39}"/>
+                  </a:ext>
+                </a:extLst>
+              </p:cNvPr>
+              <p:cNvSpPr>
+                <a:spLocks noGrp="1"/>
+              </p:cNvSpPr>
+              <p:nvPr>
+                <p:ph type="body" sz="quarter" idx="13"/>
+              </p:nvPr>
+            </p:nvSpPr>
+            <p:spPr/>
+            <p:txBody>
+              <a:bodyPr/>
+              <a:lstStyle/>
+              <a:p>
+                <a:r>
+                  <a:rPr lang="de-DE" dirty="0"/>
+                  <a:t>After </a:t>
+                </a:r>
+                <a:r>
+                  <a:rPr lang="de-DE" dirty="0" err="1"/>
+                  <a:t>no</a:t>
+                </a:r>
+                <a:r>
+                  <a:rPr lang="de-DE" dirty="0"/>
+                  <a:t> </a:t>
+                </a:r>
+                <a:r>
+                  <a:rPr lang="de-DE" dirty="0" err="1"/>
+                  <a:t>proof-obligations</a:t>
+                </a:r>
+                <a:r>
+                  <a:rPr lang="de-DE" dirty="0"/>
+                  <a:t> </a:t>
+                </a:r>
+                <a:r>
+                  <a:rPr lang="de-DE" dirty="0" err="1"/>
+                  <a:t>are</a:t>
+                </a:r>
+                <a:r>
+                  <a:rPr lang="de-DE" dirty="0"/>
+                  <a:t> </a:t>
+                </a:r>
+                <a:r>
+                  <a:rPr lang="de-DE" dirty="0" err="1"/>
+                  <a:t>left</a:t>
+                </a:r>
+                <a:r>
+                  <a:rPr lang="de-DE" dirty="0"/>
+                  <a:t>, </a:t>
+                </a:r>
+                <a:r>
+                  <a:rPr lang="de-DE" dirty="0" err="1"/>
+                  <a:t>the</a:t>
+                </a:r>
+                <a:r>
+                  <a:rPr lang="de-DE" dirty="0"/>
+                  <a:t> </a:t>
+                </a:r>
+                <a:r>
+                  <a:rPr lang="de-DE" dirty="0" err="1"/>
+                  <a:t>algorithm</a:t>
+                </a:r>
+                <a:r>
+                  <a:rPr lang="de-DE" dirty="0"/>
+                  <a:t> </a:t>
+                </a:r>
+                <a:r>
+                  <a:rPr lang="de-DE" dirty="0" err="1"/>
+                  <a:t>initzializes</a:t>
+                </a:r>
+                <a:r>
+                  <a:rPr lang="de-DE" dirty="0"/>
+                  <a:t> </a:t>
+                </a:r>
+                <a:r>
+                  <a:rPr lang="de-DE" dirty="0" err="1"/>
+                  <a:t>new</a:t>
+                </a:r>
+                <a:r>
+                  <a:rPr lang="de-DE" dirty="0"/>
+                  <a:t> </a:t>
+                </a:r>
+                <a:r>
+                  <a:rPr lang="de-DE" dirty="0" err="1"/>
+                  <a:t>frame</a:t>
+                </a:r>
+                <a:r>
+                  <a:rPr lang="de-DE" dirty="0"/>
+                  <a:t> </a:t>
+                </a:r>
+                <a14:m>
+                  <m:oMath xmlns:m="http://schemas.openxmlformats.org/officeDocument/2006/math">
+                    <m:sSub>
+                      <m:sSubPr>
+                        <m:ctrlPr>
+                          <a:rPr lang="de-DE" i="1" smtClean="0">
+                            <a:latin typeface="Cambria Math" panose="02040503050406030204" pitchFamily="18" charset="0"/>
+                          </a:rPr>
+                        </m:ctrlPr>
+                      </m:sSubPr>
+                      <m:e>
+                        <m:r>
+                          <a:rPr lang="de-DE" b="0" i="1" smtClean="0">
+                            <a:latin typeface="Cambria Math" panose="02040503050406030204" pitchFamily="18" charset="0"/>
+                          </a:rPr>
+                          <m:t>𝐹</m:t>
+                        </m:r>
+                      </m:e>
+                      <m:sub>
+                        <m:r>
+                          <a:rPr lang="de-DE" b="0" i="1" smtClean="0">
+                            <a:latin typeface="Cambria Math" panose="02040503050406030204" pitchFamily="18" charset="0"/>
+                          </a:rPr>
+                          <m:t>𝑘</m:t>
+                        </m:r>
+                        <m:r>
+                          <a:rPr lang="de-DE" b="0" i="1" smtClean="0">
+                            <a:latin typeface="Cambria Math" panose="02040503050406030204" pitchFamily="18" charset="0"/>
+                          </a:rPr>
+                          <m:t>+1</m:t>
+                        </m:r>
+                      </m:sub>
+                    </m:sSub>
+                    <m:r>
+                      <a:rPr lang="de-DE" b="0" i="0" smtClean="0">
+                        <a:latin typeface="Cambria Math" panose="02040503050406030204" pitchFamily="18" charset="0"/>
+                      </a:rPr>
+                      <m:t>=</m:t>
+                    </m:r>
+                    <m:r>
+                      <m:rPr>
+                        <m:sty m:val="p"/>
+                      </m:rPr>
+                      <a:rPr lang="de-DE" b="0" i="0" smtClean="0">
+                        <a:latin typeface="Cambria Math" panose="02040503050406030204" pitchFamily="18" charset="0"/>
+                      </a:rPr>
+                      <m:t>P</m:t>
+                    </m:r>
+                  </m:oMath>
+                </a14:m>
+                <a:endParaRPr lang="en-US" dirty="0"/>
+              </a:p>
+              <a:p>
+                <a:endParaRPr lang="de-DE" dirty="0"/>
+              </a:p>
+              <a:p>
+                <a:r>
+                  <a:rPr lang="de-DE" dirty="0" err="1"/>
+                  <a:t>Algorithm</a:t>
+                </a:r>
+                <a:r>
+                  <a:rPr lang="de-DE" dirty="0"/>
+                  <a:t> </a:t>
+                </a:r>
+                <a:r>
+                  <a:rPr lang="de-DE" dirty="0" err="1"/>
+                  <a:t>passes</a:t>
+                </a:r>
+                <a:r>
+                  <a:rPr lang="de-DE" dirty="0"/>
+                  <a:t> on </a:t>
+                </a:r>
+                <a:r>
+                  <a:rPr lang="de-DE" dirty="0" err="1"/>
+                  <a:t>learned</a:t>
+                </a:r>
+                <a:r>
+                  <a:rPr lang="de-DE" dirty="0"/>
+                  <a:t> </a:t>
+                </a:r>
+                <a:r>
+                  <a:rPr lang="de-DE" dirty="0" err="1"/>
+                  <a:t>informations</a:t>
+                </a:r>
+                <a:r>
+                  <a:rPr lang="de-DE" dirty="0"/>
+                  <a:t>, </a:t>
+                </a:r>
+                <a:r>
+                  <a:rPr lang="de-DE" dirty="0" err="1"/>
+                  <a:t>e.g</a:t>
+                </a:r>
+                <a:r>
+                  <a:rPr lang="de-DE" dirty="0"/>
+                  <a:t>, </a:t>
+                </a:r>
+                <a:r>
+                  <a:rPr lang="de-DE" dirty="0" err="1"/>
+                  <a:t>which</a:t>
+                </a:r>
+                <a:r>
+                  <a:rPr lang="de-DE" dirty="0"/>
+                  <a:t> </a:t>
+                </a:r>
+                <a:r>
+                  <a:rPr lang="de-DE" dirty="0" err="1"/>
+                  <a:t>states</a:t>
+                </a:r>
+                <a:r>
+                  <a:rPr lang="de-DE" dirty="0"/>
+                  <a:t> </a:t>
+                </a:r>
+                <a:r>
+                  <a:rPr lang="de-DE" dirty="0" err="1"/>
+                  <a:t>are</a:t>
+                </a:r>
+                <a:r>
+                  <a:rPr lang="de-DE" dirty="0"/>
+                  <a:t> </a:t>
+                </a:r>
+                <a:r>
+                  <a:rPr lang="de-DE" dirty="0" err="1"/>
+                  <a:t>blocked</a:t>
+                </a:r>
+                <a:r>
+                  <a:rPr lang="de-DE" dirty="0"/>
+                  <a:t>:</a:t>
+                </a:r>
+              </a:p>
+              <a:p>
+                <a:pPr lvl="1"/>
+                <a:r>
+                  <a:rPr lang="de-DE" dirty="0" err="1"/>
+                  <a:t>For</a:t>
+                </a:r>
+                <a:r>
+                  <a:rPr lang="de-DE" dirty="0"/>
+                  <a:t> </a:t>
+                </a:r>
+                <a:r>
+                  <a:rPr lang="de-DE" dirty="0" err="1"/>
+                  <a:t>each</a:t>
+                </a:r>
+                <a:r>
+                  <a:rPr lang="de-DE" dirty="0"/>
+                  <a:t> </a:t>
+                </a:r>
+                <a:r>
+                  <a:rPr lang="de-DE" dirty="0" err="1"/>
+                  <a:t>clause</a:t>
+                </a:r>
+                <a:r>
+                  <a:rPr lang="de-DE" dirty="0"/>
+                  <a:t> c in </a:t>
+                </a:r>
+                <a14:m>
+                  <m:oMath xmlns:m="http://schemas.openxmlformats.org/officeDocument/2006/math">
+                    <m:sSub>
+                      <m:sSubPr>
+                        <m:ctrlPr>
+                          <a:rPr lang="de-DE" i="1" smtClean="0">
+                            <a:latin typeface="Cambria Math" panose="02040503050406030204" pitchFamily="18" charset="0"/>
+                          </a:rPr>
+                        </m:ctrlPr>
+                      </m:sSubPr>
+                      <m:e>
+                        <m:r>
+                          <a:rPr lang="de-DE" b="0" i="1" smtClean="0">
+                            <a:latin typeface="Cambria Math" panose="02040503050406030204" pitchFamily="18" charset="0"/>
+                          </a:rPr>
+                          <m:t>𝐹</m:t>
+                        </m:r>
+                      </m:e>
+                      <m:sub>
+                        <m:r>
+                          <a:rPr lang="de-DE" b="0" i="1" smtClean="0">
+                            <a:latin typeface="Cambria Math" panose="02040503050406030204" pitchFamily="18" charset="0"/>
+                          </a:rPr>
+                          <m:t>𝑘</m:t>
+                        </m:r>
+                      </m:sub>
+                    </m:sSub>
+                  </m:oMath>
+                </a14:m>
+                <a:r>
+                  <a:rPr lang="en-US" dirty="0"/>
+                  <a:t> check: </a:t>
+                </a:r>
+                <a14:m>
+                  <m:oMath xmlns:m="http://schemas.openxmlformats.org/officeDocument/2006/math">
+                    <m:sSub>
+                      <m:sSubPr>
+                        <m:ctrlPr>
+                          <a:rPr lang="en-US" i="1" smtClean="0">
+                            <a:latin typeface="Cambria Math" panose="02040503050406030204" pitchFamily="18" charset="0"/>
+                          </a:rPr>
+                        </m:ctrlPr>
+                      </m:sSubPr>
+                      <m:e>
+                        <m:r>
+                          <a:rPr lang="de-DE" b="0" i="1" smtClean="0">
+                            <a:latin typeface="Cambria Math" panose="02040503050406030204" pitchFamily="18" charset="0"/>
+                          </a:rPr>
+                          <m:t>𝐹</m:t>
+                        </m:r>
+                      </m:e>
+                      <m:sub>
+                        <m:r>
+                          <a:rPr lang="de-DE" b="0" i="1" smtClean="0">
+                            <a:latin typeface="Cambria Math" panose="02040503050406030204" pitchFamily="18" charset="0"/>
+                          </a:rPr>
+                          <m:t>𝑘</m:t>
+                        </m:r>
+                      </m:sub>
+                    </m:sSub>
+                    <m:r>
+                      <a:rPr lang="de-DE" b="0" i="1" smtClean="0">
+                        <a:latin typeface="Cambria Math" panose="02040503050406030204" pitchFamily="18" charset="0"/>
+                      </a:rPr>
+                      <m:t> </m:t>
+                    </m:r>
+                    <m:nary>
+                      <m:naryPr>
+                        <m:chr m:val="⋀"/>
+                        <m:subHide m:val="on"/>
+                        <m:supHide m:val="on"/>
+                        <m:ctrlPr>
+                          <a:rPr lang="de-DE" b="0" i="1" smtClean="0">
+                            <a:latin typeface="Cambria Math" panose="02040503050406030204" pitchFamily="18" charset="0"/>
+                            <a:ea typeface="Cambria Math" panose="02040503050406030204" pitchFamily="18" charset="0"/>
+                          </a:rPr>
+                        </m:ctrlPr>
+                      </m:naryPr>
+                      <m:sub/>
+                      <m:sup/>
+                      <m:e>
+                        <m:r>
+                          <a:rPr lang="de-DE" b="0" i="1" smtClean="0">
+                            <a:latin typeface="Cambria Math" panose="02040503050406030204" pitchFamily="18" charset="0"/>
+                            <a:ea typeface="Cambria Math" panose="02040503050406030204" pitchFamily="18" charset="0"/>
+                          </a:rPr>
+                          <m:t>𝑇</m:t>
+                        </m:r>
+                      </m:e>
+                    </m:nary>
+                    <m:r>
+                      <a:rPr lang="de-DE" b="0" i="1" smtClean="0">
+                        <a:latin typeface="Cambria Math" panose="02040503050406030204" pitchFamily="18" charset="0"/>
+                        <a:ea typeface="Cambria Math" panose="02040503050406030204" pitchFamily="18" charset="0"/>
+                      </a:rPr>
+                      <m:t> </m:t>
+                    </m:r>
+                    <m:nary>
+                      <m:naryPr>
+                        <m:chr m:val="⋀"/>
+                        <m:subHide m:val="on"/>
+                        <m:supHide m:val="on"/>
+                        <m:ctrlPr>
+                          <a:rPr lang="de-DE" b="0" i="1" smtClean="0">
+                            <a:latin typeface="Cambria Math" panose="02040503050406030204" pitchFamily="18" charset="0"/>
+                            <a:ea typeface="Cambria Math" panose="02040503050406030204" pitchFamily="18" charset="0"/>
+                          </a:rPr>
+                        </m:ctrlPr>
+                      </m:naryPr>
+                      <m:sub/>
+                      <m:sup/>
+                      <m:e>
+                        <m:r>
+                          <a:rPr lang="de-DE" b="0" i="1" smtClean="0">
+                            <a:latin typeface="Cambria Math" panose="02040503050406030204" pitchFamily="18" charset="0"/>
+                            <a:ea typeface="Cambria Math" panose="02040503050406030204" pitchFamily="18" charset="0"/>
+                          </a:rPr>
+                          <m:t> </m:t>
+                        </m:r>
+                        <m:acc>
+                          <m:accPr>
+                            <m:chr m:val="̅"/>
+                            <m:ctrlPr>
+                              <a:rPr lang="de-DE" b="0" i="1" smtClean="0">
+                                <a:latin typeface="Cambria Math" panose="02040503050406030204" pitchFamily="18" charset="0"/>
+                                <a:ea typeface="Cambria Math" panose="02040503050406030204" pitchFamily="18" charset="0"/>
+                              </a:rPr>
+                            </m:ctrlPr>
+                          </m:accPr>
+                          <m:e>
+                            <m:r>
+                              <a:rPr lang="de-DE" b="0" i="1" smtClean="0">
+                                <a:latin typeface="Cambria Math" panose="02040503050406030204" pitchFamily="18" charset="0"/>
+                                <a:ea typeface="Cambria Math" panose="02040503050406030204" pitchFamily="18" charset="0"/>
+                              </a:rPr>
+                              <m:t>𝑐</m:t>
+                            </m:r>
+                          </m:e>
+                        </m:acc>
+                        <m:r>
+                          <a:rPr lang="de-DE" b="0" i="1" smtClean="0">
+                            <a:latin typeface="Cambria Math" panose="02040503050406030204" pitchFamily="18" charset="0"/>
+                          </a:rPr>
+                          <m:t>′</m:t>
+                        </m:r>
+                      </m:e>
+                    </m:nary>
+                  </m:oMath>
+                </a14:m>
+                <a:r>
+                  <a:rPr lang="en-US" dirty="0"/>
+                  <a:t> for satisfiability</a:t>
+                </a:r>
+              </a:p>
+              <a:p>
+                <a:pPr marL="506412" lvl="2" indent="0">
+                  <a:buNone/>
+                </a:pPr>
+                <a:endParaRPr lang="de-DE" dirty="0"/>
+              </a:p>
+              <a:p>
+                <a:pPr lvl="2">
+                  <a:buFont typeface="Wingdings" panose="05000000000000000000" pitchFamily="2" charset="2"/>
+                  <a:buChar char="è"/>
+                </a:pPr>
+                <a:r>
+                  <a:rPr lang="de-DE" dirty="0" err="1">
+                    <a:sym typeface="Wingdings" panose="05000000000000000000" pitchFamily="2" charset="2"/>
+                  </a:rPr>
+                  <a:t>If</a:t>
+                </a:r>
+                <a:r>
+                  <a:rPr lang="de-DE" dirty="0">
+                    <a:sym typeface="Wingdings" panose="05000000000000000000" pitchFamily="2" charset="2"/>
+                  </a:rPr>
+                  <a:t> </a:t>
+                </a:r>
+                <a:r>
+                  <a:rPr lang="de-DE" dirty="0" err="1">
+                    <a:sym typeface="Wingdings" panose="05000000000000000000" pitchFamily="2" charset="2"/>
+                  </a:rPr>
+                  <a:t>unsatisfiable</a:t>
+                </a:r>
+                <a:r>
+                  <a:rPr lang="de-DE" dirty="0">
+                    <a:sym typeface="Wingdings" panose="05000000000000000000" pitchFamily="2" charset="2"/>
+                  </a:rPr>
+                  <a:t>:</a:t>
+                </a:r>
+              </a:p>
+              <a:p>
+                <a:pPr lvl="3">
+                  <a:buFont typeface="Wingdings" panose="05000000000000000000" pitchFamily="2" charset="2"/>
+                  <a:buChar char="§"/>
+                </a:pPr>
+                <a:r>
+                  <a:rPr lang="de-DE" dirty="0" err="1"/>
+                  <a:t>Algorithm</a:t>
+                </a:r>
+                <a:r>
+                  <a:rPr lang="de-DE" dirty="0"/>
+                  <a:t> </a:t>
+                </a:r>
+                <a:r>
+                  <a:rPr lang="de-DE" dirty="0" err="1"/>
+                  <a:t>strengthens</a:t>
+                </a:r>
+                <a:r>
+                  <a:rPr lang="de-DE" dirty="0"/>
+                  <a:t> </a:t>
+                </a:r>
+                <a14:m>
+                  <m:oMath xmlns:m="http://schemas.openxmlformats.org/officeDocument/2006/math">
+                    <m:sSub>
+                      <m:sSubPr>
+                        <m:ctrlPr>
+                          <a:rPr lang="de-DE" i="1" smtClean="0">
+                            <a:latin typeface="Cambria Math" panose="02040503050406030204" pitchFamily="18" charset="0"/>
+                          </a:rPr>
+                        </m:ctrlPr>
+                      </m:sSubPr>
+                      <m:e>
+                        <m:r>
+                          <a:rPr lang="de-DE" b="0" i="1" smtClean="0">
+                            <a:latin typeface="Cambria Math" panose="02040503050406030204" pitchFamily="18" charset="0"/>
+                          </a:rPr>
+                          <m:t>𝐹</m:t>
+                        </m:r>
+                      </m:e>
+                      <m:sub>
+                        <m:r>
+                          <a:rPr lang="de-DE" b="0" i="1" smtClean="0">
+                            <a:latin typeface="Cambria Math" panose="02040503050406030204" pitchFamily="18" charset="0"/>
+                          </a:rPr>
+                          <m:t>𝑘</m:t>
+                        </m:r>
+                        <m:r>
+                          <a:rPr lang="de-DE" b="0" i="1" smtClean="0">
+                            <a:latin typeface="Cambria Math" panose="02040503050406030204" pitchFamily="18" charset="0"/>
+                          </a:rPr>
+                          <m:t>+1</m:t>
+                        </m:r>
+                      </m:sub>
+                    </m:sSub>
+                  </m:oMath>
+                </a14:m>
+                <a:r>
+                  <a:rPr lang="en-US" dirty="0"/>
+                  <a:t> with c</a:t>
+                </a:r>
+              </a:p>
+              <a:p>
+                <a:pPr marL="963612" lvl="4" indent="0">
+                  <a:buNone/>
+                </a:pPr>
+                <a:r>
+                  <a:rPr lang="en-US" dirty="0">
+                    <a:sym typeface="Wingdings" panose="05000000000000000000" pitchFamily="2" charset="2"/>
+                  </a:rPr>
+                  <a:t></a:t>
+                </a:r>
+                <a:r>
+                  <a:rPr lang="en-US" dirty="0"/>
+                  <a:t> </a:t>
+                </a:r>
+                <a14:m>
+                  <m:oMath xmlns:m="http://schemas.openxmlformats.org/officeDocument/2006/math">
+                    <m:sSub>
+                      <m:sSubPr>
+                        <m:ctrlPr>
+                          <a:rPr lang="en-US" i="1" smtClean="0">
+                            <a:latin typeface="Cambria Math" panose="02040503050406030204" pitchFamily="18" charset="0"/>
+                          </a:rPr>
+                        </m:ctrlPr>
+                      </m:sSubPr>
+                      <m:e>
+                        <m:r>
+                          <a:rPr lang="de-DE" b="0" i="1" smtClean="0">
+                            <a:latin typeface="Cambria Math" panose="02040503050406030204" pitchFamily="18" charset="0"/>
+                          </a:rPr>
+                          <m:t>𝐹</m:t>
+                        </m:r>
+                      </m:e>
+                      <m:sub>
+                        <m:r>
+                          <a:rPr lang="de-DE" b="0" i="1" smtClean="0">
+                            <a:latin typeface="Cambria Math" panose="02040503050406030204" pitchFamily="18" charset="0"/>
+                          </a:rPr>
+                          <m:t>𝑘</m:t>
+                        </m:r>
+                        <m:r>
+                          <a:rPr lang="de-DE" b="0" i="1" smtClean="0">
+                            <a:latin typeface="Cambria Math" panose="02040503050406030204" pitchFamily="18" charset="0"/>
+                          </a:rPr>
+                          <m:t>+1</m:t>
+                        </m:r>
+                      </m:sub>
+                    </m:sSub>
+                    <m:r>
+                      <a:rPr lang="de-DE" b="0" i="1" smtClean="0">
+                        <a:latin typeface="Cambria Math" panose="02040503050406030204" pitchFamily="18" charset="0"/>
+                      </a:rPr>
+                      <m:t>=</m:t>
+                    </m:r>
+                    <m:sSub>
+                      <m:sSubPr>
+                        <m:ctrlPr>
+                          <a:rPr lang="de-DE" b="0" i="1" smtClean="0">
+                            <a:latin typeface="Cambria Math" panose="02040503050406030204" pitchFamily="18" charset="0"/>
+                          </a:rPr>
+                        </m:ctrlPr>
+                      </m:sSubPr>
+                      <m:e>
+                        <m:r>
+                          <a:rPr lang="de-DE" b="0" i="1" smtClean="0">
+                            <a:latin typeface="Cambria Math" panose="02040503050406030204" pitchFamily="18" charset="0"/>
+                          </a:rPr>
+                          <m:t>𝐹</m:t>
+                        </m:r>
+                      </m:e>
+                      <m:sub>
+                        <m:r>
+                          <a:rPr lang="de-DE" b="0" i="1" smtClean="0">
+                            <a:latin typeface="Cambria Math" panose="02040503050406030204" pitchFamily="18" charset="0"/>
+                          </a:rPr>
+                          <m:t>𝑘</m:t>
+                        </m:r>
+                        <m:r>
+                          <a:rPr lang="de-DE" b="0" i="1" smtClean="0">
+                            <a:latin typeface="Cambria Math" panose="02040503050406030204" pitchFamily="18" charset="0"/>
+                          </a:rPr>
+                          <m:t>+1</m:t>
+                        </m:r>
+                      </m:sub>
+                    </m:sSub>
+                    <m:r>
+                      <a:rPr lang="de-DE" b="0" i="1" smtClean="0">
+                        <a:latin typeface="Cambria Math" panose="02040503050406030204" pitchFamily="18" charset="0"/>
+                      </a:rPr>
+                      <m:t> </m:t>
+                    </m:r>
+                    <m:nary>
+                      <m:naryPr>
+                        <m:chr m:val="⋀"/>
+                        <m:subHide m:val="on"/>
+                        <m:supHide m:val="on"/>
+                        <m:ctrlPr>
+                          <a:rPr lang="de-DE" b="0" i="1" smtClean="0">
+                            <a:latin typeface="Cambria Math" panose="02040503050406030204" pitchFamily="18" charset="0"/>
+                            <a:ea typeface="Cambria Math" panose="02040503050406030204" pitchFamily="18" charset="0"/>
+                          </a:rPr>
+                        </m:ctrlPr>
+                      </m:naryPr>
+                      <m:sub/>
+                      <m:sup/>
+                      <m:e>
+                        <m:r>
+                          <a:rPr lang="de-DE" b="0" i="1" smtClean="0">
+                            <a:latin typeface="Cambria Math" panose="02040503050406030204" pitchFamily="18" charset="0"/>
+                            <a:ea typeface="Cambria Math" panose="02040503050406030204" pitchFamily="18" charset="0"/>
+                          </a:rPr>
+                          <m:t> </m:t>
+                        </m:r>
+                        <m:r>
+                          <a:rPr lang="de-DE" b="0" i="1" smtClean="0">
+                            <a:latin typeface="Cambria Math" panose="02040503050406030204" pitchFamily="18" charset="0"/>
+                            <a:ea typeface="Cambria Math" panose="02040503050406030204" pitchFamily="18" charset="0"/>
+                          </a:rPr>
+                          <m:t>𝑐</m:t>
+                        </m:r>
+                      </m:e>
+                    </m:nary>
+                  </m:oMath>
+                </a14:m>
+                <a:endParaRPr lang="en-US" dirty="0"/>
+              </a:p>
+            </p:txBody>
+          </p:sp>
+        </mc:Choice>
+        <mc:Fallback>
+          <p:sp>
+            <p:nvSpPr>
+              <p:cNvPr id="2" name="Textplatzhalter 1">
+                <a:extLst>
+                  <a:ext uri="{FF2B5EF4-FFF2-40B4-BE49-F238E27FC236}">
+                    <a16:creationId xmlns:a16="http://schemas.microsoft.com/office/drawing/2014/main" id="{C337C313-F3FF-45E7-8430-A2F7DF0AEE39}"/>
+                  </a:ext>
+                </a:extLst>
+              </p:cNvPr>
+              <p:cNvSpPr>
+                <a:spLocks noGrp="1" noRot="1" noChangeAspect="1" noMove="1" noResize="1" noEditPoints="1" noAdjustHandles="1" noChangeArrowheads="1" noChangeShapeType="1" noTextEdit="1"/>
+              </p:cNvSpPr>
+              <p:nvPr>
+                <p:ph type="body" sz="quarter" idx="13"/>
+              </p:nvPr>
+            </p:nvSpPr>
+            <p:spPr>
+              <a:blipFill>
+                <a:blip r:embed="rId2"/>
+                <a:stretch>
+                  <a:fillRect l="-498" t="-1488"/>
+                </a:stretch>
+              </a:blipFill>
+            </p:spPr>
+            <p:txBody>
+              <a:bodyPr/>
+              <a:lstStyle/>
+              <a:p>
+                <a:r>
+                  <a:rPr lang="en-US">
+                    <a:noFill/>
+                  </a:rPr>
+                  <a:t> </a:t>
+                </a:r>
+              </a:p>
+            </p:txBody>
+          </p:sp>
+        </mc:Fallback>
+      </mc:AlternateContent>
+      <p:sp>
+        <p:nvSpPr>
+          <p:cNvPr id="8" name="Textplatzhalter 7">
+            <a:extLst>
+              <a:ext uri="{FF2B5EF4-FFF2-40B4-BE49-F238E27FC236}">
+                <a16:creationId xmlns:a16="http://schemas.microsoft.com/office/drawing/2014/main" id="{EB5900AC-9042-4445-AAA7-322581583494}"/>
+              </a:ext>
+            </a:extLst>
+          </p:cNvPr>
+          <p:cNvSpPr>
+            <a:spLocks noGrp="1"/>
+          </p:cNvSpPr>
+          <p:nvPr>
+            <p:ph type="body" sz="quarter" idx="14"/>
+          </p:nvPr>
+        </p:nvSpPr>
+        <p:spPr/>
+        <p:txBody>
+          <a:bodyPr/>
+          <a:lstStyle/>
+          <a:p>
+            <a:r>
+              <a:rPr lang="de-DE" dirty="0" err="1"/>
+              <a:t>Propagating</a:t>
+            </a:r>
+            <a:r>
+              <a:rPr lang="de-DE" dirty="0"/>
+              <a:t> </a:t>
+            </a:r>
+            <a:r>
+              <a:rPr lang="de-DE" dirty="0" err="1"/>
+              <a:t>learned</a:t>
+            </a:r>
+            <a:r>
+              <a:rPr lang="de-DE" dirty="0"/>
+              <a:t> </a:t>
+            </a:r>
+            <a:r>
+              <a:rPr lang="de-DE" dirty="0" err="1"/>
+              <a:t>information</a:t>
+            </a:r>
+            <a:endParaRPr lang="en-US" dirty="0"/>
+          </a:p>
+        </p:txBody>
+      </p:sp>
+    </p:spTree>
+    <p:extLst>
+      <p:ext uri="{BB962C8B-B14F-4D97-AF65-F5344CB8AC3E}">
+        <p14:creationId xmlns:p14="http://schemas.microsoft.com/office/powerpoint/2010/main" val="430065360"/>
+      </p:ext>
+    </p:extLst>
+  </p:cSld>
+  <p:clrMapOvr>
+    <a:masterClrMapping/>
+  </p:clrMapOvr>
+  <mc:AlternateContent xmlns:mc="http://schemas.openxmlformats.org/markup-compatibility/2006" xmlns:p14="http://schemas.microsoft.com/office/powerpoint/2010/main">
+    <mc:Choice Requires="p14">
+      <p:transition spd="med" p14:dur="700">
+        <p:fade/>
+      </p:transition>
+    </mc:Choice>
+    <mc:Fallback xmlns="">
+      <p:transition spd="med">
+        <p:fade/>
+      </p:transition>
+    </mc:Fallback>
+  </mc:AlternateContent>
+</p:sld>
+</file>
+
+<file path=ppt/slides/slide23.xml><?xml version="1.0" encoding="utf-8"?>
+<p:sld xmlns:a="http://schemas.openxmlformats.org/drawingml/2006/main" xmlns:r="http://schemas.openxmlformats.org/officeDocument/2006/relationships" xmlns:p="http://schemas.openxmlformats.org/presentationml/2006/main">
+  <p:cSld>
+    <p:spTree>
+      <p:nvGrpSpPr>
+        <p:cNvPr id="1" name=""/>
+        <p:cNvGrpSpPr/>
+        <p:nvPr/>
+      </p:nvGrpSpPr>
+      <p:grpSpPr>
+        <a:xfrm>
+          <a:off x="0" y="0"/>
+          <a:ext cx="0" cy="0"/>
+          <a:chOff x="0" y="0"/>
+          <a:chExt cx="0" cy="0"/>
+        </a:xfrm>
+      </p:grpSpPr>
+      <p:sp>
+        <p:nvSpPr>
+          <p:cNvPr id="6" name="Titel 5">
+            <a:extLst>
+              <a:ext uri="{FF2B5EF4-FFF2-40B4-BE49-F238E27FC236}">
+                <a16:creationId xmlns:a16="http://schemas.microsoft.com/office/drawing/2014/main" id="{1661A19C-2FAC-45A3-810F-F0198EA3B294}"/>
+              </a:ext>
+            </a:extLst>
+          </p:cNvPr>
+          <p:cNvSpPr>
+            <a:spLocks noGrp="1"/>
+          </p:cNvSpPr>
+          <p:nvPr>
+            <p:ph type="title"/>
+          </p:nvPr>
+        </p:nvSpPr>
+        <p:spPr/>
+        <p:txBody>
+          <a:bodyPr>
+            <a:normAutofit fontScale="90000"/>
+          </a:bodyPr>
+          <a:lstStyle/>
+          <a:p>
+            <a:r>
+              <a:rPr lang="de-DE" dirty="0"/>
+              <a:t>2.2 </a:t>
+            </a:r>
+            <a:r>
+              <a:rPr lang="de-DE" dirty="0" err="1"/>
+              <a:t>Algorithm</a:t>
+            </a:r>
+            <a:r>
+              <a:rPr lang="de-DE" dirty="0"/>
+              <a:t>: </a:t>
+            </a:r>
+            <a:r>
+              <a:rPr lang="de-DE" b="0" dirty="0"/>
+              <a:t>Propagation-Phase</a:t>
+            </a:r>
+            <a:endParaRPr lang="en-US" b="0" dirty="0"/>
+          </a:p>
+        </p:txBody>
+      </p:sp>
+      <p:sp>
+        <p:nvSpPr>
+          <p:cNvPr id="3" name="Datumsplatzhalter 2">
+            <a:extLst>
+              <a:ext uri="{FF2B5EF4-FFF2-40B4-BE49-F238E27FC236}">
+                <a16:creationId xmlns:a16="http://schemas.microsoft.com/office/drawing/2014/main" id="{9B2C4A63-DAA0-46CB-BFF4-627C7D5EC074}"/>
+              </a:ext>
+            </a:extLst>
+          </p:cNvPr>
+          <p:cNvSpPr>
+            <a:spLocks noGrp="1"/>
+          </p:cNvSpPr>
+          <p:nvPr>
+            <p:ph type="dt" sz="half" idx="10"/>
+          </p:nvPr>
+        </p:nvSpPr>
+        <p:spPr/>
+        <p:txBody>
+          <a:bodyPr/>
+          <a:lstStyle/>
+          <a:p>
+            <a:pPr algn="r"/>
+            <a:r>
+              <a:rPr lang="de-DE" noProof="0"/>
+              <a:t>28.8.18</a:t>
+            </a:r>
+            <a:endParaRPr lang="de-DE" noProof="0" dirty="0"/>
+          </a:p>
+        </p:txBody>
+      </p:sp>
+      <p:sp>
+        <p:nvSpPr>
+          <p:cNvPr id="4" name="Fußzeilenplatzhalter 3">
+            <a:extLst>
+              <a:ext uri="{FF2B5EF4-FFF2-40B4-BE49-F238E27FC236}">
+                <a16:creationId xmlns:a16="http://schemas.microsoft.com/office/drawing/2014/main" id="{F01DBAC8-199D-47F3-A570-982F80C57CDD}"/>
+              </a:ext>
+            </a:extLst>
+          </p:cNvPr>
+          <p:cNvSpPr>
+            <a:spLocks noGrp="1"/>
+          </p:cNvSpPr>
+          <p:nvPr>
+            <p:ph type="ftr" sz="quarter" idx="11"/>
+          </p:nvPr>
+        </p:nvSpPr>
+        <p:spPr/>
+        <p:txBody>
+          <a:bodyPr/>
+          <a:lstStyle/>
+          <a:p>
+            <a:pPr rtl="0"/>
+            <a:endParaRPr lang="de-DE" noProof="0" dirty="0"/>
+          </a:p>
+        </p:txBody>
+      </p:sp>
+      <p:sp>
+        <p:nvSpPr>
+          <p:cNvPr id="5" name="Foliennummernplatzhalter 4">
+            <a:extLst>
+              <a:ext uri="{FF2B5EF4-FFF2-40B4-BE49-F238E27FC236}">
+                <a16:creationId xmlns:a16="http://schemas.microsoft.com/office/drawing/2014/main" id="{DD033B92-4039-43BD-BBE0-0462193EF5A3}"/>
+              </a:ext>
+            </a:extLst>
+          </p:cNvPr>
+          <p:cNvSpPr>
+            <a:spLocks noGrp="1"/>
+          </p:cNvSpPr>
+          <p:nvPr>
+            <p:ph type="sldNum" sz="quarter" idx="12"/>
+          </p:nvPr>
+        </p:nvSpPr>
+        <p:spPr/>
+        <p:txBody>
+          <a:bodyPr/>
+          <a:lstStyle/>
+          <a:p>
+            <a:pPr rtl="0"/>
+            <a:r>
+              <a:rPr lang="de-DE" noProof="0"/>
+              <a:t>‹Nr.›</a:t>
+            </a:r>
+            <a:endParaRPr lang="de-DE" noProof="0" dirty="0"/>
+          </a:p>
+        </p:txBody>
+      </p:sp>
+      <mc:AlternateContent xmlns:mc="http://schemas.openxmlformats.org/markup-compatibility/2006">
+        <mc:Choice xmlns:a14="http://schemas.microsoft.com/office/drawing/2010/main" Requires="a14">
+          <p:sp>
+            <p:nvSpPr>
+              <p:cNvPr id="2" name="Textplatzhalter 1">
+                <a:extLst>
+                  <a:ext uri="{FF2B5EF4-FFF2-40B4-BE49-F238E27FC236}">
+                    <a16:creationId xmlns:a16="http://schemas.microsoft.com/office/drawing/2014/main" id="{C337C313-F3FF-45E7-8430-A2F7DF0AEE39}"/>
+                  </a:ext>
+                </a:extLst>
+              </p:cNvPr>
+              <p:cNvSpPr>
+                <a:spLocks noGrp="1"/>
+              </p:cNvSpPr>
+              <p:nvPr>
+                <p:ph type="body" sz="quarter" idx="13"/>
+              </p:nvPr>
+            </p:nvSpPr>
+            <p:spPr/>
+            <p:txBody>
+              <a:bodyPr/>
+              <a:lstStyle/>
+              <a:p>
+                <a:r>
+                  <a:rPr lang="de-DE" dirty="0"/>
+                  <a:t>After all </a:t>
+                </a:r>
+                <a:r>
+                  <a:rPr lang="de-DE" dirty="0" err="1"/>
+                  <a:t>clauses</a:t>
+                </a:r>
+                <a:r>
+                  <a:rPr lang="de-DE" dirty="0"/>
+                  <a:t> </a:t>
+                </a:r>
+                <a:r>
+                  <a:rPr lang="de-DE" dirty="0" err="1"/>
+                  <a:t>have</a:t>
+                </a:r>
+                <a:r>
+                  <a:rPr lang="de-DE" dirty="0"/>
+                  <a:t> </a:t>
+                </a:r>
+                <a:r>
+                  <a:rPr lang="de-DE" dirty="0" err="1"/>
+                  <a:t>been</a:t>
+                </a:r>
+                <a:r>
+                  <a:rPr lang="de-DE" dirty="0"/>
+                  <a:t> </a:t>
+                </a:r>
+                <a:r>
+                  <a:rPr lang="de-DE" dirty="0" err="1"/>
+                  <a:t>tested</a:t>
+                </a:r>
+                <a:r>
+                  <a:rPr lang="de-DE" dirty="0"/>
+                  <a:t>, </a:t>
+                </a:r>
+                <a:r>
+                  <a:rPr lang="de-DE" dirty="0" err="1"/>
+                  <a:t>algorithm</a:t>
+                </a:r>
+                <a:r>
+                  <a:rPr lang="de-DE" dirty="0"/>
+                  <a:t> </a:t>
+                </a:r>
+                <a:r>
+                  <a:rPr lang="de-DE" dirty="0" err="1"/>
+                  <a:t>checks</a:t>
+                </a:r>
+                <a:r>
+                  <a:rPr lang="de-DE" dirty="0"/>
+                  <a:t> </a:t>
+                </a:r>
+                <a:r>
+                  <a:rPr lang="de-DE" dirty="0" err="1"/>
+                  <a:t>if</a:t>
+                </a:r>
+                <a:r>
+                  <a:rPr lang="de-DE" dirty="0"/>
+                  <a:t> </a:t>
+                </a:r>
+                <a14:m>
+                  <m:oMath xmlns:m="http://schemas.openxmlformats.org/officeDocument/2006/math">
+                    <m:sSub>
+                      <m:sSubPr>
+                        <m:ctrlPr>
+                          <a:rPr lang="de-DE" i="1" smtClean="0">
+                            <a:latin typeface="Cambria Math" panose="02040503050406030204" pitchFamily="18" charset="0"/>
+                          </a:rPr>
+                        </m:ctrlPr>
+                      </m:sSubPr>
+                      <m:e>
+                        <m:r>
+                          <a:rPr lang="de-DE" b="0" i="1" smtClean="0">
+                            <a:latin typeface="Cambria Math" panose="02040503050406030204" pitchFamily="18" charset="0"/>
+                          </a:rPr>
+                          <m:t>𝐹</m:t>
+                        </m:r>
+                      </m:e>
+                      <m:sub>
+                        <m:r>
+                          <a:rPr lang="de-DE" b="0" i="1" smtClean="0">
+                            <a:latin typeface="Cambria Math" panose="02040503050406030204" pitchFamily="18" charset="0"/>
+                          </a:rPr>
+                          <m:t>𝑘</m:t>
+                        </m:r>
+                      </m:sub>
+                    </m:sSub>
+                    <m:r>
+                      <a:rPr lang="de-DE" b="0" i="1" smtClean="0">
+                        <a:latin typeface="Cambria Math" panose="02040503050406030204" pitchFamily="18" charset="0"/>
+                      </a:rPr>
+                      <m:t> </m:t>
+                    </m:r>
+                    <m:r>
+                      <a:rPr lang="de-DE" b="0" i="1" smtClean="0">
+                        <a:latin typeface="Cambria Math" panose="02040503050406030204" pitchFamily="18" charset="0"/>
+                        <a:ea typeface="Cambria Math" panose="02040503050406030204" pitchFamily="18" charset="0"/>
+                      </a:rPr>
+                      <m:t>≡ </m:t>
+                    </m:r>
+                    <m:sSub>
+                      <m:sSubPr>
+                        <m:ctrlPr>
+                          <a:rPr lang="de-DE" b="0" i="1" smtClean="0">
+                            <a:latin typeface="Cambria Math" panose="02040503050406030204" pitchFamily="18" charset="0"/>
+                            <a:ea typeface="Cambria Math" panose="02040503050406030204" pitchFamily="18" charset="0"/>
+                          </a:rPr>
+                        </m:ctrlPr>
+                      </m:sSubPr>
+                      <m:e>
+                        <m:r>
+                          <a:rPr lang="de-DE" b="0" i="1" smtClean="0">
+                            <a:latin typeface="Cambria Math" panose="02040503050406030204" pitchFamily="18" charset="0"/>
+                            <a:ea typeface="Cambria Math" panose="02040503050406030204" pitchFamily="18" charset="0"/>
+                          </a:rPr>
+                          <m:t>𝐹</m:t>
+                        </m:r>
+                      </m:e>
+                      <m:sub>
+                        <m:r>
+                          <a:rPr lang="de-DE" b="0" i="1" smtClean="0">
+                            <a:latin typeface="Cambria Math" panose="02040503050406030204" pitchFamily="18" charset="0"/>
+                            <a:ea typeface="Cambria Math" panose="02040503050406030204" pitchFamily="18" charset="0"/>
+                          </a:rPr>
+                          <m:t>𝑘</m:t>
+                        </m:r>
+                        <m:r>
+                          <a:rPr lang="de-DE" b="0" i="1" smtClean="0">
+                            <a:latin typeface="Cambria Math" panose="02040503050406030204" pitchFamily="18" charset="0"/>
+                            <a:ea typeface="Cambria Math" panose="02040503050406030204" pitchFamily="18" charset="0"/>
+                          </a:rPr>
+                          <m:t>+1</m:t>
+                        </m:r>
+                      </m:sub>
+                    </m:sSub>
+                  </m:oMath>
+                </a14:m>
+                <a:endParaRPr lang="de-DE" b="0" dirty="0">
+                  <a:ea typeface="Cambria Math" panose="02040503050406030204" pitchFamily="18" charset="0"/>
+                </a:endParaRPr>
+              </a:p>
+              <a:p>
+                <a:pPr lvl="1">
+                  <a:buFont typeface="Wingdings" panose="05000000000000000000" pitchFamily="2" charset="2"/>
+                  <a:buChar char="§"/>
+                </a:pPr>
+                <a:r>
+                  <a:rPr lang="de-DE" dirty="0" err="1">
+                    <a:sym typeface="Wingdings" panose="05000000000000000000" pitchFamily="2" charset="2"/>
+                  </a:rPr>
+                  <a:t>If</a:t>
+                </a:r>
+                <a:r>
+                  <a:rPr lang="de-DE" dirty="0">
+                    <a:sym typeface="Wingdings" panose="05000000000000000000" pitchFamily="2" charset="2"/>
+                  </a:rPr>
+                  <a:t> so, </a:t>
+                </a:r>
+                <a:r>
+                  <a:rPr lang="de-DE" dirty="0" err="1">
+                    <a:sym typeface="Wingdings" panose="05000000000000000000" pitchFamily="2" charset="2"/>
+                  </a:rPr>
+                  <a:t>the</a:t>
+                </a:r>
+                <a:r>
+                  <a:rPr lang="de-DE" dirty="0">
+                    <a:sym typeface="Wingdings" panose="05000000000000000000" pitchFamily="2" charset="2"/>
+                  </a:rPr>
+                  <a:t> </a:t>
+                </a:r>
+                <a:r>
+                  <a:rPr lang="de-DE" dirty="0" err="1">
+                    <a:sym typeface="Wingdings" panose="05000000000000000000" pitchFamily="2" charset="2"/>
+                  </a:rPr>
+                  <a:t>algorithm</a:t>
+                </a:r>
+                <a:r>
+                  <a:rPr lang="de-DE" dirty="0">
+                    <a:sym typeface="Wingdings" panose="05000000000000000000" pitchFamily="2" charset="2"/>
+                  </a:rPr>
+                  <a:t> </a:t>
+                </a:r>
+                <a:r>
+                  <a:rPr lang="de-DE" dirty="0" err="1">
+                    <a:sym typeface="Wingdings" panose="05000000000000000000" pitchFamily="2" charset="2"/>
+                  </a:rPr>
+                  <a:t>has</a:t>
+                </a:r>
+                <a:r>
+                  <a:rPr lang="de-DE" dirty="0">
+                    <a:sym typeface="Wingdings" panose="05000000000000000000" pitchFamily="2" charset="2"/>
+                  </a:rPr>
+                  <a:t> </a:t>
+                </a:r>
+                <a:r>
+                  <a:rPr lang="de-DE" dirty="0" err="1">
+                    <a:sym typeface="Wingdings" panose="05000000000000000000" pitchFamily="2" charset="2"/>
+                  </a:rPr>
+                  <a:t>found</a:t>
+                </a:r>
+                <a:r>
+                  <a:rPr lang="de-DE" dirty="0">
+                    <a:sym typeface="Wingdings" panose="05000000000000000000" pitchFamily="2" charset="2"/>
+                  </a:rPr>
+                  <a:t> a </a:t>
+                </a:r>
+                <a:r>
+                  <a:rPr lang="de-DE" dirty="0" err="1">
+                    <a:sym typeface="Wingdings" panose="05000000000000000000" pitchFamily="2" charset="2"/>
+                  </a:rPr>
+                  <a:t>fixpoint</a:t>
+                </a:r>
+                <a:r>
+                  <a:rPr lang="de-DE" dirty="0">
+                    <a:sym typeface="Wingdings" panose="05000000000000000000" pitchFamily="2" charset="2"/>
+                  </a:rPr>
+                  <a:t> and </a:t>
+                </a:r>
+                <a:r>
+                  <a:rPr lang="de-DE" dirty="0" err="1">
+                    <a:sym typeface="Wingdings" panose="05000000000000000000" pitchFamily="2" charset="2"/>
+                  </a:rPr>
+                  <a:t>terminates</a:t>
+                </a:r>
+                <a:endParaRPr lang="de-DE" dirty="0">
+                  <a:sym typeface="Wingdings" panose="05000000000000000000" pitchFamily="2" charset="2"/>
+                </a:endParaRPr>
+              </a:p>
+              <a:p>
+                <a:pPr marL="506412" lvl="2" indent="0">
+                  <a:buNone/>
+                </a:pPr>
+                <a:r>
+                  <a:rPr lang="de-DE" dirty="0">
+                    <a:sym typeface="Wingdings" panose="05000000000000000000" pitchFamily="2" charset="2"/>
+                  </a:rPr>
+                  <a:t></a:t>
+                </a:r>
+                <a:r>
+                  <a:rPr lang="de-DE" dirty="0" err="1">
+                    <a:sym typeface="Wingdings" panose="05000000000000000000" pitchFamily="2" charset="2"/>
+                  </a:rPr>
+                  <a:t>No</a:t>
+                </a:r>
+                <a:r>
+                  <a:rPr lang="de-DE" dirty="0">
+                    <a:sym typeface="Wingdings" panose="05000000000000000000" pitchFamily="2" charset="2"/>
+                  </a:rPr>
+                  <a:t> </a:t>
+                </a:r>
+                <a:r>
+                  <a:rPr lang="de-DE" dirty="0" err="1">
+                    <a:sym typeface="Wingdings" panose="05000000000000000000" pitchFamily="2" charset="2"/>
+                  </a:rPr>
+                  <a:t>states</a:t>
+                </a:r>
+                <a:r>
+                  <a:rPr lang="de-DE" dirty="0">
+                    <a:sym typeface="Wingdings" panose="05000000000000000000" pitchFamily="2" charset="2"/>
+                  </a:rPr>
+                  <a:t> </a:t>
+                </a:r>
+                <a:r>
+                  <a:rPr lang="de-DE" dirty="0" err="1">
+                    <a:sym typeface="Wingdings" panose="05000000000000000000" pitchFamily="2" charset="2"/>
+                  </a:rPr>
+                  <a:t>of</a:t>
+                </a:r>
+                <a:r>
+                  <a:rPr lang="de-DE" dirty="0">
+                    <a:sym typeface="Wingdings" panose="05000000000000000000" pitchFamily="2" charset="2"/>
+                  </a:rPr>
+                  <a:t> </a:t>
+                </a:r>
+                <a14:m>
+                  <m:oMath xmlns:m="http://schemas.openxmlformats.org/officeDocument/2006/math">
+                    <m:acc>
+                      <m:accPr>
+                        <m:chr m:val="̅"/>
+                        <m:ctrlPr>
+                          <a:rPr lang="de-DE" i="1" smtClean="0">
+                            <a:latin typeface="Cambria Math" panose="02040503050406030204" pitchFamily="18" charset="0"/>
+                            <a:sym typeface="Wingdings" panose="05000000000000000000" pitchFamily="2" charset="2"/>
+                          </a:rPr>
+                        </m:ctrlPr>
+                      </m:accPr>
+                      <m:e>
+                        <m:r>
+                          <a:rPr lang="de-DE" b="0" i="1" smtClean="0">
+                            <a:latin typeface="Cambria Math" panose="02040503050406030204" pitchFamily="18" charset="0"/>
+                            <a:sym typeface="Wingdings" panose="05000000000000000000" pitchFamily="2" charset="2"/>
+                          </a:rPr>
+                          <m:t>𝑃</m:t>
+                        </m:r>
+                      </m:e>
+                    </m:acc>
+                  </m:oMath>
+                </a14:m>
+                <a:r>
+                  <a:rPr lang="en-US" dirty="0"/>
+                  <a:t> are reachable</a:t>
+                </a:r>
+              </a:p>
+              <a:p>
+                <a:pPr lvl="1"/>
+                <a:endParaRPr lang="de-DE" dirty="0"/>
+              </a:p>
+              <a:p>
+                <a:pPr lvl="1">
+                  <a:buFont typeface="Wingdings" panose="05000000000000000000" pitchFamily="2" charset="2"/>
+                  <a:buChar char="§"/>
+                </a:pPr>
+                <a:r>
+                  <a:rPr lang="de-DE" dirty="0" err="1">
+                    <a:sym typeface="Wingdings" panose="05000000000000000000" pitchFamily="2" charset="2"/>
+                  </a:rPr>
+                  <a:t>If</a:t>
+                </a:r>
+                <a:r>
+                  <a:rPr lang="de-DE" dirty="0">
+                    <a:sym typeface="Wingdings" panose="05000000000000000000" pitchFamily="2" charset="2"/>
+                  </a:rPr>
+                  <a:t> not, </a:t>
+                </a:r>
+                <a:r>
+                  <a:rPr lang="de-DE" dirty="0" err="1">
+                    <a:sym typeface="Wingdings" panose="05000000000000000000" pitchFamily="2" charset="2"/>
+                  </a:rPr>
+                  <a:t>the</a:t>
+                </a:r>
+                <a:r>
+                  <a:rPr lang="de-DE" dirty="0">
+                    <a:sym typeface="Wingdings" panose="05000000000000000000" pitchFamily="2" charset="2"/>
+                  </a:rPr>
+                  <a:t> </a:t>
+                </a:r>
+                <a:r>
+                  <a:rPr lang="de-DE" dirty="0" err="1">
+                    <a:sym typeface="Wingdings" panose="05000000000000000000" pitchFamily="2" charset="2"/>
+                  </a:rPr>
+                  <a:t>algorithm</a:t>
+                </a:r>
+                <a:r>
+                  <a:rPr lang="de-DE" dirty="0">
+                    <a:sym typeface="Wingdings" panose="05000000000000000000" pitchFamily="2" charset="2"/>
+                  </a:rPr>
+                  <a:t> </a:t>
+                </a:r>
+                <a:r>
+                  <a:rPr lang="de-DE" dirty="0" err="1">
+                    <a:sym typeface="Wingdings" panose="05000000000000000000" pitchFamily="2" charset="2"/>
+                  </a:rPr>
+                  <a:t>continues</a:t>
+                </a:r>
+                <a:r>
+                  <a:rPr lang="de-DE" dirty="0">
+                    <a:sym typeface="Wingdings" panose="05000000000000000000" pitchFamily="2" charset="2"/>
+                  </a:rPr>
+                  <a:t> </a:t>
+                </a:r>
+                <a:r>
+                  <a:rPr lang="de-DE" dirty="0" err="1">
+                    <a:sym typeface="Wingdings" panose="05000000000000000000" pitchFamily="2" charset="2"/>
+                  </a:rPr>
+                  <a:t>with</a:t>
+                </a:r>
+                <a:r>
+                  <a:rPr lang="de-DE" dirty="0">
+                    <a:sym typeface="Wingdings" panose="05000000000000000000" pitchFamily="2" charset="2"/>
+                  </a:rPr>
+                  <a:t> a </a:t>
+                </a:r>
+                <a:r>
+                  <a:rPr lang="de-DE" dirty="0" err="1">
+                    <a:sym typeface="Wingdings" panose="05000000000000000000" pitchFamily="2" charset="2"/>
+                  </a:rPr>
+                  <a:t>new</a:t>
+                </a:r>
+                <a:r>
+                  <a:rPr lang="de-DE" dirty="0">
+                    <a:sym typeface="Wingdings" panose="05000000000000000000" pitchFamily="2" charset="2"/>
+                  </a:rPr>
+                  <a:t> Next Transition Phase</a:t>
+                </a:r>
+              </a:p>
+              <a:p>
+                <a:pPr lvl="1">
+                  <a:buFont typeface="Wingdings" panose="05000000000000000000" pitchFamily="2" charset="2"/>
+                  <a:buChar char="§"/>
+                </a:pPr>
+                <a:endParaRPr lang="de-DE" dirty="0">
+                  <a:sym typeface="Wingdings" panose="05000000000000000000" pitchFamily="2" charset="2"/>
+                </a:endParaRPr>
+              </a:p>
+              <a:p>
+                <a:pPr lvl="1">
+                  <a:buFont typeface="Wingdings" panose="05000000000000000000" pitchFamily="2" charset="2"/>
+                  <a:buChar char="§"/>
+                </a:pPr>
+                <a:endParaRPr lang="de-DE" dirty="0">
+                  <a:sym typeface="Wingdings" panose="05000000000000000000" pitchFamily="2" charset="2"/>
+                </a:endParaRPr>
+              </a:p>
+              <a:p>
+                <a:pPr lvl="1">
+                  <a:buFont typeface="Wingdings" panose="05000000000000000000" pitchFamily="2" charset="2"/>
+                  <a:buChar char="§"/>
+                </a:pPr>
+                <a:endParaRPr lang="de-DE" dirty="0">
+                  <a:sym typeface="Wingdings" panose="05000000000000000000" pitchFamily="2" charset="2"/>
+                </a:endParaRPr>
+              </a:p>
+              <a:p>
+                <a:endParaRPr lang="de-DE" dirty="0">
+                  <a:sym typeface="Wingdings" panose="05000000000000000000" pitchFamily="2" charset="2"/>
+                </a:endParaRPr>
+              </a:p>
+            </p:txBody>
+          </p:sp>
+        </mc:Choice>
+        <mc:Fallback>
+          <p:sp>
+            <p:nvSpPr>
+              <p:cNvPr id="2" name="Textplatzhalter 1">
+                <a:extLst>
+                  <a:ext uri="{FF2B5EF4-FFF2-40B4-BE49-F238E27FC236}">
+                    <a16:creationId xmlns:a16="http://schemas.microsoft.com/office/drawing/2014/main" id="{C337C313-F3FF-45E7-8430-A2F7DF0AEE39}"/>
+                  </a:ext>
+                </a:extLst>
+              </p:cNvPr>
+              <p:cNvSpPr>
+                <a:spLocks noGrp="1" noRot="1" noChangeAspect="1" noMove="1" noResize="1" noEditPoints="1" noAdjustHandles="1" noChangeArrowheads="1" noChangeShapeType="1" noTextEdit="1"/>
+              </p:cNvSpPr>
+              <p:nvPr>
+                <p:ph type="body" sz="quarter" idx="13"/>
+              </p:nvPr>
+            </p:nvSpPr>
+            <p:spPr>
+              <a:blipFill>
+                <a:blip r:embed="rId2"/>
+                <a:stretch>
+                  <a:fillRect l="-498" t="-1488"/>
+                </a:stretch>
+              </a:blipFill>
+            </p:spPr>
+            <p:txBody>
+              <a:bodyPr/>
+              <a:lstStyle/>
+              <a:p>
+                <a:r>
+                  <a:rPr lang="en-US">
+                    <a:noFill/>
+                  </a:rPr>
+                  <a:t> </a:t>
+                </a:r>
+              </a:p>
+            </p:txBody>
+          </p:sp>
+        </mc:Fallback>
+      </mc:AlternateContent>
+      <p:sp>
+        <p:nvSpPr>
+          <p:cNvPr id="8" name="Textplatzhalter 7">
+            <a:extLst>
+              <a:ext uri="{FF2B5EF4-FFF2-40B4-BE49-F238E27FC236}">
+                <a16:creationId xmlns:a16="http://schemas.microsoft.com/office/drawing/2014/main" id="{EB5900AC-9042-4445-AAA7-322581583494}"/>
+              </a:ext>
+            </a:extLst>
+          </p:cNvPr>
+          <p:cNvSpPr>
+            <a:spLocks noGrp="1"/>
+          </p:cNvSpPr>
+          <p:nvPr>
+            <p:ph type="body" sz="quarter" idx="14"/>
+          </p:nvPr>
+        </p:nvSpPr>
+        <p:spPr/>
+        <p:txBody>
+          <a:bodyPr/>
+          <a:lstStyle/>
+          <a:p>
+            <a:r>
+              <a:rPr lang="de-DE" dirty="0"/>
+              <a:t>Check </a:t>
+            </a:r>
+            <a:r>
+              <a:rPr lang="de-DE" dirty="0" err="1"/>
+              <a:t>for</a:t>
+            </a:r>
+            <a:r>
+              <a:rPr lang="de-DE" dirty="0"/>
+              <a:t> </a:t>
+            </a:r>
+            <a:r>
+              <a:rPr lang="de-DE" dirty="0" err="1"/>
+              <a:t>termination</a:t>
+            </a:r>
+            <a:endParaRPr lang="en-US" dirty="0"/>
+          </a:p>
+        </p:txBody>
+      </p:sp>
+    </p:spTree>
+    <p:extLst>
+      <p:ext uri="{BB962C8B-B14F-4D97-AF65-F5344CB8AC3E}">
+        <p14:creationId xmlns:p14="http://schemas.microsoft.com/office/powerpoint/2010/main" val="116212317"/>
+      </p:ext>
+    </p:extLst>
+  </p:cSld>
+  <p:clrMapOvr>
+    <a:masterClrMapping/>
+  </p:clrMapOvr>
+  <mc:AlternateContent xmlns:mc="http://schemas.openxmlformats.org/markup-compatibility/2006" xmlns:p14="http://schemas.microsoft.com/office/powerpoint/2010/main">
+    <mc:Choice Requires="p14">
+      <p:transition spd="med" p14:dur="700">
+        <p:fade/>
+      </p:transition>
+    </mc:Choice>
+    <mc:Fallback xmlns="">
+      <p:transition spd="med">
+        <p:fade/>
+      </p:transition>
+    </mc:Fallback>
+  </mc:AlternateContent>
+</p:sld>
+</file>
+
+<file path=ppt/slides/slide24.xml><?xml version="1.0" encoding="utf-8"?>
+<p:sld xmlns:a="http://schemas.openxmlformats.org/drawingml/2006/main" xmlns:r="http://schemas.openxmlformats.org/officeDocument/2006/relationships" xmlns:p="http://schemas.openxmlformats.org/presentationml/2006/main">
+  <p:cSld>
+    <p:spTree>
+      <p:nvGrpSpPr>
+        <p:cNvPr id="1" name=""/>
+        <p:cNvGrpSpPr/>
+        <p:nvPr/>
+      </p:nvGrpSpPr>
+      <p:grpSpPr>
+        <a:xfrm>
+          <a:off x="0" y="0"/>
+          <a:ext cx="0" cy="0"/>
+          <a:chOff x="0" y="0"/>
+          <a:chExt cx="0" cy="0"/>
+        </a:xfrm>
+      </p:grpSpPr>
+      <p:sp>
+        <p:nvSpPr>
+          <p:cNvPr id="6" name="Titel 5">
+            <a:extLst>
+              <a:ext uri="{FF2B5EF4-FFF2-40B4-BE49-F238E27FC236}">
+                <a16:creationId xmlns:a16="http://schemas.microsoft.com/office/drawing/2014/main" id="{1661A19C-2FAC-45A3-810F-F0198EA3B294}"/>
+              </a:ext>
+            </a:extLst>
+          </p:cNvPr>
+          <p:cNvSpPr>
+            <a:spLocks noGrp="1"/>
+          </p:cNvSpPr>
+          <p:nvPr>
+            <p:ph type="title"/>
+          </p:nvPr>
+        </p:nvSpPr>
+        <p:spPr/>
+        <p:txBody>
+          <a:bodyPr>
+            <a:normAutofit fontScale="90000"/>
+          </a:bodyPr>
+          <a:lstStyle/>
+          <a:p>
+            <a:r>
+              <a:rPr lang="de-DE" dirty="0"/>
+              <a:t>2.2 </a:t>
+            </a:r>
+            <a:r>
+              <a:rPr lang="de-DE" dirty="0" err="1"/>
+              <a:t>Algorithm</a:t>
+            </a:r>
+            <a:r>
+              <a:rPr lang="de-DE" dirty="0"/>
+              <a:t>: </a:t>
+            </a:r>
+            <a:r>
+              <a:rPr lang="de-DE" b="0" dirty="0"/>
+              <a:t>Propagation-Phase</a:t>
+            </a:r>
+            <a:endParaRPr lang="en-US" b="0" dirty="0"/>
+          </a:p>
+        </p:txBody>
+      </p:sp>
+      <p:sp>
+        <p:nvSpPr>
+          <p:cNvPr id="3" name="Datumsplatzhalter 2">
+            <a:extLst>
+              <a:ext uri="{FF2B5EF4-FFF2-40B4-BE49-F238E27FC236}">
+                <a16:creationId xmlns:a16="http://schemas.microsoft.com/office/drawing/2014/main" id="{9B2C4A63-DAA0-46CB-BFF4-627C7D5EC074}"/>
+              </a:ext>
+            </a:extLst>
+          </p:cNvPr>
+          <p:cNvSpPr>
+            <a:spLocks noGrp="1"/>
+          </p:cNvSpPr>
+          <p:nvPr>
+            <p:ph type="dt" sz="half" idx="10"/>
+          </p:nvPr>
+        </p:nvSpPr>
+        <p:spPr/>
+        <p:txBody>
+          <a:bodyPr/>
+          <a:lstStyle/>
+          <a:p>
+            <a:pPr algn="r"/>
+            <a:r>
+              <a:rPr lang="de-DE" noProof="0"/>
+              <a:t>28.8.18</a:t>
+            </a:r>
+            <a:endParaRPr lang="de-DE" noProof="0" dirty="0"/>
+          </a:p>
+        </p:txBody>
+      </p:sp>
+      <p:sp>
+        <p:nvSpPr>
+          <p:cNvPr id="4" name="Fußzeilenplatzhalter 3">
+            <a:extLst>
+              <a:ext uri="{FF2B5EF4-FFF2-40B4-BE49-F238E27FC236}">
+                <a16:creationId xmlns:a16="http://schemas.microsoft.com/office/drawing/2014/main" id="{F01DBAC8-199D-47F3-A570-982F80C57CDD}"/>
+              </a:ext>
+            </a:extLst>
+          </p:cNvPr>
+          <p:cNvSpPr>
+            <a:spLocks noGrp="1"/>
+          </p:cNvSpPr>
+          <p:nvPr>
+            <p:ph type="ftr" sz="quarter" idx="11"/>
+          </p:nvPr>
+        </p:nvSpPr>
+        <p:spPr/>
+        <p:txBody>
+          <a:bodyPr/>
+          <a:lstStyle/>
+          <a:p>
+            <a:pPr rtl="0"/>
+            <a:endParaRPr lang="de-DE" noProof="0" dirty="0"/>
+          </a:p>
+        </p:txBody>
+      </p:sp>
+      <p:sp>
+        <p:nvSpPr>
+          <p:cNvPr id="5" name="Foliennummernplatzhalter 4">
+            <a:extLst>
+              <a:ext uri="{FF2B5EF4-FFF2-40B4-BE49-F238E27FC236}">
+                <a16:creationId xmlns:a16="http://schemas.microsoft.com/office/drawing/2014/main" id="{DD033B92-4039-43BD-BBE0-0462193EF5A3}"/>
+              </a:ext>
+            </a:extLst>
+          </p:cNvPr>
+          <p:cNvSpPr>
+            <a:spLocks noGrp="1"/>
+          </p:cNvSpPr>
+          <p:nvPr>
+            <p:ph type="sldNum" sz="quarter" idx="12"/>
+          </p:nvPr>
+        </p:nvSpPr>
+        <p:spPr/>
+        <p:txBody>
+          <a:bodyPr/>
+          <a:lstStyle/>
+          <a:p>
+            <a:pPr rtl="0"/>
+            <a:r>
+              <a:rPr lang="de-DE" noProof="0"/>
+              <a:t>‹Nr.›</a:t>
+            </a:r>
+            <a:endParaRPr lang="de-DE" noProof="0" dirty="0"/>
+          </a:p>
+        </p:txBody>
+      </p:sp>
+      <mc:AlternateContent xmlns:mc="http://schemas.openxmlformats.org/markup-compatibility/2006">
+        <mc:Choice xmlns:a14="http://schemas.microsoft.com/office/drawing/2010/main" Requires="a14">
+          <p:sp>
+            <p:nvSpPr>
+              <p:cNvPr id="2" name="Textplatzhalter 1">
+                <a:extLst>
+                  <a:ext uri="{FF2B5EF4-FFF2-40B4-BE49-F238E27FC236}">
+                    <a16:creationId xmlns:a16="http://schemas.microsoft.com/office/drawing/2014/main" id="{C337C313-F3FF-45E7-8430-A2F7DF0AEE39}"/>
+                  </a:ext>
+                </a:extLst>
+              </p:cNvPr>
+              <p:cNvSpPr>
+                <a:spLocks noGrp="1"/>
+              </p:cNvSpPr>
+              <p:nvPr>
+                <p:ph type="body" sz="quarter" idx="13"/>
+              </p:nvPr>
+            </p:nvSpPr>
+            <p:spPr/>
+            <p:txBody>
+              <a:bodyPr/>
+              <a:lstStyle/>
+              <a:p>
+                <a:r>
+                  <a:rPr lang="de-DE" dirty="0"/>
+                  <a:t>After all </a:t>
+                </a:r>
+                <a:r>
+                  <a:rPr lang="de-DE" dirty="0" err="1"/>
+                  <a:t>clauses</a:t>
+                </a:r>
+                <a:r>
+                  <a:rPr lang="de-DE" dirty="0"/>
+                  <a:t> </a:t>
+                </a:r>
+                <a:r>
+                  <a:rPr lang="de-DE" dirty="0" err="1"/>
+                  <a:t>have</a:t>
+                </a:r>
+                <a:r>
+                  <a:rPr lang="de-DE" dirty="0"/>
+                  <a:t> </a:t>
+                </a:r>
+                <a:r>
+                  <a:rPr lang="de-DE" dirty="0" err="1"/>
+                  <a:t>been</a:t>
+                </a:r>
+                <a:r>
+                  <a:rPr lang="de-DE" dirty="0"/>
+                  <a:t> </a:t>
+                </a:r>
+                <a:r>
+                  <a:rPr lang="de-DE" dirty="0" err="1"/>
+                  <a:t>tested</a:t>
+                </a:r>
+                <a:r>
+                  <a:rPr lang="de-DE" dirty="0"/>
+                  <a:t>, </a:t>
+                </a:r>
+                <a:r>
+                  <a:rPr lang="de-DE" dirty="0" err="1"/>
+                  <a:t>algorithm</a:t>
+                </a:r>
+                <a:r>
+                  <a:rPr lang="de-DE" dirty="0"/>
+                  <a:t> </a:t>
+                </a:r>
+                <a:r>
+                  <a:rPr lang="de-DE" dirty="0" err="1"/>
+                  <a:t>checks</a:t>
+                </a:r>
+                <a:r>
+                  <a:rPr lang="de-DE" dirty="0"/>
+                  <a:t> </a:t>
+                </a:r>
+                <a:r>
+                  <a:rPr lang="de-DE" dirty="0" err="1"/>
+                  <a:t>if</a:t>
+                </a:r>
+                <a:r>
+                  <a:rPr lang="de-DE" dirty="0"/>
+                  <a:t> </a:t>
+                </a:r>
+                <a14:m>
+                  <m:oMath xmlns:m="http://schemas.openxmlformats.org/officeDocument/2006/math">
+                    <m:sSub>
+                      <m:sSubPr>
+                        <m:ctrlPr>
+                          <a:rPr lang="de-DE" i="1" smtClean="0">
+                            <a:latin typeface="Cambria Math" panose="02040503050406030204" pitchFamily="18" charset="0"/>
+                          </a:rPr>
+                        </m:ctrlPr>
+                      </m:sSubPr>
+                      <m:e>
+                        <m:r>
+                          <a:rPr lang="de-DE" b="0" i="1" smtClean="0">
+                            <a:latin typeface="Cambria Math" panose="02040503050406030204" pitchFamily="18" charset="0"/>
+                          </a:rPr>
+                          <m:t>𝐹</m:t>
+                        </m:r>
+                      </m:e>
+                      <m:sub>
+                        <m:r>
+                          <a:rPr lang="de-DE" b="0" i="1" smtClean="0">
+                            <a:latin typeface="Cambria Math" panose="02040503050406030204" pitchFamily="18" charset="0"/>
+                          </a:rPr>
+                          <m:t>𝑘</m:t>
+                        </m:r>
+                      </m:sub>
+                    </m:sSub>
+                    <m:r>
+                      <a:rPr lang="de-DE" b="0" i="1" smtClean="0">
+                        <a:latin typeface="Cambria Math" panose="02040503050406030204" pitchFamily="18" charset="0"/>
+                      </a:rPr>
+                      <m:t> </m:t>
+                    </m:r>
+                    <m:r>
+                      <a:rPr lang="de-DE" b="0" i="1" smtClean="0">
+                        <a:latin typeface="Cambria Math" panose="02040503050406030204" pitchFamily="18" charset="0"/>
+                        <a:ea typeface="Cambria Math" panose="02040503050406030204" pitchFamily="18" charset="0"/>
+                      </a:rPr>
+                      <m:t>≡ </m:t>
+                    </m:r>
+                    <m:sSub>
+                      <m:sSubPr>
+                        <m:ctrlPr>
+                          <a:rPr lang="de-DE" b="0" i="1" smtClean="0">
+                            <a:latin typeface="Cambria Math" panose="02040503050406030204" pitchFamily="18" charset="0"/>
+                            <a:ea typeface="Cambria Math" panose="02040503050406030204" pitchFamily="18" charset="0"/>
+                          </a:rPr>
+                        </m:ctrlPr>
+                      </m:sSubPr>
+                      <m:e>
+                        <m:r>
+                          <a:rPr lang="de-DE" b="0" i="1" smtClean="0">
+                            <a:latin typeface="Cambria Math" panose="02040503050406030204" pitchFamily="18" charset="0"/>
+                            <a:ea typeface="Cambria Math" panose="02040503050406030204" pitchFamily="18" charset="0"/>
+                          </a:rPr>
+                          <m:t>𝐹</m:t>
+                        </m:r>
+                      </m:e>
+                      <m:sub>
+                        <m:r>
+                          <a:rPr lang="de-DE" b="0" i="1" smtClean="0">
+                            <a:latin typeface="Cambria Math" panose="02040503050406030204" pitchFamily="18" charset="0"/>
+                            <a:ea typeface="Cambria Math" panose="02040503050406030204" pitchFamily="18" charset="0"/>
+                          </a:rPr>
+                          <m:t>𝑘</m:t>
+                        </m:r>
+                        <m:r>
+                          <a:rPr lang="de-DE" b="0" i="1" smtClean="0">
+                            <a:latin typeface="Cambria Math" panose="02040503050406030204" pitchFamily="18" charset="0"/>
+                            <a:ea typeface="Cambria Math" panose="02040503050406030204" pitchFamily="18" charset="0"/>
+                          </a:rPr>
+                          <m:t>+1</m:t>
+                        </m:r>
+                      </m:sub>
+                    </m:sSub>
+                  </m:oMath>
+                </a14:m>
+                <a:endParaRPr lang="de-DE" b="0" dirty="0">
+                  <a:ea typeface="Cambria Math" panose="02040503050406030204" pitchFamily="18" charset="0"/>
+                </a:endParaRPr>
+              </a:p>
+              <a:p>
+                <a:pPr lvl="1">
+                  <a:buFont typeface="Wingdings" panose="05000000000000000000" pitchFamily="2" charset="2"/>
+                  <a:buChar char="§"/>
+                </a:pPr>
+                <a:r>
+                  <a:rPr lang="de-DE" dirty="0" err="1">
+                    <a:sym typeface="Wingdings" panose="05000000000000000000" pitchFamily="2" charset="2"/>
+                  </a:rPr>
+                  <a:t>If</a:t>
+                </a:r>
+                <a:r>
+                  <a:rPr lang="de-DE" dirty="0">
+                    <a:sym typeface="Wingdings" panose="05000000000000000000" pitchFamily="2" charset="2"/>
+                  </a:rPr>
+                  <a:t> so, </a:t>
+                </a:r>
+                <a:r>
+                  <a:rPr lang="de-DE" dirty="0" err="1">
+                    <a:sym typeface="Wingdings" panose="05000000000000000000" pitchFamily="2" charset="2"/>
+                  </a:rPr>
+                  <a:t>the</a:t>
+                </a:r>
+                <a:r>
+                  <a:rPr lang="de-DE" dirty="0">
+                    <a:sym typeface="Wingdings" panose="05000000000000000000" pitchFamily="2" charset="2"/>
+                  </a:rPr>
+                  <a:t> </a:t>
+                </a:r>
+                <a:r>
+                  <a:rPr lang="de-DE" dirty="0" err="1">
+                    <a:sym typeface="Wingdings" panose="05000000000000000000" pitchFamily="2" charset="2"/>
+                  </a:rPr>
+                  <a:t>algorithm</a:t>
+                </a:r>
+                <a:r>
+                  <a:rPr lang="de-DE" dirty="0">
+                    <a:sym typeface="Wingdings" panose="05000000000000000000" pitchFamily="2" charset="2"/>
+                  </a:rPr>
+                  <a:t> </a:t>
+                </a:r>
+                <a:r>
+                  <a:rPr lang="de-DE" dirty="0" err="1">
+                    <a:sym typeface="Wingdings" panose="05000000000000000000" pitchFamily="2" charset="2"/>
+                  </a:rPr>
+                  <a:t>has</a:t>
+                </a:r>
+                <a:r>
+                  <a:rPr lang="de-DE" dirty="0">
+                    <a:sym typeface="Wingdings" panose="05000000000000000000" pitchFamily="2" charset="2"/>
+                  </a:rPr>
+                  <a:t> </a:t>
+                </a:r>
+                <a:r>
+                  <a:rPr lang="de-DE" dirty="0" err="1">
+                    <a:sym typeface="Wingdings" panose="05000000000000000000" pitchFamily="2" charset="2"/>
+                  </a:rPr>
+                  <a:t>found</a:t>
+                </a:r>
+                <a:r>
+                  <a:rPr lang="de-DE" dirty="0">
+                    <a:sym typeface="Wingdings" panose="05000000000000000000" pitchFamily="2" charset="2"/>
+                  </a:rPr>
+                  <a:t> a </a:t>
+                </a:r>
+                <a:r>
+                  <a:rPr lang="de-DE" dirty="0" err="1">
+                    <a:sym typeface="Wingdings" panose="05000000000000000000" pitchFamily="2" charset="2"/>
+                  </a:rPr>
+                  <a:t>fixpoint</a:t>
+                </a:r>
+                <a:r>
+                  <a:rPr lang="de-DE" dirty="0">
+                    <a:sym typeface="Wingdings" panose="05000000000000000000" pitchFamily="2" charset="2"/>
+                  </a:rPr>
+                  <a:t> and </a:t>
+                </a:r>
+                <a:r>
+                  <a:rPr lang="de-DE" dirty="0" err="1">
+                    <a:sym typeface="Wingdings" panose="05000000000000000000" pitchFamily="2" charset="2"/>
+                  </a:rPr>
+                  <a:t>terminates</a:t>
+                </a:r>
+                <a:endParaRPr lang="de-DE" dirty="0">
+                  <a:sym typeface="Wingdings" panose="05000000000000000000" pitchFamily="2" charset="2"/>
+                </a:endParaRPr>
+              </a:p>
+              <a:p>
+                <a:pPr marL="506412" lvl="2" indent="0">
+                  <a:buNone/>
+                </a:pPr>
+                <a:r>
+                  <a:rPr lang="de-DE" dirty="0">
+                    <a:sym typeface="Wingdings" panose="05000000000000000000" pitchFamily="2" charset="2"/>
+                  </a:rPr>
+                  <a:t></a:t>
+                </a:r>
+                <a:r>
+                  <a:rPr lang="de-DE" dirty="0" err="1">
+                    <a:sym typeface="Wingdings" panose="05000000000000000000" pitchFamily="2" charset="2"/>
+                  </a:rPr>
+                  <a:t>No</a:t>
+                </a:r>
+                <a:r>
+                  <a:rPr lang="de-DE" dirty="0">
+                    <a:sym typeface="Wingdings" panose="05000000000000000000" pitchFamily="2" charset="2"/>
+                  </a:rPr>
+                  <a:t> </a:t>
+                </a:r>
+                <a:r>
+                  <a:rPr lang="de-DE" dirty="0" err="1">
+                    <a:sym typeface="Wingdings" panose="05000000000000000000" pitchFamily="2" charset="2"/>
+                  </a:rPr>
+                  <a:t>states</a:t>
+                </a:r>
+                <a:r>
+                  <a:rPr lang="de-DE" dirty="0">
+                    <a:sym typeface="Wingdings" panose="05000000000000000000" pitchFamily="2" charset="2"/>
+                  </a:rPr>
+                  <a:t> </a:t>
+                </a:r>
+                <a:r>
+                  <a:rPr lang="de-DE" dirty="0" err="1">
+                    <a:sym typeface="Wingdings" panose="05000000000000000000" pitchFamily="2" charset="2"/>
+                  </a:rPr>
+                  <a:t>of</a:t>
+                </a:r>
+                <a:r>
+                  <a:rPr lang="de-DE" dirty="0">
+                    <a:sym typeface="Wingdings" panose="05000000000000000000" pitchFamily="2" charset="2"/>
+                  </a:rPr>
+                  <a:t> </a:t>
+                </a:r>
+                <a14:m>
+                  <m:oMath xmlns:m="http://schemas.openxmlformats.org/officeDocument/2006/math">
+                    <m:acc>
+                      <m:accPr>
+                        <m:chr m:val="̅"/>
+                        <m:ctrlPr>
+                          <a:rPr lang="de-DE" i="1" smtClean="0">
+                            <a:latin typeface="Cambria Math" panose="02040503050406030204" pitchFamily="18" charset="0"/>
+                            <a:sym typeface="Wingdings" panose="05000000000000000000" pitchFamily="2" charset="2"/>
+                          </a:rPr>
+                        </m:ctrlPr>
+                      </m:accPr>
+                      <m:e>
+                        <m:r>
+                          <a:rPr lang="de-DE" b="0" i="1" smtClean="0">
+                            <a:latin typeface="Cambria Math" panose="02040503050406030204" pitchFamily="18" charset="0"/>
+                            <a:sym typeface="Wingdings" panose="05000000000000000000" pitchFamily="2" charset="2"/>
+                          </a:rPr>
+                          <m:t>𝑃</m:t>
+                        </m:r>
+                      </m:e>
+                    </m:acc>
+                  </m:oMath>
+                </a14:m>
+                <a:r>
+                  <a:rPr lang="en-US" dirty="0"/>
+                  <a:t> are reachable</a:t>
+                </a:r>
+              </a:p>
+              <a:p>
+                <a:pPr lvl="1"/>
+                <a:endParaRPr lang="de-DE" dirty="0"/>
+              </a:p>
+              <a:p>
+                <a:pPr lvl="1">
+                  <a:buFont typeface="Wingdings" panose="05000000000000000000" pitchFamily="2" charset="2"/>
+                  <a:buChar char="§"/>
+                </a:pPr>
+                <a:r>
+                  <a:rPr lang="de-DE" dirty="0" err="1">
+                    <a:sym typeface="Wingdings" panose="05000000000000000000" pitchFamily="2" charset="2"/>
+                  </a:rPr>
+                  <a:t>If</a:t>
+                </a:r>
+                <a:r>
+                  <a:rPr lang="de-DE" dirty="0">
+                    <a:sym typeface="Wingdings" panose="05000000000000000000" pitchFamily="2" charset="2"/>
+                  </a:rPr>
+                  <a:t> not, </a:t>
+                </a:r>
+                <a:r>
+                  <a:rPr lang="de-DE" dirty="0" err="1">
+                    <a:sym typeface="Wingdings" panose="05000000000000000000" pitchFamily="2" charset="2"/>
+                  </a:rPr>
+                  <a:t>the</a:t>
+                </a:r>
+                <a:r>
+                  <a:rPr lang="de-DE" dirty="0">
+                    <a:sym typeface="Wingdings" panose="05000000000000000000" pitchFamily="2" charset="2"/>
+                  </a:rPr>
+                  <a:t> </a:t>
+                </a:r>
+                <a:r>
+                  <a:rPr lang="de-DE" dirty="0" err="1">
+                    <a:sym typeface="Wingdings" panose="05000000000000000000" pitchFamily="2" charset="2"/>
+                  </a:rPr>
+                  <a:t>algorithm</a:t>
+                </a:r>
+                <a:r>
+                  <a:rPr lang="de-DE" dirty="0">
+                    <a:sym typeface="Wingdings" panose="05000000000000000000" pitchFamily="2" charset="2"/>
+                  </a:rPr>
+                  <a:t> </a:t>
+                </a:r>
+                <a:r>
+                  <a:rPr lang="de-DE" dirty="0" err="1">
+                    <a:sym typeface="Wingdings" panose="05000000000000000000" pitchFamily="2" charset="2"/>
+                  </a:rPr>
+                  <a:t>continues</a:t>
+                </a:r>
+                <a:r>
+                  <a:rPr lang="de-DE" dirty="0">
+                    <a:sym typeface="Wingdings" panose="05000000000000000000" pitchFamily="2" charset="2"/>
+                  </a:rPr>
+                  <a:t> </a:t>
+                </a:r>
+                <a:r>
+                  <a:rPr lang="de-DE" dirty="0" err="1">
+                    <a:sym typeface="Wingdings" panose="05000000000000000000" pitchFamily="2" charset="2"/>
+                  </a:rPr>
+                  <a:t>with</a:t>
+                </a:r>
+                <a:r>
+                  <a:rPr lang="de-DE" dirty="0">
+                    <a:sym typeface="Wingdings" panose="05000000000000000000" pitchFamily="2" charset="2"/>
+                  </a:rPr>
+                  <a:t> a </a:t>
+                </a:r>
+                <a:r>
+                  <a:rPr lang="de-DE" dirty="0" err="1">
+                    <a:sym typeface="Wingdings" panose="05000000000000000000" pitchFamily="2" charset="2"/>
+                  </a:rPr>
+                  <a:t>new</a:t>
+                </a:r>
+                <a:r>
+                  <a:rPr lang="de-DE" dirty="0">
+                    <a:sym typeface="Wingdings" panose="05000000000000000000" pitchFamily="2" charset="2"/>
+                  </a:rPr>
+                  <a:t> Next Transition Phase</a:t>
+                </a:r>
+              </a:p>
+              <a:p>
+                <a:pPr lvl="1">
+                  <a:buFont typeface="Wingdings" panose="05000000000000000000" pitchFamily="2" charset="2"/>
+                  <a:buChar char="§"/>
+                </a:pPr>
+                <a:endParaRPr lang="de-DE" dirty="0">
+                  <a:sym typeface="Wingdings" panose="05000000000000000000" pitchFamily="2" charset="2"/>
+                </a:endParaRPr>
+              </a:p>
+              <a:p>
+                <a:pPr lvl="1">
+                  <a:buFont typeface="Wingdings" panose="05000000000000000000" pitchFamily="2" charset="2"/>
+                  <a:buChar char="§"/>
+                </a:pPr>
+                <a:endParaRPr lang="de-DE" dirty="0">
+                  <a:sym typeface="Wingdings" panose="05000000000000000000" pitchFamily="2" charset="2"/>
+                </a:endParaRPr>
+              </a:p>
+              <a:p>
+                <a:pPr lvl="1">
+                  <a:buFont typeface="Wingdings" panose="05000000000000000000" pitchFamily="2" charset="2"/>
+                  <a:buChar char="§"/>
+                </a:pPr>
+                <a:endParaRPr lang="de-DE" dirty="0">
+                  <a:sym typeface="Wingdings" panose="05000000000000000000" pitchFamily="2" charset="2"/>
+                </a:endParaRPr>
+              </a:p>
+              <a:p>
+                <a:r>
+                  <a:rPr lang="de-DE" dirty="0" err="1">
+                    <a:sym typeface="Wingdings" panose="05000000000000000000" pitchFamily="2" charset="2"/>
+                  </a:rPr>
+                  <a:t>Algorithm</a:t>
+                </a:r>
+                <a:r>
+                  <a:rPr lang="de-DE" dirty="0">
+                    <a:sym typeface="Wingdings" panose="05000000000000000000" pitchFamily="2" charset="2"/>
+                  </a:rPr>
+                  <a:t> </a:t>
+                </a:r>
+                <a:r>
+                  <a:rPr lang="de-DE" dirty="0" err="1">
+                    <a:sym typeface="Wingdings" panose="05000000000000000000" pitchFamily="2" charset="2"/>
+                  </a:rPr>
+                  <a:t>repeats</a:t>
+                </a:r>
+                <a:r>
+                  <a:rPr lang="de-DE" dirty="0">
+                    <a:sym typeface="Wingdings" panose="05000000000000000000" pitchFamily="2" charset="2"/>
+                  </a:rPr>
+                  <a:t> </a:t>
+                </a:r>
+                <a:r>
+                  <a:rPr lang="de-DE" dirty="0" err="1">
+                    <a:sym typeface="Wingdings" panose="05000000000000000000" pitchFamily="2" charset="2"/>
+                  </a:rPr>
+                  <a:t>the</a:t>
+                </a:r>
+                <a:r>
+                  <a:rPr lang="de-DE" dirty="0">
+                    <a:sym typeface="Wingdings" panose="05000000000000000000" pitchFamily="2" charset="2"/>
+                  </a:rPr>
+                  <a:t> </a:t>
+                </a:r>
+                <a:r>
+                  <a:rPr lang="de-DE" dirty="0" err="1">
+                    <a:sym typeface="Wingdings" panose="05000000000000000000" pitchFamily="2" charset="2"/>
+                  </a:rPr>
+                  <a:t>three</a:t>
+                </a:r>
+                <a:r>
+                  <a:rPr lang="de-DE" dirty="0">
+                    <a:sym typeface="Wingdings" panose="05000000000000000000" pitchFamily="2" charset="2"/>
+                  </a:rPr>
+                  <a:t> </a:t>
+                </a:r>
+                <a:r>
+                  <a:rPr lang="de-DE" dirty="0" err="1">
+                    <a:sym typeface="Wingdings" panose="05000000000000000000" pitchFamily="2" charset="2"/>
+                  </a:rPr>
+                  <a:t>phases</a:t>
+                </a:r>
+                <a:r>
+                  <a:rPr lang="de-DE" dirty="0">
+                    <a:sym typeface="Wingdings" panose="05000000000000000000" pitchFamily="2" charset="2"/>
+                  </a:rPr>
+                  <a:t> </a:t>
+                </a:r>
+                <a:r>
+                  <a:rPr lang="de-DE" dirty="0" err="1">
+                    <a:sym typeface="Wingdings" panose="05000000000000000000" pitchFamily="2" charset="2"/>
+                  </a:rPr>
+                  <a:t>until</a:t>
+                </a:r>
+                <a:r>
+                  <a:rPr lang="de-DE" dirty="0">
+                    <a:sym typeface="Wingdings" panose="05000000000000000000" pitchFamily="2" charset="2"/>
+                  </a:rPr>
+                  <a:t> a </a:t>
+                </a:r>
+                <a:r>
+                  <a:rPr lang="de-DE" dirty="0" err="1">
+                    <a:sym typeface="Wingdings" panose="05000000000000000000" pitchFamily="2" charset="2"/>
+                  </a:rPr>
+                  <a:t>fixpoint</a:t>
+                </a:r>
+                <a:r>
+                  <a:rPr lang="de-DE" dirty="0">
+                    <a:sym typeface="Wingdings" panose="05000000000000000000" pitchFamily="2" charset="2"/>
+                  </a:rPr>
+                  <a:t> </a:t>
+                </a:r>
+                <a:r>
+                  <a:rPr lang="de-DE" dirty="0" err="1">
+                    <a:sym typeface="Wingdings" panose="05000000000000000000" pitchFamily="2" charset="2"/>
+                  </a:rPr>
+                  <a:t>is</a:t>
+                </a:r>
+                <a:r>
+                  <a:rPr lang="de-DE" dirty="0">
+                    <a:sym typeface="Wingdings" panose="05000000000000000000" pitchFamily="2" charset="2"/>
+                  </a:rPr>
+                  <a:t> </a:t>
+                </a:r>
+                <a:r>
+                  <a:rPr lang="de-DE" dirty="0" err="1">
+                    <a:sym typeface="Wingdings" panose="05000000000000000000" pitchFamily="2" charset="2"/>
+                  </a:rPr>
+                  <a:t>found</a:t>
+                </a:r>
+                <a:r>
+                  <a:rPr lang="de-DE" dirty="0">
+                    <a:sym typeface="Wingdings" panose="05000000000000000000" pitchFamily="2" charset="2"/>
+                  </a:rPr>
+                  <a:t>, </a:t>
+                </a:r>
+                <a:r>
+                  <a:rPr lang="de-DE" dirty="0" err="1">
+                    <a:sym typeface="Wingdings" panose="05000000000000000000" pitchFamily="2" charset="2"/>
+                  </a:rPr>
+                  <a:t>or</a:t>
+                </a:r>
+                <a:r>
+                  <a:rPr lang="de-DE" dirty="0">
+                    <a:sym typeface="Wingdings" panose="05000000000000000000" pitchFamily="2" charset="2"/>
+                  </a:rPr>
+                  <a:t> a </a:t>
+                </a:r>
+                <a:r>
+                  <a:rPr lang="de-DE" dirty="0" err="1">
+                    <a:sym typeface="Wingdings" panose="05000000000000000000" pitchFamily="2" charset="2"/>
+                  </a:rPr>
+                  <a:t>proof</a:t>
+                </a:r>
+                <a:r>
+                  <a:rPr lang="de-DE" dirty="0">
+                    <a:sym typeface="Wingdings" panose="05000000000000000000" pitchFamily="2" charset="2"/>
+                  </a:rPr>
+                  <a:t>-obligation </a:t>
+                </a:r>
+                <a14:m>
+                  <m:oMath xmlns:m="http://schemas.openxmlformats.org/officeDocument/2006/math">
+                    <m:r>
+                      <a:rPr lang="de-DE" i="1">
+                        <a:latin typeface="Cambria Math" panose="02040503050406030204" pitchFamily="18" charset="0"/>
+                      </a:rPr>
+                      <m:t>(</m:t>
+                    </m:r>
+                    <m:r>
+                      <a:rPr lang="de-DE" i="1">
+                        <a:latin typeface="Cambria Math" panose="02040503050406030204" pitchFamily="18" charset="0"/>
+                      </a:rPr>
+                      <m:t>𝑑</m:t>
+                    </m:r>
+                    <m:r>
+                      <a:rPr lang="de-DE" i="1">
+                        <a:latin typeface="Cambria Math" panose="02040503050406030204" pitchFamily="18" charset="0"/>
+                      </a:rPr>
+                      <m:t>, 0)</m:t>
+                    </m:r>
+                  </m:oMath>
+                </a14:m>
+                <a:r>
+                  <a:rPr lang="de-DE" dirty="0">
+                    <a:sym typeface="Wingdings" panose="05000000000000000000" pitchFamily="2" charset="2"/>
+                  </a:rPr>
+                  <a:t> </a:t>
+                </a:r>
+                <a:r>
+                  <a:rPr lang="de-DE" dirty="0" err="1">
+                    <a:sym typeface="Wingdings" panose="05000000000000000000" pitchFamily="2" charset="2"/>
+                  </a:rPr>
+                  <a:t>is</a:t>
+                </a:r>
+                <a:r>
+                  <a:rPr lang="de-DE" dirty="0">
+                    <a:sym typeface="Wingdings" panose="05000000000000000000" pitchFamily="2" charset="2"/>
+                  </a:rPr>
+                  <a:t> </a:t>
+                </a:r>
+                <a:r>
+                  <a:rPr lang="de-DE" dirty="0" err="1">
+                    <a:sym typeface="Wingdings" panose="05000000000000000000" pitchFamily="2" charset="2"/>
+                  </a:rPr>
+                  <a:t>created</a:t>
+                </a:r>
+                <a:endParaRPr lang="de-DE" dirty="0">
+                  <a:sym typeface="Wingdings" panose="05000000000000000000" pitchFamily="2" charset="2"/>
+                </a:endParaRPr>
+              </a:p>
+            </p:txBody>
+          </p:sp>
+        </mc:Choice>
+        <mc:Fallback>
+          <p:sp>
+            <p:nvSpPr>
+              <p:cNvPr id="2" name="Textplatzhalter 1">
+                <a:extLst>
+                  <a:ext uri="{FF2B5EF4-FFF2-40B4-BE49-F238E27FC236}">
+                    <a16:creationId xmlns:a16="http://schemas.microsoft.com/office/drawing/2014/main" id="{C337C313-F3FF-45E7-8430-A2F7DF0AEE39}"/>
+                  </a:ext>
+                </a:extLst>
+              </p:cNvPr>
+              <p:cNvSpPr>
+                <a:spLocks noGrp="1" noRot="1" noChangeAspect="1" noMove="1" noResize="1" noEditPoints="1" noAdjustHandles="1" noChangeArrowheads="1" noChangeShapeType="1" noTextEdit="1"/>
+              </p:cNvSpPr>
+              <p:nvPr>
+                <p:ph type="body" sz="quarter" idx="13"/>
+              </p:nvPr>
+            </p:nvSpPr>
+            <p:spPr>
+              <a:blipFill>
+                <a:blip r:embed="rId2"/>
+                <a:stretch>
+                  <a:fillRect l="-498" t="-1488"/>
+                </a:stretch>
+              </a:blipFill>
+            </p:spPr>
+            <p:txBody>
+              <a:bodyPr/>
+              <a:lstStyle/>
+              <a:p>
+                <a:r>
+                  <a:rPr lang="en-US">
+                    <a:noFill/>
+                  </a:rPr>
+                  <a:t> </a:t>
+                </a:r>
+              </a:p>
+            </p:txBody>
+          </p:sp>
+        </mc:Fallback>
+      </mc:AlternateContent>
+      <p:sp>
+        <p:nvSpPr>
+          <p:cNvPr id="8" name="Textplatzhalter 7">
+            <a:extLst>
+              <a:ext uri="{FF2B5EF4-FFF2-40B4-BE49-F238E27FC236}">
+                <a16:creationId xmlns:a16="http://schemas.microsoft.com/office/drawing/2014/main" id="{EB5900AC-9042-4445-AAA7-322581583494}"/>
+              </a:ext>
+            </a:extLst>
+          </p:cNvPr>
+          <p:cNvSpPr>
+            <a:spLocks noGrp="1"/>
+          </p:cNvSpPr>
+          <p:nvPr>
+            <p:ph type="body" sz="quarter" idx="14"/>
+          </p:nvPr>
+        </p:nvSpPr>
+        <p:spPr/>
+        <p:txBody>
+          <a:bodyPr/>
+          <a:lstStyle/>
+          <a:p>
+            <a:r>
+              <a:rPr lang="de-DE" dirty="0"/>
+              <a:t>Check </a:t>
+            </a:r>
+            <a:r>
+              <a:rPr lang="de-DE" dirty="0" err="1"/>
+              <a:t>for</a:t>
+            </a:r>
+            <a:r>
+              <a:rPr lang="de-DE" dirty="0"/>
+              <a:t> </a:t>
+            </a:r>
+            <a:r>
+              <a:rPr lang="de-DE" dirty="0" err="1"/>
+              <a:t>termination</a:t>
+            </a:r>
+            <a:endParaRPr lang="en-US" dirty="0"/>
+          </a:p>
+        </p:txBody>
+      </p:sp>
+    </p:spTree>
+    <p:extLst>
+      <p:ext uri="{BB962C8B-B14F-4D97-AF65-F5344CB8AC3E}">
+        <p14:creationId xmlns:p14="http://schemas.microsoft.com/office/powerpoint/2010/main" val="3329616289"/>
+      </p:ext>
+    </p:extLst>
+  </p:cSld>
+  <p:clrMapOvr>
+    <a:masterClrMapping/>
+  </p:clrMapOvr>
+  <mc:AlternateContent xmlns:mc="http://schemas.openxmlformats.org/markup-compatibility/2006" xmlns:p14="http://schemas.microsoft.com/office/powerpoint/2010/main">
+    <mc:Choice Requires="p14">
+      <p:transition spd="med" p14:dur="700">
+        <p:fade/>
+      </p:transition>
+    </mc:Choice>
+    <mc:Fallback xmlns="">
+      <p:transition spd="med">
+        <p:fade/>
+      </p:transition>
+    </mc:Fallback>
+  </mc:AlternateContent>
+</p:sld>
+</file>
+
+<file path=ppt/slides/slide25.xml><?xml version="1.0" encoding="utf-8"?>
 <p:sld xmlns:a="http://schemas.openxmlformats.org/drawingml/2006/main" xmlns:r="http://schemas.openxmlformats.org/officeDocument/2006/relationships" xmlns:p="http://schemas.openxmlformats.org/presentationml/2006/main">
   <p:cSld>
     <p:spTree>
@@ -24703,7 +27628,7 @@
 </p:sld>
 </file>
 
-<file path=ppt/slides/slide23.xml><?xml version="1.0" encoding="utf-8"?>
+<file path=ppt/slides/slide26.xml><?xml version="1.0" encoding="utf-8"?>
 <p:sld xmlns:a="http://schemas.openxmlformats.org/drawingml/2006/main" xmlns:r="http://schemas.openxmlformats.org/officeDocument/2006/relationships" xmlns:p="http://schemas.openxmlformats.org/presentationml/2006/main">
   <p:cSld>
     <p:spTree>
@@ -24870,1041 +27795,6 @@
     <p:extLst>
       <p:ext uri="{BB962C8B-B14F-4D97-AF65-F5344CB8AC3E}">
         <p14:creationId xmlns:p14="http://schemas.microsoft.com/office/powerpoint/2010/main" val="3924982230"/>
-      </p:ext>
-    </p:extLst>
-  </p:cSld>
-  <p:clrMapOvr>
-    <a:masterClrMapping/>
-  </p:clrMapOvr>
-  <mc:AlternateContent xmlns:mc="http://schemas.openxmlformats.org/markup-compatibility/2006" xmlns:p14="http://schemas.microsoft.com/office/powerpoint/2010/main">
-    <mc:Choice Requires="p14">
-      <p:transition spd="med" p14:dur="700">
-        <p:fade/>
-      </p:transition>
-    </mc:Choice>
-    <mc:Fallback xmlns="">
-      <p:transition spd="med">
-        <p:fade/>
-      </p:transition>
-    </mc:Fallback>
-  </mc:AlternateContent>
-</p:sld>
-</file>
-
-<file path=ppt/slides/slide24.xml><?xml version="1.0" encoding="utf-8"?>
-<p:sld xmlns:a="http://schemas.openxmlformats.org/drawingml/2006/main" xmlns:r="http://schemas.openxmlformats.org/officeDocument/2006/relationships" xmlns:p="http://schemas.openxmlformats.org/presentationml/2006/main">
-  <p:cSld>
-    <p:spTree>
-      <p:nvGrpSpPr>
-        <p:cNvPr id="1" name=""/>
-        <p:cNvGrpSpPr/>
-        <p:nvPr/>
-      </p:nvGrpSpPr>
-      <p:grpSpPr>
-        <a:xfrm>
-          <a:off x="0" y="0"/>
-          <a:ext cx="0" cy="0"/>
-          <a:chOff x="0" y="0"/>
-          <a:chExt cx="0" cy="0"/>
-        </a:xfrm>
-      </p:grpSpPr>
-      <p:sp>
-        <p:nvSpPr>
-          <p:cNvPr id="2" name="Titel 1">
-            <a:extLst>
-              <a:ext uri="{FF2B5EF4-FFF2-40B4-BE49-F238E27FC236}">
-                <a16:creationId xmlns:a16="http://schemas.microsoft.com/office/drawing/2014/main" id="{F6B3D18A-1F06-46E0-A6ED-31DCC0DB488C}"/>
-              </a:ext>
-            </a:extLst>
-          </p:cNvPr>
-          <p:cNvSpPr>
-            <a:spLocks noGrp="1"/>
-          </p:cNvSpPr>
-          <p:nvPr>
-            <p:ph type="title"/>
-          </p:nvPr>
-        </p:nvSpPr>
-        <p:spPr/>
-        <p:txBody>
-          <a:bodyPr>
-            <a:normAutofit fontScale="90000"/>
-          </a:bodyPr>
-          <a:lstStyle/>
-          <a:p>
-            <a:r>
-              <a:rPr lang="de-DE" dirty="0"/>
-              <a:t>2.4 Possible </a:t>
-            </a:r>
-            <a:r>
-              <a:rPr lang="de-DE" dirty="0" err="1"/>
-              <a:t>Improvements</a:t>
-            </a:r>
-            <a:endParaRPr lang="en-US" dirty="0"/>
-          </a:p>
-        </p:txBody>
-      </p:sp>
-      <p:sp>
-        <p:nvSpPr>
-          <p:cNvPr id="3" name="Datumsplatzhalter 2">
-            <a:extLst>
-              <a:ext uri="{FF2B5EF4-FFF2-40B4-BE49-F238E27FC236}">
-                <a16:creationId xmlns:a16="http://schemas.microsoft.com/office/drawing/2014/main" id="{E087382C-A564-44FB-B4A5-98CE28CA4B35}"/>
-              </a:ext>
-            </a:extLst>
-          </p:cNvPr>
-          <p:cNvSpPr>
-            <a:spLocks noGrp="1"/>
-          </p:cNvSpPr>
-          <p:nvPr>
-            <p:ph type="dt" sz="half" idx="10"/>
-          </p:nvPr>
-        </p:nvSpPr>
-        <p:spPr/>
-        <p:txBody>
-          <a:bodyPr/>
-          <a:lstStyle/>
-          <a:p>
-            <a:pPr algn="r"/>
-            <a:r>
-              <a:rPr lang="de-DE" noProof="0"/>
-              <a:t>28.8.18</a:t>
-            </a:r>
-            <a:endParaRPr lang="de-DE" noProof="0" dirty="0"/>
-          </a:p>
-        </p:txBody>
-      </p:sp>
-      <p:sp>
-        <p:nvSpPr>
-          <p:cNvPr id="4" name="Fußzeilenplatzhalter 3">
-            <a:extLst>
-              <a:ext uri="{FF2B5EF4-FFF2-40B4-BE49-F238E27FC236}">
-                <a16:creationId xmlns:a16="http://schemas.microsoft.com/office/drawing/2014/main" id="{B15F91F9-8321-42A7-8C39-2D5761C78D36}"/>
-              </a:ext>
-            </a:extLst>
-          </p:cNvPr>
-          <p:cNvSpPr>
-            <a:spLocks noGrp="1"/>
-          </p:cNvSpPr>
-          <p:nvPr>
-            <p:ph type="ftr" sz="quarter" idx="11"/>
-          </p:nvPr>
-        </p:nvSpPr>
-        <p:spPr/>
-        <p:txBody>
-          <a:bodyPr/>
-          <a:lstStyle/>
-          <a:p>
-            <a:pPr rtl="0"/>
-            <a:endParaRPr lang="de-DE" noProof="0" dirty="0"/>
-          </a:p>
-        </p:txBody>
-      </p:sp>
-      <p:sp>
-        <p:nvSpPr>
-          <p:cNvPr id="5" name="Foliennummernplatzhalter 4">
-            <a:extLst>
-              <a:ext uri="{FF2B5EF4-FFF2-40B4-BE49-F238E27FC236}">
-                <a16:creationId xmlns:a16="http://schemas.microsoft.com/office/drawing/2014/main" id="{5E7BF228-F0BB-41ED-B4A5-1BA795747798}"/>
-              </a:ext>
-            </a:extLst>
-          </p:cNvPr>
-          <p:cNvSpPr>
-            <a:spLocks noGrp="1"/>
-          </p:cNvSpPr>
-          <p:nvPr>
-            <p:ph type="sldNum" sz="quarter" idx="12"/>
-          </p:nvPr>
-        </p:nvSpPr>
-        <p:spPr/>
-        <p:txBody>
-          <a:bodyPr/>
-          <a:lstStyle/>
-          <a:p>
-            <a:r>
-              <a:rPr lang="de-DE" noProof="0"/>
-              <a:t>‹Nr.›</a:t>
-            </a:r>
-            <a:endParaRPr lang="de-DE" noProof="0" dirty="0"/>
-          </a:p>
-        </p:txBody>
-      </p:sp>
-      <p:sp>
-        <p:nvSpPr>
-          <p:cNvPr id="6" name="Textplatzhalter 5">
-            <a:extLst>
-              <a:ext uri="{FF2B5EF4-FFF2-40B4-BE49-F238E27FC236}">
-                <a16:creationId xmlns:a16="http://schemas.microsoft.com/office/drawing/2014/main" id="{1F65BAD4-F133-43E9-9255-19893504DB96}"/>
-              </a:ext>
-            </a:extLst>
-          </p:cNvPr>
-          <p:cNvSpPr>
-            <a:spLocks noGrp="1"/>
-          </p:cNvSpPr>
-          <p:nvPr>
-            <p:ph type="body" sz="quarter" idx="13"/>
-          </p:nvPr>
-        </p:nvSpPr>
-        <p:spPr/>
-        <p:txBody>
-          <a:bodyPr/>
-          <a:lstStyle/>
-          <a:p>
-            <a:r>
-              <a:rPr lang="de-DE" dirty="0"/>
-              <a:t> Blocking </a:t>
-            </a:r>
-            <a:r>
-              <a:rPr lang="de-DE" dirty="0" err="1"/>
-              <a:t>one</a:t>
-            </a:r>
-            <a:r>
-              <a:rPr lang="de-DE" dirty="0"/>
-              <a:t> </a:t>
-            </a:r>
-            <a:r>
-              <a:rPr lang="de-DE" dirty="0" err="1"/>
-              <a:t>state</a:t>
-            </a:r>
-            <a:r>
-              <a:rPr lang="de-DE" dirty="0"/>
-              <a:t> at a time </a:t>
-            </a:r>
-            <a:r>
-              <a:rPr lang="de-DE" dirty="0" err="1"/>
-              <a:t>is</a:t>
-            </a:r>
-            <a:r>
-              <a:rPr lang="de-DE" dirty="0"/>
-              <a:t> </a:t>
-            </a:r>
-            <a:r>
-              <a:rPr lang="de-DE" dirty="0" err="1"/>
-              <a:t>ineffective</a:t>
-            </a:r>
-            <a:r>
-              <a:rPr lang="de-DE" dirty="0"/>
-              <a:t>.</a:t>
-            </a:r>
-          </a:p>
-          <a:p>
-            <a:pPr marL="274320" lvl="1" indent="0">
-              <a:buNone/>
-            </a:pPr>
-            <a:r>
-              <a:rPr lang="de-DE" dirty="0">
-                <a:sym typeface="Wingdings" panose="05000000000000000000" pitchFamily="2" charset="2"/>
-              </a:rPr>
-              <a:t> </a:t>
-            </a:r>
-            <a:r>
-              <a:rPr lang="de-DE" dirty="0" err="1">
-                <a:sym typeface="Wingdings" panose="05000000000000000000" pitchFamily="2" charset="2"/>
-              </a:rPr>
-              <a:t>Generalize</a:t>
-            </a:r>
-            <a:r>
-              <a:rPr lang="de-DE" dirty="0">
-                <a:sym typeface="Wingdings" panose="05000000000000000000" pitchFamily="2" charset="2"/>
-              </a:rPr>
-              <a:t> </a:t>
-            </a:r>
-            <a:r>
-              <a:rPr lang="de-DE" dirty="0" err="1">
-                <a:sym typeface="Wingdings" panose="05000000000000000000" pitchFamily="2" charset="2"/>
-              </a:rPr>
-              <a:t>blocked</a:t>
-            </a:r>
-            <a:r>
-              <a:rPr lang="de-DE" dirty="0">
-                <a:sym typeface="Wingdings" panose="05000000000000000000" pitchFamily="2" charset="2"/>
-              </a:rPr>
-              <a:t> </a:t>
-            </a:r>
-            <a:r>
-              <a:rPr lang="de-DE" dirty="0" err="1">
-                <a:sym typeface="Wingdings" panose="05000000000000000000" pitchFamily="2" charset="2"/>
-              </a:rPr>
-              <a:t>states</a:t>
-            </a:r>
-            <a:r>
-              <a:rPr lang="de-DE" dirty="0">
-                <a:sym typeface="Wingdings" panose="05000000000000000000" pitchFamily="2" charset="2"/>
-              </a:rPr>
-              <a:t> </a:t>
-            </a:r>
-            <a:r>
-              <a:rPr lang="de-DE" dirty="0" err="1">
-                <a:sym typeface="Wingdings" panose="05000000000000000000" pitchFamily="2" charset="2"/>
-              </a:rPr>
-              <a:t>by</a:t>
-            </a:r>
-            <a:r>
-              <a:rPr lang="de-DE" dirty="0">
-                <a:sym typeface="Wingdings" panose="05000000000000000000" pitchFamily="2" charset="2"/>
-              </a:rPr>
-              <a:t> </a:t>
-            </a:r>
-            <a:r>
-              <a:rPr lang="de-DE" dirty="0" err="1">
-                <a:sym typeface="Wingdings" panose="05000000000000000000" pitchFamily="2" charset="2"/>
-              </a:rPr>
-              <a:t>removing</a:t>
-            </a:r>
-            <a:r>
-              <a:rPr lang="de-DE" dirty="0">
-                <a:sym typeface="Wingdings" panose="05000000000000000000" pitchFamily="2" charset="2"/>
-              </a:rPr>
-              <a:t> </a:t>
-            </a:r>
-            <a:r>
-              <a:rPr lang="de-DE" dirty="0" err="1">
-                <a:sym typeface="Wingdings" panose="05000000000000000000" pitchFamily="2" charset="2"/>
-              </a:rPr>
-              <a:t>cubes</a:t>
-            </a:r>
-            <a:r>
-              <a:rPr lang="de-DE" dirty="0">
-                <a:sym typeface="Wingdings" panose="05000000000000000000" pitchFamily="2" charset="2"/>
-              </a:rPr>
-              <a:t> not </a:t>
-            </a:r>
-            <a:r>
-              <a:rPr lang="de-DE" dirty="0" err="1">
-                <a:sym typeface="Wingdings" panose="05000000000000000000" pitchFamily="2" charset="2"/>
-              </a:rPr>
-              <a:t>used</a:t>
-            </a:r>
-            <a:r>
-              <a:rPr lang="de-DE" dirty="0">
-                <a:sym typeface="Wingdings" panose="05000000000000000000" pitchFamily="2" charset="2"/>
-              </a:rPr>
-              <a:t> in </a:t>
-            </a:r>
-            <a:r>
-              <a:rPr lang="de-DE" dirty="0" err="1">
-                <a:sym typeface="Wingdings" panose="05000000000000000000" pitchFamily="2" charset="2"/>
-              </a:rPr>
-              <a:t>the</a:t>
-            </a:r>
-            <a:r>
-              <a:rPr lang="de-DE" dirty="0">
-                <a:sym typeface="Wingdings" panose="05000000000000000000" pitchFamily="2" charset="2"/>
-              </a:rPr>
-              <a:t> </a:t>
-            </a:r>
-            <a:r>
-              <a:rPr lang="de-DE" dirty="0" err="1">
-                <a:sym typeface="Wingdings" panose="05000000000000000000" pitchFamily="2" charset="2"/>
-              </a:rPr>
-              <a:t>proof</a:t>
-            </a:r>
-            <a:r>
-              <a:rPr lang="de-DE" dirty="0">
-                <a:sym typeface="Wingdings" panose="05000000000000000000" pitchFamily="2" charset="2"/>
-              </a:rPr>
-              <a:t>, </a:t>
-            </a:r>
-            <a:r>
-              <a:rPr lang="de-DE" dirty="0" err="1">
-                <a:sym typeface="Wingdings" panose="05000000000000000000" pitchFamily="2" charset="2"/>
-              </a:rPr>
-              <a:t>delivered</a:t>
-            </a:r>
-            <a:r>
-              <a:rPr lang="de-DE" dirty="0">
-                <a:sym typeface="Wingdings" panose="05000000000000000000" pitchFamily="2" charset="2"/>
-              </a:rPr>
-              <a:t> </a:t>
-            </a:r>
-            <a:r>
-              <a:rPr lang="de-DE" dirty="0" err="1">
-                <a:sym typeface="Wingdings" panose="05000000000000000000" pitchFamily="2" charset="2"/>
-              </a:rPr>
-              <a:t>by</a:t>
-            </a:r>
-            <a:r>
-              <a:rPr lang="de-DE" dirty="0">
-                <a:sym typeface="Wingdings" panose="05000000000000000000" pitchFamily="2" charset="2"/>
-              </a:rPr>
-              <a:t> </a:t>
-            </a:r>
-            <a:r>
-              <a:rPr lang="de-DE" dirty="0" err="1">
-                <a:sym typeface="Wingdings" panose="05000000000000000000" pitchFamily="2" charset="2"/>
-              </a:rPr>
-              <a:t>Unsat</a:t>
-            </a:r>
-            <a:r>
-              <a:rPr lang="de-DE" dirty="0">
-                <a:sym typeface="Wingdings" panose="05000000000000000000" pitchFamily="2" charset="2"/>
-              </a:rPr>
-              <a:t>-cores</a:t>
-            </a:r>
-            <a:endParaRPr lang="de-DE" dirty="0"/>
-          </a:p>
-          <a:p>
-            <a:endParaRPr lang="de-DE" dirty="0"/>
-          </a:p>
-          <a:p>
-            <a:pPr marL="0" indent="0">
-              <a:buNone/>
-            </a:pPr>
-            <a:endParaRPr lang="de-DE" dirty="0"/>
-          </a:p>
-          <a:p>
-            <a:r>
-              <a:rPr lang="de-DE" dirty="0"/>
-              <a:t> </a:t>
-            </a:r>
-            <a:r>
-              <a:rPr lang="de-DE" dirty="0" err="1"/>
-              <a:t>Ternary</a:t>
-            </a:r>
-            <a:r>
-              <a:rPr lang="de-DE" dirty="0"/>
-              <a:t> </a:t>
-            </a:r>
-            <a:r>
-              <a:rPr lang="de-DE" dirty="0" err="1"/>
-              <a:t>simulation</a:t>
-            </a:r>
-            <a:r>
-              <a:rPr lang="de-DE" dirty="0"/>
-              <a:t> </a:t>
-            </a:r>
-            <a:r>
-              <a:rPr lang="de-DE" dirty="0" err="1"/>
-              <a:t>to</a:t>
-            </a:r>
-            <a:r>
-              <a:rPr lang="de-DE" dirty="0"/>
-              <a:t> </a:t>
-            </a:r>
-            <a:r>
-              <a:rPr lang="de-DE" dirty="0" err="1"/>
-              <a:t>generalize</a:t>
-            </a:r>
-            <a:r>
-              <a:rPr lang="de-DE" dirty="0"/>
-              <a:t> </a:t>
-            </a:r>
-            <a:r>
-              <a:rPr lang="de-DE" dirty="0" err="1"/>
-              <a:t>proof-obligations</a:t>
-            </a:r>
-            <a:endParaRPr lang="de-DE" dirty="0"/>
-          </a:p>
-          <a:p>
-            <a:pPr lvl="1"/>
-            <a:r>
-              <a:rPr lang="de-DE" dirty="0"/>
-              <a:t> </a:t>
-            </a:r>
-            <a:r>
-              <a:rPr lang="de-DE" dirty="0" err="1"/>
-              <a:t>Extend</a:t>
-            </a:r>
-            <a:r>
-              <a:rPr lang="de-DE" dirty="0"/>
-              <a:t> </a:t>
-            </a:r>
-            <a:r>
-              <a:rPr lang="de-DE" dirty="0" err="1"/>
-              <a:t>binary</a:t>
-            </a:r>
-            <a:r>
-              <a:rPr lang="de-DE" dirty="0"/>
-              <a:t> variables </a:t>
-            </a:r>
-            <a:r>
-              <a:rPr lang="de-DE" dirty="0" err="1"/>
-              <a:t>with</a:t>
-            </a:r>
-            <a:r>
-              <a:rPr lang="de-DE" dirty="0"/>
-              <a:t> a </a:t>
-            </a:r>
-            <a:r>
-              <a:rPr lang="de-DE" dirty="0" err="1"/>
-              <a:t>new</a:t>
-            </a:r>
-            <a:r>
-              <a:rPr lang="de-DE" dirty="0"/>
-              <a:t> </a:t>
-            </a:r>
-            <a:r>
-              <a:rPr lang="de-DE" dirty="0" err="1"/>
-              <a:t>unknown</a:t>
-            </a:r>
-            <a:r>
-              <a:rPr lang="de-DE" dirty="0"/>
-              <a:t> </a:t>
-            </a:r>
-            <a:r>
-              <a:rPr lang="de-DE" dirty="0" err="1"/>
-              <a:t>value</a:t>
-            </a:r>
-            <a:r>
-              <a:rPr lang="de-DE" dirty="0"/>
-              <a:t> and check variables </a:t>
-            </a:r>
-            <a:r>
-              <a:rPr lang="de-DE" dirty="0" err="1"/>
-              <a:t>for</a:t>
-            </a:r>
-            <a:r>
-              <a:rPr lang="de-DE" dirty="0"/>
-              <a:t> </a:t>
-            </a:r>
-            <a:r>
-              <a:rPr lang="de-DE" dirty="0" err="1"/>
-              <a:t>importance</a:t>
-            </a:r>
-            <a:endParaRPr lang="de-DE" dirty="0"/>
-          </a:p>
-          <a:p>
-            <a:endParaRPr lang="de-DE" dirty="0"/>
-          </a:p>
-        </p:txBody>
-      </p:sp>
-    </p:spTree>
-    <p:extLst>
-      <p:ext uri="{BB962C8B-B14F-4D97-AF65-F5344CB8AC3E}">
-        <p14:creationId xmlns:p14="http://schemas.microsoft.com/office/powerpoint/2010/main" val="2810527099"/>
-      </p:ext>
-    </p:extLst>
-  </p:cSld>
-  <p:clrMapOvr>
-    <a:masterClrMapping/>
-  </p:clrMapOvr>
-  <mc:AlternateContent xmlns:mc="http://schemas.openxmlformats.org/markup-compatibility/2006" xmlns:p14="http://schemas.microsoft.com/office/powerpoint/2010/main">
-    <mc:Choice Requires="p14">
-      <p:transition spd="med" p14:dur="700">
-        <p:fade/>
-      </p:transition>
-    </mc:Choice>
-    <mc:Fallback xmlns="">
-      <p:transition spd="med">
-        <p:fade/>
-      </p:transition>
-    </mc:Fallback>
-  </mc:AlternateContent>
-</p:sld>
-</file>
-
-<file path=ppt/slides/slide25.xml><?xml version="1.0" encoding="utf-8"?>
-<p:sld xmlns:a="http://schemas.openxmlformats.org/drawingml/2006/main" xmlns:r="http://schemas.openxmlformats.org/officeDocument/2006/relationships" xmlns:p="http://schemas.openxmlformats.org/presentationml/2006/main">
-  <p:cSld>
-    <p:spTree>
-      <p:nvGrpSpPr>
-        <p:cNvPr id="1" name=""/>
-        <p:cNvGrpSpPr/>
-        <p:nvPr/>
-      </p:nvGrpSpPr>
-      <p:grpSpPr>
-        <a:xfrm>
-          <a:off x="0" y="0"/>
-          <a:ext cx="0" cy="0"/>
-          <a:chOff x="0" y="0"/>
-          <a:chExt cx="0" cy="0"/>
-        </a:xfrm>
-      </p:grpSpPr>
-      <p:sp>
-        <p:nvSpPr>
-          <p:cNvPr id="2" name="Titel 1">
-            <a:extLst>
-              <a:ext uri="{FF2B5EF4-FFF2-40B4-BE49-F238E27FC236}">
-                <a16:creationId xmlns:a16="http://schemas.microsoft.com/office/drawing/2014/main" id="{258F9DE9-7431-495F-AD93-EEA178EDD70F}"/>
-              </a:ext>
-            </a:extLst>
-          </p:cNvPr>
-          <p:cNvSpPr>
-            <a:spLocks noGrp="1"/>
-          </p:cNvSpPr>
-          <p:nvPr>
-            <p:ph type="title"/>
-          </p:nvPr>
-        </p:nvSpPr>
-        <p:spPr/>
-        <p:txBody>
-          <a:bodyPr>
-            <a:normAutofit fontScale="90000"/>
-          </a:bodyPr>
-          <a:lstStyle/>
-          <a:p>
-            <a:r>
-              <a:rPr lang="de-DE" dirty="0" err="1"/>
-              <a:t>Overview</a:t>
-            </a:r>
-            <a:endParaRPr lang="de-DE" dirty="0"/>
-          </a:p>
-        </p:txBody>
-      </p:sp>
-      <p:sp>
-        <p:nvSpPr>
-          <p:cNvPr id="3" name="Datumsplatzhalter 2">
-            <a:extLst>
-              <a:ext uri="{FF2B5EF4-FFF2-40B4-BE49-F238E27FC236}">
-                <a16:creationId xmlns:a16="http://schemas.microsoft.com/office/drawing/2014/main" id="{000E5BF3-EE16-4A3A-9AC2-C8097A1631D5}"/>
-              </a:ext>
-            </a:extLst>
-          </p:cNvPr>
-          <p:cNvSpPr>
-            <a:spLocks noGrp="1"/>
-          </p:cNvSpPr>
-          <p:nvPr>
-            <p:ph type="dt" sz="half" idx="10"/>
-          </p:nvPr>
-        </p:nvSpPr>
-        <p:spPr/>
-        <p:txBody>
-          <a:bodyPr/>
-          <a:lstStyle/>
-          <a:p>
-            <a:pPr algn="r"/>
-            <a:r>
-              <a:rPr lang="de-DE" noProof="0" dirty="0"/>
-              <a:t>28.8.18</a:t>
-            </a:r>
-          </a:p>
-        </p:txBody>
-      </p:sp>
-      <p:sp>
-        <p:nvSpPr>
-          <p:cNvPr id="4" name="Fußzeilenplatzhalter 3">
-            <a:extLst>
-              <a:ext uri="{FF2B5EF4-FFF2-40B4-BE49-F238E27FC236}">
-                <a16:creationId xmlns:a16="http://schemas.microsoft.com/office/drawing/2014/main" id="{1CE74D54-9888-488A-8C5A-F53E42E541BE}"/>
-              </a:ext>
-            </a:extLst>
-          </p:cNvPr>
-          <p:cNvSpPr>
-            <a:spLocks noGrp="1"/>
-          </p:cNvSpPr>
-          <p:nvPr>
-            <p:ph type="ftr" sz="quarter" idx="11"/>
-          </p:nvPr>
-        </p:nvSpPr>
-        <p:spPr/>
-        <p:txBody>
-          <a:bodyPr/>
-          <a:lstStyle/>
-          <a:p>
-            <a:pPr rtl="0"/>
-            <a:endParaRPr lang="de-DE" noProof="0" dirty="0"/>
-          </a:p>
-        </p:txBody>
-      </p:sp>
-      <p:sp>
-        <p:nvSpPr>
-          <p:cNvPr id="5" name="Foliennummernplatzhalter 4">
-            <a:extLst>
-              <a:ext uri="{FF2B5EF4-FFF2-40B4-BE49-F238E27FC236}">
-                <a16:creationId xmlns:a16="http://schemas.microsoft.com/office/drawing/2014/main" id="{02087F13-7305-43B7-A46E-958A431D74B0}"/>
-              </a:ext>
-            </a:extLst>
-          </p:cNvPr>
-          <p:cNvSpPr>
-            <a:spLocks noGrp="1"/>
-          </p:cNvSpPr>
-          <p:nvPr>
-            <p:ph type="sldNum" sz="quarter" idx="12"/>
-          </p:nvPr>
-        </p:nvSpPr>
-        <p:spPr/>
-        <p:txBody>
-          <a:bodyPr/>
-          <a:lstStyle/>
-          <a:p>
-            <a:r>
-              <a:rPr lang="de-DE" noProof="0" dirty="0"/>
-              <a:t>‹Nr.›</a:t>
-            </a:r>
-          </a:p>
-        </p:txBody>
-      </p:sp>
-      <p:sp>
-        <p:nvSpPr>
-          <p:cNvPr id="6" name="Textplatzhalter 5">
-            <a:extLst>
-              <a:ext uri="{FF2B5EF4-FFF2-40B4-BE49-F238E27FC236}">
-                <a16:creationId xmlns:a16="http://schemas.microsoft.com/office/drawing/2014/main" id="{CE598EF9-AE99-495E-AB14-B855EF4AB994}"/>
-              </a:ext>
-            </a:extLst>
-          </p:cNvPr>
-          <p:cNvSpPr>
-            <a:spLocks noGrp="1"/>
-          </p:cNvSpPr>
-          <p:nvPr>
-            <p:ph type="body" sz="quarter" idx="13"/>
-          </p:nvPr>
-        </p:nvSpPr>
-        <p:spPr/>
-        <p:txBody>
-          <a:bodyPr/>
-          <a:lstStyle/>
-          <a:p>
-            <a:pPr marL="457200" indent="-457200">
-              <a:buFont typeface="+mj-lt"/>
-              <a:buAutoNum type="arabicPeriod"/>
-            </a:pPr>
-            <a:r>
-              <a:rPr lang="de-DE" dirty="0">
-                <a:solidFill>
-                  <a:schemeClr val="bg1">
-                    <a:lumMod val="75000"/>
-                  </a:schemeClr>
-                </a:solidFill>
-              </a:rPr>
-              <a:t> </a:t>
-            </a:r>
-            <a:r>
-              <a:rPr lang="en-US" dirty="0">
-                <a:solidFill>
-                  <a:schemeClr val="bg1">
-                    <a:lumMod val="75000"/>
-                  </a:schemeClr>
-                </a:solidFill>
-              </a:rPr>
-              <a:t>Introduction</a:t>
-            </a:r>
-          </a:p>
-          <a:p>
-            <a:pPr marL="457200" indent="-457200">
-              <a:buFont typeface="+mj-lt"/>
-              <a:buAutoNum type="arabicPeriod"/>
-            </a:pPr>
-            <a:r>
-              <a:rPr lang="de-DE" dirty="0">
-                <a:solidFill>
-                  <a:schemeClr val="bg1">
-                    <a:lumMod val="75000"/>
-                  </a:schemeClr>
-                </a:solidFill>
-              </a:rPr>
-              <a:t> Background: PDR on Hardware</a:t>
-            </a:r>
-          </a:p>
-          <a:p>
-            <a:pPr marL="457200" indent="-457200">
-              <a:buFont typeface="+mj-lt"/>
-              <a:buAutoNum type="arabicPeriod"/>
-            </a:pPr>
-            <a:r>
-              <a:rPr lang="de-DE" dirty="0"/>
-              <a:t> PDR on Software</a:t>
-            </a:r>
-          </a:p>
-          <a:p>
-            <a:pPr marL="457200" indent="-457200">
-              <a:buFont typeface="+mj-lt"/>
-              <a:buAutoNum type="arabicPeriod"/>
-            </a:pPr>
-            <a:r>
-              <a:rPr lang="de-DE" dirty="0">
-                <a:solidFill>
-                  <a:schemeClr val="bg1">
-                    <a:lumMod val="75000"/>
-                  </a:schemeClr>
-                </a:solidFill>
-              </a:rPr>
-              <a:t> Implementation in Ultimate</a:t>
-            </a:r>
-          </a:p>
-          <a:p>
-            <a:pPr marL="457200" indent="-457200">
-              <a:buFont typeface="+mj-lt"/>
-              <a:buAutoNum type="arabicPeriod"/>
-            </a:pPr>
-            <a:r>
-              <a:rPr lang="de-DE" dirty="0">
-                <a:solidFill>
-                  <a:schemeClr val="bg1">
-                    <a:lumMod val="75000"/>
-                  </a:schemeClr>
-                </a:solidFill>
-              </a:rPr>
-              <a:t> Evaluation</a:t>
-            </a:r>
-          </a:p>
-          <a:p>
-            <a:pPr marL="457200" indent="-457200">
-              <a:buFont typeface="+mj-lt"/>
-              <a:buAutoNum type="arabicPeriod"/>
-            </a:pPr>
-            <a:r>
-              <a:rPr lang="de-DE" dirty="0">
-                <a:solidFill>
-                  <a:schemeClr val="bg1">
-                    <a:lumMod val="75000"/>
-                  </a:schemeClr>
-                </a:solidFill>
-              </a:rPr>
-              <a:t> </a:t>
-            </a:r>
-            <a:r>
-              <a:rPr lang="en-US" dirty="0">
-                <a:solidFill>
-                  <a:schemeClr val="bg1">
-                    <a:lumMod val="75000"/>
-                  </a:schemeClr>
-                </a:solidFill>
-              </a:rPr>
-              <a:t>Related</a:t>
-            </a:r>
-            <a:r>
-              <a:rPr lang="de-DE" dirty="0">
-                <a:solidFill>
-                  <a:schemeClr val="bg1">
-                    <a:lumMod val="75000"/>
-                  </a:schemeClr>
-                </a:solidFill>
-              </a:rPr>
-              <a:t> Work</a:t>
-            </a:r>
-          </a:p>
-          <a:p>
-            <a:pPr marL="457200" indent="-457200">
-              <a:buFont typeface="+mj-lt"/>
-              <a:buAutoNum type="arabicPeriod"/>
-            </a:pPr>
-            <a:r>
-              <a:rPr lang="de-DE" dirty="0">
-                <a:solidFill>
-                  <a:schemeClr val="bg1">
-                    <a:lumMod val="75000"/>
-                  </a:schemeClr>
-                </a:solidFill>
-              </a:rPr>
-              <a:t> Future Work</a:t>
-            </a:r>
-          </a:p>
-          <a:p>
-            <a:pPr marL="457200" indent="-457200">
-              <a:buFont typeface="+mj-lt"/>
-              <a:buAutoNum type="arabicPeriod"/>
-            </a:pPr>
-            <a:r>
-              <a:rPr lang="de-DE" dirty="0">
-                <a:solidFill>
-                  <a:schemeClr val="bg1">
-                    <a:lumMod val="75000"/>
-                  </a:schemeClr>
-                </a:solidFill>
-              </a:rPr>
-              <a:t> </a:t>
-            </a:r>
-            <a:r>
-              <a:rPr lang="de-DE" dirty="0" err="1">
-                <a:solidFill>
-                  <a:schemeClr val="bg1">
-                    <a:lumMod val="75000"/>
-                  </a:schemeClr>
-                </a:solidFill>
-              </a:rPr>
-              <a:t>Conclusion</a:t>
-            </a:r>
-            <a:endParaRPr lang="de-DE" dirty="0">
-              <a:solidFill>
-                <a:schemeClr val="bg1">
-                  <a:lumMod val="75000"/>
-                </a:schemeClr>
-              </a:solidFill>
-            </a:endParaRPr>
-          </a:p>
-        </p:txBody>
-      </p:sp>
-    </p:spTree>
-    <p:extLst>
-      <p:ext uri="{BB962C8B-B14F-4D97-AF65-F5344CB8AC3E}">
-        <p14:creationId xmlns:p14="http://schemas.microsoft.com/office/powerpoint/2010/main" val="4087838175"/>
-      </p:ext>
-    </p:extLst>
-  </p:cSld>
-  <p:clrMapOvr>
-    <a:masterClrMapping/>
-  </p:clrMapOvr>
-  <mc:AlternateContent xmlns:mc="http://schemas.openxmlformats.org/markup-compatibility/2006" xmlns:p14="http://schemas.microsoft.com/office/powerpoint/2010/main">
-    <mc:Choice Requires="p14">
-      <p:transition spd="med" p14:dur="700">
-        <p:fade/>
-      </p:transition>
-    </mc:Choice>
-    <mc:Fallback xmlns="">
-      <p:transition spd="med">
-        <p:fade/>
-      </p:transition>
-    </mc:Fallback>
-  </mc:AlternateContent>
-</p:sld>
-</file>
-
-<file path=ppt/slides/slide26.xml><?xml version="1.0" encoding="utf-8"?>
-<p:sld xmlns:a="http://schemas.openxmlformats.org/drawingml/2006/main" xmlns:r="http://schemas.openxmlformats.org/officeDocument/2006/relationships" xmlns:p="http://schemas.openxmlformats.org/presentationml/2006/main">
-  <p:cSld>
-    <p:spTree>
-      <p:nvGrpSpPr>
-        <p:cNvPr id="1" name=""/>
-        <p:cNvGrpSpPr/>
-        <p:nvPr/>
-      </p:nvGrpSpPr>
-      <p:grpSpPr>
-        <a:xfrm>
-          <a:off x="0" y="0"/>
-          <a:ext cx="0" cy="0"/>
-          <a:chOff x="0" y="0"/>
-          <a:chExt cx="0" cy="0"/>
-        </a:xfrm>
-      </p:grpSpPr>
-      <p:sp>
-        <p:nvSpPr>
-          <p:cNvPr id="2" name="Titel 1">
-            <a:extLst>
-              <a:ext uri="{FF2B5EF4-FFF2-40B4-BE49-F238E27FC236}">
-                <a16:creationId xmlns:a16="http://schemas.microsoft.com/office/drawing/2014/main" id="{7C1B9FA5-5DB3-4590-8300-D006AF838165}"/>
-              </a:ext>
-            </a:extLst>
-          </p:cNvPr>
-          <p:cNvSpPr>
-            <a:spLocks noGrp="1"/>
-          </p:cNvSpPr>
-          <p:nvPr>
-            <p:ph type="title"/>
-          </p:nvPr>
-        </p:nvSpPr>
-        <p:spPr/>
-        <p:txBody>
-          <a:bodyPr>
-            <a:normAutofit fontScale="90000"/>
-          </a:bodyPr>
-          <a:lstStyle/>
-          <a:p>
-            <a:r>
-              <a:rPr lang="de-DE" dirty="0"/>
-              <a:t>3.1 </a:t>
-            </a:r>
-            <a:r>
-              <a:rPr lang="de-DE" dirty="0" err="1"/>
-              <a:t>Preliminaries</a:t>
-            </a:r>
-            <a:endParaRPr lang="en-US" dirty="0"/>
-          </a:p>
-        </p:txBody>
-      </p:sp>
-      <p:sp>
-        <p:nvSpPr>
-          <p:cNvPr id="3" name="Datumsplatzhalter 2">
-            <a:extLst>
-              <a:ext uri="{FF2B5EF4-FFF2-40B4-BE49-F238E27FC236}">
-                <a16:creationId xmlns:a16="http://schemas.microsoft.com/office/drawing/2014/main" id="{5911A214-53A8-47FC-86B0-0B90B633DD35}"/>
-              </a:ext>
-            </a:extLst>
-          </p:cNvPr>
-          <p:cNvSpPr>
-            <a:spLocks noGrp="1"/>
-          </p:cNvSpPr>
-          <p:nvPr>
-            <p:ph type="dt" sz="half" idx="10"/>
-          </p:nvPr>
-        </p:nvSpPr>
-        <p:spPr/>
-        <p:txBody>
-          <a:bodyPr/>
-          <a:lstStyle/>
-          <a:p>
-            <a:pPr algn="r"/>
-            <a:r>
-              <a:rPr lang="de-DE" noProof="0"/>
-              <a:t>28.8.18</a:t>
-            </a:r>
-            <a:endParaRPr lang="de-DE" noProof="0" dirty="0"/>
-          </a:p>
-        </p:txBody>
-      </p:sp>
-      <p:sp>
-        <p:nvSpPr>
-          <p:cNvPr id="4" name="Fußzeilenplatzhalter 3">
-            <a:extLst>
-              <a:ext uri="{FF2B5EF4-FFF2-40B4-BE49-F238E27FC236}">
-                <a16:creationId xmlns:a16="http://schemas.microsoft.com/office/drawing/2014/main" id="{3EE67A4B-4B60-4F3A-A036-E46478FED8E2}"/>
-              </a:ext>
-            </a:extLst>
-          </p:cNvPr>
-          <p:cNvSpPr>
-            <a:spLocks noGrp="1"/>
-          </p:cNvSpPr>
-          <p:nvPr>
-            <p:ph type="ftr" sz="quarter" idx="11"/>
-          </p:nvPr>
-        </p:nvSpPr>
-        <p:spPr/>
-        <p:txBody>
-          <a:bodyPr/>
-          <a:lstStyle/>
-          <a:p>
-            <a:pPr rtl="0"/>
-            <a:endParaRPr lang="de-DE" noProof="0" dirty="0"/>
-          </a:p>
-        </p:txBody>
-      </p:sp>
-      <p:sp>
-        <p:nvSpPr>
-          <p:cNvPr id="5" name="Foliennummernplatzhalter 4">
-            <a:extLst>
-              <a:ext uri="{FF2B5EF4-FFF2-40B4-BE49-F238E27FC236}">
-                <a16:creationId xmlns:a16="http://schemas.microsoft.com/office/drawing/2014/main" id="{2BB665AE-41A4-4025-9A2F-FFCB3973B325}"/>
-              </a:ext>
-            </a:extLst>
-          </p:cNvPr>
-          <p:cNvSpPr>
-            <a:spLocks noGrp="1"/>
-          </p:cNvSpPr>
-          <p:nvPr>
-            <p:ph type="sldNum" sz="quarter" idx="12"/>
-          </p:nvPr>
-        </p:nvSpPr>
-        <p:spPr/>
-        <p:txBody>
-          <a:bodyPr/>
-          <a:lstStyle/>
-          <a:p>
-            <a:r>
-              <a:rPr lang="de-DE" noProof="0"/>
-              <a:t>‹Nr.›</a:t>
-            </a:r>
-            <a:endParaRPr lang="de-DE" noProof="0" dirty="0"/>
-          </a:p>
-        </p:txBody>
-      </p:sp>
-      <p:sp>
-        <p:nvSpPr>
-          <p:cNvPr id="6" name="Textplatzhalter 5">
-            <a:extLst>
-              <a:ext uri="{FF2B5EF4-FFF2-40B4-BE49-F238E27FC236}">
-                <a16:creationId xmlns:a16="http://schemas.microsoft.com/office/drawing/2014/main" id="{C2A8ACDC-8FF6-440C-9D87-8482FA086D31}"/>
-              </a:ext>
-            </a:extLst>
-          </p:cNvPr>
-          <p:cNvSpPr>
-            <a:spLocks noGrp="1"/>
-          </p:cNvSpPr>
-          <p:nvPr>
-            <p:ph type="body" sz="quarter" idx="13"/>
-          </p:nvPr>
-        </p:nvSpPr>
-        <p:spPr/>
-        <p:txBody>
-          <a:bodyPr/>
-          <a:lstStyle/>
-          <a:p>
-            <a:endParaRPr lang="en-US"/>
-          </a:p>
-        </p:txBody>
-      </p:sp>
-    </p:spTree>
-    <p:extLst>
-      <p:ext uri="{BB962C8B-B14F-4D97-AF65-F5344CB8AC3E}">
-        <p14:creationId xmlns:p14="http://schemas.microsoft.com/office/powerpoint/2010/main" val="603395283"/>
       </p:ext>
     </p:extLst>
   </p:cSld>
@@ -25948,7 +27838,7 @@
           <p:cNvPr id="2" name="Titel 1">
             <a:extLst>
               <a:ext uri="{FF2B5EF4-FFF2-40B4-BE49-F238E27FC236}">
-                <a16:creationId xmlns:a16="http://schemas.microsoft.com/office/drawing/2014/main" id="{0B085DDF-0698-4024-A295-E941102E8246}"/>
+                <a16:creationId xmlns:a16="http://schemas.microsoft.com/office/drawing/2014/main" id="{F6B3D18A-1F06-46E0-A6ED-31DCC0DB488C}"/>
               </a:ext>
             </a:extLst>
           </p:cNvPr>
@@ -25968,92 +27858,13 @@
           <a:p>
             <a:r>
               <a:rPr lang="de-DE" dirty="0"/>
-              <a:t>3.2 </a:t>
+              <a:t>2.4 Possible </a:t>
             </a:r>
             <a:r>
               <a:rPr lang="de-DE" dirty="0" err="1"/>
-              <a:t>Lifted</a:t>
-            </a:r>
-            <a:r>
-              <a:rPr lang="de-DE" dirty="0"/>
-              <a:t> </a:t>
-            </a:r>
-            <a:r>
-              <a:rPr lang="de-DE" dirty="0" err="1"/>
-              <a:t>Algorithm</a:t>
+              <a:t>Improvements</a:t>
             </a:r>
             <a:endParaRPr lang="en-US" dirty="0"/>
-          </a:p>
-        </p:txBody>
-      </p:sp>
-      <p:sp>
-        <p:nvSpPr>
-          <p:cNvPr id="11" name="Inhaltsplatzhalter 10">
-            <a:extLst>
-              <a:ext uri="{FF2B5EF4-FFF2-40B4-BE49-F238E27FC236}">
-                <a16:creationId xmlns:a16="http://schemas.microsoft.com/office/drawing/2014/main" id="{B5903B1C-8D96-4515-979D-923E3F51964C}"/>
-              </a:ext>
-            </a:extLst>
-          </p:cNvPr>
-          <p:cNvSpPr>
-            <a:spLocks noGrp="1"/>
-          </p:cNvSpPr>
-          <p:nvPr>
-            <p:ph sz="half" idx="1"/>
-          </p:nvPr>
-        </p:nvSpPr>
-        <p:spPr/>
-        <p:txBody>
-          <a:bodyPr/>
-          <a:lstStyle/>
-          <a:p>
-            <a:pPr>
-              <a:spcBef>
-                <a:spcPts val="0"/>
-              </a:spcBef>
-            </a:pPr>
-            <a:r>
-              <a:rPr lang="de-DE" dirty="0"/>
-              <a:t> </a:t>
-            </a:r>
-            <a:r>
-              <a:rPr lang="de-DE" dirty="0" err="1"/>
-              <a:t>Algorithm</a:t>
-            </a:r>
-            <a:r>
-              <a:rPr lang="de-DE" dirty="0"/>
-              <a:t> Pseudocode </a:t>
-            </a:r>
-            <a:r>
-              <a:rPr lang="de-DE" dirty="0" err="1"/>
-              <a:t>here</a:t>
-            </a:r>
-            <a:endParaRPr lang="de-DE" dirty="0"/>
-          </a:p>
-        </p:txBody>
-      </p:sp>
-      <p:sp>
-        <p:nvSpPr>
-          <p:cNvPr id="12" name="Inhaltsplatzhalter 11">
-            <a:extLst>
-              <a:ext uri="{FF2B5EF4-FFF2-40B4-BE49-F238E27FC236}">
-                <a16:creationId xmlns:a16="http://schemas.microsoft.com/office/drawing/2014/main" id="{46285DEB-7779-41FC-B7A5-0BD14A4B1F7A}"/>
-              </a:ext>
-            </a:extLst>
-          </p:cNvPr>
-          <p:cNvSpPr>
-            <a:spLocks noGrp="1"/>
-          </p:cNvSpPr>
-          <p:nvPr>
-            <p:ph sz="half" idx="2"/>
-          </p:nvPr>
-        </p:nvSpPr>
-        <p:spPr/>
-        <p:txBody>
-          <a:bodyPr/>
-          <a:lstStyle/>
-          <a:p>
-            <a:endParaRPr lang="en-US"/>
           </a:p>
         </p:txBody>
       </p:sp>
@@ -26062,7 +27873,7 @@
           <p:cNvPr id="3" name="Datumsplatzhalter 2">
             <a:extLst>
               <a:ext uri="{FF2B5EF4-FFF2-40B4-BE49-F238E27FC236}">
-                <a16:creationId xmlns:a16="http://schemas.microsoft.com/office/drawing/2014/main" id="{E9932634-DEE8-4877-997E-417E11E809CC}"/>
+                <a16:creationId xmlns:a16="http://schemas.microsoft.com/office/drawing/2014/main" id="{E087382C-A564-44FB-B4A5-98CE28CA4B35}"/>
               </a:ext>
             </a:extLst>
           </p:cNvPr>
@@ -26092,7 +27903,7 @@
           <p:cNvPr id="4" name="Fußzeilenplatzhalter 3">
             <a:extLst>
               <a:ext uri="{FF2B5EF4-FFF2-40B4-BE49-F238E27FC236}">
-                <a16:creationId xmlns:a16="http://schemas.microsoft.com/office/drawing/2014/main" id="{4D050B11-7C0D-4F2B-BF9F-635DAB3DF266}"/>
+                <a16:creationId xmlns:a16="http://schemas.microsoft.com/office/drawing/2014/main" id="{B15F91F9-8321-42A7-8C39-2D5761C78D36}"/>
               </a:ext>
             </a:extLst>
           </p:cNvPr>
@@ -26118,7 +27929,7 @@
           <p:cNvPr id="5" name="Foliennummernplatzhalter 4">
             <a:extLst>
               <a:ext uri="{FF2B5EF4-FFF2-40B4-BE49-F238E27FC236}">
-                <a16:creationId xmlns:a16="http://schemas.microsoft.com/office/drawing/2014/main" id="{360C2885-1B2C-4597-A955-3A7FC5A46544}"/>
+                <a16:creationId xmlns:a16="http://schemas.microsoft.com/office/drawing/2014/main" id="{5E7BF228-F0BB-41ED-B4A5-1BA795747798}"/>
               </a:ext>
             </a:extLst>
           </p:cNvPr>
@@ -26142,10 +27953,383 @@
           </a:p>
         </p:txBody>
       </p:sp>
+      <p:sp>
+        <p:nvSpPr>
+          <p:cNvPr id="6" name="Textplatzhalter 5">
+            <a:extLst>
+              <a:ext uri="{FF2B5EF4-FFF2-40B4-BE49-F238E27FC236}">
+                <a16:creationId xmlns:a16="http://schemas.microsoft.com/office/drawing/2014/main" id="{1F65BAD4-F133-43E9-9255-19893504DB96}"/>
+              </a:ext>
+            </a:extLst>
+          </p:cNvPr>
+          <p:cNvSpPr>
+            <a:spLocks noGrp="1"/>
+          </p:cNvSpPr>
+          <p:nvPr>
+            <p:ph type="body" sz="quarter" idx="13"/>
+          </p:nvPr>
+        </p:nvSpPr>
+        <p:spPr/>
+        <p:txBody>
+          <a:bodyPr/>
+          <a:lstStyle/>
+          <a:p>
+            <a:r>
+              <a:rPr lang="de-DE" dirty="0"/>
+              <a:t> Blocking </a:t>
+            </a:r>
+            <a:r>
+              <a:rPr lang="de-DE" dirty="0" err="1"/>
+              <a:t>one</a:t>
+            </a:r>
+            <a:r>
+              <a:rPr lang="de-DE" dirty="0"/>
+              <a:t> </a:t>
+            </a:r>
+            <a:r>
+              <a:rPr lang="de-DE" dirty="0" err="1"/>
+              <a:t>state</a:t>
+            </a:r>
+            <a:r>
+              <a:rPr lang="de-DE" dirty="0"/>
+              <a:t> at a time </a:t>
+            </a:r>
+            <a:r>
+              <a:rPr lang="de-DE" dirty="0" err="1"/>
+              <a:t>is</a:t>
+            </a:r>
+            <a:r>
+              <a:rPr lang="de-DE" dirty="0"/>
+              <a:t> </a:t>
+            </a:r>
+            <a:r>
+              <a:rPr lang="de-DE" dirty="0" err="1"/>
+              <a:t>ineffective</a:t>
+            </a:r>
+            <a:r>
+              <a:rPr lang="de-DE" dirty="0"/>
+              <a:t>:</a:t>
+            </a:r>
+          </a:p>
+          <a:p>
+            <a:pPr lvl="1"/>
+            <a:r>
+              <a:rPr lang="de-DE" dirty="0" err="1">
+                <a:sym typeface="Wingdings" panose="05000000000000000000" pitchFamily="2" charset="2"/>
+              </a:rPr>
+              <a:t>Generalize</a:t>
+            </a:r>
+            <a:r>
+              <a:rPr lang="de-DE" dirty="0">
+                <a:sym typeface="Wingdings" panose="05000000000000000000" pitchFamily="2" charset="2"/>
+              </a:rPr>
+              <a:t> </a:t>
+            </a:r>
+            <a:r>
+              <a:rPr lang="de-DE" dirty="0" err="1">
+                <a:sym typeface="Wingdings" panose="05000000000000000000" pitchFamily="2" charset="2"/>
+              </a:rPr>
+              <a:t>blocked</a:t>
+            </a:r>
+            <a:r>
+              <a:rPr lang="de-DE" dirty="0">
+                <a:sym typeface="Wingdings" panose="05000000000000000000" pitchFamily="2" charset="2"/>
+              </a:rPr>
+              <a:t> </a:t>
+            </a:r>
+            <a:r>
+              <a:rPr lang="de-DE" dirty="0" err="1">
+                <a:sym typeface="Wingdings" panose="05000000000000000000" pitchFamily="2" charset="2"/>
+              </a:rPr>
+              <a:t>states</a:t>
+            </a:r>
+            <a:endParaRPr lang="de-DE" dirty="0">
+              <a:sym typeface="Wingdings" panose="05000000000000000000" pitchFamily="2" charset="2"/>
+            </a:endParaRPr>
+          </a:p>
+          <a:p>
+            <a:pPr marL="274320" lvl="1" indent="0">
+              <a:buNone/>
+            </a:pPr>
+            <a:r>
+              <a:rPr lang="de-DE" dirty="0"/>
+              <a:t>	</a:t>
+            </a:r>
+            <a:r>
+              <a:rPr lang="de-DE" dirty="0">
+                <a:sym typeface="Wingdings" panose="05000000000000000000" pitchFamily="2" charset="2"/>
+              </a:rPr>
+              <a:t> </a:t>
+            </a:r>
+            <a:r>
+              <a:rPr lang="de-DE" dirty="0" err="1"/>
+              <a:t>Eliminate</a:t>
+            </a:r>
+            <a:r>
+              <a:rPr lang="de-DE" dirty="0"/>
+              <a:t> </a:t>
+            </a:r>
+            <a:r>
+              <a:rPr lang="de-DE" dirty="0" err="1"/>
+              <a:t>insignificant</a:t>
+            </a:r>
+            <a:r>
+              <a:rPr lang="de-DE" dirty="0"/>
+              <a:t> </a:t>
+            </a:r>
+            <a:r>
+              <a:rPr lang="de-DE" dirty="0" err="1"/>
+              <a:t>cubes</a:t>
+            </a:r>
+            <a:r>
+              <a:rPr lang="de-DE" dirty="0"/>
+              <a:t> </a:t>
+            </a:r>
+            <a:r>
+              <a:rPr lang="de-DE" dirty="0" err="1"/>
+              <a:t>from</a:t>
+            </a:r>
+            <a:r>
+              <a:rPr lang="de-DE" dirty="0"/>
+              <a:t> </a:t>
+            </a:r>
+            <a:r>
+              <a:rPr lang="de-DE" dirty="0" err="1"/>
+              <a:t>states</a:t>
+            </a:r>
+            <a:r>
+              <a:rPr lang="de-DE" dirty="0"/>
+              <a:t>, </a:t>
+            </a:r>
+            <a:r>
+              <a:rPr lang="de-DE" dirty="0" err="1"/>
+              <a:t>that</a:t>
+            </a:r>
+            <a:r>
+              <a:rPr lang="de-DE" dirty="0"/>
+              <a:t> </a:t>
+            </a:r>
+            <a:r>
+              <a:rPr lang="de-DE" dirty="0" err="1"/>
+              <a:t>are</a:t>
+            </a:r>
+            <a:r>
+              <a:rPr lang="de-DE" dirty="0"/>
+              <a:t> not </a:t>
+            </a:r>
+            <a:r>
+              <a:rPr lang="de-DE" dirty="0" err="1"/>
+              <a:t>used</a:t>
+            </a:r>
+            <a:r>
+              <a:rPr lang="de-DE" dirty="0"/>
+              <a:t> </a:t>
+            </a:r>
+            <a:r>
+              <a:rPr lang="de-DE" dirty="0" err="1"/>
+              <a:t>by</a:t>
+            </a:r>
+            <a:r>
+              <a:rPr lang="de-DE" dirty="0"/>
+              <a:t> UNSAT-cores</a:t>
+            </a:r>
+          </a:p>
+          <a:p>
+            <a:pPr marL="0" indent="0">
+              <a:buNone/>
+            </a:pPr>
+            <a:endParaRPr lang="de-DE" dirty="0"/>
+          </a:p>
+          <a:p>
+            <a:r>
+              <a:rPr lang="de-DE" dirty="0"/>
+              <a:t> </a:t>
+            </a:r>
+            <a:r>
+              <a:rPr lang="de-DE" dirty="0" err="1"/>
+              <a:t>Ternary</a:t>
+            </a:r>
+            <a:r>
+              <a:rPr lang="de-DE" dirty="0"/>
+              <a:t> Simulation </a:t>
+            </a:r>
+            <a:r>
+              <a:rPr lang="de-DE" dirty="0" err="1"/>
+              <a:t>to</a:t>
+            </a:r>
+            <a:r>
+              <a:rPr lang="de-DE" dirty="0"/>
+              <a:t> </a:t>
+            </a:r>
+            <a:r>
+              <a:rPr lang="de-DE" dirty="0" err="1"/>
+              <a:t>reduce</a:t>
+            </a:r>
+            <a:r>
+              <a:rPr lang="de-DE" dirty="0"/>
+              <a:t> </a:t>
+            </a:r>
+            <a:r>
+              <a:rPr lang="de-DE" dirty="0" err="1"/>
+              <a:t>proof-obligations</a:t>
+            </a:r>
+            <a:r>
+              <a:rPr lang="de-DE" dirty="0"/>
+              <a:t>:</a:t>
+            </a:r>
+          </a:p>
+          <a:p>
+            <a:pPr lvl="1"/>
+            <a:r>
+              <a:rPr lang="de-DE" dirty="0" err="1"/>
+              <a:t>Extend</a:t>
+            </a:r>
+            <a:r>
+              <a:rPr lang="de-DE" dirty="0"/>
+              <a:t> </a:t>
+            </a:r>
+            <a:r>
+              <a:rPr lang="de-DE" dirty="0" err="1"/>
+              <a:t>binary</a:t>
+            </a:r>
+            <a:r>
+              <a:rPr lang="de-DE" dirty="0"/>
+              <a:t> variables </a:t>
+            </a:r>
+            <a:r>
+              <a:rPr lang="de-DE" dirty="0" err="1"/>
+              <a:t>with</a:t>
+            </a:r>
+            <a:r>
+              <a:rPr lang="de-DE" dirty="0"/>
+              <a:t> a </a:t>
+            </a:r>
+            <a:r>
+              <a:rPr lang="de-DE" dirty="0" err="1"/>
+              <a:t>new</a:t>
+            </a:r>
+            <a:r>
+              <a:rPr lang="de-DE" dirty="0"/>
+              <a:t> </a:t>
+            </a:r>
+            <a:r>
+              <a:rPr lang="de-DE" dirty="0" err="1"/>
+              <a:t>value</a:t>
+            </a:r>
+            <a:r>
+              <a:rPr lang="de-DE" dirty="0"/>
+              <a:t>: </a:t>
+            </a:r>
+            <a:r>
+              <a:rPr lang="de-DE" dirty="0" err="1"/>
+              <a:t>unknown</a:t>
+            </a:r>
+            <a:r>
+              <a:rPr lang="de-DE" dirty="0"/>
+              <a:t> </a:t>
+            </a:r>
+          </a:p>
+          <a:p>
+            <a:pPr lvl="1"/>
+            <a:r>
+              <a:rPr lang="de-DE" dirty="0"/>
+              <a:t>Check </a:t>
+            </a:r>
+            <a:r>
+              <a:rPr lang="de-DE" dirty="0" err="1"/>
+              <a:t>state</a:t>
+            </a:r>
+            <a:r>
+              <a:rPr lang="de-DE" dirty="0"/>
+              <a:t> variables </a:t>
+            </a:r>
+            <a:r>
+              <a:rPr lang="de-DE" dirty="0" err="1"/>
+              <a:t>of</a:t>
+            </a:r>
+            <a:r>
+              <a:rPr lang="de-DE" dirty="0"/>
+              <a:t> </a:t>
+            </a:r>
+            <a:r>
+              <a:rPr lang="de-DE" dirty="0" err="1"/>
+              <a:t>proof-obligations</a:t>
+            </a:r>
+            <a:r>
+              <a:rPr lang="de-DE" dirty="0"/>
+              <a:t> </a:t>
+            </a:r>
+            <a:r>
+              <a:rPr lang="de-DE" dirty="0" err="1"/>
+              <a:t>for</a:t>
+            </a:r>
+            <a:r>
+              <a:rPr lang="de-DE" dirty="0"/>
+              <a:t> </a:t>
+            </a:r>
+            <a:r>
+              <a:rPr lang="de-DE" dirty="0" err="1"/>
+              <a:t>importance</a:t>
+            </a:r>
+            <a:endParaRPr lang="de-DE" dirty="0"/>
+          </a:p>
+          <a:p>
+            <a:pPr marL="506412" lvl="2" indent="0">
+              <a:buNone/>
+            </a:pPr>
+            <a:r>
+              <a:rPr lang="de-DE" dirty="0">
+                <a:sym typeface="Wingdings" panose="05000000000000000000" pitchFamily="2" charset="2"/>
+              </a:rPr>
+              <a:t>	 </a:t>
+            </a:r>
+            <a:r>
+              <a:rPr lang="de-DE" dirty="0" err="1">
+                <a:sym typeface="Wingdings" panose="05000000000000000000" pitchFamily="2" charset="2"/>
+              </a:rPr>
+              <a:t>Eliminate</a:t>
+            </a:r>
+            <a:r>
+              <a:rPr lang="de-DE" dirty="0">
+                <a:sym typeface="Wingdings" panose="05000000000000000000" pitchFamily="2" charset="2"/>
+              </a:rPr>
+              <a:t> </a:t>
+            </a:r>
+            <a:r>
+              <a:rPr lang="de-DE" dirty="0" err="1">
+                <a:sym typeface="Wingdings" panose="05000000000000000000" pitchFamily="2" charset="2"/>
+              </a:rPr>
+              <a:t>unimportant</a:t>
+            </a:r>
+            <a:r>
+              <a:rPr lang="de-DE" dirty="0">
+                <a:sym typeface="Wingdings" panose="05000000000000000000" pitchFamily="2" charset="2"/>
+              </a:rPr>
+              <a:t> </a:t>
+            </a:r>
+            <a:r>
+              <a:rPr lang="de-DE" dirty="0" err="1">
+                <a:sym typeface="Wingdings" panose="05000000000000000000" pitchFamily="2" charset="2"/>
+              </a:rPr>
+              <a:t>state</a:t>
+            </a:r>
+            <a:r>
+              <a:rPr lang="de-DE" dirty="0">
+                <a:sym typeface="Wingdings" panose="05000000000000000000" pitchFamily="2" charset="2"/>
+              </a:rPr>
+              <a:t> variables</a:t>
+            </a:r>
+            <a:endParaRPr lang="de-DE" dirty="0"/>
+          </a:p>
+          <a:p>
+            <a:endParaRPr lang="de-DE" dirty="0"/>
+          </a:p>
+        </p:txBody>
+      </p:sp>
     </p:spTree>
     <p:extLst>
       <p:ext uri="{BB962C8B-B14F-4D97-AF65-F5344CB8AC3E}">
-        <p14:creationId xmlns:p14="http://schemas.microsoft.com/office/powerpoint/2010/main" val="3539944482"/>
+        <p14:creationId xmlns:p14="http://schemas.microsoft.com/office/powerpoint/2010/main" val="2810527099"/>
       </p:ext>
     </p:extLst>
   </p:cSld>
@@ -26189,7 +28373,7 @@
           <p:cNvPr id="2" name="Titel 1">
             <a:extLst>
               <a:ext uri="{FF2B5EF4-FFF2-40B4-BE49-F238E27FC236}">
-                <a16:creationId xmlns:a16="http://schemas.microsoft.com/office/drawing/2014/main" id="{5300EC1E-89C3-4F47-B93F-48EA51A90CCE}"/>
+                <a16:creationId xmlns:a16="http://schemas.microsoft.com/office/drawing/2014/main" id="{258F9DE9-7431-495F-AD93-EEA178EDD70F}"/>
               </a:ext>
             </a:extLst>
           </p:cNvPr>
@@ -26208,23 +28392,19 @@
           <a:lstStyle/>
           <a:p>
             <a:r>
-              <a:rPr lang="de-DE" dirty="0"/>
-              <a:t>3.3 </a:t>
-            </a:r>
-            <a:r>
               <a:rPr lang="de-DE" dirty="0" err="1"/>
-              <a:t>Example</a:t>
-            </a:r>
-            <a:endParaRPr lang="en-US" dirty="0"/>
+              <a:t>Overview</a:t>
+            </a:r>
+            <a:endParaRPr lang="de-DE" dirty="0"/>
           </a:p>
         </p:txBody>
       </p:sp>
       <p:sp>
         <p:nvSpPr>
-          <p:cNvPr id="5" name="Datumsplatzhalter 4">
+          <p:cNvPr id="3" name="Datumsplatzhalter 2">
             <a:extLst>
               <a:ext uri="{FF2B5EF4-FFF2-40B4-BE49-F238E27FC236}">
-                <a16:creationId xmlns:a16="http://schemas.microsoft.com/office/drawing/2014/main" id="{596BD929-C841-4C1D-B01C-919F89950F40}"/>
+                <a16:creationId xmlns:a16="http://schemas.microsoft.com/office/drawing/2014/main" id="{000E5BF3-EE16-4A3A-9AC2-C8097A1631D5}"/>
               </a:ext>
             </a:extLst>
           </p:cNvPr>
@@ -26242,19 +28422,18 @@
           <a:p>
             <a:pPr algn="r"/>
             <a:r>
-              <a:rPr lang="de-DE" noProof="0"/>
+              <a:rPr lang="de-DE" noProof="0" dirty="0"/>
               <a:t>28.8.18</a:t>
             </a:r>
-            <a:endParaRPr lang="de-DE" noProof="0" dirty="0"/>
           </a:p>
         </p:txBody>
       </p:sp>
       <p:sp>
         <p:nvSpPr>
-          <p:cNvPr id="6" name="Fußzeilenplatzhalter 5">
+          <p:cNvPr id="4" name="Fußzeilenplatzhalter 3">
             <a:extLst>
               <a:ext uri="{FF2B5EF4-FFF2-40B4-BE49-F238E27FC236}">
-                <a16:creationId xmlns:a16="http://schemas.microsoft.com/office/drawing/2014/main" id="{C9F247D4-57B8-49BD-A07C-AD34B52D8E4D}"/>
+                <a16:creationId xmlns:a16="http://schemas.microsoft.com/office/drawing/2014/main" id="{1CE74D54-9888-488A-8C5A-F53E42E541BE}"/>
               </a:ext>
             </a:extLst>
           </p:cNvPr>
@@ -26277,10 +28456,10 @@
       </p:sp>
       <p:sp>
         <p:nvSpPr>
-          <p:cNvPr id="7" name="Foliennummernplatzhalter 6">
+          <p:cNvPr id="5" name="Foliennummernplatzhalter 4">
             <a:extLst>
               <a:ext uri="{FF2B5EF4-FFF2-40B4-BE49-F238E27FC236}">
-                <a16:creationId xmlns:a16="http://schemas.microsoft.com/office/drawing/2014/main" id="{8344B642-00E1-42CA-876A-B51D5360830A}"/>
+                <a16:creationId xmlns:a16="http://schemas.microsoft.com/office/drawing/2014/main" id="{02087F13-7305-43B7-A46E-958A431D74B0}"/>
               </a:ext>
             </a:extLst>
           </p:cNvPr>
@@ -26296,21 +28475,19 @@
           <a:bodyPr/>
           <a:lstStyle/>
           <a:p>
-            <a:pPr rtl="0"/>
-            <a:r>
-              <a:rPr lang="de-DE" noProof="0"/>
+            <a:r>
+              <a:rPr lang="de-DE" noProof="0" dirty="0"/>
               <a:t>‹Nr.›</a:t>
             </a:r>
-            <a:endParaRPr lang="de-DE" noProof="0" dirty="0"/>
           </a:p>
         </p:txBody>
       </p:sp>
       <p:sp>
         <p:nvSpPr>
-          <p:cNvPr id="8" name="Textplatzhalter 7">
+          <p:cNvPr id="6" name="Textplatzhalter 5">
             <a:extLst>
               <a:ext uri="{FF2B5EF4-FFF2-40B4-BE49-F238E27FC236}">
-                <a16:creationId xmlns:a16="http://schemas.microsoft.com/office/drawing/2014/main" id="{64991336-1587-4914-A078-A930AD30F347}"/>
+                <a16:creationId xmlns:a16="http://schemas.microsoft.com/office/drawing/2014/main" id="{CE598EF9-AE99-495E-AB14-B855EF4AB994}"/>
               </a:ext>
             </a:extLst>
           </p:cNvPr>
@@ -26326,14 +28503,180 @@
           <a:bodyPr/>
           <a:lstStyle/>
           <a:p>
-            <a:endParaRPr lang="en-US"/>
+            <a:pPr marL="457200" indent="-457200">
+              <a:buFont typeface="+mj-lt"/>
+              <a:buAutoNum type="arabicPeriod"/>
+            </a:pPr>
+            <a:r>
+              <a:rPr lang="de-DE" dirty="0">
+                <a:solidFill>
+                  <a:schemeClr val="bg1">
+                    <a:lumMod val="75000"/>
+                  </a:schemeClr>
+                </a:solidFill>
+              </a:rPr>
+              <a:t> </a:t>
+            </a:r>
+            <a:r>
+              <a:rPr lang="en-US" dirty="0">
+                <a:solidFill>
+                  <a:schemeClr val="bg1">
+                    <a:lumMod val="75000"/>
+                  </a:schemeClr>
+                </a:solidFill>
+              </a:rPr>
+              <a:t>Introduction</a:t>
+            </a:r>
+          </a:p>
+          <a:p>
+            <a:pPr marL="457200" indent="-457200">
+              <a:buFont typeface="+mj-lt"/>
+              <a:buAutoNum type="arabicPeriod"/>
+            </a:pPr>
+            <a:r>
+              <a:rPr lang="de-DE" dirty="0">
+                <a:solidFill>
+                  <a:schemeClr val="bg1">
+                    <a:lumMod val="75000"/>
+                  </a:schemeClr>
+                </a:solidFill>
+              </a:rPr>
+              <a:t> Background: PDR on Hardware</a:t>
+            </a:r>
+          </a:p>
+          <a:p>
+            <a:pPr marL="457200" indent="-457200">
+              <a:buFont typeface="+mj-lt"/>
+              <a:buAutoNum type="arabicPeriod"/>
+            </a:pPr>
+            <a:r>
+              <a:rPr lang="de-DE" dirty="0"/>
+              <a:t> PDR on Software</a:t>
+            </a:r>
+          </a:p>
+          <a:p>
+            <a:pPr marL="457200" indent="-457200">
+              <a:buFont typeface="+mj-lt"/>
+              <a:buAutoNum type="arabicPeriod"/>
+            </a:pPr>
+            <a:r>
+              <a:rPr lang="de-DE" dirty="0">
+                <a:solidFill>
+                  <a:schemeClr val="bg1">
+                    <a:lumMod val="75000"/>
+                  </a:schemeClr>
+                </a:solidFill>
+              </a:rPr>
+              <a:t> Implementation in Ultimate</a:t>
+            </a:r>
+          </a:p>
+          <a:p>
+            <a:pPr marL="457200" indent="-457200">
+              <a:buFont typeface="+mj-lt"/>
+              <a:buAutoNum type="arabicPeriod"/>
+            </a:pPr>
+            <a:r>
+              <a:rPr lang="de-DE" dirty="0">
+                <a:solidFill>
+                  <a:schemeClr val="bg1">
+                    <a:lumMod val="75000"/>
+                  </a:schemeClr>
+                </a:solidFill>
+              </a:rPr>
+              <a:t> Evaluation</a:t>
+            </a:r>
+          </a:p>
+          <a:p>
+            <a:pPr marL="457200" indent="-457200">
+              <a:buFont typeface="+mj-lt"/>
+              <a:buAutoNum type="arabicPeriod"/>
+            </a:pPr>
+            <a:r>
+              <a:rPr lang="de-DE" dirty="0">
+                <a:solidFill>
+                  <a:schemeClr val="bg1">
+                    <a:lumMod val="75000"/>
+                  </a:schemeClr>
+                </a:solidFill>
+              </a:rPr>
+              <a:t> </a:t>
+            </a:r>
+            <a:r>
+              <a:rPr lang="en-US" dirty="0">
+                <a:solidFill>
+                  <a:schemeClr val="bg1">
+                    <a:lumMod val="75000"/>
+                  </a:schemeClr>
+                </a:solidFill>
+              </a:rPr>
+              <a:t>Related</a:t>
+            </a:r>
+            <a:r>
+              <a:rPr lang="de-DE" dirty="0">
+                <a:solidFill>
+                  <a:schemeClr val="bg1">
+                    <a:lumMod val="75000"/>
+                  </a:schemeClr>
+                </a:solidFill>
+              </a:rPr>
+              <a:t> Work</a:t>
+            </a:r>
+          </a:p>
+          <a:p>
+            <a:pPr marL="457200" indent="-457200">
+              <a:buFont typeface="+mj-lt"/>
+              <a:buAutoNum type="arabicPeriod"/>
+            </a:pPr>
+            <a:r>
+              <a:rPr lang="de-DE" dirty="0">
+                <a:solidFill>
+                  <a:schemeClr val="bg1">
+                    <a:lumMod val="75000"/>
+                  </a:schemeClr>
+                </a:solidFill>
+              </a:rPr>
+              <a:t> Future Work</a:t>
+            </a:r>
+          </a:p>
+          <a:p>
+            <a:pPr marL="457200" indent="-457200">
+              <a:buFont typeface="+mj-lt"/>
+              <a:buAutoNum type="arabicPeriod"/>
+            </a:pPr>
+            <a:r>
+              <a:rPr lang="de-DE" dirty="0">
+                <a:solidFill>
+                  <a:schemeClr val="bg1">
+                    <a:lumMod val="75000"/>
+                  </a:schemeClr>
+                </a:solidFill>
+              </a:rPr>
+              <a:t> </a:t>
+            </a:r>
+            <a:r>
+              <a:rPr lang="de-DE" dirty="0" err="1">
+                <a:solidFill>
+                  <a:schemeClr val="bg1">
+                    <a:lumMod val="75000"/>
+                  </a:schemeClr>
+                </a:solidFill>
+              </a:rPr>
+              <a:t>Conclusion</a:t>
+            </a:r>
+            <a:endParaRPr lang="de-DE" dirty="0">
+              <a:solidFill>
+                <a:schemeClr val="bg1">
+                  <a:lumMod val="75000"/>
+                </a:schemeClr>
+              </a:solidFill>
+            </a:endParaRPr>
           </a:p>
         </p:txBody>
       </p:sp>
     </p:spTree>
     <p:extLst>
       <p:ext uri="{BB962C8B-B14F-4D97-AF65-F5344CB8AC3E}">
-        <p14:creationId xmlns:p14="http://schemas.microsoft.com/office/powerpoint/2010/main" val="3407450568"/>
+        <p14:creationId xmlns:p14="http://schemas.microsoft.com/office/powerpoint/2010/main" val="4087838175"/>
       </p:ext>
     </p:extLst>
   </p:cSld>
@@ -26377,7 +28720,7 @@
           <p:cNvPr id="2" name="Titel 1">
             <a:extLst>
               <a:ext uri="{FF2B5EF4-FFF2-40B4-BE49-F238E27FC236}">
-                <a16:creationId xmlns:a16="http://schemas.microsoft.com/office/drawing/2014/main" id="{5300EC1E-89C3-4F47-B93F-48EA51A90CCE}"/>
+                <a16:creationId xmlns:a16="http://schemas.microsoft.com/office/drawing/2014/main" id="{7C1B9FA5-5DB3-4590-8300-D006AF838165}"/>
               </a:ext>
             </a:extLst>
           </p:cNvPr>
@@ -26397,11 +28740,11 @@
           <a:p>
             <a:r>
               <a:rPr lang="de-DE" dirty="0"/>
-              <a:t>3.4 Possible </a:t>
+              <a:t>3.1 </a:t>
             </a:r>
             <a:r>
               <a:rPr lang="de-DE" dirty="0" err="1"/>
-              <a:t>Improvements</a:t>
+              <a:t>Preliminaries</a:t>
             </a:r>
             <a:endParaRPr lang="en-US" dirty="0"/>
           </a:p>
@@ -26409,10 +28752,10 @@
       </p:sp>
       <p:sp>
         <p:nvSpPr>
-          <p:cNvPr id="5" name="Datumsplatzhalter 4">
+          <p:cNvPr id="3" name="Datumsplatzhalter 2">
             <a:extLst>
               <a:ext uri="{FF2B5EF4-FFF2-40B4-BE49-F238E27FC236}">
-                <a16:creationId xmlns:a16="http://schemas.microsoft.com/office/drawing/2014/main" id="{596BD929-C841-4C1D-B01C-919F89950F40}"/>
+                <a16:creationId xmlns:a16="http://schemas.microsoft.com/office/drawing/2014/main" id="{5911A214-53A8-47FC-86B0-0B90B633DD35}"/>
               </a:ext>
             </a:extLst>
           </p:cNvPr>
@@ -26439,10 +28782,10 @@
       </p:sp>
       <p:sp>
         <p:nvSpPr>
-          <p:cNvPr id="6" name="Fußzeilenplatzhalter 5">
+          <p:cNvPr id="4" name="Fußzeilenplatzhalter 3">
             <a:extLst>
               <a:ext uri="{FF2B5EF4-FFF2-40B4-BE49-F238E27FC236}">
-                <a16:creationId xmlns:a16="http://schemas.microsoft.com/office/drawing/2014/main" id="{C9F247D4-57B8-49BD-A07C-AD34B52D8E4D}"/>
+                <a16:creationId xmlns:a16="http://schemas.microsoft.com/office/drawing/2014/main" id="{3EE67A4B-4B60-4F3A-A036-E46478FED8E2}"/>
               </a:ext>
             </a:extLst>
           </p:cNvPr>
@@ -26465,10 +28808,10 @@
       </p:sp>
       <p:sp>
         <p:nvSpPr>
-          <p:cNvPr id="7" name="Foliennummernplatzhalter 6">
+          <p:cNvPr id="5" name="Foliennummernplatzhalter 4">
             <a:extLst>
               <a:ext uri="{FF2B5EF4-FFF2-40B4-BE49-F238E27FC236}">
-                <a16:creationId xmlns:a16="http://schemas.microsoft.com/office/drawing/2014/main" id="{8344B642-00E1-42CA-876A-B51D5360830A}"/>
+                <a16:creationId xmlns:a16="http://schemas.microsoft.com/office/drawing/2014/main" id="{2BB665AE-41A4-4025-9A2F-FFCB3973B325}"/>
               </a:ext>
             </a:extLst>
           </p:cNvPr>
@@ -26484,7 +28827,6 @@
           <a:bodyPr/>
           <a:lstStyle/>
           <a:p>
-            <a:pPr rtl="0"/>
             <a:r>
               <a:rPr lang="de-DE" noProof="0"/>
               <a:t>‹Nr.›</a:t>
@@ -26495,10 +28837,10 @@
       </p:sp>
       <p:sp>
         <p:nvSpPr>
-          <p:cNvPr id="8" name="Textplatzhalter 7">
+          <p:cNvPr id="6" name="Textplatzhalter 5">
             <a:extLst>
               <a:ext uri="{FF2B5EF4-FFF2-40B4-BE49-F238E27FC236}">
-                <a16:creationId xmlns:a16="http://schemas.microsoft.com/office/drawing/2014/main" id="{64991336-1587-4914-A078-A930AD30F347}"/>
+                <a16:creationId xmlns:a16="http://schemas.microsoft.com/office/drawing/2014/main" id="{C2A8ACDC-8FF6-440C-9D87-8482FA086D31}"/>
               </a:ext>
             </a:extLst>
           </p:cNvPr>
@@ -26521,7 +28863,7 @@
     </p:spTree>
     <p:extLst>
       <p:ext uri="{BB962C8B-B14F-4D97-AF65-F5344CB8AC3E}">
-        <p14:creationId xmlns:p14="http://schemas.microsoft.com/office/powerpoint/2010/main" val="3871415519"/>
+        <p14:creationId xmlns:p14="http://schemas.microsoft.com/office/powerpoint/2010/main" val="603395283"/>
       </p:ext>
     </p:extLst>
   </p:cSld>
@@ -26828,7 +29170,7 @@
           <p:cNvPr id="2" name="Titel 1">
             <a:extLst>
               <a:ext uri="{FF2B5EF4-FFF2-40B4-BE49-F238E27FC236}">
-                <a16:creationId xmlns:a16="http://schemas.microsoft.com/office/drawing/2014/main" id="{258F9DE9-7431-495F-AD93-EEA178EDD70F}"/>
+                <a16:creationId xmlns:a16="http://schemas.microsoft.com/office/drawing/2014/main" id="{0B085DDF-0698-4024-A295-E941102E8246}"/>
               </a:ext>
             </a:extLst>
           </p:cNvPr>
@@ -26847,10 +29189,93 @@
           <a:lstStyle/>
           <a:p>
             <a:r>
+              <a:rPr lang="de-DE" dirty="0"/>
+              <a:t>3.2 </a:t>
+            </a:r>
+            <a:r>
               <a:rPr lang="de-DE" dirty="0" err="1"/>
-              <a:t>Overview</a:t>
+              <a:t>Lifted</a:t>
+            </a:r>
+            <a:r>
+              <a:rPr lang="de-DE" dirty="0"/>
+              <a:t> </a:t>
+            </a:r>
+            <a:r>
+              <a:rPr lang="de-DE" dirty="0" err="1"/>
+              <a:t>Algorithm</a:t>
+            </a:r>
+            <a:endParaRPr lang="en-US" dirty="0"/>
+          </a:p>
+        </p:txBody>
+      </p:sp>
+      <p:sp>
+        <p:nvSpPr>
+          <p:cNvPr id="11" name="Inhaltsplatzhalter 10">
+            <a:extLst>
+              <a:ext uri="{FF2B5EF4-FFF2-40B4-BE49-F238E27FC236}">
+                <a16:creationId xmlns:a16="http://schemas.microsoft.com/office/drawing/2014/main" id="{B5903B1C-8D96-4515-979D-923E3F51964C}"/>
+              </a:ext>
+            </a:extLst>
+          </p:cNvPr>
+          <p:cNvSpPr>
+            <a:spLocks noGrp="1"/>
+          </p:cNvSpPr>
+          <p:nvPr>
+            <p:ph sz="half" idx="1"/>
+          </p:nvPr>
+        </p:nvSpPr>
+        <p:spPr/>
+        <p:txBody>
+          <a:bodyPr/>
+          <a:lstStyle/>
+          <a:p>
+            <a:pPr>
+              <a:spcBef>
+                <a:spcPts val="0"/>
+              </a:spcBef>
+            </a:pPr>
+            <a:r>
+              <a:rPr lang="de-DE" dirty="0"/>
+              <a:t> </a:t>
+            </a:r>
+            <a:r>
+              <a:rPr lang="de-DE" dirty="0" err="1"/>
+              <a:t>Algorithm</a:t>
+            </a:r>
+            <a:r>
+              <a:rPr lang="de-DE" dirty="0"/>
+              <a:t> Pseudocode </a:t>
+            </a:r>
+            <a:r>
+              <a:rPr lang="de-DE" dirty="0" err="1"/>
+              <a:t>here</a:t>
             </a:r>
             <a:endParaRPr lang="de-DE" dirty="0"/>
+          </a:p>
+        </p:txBody>
+      </p:sp>
+      <p:sp>
+        <p:nvSpPr>
+          <p:cNvPr id="12" name="Inhaltsplatzhalter 11">
+            <a:extLst>
+              <a:ext uri="{FF2B5EF4-FFF2-40B4-BE49-F238E27FC236}">
+                <a16:creationId xmlns:a16="http://schemas.microsoft.com/office/drawing/2014/main" id="{46285DEB-7779-41FC-B7A5-0BD14A4B1F7A}"/>
+              </a:ext>
+            </a:extLst>
+          </p:cNvPr>
+          <p:cNvSpPr>
+            <a:spLocks noGrp="1"/>
+          </p:cNvSpPr>
+          <p:nvPr>
+            <p:ph sz="half" idx="2"/>
+          </p:nvPr>
+        </p:nvSpPr>
+        <p:spPr/>
+        <p:txBody>
+          <a:bodyPr/>
+          <a:lstStyle/>
+          <a:p>
+            <a:endParaRPr lang="en-US"/>
           </a:p>
         </p:txBody>
       </p:sp>
@@ -26859,7 +29284,7 @@
           <p:cNvPr id="3" name="Datumsplatzhalter 2">
             <a:extLst>
               <a:ext uri="{FF2B5EF4-FFF2-40B4-BE49-F238E27FC236}">
-                <a16:creationId xmlns:a16="http://schemas.microsoft.com/office/drawing/2014/main" id="{000E5BF3-EE16-4A3A-9AC2-C8097A1631D5}"/>
+                <a16:creationId xmlns:a16="http://schemas.microsoft.com/office/drawing/2014/main" id="{E9932634-DEE8-4877-997E-417E11E809CC}"/>
               </a:ext>
             </a:extLst>
           </p:cNvPr>
@@ -26877,9 +29302,10 @@
           <a:p>
             <a:pPr algn="r"/>
             <a:r>
-              <a:rPr lang="de-DE" noProof="0" dirty="0"/>
+              <a:rPr lang="de-DE" noProof="0"/>
               <a:t>28.8.18</a:t>
             </a:r>
+            <a:endParaRPr lang="de-DE" noProof="0" dirty="0"/>
           </a:p>
         </p:txBody>
       </p:sp>
@@ -26888,7 +29314,7 @@
           <p:cNvPr id="4" name="Fußzeilenplatzhalter 3">
             <a:extLst>
               <a:ext uri="{FF2B5EF4-FFF2-40B4-BE49-F238E27FC236}">
-                <a16:creationId xmlns:a16="http://schemas.microsoft.com/office/drawing/2014/main" id="{1CE74D54-9888-488A-8C5A-F53E42E541BE}"/>
+                <a16:creationId xmlns:a16="http://schemas.microsoft.com/office/drawing/2014/main" id="{4D050B11-7C0D-4F2B-BF9F-635DAB3DF266}"/>
               </a:ext>
             </a:extLst>
           </p:cNvPr>
@@ -26914,7 +29340,7 @@
           <p:cNvPr id="5" name="Foliennummernplatzhalter 4">
             <a:extLst>
               <a:ext uri="{FF2B5EF4-FFF2-40B4-BE49-F238E27FC236}">
-                <a16:creationId xmlns:a16="http://schemas.microsoft.com/office/drawing/2014/main" id="{02087F13-7305-43B7-A46E-958A431D74B0}"/>
+                <a16:creationId xmlns:a16="http://schemas.microsoft.com/office/drawing/2014/main" id="{360C2885-1B2C-4597-A955-3A7FC5A46544}"/>
               </a:ext>
             </a:extLst>
           </p:cNvPr>
@@ -26931,207 +29357,17 @@
           <a:lstStyle/>
           <a:p>
             <a:r>
-              <a:rPr lang="de-DE" noProof="0" dirty="0"/>
+              <a:rPr lang="de-DE" noProof="0"/>
               <a:t>‹Nr.›</a:t>
             </a:r>
-          </a:p>
-        </p:txBody>
-      </p:sp>
-      <p:sp>
-        <p:nvSpPr>
-          <p:cNvPr id="6" name="Textplatzhalter 5">
-            <a:extLst>
-              <a:ext uri="{FF2B5EF4-FFF2-40B4-BE49-F238E27FC236}">
-                <a16:creationId xmlns:a16="http://schemas.microsoft.com/office/drawing/2014/main" id="{CE598EF9-AE99-495E-AB14-B855EF4AB994}"/>
-              </a:ext>
-            </a:extLst>
-          </p:cNvPr>
-          <p:cNvSpPr>
-            <a:spLocks noGrp="1"/>
-          </p:cNvSpPr>
-          <p:nvPr>
-            <p:ph type="body" sz="quarter" idx="13"/>
-          </p:nvPr>
-        </p:nvSpPr>
-        <p:spPr/>
-        <p:txBody>
-          <a:bodyPr/>
-          <a:lstStyle/>
-          <a:p>
-            <a:pPr marL="457200" indent="-457200">
-              <a:buFont typeface="+mj-lt"/>
-              <a:buAutoNum type="arabicPeriod"/>
-            </a:pPr>
-            <a:r>
-              <a:rPr lang="de-DE" dirty="0">
-                <a:solidFill>
-                  <a:schemeClr val="bg1">
-                    <a:lumMod val="75000"/>
-                  </a:schemeClr>
-                </a:solidFill>
-              </a:rPr>
-              <a:t> </a:t>
-            </a:r>
-            <a:r>
-              <a:rPr lang="en-US" dirty="0">
-                <a:solidFill>
-                  <a:schemeClr val="bg1">
-                    <a:lumMod val="75000"/>
-                  </a:schemeClr>
-                </a:solidFill>
-              </a:rPr>
-              <a:t>Introduction</a:t>
-            </a:r>
-          </a:p>
-          <a:p>
-            <a:pPr marL="457200" indent="-457200">
-              <a:buFont typeface="+mj-lt"/>
-              <a:buAutoNum type="arabicPeriod"/>
-            </a:pPr>
-            <a:r>
-              <a:rPr lang="de-DE" dirty="0">
-                <a:solidFill>
-                  <a:schemeClr val="bg1">
-                    <a:lumMod val="75000"/>
-                  </a:schemeClr>
-                </a:solidFill>
-              </a:rPr>
-              <a:t> Background: PDR on Hardware</a:t>
-            </a:r>
-          </a:p>
-          <a:p>
-            <a:pPr marL="457200" indent="-457200">
-              <a:buFont typeface="+mj-lt"/>
-              <a:buAutoNum type="arabicPeriod"/>
-            </a:pPr>
-            <a:r>
-              <a:rPr lang="de-DE" dirty="0">
-                <a:solidFill>
-                  <a:schemeClr val="bg1">
-                    <a:lumMod val="75000"/>
-                  </a:schemeClr>
-                </a:solidFill>
-              </a:rPr>
-              <a:t> PDR on Software</a:t>
-            </a:r>
-          </a:p>
-          <a:p>
-            <a:pPr marL="457200" indent="-457200">
-              <a:buFont typeface="+mj-lt"/>
-              <a:buAutoNum type="arabicPeriod"/>
-            </a:pPr>
-            <a:r>
-              <a:rPr lang="de-DE" dirty="0"/>
-              <a:t> Implementation in Ultimate</a:t>
-            </a:r>
-          </a:p>
-          <a:p>
-            <a:pPr marL="457200" indent="-457200">
-              <a:buFont typeface="+mj-lt"/>
-              <a:buAutoNum type="arabicPeriod"/>
-            </a:pPr>
-            <a:r>
-              <a:rPr lang="de-DE" dirty="0">
-                <a:solidFill>
-                  <a:schemeClr val="bg1">
-                    <a:lumMod val="75000"/>
-                  </a:schemeClr>
-                </a:solidFill>
-              </a:rPr>
-              <a:t> Evaluation</a:t>
-            </a:r>
-          </a:p>
-          <a:p>
-            <a:pPr marL="457200" indent="-457200">
-              <a:buFont typeface="+mj-lt"/>
-              <a:buAutoNum type="arabicPeriod"/>
-            </a:pPr>
-            <a:r>
-              <a:rPr lang="de-DE" dirty="0">
-                <a:solidFill>
-                  <a:schemeClr val="bg1">
-                    <a:lumMod val="75000"/>
-                  </a:schemeClr>
-                </a:solidFill>
-              </a:rPr>
-              <a:t> </a:t>
-            </a:r>
-            <a:r>
-              <a:rPr lang="en-US" dirty="0">
-                <a:solidFill>
-                  <a:schemeClr val="bg1">
-                    <a:lumMod val="75000"/>
-                  </a:schemeClr>
-                </a:solidFill>
-              </a:rPr>
-              <a:t>Related</a:t>
-            </a:r>
-            <a:r>
-              <a:rPr lang="de-DE" dirty="0">
-                <a:solidFill>
-                  <a:schemeClr val="bg1">
-                    <a:lumMod val="75000"/>
-                  </a:schemeClr>
-                </a:solidFill>
-              </a:rPr>
-              <a:t> Work</a:t>
-            </a:r>
-          </a:p>
-          <a:p>
-            <a:pPr marL="457200" indent="-457200">
-              <a:buFont typeface="+mj-lt"/>
-              <a:buAutoNum type="arabicPeriod"/>
-            </a:pPr>
-            <a:r>
-              <a:rPr lang="de-DE" dirty="0">
-                <a:solidFill>
-                  <a:schemeClr val="bg1">
-                    <a:lumMod val="75000"/>
-                  </a:schemeClr>
-                </a:solidFill>
-              </a:rPr>
-              <a:t> Future Work</a:t>
-            </a:r>
-          </a:p>
-          <a:p>
-            <a:pPr marL="457200" indent="-457200">
-              <a:buFont typeface="+mj-lt"/>
-              <a:buAutoNum type="arabicPeriod"/>
-            </a:pPr>
-            <a:r>
-              <a:rPr lang="de-DE" dirty="0">
-                <a:solidFill>
-                  <a:schemeClr val="bg1">
-                    <a:lumMod val="75000"/>
-                  </a:schemeClr>
-                </a:solidFill>
-              </a:rPr>
-              <a:t> </a:t>
-            </a:r>
-            <a:r>
-              <a:rPr lang="de-DE" dirty="0" err="1">
-                <a:solidFill>
-                  <a:schemeClr val="bg1">
-                    <a:lumMod val="75000"/>
-                  </a:schemeClr>
-                </a:solidFill>
-              </a:rPr>
-              <a:t>Conclusion</a:t>
-            </a:r>
-            <a:endParaRPr lang="de-DE" dirty="0">
-              <a:solidFill>
-                <a:schemeClr val="bg1">
-                  <a:lumMod val="75000"/>
-                </a:schemeClr>
-              </a:solidFill>
-            </a:endParaRPr>
+            <a:endParaRPr lang="de-DE" noProof="0" dirty="0"/>
           </a:p>
         </p:txBody>
       </p:sp>
     </p:spTree>
     <p:extLst>
       <p:ext uri="{BB962C8B-B14F-4D97-AF65-F5344CB8AC3E}">
-        <p14:creationId xmlns:p14="http://schemas.microsoft.com/office/powerpoint/2010/main" val="2410371820"/>
+        <p14:creationId xmlns:p14="http://schemas.microsoft.com/office/powerpoint/2010/main" val="3539944482"/>
       </p:ext>
     </p:extLst>
   </p:cSld>
@@ -27175,7 +29411,7 @@
           <p:cNvPr id="2" name="Titel 1">
             <a:extLst>
               <a:ext uri="{FF2B5EF4-FFF2-40B4-BE49-F238E27FC236}">
-                <a16:creationId xmlns:a16="http://schemas.microsoft.com/office/drawing/2014/main" id="{88D0B7CE-4CD2-438D-92E0-6751B0EF287C}"/>
+                <a16:creationId xmlns:a16="http://schemas.microsoft.com/office/drawing/2014/main" id="{5300EC1E-89C3-4F47-B93F-48EA51A90CCE}"/>
               </a:ext>
             </a:extLst>
           </p:cNvPr>
@@ -27195,7 +29431,11 @@
           <a:p>
             <a:r>
               <a:rPr lang="de-DE" dirty="0"/>
-              <a:t>4.1 Implementation</a:t>
+              <a:t>3.3 </a:t>
+            </a:r>
+            <a:r>
+              <a:rPr lang="de-DE" dirty="0" err="1"/>
+              <a:t>Example</a:t>
             </a:r>
             <a:endParaRPr lang="en-US" dirty="0"/>
           </a:p>
@@ -27203,10 +29443,10 @@
       </p:sp>
       <p:sp>
         <p:nvSpPr>
-          <p:cNvPr id="3" name="Datumsplatzhalter 2">
+          <p:cNvPr id="5" name="Datumsplatzhalter 4">
             <a:extLst>
               <a:ext uri="{FF2B5EF4-FFF2-40B4-BE49-F238E27FC236}">
-                <a16:creationId xmlns:a16="http://schemas.microsoft.com/office/drawing/2014/main" id="{C7B36917-798D-4D50-A04A-E43D318403FF}"/>
+                <a16:creationId xmlns:a16="http://schemas.microsoft.com/office/drawing/2014/main" id="{596BD929-C841-4C1D-B01C-919F89950F40}"/>
               </a:ext>
             </a:extLst>
           </p:cNvPr>
@@ -27233,10 +29473,10 @@
       </p:sp>
       <p:sp>
         <p:nvSpPr>
-          <p:cNvPr id="4" name="Fußzeilenplatzhalter 3">
+          <p:cNvPr id="6" name="Fußzeilenplatzhalter 5">
             <a:extLst>
               <a:ext uri="{FF2B5EF4-FFF2-40B4-BE49-F238E27FC236}">
-                <a16:creationId xmlns:a16="http://schemas.microsoft.com/office/drawing/2014/main" id="{949B90A7-41C4-4A2E-B048-A81DD7A38DDD}"/>
+                <a16:creationId xmlns:a16="http://schemas.microsoft.com/office/drawing/2014/main" id="{C9F247D4-57B8-49BD-A07C-AD34B52D8E4D}"/>
               </a:ext>
             </a:extLst>
           </p:cNvPr>
@@ -27259,10 +29499,10 @@
       </p:sp>
       <p:sp>
         <p:nvSpPr>
-          <p:cNvPr id="5" name="Foliennummernplatzhalter 4">
+          <p:cNvPr id="7" name="Foliennummernplatzhalter 6">
             <a:extLst>
               <a:ext uri="{FF2B5EF4-FFF2-40B4-BE49-F238E27FC236}">
-                <a16:creationId xmlns:a16="http://schemas.microsoft.com/office/drawing/2014/main" id="{B3BD31E2-4E52-439B-991A-ECEFE516756A}"/>
+                <a16:creationId xmlns:a16="http://schemas.microsoft.com/office/drawing/2014/main" id="{8344B642-00E1-42CA-876A-B51D5360830A}"/>
               </a:ext>
             </a:extLst>
           </p:cNvPr>
@@ -27278,6 +29518,7 @@
           <a:bodyPr/>
           <a:lstStyle/>
           <a:p>
+            <a:pPr rtl="0"/>
             <a:r>
               <a:rPr lang="de-DE" noProof="0"/>
               <a:t>‹Nr.›</a:t>
@@ -27288,10 +29529,10 @@
       </p:sp>
       <p:sp>
         <p:nvSpPr>
-          <p:cNvPr id="6" name="Textplatzhalter 5">
+          <p:cNvPr id="8" name="Textplatzhalter 7">
             <a:extLst>
               <a:ext uri="{FF2B5EF4-FFF2-40B4-BE49-F238E27FC236}">
-                <a16:creationId xmlns:a16="http://schemas.microsoft.com/office/drawing/2014/main" id="{2191D12C-8926-4881-8427-6E7CF165A05D}"/>
+                <a16:creationId xmlns:a16="http://schemas.microsoft.com/office/drawing/2014/main" id="{64991336-1587-4914-A078-A930AD30F347}"/>
               </a:ext>
             </a:extLst>
           </p:cNvPr>
@@ -27314,7 +29555,7 @@
     </p:spTree>
     <p:extLst>
       <p:ext uri="{BB962C8B-B14F-4D97-AF65-F5344CB8AC3E}">
-        <p14:creationId xmlns:p14="http://schemas.microsoft.com/office/powerpoint/2010/main" val="1507221561"/>
+        <p14:creationId xmlns:p14="http://schemas.microsoft.com/office/powerpoint/2010/main" val="3407450568"/>
       </p:ext>
     </p:extLst>
   </p:cSld>
@@ -27358,7 +29599,7 @@
           <p:cNvPr id="2" name="Titel 1">
             <a:extLst>
               <a:ext uri="{FF2B5EF4-FFF2-40B4-BE49-F238E27FC236}">
-                <a16:creationId xmlns:a16="http://schemas.microsoft.com/office/drawing/2014/main" id="{3CBFF54C-48C4-4F8D-8151-E27884EA96C0}"/>
+                <a16:creationId xmlns:a16="http://schemas.microsoft.com/office/drawing/2014/main" id="{5300EC1E-89C3-4F47-B93F-48EA51A90CCE}"/>
               </a:ext>
             </a:extLst>
           </p:cNvPr>
@@ -27378,15 +29619,7 @@
           <a:p>
             <a:r>
               <a:rPr lang="de-DE" dirty="0"/>
-              <a:t>4.2 </a:t>
-            </a:r>
-            <a:r>
-              <a:rPr lang="de-DE" dirty="0" err="1"/>
-              <a:t>Implemented</a:t>
-            </a:r>
-            <a:r>
-              <a:rPr lang="de-DE" dirty="0"/>
-              <a:t> </a:t>
+              <a:t>3.4 Possible </a:t>
             </a:r>
             <a:r>
               <a:rPr lang="de-DE" dirty="0" err="1"/>
@@ -27398,10 +29631,10 @@
       </p:sp>
       <p:sp>
         <p:nvSpPr>
-          <p:cNvPr id="3" name="Datumsplatzhalter 2">
+          <p:cNvPr id="5" name="Datumsplatzhalter 4">
             <a:extLst>
               <a:ext uri="{FF2B5EF4-FFF2-40B4-BE49-F238E27FC236}">
-                <a16:creationId xmlns:a16="http://schemas.microsoft.com/office/drawing/2014/main" id="{557939D5-7A33-4DBF-BBED-F7F97BCC6E53}"/>
+                <a16:creationId xmlns:a16="http://schemas.microsoft.com/office/drawing/2014/main" id="{596BD929-C841-4C1D-B01C-919F89950F40}"/>
               </a:ext>
             </a:extLst>
           </p:cNvPr>
@@ -27428,10 +29661,10 @@
       </p:sp>
       <p:sp>
         <p:nvSpPr>
-          <p:cNvPr id="4" name="Fußzeilenplatzhalter 3">
+          <p:cNvPr id="6" name="Fußzeilenplatzhalter 5">
             <a:extLst>
               <a:ext uri="{FF2B5EF4-FFF2-40B4-BE49-F238E27FC236}">
-                <a16:creationId xmlns:a16="http://schemas.microsoft.com/office/drawing/2014/main" id="{0BAC5EB1-1C2E-451A-8652-3E5421D9B4BA}"/>
+                <a16:creationId xmlns:a16="http://schemas.microsoft.com/office/drawing/2014/main" id="{C9F247D4-57B8-49BD-A07C-AD34B52D8E4D}"/>
               </a:ext>
             </a:extLst>
           </p:cNvPr>
@@ -27454,10 +29687,10 @@
       </p:sp>
       <p:sp>
         <p:nvSpPr>
-          <p:cNvPr id="5" name="Foliennummernplatzhalter 4">
+          <p:cNvPr id="7" name="Foliennummernplatzhalter 6">
             <a:extLst>
               <a:ext uri="{FF2B5EF4-FFF2-40B4-BE49-F238E27FC236}">
-                <a16:creationId xmlns:a16="http://schemas.microsoft.com/office/drawing/2014/main" id="{A41816D8-C2EB-4746-85BA-D939F2FDDCD2}"/>
+                <a16:creationId xmlns:a16="http://schemas.microsoft.com/office/drawing/2014/main" id="{8344B642-00E1-42CA-876A-B51D5360830A}"/>
               </a:ext>
             </a:extLst>
           </p:cNvPr>
@@ -27473,6 +29706,7 @@
           <a:bodyPr/>
           <a:lstStyle/>
           <a:p>
+            <a:pPr rtl="0"/>
             <a:r>
               <a:rPr lang="de-DE" noProof="0"/>
               <a:t>‹Nr.›</a:t>
@@ -27483,10 +29717,10 @@
       </p:sp>
       <p:sp>
         <p:nvSpPr>
-          <p:cNvPr id="6" name="Textplatzhalter 5">
+          <p:cNvPr id="8" name="Textplatzhalter 7">
             <a:extLst>
               <a:ext uri="{FF2B5EF4-FFF2-40B4-BE49-F238E27FC236}">
-                <a16:creationId xmlns:a16="http://schemas.microsoft.com/office/drawing/2014/main" id="{35A06C42-B988-4ABE-9CBB-E9F3C605D506}"/>
+                <a16:creationId xmlns:a16="http://schemas.microsoft.com/office/drawing/2014/main" id="{64991336-1587-4914-A078-A930AD30F347}"/>
               </a:ext>
             </a:extLst>
           </p:cNvPr>
@@ -27509,7 +29743,7 @@
     </p:spTree>
     <p:extLst>
       <p:ext uri="{BB962C8B-B14F-4D97-AF65-F5344CB8AC3E}">
-        <p14:creationId xmlns:p14="http://schemas.microsoft.com/office/powerpoint/2010/main" val="2887651881"/>
+        <p14:creationId xmlns:p14="http://schemas.microsoft.com/office/powerpoint/2010/main" val="3871415519"/>
       </p:ext>
     </p:extLst>
   </p:cSld>
@@ -27746,6 +29980,16 @@
               <a:buAutoNum type="arabicPeriod"/>
             </a:pPr>
             <a:r>
+              <a:rPr lang="de-DE" dirty="0"/>
+              <a:t> Implementation in Ultimate</a:t>
+            </a:r>
+          </a:p>
+          <a:p>
+            <a:pPr marL="457200" indent="-457200">
+              <a:buFont typeface="+mj-lt"/>
+              <a:buAutoNum type="arabicPeriod"/>
+            </a:pPr>
+            <a:r>
               <a:rPr lang="de-DE" dirty="0">
                 <a:solidFill>
                   <a:schemeClr val="bg1">
@@ -27753,7 +29997,7 @@
                   </a:schemeClr>
                 </a:solidFill>
               </a:rPr>
-              <a:t> Implementation in Ultimate</a:t>
+              <a:t> Evaluation</a:t>
             </a:r>
           </a:p>
           <a:p>
@@ -27772,8 +30016,40 @@
               <a:t> </a:t>
             </a:r>
             <a:r>
-              <a:rPr lang="de-DE" dirty="0"/>
-              <a:t>Evaluation</a:t>
+              <a:rPr lang="en-US" dirty="0">
+                <a:solidFill>
+                  <a:schemeClr val="bg1">
+                    <a:lumMod val="75000"/>
+                  </a:schemeClr>
+                </a:solidFill>
+              </a:rPr>
+              <a:t>Related</a:t>
+            </a:r>
+            <a:r>
+              <a:rPr lang="de-DE" dirty="0">
+                <a:solidFill>
+                  <a:schemeClr val="bg1">
+                    <a:lumMod val="75000"/>
+                  </a:schemeClr>
+                </a:solidFill>
+              </a:rPr>
+              <a:t> Work</a:t>
+            </a:r>
+          </a:p>
+          <a:p>
+            <a:pPr marL="457200" indent="-457200">
+              <a:buFont typeface="+mj-lt"/>
+              <a:buAutoNum type="arabicPeriod"/>
+            </a:pPr>
+            <a:r>
+              <a:rPr lang="de-DE" dirty="0">
+                <a:solidFill>
+                  <a:schemeClr val="bg1">
+                    <a:lumMod val="75000"/>
+                  </a:schemeClr>
+                </a:solidFill>
+              </a:rPr>
+              <a:t> Future Work</a:t>
             </a:r>
           </a:p>
           <a:p>
@@ -27792,58 +30068,6 @@
               <a:t> </a:t>
             </a:r>
             <a:r>
-              <a:rPr lang="en-US" dirty="0">
-                <a:solidFill>
-                  <a:schemeClr val="bg1">
-                    <a:lumMod val="75000"/>
-                  </a:schemeClr>
-                </a:solidFill>
-              </a:rPr>
-              <a:t>Related</a:t>
-            </a:r>
-            <a:r>
-              <a:rPr lang="de-DE" dirty="0">
-                <a:solidFill>
-                  <a:schemeClr val="bg1">
-                    <a:lumMod val="75000"/>
-                  </a:schemeClr>
-                </a:solidFill>
-              </a:rPr>
-              <a:t> Work</a:t>
-            </a:r>
-          </a:p>
-          <a:p>
-            <a:pPr marL="457200" indent="-457200">
-              <a:buFont typeface="+mj-lt"/>
-              <a:buAutoNum type="arabicPeriod"/>
-            </a:pPr>
-            <a:r>
-              <a:rPr lang="de-DE" dirty="0">
-                <a:solidFill>
-                  <a:schemeClr val="bg1">
-                    <a:lumMod val="75000"/>
-                  </a:schemeClr>
-                </a:solidFill>
-              </a:rPr>
-              <a:t> Future Work</a:t>
-            </a:r>
-          </a:p>
-          <a:p>
-            <a:pPr marL="457200" indent="-457200">
-              <a:buFont typeface="+mj-lt"/>
-              <a:buAutoNum type="arabicPeriod"/>
-            </a:pPr>
-            <a:r>
-              <a:rPr lang="de-DE" dirty="0">
-                <a:solidFill>
-                  <a:schemeClr val="bg1">
-                    <a:lumMod val="75000"/>
-                  </a:schemeClr>
-                </a:solidFill>
-              </a:rPr>
-              <a:t> </a:t>
-            </a:r>
-            <a:r>
               <a:rPr lang="de-DE" dirty="0" err="1">
                 <a:solidFill>
                   <a:schemeClr val="bg1">
@@ -27866,7 +30090,7 @@
     </p:spTree>
     <p:extLst>
       <p:ext uri="{BB962C8B-B14F-4D97-AF65-F5344CB8AC3E}">
-        <p14:creationId xmlns:p14="http://schemas.microsoft.com/office/powerpoint/2010/main" val="2952575237"/>
+        <p14:creationId xmlns:p14="http://schemas.microsoft.com/office/powerpoint/2010/main" val="2410371820"/>
       </p:ext>
     </p:extLst>
   </p:cSld>
@@ -27910,7 +30134,7 @@
           <p:cNvPr id="2" name="Titel 1">
             <a:extLst>
               <a:ext uri="{FF2B5EF4-FFF2-40B4-BE49-F238E27FC236}">
-                <a16:creationId xmlns:a16="http://schemas.microsoft.com/office/drawing/2014/main" id="{639A182A-104F-4CC0-9E89-7EFB1328271A}"/>
+                <a16:creationId xmlns:a16="http://schemas.microsoft.com/office/drawing/2014/main" id="{88D0B7CE-4CD2-438D-92E0-6751B0EF287C}"/>
               </a:ext>
             </a:extLst>
           </p:cNvPr>
@@ -27930,11 +30154,7 @@
           <a:p>
             <a:r>
               <a:rPr lang="de-DE" dirty="0"/>
-              <a:t>5.1 Data </a:t>
-            </a:r>
-            <a:r>
-              <a:rPr lang="de-DE" dirty="0" err="1"/>
-              <a:t>Comparison</a:t>
+              <a:t>4.1 Implementation</a:t>
             </a:r>
             <a:endParaRPr lang="en-US" dirty="0"/>
           </a:p>
@@ -27945,7 +30165,7 @@
           <p:cNvPr id="3" name="Datumsplatzhalter 2">
             <a:extLst>
               <a:ext uri="{FF2B5EF4-FFF2-40B4-BE49-F238E27FC236}">
-                <a16:creationId xmlns:a16="http://schemas.microsoft.com/office/drawing/2014/main" id="{38DA099B-00E8-449D-B871-86766CFA446E}"/>
+                <a16:creationId xmlns:a16="http://schemas.microsoft.com/office/drawing/2014/main" id="{C7B36917-798D-4D50-A04A-E43D318403FF}"/>
               </a:ext>
             </a:extLst>
           </p:cNvPr>
@@ -27975,7 +30195,7 @@
           <p:cNvPr id="4" name="Fußzeilenplatzhalter 3">
             <a:extLst>
               <a:ext uri="{FF2B5EF4-FFF2-40B4-BE49-F238E27FC236}">
-                <a16:creationId xmlns:a16="http://schemas.microsoft.com/office/drawing/2014/main" id="{706E8142-9589-473D-B581-D5BC63DF8A77}"/>
+                <a16:creationId xmlns:a16="http://schemas.microsoft.com/office/drawing/2014/main" id="{949B90A7-41C4-4A2E-B048-A81DD7A38DDD}"/>
               </a:ext>
             </a:extLst>
           </p:cNvPr>
@@ -28001,7 +30221,7 @@
           <p:cNvPr id="5" name="Foliennummernplatzhalter 4">
             <a:extLst>
               <a:ext uri="{FF2B5EF4-FFF2-40B4-BE49-F238E27FC236}">
-                <a16:creationId xmlns:a16="http://schemas.microsoft.com/office/drawing/2014/main" id="{0A371862-6B97-4798-B16D-2C82B0C13127}"/>
+                <a16:creationId xmlns:a16="http://schemas.microsoft.com/office/drawing/2014/main" id="{B3BD31E2-4E52-439B-991A-ECEFE516756A}"/>
               </a:ext>
             </a:extLst>
           </p:cNvPr>
@@ -28030,7 +30250,7 @@
           <p:cNvPr id="6" name="Textplatzhalter 5">
             <a:extLst>
               <a:ext uri="{FF2B5EF4-FFF2-40B4-BE49-F238E27FC236}">
-                <a16:creationId xmlns:a16="http://schemas.microsoft.com/office/drawing/2014/main" id="{AD3A6B2E-4C90-4ACC-81E7-EE9E7F1B3B01}"/>
+                <a16:creationId xmlns:a16="http://schemas.microsoft.com/office/drawing/2014/main" id="{2191D12C-8926-4881-8427-6E7CF165A05D}"/>
               </a:ext>
             </a:extLst>
           </p:cNvPr>
@@ -28046,14 +30266,14 @@
           <a:bodyPr/>
           <a:lstStyle/>
           <a:p>
-            <a:endParaRPr lang="en-US" dirty="0"/>
+            <a:endParaRPr lang="en-US"/>
           </a:p>
         </p:txBody>
       </p:sp>
     </p:spTree>
     <p:extLst>
       <p:ext uri="{BB962C8B-B14F-4D97-AF65-F5344CB8AC3E}">
-        <p14:creationId xmlns:p14="http://schemas.microsoft.com/office/powerpoint/2010/main" val="3415860571"/>
+        <p14:creationId xmlns:p14="http://schemas.microsoft.com/office/powerpoint/2010/main" val="1507221561"/>
       </p:ext>
     </p:extLst>
   </p:cSld>
@@ -28097,7 +30317,7 @@
           <p:cNvPr id="2" name="Titel 1">
             <a:extLst>
               <a:ext uri="{FF2B5EF4-FFF2-40B4-BE49-F238E27FC236}">
-                <a16:creationId xmlns:a16="http://schemas.microsoft.com/office/drawing/2014/main" id="{639A182A-104F-4CC0-9E89-7EFB1328271A}"/>
+                <a16:creationId xmlns:a16="http://schemas.microsoft.com/office/drawing/2014/main" id="{3CBFF54C-48C4-4F8D-8151-E27884EA96C0}"/>
               </a:ext>
             </a:extLst>
           </p:cNvPr>
@@ -28117,11 +30337,19 @@
           <a:p>
             <a:r>
               <a:rPr lang="de-DE" dirty="0"/>
-              <a:t>5.2 </a:t>
+              <a:t>4.2 </a:t>
             </a:r>
             <a:r>
               <a:rPr lang="de-DE" dirty="0" err="1"/>
-              <a:t>Discussion</a:t>
+              <a:t>Implemented</a:t>
+            </a:r>
+            <a:r>
+              <a:rPr lang="de-DE" dirty="0"/>
+              <a:t> </a:t>
+            </a:r>
+            <a:r>
+              <a:rPr lang="de-DE" dirty="0" err="1"/>
+              <a:t>Improvements</a:t>
             </a:r>
             <a:endParaRPr lang="en-US" dirty="0"/>
           </a:p>
@@ -28132,7 +30360,7 @@
           <p:cNvPr id="3" name="Datumsplatzhalter 2">
             <a:extLst>
               <a:ext uri="{FF2B5EF4-FFF2-40B4-BE49-F238E27FC236}">
-                <a16:creationId xmlns:a16="http://schemas.microsoft.com/office/drawing/2014/main" id="{38DA099B-00E8-449D-B871-86766CFA446E}"/>
+                <a16:creationId xmlns:a16="http://schemas.microsoft.com/office/drawing/2014/main" id="{557939D5-7A33-4DBF-BBED-F7F97BCC6E53}"/>
               </a:ext>
             </a:extLst>
           </p:cNvPr>
@@ -28162,7 +30390,7 @@
           <p:cNvPr id="4" name="Fußzeilenplatzhalter 3">
             <a:extLst>
               <a:ext uri="{FF2B5EF4-FFF2-40B4-BE49-F238E27FC236}">
-                <a16:creationId xmlns:a16="http://schemas.microsoft.com/office/drawing/2014/main" id="{706E8142-9589-473D-B581-D5BC63DF8A77}"/>
+                <a16:creationId xmlns:a16="http://schemas.microsoft.com/office/drawing/2014/main" id="{0BAC5EB1-1C2E-451A-8652-3E5421D9B4BA}"/>
               </a:ext>
             </a:extLst>
           </p:cNvPr>
@@ -28188,7 +30416,7 @@
           <p:cNvPr id="5" name="Foliennummernplatzhalter 4">
             <a:extLst>
               <a:ext uri="{FF2B5EF4-FFF2-40B4-BE49-F238E27FC236}">
-                <a16:creationId xmlns:a16="http://schemas.microsoft.com/office/drawing/2014/main" id="{0A371862-6B97-4798-B16D-2C82B0C13127}"/>
+                <a16:creationId xmlns:a16="http://schemas.microsoft.com/office/drawing/2014/main" id="{A41816D8-C2EB-4746-85BA-D939F2FDDCD2}"/>
               </a:ext>
             </a:extLst>
           </p:cNvPr>
@@ -28217,7 +30445,7 @@
           <p:cNvPr id="6" name="Textplatzhalter 5">
             <a:extLst>
               <a:ext uri="{FF2B5EF4-FFF2-40B4-BE49-F238E27FC236}">
-                <a16:creationId xmlns:a16="http://schemas.microsoft.com/office/drawing/2014/main" id="{AD3A6B2E-4C90-4ACC-81E7-EE9E7F1B3B01}"/>
+                <a16:creationId xmlns:a16="http://schemas.microsoft.com/office/drawing/2014/main" id="{35A06C42-B988-4ABE-9CBB-E9F3C605D506}"/>
               </a:ext>
             </a:extLst>
           </p:cNvPr>
@@ -28240,7 +30468,7 @@
     </p:spTree>
     <p:extLst>
       <p:ext uri="{BB962C8B-B14F-4D97-AF65-F5344CB8AC3E}">
-        <p14:creationId xmlns:p14="http://schemas.microsoft.com/office/powerpoint/2010/main" val="3006478507"/>
+        <p14:creationId xmlns:p14="http://schemas.microsoft.com/office/powerpoint/2010/main" val="2887651881"/>
       </p:ext>
     </p:extLst>
   </p:cSld>
@@ -28500,7 +30728,11 @@
                   </a:schemeClr>
                 </a:solidFill>
               </a:rPr>
-              <a:t> Evaluation</a:t>
+              <a:t> </a:t>
+            </a:r>
+            <a:r>
+              <a:rPr lang="de-DE" dirty="0"/>
+              <a:t>Evaluation</a:t>
             </a:r>
           </a:p>
           <a:p>
@@ -28509,15 +30741,33 @@
               <a:buAutoNum type="arabicPeriod"/>
             </a:pPr>
             <a:r>
-              <a:rPr lang="de-DE" dirty="0"/>
+              <a:rPr lang="de-DE" dirty="0">
+                <a:solidFill>
+                  <a:schemeClr val="bg1">
+                    <a:lumMod val="75000"/>
+                  </a:schemeClr>
+                </a:solidFill>
+              </a:rPr>
               <a:t> </a:t>
             </a:r>
             <a:r>
-              <a:rPr lang="en-US" dirty="0"/>
+              <a:rPr lang="en-US" dirty="0">
+                <a:solidFill>
+                  <a:schemeClr val="bg1">
+                    <a:lumMod val="75000"/>
+                  </a:schemeClr>
+                </a:solidFill>
+              </a:rPr>
               <a:t>Related</a:t>
             </a:r>
             <a:r>
-              <a:rPr lang="de-DE" dirty="0"/>
+              <a:rPr lang="de-DE" dirty="0">
+                <a:solidFill>
+                  <a:schemeClr val="bg1">
+                    <a:lumMod val="75000"/>
+                  </a:schemeClr>
+                </a:solidFill>
+              </a:rPr>
               <a:t> Work</a:t>
             </a:r>
           </a:p>
@@ -28575,7 +30825,7 @@
     </p:spTree>
     <p:extLst>
       <p:ext uri="{BB962C8B-B14F-4D97-AF65-F5344CB8AC3E}">
-        <p14:creationId xmlns:p14="http://schemas.microsoft.com/office/powerpoint/2010/main" val="371221840"/>
+        <p14:creationId xmlns:p14="http://schemas.microsoft.com/office/powerpoint/2010/main" val="2952575237"/>
       </p:ext>
     </p:extLst>
   </p:cSld>
@@ -28619,7 +30869,7 @@
           <p:cNvPr id="2" name="Titel 1">
             <a:extLst>
               <a:ext uri="{FF2B5EF4-FFF2-40B4-BE49-F238E27FC236}">
-                <a16:creationId xmlns:a16="http://schemas.microsoft.com/office/drawing/2014/main" id="{D8764DBC-B712-48E9-93A7-926F17740E4A}"/>
+                <a16:creationId xmlns:a16="http://schemas.microsoft.com/office/drawing/2014/main" id="{639A182A-104F-4CC0-9E89-7EFB1328271A}"/>
               </a:ext>
             </a:extLst>
           </p:cNvPr>
@@ -28639,15 +30889,11 @@
           <a:p>
             <a:r>
               <a:rPr lang="de-DE" dirty="0"/>
-              <a:t>6. </a:t>
+              <a:t>5.1 Data </a:t>
             </a:r>
             <a:r>
               <a:rPr lang="de-DE" dirty="0" err="1"/>
-              <a:t>Related</a:t>
-            </a:r>
-            <a:r>
-              <a:rPr lang="de-DE" dirty="0"/>
-              <a:t> Work</a:t>
+              <a:t>Comparison</a:t>
             </a:r>
             <a:endParaRPr lang="en-US" dirty="0"/>
           </a:p>
@@ -28658,7 +30904,7 @@
           <p:cNvPr id="3" name="Datumsplatzhalter 2">
             <a:extLst>
               <a:ext uri="{FF2B5EF4-FFF2-40B4-BE49-F238E27FC236}">
-                <a16:creationId xmlns:a16="http://schemas.microsoft.com/office/drawing/2014/main" id="{B4DC9AE1-56AD-42B8-830D-FDA82C17FACE}"/>
+                <a16:creationId xmlns:a16="http://schemas.microsoft.com/office/drawing/2014/main" id="{38DA099B-00E8-449D-B871-86766CFA446E}"/>
               </a:ext>
             </a:extLst>
           </p:cNvPr>
@@ -28688,7 +30934,7 @@
           <p:cNvPr id="4" name="Fußzeilenplatzhalter 3">
             <a:extLst>
               <a:ext uri="{FF2B5EF4-FFF2-40B4-BE49-F238E27FC236}">
-                <a16:creationId xmlns:a16="http://schemas.microsoft.com/office/drawing/2014/main" id="{08DD6017-78C2-4FC8-BD43-1619E5A77B09}"/>
+                <a16:creationId xmlns:a16="http://schemas.microsoft.com/office/drawing/2014/main" id="{706E8142-9589-473D-B581-D5BC63DF8A77}"/>
               </a:ext>
             </a:extLst>
           </p:cNvPr>
@@ -28714,7 +30960,7 @@
           <p:cNvPr id="5" name="Foliennummernplatzhalter 4">
             <a:extLst>
               <a:ext uri="{FF2B5EF4-FFF2-40B4-BE49-F238E27FC236}">
-                <a16:creationId xmlns:a16="http://schemas.microsoft.com/office/drawing/2014/main" id="{60D445DA-54CD-4D61-AC48-0C699153EAE6}"/>
+                <a16:creationId xmlns:a16="http://schemas.microsoft.com/office/drawing/2014/main" id="{0A371862-6B97-4798-B16D-2C82B0C13127}"/>
               </a:ext>
             </a:extLst>
           </p:cNvPr>
@@ -28743,7 +30989,7 @@
           <p:cNvPr id="6" name="Textplatzhalter 5">
             <a:extLst>
               <a:ext uri="{FF2B5EF4-FFF2-40B4-BE49-F238E27FC236}">
-                <a16:creationId xmlns:a16="http://schemas.microsoft.com/office/drawing/2014/main" id="{09137662-A8C9-4B37-9538-3F1333A13A77}"/>
+                <a16:creationId xmlns:a16="http://schemas.microsoft.com/office/drawing/2014/main" id="{AD3A6B2E-4C90-4ACC-81E7-EE9E7F1B3B01}"/>
               </a:ext>
             </a:extLst>
           </p:cNvPr>
@@ -28759,14 +31005,14 @@
           <a:bodyPr/>
           <a:lstStyle/>
           <a:p>
-            <a:endParaRPr lang="en-US"/>
+            <a:endParaRPr lang="en-US" dirty="0"/>
           </a:p>
         </p:txBody>
       </p:sp>
     </p:spTree>
     <p:extLst>
       <p:ext uri="{BB962C8B-B14F-4D97-AF65-F5344CB8AC3E}">
-        <p14:creationId xmlns:p14="http://schemas.microsoft.com/office/powerpoint/2010/main" val="1625781177"/>
+        <p14:creationId xmlns:p14="http://schemas.microsoft.com/office/powerpoint/2010/main" val="3415860571"/>
       </p:ext>
     </p:extLst>
   </p:cSld>
@@ -28810,7 +31056,7 @@
           <p:cNvPr id="2" name="Titel 1">
             <a:extLst>
               <a:ext uri="{FF2B5EF4-FFF2-40B4-BE49-F238E27FC236}">
-                <a16:creationId xmlns:a16="http://schemas.microsoft.com/office/drawing/2014/main" id="{258F9DE9-7431-495F-AD93-EEA178EDD70F}"/>
+                <a16:creationId xmlns:a16="http://schemas.microsoft.com/office/drawing/2014/main" id="{639A182A-104F-4CC0-9E89-7EFB1328271A}"/>
               </a:ext>
             </a:extLst>
           </p:cNvPr>
@@ -28829,10 +31075,14 @@
           <a:lstStyle/>
           <a:p>
             <a:r>
+              <a:rPr lang="de-DE" dirty="0"/>
+              <a:t>5.2 </a:t>
+            </a:r>
+            <a:r>
               <a:rPr lang="de-DE" dirty="0" err="1"/>
-              <a:t>Overview</a:t>
-            </a:r>
-            <a:endParaRPr lang="de-DE" dirty="0"/>
+              <a:t>Discussion</a:t>
+            </a:r>
+            <a:endParaRPr lang="en-US" dirty="0"/>
           </a:p>
         </p:txBody>
       </p:sp>
@@ -28841,7 +31091,7 @@
           <p:cNvPr id="3" name="Datumsplatzhalter 2">
             <a:extLst>
               <a:ext uri="{FF2B5EF4-FFF2-40B4-BE49-F238E27FC236}">
-                <a16:creationId xmlns:a16="http://schemas.microsoft.com/office/drawing/2014/main" id="{000E5BF3-EE16-4A3A-9AC2-C8097A1631D5}"/>
+                <a16:creationId xmlns:a16="http://schemas.microsoft.com/office/drawing/2014/main" id="{38DA099B-00E8-449D-B871-86766CFA446E}"/>
               </a:ext>
             </a:extLst>
           </p:cNvPr>
@@ -28859,9 +31109,10 @@
           <a:p>
             <a:pPr algn="r"/>
             <a:r>
-              <a:rPr lang="de-DE" noProof="0" dirty="0"/>
+              <a:rPr lang="de-DE" noProof="0"/>
               <a:t>28.8.18</a:t>
             </a:r>
+            <a:endParaRPr lang="de-DE" noProof="0" dirty="0"/>
           </a:p>
         </p:txBody>
       </p:sp>
@@ -28870,7 +31121,7 @@
           <p:cNvPr id="4" name="Fußzeilenplatzhalter 3">
             <a:extLst>
               <a:ext uri="{FF2B5EF4-FFF2-40B4-BE49-F238E27FC236}">
-                <a16:creationId xmlns:a16="http://schemas.microsoft.com/office/drawing/2014/main" id="{1CE74D54-9888-488A-8C5A-F53E42E541BE}"/>
+                <a16:creationId xmlns:a16="http://schemas.microsoft.com/office/drawing/2014/main" id="{706E8142-9589-473D-B581-D5BC63DF8A77}"/>
               </a:ext>
             </a:extLst>
           </p:cNvPr>
@@ -28896,7 +31147,7 @@
           <p:cNvPr id="5" name="Foliennummernplatzhalter 4">
             <a:extLst>
               <a:ext uri="{FF2B5EF4-FFF2-40B4-BE49-F238E27FC236}">
-                <a16:creationId xmlns:a16="http://schemas.microsoft.com/office/drawing/2014/main" id="{02087F13-7305-43B7-A46E-958A431D74B0}"/>
+                <a16:creationId xmlns:a16="http://schemas.microsoft.com/office/drawing/2014/main" id="{0A371862-6B97-4798-B16D-2C82B0C13127}"/>
               </a:ext>
             </a:extLst>
           </p:cNvPr>
@@ -28913,9 +31164,10 @@
           <a:lstStyle/>
           <a:p>
             <a:r>
-              <a:rPr lang="de-DE" noProof="0" dirty="0"/>
+              <a:rPr lang="de-DE" noProof="0"/>
               <a:t>‹Nr.›</a:t>
             </a:r>
+            <a:endParaRPr lang="de-DE" noProof="0" dirty="0"/>
           </a:p>
         </p:txBody>
       </p:sp>
@@ -28924,7 +31176,7 @@
           <p:cNvPr id="6" name="Textplatzhalter 5">
             <a:extLst>
               <a:ext uri="{FF2B5EF4-FFF2-40B4-BE49-F238E27FC236}">
-                <a16:creationId xmlns:a16="http://schemas.microsoft.com/office/drawing/2014/main" id="{CE598EF9-AE99-495E-AB14-B855EF4AB994}"/>
+                <a16:creationId xmlns:a16="http://schemas.microsoft.com/office/drawing/2014/main" id="{AD3A6B2E-4C90-4ACC-81E7-EE9E7F1B3B01}"/>
               </a:ext>
             </a:extLst>
           </p:cNvPr>
@@ -28940,180 +31192,14 @@
           <a:bodyPr/>
           <a:lstStyle/>
           <a:p>
-            <a:pPr marL="457200" indent="-457200">
-              <a:buFont typeface="+mj-lt"/>
-              <a:buAutoNum type="arabicPeriod"/>
-            </a:pPr>
-            <a:r>
-              <a:rPr lang="de-DE" dirty="0">
-                <a:solidFill>
-                  <a:schemeClr val="bg1">
-                    <a:lumMod val="75000"/>
-                  </a:schemeClr>
-                </a:solidFill>
-              </a:rPr>
-              <a:t> </a:t>
-            </a:r>
-            <a:r>
-              <a:rPr lang="en-US" dirty="0">
-                <a:solidFill>
-                  <a:schemeClr val="bg1">
-                    <a:lumMod val="75000"/>
-                  </a:schemeClr>
-                </a:solidFill>
-              </a:rPr>
-              <a:t>Introduction</a:t>
-            </a:r>
-          </a:p>
-          <a:p>
-            <a:pPr marL="457200" indent="-457200">
-              <a:buFont typeface="+mj-lt"/>
-              <a:buAutoNum type="arabicPeriod"/>
-            </a:pPr>
-            <a:r>
-              <a:rPr lang="de-DE" dirty="0">
-                <a:solidFill>
-                  <a:schemeClr val="bg1">
-                    <a:lumMod val="75000"/>
-                  </a:schemeClr>
-                </a:solidFill>
-              </a:rPr>
-              <a:t> Background: PDR on Hardware</a:t>
-            </a:r>
-          </a:p>
-          <a:p>
-            <a:pPr marL="457200" indent="-457200">
-              <a:buFont typeface="+mj-lt"/>
-              <a:buAutoNum type="arabicPeriod"/>
-            </a:pPr>
-            <a:r>
-              <a:rPr lang="de-DE" dirty="0">
-                <a:solidFill>
-                  <a:schemeClr val="bg1">
-                    <a:lumMod val="75000"/>
-                  </a:schemeClr>
-                </a:solidFill>
-              </a:rPr>
-              <a:t> PDR on Software</a:t>
-            </a:r>
-          </a:p>
-          <a:p>
-            <a:pPr marL="457200" indent="-457200">
-              <a:buFont typeface="+mj-lt"/>
-              <a:buAutoNum type="arabicPeriod"/>
-            </a:pPr>
-            <a:r>
-              <a:rPr lang="de-DE" dirty="0">
-                <a:solidFill>
-                  <a:schemeClr val="bg1">
-                    <a:lumMod val="75000"/>
-                  </a:schemeClr>
-                </a:solidFill>
-              </a:rPr>
-              <a:t> Implementation in Ultimate</a:t>
-            </a:r>
-          </a:p>
-          <a:p>
-            <a:pPr marL="457200" indent="-457200">
-              <a:buFont typeface="+mj-lt"/>
-              <a:buAutoNum type="arabicPeriod"/>
-            </a:pPr>
-            <a:r>
-              <a:rPr lang="de-DE" dirty="0">
-                <a:solidFill>
-                  <a:schemeClr val="bg1">
-                    <a:lumMod val="75000"/>
-                  </a:schemeClr>
-                </a:solidFill>
-              </a:rPr>
-              <a:t> Evaluation</a:t>
-            </a:r>
-          </a:p>
-          <a:p>
-            <a:pPr marL="457200" indent="-457200">
-              <a:buFont typeface="+mj-lt"/>
-              <a:buAutoNum type="arabicPeriod"/>
-            </a:pPr>
-            <a:r>
-              <a:rPr lang="de-DE" dirty="0">
-                <a:solidFill>
-                  <a:schemeClr val="bg1">
-                    <a:lumMod val="75000"/>
-                  </a:schemeClr>
-                </a:solidFill>
-              </a:rPr>
-              <a:t> </a:t>
-            </a:r>
-            <a:r>
-              <a:rPr lang="en-US" dirty="0">
-                <a:solidFill>
-                  <a:schemeClr val="bg1">
-                    <a:lumMod val="75000"/>
-                  </a:schemeClr>
-                </a:solidFill>
-              </a:rPr>
-              <a:t>Related</a:t>
-            </a:r>
-            <a:r>
-              <a:rPr lang="de-DE" dirty="0">
-                <a:solidFill>
-                  <a:schemeClr val="bg1">
-                    <a:lumMod val="75000"/>
-                  </a:schemeClr>
-                </a:solidFill>
-              </a:rPr>
-              <a:t> Work</a:t>
-            </a:r>
-          </a:p>
-          <a:p>
-            <a:pPr marL="457200" indent="-457200">
-              <a:buFont typeface="+mj-lt"/>
-              <a:buAutoNum type="arabicPeriod"/>
-            </a:pPr>
-            <a:r>
-              <a:rPr lang="de-DE" dirty="0"/>
-              <a:t> Future Work</a:t>
-            </a:r>
-          </a:p>
-          <a:p>
-            <a:pPr marL="457200" indent="-457200">
-              <a:buFont typeface="+mj-lt"/>
-              <a:buAutoNum type="arabicPeriod"/>
-            </a:pPr>
-            <a:r>
-              <a:rPr lang="de-DE" dirty="0">
-                <a:solidFill>
-                  <a:schemeClr val="bg1">
-                    <a:lumMod val="75000"/>
-                  </a:schemeClr>
-                </a:solidFill>
-              </a:rPr>
-              <a:t> </a:t>
-            </a:r>
-            <a:r>
-              <a:rPr lang="de-DE" dirty="0" err="1">
-                <a:solidFill>
-                  <a:schemeClr val="bg1">
-                    <a:lumMod val="75000"/>
-                  </a:schemeClr>
-                </a:solidFill>
-              </a:rPr>
-              <a:t>Conclusion</a:t>
-            </a:r>
-            <a:endParaRPr lang="de-DE" dirty="0">
-              <a:solidFill>
-                <a:schemeClr val="bg1">
-                  <a:lumMod val="75000"/>
-                </a:schemeClr>
-              </a:solidFill>
-            </a:endParaRPr>
+            <a:endParaRPr lang="en-US"/>
           </a:p>
         </p:txBody>
       </p:sp>
     </p:spTree>
     <p:extLst>
       <p:ext uri="{BB962C8B-B14F-4D97-AF65-F5344CB8AC3E}">
-        <p14:creationId xmlns:p14="http://schemas.microsoft.com/office/powerpoint/2010/main" val="1775252008"/>
+        <p14:creationId xmlns:p14="http://schemas.microsoft.com/office/powerpoint/2010/main" val="3006478507"/>
       </p:ext>
     </p:extLst>
   </p:cSld>
@@ -29157,7 +31243,7 @@
           <p:cNvPr id="2" name="Titel 1">
             <a:extLst>
               <a:ext uri="{FF2B5EF4-FFF2-40B4-BE49-F238E27FC236}">
-                <a16:creationId xmlns:a16="http://schemas.microsoft.com/office/drawing/2014/main" id="{FEE42046-CEB7-407C-83C9-233A406884FF}"/>
+                <a16:creationId xmlns:a16="http://schemas.microsoft.com/office/drawing/2014/main" id="{258F9DE9-7431-495F-AD93-EEA178EDD70F}"/>
               </a:ext>
             </a:extLst>
           </p:cNvPr>
@@ -29176,14 +31262,10 @@
           <a:lstStyle/>
           <a:p>
             <a:r>
-              <a:rPr lang="de-DE" dirty="0"/>
-              <a:t>7.1 Further </a:t>
-            </a:r>
-            <a:r>
               <a:rPr lang="de-DE" dirty="0" err="1"/>
-              <a:t>Improvements</a:t>
-            </a:r>
-            <a:endParaRPr lang="en-US" dirty="0"/>
+              <a:t>Overview</a:t>
+            </a:r>
+            <a:endParaRPr lang="de-DE" dirty="0"/>
           </a:p>
         </p:txBody>
       </p:sp>
@@ -29192,7 +31274,7 @@
           <p:cNvPr id="3" name="Datumsplatzhalter 2">
             <a:extLst>
               <a:ext uri="{FF2B5EF4-FFF2-40B4-BE49-F238E27FC236}">
-                <a16:creationId xmlns:a16="http://schemas.microsoft.com/office/drawing/2014/main" id="{C895FC0F-5452-4C1B-95E6-6FB8A156638B}"/>
+                <a16:creationId xmlns:a16="http://schemas.microsoft.com/office/drawing/2014/main" id="{000E5BF3-EE16-4A3A-9AC2-C8097A1631D5}"/>
               </a:ext>
             </a:extLst>
           </p:cNvPr>
@@ -29210,10 +31292,9 @@
           <a:p>
             <a:pPr algn="r"/>
             <a:r>
-              <a:rPr lang="de-DE" noProof="0"/>
+              <a:rPr lang="de-DE" noProof="0" dirty="0"/>
               <a:t>28.8.18</a:t>
             </a:r>
-            <a:endParaRPr lang="de-DE" noProof="0" dirty="0"/>
           </a:p>
         </p:txBody>
       </p:sp>
@@ -29222,7 +31303,7 @@
           <p:cNvPr id="4" name="Fußzeilenplatzhalter 3">
             <a:extLst>
               <a:ext uri="{FF2B5EF4-FFF2-40B4-BE49-F238E27FC236}">
-                <a16:creationId xmlns:a16="http://schemas.microsoft.com/office/drawing/2014/main" id="{DAF29A85-0E28-4F1C-887E-D7DD725564C4}"/>
+                <a16:creationId xmlns:a16="http://schemas.microsoft.com/office/drawing/2014/main" id="{1CE74D54-9888-488A-8C5A-F53E42E541BE}"/>
               </a:ext>
             </a:extLst>
           </p:cNvPr>
@@ -29248,7 +31329,7 @@
           <p:cNvPr id="5" name="Foliennummernplatzhalter 4">
             <a:extLst>
               <a:ext uri="{FF2B5EF4-FFF2-40B4-BE49-F238E27FC236}">
-                <a16:creationId xmlns:a16="http://schemas.microsoft.com/office/drawing/2014/main" id="{5F68C3A7-3B62-4CFC-95C9-5D8C234AF74A}"/>
+                <a16:creationId xmlns:a16="http://schemas.microsoft.com/office/drawing/2014/main" id="{02087F13-7305-43B7-A46E-958A431D74B0}"/>
               </a:ext>
             </a:extLst>
           </p:cNvPr>
@@ -29265,10 +31346,9 @@
           <a:lstStyle/>
           <a:p>
             <a:r>
-              <a:rPr lang="de-DE" noProof="0"/>
+              <a:rPr lang="de-DE" noProof="0" dirty="0"/>
               <a:t>‹Nr.›</a:t>
             </a:r>
-            <a:endParaRPr lang="de-DE" noProof="0" dirty="0"/>
           </a:p>
         </p:txBody>
       </p:sp>
@@ -29277,7 +31357,7 @@
           <p:cNvPr id="6" name="Textplatzhalter 5">
             <a:extLst>
               <a:ext uri="{FF2B5EF4-FFF2-40B4-BE49-F238E27FC236}">
-                <a16:creationId xmlns:a16="http://schemas.microsoft.com/office/drawing/2014/main" id="{C943C053-DB4E-4D12-87C0-6463BD5ABB73}"/>
+                <a16:creationId xmlns:a16="http://schemas.microsoft.com/office/drawing/2014/main" id="{CE598EF9-AE99-495E-AB14-B855EF4AB994}"/>
               </a:ext>
             </a:extLst>
           </p:cNvPr>
@@ -29293,14 +31373,168 @@
           <a:bodyPr/>
           <a:lstStyle/>
           <a:p>
-            <a:endParaRPr lang="en-US"/>
+            <a:pPr marL="457200" indent="-457200">
+              <a:buFont typeface="+mj-lt"/>
+              <a:buAutoNum type="arabicPeriod"/>
+            </a:pPr>
+            <a:r>
+              <a:rPr lang="de-DE" dirty="0">
+                <a:solidFill>
+                  <a:schemeClr val="bg1">
+                    <a:lumMod val="75000"/>
+                  </a:schemeClr>
+                </a:solidFill>
+              </a:rPr>
+              <a:t> </a:t>
+            </a:r>
+            <a:r>
+              <a:rPr lang="en-US" dirty="0">
+                <a:solidFill>
+                  <a:schemeClr val="bg1">
+                    <a:lumMod val="75000"/>
+                  </a:schemeClr>
+                </a:solidFill>
+              </a:rPr>
+              <a:t>Introduction</a:t>
+            </a:r>
+          </a:p>
+          <a:p>
+            <a:pPr marL="457200" indent="-457200">
+              <a:buFont typeface="+mj-lt"/>
+              <a:buAutoNum type="arabicPeriod"/>
+            </a:pPr>
+            <a:r>
+              <a:rPr lang="de-DE" dirty="0">
+                <a:solidFill>
+                  <a:schemeClr val="bg1">
+                    <a:lumMod val="75000"/>
+                  </a:schemeClr>
+                </a:solidFill>
+              </a:rPr>
+              <a:t> Background: PDR on Hardware</a:t>
+            </a:r>
+          </a:p>
+          <a:p>
+            <a:pPr marL="457200" indent="-457200">
+              <a:buFont typeface="+mj-lt"/>
+              <a:buAutoNum type="arabicPeriod"/>
+            </a:pPr>
+            <a:r>
+              <a:rPr lang="de-DE" dirty="0">
+                <a:solidFill>
+                  <a:schemeClr val="bg1">
+                    <a:lumMod val="75000"/>
+                  </a:schemeClr>
+                </a:solidFill>
+              </a:rPr>
+              <a:t> PDR on Software</a:t>
+            </a:r>
+          </a:p>
+          <a:p>
+            <a:pPr marL="457200" indent="-457200">
+              <a:buFont typeface="+mj-lt"/>
+              <a:buAutoNum type="arabicPeriod"/>
+            </a:pPr>
+            <a:r>
+              <a:rPr lang="de-DE" dirty="0">
+                <a:solidFill>
+                  <a:schemeClr val="bg1">
+                    <a:lumMod val="75000"/>
+                  </a:schemeClr>
+                </a:solidFill>
+              </a:rPr>
+              <a:t> Implementation in Ultimate</a:t>
+            </a:r>
+          </a:p>
+          <a:p>
+            <a:pPr marL="457200" indent="-457200">
+              <a:buFont typeface="+mj-lt"/>
+              <a:buAutoNum type="arabicPeriod"/>
+            </a:pPr>
+            <a:r>
+              <a:rPr lang="de-DE" dirty="0">
+                <a:solidFill>
+                  <a:schemeClr val="bg1">
+                    <a:lumMod val="75000"/>
+                  </a:schemeClr>
+                </a:solidFill>
+              </a:rPr>
+              <a:t> Evaluation</a:t>
+            </a:r>
+          </a:p>
+          <a:p>
+            <a:pPr marL="457200" indent="-457200">
+              <a:buFont typeface="+mj-lt"/>
+              <a:buAutoNum type="arabicPeriod"/>
+            </a:pPr>
+            <a:r>
+              <a:rPr lang="de-DE" dirty="0"/>
+              <a:t> </a:t>
+            </a:r>
+            <a:r>
+              <a:rPr lang="en-US" dirty="0"/>
+              <a:t>Related</a:t>
+            </a:r>
+            <a:r>
+              <a:rPr lang="de-DE" dirty="0"/>
+              <a:t> Work</a:t>
+            </a:r>
+          </a:p>
+          <a:p>
+            <a:pPr marL="457200" indent="-457200">
+              <a:buFont typeface="+mj-lt"/>
+              <a:buAutoNum type="arabicPeriod"/>
+            </a:pPr>
+            <a:r>
+              <a:rPr lang="de-DE" dirty="0">
+                <a:solidFill>
+                  <a:schemeClr val="bg1">
+                    <a:lumMod val="75000"/>
+                  </a:schemeClr>
+                </a:solidFill>
+              </a:rPr>
+              <a:t> Future Work</a:t>
+            </a:r>
+          </a:p>
+          <a:p>
+            <a:pPr marL="457200" indent="-457200">
+              <a:buFont typeface="+mj-lt"/>
+              <a:buAutoNum type="arabicPeriod"/>
+            </a:pPr>
+            <a:r>
+              <a:rPr lang="de-DE" dirty="0">
+                <a:solidFill>
+                  <a:schemeClr val="bg1">
+                    <a:lumMod val="75000"/>
+                  </a:schemeClr>
+                </a:solidFill>
+              </a:rPr>
+              <a:t> </a:t>
+            </a:r>
+            <a:r>
+              <a:rPr lang="de-DE" dirty="0" err="1">
+                <a:solidFill>
+                  <a:schemeClr val="bg1">
+                    <a:lumMod val="75000"/>
+                  </a:schemeClr>
+                </a:solidFill>
+              </a:rPr>
+              <a:t>Conclusion</a:t>
+            </a:r>
+            <a:endParaRPr lang="de-DE" dirty="0">
+              <a:solidFill>
+                <a:schemeClr val="bg1">
+                  <a:lumMod val="75000"/>
+                </a:schemeClr>
+              </a:solidFill>
+            </a:endParaRPr>
           </a:p>
         </p:txBody>
       </p:sp>
     </p:spTree>
     <p:extLst>
       <p:ext uri="{BB962C8B-B14F-4D97-AF65-F5344CB8AC3E}">
-        <p14:creationId xmlns:p14="http://schemas.microsoft.com/office/powerpoint/2010/main" val="2540749696"/>
+        <p14:creationId xmlns:p14="http://schemas.microsoft.com/office/powerpoint/2010/main" val="371221840"/>
       </p:ext>
     </p:extLst>
   </p:cSld>
@@ -29661,6 +31895,731 @@
           <p:cNvPr id="2" name="Titel 1">
             <a:extLst>
               <a:ext uri="{FF2B5EF4-FFF2-40B4-BE49-F238E27FC236}">
+                <a16:creationId xmlns:a16="http://schemas.microsoft.com/office/drawing/2014/main" id="{D8764DBC-B712-48E9-93A7-926F17740E4A}"/>
+              </a:ext>
+            </a:extLst>
+          </p:cNvPr>
+          <p:cNvSpPr>
+            <a:spLocks noGrp="1"/>
+          </p:cNvSpPr>
+          <p:nvPr>
+            <p:ph type="title"/>
+          </p:nvPr>
+        </p:nvSpPr>
+        <p:spPr/>
+        <p:txBody>
+          <a:bodyPr>
+            <a:normAutofit fontScale="90000"/>
+          </a:bodyPr>
+          <a:lstStyle/>
+          <a:p>
+            <a:r>
+              <a:rPr lang="de-DE" dirty="0"/>
+              <a:t>6. </a:t>
+            </a:r>
+            <a:r>
+              <a:rPr lang="de-DE" dirty="0" err="1"/>
+              <a:t>Related</a:t>
+            </a:r>
+            <a:r>
+              <a:rPr lang="de-DE" dirty="0"/>
+              <a:t> Work</a:t>
+            </a:r>
+            <a:endParaRPr lang="en-US" dirty="0"/>
+          </a:p>
+        </p:txBody>
+      </p:sp>
+      <p:sp>
+        <p:nvSpPr>
+          <p:cNvPr id="3" name="Datumsplatzhalter 2">
+            <a:extLst>
+              <a:ext uri="{FF2B5EF4-FFF2-40B4-BE49-F238E27FC236}">
+                <a16:creationId xmlns:a16="http://schemas.microsoft.com/office/drawing/2014/main" id="{B4DC9AE1-56AD-42B8-830D-FDA82C17FACE}"/>
+              </a:ext>
+            </a:extLst>
+          </p:cNvPr>
+          <p:cNvSpPr>
+            <a:spLocks noGrp="1"/>
+          </p:cNvSpPr>
+          <p:nvPr>
+            <p:ph type="dt" sz="half" idx="10"/>
+          </p:nvPr>
+        </p:nvSpPr>
+        <p:spPr/>
+        <p:txBody>
+          <a:bodyPr/>
+          <a:lstStyle/>
+          <a:p>
+            <a:pPr algn="r"/>
+            <a:r>
+              <a:rPr lang="de-DE" noProof="0"/>
+              <a:t>28.8.18</a:t>
+            </a:r>
+            <a:endParaRPr lang="de-DE" noProof="0" dirty="0"/>
+          </a:p>
+        </p:txBody>
+      </p:sp>
+      <p:sp>
+        <p:nvSpPr>
+          <p:cNvPr id="4" name="Fußzeilenplatzhalter 3">
+            <a:extLst>
+              <a:ext uri="{FF2B5EF4-FFF2-40B4-BE49-F238E27FC236}">
+                <a16:creationId xmlns:a16="http://schemas.microsoft.com/office/drawing/2014/main" id="{08DD6017-78C2-4FC8-BD43-1619E5A77B09}"/>
+              </a:ext>
+            </a:extLst>
+          </p:cNvPr>
+          <p:cNvSpPr>
+            <a:spLocks noGrp="1"/>
+          </p:cNvSpPr>
+          <p:nvPr>
+            <p:ph type="ftr" sz="quarter" idx="11"/>
+          </p:nvPr>
+        </p:nvSpPr>
+        <p:spPr/>
+        <p:txBody>
+          <a:bodyPr/>
+          <a:lstStyle/>
+          <a:p>
+            <a:pPr rtl="0"/>
+            <a:endParaRPr lang="de-DE" noProof="0" dirty="0"/>
+          </a:p>
+        </p:txBody>
+      </p:sp>
+      <p:sp>
+        <p:nvSpPr>
+          <p:cNvPr id="5" name="Foliennummernplatzhalter 4">
+            <a:extLst>
+              <a:ext uri="{FF2B5EF4-FFF2-40B4-BE49-F238E27FC236}">
+                <a16:creationId xmlns:a16="http://schemas.microsoft.com/office/drawing/2014/main" id="{60D445DA-54CD-4D61-AC48-0C699153EAE6}"/>
+              </a:ext>
+            </a:extLst>
+          </p:cNvPr>
+          <p:cNvSpPr>
+            <a:spLocks noGrp="1"/>
+          </p:cNvSpPr>
+          <p:nvPr>
+            <p:ph type="sldNum" sz="quarter" idx="12"/>
+          </p:nvPr>
+        </p:nvSpPr>
+        <p:spPr/>
+        <p:txBody>
+          <a:bodyPr/>
+          <a:lstStyle/>
+          <a:p>
+            <a:r>
+              <a:rPr lang="de-DE" noProof="0"/>
+              <a:t>‹Nr.›</a:t>
+            </a:r>
+            <a:endParaRPr lang="de-DE" noProof="0" dirty="0"/>
+          </a:p>
+        </p:txBody>
+      </p:sp>
+      <p:sp>
+        <p:nvSpPr>
+          <p:cNvPr id="6" name="Textplatzhalter 5">
+            <a:extLst>
+              <a:ext uri="{FF2B5EF4-FFF2-40B4-BE49-F238E27FC236}">
+                <a16:creationId xmlns:a16="http://schemas.microsoft.com/office/drawing/2014/main" id="{09137662-A8C9-4B37-9538-3F1333A13A77}"/>
+              </a:ext>
+            </a:extLst>
+          </p:cNvPr>
+          <p:cNvSpPr>
+            <a:spLocks noGrp="1"/>
+          </p:cNvSpPr>
+          <p:nvPr>
+            <p:ph type="body" sz="quarter" idx="13"/>
+          </p:nvPr>
+        </p:nvSpPr>
+        <p:spPr/>
+        <p:txBody>
+          <a:bodyPr/>
+          <a:lstStyle/>
+          <a:p>
+            <a:endParaRPr lang="en-US"/>
+          </a:p>
+        </p:txBody>
+      </p:sp>
+    </p:spTree>
+    <p:extLst>
+      <p:ext uri="{BB962C8B-B14F-4D97-AF65-F5344CB8AC3E}">
+        <p14:creationId xmlns:p14="http://schemas.microsoft.com/office/powerpoint/2010/main" val="1625781177"/>
+      </p:ext>
+    </p:extLst>
+  </p:cSld>
+  <p:clrMapOvr>
+    <a:masterClrMapping/>
+  </p:clrMapOvr>
+  <mc:AlternateContent xmlns:mc="http://schemas.openxmlformats.org/markup-compatibility/2006" xmlns:p14="http://schemas.microsoft.com/office/powerpoint/2010/main">
+    <mc:Choice Requires="p14">
+      <p:transition spd="med" p14:dur="700">
+        <p:fade/>
+      </p:transition>
+    </mc:Choice>
+    <mc:Fallback xmlns="">
+      <p:transition spd="med">
+        <p:fade/>
+      </p:transition>
+    </mc:Fallback>
+  </mc:AlternateContent>
+</p:sld>
+</file>
+
+<file path=ppt/slides/slide41.xml><?xml version="1.0" encoding="utf-8"?>
+<p:sld xmlns:a="http://schemas.openxmlformats.org/drawingml/2006/main" xmlns:r="http://schemas.openxmlformats.org/officeDocument/2006/relationships" xmlns:p="http://schemas.openxmlformats.org/presentationml/2006/main">
+  <p:cSld>
+    <p:spTree>
+      <p:nvGrpSpPr>
+        <p:cNvPr id="1" name=""/>
+        <p:cNvGrpSpPr/>
+        <p:nvPr/>
+      </p:nvGrpSpPr>
+      <p:grpSpPr>
+        <a:xfrm>
+          <a:off x="0" y="0"/>
+          <a:ext cx="0" cy="0"/>
+          <a:chOff x="0" y="0"/>
+          <a:chExt cx="0" cy="0"/>
+        </a:xfrm>
+      </p:grpSpPr>
+      <p:sp>
+        <p:nvSpPr>
+          <p:cNvPr id="2" name="Titel 1">
+            <a:extLst>
+              <a:ext uri="{FF2B5EF4-FFF2-40B4-BE49-F238E27FC236}">
+                <a16:creationId xmlns:a16="http://schemas.microsoft.com/office/drawing/2014/main" id="{258F9DE9-7431-495F-AD93-EEA178EDD70F}"/>
+              </a:ext>
+            </a:extLst>
+          </p:cNvPr>
+          <p:cNvSpPr>
+            <a:spLocks noGrp="1"/>
+          </p:cNvSpPr>
+          <p:nvPr>
+            <p:ph type="title"/>
+          </p:nvPr>
+        </p:nvSpPr>
+        <p:spPr/>
+        <p:txBody>
+          <a:bodyPr>
+            <a:normAutofit fontScale="90000"/>
+          </a:bodyPr>
+          <a:lstStyle/>
+          <a:p>
+            <a:r>
+              <a:rPr lang="de-DE" dirty="0" err="1"/>
+              <a:t>Overview</a:t>
+            </a:r>
+            <a:endParaRPr lang="de-DE" dirty="0"/>
+          </a:p>
+        </p:txBody>
+      </p:sp>
+      <p:sp>
+        <p:nvSpPr>
+          <p:cNvPr id="3" name="Datumsplatzhalter 2">
+            <a:extLst>
+              <a:ext uri="{FF2B5EF4-FFF2-40B4-BE49-F238E27FC236}">
+                <a16:creationId xmlns:a16="http://schemas.microsoft.com/office/drawing/2014/main" id="{000E5BF3-EE16-4A3A-9AC2-C8097A1631D5}"/>
+              </a:ext>
+            </a:extLst>
+          </p:cNvPr>
+          <p:cNvSpPr>
+            <a:spLocks noGrp="1"/>
+          </p:cNvSpPr>
+          <p:nvPr>
+            <p:ph type="dt" sz="half" idx="10"/>
+          </p:nvPr>
+        </p:nvSpPr>
+        <p:spPr/>
+        <p:txBody>
+          <a:bodyPr/>
+          <a:lstStyle/>
+          <a:p>
+            <a:pPr algn="r"/>
+            <a:r>
+              <a:rPr lang="de-DE" noProof="0" dirty="0"/>
+              <a:t>28.8.18</a:t>
+            </a:r>
+          </a:p>
+        </p:txBody>
+      </p:sp>
+      <p:sp>
+        <p:nvSpPr>
+          <p:cNvPr id="4" name="Fußzeilenplatzhalter 3">
+            <a:extLst>
+              <a:ext uri="{FF2B5EF4-FFF2-40B4-BE49-F238E27FC236}">
+                <a16:creationId xmlns:a16="http://schemas.microsoft.com/office/drawing/2014/main" id="{1CE74D54-9888-488A-8C5A-F53E42E541BE}"/>
+              </a:ext>
+            </a:extLst>
+          </p:cNvPr>
+          <p:cNvSpPr>
+            <a:spLocks noGrp="1"/>
+          </p:cNvSpPr>
+          <p:nvPr>
+            <p:ph type="ftr" sz="quarter" idx="11"/>
+          </p:nvPr>
+        </p:nvSpPr>
+        <p:spPr/>
+        <p:txBody>
+          <a:bodyPr/>
+          <a:lstStyle/>
+          <a:p>
+            <a:pPr rtl="0"/>
+            <a:endParaRPr lang="de-DE" noProof="0" dirty="0"/>
+          </a:p>
+        </p:txBody>
+      </p:sp>
+      <p:sp>
+        <p:nvSpPr>
+          <p:cNvPr id="5" name="Foliennummernplatzhalter 4">
+            <a:extLst>
+              <a:ext uri="{FF2B5EF4-FFF2-40B4-BE49-F238E27FC236}">
+                <a16:creationId xmlns:a16="http://schemas.microsoft.com/office/drawing/2014/main" id="{02087F13-7305-43B7-A46E-958A431D74B0}"/>
+              </a:ext>
+            </a:extLst>
+          </p:cNvPr>
+          <p:cNvSpPr>
+            <a:spLocks noGrp="1"/>
+          </p:cNvSpPr>
+          <p:nvPr>
+            <p:ph type="sldNum" sz="quarter" idx="12"/>
+          </p:nvPr>
+        </p:nvSpPr>
+        <p:spPr/>
+        <p:txBody>
+          <a:bodyPr/>
+          <a:lstStyle/>
+          <a:p>
+            <a:r>
+              <a:rPr lang="de-DE" noProof="0" dirty="0"/>
+              <a:t>‹Nr.›</a:t>
+            </a:r>
+          </a:p>
+        </p:txBody>
+      </p:sp>
+      <p:sp>
+        <p:nvSpPr>
+          <p:cNvPr id="6" name="Textplatzhalter 5">
+            <a:extLst>
+              <a:ext uri="{FF2B5EF4-FFF2-40B4-BE49-F238E27FC236}">
+                <a16:creationId xmlns:a16="http://schemas.microsoft.com/office/drawing/2014/main" id="{CE598EF9-AE99-495E-AB14-B855EF4AB994}"/>
+              </a:ext>
+            </a:extLst>
+          </p:cNvPr>
+          <p:cNvSpPr>
+            <a:spLocks noGrp="1"/>
+          </p:cNvSpPr>
+          <p:nvPr>
+            <p:ph type="body" sz="quarter" idx="13"/>
+          </p:nvPr>
+        </p:nvSpPr>
+        <p:spPr/>
+        <p:txBody>
+          <a:bodyPr/>
+          <a:lstStyle/>
+          <a:p>
+            <a:pPr marL="457200" indent="-457200">
+              <a:buFont typeface="+mj-lt"/>
+              <a:buAutoNum type="arabicPeriod"/>
+            </a:pPr>
+            <a:r>
+              <a:rPr lang="de-DE" dirty="0">
+                <a:solidFill>
+                  <a:schemeClr val="bg1">
+                    <a:lumMod val="75000"/>
+                  </a:schemeClr>
+                </a:solidFill>
+              </a:rPr>
+              <a:t> </a:t>
+            </a:r>
+            <a:r>
+              <a:rPr lang="en-US" dirty="0">
+                <a:solidFill>
+                  <a:schemeClr val="bg1">
+                    <a:lumMod val="75000"/>
+                  </a:schemeClr>
+                </a:solidFill>
+              </a:rPr>
+              <a:t>Introduction</a:t>
+            </a:r>
+          </a:p>
+          <a:p>
+            <a:pPr marL="457200" indent="-457200">
+              <a:buFont typeface="+mj-lt"/>
+              <a:buAutoNum type="arabicPeriod"/>
+            </a:pPr>
+            <a:r>
+              <a:rPr lang="de-DE" dirty="0">
+                <a:solidFill>
+                  <a:schemeClr val="bg1">
+                    <a:lumMod val="75000"/>
+                  </a:schemeClr>
+                </a:solidFill>
+              </a:rPr>
+              <a:t> Background: PDR on Hardware</a:t>
+            </a:r>
+          </a:p>
+          <a:p>
+            <a:pPr marL="457200" indent="-457200">
+              <a:buFont typeface="+mj-lt"/>
+              <a:buAutoNum type="arabicPeriod"/>
+            </a:pPr>
+            <a:r>
+              <a:rPr lang="de-DE" dirty="0">
+                <a:solidFill>
+                  <a:schemeClr val="bg1">
+                    <a:lumMod val="75000"/>
+                  </a:schemeClr>
+                </a:solidFill>
+              </a:rPr>
+              <a:t> PDR on Software</a:t>
+            </a:r>
+          </a:p>
+          <a:p>
+            <a:pPr marL="457200" indent="-457200">
+              <a:buFont typeface="+mj-lt"/>
+              <a:buAutoNum type="arabicPeriod"/>
+            </a:pPr>
+            <a:r>
+              <a:rPr lang="de-DE" dirty="0">
+                <a:solidFill>
+                  <a:schemeClr val="bg1">
+                    <a:lumMod val="75000"/>
+                  </a:schemeClr>
+                </a:solidFill>
+              </a:rPr>
+              <a:t> Implementation in Ultimate</a:t>
+            </a:r>
+          </a:p>
+          <a:p>
+            <a:pPr marL="457200" indent="-457200">
+              <a:buFont typeface="+mj-lt"/>
+              <a:buAutoNum type="arabicPeriod"/>
+            </a:pPr>
+            <a:r>
+              <a:rPr lang="de-DE" dirty="0">
+                <a:solidFill>
+                  <a:schemeClr val="bg1">
+                    <a:lumMod val="75000"/>
+                  </a:schemeClr>
+                </a:solidFill>
+              </a:rPr>
+              <a:t> Evaluation</a:t>
+            </a:r>
+          </a:p>
+          <a:p>
+            <a:pPr marL="457200" indent="-457200">
+              <a:buFont typeface="+mj-lt"/>
+              <a:buAutoNum type="arabicPeriod"/>
+            </a:pPr>
+            <a:r>
+              <a:rPr lang="de-DE" dirty="0">
+                <a:solidFill>
+                  <a:schemeClr val="bg1">
+                    <a:lumMod val="75000"/>
+                  </a:schemeClr>
+                </a:solidFill>
+              </a:rPr>
+              <a:t> </a:t>
+            </a:r>
+            <a:r>
+              <a:rPr lang="en-US" dirty="0">
+                <a:solidFill>
+                  <a:schemeClr val="bg1">
+                    <a:lumMod val="75000"/>
+                  </a:schemeClr>
+                </a:solidFill>
+              </a:rPr>
+              <a:t>Related</a:t>
+            </a:r>
+            <a:r>
+              <a:rPr lang="de-DE" dirty="0">
+                <a:solidFill>
+                  <a:schemeClr val="bg1">
+                    <a:lumMod val="75000"/>
+                  </a:schemeClr>
+                </a:solidFill>
+              </a:rPr>
+              <a:t> Work</a:t>
+            </a:r>
+          </a:p>
+          <a:p>
+            <a:pPr marL="457200" indent="-457200">
+              <a:buFont typeface="+mj-lt"/>
+              <a:buAutoNum type="arabicPeriod"/>
+            </a:pPr>
+            <a:r>
+              <a:rPr lang="de-DE" dirty="0"/>
+              <a:t> Future Work</a:t>
+            </a:r>
+          </a:p>
+          <a:p>
+            <a:pPr marL="457200" indent="-457200">
+              <a:buFont typeface="+mj-lt"/>
+              <a:buAutoNum type="arabicPeriod"/>
+            </a:pPr>
+            <a:r>
+              <a:rPr lang="de-DE" dirty="0">
+                <a:solidFill>
+                  <a:schemeClr val="bg1">
+                    <a:lumMod val="75000"/>
+                  </a:schemeClr>
+                </a:solidFill>
+              </a:rPr>
+              <a:t> </a:t>
+            </a:r>
+            <a:r>
+              <a:rPr lang="de-DE" dirty="0" err="1">
+                <a:solidFill>
+                  <a:schemeClr val="bg1">
+                    <a:lumMod val="75000"/>
+                  </a:schemeClr>
+                </a:solidFill>
+              </a:rPr>
+              <a:t>Conclusion</a:t>
+            </a:r>
+            <a:endParaRPr lang="de-DE" dirty="0">
+              <a:solidFill>
+                <a:schemeClr val="bg1">
+                  <a:lumMod val="75000"/>
+                </a:schemeClr>
+              </a:solidFill>
+            </a:endParaRPr>
+          </a:p>
+        </p:txBody>
+      </p:sp>
+    </p:spTree>
+    <p:extLst>
+      <p:ext uri="{BB962C8B-B14F-4D97-AF65-F5344CB8AC3E}">
+        <p14:creationId xmlns:p14="http://schemas.microsoft.com/office/powerpoint/2010/main" val="1775252008"/>
+      </p:ext>
+    </p:extLst>
+  </p:cSld>
+  <p:clrMapOvr>
+    <a:masterClrMapping/>
+  </p:clrMapOvr>
+  <mc:AlternateContent xmlns:mc="http://schemas.openxmlformats.org/markup-compatibility/2006" xmlns:p14="http://schemas.microsoft.com/office/powerpoint/2010/main">
+    <mc:Choice Requires="p14">
+      <p:transition spd="med" p14:dur="700">
+        <p:fade/>
+      </p:transition>
+    </mc:Choice>
+    <mc:Fallback xmlns="">
+      <p:transition spd="med">
+        <p:fade/>
+      </p:transition>
+    </mc:Fallback>
+  </mc:AlternateContent>
+</p:sld>
+</file>
+
+<file path=ppt/slides/slide42.xml><?xml version="1.0" encoding="utf-8"?>
+<p:sld xmlns:a="http://schemas.openxmlformats.org/drawingml/2006/main" xmlns:r="http://schemas.openxmlformats.org/officeDocument/2006/relationships" xmlns:p="http://schemas.openxmlformats.org/presentationml/2006/main">
+  <p:cSld>
+    <p:spTree>
+      <p:nvGrpSpPr>
+        <p:cNvPr id="1" name=""/>
+        <p:cNvGrpSpPr/>
+        <p:nvPr/>
+      </p:nvGrpSpPr>
+      <p:grpSpPr>
+        <a:xfrm>
+          <a:off x="0" y="0"/>
+          <a:ext cx="0" cy="0"/>
+          <a:chOff x="0" y="0"/>
+          <a:chExt cx="0" cy="0"/>
+        </a:xfrm>
+      </p:grpSpPr>
+      <p:sp>
+        <p:nvSpPr>
+          <p:cNvPr id="2" name="Titel 1">
+            <a:extLst>
+              <a:ext uri="{FF2B5EF4-FFF2-40B4-BE49-F238E27FC236}">
+                <a16:creationId xmlns:a16="http://schemas.microsoft.com/office/drawing/2014/main" id="{FEE42046-CEB7-407C-83C9-233A406884FF}"/>
+              </a:ext>
+            </a:extLst>
+          </p:cNvPr>
+          <p:cNvSpPr>
+            <a:spLocks noGrp="1"/>
+          </p:cNvSpPr>
+          <p:nvPr>
+            <p:ph type="title"/>
+          </p:nvPr>
+        </p:nvSpPr>
+        <p:spPr/>
+        <p:txBody>
+          <a:bodyPr>
+            <a:normAutofit fontScale="90000"/>
+          </a:bodyPr>
+          <a:lstStyle/>
+          <a:p>
+            <a:r>
+              <a:rPr lang="de-DE" dirty="0"/>
+              <a:t>7.1 Further </a:t>
+            </a:r>
+            <a:r>
+              <a:rPr lang="de-DE" dirty="0" err="1"/>
+              <a:t>Improvements</a:t>
+            </a:r>
+            <a:endParaRPr lang="en-US" dirty="0"/>
+          </a:p>
+        </p:txBody>
+      </p:sp>
+      <p:sp>
+        <p:nvSpPr>
+          <p:cNvPr id="3" name="Datumsplatzhalter 2">
+            <a:extLst>
+              <a:ext uri="{FF2B5EF4-FFF2-40B4-BE49-F238E27FC236}">
+                <a16:creationId xmlns:a16="http://schemas.microsoft.com/office/drawing/2014/main" id="{C895FC0F-5452-4C1B-95E6-6FB8A156638B}"/>
+              </a:ext>
+            </a:extLst>
+          </p:cNvPr>
+          <p:cNvSpPr>
+            <a:spLocks noGrp="1"/>
+          </p:cNvSpPr>
+          <p:nvPr>
+            <p:ph type="dt" sz="half" idx="10"/>
+          </p:nvPr>
+        </p:nvSpPr>
+        <p:spPr/>
+        <p:txBody>
+          <a:bodyPr/>
+          <a:lstStyle/>
+          <a:p>
+            <a:pPr algn="r"/>
+            <a:r>
+              <a:rPr lang="de-DE" noProof="0"/>
+              <a:t>28.8.18</a:t>
+            </a:r>
+            <a:endParaRPr lang="de-DE" noProof="0" dirty="0"/>
+          </a:p>
+        </p:txBody>
+      </p:sp>
+      <p:sp>
+        <p:nvSpPr>
+          <p:cNvPr id="4" name="Fußzeilenplatzhalter 3">
+            <a:extLst>
+              <a:ext uri="{FF2B5EF4-FFF2-40B4-BE49-F238E27FC236}">
+                <a16:creationId xmlns:a16="http://schemas.microsoft.com/office/drawing/2014/main" id="{DAF29A85-0E28-4F1C-887E-D7DD725564C4}"/>
+              </a:ext>
+            </a:extLst>
+          </p:cNvPr>
+          <p:cNvSpPr>
+            <a:spLocks noGrp="1"/>
+          </p:cNvSpPr>
+          <p:nvPr>
+            <p:ph type="ftr" sz="quarter" idx="11"/>
+          </p:nvPr>
+        </p:nvSpPr>
+        <p:spPr/>
+        <p:txBody>
+          <a:bodyPr/>
+          <a:lstStyle/>
+          <a:p>
+            <a:pPr rtl="0"/>
+            <a:endParaRPr lang="de-DE" noProof="0" dirty="0"/>
+          </a:p>
+        </p:txBody>
+      </p:sp>
+      <p:sp>
+        <p:nvSpPr>
+          <p:cNvPr id="5" name="Foliennummernplatzhalter 4">
+            <a:extLst>
+              <a:ext uri="{FF2B5EF4-FFF2-40B4-BE49-F238E27FC236}">
+                <a16:creationId xmlns:a16="http://schemas.microsoft.com/office/drawing/2014/main" id="{5F68C3A7-3B62-4CFC-95C9-5D8C234AF74A}"/>
+              </a:ext>
+            </a:extLst>
+          </p:cNvPr>
+          <p:cNvSpPr>
+            <a:spLocks noGrp="1"/>
+          </p:cNvSpPr>
+          <p:nvPr>
+            <p:ph type="sldNum" sz="quarter" idx="12"/>
+          </p:nvPr>
+        </p:nvSpPr>
+        <p:spPr/>
+        <p:txBody>
+          <a:bodyPr/>
+          <a:lstStyle/>
+          <a:p>
+            <a:r>
+              <a:rPr lang="de-DE" noProof="0"/>
+              <a:t>‹Nr.›</a:t>
+            </a:r>
+            <a:endParaRPr lang="de-DE" noProof="0" dirty="0"/>
+          </a:p>
+        </p:txBody>
+      </p:sp>
+      <p:sp>
+        <p:nvSpPr>
+          <p:cNvPr id="6" name="Textplatzhalter 5">
+            <a:extLst>
+              <a:ext uri="{FF2B5EF4-FFF2-40B4-BE49-F238E27FC236}">
+                <a16:creationId xmlns:a16="http://schemas.microsoft.com/office/drawing/2014/main" id="{C943C053-DB4E-4D12-87C0-6463BD5ABB73}"/>
+              </a:ext>
+            </a:extLst>
+          </p:cNvPr>
+          <p:cNvSpPr>
+            <a:spLocks noGrp="1"/>
+          </p:cNvSpPr>
+          <p:nvPr>
+            <p:ph type="body" sz="quarter" idx="13"/>
+          </p:nvPr>
+        </p:nvSpPr>
+        <p:spPr/>
+        <p:txBody>
+          <a:bodyPr/>
+          <a:lstStyle/>
+          <a:p>
+            <a:endParaRPr lang="en-US"/>
+          </a:p>
+        </p:txBody>
+      </p:sp>
+    </p:spTree>
+    <p:extLst>
+      <p:ext uri="{BB962C8B-B14F-4D97-AF65-F5344CB8AC3E}">
+        <p14:creationId xmlns:p14="http://schemas.microsoft.com/office/powerpoint/2010/main" val="2540749696"/>
+      </p:ext>
+    </p:extLst>
+  </p:cSld>
+  <p:clrMapOvr>
+    <a:masterClrMapping/>
+  </p:clrMapOvr>
+  <mc:AlternateContent xmlns:mc="http://schemas.openxmlformats.org/markup-compatibility/2006" xmlns:p14="http://schemas.microsoft.com/office/powerpoint/2010/main">
+    <mc:Choice Requires="p14">
+      <p:transition spd="med" p14:dur="700">
+        <p:fade/>
+      </p:transition>
+    </mc:Choice>
+    <mc:Fallback xmlns="">
+      <p:transition spd="med">
+        <p:fade/>
+      </p:transition>
+    </mc:Fallback>
+  </mc:AlternateContent>
+</p:sld>
+</file>
+
+<file path=ppt/slides/slide43.xml><?xml version="1.0" encoding="utf-8"?>
+<p:sld xmlns:a="http://schemas.openxmlformats.org/drawingml/2006/main" xmlns:r="http://schemas.openxmlformats.org/officeDocument/2006/relationships" xmlns:p="http://schemas.openxmlformats.org/presentationml/2006/main">
+  <p:cSld>
+    <p:spTree>
+      <p:nvGrpSpPr>
+        <p:cNvPr id="1" name=""/>
+        <p:cNvGrpSpPr/>
+        <p:nvPr/>
+      </p:nvGrpSpPr>
+      <p:grpSpPr>
+        <a:xfrm>
+          <a:off x="0" y="0"/>
+          <a:ext cx="0" cy="0"/>
+          <a:chOff x="0" y="0"/>
+          <a:chExt cx="0" cy="0"/>
+        </a:xfrm>
+      </p:grpSpPr>
+      <p:sp>
+        <p:nvSpPr>
+          <p:cNvPr id="2" name="Titel 1">
+            <a:extLst>
+              <a:ext uri="{FF2B5EF4-FFF2-40B4-BE49-F238E27FC236}">
                 <a16:creationId xmlns:a16="http://schemas.microsoft.com/office/drawing/2014/main" id="{258F9DE9-7431-495F-AD93-EEA178EDD70F}"/>
               </a:ext>
             </a:extLst>
@@ -29980,7 +32939,7 @@
 </p:sld>
 </file>
 
-<file path=ppt/slides/slide41.xml><?xml version="1.0" encoding="utf-8"?>
+<file path=ppt/slides/slide44.xml><?xml version="1.0" encoding="utf-8"?>
 <p:sld xmlns:a="http://schemas.openxmlformats.org/drawingml/2006/main" xmlns:r="http://schemas.openxmlformats.org/officeDocument/2006/relationships" xmlns:p="http://schemas.openxmlformats.org/presentationml/2006/main">
   <p:cSld>
     <p:spTree>
@@ -30836,8 +33795,8 @@
           </a:p>
         </p:txBody>
       </p:sp>
-      <mc:AlternateContent xmlns:mc="http://schemas.openxmlformats.org/markup-compatibility/2006">
-        <mc:Choice xmlns:a14="http://schemas.microsoft.com/office/drawing/2010/main" Requires="a14">
+      <mc:AlternateContent xmlns:mc="http://schemas.openxmlformats.org/markup-compatibility/2006" xmlns:a14="http://schemas.microsoft.com/office/drawing/2010/main">
+        <mc:Choice Requires="a14">
           <p:sp>
             <p:nvSpPr>
               <p:cNvPr id="6" name="Textplatzhalter 5">
@@ -31252,7 +34211,7 @@
             </p:txBody>
           </p:sp>
         </mc:Choice>
-        <mc:Fallback>
+        <mc:Fallback xmlns="">
           <p:sp>
             <p:nvSpPr>
               <p:cNvPr id="6" name="Textplatzhalter 5">
@@ -31454,8 +34413,8 @@
           </a:p>
         </p:txBody>
       </p:sp>
-      <mc:AlternateContent xmlns:mc="http://schemas.openxmlformats.org/markup-compatibility/2006">
-        <mc:Choice xmlns:a14="http://schemas.microsoft.com/office/drawing/2010/main" Requires="a14">
+      <mc:AlternateContent xmlns:mc="http://schemas.openxmlformats.org/markup-compatibility/2006" xmlns:a14="http://schemas.microsoft.com/office/drawing/2010/main">
+        <mc:Choice Requires="a14">
           <p:sp>
             <p:nvSpPr>
               <p:cNvPr id="6" name="Textplatzhalter 5">
@@ -31774,7 +34733,7 @@
             </p:txBody>
           </p:sp>
         </mc:Choice>
-        <mc:Fallback>
+        <mc:Fallback xmlns="">
           <p:sp>
             <p:nvSpPr>
               <p:cNvPr id="6" name="Textplatzhalter 5">
@@ -31976,8 +34935,8 @@
           </a:p>
         </p:txBody>
       </p:sp>
-      <mc:AlternateContent xmlns:mc="http://schemas.openxmlformats.org/markup-compatibility/2006">
-        <mc:Choice xmlns:a14="http://schemas.microsoft.com/office/drawing/2010/main" Requires="a14">
+      <mc:AlternateContent xmlns:mc="http://schemas.openxmlformats.org/markup-compatibility/2006" xmlns:a14="http://schemas.microsoft.com/office/drawing/2010/main">
+        <mc:Choice Requires="a14">
           <p:sp>
             <p:nvSpPr>
               <p:cNvPr id="6" name="Textplatzhalter 5">
@@ -32340,7 +35299,7 @@
             </p:txBody>
           </p:sp>
         </mc:Choice>
-        <mc:Fallback>
+        <mc:Fallback xmlns="">
           <p:sp>
             <p:nvSpPr>
               <p:cNvPr id="6" name="Textplatzhalter 5">
@@ -33113,18 +36072,18 @@
 </file>
 
 <file path=customXml/item1.xml><?xml version="1.0" encoding="utf-8"?>
+<p:properties xmlns:p="http://schemas.microsoft.com/office/2006/metadata/properties" xmlns:xsi="http://www.w3.org/2001/XMLSchema-instance" xmlns:pc="http://schemas.microsoft.com/office/infopath/2007/PartnerControls">
+  <documentManagement/>
+</p:properties>
+</file>
+
+<file path=customXml/item2.xml><?xml version="1.0" encoding="utf-8"?>
 <?mso-contentType ?>
 <FormTemplates xmlns="http://schemas.microsoft.com/sharepoint/v3/contenttype/forms">
   <Display>DocumentLibraryForm</Display>
   <Edit>DocumentLibraryForm</Edit>
   <New>DocumentLibraryForm</New>
 </FormTemplates>
-</file>
-
-<file path=customXml/item2.xml><?xml version="1.0" encoding="utf-8"?>
-<p:properties xmlns:p="http://schemas.microsoft.com/office/2006/metadata/properties" xmlns:xsi="http://www.w3.org/2001/XMLSchema-instance" xmlns:pc="http://schemas.microsoft.com/office/infopath/2007/PartnerControls">
-  <documentManagement/>
-</p:properties>
 </file>
 
 <file path=customXml/item3.xml><?xml version="1.0" encoding="utf-8"?>
@@ -33242,24 +36201,24 @@
 </file>
 
 <file path=customXml/itemProps1.xml><?xml version="1.0" encoding="utf-8"?>
-<ds:datastoreItem xmlns:ds="http://schemas.openxmlformats.org/officeDocument/2006/customXml" ds:itemID="{17BDA8A7-0CEB-4225-87B6-CC21A8611889}">
+<ds:datastoreItem xmlns:ds="http://schemas.openxmlformats.org/officeDocument/2006/customXml" ds:itemID="{5B928D1E-68BA-412E-B34A-7160A7263FC7}">
   <ds:schemaRefs>
-    <ds:schemaRef ds:uri="http://schemas.microsoft.com/sharepoint/v3/contenttype/forms"/>
+    <ds:schemaRef ds:uri="http://purl.org/dc/dcmitype/"/>
+    <ds:schemaRef ds:uri="http://schemas.microsoft.com/office/infopath/2007/PartnerControls"/>
+    <ds:schemaRef ds:uri="http://purl.org/dc/elements/1.1/"/>
+    <ds:schemaRef ds:uri="http://schemas.microsoft.com/office/2006/metadata/properties"/>
+    <ds:schemaRef ds:uri="http://purl.org/dc/terms/"/>
+    <ds:schemaRef ds:uri="http://schemas.microsoft.com/office/2006/documentManagement/types"/>
+    <ds:schemaRef ds:uri="http://schemas.openxmlformats.org/package/2006/metadata/core-properties"/>
+    <ds:schemaRef ds:uri="http://www.w3.org/XML/1998/namespace"/>
   </ds:schemaRefs>
 </ds:datastoreItem>
 </file>
 
 <file path=customXml/itemProps2.xml><?xml version="1.0" encoding="utf-8"?>
-<ds:datastoreItem xmlns:ds="http://schemas.openxmlformats.org/officeDocument/2006/customXml" ds:itemID="{5B928D1E-68BA-412E-B34A-7160A7263FC7}">
+<ds:datastoreItem xmlns:ds="http://schemas.openxmlformats.org/officeDocument/2006/customXml" ds:itemID="{17BDA8A7-0CEB-4225-87B6-CC21A8611889}">
   <ds:schemaRefs>
-    <ds:schemaRef ds:uri="http://purl.org/dc/elements/1.1/"/>
-    <ds:schemaRef ds:uri="http://schemas.microsoft.com/office/2006/metadata/properties"/>
-    <ds:schemaRef ds:uri="http://schemas.microsoft.com/office/2006/documentManagement/types"/>
-    <ds:schemaRef ds:uri="http://purl.org/dc/terms/"/>
-    <ds:schemaRef ds:uri="http://purl.org/dc/dcmitype/"/>
-    <ds:schemaRef ds:uri="http://schemas.microsoft.com/office/infopath/2007/PartnerControls"/>
-    <ds:schemaRef ds:uri="http://schemas.openxmlformats.org/package/2006/metadata/core-properties"/>
-    <ds:schemaRef ds:uri="http://www.w3.org/XML/1998/namespace"/>
+    <ds:schemaRef ds:uri="http://schemas.microsoft.com/sharepoint/v3/contenttype/forms"/>
   </ds:schemaRefs>
 </ds:datastoreItem>
 </file>

--- a/Presentation/pdr_presentation.pptx
+++ b/Presentation/pdr_presentation.pptx
@@ -5,10 +5,10 @@
     <p:sldMasterId id="2147483648" r:id="rId4"/>
   </p:sldMasterIdLst>
   <p:notesMasterIdLst>
-    <p:notesMasterId r:id="rId73"/>
+    <p:notesMasterId r:id="rId75"/>
   </p:notesMasterIdLst>
   <p:handoutMasterIdLst>
-    <p:handoutMasterId r:id="rId74"/>
+    <p:handoutMasterId r:id="rId76"/>
   </p:handoutMasterIdLst>
   <p:sldIdLst>
     <p:sldId id="256" r:id="rId5"/>
@@ -66,19 +66,21 @@
     <p:sldId id="326" r:id="rId57"/>
     <p:sldId id="269" r:id="rId58"/>
     <p:sldId id="270" r:id="rId59"/>
-    <p:sldId id="271" r:id="rId60"/>
-    <p:sldId id="272" r:id="rId61"/>
-    <p:sldId id="273" r:id="rId62"/>
-    <p:sldId id="274" r:id="rId63"/>
-    <p:sldId id="275" r:id="rId64"/>
-    <p:sldId id="277" r:id="rId65"/>
-    <p:sldId id="276" r:id="rId66"/>
-    <p:sldId id="278" r:id="rId67"/>
-    <p:sldId id="279" r:id="rId68"/>
-    <p:sldId id="280" r:id="rId69"/>
-    <p:sldId id="281" r:id="rId70"/>
-    <p:sldId id="282" r:id="rId71"/>
-    <p:sldId id="316" r:id="rId72"/>
+    <p:sldId id="327" r:id="rId60"/>
+    <p:sldId id="271" r:id="rId61"/>
+    <p:sldId id="272" r:id="rId62"/>
+    <p:sldId id="328" r:id="rId63"/>
+    <p:sldId id="273" r:id="rId64"/>
+    <p:sldId id="274" r:id="rId65"/>
+    <p:sldId id="275" r:id="rId66"/>
+    <p:sldId id="277" r:id="rId67"/>
+    <p:sldId id="276" r:id="rId68"/>
+    <p:sldId id="278" r:id="rId69"/>
+    <p:sldId id="279" r:id="rId70"/>
+    <p:sldId id="280" r:id="rId71"/>
+    <p:sldId id="281" r:id="rId72"/>
+    <p:sldId id="282" r:id="rId73"/>
+    <p:sldId id="316" r:id="rId74"/>
   </p:sldIdLst>
   <p:sldSz cx="12192000" cy="6858000"/>
   <p:notesSz cx="6858000" cy="9144000"/>
@@ -245,12 +247,14 @@
             <p14:sldId id="326"/>
             <p14:sldId id="269"/>
             <p14:sldId id="270"/>
+            <p14:sldId id="327"/>
             <p14:sldId id="271"/>
           </p14:sldIdLst>
         </p14:section>
         <p14:section name="PDR in Ultimate" id="{3FF4E16D-9AA7-482E-B16B-3F13FD6343BD}">
           <p14:sldIdLst>
             <p14:sldId id="272"/>
+            <p14:sldId id="328"/>
             <p14:sldId id="273"/>
             <p14:sldId id="274"/>
           </p14:sldIdLst>
@@ -387,7 +391,7 @@
             <a:pPr algn="r" rtl="0"/>
             <a:fld id="{A3A1C496-08FF-443A-8346-D8DC578D93A9}" type="datetime1">
               <a:rPr lang="de-DE" smtClean="0"/>
-              <a:t>05.09.2018</a:t>
+              <a:t>08.09.2018</a:t>
             </a:fld>
             <a:endParaRPr lang="de-DE" dirty="0"/>
           </a:p>
@@ -556,7 +560,7 @@
             <a:fld id="{EDBF6CAB-81FD-4522-B5E4-1073B576E0F9}" type="datetime1">
               <a:rPr lang="de-DE" noProof="0" smtClean="0"/>
               <a:pPr algn="r"/>
-              <a:t>05.09.2018</a:t>
+              <a:t>08.09.2018</a:t>
             </a:fld>
             <a:endParaRPr lang="de-DE" noProof="0" dirty="0"/>
           </a:p>
@@ -18422,8 +18426,8 @@
           </a:p>
         </p:txBody>
       </p:sp>
-      <mc:AlternateContent xmlns:mc="http://schemas.openxmlformats.org/markup-compatibility/2006">
-        <mc:Choice xmlns:a14="http://schemas.microsoft.com/office/drawing/2010/main" Requires="a14">
+      <mc:AlternateContent xmlns:mc="http://schemas.openxmlformats.org/markup-compatibility/2006" xmlns:a14="http://schemas.microsoft.com/office/drawing/2010/main">
+        <mc:Choice Requires="a14">
           <p:sp>
             <p:nvSpPr>
               <p:cNvPr id="6" name="Textplatzhalter 5">
@@ -18745,7 +18749,7 @@
             </p:txBody>
           </p:sp>
         </mc:Choice>
-        <mc:Fallback>
+        <mc:Fallback xmlns="">
           <p:sp>
             <p:nvSpPr>
               <p:cNvPr id="6" name="Textplatzhalter 5">
@@ -19243,8 +19247,8 @@
           </a:p>
         </p:txBody>
       </p:sp>
-      <mc:AlternateContent xmlns:mc="http://schemas.openxmlformats.org/markup-compatibility/2006">
-        <mc:Choice xmlns:a14="http://schemas.microsoft.com/office/drawing/2010/main" Requires="a14">
+      <mc:AlternateContent xmlns:mc="http://schemas.openxmlformats.org/markup-compatibility/2006" xmlns:a14="http://schemas.microsoft.com/office/drawing/2010/main">
+        <mc:Choice Requires="a14">
           <p:sp>
             <p:nvSpPr>
               <p:cNvPr id="6" name="Textplatzhalter 5">
@@ -20251,7 +20255,7 @@
             </p:txBody>
           </p:sp>
         </mc:Choice>
-        <mc:Fallback>
+        <mc:Fallback xmlns="">
           <p:sp>
             <p:nvSpPr>
               <p:cNvPr id="6" name="Textplatzhalter 5">
@@ -20490,8 +20494,8 @@
           </a:p>
         </p:txBody>
       </p:sp>
-      <mc:AlternateContent xmlns:mc="http://schemas.openxmlformats.org/markup-compatibility/2006">
-        <mc:Choice xmlns:a14="http://schemas.microsoft.com/office/drawing/2010/main" Requires="a14">
+      <mc:AlternateContent xmlns:mc="http://schemas.openxmlformats.org/markup-compatibility/2006" xmlns:a14="http://schemas.microsoft.com/office/drawing/2010/main">
+        <mc:Choice Requires="a14">
           <p:sp>
             <p:nvSpPr>
               <p:cNvPr id="6" name="Textplatzhalter 5">
@@ -20829,7 +20833,7 @@
             </p:txBody>
           </p:sp>
         </mc:Choice>
-        <mc:Fallback>
+        <mc:Fallback xmlns="">
           <p:sp>
             <p:nvSpPr>
               <p:cNvPr id="6" name="Textplatzhalter 5">
@@ -21386,8 +21390,8 @@
           </a:p>
         </p:txBody>
       </p:sp>
-      <mc:AlternateContent xmlns:mc="http://schemas.openxmlformats.org/markup-compatibility/2006">
-        <mc:Choice xmlns:a14="http://schemas.microsoft.com/office/drawing/2010/main" Requires="a14">
+      <mc:AlternateContent xmlns:mc="http://schemas.openxmlformats.org/markup-compatibility/2006" xmlns:a14="http://schemas.microsoft.com/office/drawing/2010/main">
+        <mc:Choice Requires="a14">
           <p:sp>
             <p:nvSpPr>
               <p:cNvPr id="7" name="Textplatzhalter 6">
@@ -22387,7 +22391,7 @@
             </p:txBody>
           </p:sp>
         </mc:Choice>
-        <mc:Fallback>
+        <mc:Fallback xmlns="">
           <p:sp>
             <p:nvSpPr>
               <p:cNvPr id="7" name="Textplatzhalter 6">
@@ -22795,8 +22799,8 @@
           </a:p>
         </p:txBody>
       </p:sp>
-      <mc:AlternateContent xmlns:mc="http://schemas.openxmlformats.org/markup-compatibility/2006">
-        <mc:Choice xmlns:a14="http://schemas.microsoft.com/office/drawing/2010/main" Requires="a14">
+      <mc:AlternateContent xmlns:mc="http://schemas.openxmlformats.org/markup-compatibility/2006" xmlns:a14="http://schemas.microsoft.com/office/drawing/2010/main">
+        <mc:Choice Requires="a14">
           <p:sp>
             <p:nvSpPr>
               <p:cNvPr id="7" name="Textplatzhalter 6">
@@ -23283,7 +23287,7 @@
             </p:txBody>
           </p:sp>
         </mc:Choice>
-        <mc:Fallback>
+        <mc:Fallback xmlns="">
           <p:sp>
             <p:nvSpPr>
               <p:cNvPr id="7" name="Textplatzhalter 6">
@@ -23533,8 +23537,8 @@
           </a:p>
         </p:txBody>
       </p:sp>
-      <mc:AlternateContent xmlns:mc="http://schemas.openxmlformats.org/markup-compatibility/2006">
-        <mc:Choice xmlns:a14="http://schemas.microsoft.com/office/drawing/2010/main" Requires="a14">
+      <mc:AlternateContent xmlns:mc="http://schemas.openxmlformats.org/markup-compatibility/2006" xmlns:a14="http://schemas.microsoft.com/office/drawing/2010/main">
+        <mc:Choice Requires="a14">
           <p:sp>
             <p:nvSpPr>
               <p:cNvPr id="7" name="Textplatzhalter 6">
@@ -23703,7 +23707,7 @@
             </p:txBody>
           </p:sp>
         </mc:Choice>
-        <mc:Fallback>
+        <mc:Fallback xmlns="">
           <p:sp>
             <p:nvSpPr>
               <p:cNvPr id="7" name="Textplatzhalter 6">
@@ -24383,8 +24387,8 @@
           </a:p>
         </p:txBody>
       </p:sp>
-      <mc:AlternateContent xmlns:mc="http://schemas.openxmlformats.org/markup-compatibility/2006">
-        <mc:Choice xmlns:a14="http://schemas.microsoft.com/office/drawing/2010/main" Requires="a14">
+      <mc:AlternateContent xmlns:mc="http://schemas.openxmlformats.org/markup-compatibility/2006" xmlns:a14="http://schemas.microsoft.com/office/drawing/2010/main">
+        <mc:Choice Requires="a14">
           <p:sp>
             <p:nvSpPr>
               <p:cNvPr id="2" name="Textplatzhalter 1">
@@ -24710,7 +24714,7 @@
             </p:txBody>
           </p:sp>
         </mc:Choice>
-        <mc:Fallback>
+        <mc:Fallback xmlns="">
           <p:sp>
             <p:nvSpPr>
               <p:cNvPr id="2" name="Textplatzhalter 1">
@@ -24952,8 +24956,8 @@
           </a:p>
         </p:txBody>
       </p:sp>
-      <mc:AlternateContent xmlns:mc="http://schemas.openxmlformats.org/markup-compatibility/2006">
-        <mc:Choice xmlns:a14="http://schemas.microsoft.com/office/drawing/2010/main" Requires="a14">
+      <mc:AlternateContent xmlns:mc="http://schemas.openxmlformats.org/markup-compatibility/2006" xmlns:a14="http://schemas.microsoft.com/office/drawing/2010/main">
+        <mc:Choice Requires="a14">
           <p:sp>
             <p:nvSpPr>
               <p:cNvPr id="2" name="Textplatzhalter 1">
@@ -25443,7 +25447,7 @@
             </p:txBody>
           </p:sp>
         </mc:Choice>
-        <mc:Fallback>
+        <mc:Fallback xmlns="">
           <p:sp>
             <p:nvSpPr>
               <p:cNvPr id="2" name="Textplatzhalter 1">
@@ -25685,8 +25689,8 @@
           </a:p>
         </p:txBody>
       </p:sp>
-      <mc:AlternateContent xmlns:mc="http://schemas.openxmlformats.org/markup-compatibility/2006">
-        <mc:Choice xmlns:a14="http://schemas.microsoft.com/office/drawing/2010/main" Requires="a14">
+      <mc:AlternateContent xmlns:mc="http://schemas.openxmlformats.org/markup-compatibility/2006" xmlns:a14="http://schemas.microsoft.com/office/drawing/2010/main">
+        <mc:Choice Requires="a14">
           <p:sp>
             <p:nvSpPr>
               <p:cNvPr id="2" name="Textplatzhalter 1">
@@ -25900,7 +25904,7 @@
             </p:txBody>
           </p:sp>
         </mc:Choice>
-        <mc:Fallback>
+        <mc:Fallback xmlns="">
           <p:sp>
             <p:nvSpPr>
               <p:cNvPr id="2" name="Textplatzhalter 1">
@@ -26130,8 +26134,8 @@
           </a:p>
         </p:txBody>
       </p:sp>
-      <mc:AlternateContent xmlns:mc="http://schemas.openxmlformats.org/markup-compatibility/2006">
-        <mc:Choice xmlns:a14="http://schemas.microsoft.com/office/drawing/2010/main" Requires="a14">
+      <mc:AlternateContent xmlns:mc="http://schemas.openxmlformats.org/markup-compatibility/2006" xmlns:a14="http://schemas.microsoft.com/office/drawing/2010/main">
+        <mc:Choice Requires="a14">
           <p:sp>
             <p:nvSpPr>
               <p:cNvPr id="2" name="Textplatzhalter 1">
@@ -26375,7 +26379,7 @@
             </p:txBody>
           </p:sp>
         </mc:Choice>
-        <mc:Fallback>
+        <mc:Fallback xmlns="">
           <p:sp>
             <p:nvSpPr>
               <p:cNvPr id="2" name="Textplatzhalter 1">
@@ -31794,8 +31798,8 @@
           </a:p>
         </p:txBody>
       </p:sp>
-      <mc:AlternateContent xmlns:mc="http://schemas.openxmlformats.org/markup-compatibility/2006">
-        <mc:Choice xmlns:a14="http://schemas.microsoft.com/office/drawing/2010/main" Requires="a14">
+      <mc:AlternateContent xmlns:mc="http://schemas.openxmlformats.org/markup-compatibility/2006" xmlns:a14="http://schemas.microsoft.com/office/drawing/2010/main">
+        <mc:Choice Requires="a14">
           <p:sp>
             <p:nvSpPr>
               <p:cNvPr id="6" name="Textplatzhalter 5">
@@ -32007,7 +32011,7 @@
             </p:txBody>
           </p:sp>
         </mc:Choice>
-        <mc:Fallback>
+        <mc:Fallback xmlns="">
           <p:sp>
             <p:nvSpPr>
               <p:cNvPr id="6" name="Textplatzhalter 5">
@@ -35151,7 +35155,7 @@
                 <a:pPr marL="274320" lvl="1" indent="0">
                   <a:buNone/>
                 </a:pPr>
-                <a:endParaRPr lang="de-DE" dirty="0"/>
+                <a:endParaRPr lang="en-US" dirty="0"/>
               </a:p>
               <a:p>
                 <a:pPr lvl="1">
@@ -35159,55 +35163,55 @@
                   <a:buChar char="Ø"/>
                 </a:pPr>
                 <a:r>
-                  <a:rPr lang="de-DE" noProof="0" dirty="0"/>
+                  <a:rPr lang="en-US" noProof="0" dirty="0"/>
                   <a:t> </a:t>
                 </a:r>
                 <a:r>
-                  <a:rPr lang="de-DE" noProof="0" dirty="0" err="1"/>
+                  <a:rPr lang="en-US" noProof="0" dirty="0" err="1"/>
                   <a:t>Algorithm</a:t>
                 </a:r>
                 <a:r>
-                  <a:rPr lang="de-DE" noProof="0" dirty="0"/>
+                  <a:rPr lang="en-US" noProof="0" dirty="0"/>
                   <a:t> </a:t>
                 </a:r>
                 <a:r>
-                  <a:rPr lang="de-DE" noProof="0" dirty="0" err="1"/>
+                  <a:rPr lang="en-US" noProof="0" dirty="0" err="1"/>
                   <a:t>initzializes</a:t>
                 </a:r>
                 <a:r>
-                  <a:rPr lang="de-DE" noProof="0" dirty="0"/>
+                  <a:rPr lang="en-US" noProof="0" dirty="0"/>
                   <a:t> </a:t>
                 </a:r>
                 <a:r>
-                  <a:rPr lang="de-DE" noProof="0" dirty="0" err="1"/>
+                  <a:rPr lang="en-US" noProof="0" dirty="0" err="1"/>
                   <a:t>new</a:t>
                 </a:r>
                 <a:r>
-                  <a:rPr lang="de-DE" noProof="0" dirty="0"/>
+                  <a:rPr lang="en-US" noProof="0" dirty="0"/>
                   <a:t> </a:t>
                 </a:r>
                 <a:r>
-                  <a:rPr lang="de-DE" noProof="0" dirty="0" err="1"/>
+                  <a:rPr lang="en-US" noProof="0" dirty="0" err="1"/>
                   <a:t>level</a:t>
                 </a:r>
                 <a:r>
-                  <a:rPr lang="de-DE" noProof="0" dirty="0"/>
+                  <a:rPr lang="en-US" noProof="0" dirty="0"/>
                   <a:t> k+1 </a:t>
                 </a:r>
                 <a:r>
-                  <a:rPr lang="de-DE" noProof="0" dirty="0" err="1"/>
+                  <a:rPr lang="en-US" noProof="0" dirty="0" err="1"/>
                   <a:t>for</a:t>
                 </a:r>
                 <a:r>
-                  <a:rPr lang="de-DE" noProof="0" dirty="0"/>
+                  <a:rPr lang="en-US" noProof="0" dirty="0"/>
                   <a:t> all </a:t>
                 </a:r>
                 <a:r>
-                  <a:rPr lang="de-DE" noProof="0" dirty="0" err="1"/>
+                  <a:rPr lang="en-US" noProof="0" dirty="0" err="1"/>
                   <a:t>locations</a:t>
                 </a:r>
                 <a:r>
-                  <a:rPr lang="de-DE" noProof="0" dirty="0"/>
+                  <a:rPr lang="en-US" noProof="0" dirty="0"/>
                   <a:t> </a:t>
                 </a:r>
                 <a14:m>
@@ -35317,13 +35321,13 @@
                       </m:e>
                       <m:sub>
                         <m:r>
-                          <a:rPr lang="de-DE" b="0" i="1" smtClean="0">
+                          <a:rPr lang="en-US" b="0" i="1" smtClean="0">
                             <a:latin typeface="Cambria Math" panose="02040503050406030204" pitchFamily="18" charset="0"/>
                           </a:rPr>
                           <m:t>𝑘</m:t>
                         </m:r>
                         <m:r>
-                          <a:rPr lang="de-DE" b="0" i="1" smtClean="0">
+                          <a:rPr lang="en-US" b="0" i="1" smtClean="0">
                             <a:latin typeface="Cambria Math" panose="02040503050406030204" pitchFamily="18" charset="0"/>
                           </a:rPr>
                           <m:t>+1, ℓ</m:t>
@@ -35331,14 +35335,14 @@
                       </m:sub>
                     </m:sSub>
                     <m:r>
-                      <a:rPr lang="de-DE" b="0" i="1" smtClean="0">
+                      <a:rPr lang="en-US" b="0" i="1" smtClean="0">
                         <a:latin typeface="Cambria Math" panose="02040503050406030204" pitchFamily="18" charset="0"/>
                         <a:ea typeface="Cambria Math" panose="02040503050406030204" pitchFamily="18" charset="0"/>
                       </a:rPr>
                       <m:t>=</m:t>
                     </m:r>
                     <m:r>
-                      <a:rPr lang="de-DE" b="0" i="1" smtClean="0">
+                      <a:rPr lang="en-US" b="0" i="1" smtClean="0">
                         <a:latin typeface="Cambria Math" panose="02040503050406030204" pitchFamily="18" charset="0"/>
                         <a:ea typeface="Cambria Math" panose="02040503050406030204" pitchFamily="18" charset="0"/>
                       </a:rPr>
@@ -35355,7 +35359,7 @@
                 <a:pPr marL="506412" lvl="2" indent="0">
                   <a:buNone/>
                 </a:pPr>
-                <a:endParaRPr lang="de-DE" dirty="0"/>
+                <a:endParaRPr lang="en-US" dirty="0"/>
               </a:p>
               <a:p>
                 <a:pPr marL="277812" lvl="1" indent="0">
@@ -35600,8 +35604,8 @@
           </a:p>
         </p:txBody>
       </p:sp>
-      <mc:AlternateContent xmlns:mc="http://schemas.openxmlformats.org/markup-compatibility/2006">
-        <mc:Choice xmlns:a14="http://schemas.microsoft.com/office/drawing/2010/main" Requires="a14">
+      <mc:AlternateContent xmlns:mc="http://schemas.openxmlformats.org/markup-compatibility/2006" xmlns:a14="http://schemas.microsoft.com/office/drawing/2010/main">
+        <mc:Choice Requires="a14">
           <p:sp>
             <p:nvSpPr>
               <p:cNvPr id="7" name="Textplatzhalter 6">
@@ -35819,7 +35823,7 @@
                 <a:pPr marL="506412" lvl="2" indent="0">
                   <a:buNone/>
                 </a:pPr>
-                <a:endParaRPr lang="de-DE" dirty="0"/>
+                <a:endParaRPr lang="en-US" dirty="0"/>
               </a:p>
               <a:p>
                 <a:pPr lvl="1">
@@ -35827,47 +35831,47 @@
                   <a:buChar char="Ø"/>
                 </a:pPr>
                 <a:r>
-                  <a:rPr lang="de-DE" dirty="0"/>
+                  <a:rPr lang="en-US" dirty="0"/>
                   <a:t> </a:t>
                 </a:r>
                 <a:r>
-                  <a:rPr lang="de-DE" dirty="0" err="1"/>
+                  <a:rPr lang="en-US" dirty="0" err="1"/>
                   <a:t>Additionally</a:t>
                 </a:r>
                 <a:r>
-                  <a:rPr lang="de-DE" dirty="0"/>
+                  <a:rPr lang="en-US" dirty="0"/>
                   <a:t>, </a:t>
                 </a:r>
                 <a:r>
-                  <a:rPr lang="de-DE" dirty="0" err="1"/>
+                  <a:rPr lang="en-US" dirty="0" err="1"/>
                   <a:t>the</a:t>
                 </a:r>
                 <a:r>
-                  <a:rPr lang="de-DE" dirty="0"/>
+                  <a:rPr lang="en-US" dirty="0"/>
                   <a:t> </a:t>
                 </a:r>
                 <a:r>
-                  <a:rPr lang="de-DE" dirty="0" err="1"/>
+                  <a:rPr lang="en-US" dirty="0" err="1"/>
                   <a:t>algorithm</a:t>
                 </a:r>
                 <a:r>
-                  <a:rPr lang="de-DE" dirty="0"/>
+                  <a:rPr lang="en-US" dirty="0"/>
                   <a:t> </a:t>
                 </a:r>
                 <a:r>
-                  <a:rPr lang="de-DE" dirty="0" err="1"/>
+                  <a:rPr lang="en-US" dirty="0" err="1"/>
                   <a:t>computes</a:t>
                 </a:r>
                 <a:r>
-                  <a:rPr lang="de-DE" dirty="0"/>
+                  <a:rPr lang="en-US" dirty="0"/>
                   <a:t> initial </a:t>
                 </a:r>
                 <a:r>
-                  <a:rPr lang="de-DE" dirty="0" err="1"/>
+                  <a:rPr lang="en-US" dirty="0" err="1"/>
                   <a:t>proof-obligations</a:t>
                 </a:r>
                 <a:r>
-                  <a:rPr lang="de-DE" dirty="0"/>
+                  <a:rPr lang="en-US" dirty="0"/>
                   <a:t>:</a:t>
                 </a:r>
               </a:p>
@@ -35877,95 +35881,95 @@
                   <a:buChar char="•"/>
                 </a:pPr>
                 <a:r>
-                  <a:rPr lang="de-DE" dirty="0"/>
+                  <a:rPr lang="en-US" dirty="0"/>
                   <a:t> </a:t>
                 </a:r>
                 <a:r>
-                  <a:rPr lang="de-DE" dirty="0" err="1"/>
+                  <a:rPr lang="en-US" dirty="0" err="1"/>
                   <a:t>Because</a:t>
                 </a:r>
                 <a:r>
-                  <a:rPr lang="de-DE" dirty="0"/>
+                  <a:rPr lang="en-US" dirty="0"/>
                   <a:t> </a:t>
                 </a:r>
                 <a:r>
-                  <a:rPr lang="de-DE" dirty="0" err="1"/>
+                  <a:rPr lang="en-US" dirty="0" err="1"/>
                   <a:t>of</a:t>
                 </a:r>
                 <a:r>
-                  <a:rPr lang="de-DE" dirty="0"/>
+                  <a:rPr lang="en-US" dirty="0"/>
                   <a:t> </a:t>
                 </a:r>
                 <a:r>
-                  <a:rPr lang="de-DE" dirty="0" err="1"/>
+                  <a:rPr lang="en-US" dirty="0" err="1"/>
                   <a:t>the</a:t>
                 </a:r>
                 <a:r>
-                  <a:rPr lang="de-DE" dirty="0"/>
+                  <a:rPr lang="en-US" dirty="0"/>
                   <a:t> </a:t>
                 </a:r>
                 <a:r>
-                  <a:rPr lang="de-DE" dirty="0" err="1"/>
+                  <a:rPr lang="en-US" dirty="0" err="1"/>
                   <a:t>structure</a:t>
                 </a:r>
                 <a:r>
-                  <a:rPr lang="de-DE" dirty="0"/>
+                  <a:rPr lang="en-US" dirty="0"/>
                   <a:t> </a:t>
                 </a:r>
                 <a:r>
-                  <a:rPr lang="de-DE" dirty="0" err="1"/>
+                  <a:rPr lang="en-US" dirty="0" err="1"/>
                   <a:t>of</a:t>
                 </a:r>
                 <a:r>
-                  <a:rPr lang="de-DE" dirty="0"/>
+                  <a:rPr lang="en-US" dirty="0"/>
                   <a:t> CFGs, </a:t>
                 </a:r>
                 <a:r>
-                  <a:rPr lang="de-DE" dirty="0" err="1"/>
+                  <a:rPr lang="en-US" dirty="0" err="1"/>
                   <a:t>we</a:t>
                 </a:r>
                 <a:r>
-                  <a:rPr lang="de-DE" dirty="0"/>
+                  <a:rPr lang="en-US" dirty="0"/>
                   <a:t> </a:t>
                 </a:r>
                 <a:r>
-                  <a:rPr lang="de-DE" dirty="0" err="1"/>
+                  <a:rPr lang="en-US" dirty="0" err="1"/>
                   <a:t>always</a:t>
                 </a:r>
                 <a:r>
-                  <a:rPr lang="de-DE" dirty="0"/>
+                  <a:rPr lang="en-US" dirty="0"/>
                   <a:t> </a:t>
                 </a:r>
                 <a:r>
-                  <a:rPr lang="de-DE" dirty="0" err="1"/>
+                  <a:rPr lang="en-US" dirty="0" err="1"/>
                   <a:t>know</a:t>
                 </a:r>
                 <a:r>
-                  <a:rPr lang="de-DE" dirty="0"/>
+                  <a:rPr lang="en-US" dirty="0"/>
                   <a:t> </a:t>
                 </a:r>
                 <a:r>
-                  <a:rPr lang="de-DE" dirty="0" err="1"/>
+                  <a:rPr lang="en-US" dirty="0" err="1"/>
                   <a:t>the</a:t>
                 </a:r>
                 <a:r>
-                  <a:rPr lang="de-DE" dirty="0"/>
+                  <a:rPr lang="en-US" dirty="0"/>
                   <a:t> </a:t>
                 </a:r>
                 <a:r>
-                  <a:rPr lang="de-DE" dirty="0" err="1"/>
+                  <a:rPr lang="en-US" dirty="0" err="1"/>
                   <a:t>transitions</a:t>
                 </a:r>
                 <a:r>
-                  <a:rPr lang="de-DE" dirty="0"/>
+                  <a:rPr lang="en-US" dirty="0"/>
                   <a:t> </a:t>
                 </a:r>
                 <a:r>
-                  <a:rPr lang="de-DE" dirty="0" err="1"/>
+                  <a:rPr lang="en-US" dirty="0" err="1"/>
                   <a:t>to</a:t>
                 </a:r>
                 <a:r>
-                  <a:rPr lang="de-DE" dirty="0"/>
+                  <a:rPr lang="en-US" dirty="0"/>
                   <a:t> </a:t>
                 </a:r>
                 <a14:m>
@@ -35973,14 +35977,14 @@
                     <m:sSub>
                       <m:sSubPr>
                         <m:ctrlPr>
-                          <a:rPr lang="de-DE" i="1" smtClean="0">
+                          <a:rPr lang="en-US" i="1" smtClean="0">
                             <a:latin typeface="Cambria Math" panose="02040503050406030204" pitchFamily="18" charset="0"/>
                           </a:rPr>
                         </m:ctrlPr>
                       </m:sSubPr>
                       <m:e>
                         <m:r>
-                          <a:rPr lang="de-DE" i="1" smtClean="0">
+                          <a:rPr lang="en-US" i="1" smtClean="0">
                             <a:latin typeface="Cambria Math" panose="02040503050406030204" pitchFamily="18" charset="0"/>
                             <a:ea typeface="Cambria Math" panose="02040503050406030204" pitchFamily="18" charset="0"/>
                           </a:rPr>
@@ -35989,7 +35993,7 @@
                       </m:e>
                       <m:sub>
                         <m:r>
-                          <a:rPr lang="de-DE" b="0" i="1" smtClean="0">
+                          <a:rPr lang="en-US" b="0" i="1" smtClean="0">
                             <a:latin typeface="Cambria Math" panose="02040503050406030204" pitchFamily="18" charset="0"/>
                           </a:rPr>
                           <m:t>𝐸</m:t>
@@ -35998,7 +36002,7 @@
                     </m:sSub>
                   </m:oMath>
                 </a14:m>
-                <a:endParaRPr lang="de-DE" dirty="0"/>
+                <a:endParaRPr lang="en-US" dirty="0"/>
               </a:p>
               <a:p>
                 <a:pPr lvl="3">
@@ -36006,55 +36010,55 @@
                   <a:buChar char="è"/>
                 </a:pPr>
                 <a:r>
-                  <a:rPr lang="de-DE" dirty="0">
+                  <a:rPr lang="en-US" dirty="0">
                     <a:sym typeface="Wingdings" panose="05000000000000000000" pitchFamily="2" charset="2"/>
                   </a:rPr>
                   <a:t> Check G </a:t>
                 </a:r>
                 <a:r>
-                  <a:rPr lang="de-DE" dirty="0" err="1">
+                  <a:rPr lang="en-US" dirty="0" err="1">
                     <a:sym typeface="Wingdings" panose="05000000000000000000" pitchFamily="2" charset="2"/>
                   </a:rPr>
                   <a:t>for</a:t>
                 </a:r>
                 <a:r>
-                  <a:rPr lang="de-DE" dirty="0">
+                  <a:rPr lang="en-US" dirty="0">
                     <a:sym typeface="Wingdings" panose="05000000000000000000" pitchFamily="2" charset="2"/>
                   </a:rPr>
                   <a:t> </a:t>
                 </a:r>
                 <a:r>
-                  <a:rPr lang="de-DE" dirty="0" err="1">
+                  <a:rPr lang="en-US" dirty="0" err="1">
                     <a:sym typeface="Wingdings" panose="05000000000000000000" pitchFamily="2" charset="2"/>
                   </a:rPr>
                   <a:t>transitions</a:t>
                 </a:r>
                 <a:r>
-                  <a:rPr lang="de-DE" dirty="0">
+                  <a:rPr lang="en-US" dirty="0">
                     <a:sym typeface="Wingdings" panose="05000000000000000000" pitchFamily="2" charset="2"/>
                   </a:rPr>
                   <a:t> </a:t>
                 </a:r>
                 <a:r>
-                  <a:rPr lang="de-DE" dirty="0" err="1">
+                  <a:rPr lang="en-US" dirty="0" err="1">
                     <a:sym typeface="Wingdings" panose="05000000000000000000" pitchFamily="2" charset="2"/>
                   </a:rPr>
                   <a:t>of</a:t>
                 </a:r>
                 <a:r>
-                  <a:rPr lang="de-DE" dirty="0">
+                  <a:rPr lang="en-US" dirty="0">
                     <a:sym typeface="Wingdings" panose="05000000000000000000" pitchFamily="2" charset="2"/>
                   </a:rPr>
                   <a:t> </a:t>
                 </a:r>
                 <a:r>
-                  <a:rPr lang="de-DE" dirty="0" err="1">
+                  <a:rPr lang="en-US" dirty="0" err="1">
                     <a:sym typeface="Wingdings" panose="05000000000000000000" pitchFamily="2" charset="2"/>
                   </a:rPr>
                   <a:t>the</a:t>
                 </a:r>
                 <a:r>
-                  <a:rPr lang="de-DE" dirty="0">
+                  <a:rPr lang="en-US" dirty="0">
                     <a:sym typeface="Wingdings" panose="05000000000000000000" pitchFamily="2" charset="2"/>
                   </a:rPr>
                   <a:t> form </a:t>
@@ -36062,14 +36066,14 @@
                 <a14:m>
                   <m:oMath xmlns:m="http://schemas.openxmlformats.org/officeDocument/2006/math">
                     <m:r>
-                      <a:rPr lang="de-DE" b="0" i="1" smtClean="0">
+                      <a:rPr lang="en-US" b="0" i="1" smtClean="0">
                         <a:latin typeface="Cambria Math" panose="02040503050406030204" pitchFamily="18" charset="0"/>
                         <a:sym typeface="Wingdings" panose="05000000000000000000" pitchFamily="2" charset="2"/>
                       </a:rPr>
                       <m:t>(</m:t>
                     </m:r>
                     <m:r>
-                      <a:rPr lang="de-DE" b="0" i="1" smtClean="0">
+                      <a:rPr lang="en-US" b="0" i="1" smtClean="0">
                         <a:latin typeface="Cambria Math" panose="02040503050406030204" pitchFamily="18" charset="0"/>
                         <a:ea typeface="Cambria Math" panose="02040503050406030204" pitchFamily="18" charset="0"/>
                         <a:sym typeface="Wingdings" panose="05000000000000000000" pitchFamily="2" charset="2"/>
@@ -36077,7 +36081,7 @@
                       <m:t>ℓ, </m:t>
                     </m:r>
                     <m:r>
-                      <a:rPr lang="de-DE" b="0" i="1" smtClean="0">
+                      <a:rPr lang="en-US" b="0" i="1" smtClean="0">
                         <a:latin typeface="Cambria Math" panose="02040503050406030204" pitchFamily="18" charset="0"/>
                         <a:ea typeface="Cambria Math" panose="02040503050406030204" pitchFamily="18" charset="0"/>
                         <a:sym typeface="Wingdings" panose="05000000000000000000" pitchFamily="2" charset="2"/>
@@ -36085,7 +36089,7 @@
                       <m:t>𝑡</m:t>
                     </m:r>
                     <m:r>
-                      <a:rPr lang="de-DE" b="0" i="1" smtClean="0">
+                      <a:rPr lang="en-US" b="0" i="1" smtClean="0">
                         <a:latin typeface="Cambria Math" panose="02040503050406030204" pitchFamily="18" charset="0"/>
                         <a:ea typeface="Cambria Math" panose="02040503050406030204" pitchFamily="18" charset="0"/>
                         <a:sym typeface="Wingdings" panose="05000000000000000000" pitchFamily="2" charset="2"/>
@@ -36095,14 +36099,14 @@
                     <m:sSub>
                       <m:sSubPr>
                         <m:ctrlPr>
-                          <a:rPr lang="de-DE" i="1">
+                          <a:rPr lang="en-US" i="1">
                             <a:latin typeface="Cambria Math" panose="02040503050406030204" pitchFamily="18" charset="0"/>
                           </a:rPr>
                         </m:ctrlPr>
                       </m:sSubPr>
                       <m:e>
                         <m:r>
-                          <a:rPr lang="de-DE" i="1">
+                          <a:rPr lang="en-US" i="1">
                             <a:latin typeface="Cambria Math" panose="02040503050406030204" pitchFamily="18" charset="0"/>
                             <a:ea typeface="Cambria Math" panose="02040503050406030204" pitchFamily="18" charset="0"/>
                           </a:rPr>
@@ -36111,7 +36115,7 @@
                       </m:e>
                       <m:sub>
                         <m:r>
-                          <a:rPr lang="de-DE" i="1">
+                          <a:rPr lang="en-US" i="1">
                             <a:latin typeface="Cambria Math" panose="02040503050406030204" pitchFamily="18" charset="0"/>
                           </a:rPr>
                           <m:t>𝐸</m:t>
@@ -36119,14 +36123,14 @@
                       </m:sub>
                     </m:sSub>
                     <m:r>
-                      <a:rPr lang="de-DE" b="0" i="0" smtClean="0">
+                      <a:rPr lang="en-US" b="0" i="0" smtClean="0">
                         <a:latin typeface="Cambria Math" panose="02040503050406030204" pitchFamily="18" charset="0"/>
                       </a:rPr>
                       <m:t>)</m:t>
                     </m:r>
                   </m:oMath>
                 </a14:m>
-                <a:endParaRPr lang="de-DE" dirty="0"/>
+                <a:endParaRPr lang="en-US" dirty="0"/>
               </a:p>
               <a:p>
                 <a:pPr lvl="3">
@@ -36134,78 +36138,78 @@
                   <a:buChar char="è"/>
                 </a:pPr>
                 <a:r>
-                  <a:rPr lang="de-DE" dirty="0"/>
+                  <a:rPr lang="en-US" dirty="0"/>
                   <a:t> </a:t>
                 </a:r>
                 <a:r>
-                  <a:rPr lang="de-DE" dirty="0" err="1"/>
+                  <a:rPr lang="en-US" dirty="0" err="1"/>
                   <a:t>For</a:t>
                 </a:r>
                 <a:r>
-                  <a:rPr lang="de-DE" dirty="0"/>
+                  <a:rPr lang="en-US" dirty="0"/>
                   <a:t> </a:t>
                 </a:r>
                 <a:r>
-                  <a:rPr lang="de-DE" dirty="0" err="1"/>
+                  <a:rPr lang="en-US" dirty="0" err="1"/>
                   <a:t>each</a:t>
                 </a:r>
                 <a:r>
-                  <a:rPr lang="de-DE" dirty="0"/>
+                  <a:rPr lang="en-US" dirty="0"/>
                   <a:t> </a:t>
                 </a:r>
                 <a:r>
-                  <a:rPr lang="de-DE" dirty="0" err="1"/>
+                  <a:rPr lang="en-US" dirty="0" err="1"/>
                   <a:t>transition</a:t>
                 </a:r>
                 <a:r>
-                  <a:rPr lang="de-DE" dirty="0"/>
+                  <a:rPr lang="en-US" dirty="0"/>
                   <a:t>, </a:t>
                 </a:r>
                 <a:r>
-                  <a:rPr lang="de-DE" dirty="0" err="1"/>
+                  <a:rPr lang="en-US" dirty="0" err="1"/>
                   <a:t>get</a:t>
                 </a:r>
                 <a:r>
-                  <a:rPr lang="de-DE" dirty="0"/>
+                  <a:rPr lang="en-US" dirty="0"/>
                   <a:t> </a:t>
                 </a:r>
                 <a:r>
-                  <a:rPr lang="de-DE" dirty="0" err="1"/>
+                  <a:rPr lang="en-US" dirty="0" err="1"/>
                   <a:t>proof</a:t>
                 </a:r>
                 <a:r>
-                  <a:rPr lang="de-DE" dirty="0"/>
+                  <a:rPr lang="en-US" dirty="0"/>
                   <a:t>-obligation </a:t>
                 </a:r>
                 <a14:m>
                   <m:oMath xmlns:m="http://schemas.openxmlformats.org/officeDocument/2006/math">
                     <m:r>
-                      <a:rPr lang="de-DE" b="0" i="1" smtClean="0">
+                      <a:rPr lang="en-US" b="0" i="1" smtClean="0">
                         <a:latin typeface="Cambria Math" panose="02040503050406030204" pitchFamily="18" charset="0"/>
                       </a:rPr>
                       <m:t>(</m:t>
                     </m:r>
                     <m:r>
-                      <a:rPr lang="de-DE" b="0" i="1" smtClean="0">
+                      <a:rPr lang="en-US" b="0" i="1" smtClean="0">
                         <a:latin typeface="Cambria Math" panose="02040503050406030204" pitchFamily="18" charset="0"/>
                       </a:rPr>
                       <m:t>𝑡</m:t>
                     </m:r>
                     <m:r>
-                      <a:rPr lang="de-DE" b="0" i="1" smtClean="0">
+                      <a:rPr lang="en-US" b="0" i="1" smtClean="0">
                         <a:latin typeface="Cambria Math" panose="02040503050406030204" pitchFamily="18" charset="0"/>
                       </a:rPr>
                       <m:t>, ℓ, </m:t>
                     </m:r>
                     <m:r>
-                      <a:rPr lang="de-DE" b="0" i="1" smtClean="0">
+                      <a:rPr lang="en-US" b="0" i="1" smtClean="0">
                         <a:latin typeface="Cambria Math" panose="02040503050406030204" pitchFamily="18" charset="0"/>
                         <a:ea typeface="Cambria Math" panose="02040503050406030204" pitchFamily="18" charset="0"/>
                       </a:rPr>
                       <m:t>𝑘</m:t>
                     </m:r>
                     <m:r>
-                      <a:rPr lang="de-DE" b="0" i="1" smtClean="0">
+                      <a:rPr lang="en-US" b="0" i="1" smtClean="0">
                         <a:latin typeface="Cambria Math" panose="02040503050406030204" pitchFamily="18" charset="0"/>
                         <a:ea typeface="Cambria Math" panose="02040503050406030204" pitchFamily="18" charset="0"/>
                       </a:rPr>
@@ -36213,7 +36217,7 @@
                     </m:r>
                   </m:oMath>
                 </a14:m>
-                <a:endParaRPr lang="de-DE" dirty="0"/>
+                <a:endParaRPr lang="en-US" dirty="0"/>
               </a:p>
               <a:p>
                 <a:pPr lvl="3">
@@ -36221,7 +36225,7 @@
                   <a:buChar char="è"/>
                 </a:pPr>
                 <a:r>
-                  <a:rPr lang="de-DE" dirty="0">
+                  <a:rPr lang="en-US" dirty="0">
                     <a:solidFill>
                       <a:srgbClr val="FF0000"/>
                     </a:solidFill>
@@ -36229,7 +36233,7 @@
                   <a:t> @</a:t>
                 </a:r>
                 <a:r>
-                  <a:rPr lang="de-DE" dirty="0" err="1">
+                  <a:rPr lang="en-US" dirty="0" err="1">
                     <a:solidFill>
                       <a:srgbClr val="FF0000"/>
                     </a:solidFill>
@@ -36237,7 +36241,7 @@
                   <a:t>ToDo</a:t>
                 </a:r>
                 <a:r>
-                  <a:rPr lang="de-DE" dirty="0">
+                  <a:rPr lang="en-US" dirty="0">
                     <a:solidFill>
                       <a:srgbClr val="FF0000"/>
                     </a:solidFill>
@@ -36245,7 +36249,7 @@
                   <a:t> </a:t>
                 </a:r>
                 <a:r>
-                  <a:rPr lang="de-DE" dirty="0" err="1">
+                  <a:rPr lang="en-US" dirty="0" err="1">
                     <a:solidFill>
                       <a:srgbClr val="FF0000"/>
                     </a:solidFill>
@@ -36253,7 +36257,7 @@
                   <a:t>explain</a:t>
                 </a:r>
                 <a:r>
-                  <a:rPr lang="de-DE" dirty="0">
+                  <a:rPr lang="en-US" dirty="0">
                     <a:solidFill>
                       <a:srgbClr val="FF0000"/>
                     </a:solidFill>
@@ -36261,7 +36265,7 @@
                   <a:t> </a:t>
                 </a:r>
                 <a:r>
-                  <a:rPr lang="de-DE" dirty="0" err="1">
+                  <a:rPr lang="en-US" dirty="0" err="1">
                     <a:solidFill>
                       <a:srgbClr val="FF0000"/>
                     </a:solidFill>
@@ -36269,7 +36273,7 @@
                   <a:t>lifted</a:t>
                 </a:r>
                 <a:r>
-                  <a:rPr lang="de-DE" dirty="0">
+                  <a:rPr lang="en-US" dirty="0">
                     <a:solidFill>
                       <a:srgbClr val="FF0000"/>
                     </a:solidFill>
@@ -36277,14 +36281,14 @@
                   <a:t> </a:t>
                 </a:r>
                 <a:r>
-                  <a:rPr lang="de-DE" dirty="0" err="1">
+                  <a:rPr lang="en-US" dirty="0" err="1">
                     <a:solidFill>
                       <a:srgbClr val="FF0000"/>
                     </a:solidFill>
                   </a:rPr>
                   <a:t>proof-obligations</a:t>
                 </a:r>
-                <a:endParaRPr lang="de-DE" dirty="0">
+                <a:endParaRPr lang="en-US" dirty="0">
                   <a:solidFill>
                     <a:srgbClr val="FF0000"/>
                   </a:solidFill>
@@ -36293,7 +36297,7 @@
             </p:txBody>
           </p:sp>
         </mc:Choice>
-        <mc:Fallback>
+        <mc:Fallback xmlns="">
           <p:sp>
             <p:nvSpPr>
               <p:cNvPr id="7" name="Textplatzhalter 6">
@@ -36886,39 +36890,15 @@
               <a:buChar char="Ø"/>
             </a:pPr>
             <a:r>
-              <a:rPr lang="de-DE" dirty="0"/>
-              <a:t> Blocking-Phase </a:t>
-            </a:r>
-            <a:r>
-              <a:rPr lang="de-DE" dirty="0" err="1"/>
-              <a:t>no</a:t>
-            </a:r>
-            <a:r>
-              <a:rPr lang="de-DE" dirty="0"/>
-              <a:t> </a:t>
-            </a:r>
-            <a:r>
-              <a:rPr lang="de-DE" dirty="0" err="1"/>
-              <a:t>longer</a:t>
-            </a:r>
-            <a:r>
-              <a:rPr lang="de-DE" dirty="0"/>
-              <a:t> </a:t>
-            </a:r>
-            <a:r>
-              <a:rPr lang="de-DE" dirty="0" err="1"/>
-              <a:t>nested</a:t>
-            </a:r>
-            <a:r>
-              <a:rPr lang="de-DE" dirty="0"/>
-              <a:t> in </a:t>
-            </a:r>
-            <a:r>
-              <a:rPr lang="de-DE" dirty="0" err="1"/>
-              <a:t>preceding</a:t>
-            </a:r>
-            <a:r>
-              <a:rPr lang="de-DE" dirty="0"/>
+              <a:rPr lang="en-US" dirty="0"/>
+              <a:t> Blocking-Phase not nested in </a:t>
+            </a:r>
+            <a:r>
+              <a:rPr lang="en-US" dirty="0" err="1"/>
+              <a:t>preceeding</a:t>
+            </a:r>
+            <a:r>
+              <a:rPr lang="en-US" dirty="0"/>
               <a:t>-phase</a:t>
             </a:r>
           </a:p>
@@ -36927,34 +36907,10 @@
               <a:buNone/>
             </a:pPr>
             <a:r>
-              <a:rPr lang="de-DE" dirty="0">
+              <a:rPr lang="en-US" dirty="0">
                 <a:sym typeface="Wingdings" panose="05000000000000000000" pitchFamily="2" charset="2"/>
               </a:rPr>
-              <a:t> </a:t>
-            </a:r>
-            <a:r>
-              <a:rPr lang="de-DE" dirty="0" err="1">
-                <a:sym typeface="Wingdings" panose="05000000000000000000" pitchFamily="2" charset="2"/>
-              </a:rPr>
-              <a:t>No</a:t>
-            </a:r>
-            <a:r>
-              <a:rPr lang="de-DE" dirty="0">
-                <a:sym typeface="Wingdings" panose="05000000000000000000" pitchFamily="2" charset="2"/>
-              </a:rPr>
-              <a:t> </a:t>
-            </a:r>
-            <a:r>
-              <a:rPr lang="de-DE" dirty="0" err="1">
-                <a:sym typeface="Wingdings" panose="05000000000000000000" pitchFamily="2" charset="2"/>
-              </a:rPr>
-              <a:t>longer</a:t>
-            </a:r>
-            <a:r>
-              <a:rPr lang="de-DE" dirty="0">
-                <a:sym typeface="Wingdings" panose="05000000000000000000" pitchFamily="2" charset="2"/>
-              </a:rPr>
-              <a:t> optional</a:t>
+              <a:t> No longer optional</a:t>
             </a:r>
           </a:p>
           <a:p>
@@ -36962,78 +36918,12 @@
               <a:buNone/>
             </a:pPr>
             <a:r>
-              <a:rPr lang="de-DE" dirty="0">
+              <a:rPr lang="en-US" dirty="0">
                 <a:sym typeface="Wingdings" panose="05000000000000000000" pitchFamily="2" charset="2"/>
               </a:rPr>
-              <a:t>	 In </a:t>
-            </a:r>
-            <a:r>
-              <a:rPr lang="de-DE" dirty="0" err="1">
-                <a:sym typeface="Wingdings" panose="05000000000000000000" pitchFamily="2" charset="2"/>
-              </a:rPr>
-              <a:t>each</a:t>
-            </a:r>
-            <a:r>
-              <a:rPr lang="de-DE" dirty="0">
-                <a:sym typeface="Wingdings" panose="05000000000000000000" pitchFamily="2" charset="2"/>
-              </a:rPr>
-              <a:t> </a:t>
-            </a:r>
-            <a:r>
-              <a:rPr lang="de-DE" dirty="0" err="1">
-                <a:sym typeface="Wingdings" panose="05000000000000000000" pitchFamily="2" charset="2"/>
-              </a:rPr>
-              <a:t>iteration</a:t>
-            </a:r>
-            <a:r>
-              <a:rPr lang="de-DE" dirty="0">
-                <a:sym typeface="Wingdings" panose="05000000000000000000" pitchFamily="2" charset="2"/>
-              </a:rPr>
-              <a:t> </a:t>
-            </a:r>
-            <a:r>
-              <a:rPr lang="de-DE" dirty="0" err="1">
-                <a:sym typeface="Wingdings" panose="05000000000000000000" pitchFamily="2" charset="2"/>
-              </a:rPr>
-              <a:t>we</a:t>
-            </a:r>
-            <a:r>
-              <a:rPr lang="de-DE" dirty="0">
-                <a:sym typeface="Wingdings" panose="05000000000000000000" pitchFamily="2" charset="2"/>
-              </a:rPr>
-              <a:t> </a:t>
-            </a:r>
-            <a:r>
-              <a:rPr lang="de-DE" dirty="0" err="1">
-                <a:sym typeface="Wingdings" panose="05000000000000000000" pitchFamily="2" charset="2"/>
-              </a:rPr>
-              <a:t>have</a:t>
-            </a:r>
-            <a:r>
-              <a:rPr lang="de-DE" dirty="0">
-                <a:sym typeface="Wingdings" panose="05000000000000000000" pitchFamily="2" charset="2"/>
-              </a:rPr>
-              <a:t> at least </a:t>
-            </a:r>
-            <a:r>
-              <a:rPr lang="de-DE" dirty="0" err="1">
-                <a:sym typeface="Wingdings" panose="05000000000000000000" pitchFamily="2" charset="2"/>
-              </a:rPr>
-              <a:t>the</a:t>
-            </a:r>
-            <a:r>
-              <a:rPr lang="de-DE" dirty="0">
-                <a:sym typeface="Wingdings" panose="05000000000000000000" pitchFamily="2" charset="2"/>
-              </a:rPr>
-              <a:t> initial </a:t>
-            </a:r>
-            <a:r>
-              <a:rPr lang="de-DE" dirty="0" err="1">
-                <a:sym typeface="Wingdings" panose="05000000000000000000" pitchFamily="2" charset="2"/>
-              </a:rPr>
-              <a:t>proof-obligations</a:t>
-            </a:r>
-            <a:endParaRPr lang="de-DE" dirty="0"/>
+              <a:t>	 In each iteration we have at least the initial proof-obligations</a:t>
+            </a:r>
+            <a:endParaRPr lang="en-US" dirty="0"/>
           </a:p>
         </p:txBody>
       </p:sp>
@@ -37199,8 +37089,8 @@
           </a:p>
         </p:txBody>
       </p:sp>
-      <mc:AlternateContent xmlns:mc="http://schemas.openxmlformats.org/markup-compatibility/2006">
-        <mc:Choice xmlns:a14="http://schemas.microsoft.com/office/drawing/2010/main" Requires="a14">
+      <mc:AlternateContent xmlns:mc="http://schemas.openxmlformats.org/markup-compatibility/2006" xmlns:a14="http://schemas.microsoft.com/office/drawing/2010/main">
+        <mc:Choice Requires="a14">
           <p:sp>
             <p:nvSpPr>
               <p:cNvPr id="8" name="Textplatzhalter 7">
@@ -37232,62 +37122,62 @@
                   <a:buChar char="Ø"/>
                 </a:pPr>
                 <a:r>
-                  <a:rPr lang="de-DE" dirty="0"/>
+                  <a:rPr lang="en-US" dirty="0"/>
                   <a:t> </a:t>
                 </a:r>
                 <a:r>
-                  <a:rPr lang="de-DE" dirty="0" err="1"/>
+                  <a:rPr lang="en-US" dirty="0" err="1"/>
                   <a:t>Algorithm</a:t>
                 </a:r>
                 <a:r>
-                  <a:rPr lang="de-DE" dirty="0"/>
+                  <a:rPr lang="en-US" dirty="0"/>
                   <a:t> </a:t>
                 </a:r>
                 <a:r>
-                  <a:rPr lang="de-DE" dirty="0" err="1"/>
+                  <a:rPr lang="en-US" dirty="0" err="1"/>
                   <a:t>takes</a:t>
                 </a:r>
                 <a:r>
-                  <a:rPr lang="de-DE" dirty="0"/>
+                  <a:rPr lang="en-US" dirty="0"/>
                   <a:t> </a:t>
                 </a:r>
                 <a:r>
-                  <a:rPr lang="de-DE" dirty="0" err="1"/>
+                  <a:rPr lang="en-US" dirty="0" err="1"/>
                   <a:t>proof</a:t>
                 </a:r>
                 <a:r>
-                  <a:rPr lang="de-DE" dirty="0"/>
+                  <a:rPr lang="en-US" dirty="0"/>
                   <a:t>-obligation </a:t>
                 </a:r>
                 <a14:m>
                   <m:oMath xmlns:m="http://schemas.openxmlformats.org/officeDocument/2006/math">
                     <m:r>
-                      <a:rPr lang="de-DE" b="0" i="1" smtClean="0">
+                      <a:rPr lang="en-US" b="0" i="1" smtClean="0">
                         <a:latin typeface="Cambria Math" panose="02040503050406030204" pitchFamily="18" charset="0"/>
                       </a:rPr>
                       <m:t>(</m:t>
                     </m:r>
                     <m:r>
-                      <a:rPr lang="de-DE" b="0" i="1" smtClean="0">
+                      <a:rPr lang="en-US" b="0" i="1" smtClean="0">
                         <a:latin typeface="Cambria Math" panose="02040503050406030204" pitchFamily="18" charset="0"/>
                       </a:rPr>
                       <m:t>𝑡</m:t>
                     </m:r>
                     <m:r>
-                      <a:rPr lang="de-DE" b="0" i="1" smtClean="0">
+                      <a:rPr lang="en-US" b="0" i="1" smtClean="0">
                         <a:latin typeface="Cambria Math" panose="02040503050406030204" pitchFamily="18" charset="0"/>
                       </a:rPr>
                       <m:t>, ℓ, </m:t>
                     </m:r>
                     <m:r>
-                      <a:rPr lang="de-DE" b="0" i="1" smtClean="0">
+                      <a:rPr lang="en-US" b="0" i="1" smtClean="0">
                         <a:latin typeface="Cambria Math" panose="02040503050406030204" pitchFamily="18" charset="0"/>
                         <a:ea typeface="Cambria Math" panose="02040503050406030204" pitchFamily="18" charset="0"/>
                       </a:rPr>
                       <m:t>𝑖</m:t>
                     </m:r>
                     <m:r>
-                      <a:rPr lang="de-DE" b="0" i="1" smtClean="0">
+                      <a:rPr lang="en-US" b="0" i="1" smtClean="0">
                         <a:latin typeface="Cambria Math" panose="02040503050406030204" pitchFamily="18" charset="0"/>
                       </a:rPr>
                       <m:t>)</m:t>
@@ -37301,7 +37191,7 @@
                 <a14:m>
                   <m:oMath xmlns:m="http://schemas.openxmlformats.org/officeDocument/2006/math">
                     <m:r>
-                      <a:rPr lang="de-DE" b="0" i="1" smtClean="0">
+                      <a:rPr lang="en-US" b="0" i="1" smtClean="0">
                         <a:latin typeface="Cambria Math" panose="02040503050406030204" pitchFamily="18" charset="0"/>
                       </a:rPr>
                       <m:t>𝑖</m:t>
@@ -37340,7 +37230,7 @@
                       </m:e>
                       <m:sub>
                         <m:r>
-                          <a:rPr lang="de-DE" b="0" i="1" smtClean="0">
+                          <a:rPr lang="en-US" b="0" i="1" smtClean="0">
                             <a:latin typeface="Cambria Math" panose="02040503050406030204" pitchFamily="18" charset="0"/>
                           </a:rPr>
                           <m:t>𝑝𝑟𝑒</m:t>
@@ -37380,7 +37270,7 @@
                       </m:sSubPr>
                       <m:e>
                         <m:r>
-                          <a:rPr lang="de-DE" b="0" i="1" smtClean="0">
+                          <a:rPr lang="en-US" b="0" i="1" smtClean="0">
                             <a:latin typeface="Cambria Math" panose="02040503050406030204" pitchFamily="18" charset="0"/>
                           </a:rPr>
                           <m:t>𝐹</m:t>
@@ -37388,13 +37278,13 @@
                       </m:e>
                       <m:sub>
                         <m:r>
-                          <a:rPr lang="de-DE" b="0" i="1" smtClean="0">
+                          <a:rPr lang="en-US" b="0" i="1" smtClean="0">
                             <a:latin typeface="Cambria Math" panose="02040503050406030204" pitchFamily="18" charset="0"/>
                           </a:rPr>
                           <m:t>𝑖</m:t>
                         </m:r>
                         <m:r>
-                          <a:rPr lang="de-DE" b="0" i="1" smtClean="0">
+                          <a:rPr lang="en-US" b="0" i="1" smtClean="0">
                             <a:latin typeface="Cambria Math" panose="02040503050406030204" pitchFamily="18" charset="0"/>
                           </a:rPr>
                           <m:t>−1,</m:t>
@@ -37418,7 +37308,7 @@
                           </m:e>
                           <m:sub>
                             <m:r>
-                              <a:rPr lang="de-DE" i="1">
+                              <a:rPr lang="en-US" i="1">
                                 <a:latin typeface="Cambria Math" panose="02040503050406030204" pitchFamily="18" charset="0"/>
                               </a:rPr>
                               <m:t>𝑝𝑟𝑒</m:t>
@@ -37428,7 +37318,7 @@
                       </m:sub>
                     </m:sSub>
                     <m:r>
-                      <a:rPr lang="de-DE" b="0" i="1" smtClean="0">
+                      <a:rPr lang="en-US" b="0" i="1" smtClean="0">
                         <a:latin typeface="Cambria Math" panose="02040503050406030204" pitchFamily="18" charset="0"/>
                       </a:rPr>
                       <m:t> </m:t>
@@ -37458,7 +37348,7 @@
                           </m:sSubPr>
                           <m:e>
                             <m:r>
-                              <a:rPr lang="de-DE" b="0" i="1" smtClean="0">
+                              <a:rPr lang="en-US" b="0" i="1" smtClean="0">
                                 <a:latin typeface="Cambria Math" panose="02040503050406030204" pitchFamily="18" charset="0"/>
                               </a:rPr>
                               <m:t>𝑇</m:t>
@@ -37484,7 +37374,7 @@
                               </m:e>
                               <m:sub>
                                 <m:r>
-                                  <a:rPr lang="de-DE" i="1">
+                                  <a:rPr lang="en-US" i="1">
                                     <a:latin typeface="Cambria Math" panose="02040503050406030204" pitchFamily="18" charset="0"/>
                                   </a:rPr>
                                   <m:t>𝑝𝑟𝑒</m:t>
@@ -37492,7 +37382,7 @@
                               </m:sub>
                             </m:sSub>
                             <m:r>
-                              <a:rPr lang="de-DE" i="1" smtClean="0">
+                              <a:rPr lang="en-US" i="1" smtClean="0">
                                 <a:latin typeface="Cambria Math" panose="02040503050406030204" pitchFamily="18" charset="0"/>
                                 <a:ea typeface="Cambria Math" panose="02040503050406030204" pitchFamily="18" charset="0"/>
                               </a:rPr>
@@ -37503,7 +37393,7 @@
                       </m:e>
                     </m:nary>
                     <m:r>
-                      <a:rPr lang="de-DE" b="0" i="1" smtClean="0">
+                      <a:rPr lang="en-US" b="0" i="1" smtClean="0">
                         <a:latin typeface="Cambria Math" panose="02040503050406030204" pitchFamily="18" charset="0"/>
                         <a:ea typeface="Cambria Math" panose="02040503050406030204" pitchFamily="18" charset="0"/>
                       </a:rPr>
@@ -37515,7 +37405,7 @@
                         <m:subHide m:val="on"/>
                         <m:supHide m:val="on"/>
                         <m:ctrlPr>
-                          <a:rPr lang="de-DE" b="0" i="1" smtClean="0">
+                          <a:rPr lang="en-US" b="0" i="1" smtClean="0">
                             <a:latin typeface="Cambria Math" panose="02040503050406030204" pitchFamily="18" charset="0"/>
                             <a:ea typeface="Cambria Math" panose="02040503050406030204" pitchFamily="18" charset="0"/>
                           </a:rPr>
@@ -37525,21 +37415,21 @@
                       <m:sup/>
                       <m:e>
                         <m:r>
-                          <a:rPr lang="de-DE" b="0" i="1" smtClean="0">
+                          <a:rPr lang="en-US" b="0" i="1" smtClean="0">
                             <a:latin typeface="Cambria Math" panose="02040503050406030204" pitchFamily="18" charset="0"/>
                             <a:ea typeface="Cambria Math" panose="02040503050406030204" pitchFamily="18" charset="0"/>
                           </a:rPr>
                           <m:t> </m:t>
                         </m:r>
                         <m:r>
-                          <a:rPr lang="de-DE" i="1">
+                          <a:rPr lang="en-US" i="1">
                             <a:latin typeface="Cambria Math" panose="02040503050406030204" pitchFamily="18" charset="0"/>
                             <a:ea typeface="Cambria Math" panose="02040503050406030204" pitchFamily="18" charset="0"/>
                           </a:rPr>
                           <m:t>𝑡</m:t>
                         </m:r>
                         <m:r>
-                          <a:rPr lang="de-DE" i="1">
+                          <a:rPr lang="en-US" i="1">
                             <a:latin typeface="Cambria Math" panose="02040503050406030204" pitchFamily="18" charset="0"/>
                             <a:ea typeface="Cambria Math" panose="02040503050406030204" pitchFamily="18" charset="0"/>
                           </a:rPr>
@@ -37559,7 +37449,7 @@
                   <a:buFont typeface="Arial" panose="020B0604020202020204" pitchFamily="34" charset="0"/>
                   <a:buChar char="•"/>
                 </a:pPr>
-                <a:endParaRPr lang="de-DE" dirty="0">
+                <a:endParaRPr lang="en-US" dirty="0">
                   <a:sym typeface="Wingdings" panose="05000000000000000000" pitchFamily="2" charset="2"/>
                 </a:endParaRPr>
               </a:p>
@@ -37581,7 +37471,7 @@
                   <a:buChar char="•"/>
                 </a:pPr>
                 <a:r>
-                  <a:rPr lang="de-DE" dirty="0">
+                  <a:rPr lang="en-US" dirty="0">
                     <a:sym typeface="Wingdings" panose="05000000000000000000" pitchFamily="2" charset="2"/>
                   </a:rPr>
                   <a:t> </a:t>
@@ -37589,7 +37479,7 @@
                 <a14:m>
                   <m:oMath xmlns:m="http://schemas.openxmlformats.org/officeDocument/2006/math">
                     <m:r>
-                      <a:rPr lang="de-DE" b="0" i="1" smtClean="0">
+                      <a:rPr lang="en-US" b="0" i="1" smtClean="0">
                         <a:latin typeface="Cambria Math" panose="02040503050406030204" pitchFamily="18" charset="0"/>
                         <a:sym typeface="Wingdings" panose="05000000000000000000" pitchFamily="2" charset="2"/>
                       </a:rPr>
@@ -37623,7 +37513,7 @@
                 <a14:m>
                   <m:oMath xmlns:m="http://schemas.openxmlformats.org/officeDocument/2006/math">
                     <m:r>
-                      <a:rPr lang="de-DE" b="0" i="1" smtClean="0">
+                      <a:rPr lang="en-US" b="0" i="1" smtClean="0">
                         <a:latin typeface="Cambria Math" panose="02040503050406030204" pitchFamily="18" charset="0"/>
                         <a:ea typeface="Cambria Math" panose="02040503050406030204" pitchFamily="18" charset="0"/>
                       </a:rPr>
@@ -37641,31 +37531,31 @@
                   <a:buChar char="•"/>
                 </a:pPr>
                 <a:r>
-                  <a:rPr lang="de-DE" dirty="0"/>
+                  <a:rPr lang="en-US" dirty="0"/>
                   <a:t> </a:t>
                 </a:r>
                 <a:r>
-                  <a:rPr lang="de-DE" dirty="0" err="1"/>
+                  <a:rPr lang="en-US" dirty="0" err="1"/>
                   <a:t>Get</a:t>
                 </a:r>
                 <a:r>
-                  <a:rPr lang="de-DE" dirty="0"/>
+                  <a:rPr lang="en-US" dirty="0"/>
                   <a:t> </a:t>
                 </a:r>
                 <a:r>
-                  <a:rPr lang="de-DE" dirty="0" err="1"/>
+                  <a:rPr lang="en-US" dirty="0" err="1"/>
                   <a:t>new</a:t>
                 </a:r>
                 <a:r>
-                  <a:rPr lang="de-DE" dirty="0"/>
+                  <a:rPr lang="en-US" dirty="0"/>
                   <a:t> </a:t>
                 </a:r>
                 <a:r>
-                  <a:rPr lang="de-DE" dirty="0" err="1"/>
+                  <a:rPr lang="en-US" dirty="0" err="1"/>
                   <a:t>proof</a:t>
                 </a:r>
                 <a:r>
-                  <a:rPr lang="de-DE" dirty="0"/>
+                  <a:rPr lang="en-US" dirty="0"/>
                   <a:t>-obligation </a:t>
                 </a:r>
                 <a14:m>
@@ -37680,19 +37570,19 @@
                       </m:sSubPr>
                       <m:e>
                         <m:r>
-                          <a:rPr lang="de-DE" b="0" i="1" smtClean="0">
+                          <a:rPr lang="en-US" b="0" i="1" smtClean="0">
                             <a:latin typeface="Cambria Math" panose="02040503050406030204" pitchFamily="18" charset="0"/>
                           </a:rPr>
                           <m:t>(</m:t>
                         </m:r>
                         <m:r>
-                          <a:rPr lang="de-DE" b="0" i="1" smtClean="0">
+                          <a:rPr lang="en-US" b="0" i="1" smtClean="0">
                             <a:latin typeface="Cambria Math" panose="02040503050406030204" pitchFamily="18" charset="0"/>
                           </a:rPr>
                           <m:t>𝑝</m:t>
                         </m:r>
                         <m:r>
-                          <a:rPr lang="de-DE" b="0" i="1" smtClean="0">
+                          <a:rPr lang="en-US" b="0" i="1" smtClean="0">
                             <a:latin typeface="Cambria Math" panose="02040503050406030204" pitchFamily="18" charset="0"/>
                           </a:rPr>
                           <m:t>, ℓ</m:t>
@@ -37700,7 +37590,7 @@
                       </m:e>
                       <m:sub>
                         <m:r>
-                          <a:rPr lang="de-DE" i="1">
+                          <a:rPr lang="en-US" i="1">
                             <a:latin typeface="Cambria Math" panose="02040503050406030204" pitchFamily="18" charset="0"/>
                           </a:rPr>
                           <m:t>𝑝𝑟𝑒</m:t>
@@ -37708,26 +37598,26 @@
                       </m:sub>
                     </m:sSub>
                     <m:r>
-                      <a:rPr lang="de-DE" b="0" i="1" smtClean="0">
+                      <a:rPr lang="en-US" b="0" i="1" smtClean="0">
                         <a:latin typeface="Cambria Math" panose="02040503050406030204" pitchFamily="18" charset="0"/>
                       </a:rPr>
                       <m:t>, </m:t>
                     </m:r>
                     <m:r>
-                      <a:rPr lang="de-DE" b="0" i="1" smtClean="0">
+                      <a:rPr lang="en-US" b="0" i="1" smtClean="0">
                         <a:latin typeface="Cambria Math" panose="02040503050406030204" pitchFamily="18" charset="0"/>
                       </a:rPr>
                       <m:t>𝑖</m:t>
                     </m:r>
                     <m:r>
-                      <a:rPr lang="de-DE" b="0" i="1" smtClean="0">
+                      <a:rPr lang="en-US" b="0" i="1" smtClean="0">
                         <a:latin typeface="Cambria Math" panose="02040503050406030204" pitchFamily="18" charset="0"/>
                       </a:rPr>
                       <m:t>−1)</m:t>
                     </m:r>
                   </m:oMath>
                 </a14:m>
-                <a:endParaRPr lang="de-DE" b="0" i="1" dirty="0">
+                <a:endParaRPr lang="en-US" b="0" i="1" dirty="0">
                   <a:latin typeface="Cambria Math" panose="02040503050406030204" pitchFamily="18" charset="0"/>
                 </a:endParaRPr>
               </a:p>
@@ -37736,7 +37626,7 @@
                   <a:buNone/>
                 </a:pPr>
                 <a:r>
-                  <a:rPr lang="de-DE" sz="2000" b="0" dirty="0">
+                  <a:rPr lang="en-US" sz="2000" b="0" dirty="0">
                     <a:sym typeface="Wingdings" panose="05000000000000000000" pitchFamily="2" charset="2"/>
                   </a:rPr>
                   <a:t> </a:t>
@@ -37744,7 +37634,7 @@
                 <a14:m>
                   <m:oMath xmlns:m="http://schemas.openxmlformats.org/officeDocument/2006/math">
                     <m:r>
-                      <a:rPr lang="de-DE" sz="2000" b="0" i="1" smtClean="0">
+                      <a:rPr lang="en-US" sz="2000" b="0" i="1" smtClean="0">
                         <a:latin typeface="Cambria Math" panose="02040503050406030204" pitchFamily="18" charset="0"/>
                       </a:rPr>
                       <m:t>𝑝</m:t>
@@ -37758,7 +37648,7 @@
                 <a14:m>
                   <m:oMath xmlns:m="http://schemas.openxmlformats.org/officeDocument/2006/math">
                     <m:r>
-                      <a:rPr lang="de-DE" sz="2000" b="0" i="1" smtClean="0">
+                      <a:rPr lang="en-US" sz="2000" b="0" i="1" smtClean="0">
                         <a:latin typeface="Cambria Math" panose="02040503050406030204" pitchFamily="18" charset="0"/>
                       </a:rPr>
                       <m:t>𝑡</m:t>
@@ -37781,7 +37671,7 @@
                       </m:sSubPr>
                       <m:e>
                         <m:r>
-                          <a:rPr lang="de-DE" sz="2000" i="1">
+                          <a:rPr lang="en-US" sz="2000" i="1">
                             <a:latin typeface="Cambria Math" panose="02040503050406030204" pitchFamily="18" charset="0"/>
                           </a:rPr>
                           <m:t>𝑇</m:t>
@@ -37807,7 +37697,7 @@
                           </m:e>
                           <m:sub>
                             <m:r>
-                              <a:rPr lang="de-DE" sz="2000" i="1">
+                              <a:rPr lang="en-US" sz="2000" i="1">
                                 <a:latin typeface="Cambria Math" panose="02040503050406030204" pitchFamily="18" charset="0"/>
                               </a:rPr>
                               <m:t>𝑝𝑟𝑒</m:t>
@@ -37815,7 +37705,7 @@
                           </m:sub>
                         </m:sSub>
                         <m:r>
-                          <a:rPr lang="de-DE" sz="2000" i="1">
+                          <a:rPr lang="en-US" sz="2000" i="1">
                             <a:latin typeface="Cambria Math" panose="02040503050406030204" pitchFamily="18" charset="0"/>
                             <a:ea typeface="Cambria Math" panose="02040503050406030204" pitchFamily="18" charset="0"/>
                           </a:rPr>
@@ -37830,7 +37720,7 @@
             </p:txBody>
           </p:sp>
         </mc:Choice>
-        <mc:Fallback>
+        <mc:Fallback xmlns="">
           <p:sp>
             <p:nvSpPr>
               <p:cNvPr id="8" name="Textplatzhalter 7">
@@ -37896,70 +37786,21 @@
           <a:lstStyle/>
           <a:p>
             <a:r>
-              <a:rPr lang="de-DE" dirty="0" err="1"/>
-              <a:t>Checking</a:t>
-            </a:r>
-            <a:r>
-              <a:rPr lang="de-DE" dirty="0"/>
-              <a:t> </a:t>
-            </a:r>
-            <a:r>
-              <a:rPr lang="de-DE" dirty="0" err="1"/>
-              <a:t>if</a:t>
-            </a:r>
-            <a:r>
-              <a:rPr lang="de-DE" dirty="0"/>
-              <a:t> </a:t>
-            </a:r>
-            <a:r>
-              <a:rPr lang="de-DE" dirty="0" err="1">
+              <a:rPr lang="en-US" dirty="0"/>
+              <a:t>Checking if </a:t>
+            </a:r>
+            <a:r>
+              <a:rPr lang="en-US" dirty="0">
                 <a:solidFill>
                   <a:schemeClr val="accent1"/>
                 </a:solidFill>
               </a:rPr>
-              <a:t>bad</a:t>
-            </a:r>
-            <a:r>
-              <a:rPr lang="de-DE" dirty="0">
-                <a:solidFill>
-                  <a:schemeClr val="accent1"/>
-                </a:solidFill>
-              </a:rPr>
-              <a:t> </a:t>
-            </a:r>
-            <a:r>
-              <a:rPr lang="de-DE" dirty="0" err="1">
-                <a:solidFill>
-                  <a:schemeClr val="accent1"/>
-                </a:solidFill>
-              </a:rPr>
-              <a:t>transitions</a:t>
-            </a:r>
-            <a:r>
-              <a:rPr lang="de-DE" dirty="0">
-                <a:solidFill>
-                  <a:schemeClr val="accent1"/>
-                </a:solidFill>
-              </a:rPr>
-              <a:t> </a:t>
-            </a:r>
-            <a:r>
-              <a:rPr lang="de-DE" dirty="0" err="1"/>
-              <a:t>are</a:t>
-            </a:r>
-            <a:r>
-              <a:rPr lang="de-DE" dirty="0"/>
-              <a:t> </a:t>
-            </a:r>
-            <a:r>
-              <a:rPr lang="de-DE" dirty="0" err="1"/>
-              <a:t>reachable</a:t>
-            </a:r>
-            <a:r>
-              <a:rPr lang="de-DE" dirty="0"/>
-              <a:t>:</a:t>
-            </a:r>
-            <a:endParaRPr lang="en-US" dirty="0"/>
+              <a:t>bad transitions </a:t>
+            </a:r>
+            <a:r>
+              <a:rPr lang="en-US" dirty="0"/>
+              <a:t>are reachable:</a:t>
+            </a:r>
           </a:p>
         </p:txBody>
       </p:sp>
@@ -38125,8 +37966,8 @@
           </a:p>
         </p:txBody>
       </p:sp>
-      <mc:AlternateContent xmlns:mc="http://schemas.openxmlformats.org/markup-compatibility/2006">
-        <mc:Choice xmlns:a14="http://schemas.microsoft.com/office/drawing/2010/main" Requires="a14">
+      <mc:AlternateContent xmlns:mc="http://schemas.openxmlformats.org/markup-compatibility/2006" xmlns:a14="http://schemas.microsoft.com/office/drawing/2010/main">
+        <mc:Choice Requires="a14">
           <p:sp>
             <p:nvSpPr>
               <p:cNvPr id="8" name="Textplatzhalter 7">
@@ -38160,62 +38001,62 @@
                   <a:buChar char="Ø"/>
                 </a:pPr>
                 <a:r>
-                  <a:rPr lang="de-DE" dirty="0"/>
+                  <a:rPr lang="en-US" dirty="0"/>
                   <a:t> </a:t>
                 </a:r>
                 <a:r>
-                  <a:rPr lang="de-DE" dirty="0" err="1"/>
+                  <a:rPr lang="en-US" dirty="0" err="1"/>
                   <a:t>Algorithm</a:t>
                 </a:r>
                 <a:r>
-                  <a:rPr lang="de-DE" dirty="0"/>
+                  <a:rPr lang="en-US" dirty="0"/>
                   <a:t> </a:t>
                 </a:r>
                 <a:r>
-                  <a:rPr lang="de-DE" dirty="0" err="1"/>
+                  <a:rPr lang="en-US" dirty="0" err="1"/>
                   <a:t>takes</a:t>
                 </a:r>
                 <a:r>
-                  <a:rPr lang="de-DE" dirty="0"/>
+                  <a:rPr lang="en-US" dirty="0"/>
                   <a:t> </a:t>
                 </a:r>
                 <a:r>
-                  <a:rPr lang="de-DE" dirty="0" err="1"/>
+                  <a:rPr lang="en-US" dirty="0" err="1"/>
                   <a:t>proof</a:t>
                 </a:r>
                 <a:r>
-                  <a:rPr lang="de-DE" dirty="0"/>
+                  <a:rPr lang="en-US" dirty="0"/>
                   <a:t>-obligation </a:t>
                 </a:r>
                 <a14:m>
                   <m:oMath xmlns:m="http://schemas.openxmlformats.org/officeDocument/2006/math">
                     <m:r>
-                      <a:rPr lang="de-DE" b="0" i="1" smtClean="0">
+                      <a:rPr lang="en-US" b="0" i="1" smtClean="0">
                         <a:latin typeface="Cambria Math" panose="02040503050406030204" pitchFamily="18" charset="0"/>
                       </a:rPr>
                       <m:t>(</m:t>
                     </m:r>
                     <m:r>
-                      <a:rPr lang="de-DE" b="0" i="1" smtClean="0">
+                      <a:rPr lang="en-US" b="0" i="1" smtClean="0">
                         <a:latin typeface="Cambria Math" panose="02040503050406030204" pitchFamily="18" charset="0"/>
                       </a:rPr>
                       <m:t>𝑡</m:t>
                     </m:r>
                     <m:r>
-                      <a:rPr lang="de-DE" b="0" i="1" smtClean="0">
+                      <a:rPr lang="en-US" b="0" i="1" smtClean="0">
                         <a:latin typeface="Cambria Math" panose="02040503050406030204" pitchFamily="18" charset="0"/>
                       </a:rPr>
                       <m:t>, ℓ, </m:t>
                     </m:r>
                     <m:r>
-                      <a:rPr lang="de-DE" b="0" i="1" smtClean="0">
+                      <a:rPr lang="en-US" b="0" i="1" smtClean="0">
                         <a:latin typeface="Cambria Math" panose="02040503050406030204" pitchFamily="18" charset="0"/>
                         <a:ea typeface="Cambria Math" panose="02040503050406030204" pitchFamily="18" charset="0"/>
                       </a:rPr>
                       <m:t>𝑖</m:t>
                     </m:r>
                     <m:r>
-                      <a:rPr lang="de-DE" b="0" i="1" smtClean="0">
+                      <a:rPr lang="en-US" b="0" i="1" smtClean="0">
                         <a:latin typeface="Cambria Math" panose="02040503050406030204" pitchFamily="18" charset="0"/>
                       </a:rPr>
                       <m:t>)</m:t>
@@ -38229,7 +38070,7 @@
                 <a14:m>
                   <m:oMath xmlns:m="http://schemas.openxmlformats.org/officeDocument/2006/math">
                     <m:r>
-                      <a:rPr lang="de-DE" b="0" i="1" smtClean="0">
+                      <a:rPr lang="en-US" b="0" i="1" smtClean="0">
                         <a:latin typeface="Cambria Math" panose="02040503050406030204" pitchFamily="18" charset="0"/>
                       </a:rPr>
                       <m:t>𝑖</m:t>
@@ -38268,7 +38109,7 @@
                       </m:e>
                       <m:sub>
                         <m:r>
-                          <a:rPr lang="de-DE" b="0" i="1" smtClean="0">
+                          <a:rPr lang="en-US" b="0" i="1" smtClean="0">
                             <a:latin typeface="Cambria Math" panose="02040503050406030204" pitchFamily="18" charset="0"/>
                           </a:rPr>
                           <m:t>𝑝𝑟𝑒</m:t>
@@ -38308,7 +38149,7 @@
                       </m:sSubPr>
                       <m:e>
                         <m:r>
-                          <a:rPr lang="de-DE" b="0" i="1" smtClean="0">
+                          <a:rPr lang="en-US" b="0" i="1" smtClean="0">
                             <a:latin typeface="Cambria Math" panose="02040503050406030204" pitchFamily="18" charset="0"/>
                           </a:rPr>
                           <m:t>𝐹</m:t>
@@ -38316,13 +38157,13 @@
                       </m:e>
                       <m:sub>
                         <m:r>
-                          <a:rPr lang="de-DE" b="0" i="1" smtClean="0">
+                          <a:rPr lang="en-US" b="0" i="1" smtClean="0">
                             <a:latin typeface="Cambria Math" panose="02040503050406030204" pitchFamily="18" charset="0"/>
                           </a:rPr>
                           <m:t>𝑖</m:t>
                         </m:r>
                         <m:r>
-                          <a:rPr lang="de-DE" b="0" i="1" smtClean="0">
+                          <a:rPr lang="en-US" b="0" i="1" smtClean="0">
                             <a:latin typeface="Cambria Math" panose="02040503050406030204" pitchFamily="18" charset="0"/>
                           </a:rPr>
                           <m:t>−1,</m:t>
@@ -38346,7 +38187,7 @@
                           </m:e>
                           <m:sub>
                             <m:r>
-                              <a:rPr lang="de-DE" i="1">
+                              <a:rPr lang="en-US" i="1">
                                 <a:latin typeface="Cambria Math" panose="02040503050406030204" pitchFamily="18" charset="0"/>
                               </a:rPr>
                               <m:t>𝑝𝑟𝑒</m:t>
@@ -38356,7 +38197,7 @@
                       </m:sub>
                     </m:sSub>
                     <m:r>
-                      <a:rPr lang="de-DE" b="0" i="1" smtClean="0">
+                      <a:rPr lang="en-US" b="0" i="1" smtClean="0">
                         <a:latin typeface="Cambria Math" panose="02040503050406030204" pitchFamily="18" charset="0"/>
                       </a:rPr>
                       <m:t> </m:t>
@@ -38386,7 +38227,7 @@
                           </m:sSubPr>
                           <m:e>
                             <m:r>
-                              <a:rPr lang="de-DE" b="0" i="1" smtClean="0">
+                              <a:rPr lang="en-US" b="0" i="1" smtClean="0">
                                 <a:latin typeface="Cambria Math" panose="02040503050406030204" pitchFamily="18" charset="0"/>
                               </a:rPr>
                               <m:t>𝑇</m:t>
@@ -38412,7 +38253,7 @@
                               </m:e>
                               <m:sub>
                                 <m:r>
-                                  <a:rPr lang="de-DE" i="1">
+                                  <a:rPr lang="en-US" i="1">
                                     <a:latin typeface="Cambria Math" panose="02040503050406030204" pitchFamily="18" charset="0"/>
                                   </a:rPr>
                                   <m:t>𝑝𝑟𝑒</m:t>
@@ -38420,7 +38261,7 @@
                               </m:sub>
                             </m:sSub>
                             <m:r>
-                              <a:rPr lang="de-DE" i="1" smtClean="0">
+                              <a:rPr lang="en-US" i="1" smtClean="0">
                                 <a:latin typeface="Cambria Math" panose="02040503050406030204" pitchFamily="18" charset="0"/>
                                 <a:ea typeface="Cambria Math" panose="02040503050406030204" pitchFamily="18" charset="0"/>
                               </a:rPr>
@@ -38431,7 +38272,7 @@
                       </m:e>
                     </m:nary>
                     <m:r>
-                      <a:rPr lang="de-DE" b="0" i="1" smtClean="0">
+                      <a:rPr lang="en-US" b="0" i="1" smtClean="0">
                         <a:latin typeface="Cambria Math" panose="02040503050406030204" pitchFamily="18" charset="0"/>
                         <a:ea typeface="Cambria Math" panose="02040503050406030204" pitchFamily="18" charset="0"/>
                       </a:rPr>
@@ -38443,7 +38284,7 @@
                         <m:subHide m:val="on"/>
                         <m:supHide m:val="on"/>
                         <m:ctrlPr>
-                          <a:rPr lang="de-DE" b="0" i="1" smtClean="0">
+                          <a:rPr lang="en-US" b="0" i="1" smtClean="0">
                             <a:latin typeface="Cambria Math" panose="02040503050406030204" pitchFamily="18" charset="0"/>
                             <a:ea typeface="Cambria Math" panose="02040503050406030204" pitchFamily="18" charset="0"/>
                           </a:rPr>
@@ -38453,21 +38294,21 @@
                       <m:sup/>
                       <m:e>
                         <m:r>
-                          <a:rPr lang="de-DE" b="0" i="1" smtClean="0">
+                          <a:rPr lang="en-US" b="0" i="1" smtClean="0">
                             <a:latin typeface="Cambria Math" panose="02040503050406030204" pitchFamily="18" charset="0"/>
                             <a:ea typeface="Cambria Math" panose="02040503050406030204" pitchFamily="18" charset="0"/>
                           </a:rPr>
                           <m:t> </m:t>
                         </m:r>
                         <m:r>
-                          <a:rPr lang="de-DE" i="1">
+                          <a:rPr lang="en-US" i="1">
                             <a:latin typeface="Cambria Math" panose="02040503050406030204" pitchFamily="18" charset="0"/>
                             <a:ea typeface="Cambria Math" panose="02040503050406030204" pitchFamily="18" charset="0"/>
                           </a:rPr>
                           <m:t>𝑡</m:t>
                         </m:r>
                         <m:r>
-                          <a:rPr lang="de-DE" i="1">
+                          <a:rPr lang="en-US" i="1">
                             <a:latin typeface="Cambria Math" panose="02040503050406030204" pitchFamily="18" charset="0"/>
                             <a:ea typeface="Cambria Math" panose="02040503050406030204" pitchFamily="18" charset="0"/>
                           </a:rPr>
@@ -38487,7 +38328,7 @@
                   <a:buFont typeface="Arial" panose="020B0604020202020204" pitchFamily="34" charset="0"/>
                   <a:buChar char="•"/>
                 </a:pPr>
-                <a:endParaRPr lang="de-DE" dirty="0">
+                <a:endParaRPr lang="en-US" dirty="0">
                   <a:sym typeface="Wingdings" panose="05000000000000000000" pitchFamily="2" charset="2"/>
                 </a:endParaRPr>
               </a:p>
@@ -38509,7 +38350,7 @@
                   <a:buChar char="•"/>
                 </a:pPr>
                 <a:r>
-                  <a:rPr lang="de-DE" dirty="0">
+                  <a:rPr lang="en-US" dirty="0">
                     <a:sym typeface="Wingdings" panose="05000000000000000000" pitchFamily="2" charset="2"/>
                   </a:rPr>
                   <a:t> </a:t>
@@ -38517,7 +38358,7 @@
                 <a14:m>
                   <m:oMath xmlns:m="http://schemas.openxmlformats.org/officeDocument/2006/math">
                     <m:r>
-                      <a:rPr lang="de-DE" b="0" i="1" smtClean="0">
+                      <a:rPr lang="en-US" b="0" i="1" smtClean="0">
                         <a:latin typeface="Cambria Math" panose="02040503050406030204" pitchFamily="18" charset="0"/>
                         <a:sym typeface="Wingdings" panose="05000000000000000000" pitchFamily="2" charset="2"/>
                       </a:rPr>
@@ -38551,7 +38392,7 @@
                 <a14:m>
                   <m:oMath xmlns:m="http://schemas.openxmlformats.org/officeDocument/2006/math">
                     <m:r>
-                      <a:rPr lang="de-DE" b="0" i="1" smtClean="0">
+                      <a:rPr lang="en-US" b="0" i="1" smtClean="0">
                         <a:latin typeface="Cambria Math" panose="02040503050406030204" pitchFamily="18" charset="0"/>
                         <a:ea typeface="Cambria Math" panose="02040503050406030204" pitchFamily="18" charset="0"/>
                       </a:rPr>
@@ -38569,16 +38410,10 @@
                   <a:buChar char="•"/>
                 </a:pPr>
                 <a:r>
-                  <a:rPr lang="de-DE" dirty="0">
-                    <a:sym typeface="Wingdings" panose="05000000000000000000" pitchFamily="2" charset="2"/>
-                  </a:rPr>
-                  <a:t> </a:t>
-                </a:r>
-                <a:r>
                   <a:rPr lang="en-US" dirty="0">
                     <a:sym typeface="Wingdings" panose="05000000000000000000" pitchFamily="2" charset="2"/>
                   </a:rPr>
-                  <a:t>Strengthen each frame </a:t>
+                  <a:t> Strengthen each frame </a:t>
                 </a:r>
                 <a14:m>
                   <m:oMath xmlns:m="http://schemas.openxmlformats.org/officeDocument/2006/math">
@@ -38592,7 +38427,7 @@
                       </m:sSubPr>
                       <m:e>
                         <m:r>
-                          <a:rPr lang="de-DE" i="1">
+                          <a:rPr lang="en-US" i="1">
                             <a:latin typeface="Cambria Math" panose="02040503050406030204" pitchFamily="18" charset="0"/>
                           </a:rPr>
                           <m:t>𝐹</m:t>
@@ -38600,13 +38435,13 @@
                       </m:e>
                       <m:sub>
                         <m:r>
-                          <a:rPr lang="de-DE" b="0" i="1" smtClean="0">
+                          <a:rPr lang="en-US" b="0" i="1" smtClean="0">
                             <a:latin typeface="Cambria Math" panose="02040503050406030204" pitchFamily="18" charset="0"/>
                           </a:rPr>
                           <m:t>𝑗</m:t>
                         </m:r>
                         <m:r>
-                          <a:rPr lang="de-DE" i="1">
+                          <a:rPr lang="en-US" i="1">
                             <a:latin typeface="Cambria Math" panose="02040503050406030204" pitchFamily="18" charset="0"/>
                           </a:rPr>
                           <m:t>,</m:t>
@@ -38631,14 +38466,14 @@
                 <a14:m>
                   <m:oMath xmlns:m="http://schemas.openxmlformats.org/officeDocument/2006/math">
                     <m:r>
-                      <a:rPr lang="de-DE" b="0" i="1" smtClean="0">
+                      <a:rPr lang="en-US" b="0" i="1" smtClean="0">
                         <a:latin typeface="Cambria Math" panose="02040503050406030204" pitchFamily="18" charset="0"/>
                         <a:sym typeface="Wingdings" panose="05000000000000000000" pitchFamily="2" charset="2"/>
                       </a:rPr>
                       <m:t>𝑗</m:t>
                     </m:r>
                     <m:r>
-                      <a:rPr lang="de-DE" b="0" i="1" smtClean="0">
+                      <a:rPr lang="en-US" b="0" i="1" smtClean="0">
                         <a:latin typeface="Cambria Math" panose="02040503050406030204" pitchFamily="18" charset="0"/>
                         <a:ea typeface="Cambria Math" panose="02040503050406030204" pitchFamily="18" charset="0"/>
                         <a:sym typeface="Wingdings" panose="05000000000000000000" pitchFamily="2" charset="2"/>
@@ -38646,7 +38481,7 @@
                       <m:t>≤</m:t>
                     </m:r>
                     <m:r>
-                      <a:rPr lang="de-DE" b="0" i="1" smtClean="0">
+                      <a:rPr lang="en-US" b="0" i="1" smtClean="0">
                         <a:latin typeface="Cambria Math" panose="02040503050406030204" pitchFamily="18" charset="0"/>
                         <a:ea typeface="Cambria Math" panose="02040503050406030204" pitchFamily="18" charset="0"/>
                         <a:sym typeface="Wingdings" panose="05000000000000000000" pitchFamily="2" charset="2"/>
@@ -38675,7 +38510,7 @@
                       </m:accPr>
                       <m:e>
                         <m:r>
-                          <a:rPr lang="de-DE" b="0" i="1" smtClean="0">
+                          <a:rPr lang="en-US" b="0" i="1" smtClean="0">
                             <a:latin typeface="Cambria Math" panose="02040503050406030204" pitchFamily="18" charset="0"/>
                             <a:sym typeface="Wingdings" panose="05000000000000000000" pitchFamily="2" charset="2"/>
                           </a:rPr>
@@ -38685,7 +38520,7 @@
                     </m:acc>
                   </m:oMath>
                 </a14:m>
-                <a:endParaRPr lang="de-DE" dirty="0">
+                <a:endParaRPr lang="en-US" dirty="0">
                   <a:sym typeface="Wingdings" panose="05000000000000000000" pitchFamily="2" charset="2"/>
                 </a:endParaRPr>
               </a:p>
@@ -38694,7 +38529,7 @@
                   <a:buNone/>
                 </a:pPr>
                 <a:r>
-                  <a:rPr lang="de-DE" sz="2000" dirty="0">
+                  <a:rPr lang="en-US" sz="2000" dirty="0">
                     <a:sym typeface="Wingdings" panose="05000000000000000000" pitchFamily="2" charset="2"/>
                   </a:rPr>
                   <a:t> </a:t>
@@ -38711,7 +38546,7 @@
                       </m:sSubPr>
                       <m:e>
                         <m:r>
-                          <a:rPr lang="de-DE" sz="2000" i="1">
+                          <a:rPr lang="en-US" sz="2000" i="1">
                             <a:latin typeface="Cambria Math" panose="02040503050406030204" pitchFamily="18" charset="0"/>
                           </a:rPr>
                           <m:t>𝐹</m:t>
@@ -38719,28 +38554,21 @@
                       </m:e>
                       <m:sub>
                         <m:r>
-                          <a:rPr lang="de-DE" sz="2000" i="1">
+                          <a:rPr lang="en-US" sz="2000" i="1">
                             <a:latin typeface="Cambria Math" panose="02040503050406030204" pitchFamily="18" charset="0"/>
                           </a:rPr>
                           <m:t>𝑗</m:t>
                         </m:r>
                         <m:r>
-                          <a:rPr lang="de-DE" sz="2000" i="1">
+                          <a:rPr lang="en-US" sz="2000" i="1">
                             <a:latin typeface="Cambria Math" panose="02040503050406030204" pitchFamily="18" charset="0"/>
                           </a:rPr>
-                          <m:t>,</m:t>
-                        </m:r>
-                        <m:r>
-                          <a:rPr lang="en-US" sz="2000" i="1">
-                            <a:latin typeface="Cambria Math" panose="02040503050406030204" pitchFamily="18" charset="0"/>
-                            <a:ea typeface="Cambria Math" panose="02040503050406030204" pitchFamily="18" charset="0"/>
-                          </a:rPr>
-                          <m:t>ℓ</m:t>
+                          <m:t>,ℓ</m:t>
                         </m:r>
                       </m:sub>
                     </m:sSub>
                     <m:r>
-                      <a:rPr lang="de-DE" sz="2000" b="0" i="1" smtClean="0">
+                      <a:rPr lang="en-US" sz="2000" b="0" i="1" smtClean="0">
                         <a:latin typeface="Cambria Math" panose="02040503050406030204" pitchFamily="18" charset="0"/>
                         <a:ea typeface="Cambria Math" panose="02040503050406030204" pitchFamily="18" charset="0"/>
                       </a:rPr>
@@ -38756,7 +38584,7 @@
                       </m:sSubPr>
                       <m:e>
                         <m:r>
-                          <a:rPr lang="de-DE" sz="2000" i="1">
+                          <a:rPr lang="en-US" sz="2000" i="1">
                             <a:latin typeface="Cambria Math" panose="02040503050406030204" pitchFamily="18" charset="0"/>
                           </a:rPr>
                           <m:t>𝐹</m:t>
@@ -38764,35 +38592,28 @@
                       </m:e>
                       <m:sub>
                         <m:r>
-                          <a:rPr lang="de-DE" sz="2000" i="1">
+                          <a:rPr lang="en-US" sz="2000" i="1">
                             <a:latin typeface="Cambria Math" panose="02040503050406030204" pitchFamily="18" charset="0"/>
                           </a:rPr>
                           <m:t>𝑗</m:t>
                         </m:r>
                         <m:r>
-                          <a:rPr lang="de-DE" sz="2000" i="1">
+                          <a:rPr lang="en-US" sz="2000" i="1">
                             <a:latin typeface="Cambria Math" panose="02040503050406030204" pitchFamily="18" charset="0"/>
                           </a:rPr>
-                          <m:t>,</m:t>
-                        </m:r>
-                        <m:r>
-                          <a:rPr lang="en-US" sz="2000" i="1">
-                            <a:latin typeface="Cambria Math" panose="02040503050406030204" pitchFamily="18" charset="0"/>
-                            <a:ea typeface="Cambria Math" panose="02040503050406030204" pitchFamily="18" charset="0"/>
-                          </a:rPr>
-                          <m:t>ℓ</m:t>
+                          <m:t>,ℓ</m:t>
                         </m:r>
                       </m:sub>
                     </m:sSub>
                     <m:r>
-                      <a:rPr lang="de-DE" sz="2000" b="0" i="0" smtClean="0">
+                      <a:rPr lang="en-US" sz="2000" b="0" i="0" smtClean="0">
                         <a:latin typeface="Cambria Math" panose="02040503050406030204" pitchFamily="18" charset="0"/>
                         <a:ea typeface="Cambria Math" panose="02040503050406030204" pitchFamily="18" charset="0"/>
                       </a:rPr>
                       <m:t> </m:t>
                     </m:r>
                     <m:r>
-                      <a:rPr lang="de-DE" sz="2000" b="0" i="1" smtClean="0">
+                      <a:rPr lang="en-US" sz="2000" b="0" i="1" smtClean="0">
                         <a:latin typeface="Cambria Math" panose="02040503050406030204" pitchFamily="18" charset="0"/>
                         <a:ea typeface="Cambria Math" panose="02040503050406030204" pitchFamily="18" charset="0"/>
                       </a:rPr>
@@ -38810,7 +38631,7 @@
                       </m:accPr>
                       <m:e>
                         <m:r>
-                          <a:rPr lang="de-DE" sz="2000" i="1">
+                          <a:rPr lang="en-US" sz="2000" i="1">
                             <a:latin typeface="Cambria Math" panose="02040503050406030204" pitchFamily="18" charset="0"/>
                             <a:sym typeface="Wingdings" panose="05000000000000000000" pitchFamily="2" charset="2"/>
                           </a:rPr>
@@ -38834,7 +38655,7 @@
             </p:txBody>
           </p:sp>
         </mc:Choice>
-        <mc:Fallback>
+        <mc:Fallback xmlns="">
           <p:sp>
             <p:nvSpPr>
               <p:cNvPr id="8" name="Textplatzhalter 7">
@@ -38900,70 +38721,21 @@
           <a:lstStyle/>
           <a:p>
             <a:r>
-              <a:rPr lang="de-DE" dirty="0" err="1"/>
-              <a:t>Checking</a:t>
-            </a:r>
-            <a:r>
-              <a:rPr lang="de-DE" dirty="0"/>
-              <a:t> </a:t>
-            </a:r>
-            <a:r>
-              <a:rPr lang="de-DE" dirty="0" err="1"/>
-              <a:t>if</a:t>
-            </a:r>
-            <a:r>
-              <a:rPr lang="de-DE" dirty="0"/>
-              <a:t> </a:t>
-            </a:r>
-            <a:r>
-              <a:rPr lang="de-DE" dirty="0" err="1">
+              <a:rPr lang="en-US" dirty="0"/>
+              <a:t>Checking if </a:t>
+            </a:r>
+            <a:r>
+              <a:rPr lang="en-US" dirty="0">
                 <a:solidFill>
                   <a:schemeClr val="accent1"/>
                 </a:solidFill>
               </a:rPr>
-              <a:t>bad</a:t>
-            </a:r>
-            <a:r>
-              <a:rPr lang="de-DE" dirty="0">
-                <a:solidFill>
-                  <a:schemeClr val="accent1"/>
-                </a:solidFill>
-              </a:rPr>
-              <a:t> </a:t>
-            </a:r>
-            <a:r>
-              <a:rPr lang="de-DE" dirty="0" err="1">
-                <a:solidFill>
-                  <a:schemeClr val="accent1"/>
-                </a:solidFill>
-              </a:rPr>
-              <a:t>transitions</a:t>
-            </a:r>
-            <a:r>
-              <a:rPr lang="de-DE" dirty="0">
-                <a:solidFill>
-                  <a:schemeClr val="accent1"/>
-                </a:solidFill>
-              </a:rPr>
-              <a:t> </a:t>
-            </a:r>
-            <a:r>
-              <a:rPr lang="de-DE" dirty="0" err="1"/>
-              <a:t>are</a:t>
-            </a:r>
-            <a:r>
-              <a:rPr lang="de-DE" dirty="0"/>
-              <a:t> </a:t>
-            </a:r>
-            <a:r>
-              <a:rPr lang="de-DE" dirty="0" err="1"/>
-              <a:t>reachable</a:t>
-            </a:r>
-            <a:r>
-              <a:rPr lang="de-DE" dirty="0"/>
-              <a:t>:</a:t>
-            </a:r>
-            <a:endParaRPr lang="en-US" dirty="0"/>
+              <a:t>bad transitions </a:t>
+            </a:r>
+            <a:r>
+              <a:rPr lang="en-US" dirty="0"/>
+              <a:t>are reachable:</a:t>
+            </a:r>
           </a:p>
         </p:txBody>
       </p:sp>
@@ -39129,8 +38901,8 @@
           </a:p>
         </p:txBody>
       </p:sp>
-      <mc:AlternateContent xmlns:mc="http://schemas.openxmlformats.org/markup-compatibility/2006">
-        <mc:Choice xmlns:a14="http://schemas.microsoft.com/office/drawing/2010/main" Requires="a14">
+      <mc:AlternateContent xmlns:mc="http://schemas.openxmlformats.org/markup-compatibility/2006" xmlns:a14="http://schemas.microsoft.com/office/drawing/2010/main">
+        <mc:Choice Requires="a14">
           <p:sp>
             <p:nvSpPr>
               <p:cNvPr id="8" name="Textplatzhalter 7">
@@ -39206,13 +38978,13 @@
                       <m:t>𝑑</m:t>
                     </m:r>
                     <m:r>
-                      <a:rPr lang="de-DE" b="0" i="1" smtClean="0">
+                      <a:rPr lang="en-US" b="0" i="1" smtClean="0">
                         <a:latin typeface="Cambria Math" panose="02040503050406030204" pitchFamily="18" charset="0"/>
                       </a:rPr>
                       <m:t>, </m:t>
                     </m:r>
                     <m:r>
-                      <a:rPr lang="de-DE" b="0" i="1" smtClean="0">
+                      <a:rPr lang="en-US" b="0" i="1" smtClean="0">
                         <a:latin typeface="Cambria Math" panose="02040503050406030204" pitchFamily="18" charset="0"/>
                         <a:ea typeface="Cambria Math" panose="02040503050406030204" pitchFamily="18" charset="0"/>
                       </a:rPr>
@@ -39266,7 +39038,7 @@
                       </m:e>
                       <m:sub>
                         <m:r>
-                          <a:rPr lang="de-DE" b="0" i="1" smtClean="0">
+                          <a:rPr lang="en-US" b="0" i="1" smtClean="0">
                             <a:latin typeface="Cambria Math" panose="02040503050406030204" pitchFamily="18" charset="0"/>
                             <a:ea typeface="Cambria Math" panose="02040503050406030204" pitchFamily="18" charset="0"/>
                           </a:rPr>
@@ -39288,7 +39060,7 @@
             </p:txBody>
           </p:sp>
         </mc:Choice>
-        <mc:Fallback>
+        <mc:Fallback xmlns="">
           <p:sp>
             <p:nvSpPr>
               <p:cNvPr id="8" name="Textplatzhalter 7">
@@ -40005,8 +39777,8 @@
           </a:p>
         </p:txBody>
       </p:sp>
-      <mc:AlternateContent xmlns:mc="http://schemas.openxmlformats.org/markup-compatibility/2006">
-        <mc:Choice xmlns:a14="http://schemas.microsoft.com/office/drawing/2010/main" Requires="a14">
+      <mc:AlternateContent xmlns:mc="http://schemas.openxmlformats.org/markup-compatibility/2006" xmlns:a14="http://schemas.microsoft.com/office/drawing/2010/main">
+        <mc:Choice Requires="a14">
           <p:sp>
             <p:nvSpPr>
               <p:cNvPr id="7" name="Textplatzhalter 6">
@@ -40029,92 +39801,92 @@
               <a:lstStyle/>
               <a:p>
                 <a:r>
-                  <a:rPr lang="de-DE" dirty="0"/>
+                  <a:rPr lang="en-US" dirty="0"/>
                   <a:t> </a:t>
                 </a:r>
                 <a:r>
-                  <a:rPr lang="de-DE" dirty="0" err="1"/>
+                  <a:rPr lang="en-US" dirty="0" err="1"/>
                   <a:t>No</a:t>
                 </a:r>
                 <a:r>
-                  <a:rPr lang="de-DE" dirty="0"/>
+                  <a:rPr lang="en-US" dirty="0"/>
                   <a:t> </a:t>
                 </a:r>
                 <a:r>
-                  <a:rPr lang="de-DE" dirty="0" err="1"/>
+                  <a:rPr lang="en-US" dirty="0" err="1"/>
                   <a:t>more</a:t>
                 </a:r>
                 <a:r>
-                  <a:rPr lang="de-DE" dirty="0"/>
+                  <a:rPr lang="en-US" dirty="0"/>
                   <a:t> </a:t>
                 </a:r>
                 <a:r>
-                  <a:rPr lang="de-DE" dirty="0" err="1"/>
+                  <a:rPr lang="en-US" dirty="0" err="1"/>
                   <a:t>propagation</a:t>
                 </a:r>
                 <a:r>
-                  <a:rPr lang="de-DE" dirty="0"/>
+                  <a:rPr lang="en-US" dirty="0"/>
                   <a:t> </a:t>
                 </a:r>
                 <a:r>
-                  <a:rPr lang="de-DE" dirty="0" err="1"/>
+                  <a:rPr lang="en-US" dirty="0" err="1"/>
                   <a:t>of</a:t>
                 </a:r>
                 <a:r>
-                  <a:rPr lang="de-DE" dirty="0"/>
+                  <a:rPr lang="en-US" dirty="0"/>
                   <a:t> </a:t>
                 </a:r>
                 <a:r>
-                  <a:rPr lang="de-DE" dirty="0" err="1"/>
+                  <a:rPr lang="en-US" dirty="0" err="1"/>
                   <a:t>learned</a:t>
                 </a:r>
                 <a:r>
-                  <a:rPr lang="de-DE" dirty="0"/>
+                  <a:rPr lang="en-US" dirty="0"/>
                   <a:t> </a:t>
                 </a:r>
                 <a:r>
-                  <a:rPr lang="de-DE" dirty="0" err="1"/>
+                  <a:rPr lang="en-US" dirty="0" err="1"/>
                   <a:t>information</a:t>
                 </a:r>
-                <a:endParaRPr lang="de-DE" dirty="0"/>
+                <a:endParaRPr lang="en-US" dirty="0"/>
               </a:p>
               <a:p>
-                <a:endParaRPr lang="de-DE" dirty="0"/>
+                <a:endParaRPr lang="en-US" dirty="0"/>
               </a:p>
               <a:p>
                 <a:r>
-                  <a:rPr lang="de-DE" dirty="0"/>
+                  <a:rPr lang="en-US" dirty="0"/>
                   <a:t> </a:t>
                 </a:r>
                 <a:r>
-                  <a:rPr lang="de-DE" dirty="0" err="1"/>
+                  <a:rPr lang="en-US" dirty="0" err="1"/>
                   <a:t>Only</a:t>
                 </a:r>
                 <a:r>
-                  <a:rPr lang="de-DE" dirty="0"/>
+                  <a:rPr lang="en-US" dirty="0"/>
                   <a:t> </a:t>
                 </a:r>
                 <a:r>
-                  <a:rPr lang="de-DE" dirty="0" err="1"/>
+                  <a:rPr lang="en-US" dirty="0" err="1"/>
                   <a:t>checking</a:t>
                 </a:r>
                 <a:r>
-                  <a:rPr lang="de-DE" dirty="0"/>
+                  <a:rPr lang="en-US" dirty="0"/>
                   <a:t> </a:t>
                 </a:r>
                 <a:r>
-                  <a:rPr lang="de-DE" dirty="0" err="1"/>
+                  <a:rPr lang="en-US" dirty="0" err="1"/>
                   <a:t>for</a:t>
                 </a:r>
                 <a:r>
-                  <a:rPr lang="de-DE" dirty="0"/>
+                  <a:rPr lang="en-US" dirty="0"/>
                   <a:t> </a:t>
                 </a:r>
                 <a:r>
-                  <a:rPr lang="de-DE" dirty="0" err="1"/>
+                  <a:rPr lang="en-US" dirty="0" err="1"/>
                   <a:t>termination</a:t>
                 </a:r>
-                <a:endParaRPr lang="de-DE" dirty="0"/>
+                <a:endParaRPr lang="en-US" dirty="0"/>
               </a:p>
               <a:p>
                 <a:pPr lvl="1">
@@ -40122,43 +39894,43 @@
                   <a:buChar char="è"/>
                 </a:pPr>
                 <a:r>
-                  <a:rPr lang="de-DE" dirty="0">
+                  <a:rPr lang="en-US" dirty="0">
                     <a:sym typeface="Wingdings" panose="05000000000000000000" pitchFamily="2" charset="2"/>
                   </a:rPr>
                   <a:t> </a:t>
                 </a:r>
                 <a:r>
-                  <a:rPr lang="de-DE" dirty="0" err="1">
+                  <a:rPr lang="en-US" dirty="0" err="1">
                     <a:sym typeface="Wingdings" panose="05000000000000000000" pitchFamily="2" charset="2"/>
                   </a:rPr>
                   <a:t>Trying</a:t>
                 </a:r>
                 <a:r>
-                  <a:rPr lang="de-DE" dirty="0">
+                  <a:rPr lang="en-US" dirty="0">
                     <a:sym typeface="Wingdings" panose="05000000000000000000" pitchFamily="2" charset="2"/>
                   </a:rPr>
                   <a:t> </a:t>
                 </a:r>
                 <a:r>
-                  <a:rPr lang="de-DE" dirty="0" err="1">
+                  <a:rPr lang="en-US" dirty="0" err="1">
                     <a:sym typeface="Wingdings" panose="05000000000000000000" pitchFamily="2" charset="2"/>
                   </a:rPr>
                   <a:t>to</a:t>
                 </a:r>
                 <a:r>
-                  <a:rPr lang="de-DE" dirty="0">
+                  <a:rPr lang="en-US" dirty="0">
                     <a:sym typeface="Wingdings" panose="05000000000000000000" pitchFamily="2" charset="2"/>
                   </a:rPr>
                   <a:t> find a global </a:t>
                 </a:r>
                 <a:r>
-                  <a:rPr lang="de-DE" dirty="0" err="1">
+                  <a:rPr lang="en-US" dirty="0" err="1">
                     <a:sym typeface="Wingdings" panose="05000000000000000000" pitchFamily="2" charset="2"/>
                   </a:rPr>
                   <a:t>fixpoint</a:t>
                 </a:r>
                 <a:r>
-                  <a:rPr lang="de-DE" dirty="0">
+                  <a:rPr lang="en-US" dirty="0">
                     <a:sym typeface="Wingdings" panose="05000000000000000000" pitchFamily="2" charset="2"/>
                   </a:rPr>
                   <a:t>:</a:t>
@@ -40170,25 +39942,25 @@
                   <a:buChar char="•"/>
                 </a:pPr>
                 <a:r>
-                  <a:rPr lang="de-DE" dirty="0" err="1"/>
+                  <a:rPr lang="en-US" dirty="0" err="1"/>
                   <a:t>Is</a:t>
                 </a:r>
                 <a:r>
-                  <a:rPr lang="de-DE" dirty="0"/>
+                  <a:rPr lang="en-US" dirty="0"/>
                   <a:t> </a:t>
                 </a:r>
                 <a:r>
-                  <a:rPr lang="de-DE" dirty="0" err="1"/>
+                  <a:rPr lang="en-US" dirty="0" err="1"/>
                   <a:t>there</a:t>
                 </a:r>
                 <a:r>
-                  <a:rPr lang="de-DE" dirty="0"/>
+                  <a:rPr lang="en-US" dirty="0"/>
                   <a:t> an </a:t>
                 </a:r>
                 <a14:m>
                   <m:oMath xmlns:m="http://schemas.openxmlformats.org/officeDocument/2006/math">
                     <m:r>
-                      <a:rPr lang="de-DE" b="0" i="1" smtClean="0">
+                      <a:rPr lang="en-US" b="0" i="1" smtClean="0">
                         <a:latin typeface="Cambria Math" panose="02040503050406030204" pitchFamily="18" charset="0"/>
                       </a:rPr>
                       <m:t>𝑖</m:t>
@@ -40211,7 +39983,7 @@
                       </m:sSubPr>
                       <m:e>
                         <m:r>
-                          <a:rPr lang="de-DE" b="0" i="1" smtClean="0">
+                          <a:rPr lang="en-US" b="0" i="1" smtClean="0">
                             <a:latin typeface="Cambria Math" panose="02040503050406030204" pitchFamily="18" charset="0"/>
                           </a:rPr>
                           <m:t>𝐹</m:t>
@@ -40219,13 +39991,13 @@
                       </m:e>
                       <m:sub>
                         <m:r>
-                          <a:rPr lang="de-DE" b="0" i="1" smtClean="0">
+                          <a:rPr lang="en-US" b="0" i="1" smtClean="0">
                             <a:latin typeface="Cambria Math" panose="02040503050406030204" pitchFamily="18" charset="0"/>
                           </a:rPr>
                           <m:t>𝑖</m:t>
                         </m:r>
                         <m:r>
-                          <a:rPr lang="de-DE" b="0" i="1" smtClean="0">
+                          <a:rPr lang="en-US" b="0" i="1" smtClean="0">
                             <a:latin typeface="Cambria Math" panose="02040503050406030204" pitchFamily="18" charset="0"/>
                           </a:rPr>
                           <m:t>−1, ℓ</m:t>
@@ -40233,7 +40005,7 @@
                       </m:sub>
                     </m:sSub>
                     <m:r>
-                      <a:rPr lang="de-DE" b="0" i="1" smtClean="0">
+                      <a:rPr lang="en-US" b="0" i="1" smtClean="0">
                         <a:latin typeface="Cambria Math" panose="02040503050406030204" pitchFamily="18" charset="0"/>
                       </a:rPr>
                       <m:t>=</m:t>
@@ -40241,14 +40013,14 @@
                     <m:sSub>
                       <m:sSubPr>
                         <m:ctrlPr>
-                          <a:rPr lang="de-DE" b="0" i="1" smtClean="0">
+                          <a:rPr lang="en-US" b="0" i="1" smtClean="0">
                             <a:latin typeface="Cambria Math" panose="02040503050406030204" pitchFamily="18" charset="0"/>
                           </a:rPr>
                         </m:ctrlPr>
                       </m:sSubPr>
                       <m:e>
                         <m:r>
-                          <a:rPr lang="de-DE" b="0" i="1" smtClean="0">
+                          <a:rPr lang="en-US" b="0" i="1" smtClean="0">
                             <a:latin typeface="Cambria Math" panose="02040503050406030204" pitchFamily="18" charset="0"/>
                           </a:rPr>
                           <m:t>𝐹</m:t>
@@ -40256,13 +40028,13 @@
                       </m:e>
                       <m:sub>
                         <m:r>
-                          <a:rPr lang="de-DE" b="0" i="1" smtClean="0">
+                          <a:rPr lang="en-US" b="0" i="1" smtClean="0">
                             <a:latin typeface="Cambria Math" panose="02040503050406030204" pitchFamily="18" charset="0"/>
                           </a:rPr>
                           <m:t>𝑖</m:t>
                         </m:r>
                         <m:r>
-                          <a:rPr lang="de-DE" b="0" i="1" smtClean="0">
+                          <a:rPr lang="en-US" b="0" i="1" smtClean="0">
                             <a:latin typeface="Cambria Math" panose="02040503050406030204" pitchFamily="18" charset="0"/>
                           </a:rPr>
                           <m:t>, ℓ</m:t>
@@ -40285,14 +40057,14 @@
                       <m:t>ℓ∈</m:t>
                     </m:r>
                     <m:r>
-                      <a:rPr lang="de-DE" b="0" i="1" smtClean="0">
+                      <a:rPr lang="en-US" b="0" i="1" smtClean="0">
                         <a:latin typeface="Cambria Math" panose="02040503050406030204" pitchFamily="18" charset="0"/>
                         <a:ea typeface="Cambria Math" panose="02040503050406030204" pitchFamily="18" charset="0"/>
                       </a:rPr>
                       <m:t>𝐿</m:t>
                     </m:r>
                     <m:r>
-                      <a:rPr lang="de-DE" b="0" i="1" smtClean="0">
+                      <a:rPr lang="en-US" b="0" i="1" smtClean="0">
                         <a:latin typeface="Cambria Math" panose="02040503050406030204" pitchFamily="18" charset="0"/>
                         <a:ea typeface="Cambria Math" panose="02040503050406030204" pitchFamily="18" charset="0"/>
                       </a:rPr>
@@ -40301,7 +40073,7 @@
                     <m:sSub>
                       <m:sSubPr>
                         <m:ctrlPr>
-                          <a:rPr lang="de-DE" b="0" i="1" smtClean="0">
+                          <a:rPr lang="en-US" b="0" i="1" smtClean="0">
                             <a:latin typeface="Cambria Math" panose="02040503050406030204" pitchFamily="18" charset="0"/>
                             <a:ea typeface="Cambria Math" panose="02040503050406030204" pitchFamily="18" charset="0"/>
                           </a:rPr>
@@ -40309,7 +40081,7 @@
                       </m:sSubPr>
                       <m:e>
                         <m:r>
-                          <a:rPr lang="de-DE" b="0" i="1" smtClean="0">
+                          <a:rPr lang="en-US" b="0" i="1" smtClean="0">
                             <a:latin typeface="Cambria Math" panose="02040503050406030204" pitchFamily="18" charset="0"/>
                             <a:ea typeface="Cambria Math" panose="02040503050406030204" pitchFamily="18" charset="0"/>
                           </a:rPr>
@@ -40318,7 +40090,7 @@
                       </m:e>
                       <m:sub>
                         <m:r>
-                          <a:rPr lang="de-DE" b="0" i="1" smtClean="0">
+                          <a:rPr lang="en-US" b="0" i="1" smtClean="0">
                             <a:latin typeface="Cambria Math" panose="02040503050406030204" pitchFamily="18" charset="0"/>
                             <a:ea typeface="Cambria Math" panose="02040503050406030204" pitchFamily="18" charset="0"/>
                           </a:rPr>
@@ -40327,7 +40099,7 @@
                       </m:sub>
                     </m:sSub>
                     <m:r>
-                      <a:rPr lang="de-DE" b="0" i="1" smtClean="0">
+                      <a:rPr lang="en-US" b="0" i="1" smtClean="0">
                         <a:latin typeface="Cambria Math" panose="02040503050406030204" pitchFamily="18" charset="0"/>
                         <a:ea typeface="Cambria Math" panose="02040503050406030204" pitchFamily="18" charset="0"/>
                       </a:rPr>
@@ -40345,7 +40117,7 @@
                   <a:buFont typeface="Arial" panose="020B0604020202020204" pitchFamily="34" charset="0"/>
                   <a:buChar char="•"/>
                 </a:pPr>
-                <a:endParaRPr lang="de-DE" dirty="0"/>
+                <a:endParaRPr lang="en-US" dirty="0"/>
               </a:p>
               <a:p>
                 <a:pPr lvl="2">
@@ -40357,7 +40129,7 @@
             </p:txBody>
           </p:sp>
         </mc:Choice>
-        <mc:Fallback>
+        <mc:Fallback xmlns="">
           <p:sp>
             <p:nvSpPr>
               <p:cNvPr id="7" name="Textplatzhalter 6">
@@ -40560,8 +40332,8 @@
           </a:p>
         </p:txBody>
       </p:sp>
-      <mc:AlternateContent xmlns:mc="http://schemas.openxmlformats.org/markup-compatibility/2006">
-        <mc:Choice xmlns:a14="http://schemas.microsoft.com/office/drawing/2010/main" Requires="a14">
+      <mc:AlternateContent xmlns:mc="http://schemas.openxmlformats.org/markup-compatibility/2006" xmlns:a14="http://schemas.microsoft.com/office/drawing/2010/main">
+        <mc:Choice Requires="a14">
           <p:sp>
             <p:nvSpPr>
               <p:cNvPr id="7" name="Textplatzhalter 6">
@@ -40584,92 +40356,92 @@
               <a:lstStyle/>
               <a:p>
                 <a:r>
-                  <a:rPr lang="de-DE" dirty="0"/>
+                  <a:rPr lang="en-US" dirty="0"/>
                   <a:t> </a:t>
                 </a:r>
                 <a:r>
-                  <a:rPr lang="de-DE" dirty="0" err="1"/>
+                  <a:rPr lang="en-US" dirty="0" err="1"/>
                   <a:t>No</a:t>
                 </a:r>
                 <a:r>
-                  <a:rPr lang="de-DE" dirty="0"/>
+                  <a:rPr lang="en-US" dirty="0"/>
                   <a:t> </a:t>
                 </a:r>
                 <a:r>
-                  <a:rPr lang="de-DE" dirty="0" err="1"/>
+                  <a:rPr lang="en-US" dirty="0" err="1"/>
                   <a:t>more</a:t>
                 </a:r>
                 <a:r>
-                  <a:rPr lang="de-DE" dirty="0"/>
+                  <a:rPr lang="en-US" dirty="0"/>
                   <a:t> </a:t>
                 </a:r>
                 <a:r>
-                  <a:rPr lang="de-DE" dirty="0" err="1"/>
+                  <a:rPr lang="en-US" dirty="0" err="1"/>
                   <a:t>propagation</a:t>
                 </a:r>
                 <a:r>
-                  <a:rPr lang="de-DE" dirty="0"/>
+                  <a:rPr lang="en-US" dirty="0"/>
                   <a:t> </a:t>
                 </a:r>
                 <a:r>
-                  <a:rPr lang="de-DE" dirty="0" err="1"/>
+                  <a:rPr lang="en-US" dirty="0" err="1"/>
                   <a:t>of</a:t>
                 </a:r>
                 <a:r>
-                  <a:rPr lang="de-DE" dirty="0"/>
+                  <a:rPr lang="en-US" dirty="0"/>
                   <a:t> </a:t>
                 </a:r>
                 <a:r>
-                  <a:rPr lang="de-DE" dirty="0" err="1"/>
+                  <a:rPr lang="en-US" dirty="0" err="1"/>
                   <a:t>learned</a:t>
                 </a:r>
                 <a:r>
-                  <a:rPr lang="de-DE" dirty="0"/>
+                  <a:rPr lang="en-US" dirty="0"/>
                   <a:t> </a:t>
                 </a:r>
                 <a:r>
-                  <a:rPr lang="de-DE" dirty="0" err="1"/>
+                  <a:rPr lang="en-US" dirty="0" err="1"/>
                   <a:t>information</a:t>
                 </a:r>
-                <a:endParaRPr lang="de-DE" dirty="0"/>
+                <a:endParaRPr lang="en-US" dirty="0"/>
               </a:p>
               <a:p>
-                <a:endParaRPr lang="de-DE" dirty="0"/>
+                <a:endParaRPr lang="en-US" dirty="0"/>
               </a:p>
               <a:p>
                 <a:r>
-                  <a:rPr lang="de-DE" dirty="0"/>
+                  <a:rPr lang="en-US" dirty="0"/>
                   <a:t> </a:t>
                 </a:r>
                 <a:r>
-                  <a:rPr lang="de-DE" dirty="0" err="1"/>
+                  <a:rPr lang="en-US" dirty="0" err="1"/>
                   <a:t>Only</a:t>
                 </a:r>
                 <a:r>
-                  <a:rPr lang="de-DE" dirty="0"/>
+                  <a:rPr lang="en-US" dirty="0"/>
                   <a:t> </a:t>
                 </a:r>
                 <a:r>
-                  <a:rPr lang="de-DE" dirty="0" err="1"/>
+                  <a:rPr lang="en-US" dirty="0" err="1"/>
                   <a:t>checking</a:t>
                 </a:r>
                 <a:r>
-                  <a:rPr lang="de-DE" dirty="0"/>
+                  <a:rPr lang="en-US" dirty="0"/>
                   <a:t> </a:t>
                 </a:r>
                 <a:r>
-                  <a:rPr lang="de-DE" dirty="0" err="1"/>
+                  <a:rPr lang="en-US" dirty="0" err="1"/>
                   <a:t>for</a:t>
                 </a:r>
                 <a:r>
-                  <a:rPr lang="de-DE" dirty="0"/>
+                  <a:rPr lang="en-US" dirty="0"/>
                   <a:t> </a:t>
                 </a:r>
                 <a:r>
-                  <a:rPr lang="de-DE" dirty="0" err="1"/>
+                  <a:rPr lang="en-US" dirty="0" err="1"/>
                   <a:t>termination</a:t>
                 </a:r>
-                <a:endParaRPr lang="de-DE" dirty="0"/>
+                <a:endParaRPr lang="en-US" dirty="0"/>
               </a:p>
               <a:p>
                 <a:pPr lvl="1">
@@ -40677,43 +40449,43 @@
                   <a:buChar char="è"/>
                 </a:pPr>
                 <a:r>
-                  <a:rPr lang="de-DE" dirty="0">
+                  <a:rPr lang="en-US" dirty="0">
                     <a:sym typeface="Wingdings" panose="05000000000000000000" pitchFamily="2" charset="2"/>
                   </a:rPr>
                   <a:t> </a:t>
                 </a:r>
                 <a:r>
-                  <a:rPr lang="de-DE" dirty="0" err="1">
+                  <a:rPr lang="en-US" dirty="0" err="1">
                     <a:sym typeface="Wingdings" panose="05000000000000000000" pitchFamily="2" charset="2"/>
                   </a:rPr>
                   <a:t>Trying</a:t>
                 </a:r>
                 <a:r>
-                  <a:rPr lang="de-DE" dirty="0">
+                  <a:rPr lang="en-US" dirty="0">
                     <a:sym typeface="Wingdings" panose="05000000000000000000" pitchFamily="2" charset="2"/>
                   </a:rPr>
                   <a:t> </a:t>
                 </a:r>
                 <a:r>
-                  <a:rPr lang="de-DE" dirty="0" err="1">
+                  <a:rPr lang="en-US" dirty="0" err="1">
                     <a:sym typeface="Wingdings" panose="05000000000000000000" pitchFamily="2" charset="2"/>
                   </a:rPr>
                   <a:t>to</a:t>
                 </a:r>
                 <a:r>
-                  <a:rPr lang="de-DE" dirty="0">
+                  <a:rPr lang="en-US" dirty="0">
                     <a:sym typeface="Wingdings" panose="05000000000000000000" pitchFamily="2" charset="2"/>
                   </a:rPr>
                   <a:t> find a global </a:t>
                 </a:r>
                 <a:r>
-                  <a:rPr lang="de-DE" dirty="0" err="1">
+                  <a:rPr lang="en-US" dirty="0" err="1">
                     <a:sym typeface="Wingdings" panose="05000000000000000000" pitchFamily="2" charset="2"/>
                   </a:rPr>
                   <a:t>fixpoint</a:t>
                 </a:r>
                 <a:r>
-                  <a:rPr lang="de-DE" dirty="0">
+                  <a:rPr lang="en-US" dirty="0">
                     <a:sym typeface="Wingdings" panose="05000000000000000000" pitchFamily="2" charset="2"/>
                   </a:rPr>
                   <a:t>:</a:t>
@@ -40725,25 +40497,25 @@
                   <a:buChar char="•"/>
                 </a:pPr>
                 <a:r>
-                  <a:rPr lang="de-DE" dirty="0" err="1"/>
+                  <a:rPr lang="en-US" dirty="0" err="1"/>
                   <a:t>Is</a:t>
                 </a:r>
                 <a:r>
-                  <a:rPr lang="de-DE" dirty="0"/>
+                  <a:rPr lang="en-US" dirty="0"/>
                   <a:t> </a:t>
                 </a:r>
                 <a:r>
-                  <a:rPr lang="de-DE" dirty="0" err="1"/>
+                  <a:rPr lang="en-US" dirty="0" err="1"/>
                   <a:t>there</a:t>
                 </a:r>
                 <a:r>
-                  <a:rPr lang="de-DE" dirty="0"/>
+                  <a:rPr lang="en-US" dirty="0"/>
                   <a:t> an </a:t>
                 </a:r>
                 <a14:m>
                   <m:oMath xmlns:m="http://schemas.openxmlformats.org/officeDocument/2006/math">
                     <m:r>
-                      <a:rPr lang="de-DE" b="0" i="1" smtClean="0">
+                      <a:rPr lang="en-US" b="0" i="1" smtClean="0">
                         <a:latin typeface="Cambria Math" panose="02040503050406030204" pitchFamily="18" charset="0"/>
                       </a:rPr>
                       <m:t>𝑖</m:t>
@@ -40766,7 +40538,7 @@
                       </m:sSubPr>
                       <m:e>
                         <m:r>
-                          <a:rPr lang="de-DE" b="0" i="1" smtClean="0">
+                          <a:rPr lang="en-US" b="0" i="1" smtClean="0">
                             <a:latin typeface="Cambria Math" panose="02040503050406030204" pitchFamily="18" charset="0"/>
                           </a:rPr>
                           <m:t>𝐹</m:t>
@@ -40774,13 +40546,13 @@
                       </m:e>
                       <m:sub>
                         <m:r>
-                          <a:rPr lang="de-DE" b="0" i="1" smtClean="0">
+                          <a:rPr lang="en-US" b="0" i="1" smtClean="0">
                             <a:latin typeface="Cambria Math" panose="02040503050406030204" pitchFamily="18" charset="0"/>
                           </a:rPr>
                           <m:t>𝑖</m:t>
                         </m:r>
                         <m:r>
-                          <a:rPr lang="de-DE" b="0" i="1" smtClean="0">
+                          <a:rPr lang="en-US" b="0" i="1" smtClean="0">
                             <a:latin typeface="Cambria Math" panose="02040503050406030204" pitchFamily="18" charset="0"/>
                           </a:rPr>
                           <m:t>−1, ℓ</m:t>
@@ -40788,7 +40560,7 @@
                       </m:sub>
                     </m:sSub>
                     <m:r>
-                      <a:rPr lang="de-DE" b="0" i="1" smtClean="0">
+                      <a:rPr lang="en-US" b="0" i="1" smtClean="0">
                         <a:latin typeface="Cambria Math" panose="02040503050406030204" pitchFamily="18" charset="0"/>
                       </a:rPr>
                       <m:t>=</m:t>
@@ -40796,14 +40568,14 @@
                     <m:sSub>
                       <m:sSubPr>
                         <m:ctrlPr>
-                          <a:rPr lang="de-DE" b="0" i="1" smtClean="0">
+                          <a:rPr lang="en-US" b="0" i="1" smtClean="0">
                             <a:latin typeface="Cambria Math" panose="02040503050406030204" pitchFamily="18" charset="0"/>
                           </a:rPr>
                         </m:ctrlPr>
                       </m:sSubPr>
                       <m:e>
                         <m:r>
-                          <a:rPr lang="de-DE" b="0" i="1" smtClean="0">
+                          <a:rPr lang="en-US" b="0" i="1" smtClean="0">
                             <a:latin typeface="Cambria Math" panose="02040503050406030204" pitchFamily="18" charset="0"/>
                           </a:rPr>
                           <m:t>𝐹</m:t>
@@ -40811,13 +40583,13 @@
                       </m:e>
                       <m:sub>
                         <m:r>
-                          <a:rPr lang="de-DE" b="0" i="1" smtClean="0">
+                          <a:rPr lang="en-US" b="0" i="1" smtClean="0">
                             <a:latin typeface="Cambria Math" panose="02040503050406030204" pitchFamily="18" charset="0"/>
                           </a:rPr>
                           <m:t>𝑖</m:t>
                         </m:r>
                         <m:r>
-                          <a:rPr lang="de-DE" b="0" i="1" smtClean="0">
+                          <a:rPr lang="en-US" b="0" i="1" smtClean="0">
                             <a:latin typeface="Cambria Math" panose="02040503050406030204" pitchFamily="18" charset="0"/>
                           </a:rPr>
                           <m:t>, ℓ</m:t>
@@ -40840,14 +40612,14 @@
                       <m:t>ℓ∈</m:t>
                     </m:r>
                     <m:r>
-                      <a:rPr lang="de-DE" b="0" i="1" smtClean="0">
+                      <a:rPr lang="en-US" b="0" i="1" smtClean="0">
                         <a:latin typeface="Cambria Math" panose="02040503050406030204" pitchFamily="18" charset="0"/>
                         <a:ea typeface="Cambria Math" panose="02040503050406030204" pitchFamily="18" charset="0"/>
                       </a:rPr>
                       <m:t>𝐿</m:t>
                     </m:r>
                     <m:r>
-                      <a:rPr lang="de-DE" b="0" i="1" smtClean="0">
+                      <a:rPr lang="en-US" b="0" i="1" smtClean="0">
                         <a:latin typeface="Cambria Math" panose="02040503050406030204" pitchFamily="18" charset="0"/>
                         <a:ea typeface="Cambria Math" panose="02040503050406030204" pitchFamily="18" charset="0"/>
                       </a:rPr>
@@ -40856,7 +40628,7 @@
                     <m:sSub>
                       <m:sSubPr>
                         <m:ctrlPr>
-                          <a:rPr lang="de-DE" b="0" i="1" smtClean="0">
+                          <a:rPr lang="en-US" b="0" i="1" smtClean="0">
                             <a:latin typeface="Cambria Math" panose="02040503050406030204" pitchFamily="18" charset="0"/>
                             <a:ea typeface="Cambria Math" panose="02040503050406030204" pitchFamily="18" charset="0"/>
                           </a:rPr>
@@ -40864,7 +40636,7 @@
                       </m:sSubPr>
                       <m:e>
                         <m:r>
-                          <a:rPr lang="de-DE" b="0" i="1" smtClean="0">
+                          <a:rPr lang="en-US" b="0" i="1" smtClean="0">
                             <a:latin typeface="Cambria Math" panose="02040503050406030204" pitchFamily="18" charset="0"/>
                             <a:ea typeface="Cambria Math" panose="02040503050406030204" pitchFamily="18" charset="0"/>
                           </a:rPr>
@@ -40873,7 +40645,7 @@
                       </m:e>
                       <m:sub>
                         <m:r>
-                          <a:rPr lang="de-DE" b="0" i="1" smtClean="0">
+                          <a:rPr lang="en-US" b="0" i="1" smtClean="0">
                             <a:latin typeface="Cambria Math" panose="02040503050406030204" pitchFamily="18" charset="0"/>
                             <a:ea typeface="Cambria Math" panose="02040503050406030204" pitchFamily="18" charset="0"/>
                           </a:rPr>
@@ -40882,7 +40654,7 @@
                       </m:sub>
                     </m:sSub>
                     <m:r>
-                      <a:rPr lang="de-DE" b="0" i="1" smtClean="0">
+                      <a:rPr lang="en-US" b="0" i="1" smtClean="0">
                         <a:latin typeface="Cambria Math" panose="02040503050406030204" pitchFamily="18" charset="0"/>
                         <a:ea typeface="Cambria Math" panose="02040503050406030204" pitchFamily="18" charset="0"/>
                       </a:rPr>
@@ -40900,14 +40672,14 @@
                   <a:buFont typeface="Arial" panose="020B0604020202020204" pitchFamily="34" charset="0"/>
                   <a:buChar char="•"/>
                 </a:pPr>
-                <a:endParaRPr lang="de-DE" dirty="0"/>
+                <a:endParaRPr lang="en-US" dirty="0"/>
               </a:p>
               <a:p>
                 <a:pPr marL="506412" lvl="2" indent="0">
                   <a:buNone/>
                 </a:pPr>
                 <a:r>
-                  <a:rPr lang="de-DE" dirty="0">
+                  <a:rPr lang="en-US" dirty="0">
                     <a:sym typeface="Wingdings" panose="05000000000000000000" pitchFamily="2" charset="2"/>
                   </a:rPr>
                   <a:t> Yes:</a:t>
@@ -40919,83 +40691,83 @@
                   <a:buChar char="•"/>
                 </a:pPr>
                 <a:r>
-                  <a:rPr lang="de-DE" dirty="0" err="1"/>
+                  <a:rPr lang="en-US" dirty="0" err="1"/>
                   <a:t>Algorithm</a:t>
                 </a:r>
                 <a:r>
-                  <a:rPr lang="de-DE" dirty="0"/>
+                  <a:rPr lang="en-US" dirty="0"/>
                   <a:t> </a:t>
                 </a:r>
                 <a:r>
-                  <a:rPr lang="de-DE" dirty="0" err="1"/>
+                  <a:rPr lang="en-US" dirty="0" err="1"/>
                   <a:t>terminates</a:t>
                 </a:r>
                 <a:r>
-                  <a:rPr lang="de-DE" dirty="0"/>
+                  <a:rPr lang="en-US" dirty="0"/>
                   <a:t> </a:t>
                 </a:r>
                 <a:r>
-                  <a:rPr lang="de-DE" dirty="0" err="1"/>
+                  <a:rPr lang="en-US" dirty="0" err="1"/>
                   <a:t>returning</a:t>
                 </a:r>
                 <a:r>
-                  <a:rPr lang="de-DE" dirty="0"/>
+                  <a:rPr lang="en-US" dirty="0"/>
                   <a:t> </a:t>
                 </a:r>
                 <a:r>
-                  <a:rPr lang="de-DE" dirty="0" err="1"/>
+                  <a:rPr lang="en-US" dirty="0" err="1"/>
                   <a:t>that</a:t>
                 </a:r>
                 <a:r>
-                  <a:rPr lang="de-DE" dirty="0"/>
+                  <a:rPr lang="en-US" dirty="0"/>
                   <a:t> </a:t>
                 </a:r>
                 <a:r>
-                  <a:rPr lang="de-DE" dirty="0" err="1"/>
+                  <a:rPr lang="en-US" dirty="0" err="1"/>
                   <a:t>there</a:t>
                 </a:r>
                 <a:r>
-                  <a:rPr lang="de-DE" dirty="0"/>
+                  <a:rPr lang="en-US" dirty="0"/>
                   <a:t> </a:t>
                 </a:r>
                 <a:r>
-                  <a:rPr lang="de-DE" dirty="0" err="1"/>
+                  <a:rPr lang="en-US" dirty="0" err="1"/>
                   <a:t>is</a:t>
                 </a:r>
                 <a:r>
-                  <a:rPr lang="de-DE" dirty="0"/>
+                  <a:rPr lang="en-US" dirty="0"/>
                   <a:t> </a:t>
                 </a:r>
                 <a:r>
-                  <a:rPr lang="de-DE" dirty="0" err="1"/>
+                  <a:rPr lang="en-US" dirty="0" err="1"/>
                   <a:t>no</a:t>
                 </a:r>
                 <a:r>
-                  <a:rPr lang="de-DE" dirty="0"/>
+                  <a:rPr lang="en-US" dirty="0"/>
                   <a:t> </a:t>
                 </a:r>
                 <a:r>
-                  <a:rPr lang="de-DE" dirty="0" err="1"/>
+                  <a:rPr lang="en-US" dirty="0" err="1"/>
                   <a:t>feasible</a:t>
                 </a:r>
                 <a:r>
-                  <a:rPr lang="de-DE" dirty="0"/>
+                  <a:rPr lang="en-US" dirty="0"/>
                   <a:t> </a:t>
                 </a:r>
                 <a:r>
-                  <a:rPr lang="de-DE" dirty="0" err="1"/>
+                  <a:rPr lang="en-US" dirty="0" err="1"/>
                   <a:t>path</a:t>
                 </a:r>
                 <a:r>
-                  <a:rPr lang="de-DE" dirty="0"/>
+                  <a:rPr lang="en-US" dirty="0"/>
                   <a:t> </a:t>
                 </a:r>
                 <a:r>
-                  <a:rPr lang="de-DE" dirty="0" err="1"/>
+                  <a:rPr lang="en-US" dirty="0" err="1"/>
                   <a:t>to</a:t>
                 </a:r>
                 <a:r>
-                  <a:rPr lang="de-DE" dirty="0"/>
+                  <a:rPr lang="en-US" dirty="0"/>
                   <a:t> </a:t>
                 </a:r>
                 <a14:m>
@@ -41003,7 +40775,7 @@
                     <m:sSub>
                       <m:sSubPr>
                         <m:ctrlPr>
-                          <a:rPr lang="de-DE" i="1">
+                          <a:rPr lang="en-US" i="1">
                             <a:latin typeface="Cambria Math" panose="02040503050406030204" pitchFamily="18" charset="0"/>
                             <a:ea typeface="Cambria Math" panose="02040503050406030204" pitchFamily="18" charset="0"/>
                           </a:rPr>
@@ -41011,7 +40783,7 @@
                       </m:sSubPr>
                       <m:e>
                         <m:r>
-                          <a:rPr lang="de-DE" i="1">
+                          <a:rPr lang="en-US" i="1">
                             <a:latin typeface="Cambria Math" panose="02040503050406030204" pitchFamily="18" charset="0"/>
                             <a:ea typeface="Cambria Math" panose="02040503050406030204" pitchFamily="18" charset="0"/>
                           </a:rPr>
@@ -41020,7 +40792,7 @@
                       </m:e>
                       <m:sub>
                         <m:r>
-                          <a:rPr lang="de-DE" i="1">
+                          <a:rPr lang="en-US" i="1">
                             <a:latin typeface="Cambria Math" panose="02040503050406030204" pitchFamily="18" charset="0"/>
                             <a:ea typeface="Cambria Math" panose="02040503050406030204" pitchFamily="18" charset="0"/>
                           </a:rPr>
@@ -41035,7 +40807,7 @@
             </p:txBody>
           </p:sp>
         </mc:Choice>
-        <mc:Fallback>
+        <mc:Fallback xmlns="">
           <p:sp>
             <p:nvSpPr>
               <p:cNvPr id="7" name="Textplatzhalter 6">
@@ -41262,92 +41034,63 @@
               <a:lstStyle/>
               <a:p>
                 <a:r>
-                  <a:rPr lang="de-DE" dirty="0"/>
+                  <a:rPr lang="en-US" dirty="0"/>
                   <a:t> </a:t>
                 </a:r>
                 <a:r>
-                  <a:rPr lang="de-DE" dirty="0" err="1"/>
+                  <a:rPr lang="en-US" dirty="0" err="1"/>
                   <a:t>No</a:t>
                 </a:r>
                 <a:r>
-                  <a:rPr lang="de-DE" dirty="0"/>
+                  <a:rPr lang="en-US" dirty="0"/>
                   <a:t> </a:t>
                 </a:r>
                 <a:r>
-                  <a:rPr lang="de-DE" dirty="0" err="1"/>
+                  <a:rPr lang="en-US" dirty="0" err="1"/>
                   <a:t>more</a:t>
                 </a:r>
                 <a:r>
-                  <a:rPr lang="de-DE" dirty="0"/>
+                  <a:rPr lang="en-US" dirty="0"/>
                   <a:t> </a:t>
                 </a:r>
                 <a:r>
-                  <a:rPr lang="de-DE" dirty="0" err="1"/>
+                  <a:rPr lang="en-US" dirty="0" err="1"/>
                   <a:t>propagation</a:t>
                 </a:r>
                 <a:r>
-                  <a:rPr lang="de-DE" dirty="0"/>
+                  <a:rPr lang="en-US" dirty="0"/>
                   <a:t> </a:t>
                 </a:r>
                 <a:r>
-                  <a:rPr lang="de-DE" dirty="0" err="1"/>
+                  <a:rPr lang="en-US" dirty="0" err="1"/>
                   <a:t>of</a:t>
                 </a:r>
                 <a:r>
-                  <a:rPr lang="de-DE" dirty="0"/>
+                  <a:rPr lang="en-US" dirty="0"/>
                   <a:t> </a:t>
                 </a:r>
                 <a:r>
-                  <a:rPr lang="de-DE" dirty="0" err="1"/>
+                  <a:rPr lang="en-US" dirty="0" err="1"/>
                   <a:t>learned</a:t>
                 </a:r>
                 <a:r>
-                  <a:rPr lang="de-DE" dirty="0"/>
+                  <a:rPr lang="en-US" dirty="0"/>
                   <a:t> </a:t>
                 </a:r>
                 <a:r>
-                  <a:rPr lang="de-DE" dirty="0" err="1"/>
+                  <a:rPr lang="en-US" dirty="0" err="1"/>
                   <a:t>information</a:t>
                 </a:r>
-                <a:endParaRPr lang="de-DE" dirty="0"/>
+                <a:endParaRPr lang="en-US" dirty="0"/>
               </a:p>
               <a:p>
-                <a:endParaRPr lang="de-DE" dirty="0"/>
+                <a:endParaRPr lang="en-US" dirty="0"/>
               </a:p>
               <a:p>
                 <a:r>
-                  <a:rPr lang="de-DE" dirty="0"/>
-                  <a:t> </a:t>
-                </a:r>
-                <a:r>
-                  <a:rPr lang="de-DE" dirty="0" err="1"/>
-                  <a:t>Only</a:t>
-                </a:r>
-                <a:r>
-                  <a:rPr lang="de-DE" dirty="0"/>
-                  <a:t> </a:t>
-                </a:r>
-                <a:r>
-                  <a:rPr lang="de-DE" dirty="0" err="1"/>
-                  <a:t>checking</a:t>
-                </a:r>
-                <a:r>
-                  <a:rPr lang="de-DE" dirty="0"/>
-                  <a:t> </a:t>
-                </a:r>
-                <a:r>
-                  <a:rPr lang="de-DE" dirty="0" err="1"/>
-                  <a:t>for</a:t>
-                </a:r>
-                <a:r>
-                  <a:rPr lang="de-DE" dirty="0"/>
-                  <a:t> </a:t>
-                </a:r>
-                <a:r>
-                  <a:rPr lang="de-DE" dirty="0" err="1"/>
-                  <a:t>termination</a:t>
-                </a:r>
-                <a:endParaRPr lang="de-DE" dirty="0"/>
+                  <a:rPr lang="en-US" dirty="0"/>
+                  <a:t> Only checking for termination:</a:t>
+                </a:r>
               </a:p>
               <a:p>
                 <a:pPr lvl="1">
@@ -41355,43 +41098,43 @@
                   <a:buChar char="è"/>
                 </a:pPr>
                 <a:r>
-                  <a:rPr lang="de-DE" dirty="0">
+                  <a:rPr lang="en-US" dirty="0">
                     <a:sym typeface="Wingdings" panose="05000000000000000000" pitchFamily="2" charset="2"/>
                   </a:rPr>
                   <a:t> </a:t>
                 </a:r>
                 <a:r>
-                  <a:rPr lang="de-DE" dirty="0" err="1">
+                  <a:rPr lang="en-US" dirty="0" err="1">
                     <a:sym typeface="Wingdings" panose="05000000000000000000" pitchFamily="2" charset="2"/>
                   </a:rPr>
                   <a:t>Trying</a:t>
                 </a:r>
                 <a:r>
-                  <a:rPr lang="de-DE" dirty="0">
+                  <a:rPr lang="en-US" dirty="0">
                     <a:sym typeface="Wingdings" panose="05000000000000000000" pitchFamily="2" charset="2"/>
                   </a:rPr>
                   <a:t> </a:t>
                 </a:r>
                 <a:r>
-                  <a:rPr lang="de-DE" dirty="0" err="1">
+                  <a:rPr lang="en-US" dirty="0" err="1">
                     <a:sym typeface="Wingdings" panose="05000000000000000000" pitchFamily="2" charset="2"/>
                   </a:rPr>
                   <a:t>to</a:t>
                 </a:r>
                 <a:r>
-                  <a:rPr lang="de-DE" dirty="0">
+                  <a:rPr lang="en-US" dirty="0">
                     <a:sym typeface="Wingdings" panose="05000000000000000000" pitchFamily="2" charset="2"/>
                   </a:rPr>
                   <a:t> find a global </a:t>
                 </a:r>
                 <a:r>
-                  <a:rPr lang="de-DE" dirty="0" err="1">
+                  <a:rPr lang="en-US" dirty="0" err="1">
                     <a:sym typeface="Wingdings" panose="05000000000000000000" pitchFamily="2" charset="2"/>
                   </a:rPr>
                   <a:t>fixpoint</a:t>
                 </a:r>
                 <a:r>
-                  <a:rPr lang="de-DE" dirty="0">
+                  <a:rPr lang="en-US" dirty="0">
                     <a:sym typeface="Wingdings" panose="05000000000000000000" pitchFamily="2" charset="2"/>
                   </a:rPr>
                   <a:t>:</a:t>
@@ -41403,25 +41146,25 @@
                   <a:buChar char="•"/>
                 </a:pPr>
                 <a:r>
-                  <a:rPr lang="de-DE" dirty="0" err="1"/>
+                  <a:rPr lang="en-US" dirty="0" err="1"/>
                   <a:t>Is</a:t>
                 </a:r>
                 <a:r>
-                  <a:rPr lang="de-DE" dirty="0"/>
+                  <a:rPr lang="en-US" dirty="0"/>
                   <a:t> </a:t>
                 </a:r>
                 <a:r>
-                  <a:rPr lang="de-DE" dirty="0" err="1"/>
+                  <a:rPr lang="en-US" dirty="0" err="1"/>
                   <a:t>there</a:t>
                 </a:r>
                 <a:r>
-                  <a:rPr lang="de-DE" dirty="0"/>
+                  <a:rPr lang="en-US" dirty="0"/>
                   <a:t> an </a:t>
                 </a:r>
                 <a14:m>
                   <m:oMath xmlns:m="http://schemas.openxmlformats.org/officeDocument/2006/math">
                     <m:r>
-                      <a:rPr lang="de-DE" b="0" i="1" smtClean="0">
+                      <a:rPr lang="en-US" b="0" i="1" smtClean="0">
                         <a:latin typeface="Cambria Math" panose="02040503050406030204" pitchFamily="18" charset="0"/>
                       </a:rPr>
                       <m:t>𝑖</m:t>
@@ -41444,7 +41187,7 @@
                       </m:sSubPr>
                       <m:e>
                         <m:r>
-                          <a:rPr lang="de-DE" b="0" i="1" smtClean="0">
+                          <a:rPr lang="en-US" b="0" i="1" smtClean="0">
                             <a:latin typeface="Cambria Math" panose="02040503050406030204" pitchFamily="18" charset="0"/>
                           </a:rPr>
                           <m:t>𝐹</m:t>
@@ -41452,13 +41195,13 @@
                       </m:e>
                       <m:sub>
                         <m:r>
-                          <a:rPr lang="de-DE" b="0" i="1" smtClean="0">
+                          <a:rPr lang="en-US" b="0" i="1" smtClean="0">
                             <a:latin typeface="Cambria Math" panose="02040503050406030204" pitchFamily="18" charset="0"/>
                           </a:rPr>
                           <m:t>𝑖</m:t>
                         </m:r>
                         <m:r>
-                          <a:rPr lang="de-DE" b="0" i="1" smtClean="0">
+                          <a:rPr lang="en-US" b="0" i="1" smtClean="0">
                             <a:latin typeface="Cambria Math" panose="02040503050406030204" pitchFamily="18" charset="0"/>
                           </a:rPr>
                           <m:t>−1, ℓ</m:t>
@@ -41466,7 +41209,7 @@
                       </m:sub>
                     </m:sSub>
                     <m:r>
-                      <a:rPr lang="de-DE" b="0" i="1" smtClean="0">
+                      <a:rPr lang="en-US" b="0" i="1" smtClean="0">
                         <a:latin typeface="Cambria Math" panose="02040503050406030204" pitchFamily="18" charset="0"/>
                       </a:rPr>
                       <m:t>=</m:t>
@@ -41474,14 +41217,14 @@
                     <m:sSub>
                       <m:sSubPr>
                         <m:ctrlPr>
-                          <a:rPr lang="de-DE" b="0" i="1" smtClean="0">
+                          <a:rPr lang="en-US" b="0" i="1" smtClean="0">
                             <a:latin typeface="Cambria Math" panose="02040503050406030204" pitchFamily="18" charset="0"/>
                           </a:rPr>
                         </m:ctrlPr>
                       </m:sSubPr>
                       <m:e>
                         <m:r>
-                          <a:rPr lang="de-DE" b="0" i="1" smtClean="0">
+                          <a:rPr lang="en-US" b="0" i="1" smtClean="0">
                             <a:latin typeface="Cambria Math" panose="02040503050406030204" pitchFamily="18" charset="0"/>
                           </a:rPr>
                           <m:t>𝐹</m:t>
@@ -41489,13 +41232,13 @@
                       </m:e>
                       <m:sub>
                         <m:r>
-                          <a:rPr lang="de-DE" b="0" i="1" smtClean="0">
+                          <a:rPr lang="en-US" b="0" i="1" smtClean="0">
                             <a:latin typeface="Cambria Math" panose="02040503050406030204" pitchFamily="18" charset="0"/>
                           </a:rPr>
                           <m:t>𝑖</m:t>
                         </m:r>
                         <m:r>
-                          <a:rPr lang="de-DE" b="0" i="1" smtClean="0">
+                          <a:rPr lang="en-US" b="0" i="1" smtClean="0">
                             <a:latin typeface="Cambria Math" panose="02040503050406030204" pitchFamily="18" charset="0"/>
                           </a:rPr>
                           <m:t>, ℓ</m:t>
@@ -41518,14 +41261,14 @@
                       <m:t>ℓ∈</m:t>
                     </m:r>
                     <m:r>
-                      <a:rPr lang="de-DE" b="0" i="1" smtClean="0">
+                      <a:rPr lang="en-US" b="0" i="1" smtClean="0">
                         <a:latin typeface="Cambria Math" panose="02040503050406030204" pitchFamily="18" charset="0"/>
                         <a:ea typeface="Cambria Math" panose="02040503050406030204" pitchFamily="18" charset="0"/>
                       </a:rPr>
                       <m:t>𝐿</m:t>
                     </m:r>
                     <m:r>
-                      <a:rPr lang="de-DE" b="0" i="1" smtClean="0">
+                      <a:rPr lang="en-US" b="0" i="1" smtClean="0">
                         <a:latin typeface="Cambria Math" panose="02040503050406030204" pitchFamily="18" charset="0"/>
                         <a:ea typeface="Cambria Math" panose="02040503050406030204" pitchFamily="18" charset="0"/>
                       </a:rPr>
@@ -41534,7 +41277,7 @@
                     <m:sSub>
                       <m:sSubPr>
                         <m:ctrlPr>
-                          <a:rPr lang="de-DE" b="0" i="1" smtClean="0">
+                          <a:rPr lang="en-US" b="0" i="1" smtClean="0">
                             <a:latin typeface="Cambria Math" panose="02040503050406030204" pitchFamily="18" charset="0"/>
                             <a:ea typeface="Cambria Math" panose="02040503050406030204" pitchFamily="18" charset="0"/>
                           </a:rPr>
@@ -41542,7 +41285,7 @@
                       </m:sSubPr>
                       <m:e>
                         <m:r>
-                          <a:rPr lang="de-DE" b="0" i="1" smtClean="0">
+                          <a:rPr lang="en-US" b="0" i="1" smtClean="0">
                             <a:latin typeface="Cambria Math" panose="02040503050406030204" pitchFamily="18" charset="0"/>
                             <a:ea typeface="Cambria Math" panose="02040503050406030204" pitchFamily="18" charset="0"/>
                           </a:rPr>
@@ -41551,7 +41294,7 @@
                       </m:e>
                       <m:sub>
                         <m:r>
-                          <a:rPr lang="de-DE" b="0" i="1" smtClean="0">
+                          <a:rPr lang="en-US" b="0" i="1" smtClean="0">
                             <a:latin typeface="Cambria Math" panose="02040503050406030204" pitchFamily="18" charset="0"/>
                             <a:ea typeface="Cambria Math" panose="02040503050406030204" pitchFamily="18" charset="0"/>
                           </a:rPr>
@@ -41560,7 +41303,7 @@
                       </m:sub>
                     </m:sSub>
                     <m:r>
-                      <a:rPr lang="de-DE" b="0" i="1" smtClean="0">
+                      <a:rPr lang="en-US" b="0" i="1" smtClean="0">
                         <a:latin typeface="Cambria Math" panose="02040503050406030204" pitchFamily="18" charset="0"/>
                         <a:ea typeface="Cambria Math" panose="02040503050406030204" pitchFamily="18" charset="0"/>
                       </a:rPr>
@@ -41578,26 +41321,26 @@
                   <a:buFont typeface="Arial" panose="020B0604020202020204" pitchFamily="34" charset="0"/>
                   <a:buChar char="•"/>
                 </a:pPr>
-                <a:endParaRPr lang="de-DE" dirty="0"/>
+                <a:endParaRPr lang="en-US" dirty="0"/>
               </a:p>
               <a:p>
                 <a:pPr marL="506412" lvl="2" indent="0">
                   <a:buNone/>
                 </a:pPr>
                 <a:r>
-                  <a:rPr lang="de-DE" dirty="0">
+                  <a:rPr lang="en-US" dirty="0">
                     <a:sym typeface="Wingdings" panose="05000000000000000000" pitchFamily="2" charset="2"/>
                   </a:rPr>
                   <a:t> </a:t>
                 </a:r>
                 <a:r>
-                  <a:rPr lang="de-DE" dirty="0" err="1">
+                  <a:rPr lang="en-US" dirty="0" err="1">
                     <a:sym typeface="Wingdings" panose="05000000000000000000" pitchFamily="2" charset="2"/>
                   </a:rPr>
                   <a:t>No</a:t>
                 </a:r>
                 <a:r>
-                  <a:rPr lang="de-DE" dirty="0">
+                  <a:rPr lang="en-US" dirty="0">
                     <a:sym typeface="Wingdings" panose="05000000000000000000" pitchFamily="2" charset="2"/>
                   </a:rPr>
                   <a:t>:</a:t>
@@ -41609,47 +41352,47 @@
                   <a:buChar char="•"/>
                 </a:pPr>
                 <a:r>
-                  <a:rPr lang="de-DE" dirty="0" err="1"/>
+                  <a:rPr lang="en-US" dirty="0" err="1"/>
                   <a:t>Algorithm</a:t>
                 </a:r>
                 <a:r>
-                  <a:rPr lang="de-DE" dirty="0"/>
+                  <a:rPr lang="en-US" dirty="0"/>
                   <a:t> </a:t>
                 </a:r>
                 <a:r>
-                  <a:rPr lang="de-DE" dirty="0" err="1"/>
+                  <a:rPr lang="en-US" dirty="0" err="1"/>
                   <a:t>continues</a:t>
                 </a:r>
                 <a:r>
-                  <a:rPr lang="de-DE" dirty="0"/>
+                  <a:rPr lang="en-US" dirty="0"/>
                   <a:t> </a:t>
                 </a:r>
                 <a:r>
-                  <a:rPr lang="de-DE" dirty="0" err="1"/>
+                  <a:rPr lang="en-US" dirty="0" err="1"/>
                   <a:t>with</a:t>
                 </a:r>
                 <a:r>
-                  <a:rPr lang="de-DE" dirty="0"/>
+                  <a:rPr lang="en-US" dirty="0"/>
                   <a:t> </a:t>
                 </a:r>
                 <a:r>
-                  <a:rPr lang="de-DE" dirty="0" err="1"/>
+                  <a:rPr lang="en-US" dirty="0" err="1"/>
                   <a:t>the</a:t>
                 </a:r>
                 <a:r>
-                  <a:rPr lang="de-DE" dirty="0"/>
+                  <a:rPr lang="en-US" dirty="0"/>
                   <a:t> </a:t>
                 </a:r>
                 <a:r>
-                  <a:rPr lang="de-DE" dirty="0" err="1"/>
+                  <a:rPr lang="en-US" dirty="0" err="1"/>
                   <a:t>next</a:t>
                 </a:r>
                 <a:r>
-                  <a:rPr lang="de-DE" dirty="0"/>
+                  <a:rPr lang="en-US" dirty="0"/>
                   <a:t> </a:t>
                 </a:r>
                 <a:r>
-                  <a:rPr lang="de-DE" dirty="0" err="1"/>
+                  <a:rPr lang="en-US" dirty="0" err="1"/>
                   <a:t>level</a:t>
                 </a:r>
                 <a:endParaRPr lang="en-US" dirty="0"/>
@@ -41947,7 +41690,11 @@
           <a:p>
             <a:r>
               <a:rPr lang="en-US" noProof="0" dirty="0"/>
-              <a:t>3.4 Possible Improvements</a:t>
+              <a:t>3.4 Possible Improvements: </a:t>
+            </a:r>
+            <a:r>
+              <a:rPr lang="en-US" b="0" noProof="0" dirty="0"/>
+              <a:t>Generalization of Proof-Obligations</a:t>
             </a:r>
           </a:p>
         </p:txBody>
@@ -42059,7 +41806,480 @@
           <a:bodyPr/>
           <a:lstStyle/>
           <a:p>
-            <a:endParaRPr lang="en-US"/>
+            <a:r>
+              <a:rPr lang="de-DE" dirty="0"/>
+              <a:t> </a:t>
+            </a:r>
+            <a:r>
+              <a:rPr lang="de-DE" dirty="0" err="1"/>
+              <a:t>Using</a:t>
+            </a:r>
+            <a:r>
+              <a:rPr lang="de-DE" dirty="0"/>
+              <a:t> </a:t>
+            </a:r>
+            <a:r>
+              <a:rPr lang="de-DE" dirty="0" err="1"/>
+              <a:t>the</a:t>
+            </a:r>
+            <a:r>
+              <a:rPr lang="de-DE" dirty="0"/>
+              <a:t> </a:t>
+            </a:r>
+            <a:r>
+              <a:rPr lang="de-DE" dirty="0" err="1"/>
+              <a:t>weakest</a:t>
+            </a:r>
+            <a:r>
+              <a:rPr lang="de-DE" dirty="0"/>
+              <a:t> </a:t>
+            </a:r>
+            <a:r>
+              <a:rPr lang="de-DE" dirty="0" err="1"/>
+              <a:t>precondition</a:t>
+            </a:r>
+            <a:r>
+              <a:rPr lang="de-DE" dirty="0"/>
+              <a:t>:</a:t>
+            </a:r>
+          </a:p>
+          <a:p>
+            <a:pPr lvl="1"/>
+            <a:r>
+              <a:rPr lang="de-DE" dirty="0">
+                <a:sym typeface="Wingdings" panose="05000000000000000000" pitchFamily="2" charset="2"/>
+              </a:rPr>
+              <a:t> </a:t>
+            </a:r>
+            <a:r>
+              <a:rPr lang="de-DE" dirty="0" err="1">
+                <a:sym typeface="Wingdings" panose="05000000000000000000" pitchFamily="2" charset="2"/>
+              </a:rPr>
+              <a:t>Overapproximation</a:t>
+            </a:r>
+            <a:r>
+              <a:rPr lang="de-DE" dirty="0">
+                <a:sym typeface="Wingdings" panose="05000000000000000000" pitchFamily="2" charset="2"/>
+              </a:rPr>
+              <a:t> </a:t>
+            </a:r>
+            <a:r>
+              <a:rPr lang="de-DE" dirty="0" err="1">
+                <a:sym typeface="Wingdings" panose="05000000000000000000" pitchFamily="2" charset="2"/>
+              </a:rPr>
+              <a:t>of</a:t>
+            </a:r>
+            <a:r>
+              <a:rPr lang="de-DE" dirty="0">
+                <a:sym typeface="Wingdings" panose="05000000000000000000" pitchFamily="2" charset="2"/>
+              </a:rPr>
+              <a:t> </a:t>
+            </a:r>
+            <a:r>
+              <a:rPr lang="de-DE" dirty="0" err="1">
+                <a:sym typeface="Wingdings" panose="05000000000000000000" pitchFamily="2" charset="2"/>
+              </a:rPr>
+              <a:t>predecessor</a:t>
+            </a:r>
+            <a:r>
+              <a:rPr lang="de-DE" dirty="0">
+                <a:sym typeface="Wingdings" panose="05000000000000000000" pitchFamily="2" charset="2"/>
+              </a:rPr>
+              <a:t> </a:t>
+            </a:r>
+            <a:r>
+              <a:rPr lang="de-DE" dirty="0" err="1">
+                <a:sym typeface="Wingdings" panose="05000000000000000000" pitchFamily="2" charset="2"/>
+              </a:rPr>
+              <a:t>states</a:t>
+            </a:r>
+            <a:endParaRPr lang="de-DE" dirty="0">
+              <a:sym typeface="Wingdings" panose="05000000000000000000" pitchFamily="2" charset="2"/>
+            </a:endParaRPr>
+          </a:p>
+          <a:p>
+            <a:pPr lvl="1"/>
+            <a:r>
+              <a:rPr lang="de-DE" dirty="0">
+                <a:sym typeface="Wingdings" panose="05000000000000000000" pitchFamily="2" charset="2"/>
+              </a:rPr>
+              <a:t> </a:t>
+            </a:r>
+            <a:r>
+              <a:rPr lang="de-DE" dirty="0" err="1">
+                <a:sym typeface="Wingdings" panose="05000000000000000000" pitchFamily="2" charset="2"/>
+              </a:rPr>
+              <a:t>Algorithm</a:t>
+            </a:r>
+            <a:r>
+              <a:rPr lang="de-DE" dirty="0">
+                <a:sym typeface="Wingdings" panose="05000000000000000000" pitchFamily="2" charset="2"/>
+              </a:rPr>
+              <a:t> </a:t>
+            </a:r>
+            <a:r>
+              <a:rPr lang="de-DE" dirty="0" err="1">
+                <a:sym typeface="Wingdings" panose="05000000000000000000" pitchFamily="2" charset="2"/>
+              </a:rPr>
+              <a:t>does</a:t>
+            </a:r>
+            <a:r>
+              <a:rPr lang="de-DE" dirty="0">
+                <a:sym typeface="Wingdings" panose="05000000000000000000" pitchFamily="2" charset="2"/>
+              </a:rPr>
+              <a:t> not </a:t>
+            </a:r>
+            <a:r>
+              <a:rPr lang="de-DE" dirty="0" err="1">
+                <a:sym typeface="Wingdings" panose="05000000000000000000" pitchFamily="2" charset="2"/>
+              </a:rPr>
+              <a:t>need</a:t>
+            </a:r>
+            <a:r>
+              <a:rPr lang="de-DE" dirty="0">
+                <a:sym typeface="Wingdings" panose="05000000000000000000" pitchFamily="2" charset="2"/>
+              </a:rPr>
+              <a:t> </a:t>
+            </a:r>
+            <a:r>
+              <a:rPr lang="de-DE" dirty="0" err="1">
+                <a:sym typeface="Wingdings" panose="05000000000000000000" pitchFamily="2" charset="2"/>
+              </a:rPr>
+              <a:t>to</a:t>
+            </a:r>
+            <a:r>
+              <a:rPr lang="de-DE" dirty="0">
+                <a:sym typeface="Wingdings" panose="05000000000000000000" pitchFamily="2" charset="2"/>
+              </a:rPr>
+              <a:t> </a:t>
+            </a:r>
+            <a:r>
+              <a:rPr lang="de-DE" dirty="0" err="1">
+                <a:sym typeface="Wingdings" panose="05000000000000000000" pitchFamily="2" charset="2"/>
+              </a:rPr>
+              <a:t>generate</a:t>
+            </a:r>
+            <a:r>
+              <a:rPr lang="de-DE" dirty="0">
+                <a:sym typeface="Wingdings" panose="05000000000000000000" pitchFamily="2" charset="2"/>
+              </a:rPr>
+              <a:t> an explicit </a:t>
+            </a:r>
+            <a:r>
+              <a:rPr lang="de-DE" dirty="0" err="1">
+                <a:sym typeface="Wingdings" panose="05000000000000000000" pitchFamily="2" charset="2"/>
+              </a:rPr>
+              <a:t>proof</a:t>
+            </a:r>
+            <a:r>
+              <a:rPr lang="de-DE" dirty="0">
+                <a:sym typeface="Wingdings" panose="05000000000000000000" pitchFamily="2" charset="2"/>
+              </a:rPr>
+              <a:t>-obligation </a:t>
+            </a:r>
+            <a:r>
+              <a:rPr lang="de-DE" dirty="0" err="1">
+                <a:sym typeface="Wingdings" panose="05000000000000000000" pitchFamily="2" charset="2"/>
+              </a:rPr>
+              <a:t>for</a:t>
+            </a:r>
+            <a:r>
+              <a:rPr lang="de-DE" dirty="0">
+                <a:sym typeface="Wingdings" panose="05000000000000000000" pitchFamily="2" charset="2"/>
+              </a:rPr>
+              <a:t> </a:t>
+            </a:r>
+            <a:r>
+              <a:rPr lang="de-DE" dirty="0" err="1">
+                <a:sym typeface="Wingdings" panose="05000000000000000000" pitchFamily="2" charset="2"/>
+              </a:rPr>
+              <a:t>each</a:t>
+            </a:r>
+            <a:r>
+              <a:rPr lang="de-DE" dirty="0">
+                <a:sym typeface="Wingdings" panose="05000000000000000000" pitchFamily="2" charset="2"/>
+              </a:rPr>
+              <a:t> </a:t>
+            </a:r>
+            <a:r>
+              <a:rPr lang="de-DE" dirty="0" err="1">
+                <a:sym typeface="Wingdings" panose="05000000000000000000" pitchFamily="2" charset="2"/>
+              </a:rPr>
+              <a:t>predecessor</a:t>
+            </a:r>
+            <a:r>
+              <a:rPr lang="de-DE" dirty="0">
+                <a:sym typeface="Wingdings" panose="05000000000000000000" pitchFamily="2" charset="2"/>
+              </a:rPr>
+              <a:t> </a:t>
+            </a:r>
+            <a:r>
+              <a:rPr lang="de-DE" dirty="0" err="1">
+                <a:sym typeface="Wingdings" panose="05000000000000000000" pitchFamily="2" charset="2"/>
+              </a:rPr>
+              <a:t>state</a:t>
+            </a:r>
+            <a:endParaRPr lang="de-DE" dirty="0">
+              <a:sym typeface="Wingdings" panose="05000000000000000000" pitchFamily="2" charset="2"/>
+            </a:endParaRPr>
+          </a:p>
+          <a:p>
+            <a:pPr lvl="1"/>
+            <a:endParaRPr lang="de-DE" dirty="0">
+              <a:sym typeface="Wingdings" panose="05000000000000000000" pitchFamily="2" charset="2"/>
+            </a:endParaRPr>
+          </a:p>
+          <a:p>
+            <a:r>
+              <a:rPr lang="de-DE" dirty="0">
+                <a:sym typeface="Wingdings" panose="05000000000000000000" pitchFamily="2" charset="2"/>
+              </a:rPr>
+              <a:t> </a:t>
+            </a:r>
+            <a:r>
+              <a:rPr lang="de-DE" dirty="0" err="1">
+                <a:sym typeface="Wingdings" panose="05000000000000000000" pitchFamily="2" charset="2"/>
+              </a:rPr>
+              <a:t>Using</a:t>
+            </a:r>
+            <a:r>
+              <a:rPr lang="de-DE" dirty="0">
+                <a:sym typeface="Wingdings" panose="05000000000000000000" pitchFamily="2" charset="2"/>
+              </a:rPr>
+              <a:t> </a:t>
+            </a:r>
+            <a:r>
+              <a:rPr lang="de-DE" dirty="0" err="1">
+                <a:sym typeface="Wingdings" panose="05000000000000000000" pitchFamily="2" charset="2"/>
+              </a:rPr>
+              <a:t>the</a:t>
+            </a:r>
+            <a:r>
+              <a:rPr lang="de-DE" dirty="0">
+                <a:sym typeface="Wingdings" panose="05000000000000000000" pitchFamily="2" charset="2"/>
+              </a:rPr>
+              <a:t> </a:t>
+            </a:r>
+            <a:r>
+              <a:rPr lang="de-DE" dirty="0" err="1">
+                <a:sym typeface="Wingdings" panose="05000000000000000000" pitchFamily="2" charset="2"/>
+              </a:rPr>
+              <a:t>disjunctive</a:t>
+            </a:r>
+            <a:r>
+              <a:rPr lang="de-DE" dirty="0">
+                <a:sym typeface="Wingdings" panose="05000000000000000000" pitchFamily="2" charset="2"/>
+              </a:rPr>
+              <a:t> normal form (DNF):</a:t>
+            </a:r>
+          </a:p>
+          <a:p>
+            <a:pPr lvl="1"/>
+            <a:r>
+              <a:rPr lang="de-DE" dirty="0">
+                <a:sym typeface="Wingdings" panose="05000000000000000000" pitchFamily="2" charset="2"/>
+              </a:rPr>
+              <a:t> Negation </a:t>
+            </a:r>
+            <a:r>
+              <a:rPr lang="de-DE" dirty="0" err="1">
+                <a:sym typeface="Wingdings" panose="05000000000000000000" pitchFamily="2" charset="2"/>
+              </a:rPr>
+              <a:t>of</a:t>
+            </a:r>
+            <a:r>
+              <a:rPr lang="de-DE" dirty="0">
+                <a:sym typeface="Wingdings" panose="05000000000000000000" pitchFamily="2" charset="2"/>
+              </a:rPr>
+              <a:t> a </a:t>
+            </a:r>
+            <a:r>
+              <a:rPr lang="de-DE" dirty="0" err="1">
+                <a:sym typeface="Wingdings" panose="05000000000000000000" pitchFamily="2" charset="2"/>
+              </a:rPr>
+              <a:t>cube</a:t>
+            </a:r>
+            <a:r>
+              <a:rPr lang="de-DE" dirty="0">
+                <a:sym typeface="Wingdings" panose="05000000000000000000" pitchFamily="2" charset="2"/>
+              </a:rPr>
+              <a:t> </a:t>
+            </a:r>
+            <a:r>
+              <a:rPr lang="de-DE" dirty="0" err="1">
+                <a:sym typeface="Wingdings" panose="05000000000000000000" pitchFamily="2" charset="2"/>
+              </a:rPr>
+              <a:t>is</a:t>
+            </a:r>
+            <a:r>
+              <a:rPr lang="de-DE" dirty="0">
+                <a:sym typeface="Wingdings" panose="05000000000000000000" pitchFamily="2" charset="2"/>
+              </a:rPr>
+              <a:t> a </a:t>
+            </a:r>
+            <a:r>
+              <a:rPr lang="de-DE" dirty="0" err="1">
+                <a:sym typeface="Wingdings" panose="05000000000000000000" pitchFamily="2" charset="2"/>
+              </a:rPr>
+              <a:t>clause</a:t>
+            </a:r>
+            <a:endParaRPr lang="de-DE" dirty="0">
+              <a:sym typeface="Wingdings" panose="05000000000000000000" pitchFamily="2" charset="2"/>
+            </a:endParaRPr>
+          </a:p>
+          <a:p>
+            <a:pPr lvl="2"/>
+            <a:r>
+              <a:rPr lang="de-DE" dirty="0">
+                <a:sym typeface="Wingdings" panose="05000000000000000000" pitchFamily="2" charset="2"/>
+              </a:rPr>
+              <a:t> Split large </a:t>
+            </a:r>
+            <a:r>
+              <a:rPr lang="de-DE" dirty="0" err="1">
+                <a:sym typeface="Wingdings" panose="05000000000000000000" pitchFamily="2" charset="2"/>
+              </a:rPr>
+              <a:t>proof-obligations</a:t>
+            </a:r>
+            <a:r>
+              <a:rPr lang="de-DE" dirty="0">
+                <a:sym typeface="Wingdings" panose="05000000000000000000" pitchFamily="2" charset="2"/>
+              </a:rPr>
+              <a:t> </a:t>
+            </a:r>
+            <a:r>
+              <a:rPr lang="de-DE" dirty="0" err="1">
+                <a:sym typeface="Wingdings" panose="05000000000000000000" pitchFamily="2" charset="2"/>
+              </a:rPr>
+              <a:t>into</a:t>
+            </a:r>
+            <a:r>
+              <a:rPr lang="de-DE" dirty="0">
+                <a:sym typeface="Wingdings" panose="05000000000000000000" pitchFamily="2" charset="2"/>
+              </a:rPr>
+              <a:t> </a:t>
+            </a:r>
+            <a:r>
+              <a:rPr lang="de-DE" dirty="0" err="1">
+                <a:sym typeface="Wingdings" panose="05000000000000000000" pitchFamily="2" charset="2"/>
+              </a:rPr>
+              <a:t>smaller</a:t>
+            </a:r>
+            <a:r>
+              <a:rPr lang="de-DE" dirty="0">
+                <a:sym typeface="Wingdings" panose="05000000000000000000" pitchFamily="2" charset="2"/>
+              </a:rPr>
+              <a:t> </a:t>
+            </a:r>
+            <a:r>
+              <a:rPr lang="de-DE" dirty="0" err="1">
+                <a:sym typeface="Wingdings" panose="05000000000000000000" pitchFamily="2" charset="2"/>
+              </a:rPr>
+              <a:t>ones</a:t>
+            </a:r>
+            <a:r>
+              <a:rPr lang="de-DE" dirty="0">
+                <a:sym typeface="Wingdings" panose="05000000000000000000" pitchFamily="2" charset="2"/>
+              </a:rPr>
+              <a:t> </a:t>
+            </a:r>
+            <a:r>
+              <a:rPr lang="de-DE" dirty="0" err="1">
+                <a:sym typeface="Wingdings" panose="05000000000000000000" pitchFamily="2" charset="2"/>
+              </a:rPr>
+              <a:t>by</a:t>
+            </a:r>
+            <a:r>
+              <a:rPr lang="de-DE" dirty="0">
+                <a:sym typeface="Wingdings" panose="05000000000000000000" pitchFamily="2" charset="2"/>
+              </a:rPr>
+              <a:t> </a:t>
+            </a:r>
+            <a:r>
+              <a:rPr lang="de-DE" dirty="0" err="1">
+                <a:sym typeface="Wingdings" panose="05000000000000000000" pitchFamily="2" charset="2"/>
+              </a:rPr>
+              <a:t>taking</a:t>
+            </a:r>
+            <a:r>
+              <a:rPr lang="de-DE" dirty="0">
+                <a:sym typeface="Wingdings" panose="05000000000000000000" pitchFamily="2" charset="2"/>
+              </a:rPr>
+              <a:t> </a:t>
+            </a:r>
+            <a:r>
+              <a:rPr lang="de-DE" dirty="0" err="1">
+                <a:sym typeface="Wingdings" panose="05000000000000000000" pitchFamily="2" charset="2"/>
+              </a:rPr>
+              <a:t>each</a:t>
+            </a:r>
+            <a:r>
+              <a:rPr lang="de-DE" dirty="0">
+                <a:sym typeface="Wingdings" panose="05000000000000000000" pitchFamily="2" charset="2"/>
+              </a:rPr>
+              <a:t> </a:t>
+            </a:r>
+            <a:r>
+              <a:rPr lang="de-DE" dirty="0" err="1">
+                <a:sym typeface="Wingdings" panose="05000000000000000000" pitchFamily="2" charset="2"/>
+              </a:rPr>
+              <a:t>cube</a:t>
+            </a:r>
+            <a:r>
+              <a:rPr lang="de-DE" dirty="0">
+                <a:sym typeface="Wingdings" panose="05000000000000000000" pitchFamily="2" charset="2"/>
+              </a:rPr>
+              <a:t> </a:t>
+            </a:r>
+            <a:r>
+              <a:rPr lang="de-DE" dirty="0" err="1">
+                <a:sym typeface="Wingdings" panose="05000000000000000000" pitchFamily="2" charset="2"/>
+              </a:rPr>
+              <a:t>of</a:t>
+            </a:r>
+            <a:r>
+              <a:rPr lang="de-DE" dirty="0">
+                <a:sym typeface="Wingdings" panose="05000000000000000000" pitchFamily="2" charset="2"/>
+              </a:rPr>
+              <a:t> </a:t>
+            </a:r>
+            <a:r>
+              <a:rPr lang="de-DE" dirty="0" err="1">
+                <a:sym typeface="Wingdings" panose="05000000000000000000" pitchFamily="2" charset="2"/>
+              </a:rPr>
+              <a:t>the</a:t>
+            </a:r>
+            <a:r>
+              <a:rPr lang="de-DE" dirty="0">
+                <a:sym typeface="Wingdings" panose="05000000000000000000" pitchFamily="2" charset="2"/>
+              </a:rPr>
+              <a:t> DNF </a:t>
+            </a:r>
+            <a:r>
+              <a:rPr lang="de-DE" dirty="0" err="1">
+                <a:sym typeface="Wingdings" panose="05000000000000000000" pitchFamily="2" charset="2"/>
+              </a:rPr>
+              <a:t>as</a:t>
+            </a:r>
+            <a:r>
+              <a:rPr lang="de-DE" dirty="0">
+                <a:sym typeface="Wingdings" panose="05000000000000000000" pitchFamily="2" charset="2"/>
+              </a:rPr>
+              <a:t> a 	      	  separate </a:t>
+            </a:r>
+            <a:r>
+              <a:rPr lang="de-DE" dirty="0" err="1">
+                <a:sym typeface="Wingdings" panose="05000000000000000000" pitchFamily="2" charset="2"/>
+              </a:rPr>
+              <a:t>proof</a:t>
+            </a:r>
+            <a:r>
+              <a:rPr lang="de-DE" dirty="0">
+                <a:sym typeface="Wingdings" panose="05000000000000000000" pitchFamily="2" charset="2"/>
+              </a:rPr>
+              <a:t>-obligation</a:t>
+            </a:r>
+            <a:endParaRPr lang="en-US" dirty="0"/>
           </a:p>
         </p:txBody>
       </p:sp>
@@ -42110,7 +42330,7 @@
           <p:cNvPr id="2" name="Titel 1">
             <a:extLst>
               <a:ext uri="{FF2B5EF4-FFF2-40B4-BE49-F238E27FC236}">
-                <a16:creationId xmlns:a16="http://schemas.microsoft.com/office/drawing/2014/main" id="{258F9DE9-7431-495F-AD93-EEA178EDD70F}"/>
+                <a16:creationId xmlns:a16="http://schemas.microsoft.com/office/drawing/2014/main" id="{5300EC1E-89C3-4F47-B93F-48EA51A90CCE}"/>
               </a:ext>
             </a:extLst>
           </p:cNvPr>
@@ -42130,17 +42350,21 @@
           <a:p>
             <a:r>
               <a:rPr lang="en-US" noProof="0" dirty="0"/>
-              <a:t>Overview</a:t>
+              <a:t>3.4 Possible Improvements: </a:t>
+            </a:r>
+            <a:r>
+              <a:rPr lang="en-US" b="0" noProof="0" dirty="0"/>
+              <a:t>Generalization of Proof-Obligations</a:t>
             </a:r>
           </a:p>
         </p:txBody>
       </p:sp>
       <p:sp>
         <p:nvSpPr>
-          <p:cNvPr id="3" name="Datumsplatzhalter 2">
+          <p:cNvPr id="5" name="Datumsplatzhalter 4">
             <a:extLst>
               <a:ext uri="{FF2B5EF4-FFF2-40B4-BE49-F238E27FC236}">
-                <a16:creationId xmlns:a16="http://schemas.microsoft.com/office/drawing/2014/main" id="{000E5BF3-EE16-4A3A-9AC2-C8097A1631D5}"/>
+                <a16:creationId xmlns:a16="http://schemas.microsoft.com/office/drawing/2014/main" id="{596BD929-C841-4C1D-B01C-919F89950F40}"/>
               </a:ext>
             </a:extLst>
           </p:cNvPr>
@@ -42158,18 +42382,19 @@
           <a:p>
             <a:pPr algn="r"/>
             <a:r>
-              <a:rPr lang="de-DE" noProof="0" dirty="0"/>
+              <a:rPr lang="de-DE" noProof="0"/>
               <a:t>28.8.18</a:t>
             </a:r>
+            <a:endParaRPr lang="de-DE" noProof="0" dirty="0"/>
           </a:p>
         </p:txBody>
       </p:sp>
       <p:sp>
         <p:nvSpPr>
-          <p:cNvPr id="4" name="Fußzeilenplatzhalter 3">
+          <p:cNvPr id="6" name="Fußzeilenplatzhalter 5">
             <a:extLst>
               <a:ext uri="{FF2B5EF4-FFF2-40B4-BE49-F238E27FC236}">
-                <a16:creationId xmlns:a16="http://schemas.microsoft.com/office/drawing/2014/main" id="{1CE74D54-9888-488A-8C5A-F53E42E541BE}"/>
+                <a16:creationId xmlns:a16="http://schemas.microsoft.com/office/drawing/2014/main" id="{C9F247D4-57B8-49BD-A07C-AD34B52D8E4D}"/>
               </a:ext>
             </a:extLst>
           </p:cNvPr>
@@ -42192,10 +42417,10 @@
       </p:sp>
       <p:sp>
         <p:nvSpPr>
-          <p:cNvPr id="5" name="Foliennummernplatzhalter 4">
+          <p:cNvPr id="7" name="Foliennummernplatzhalter 6">
             <a:extLst>
               <a:ext uri="{FF2B5EF4-FFF2-40B4-BE49-F238E27FC236}">
-                <a16:creationId xmlns:a16="http://schemas.microsoft.com/office/drawing/2014/main" id="{02087F13-7305-43B7-A46E-958A431D74B0}"/>
+                <a16:creationId xmlns:a16="http://schemas.microsoft.com/office/drawing/2014/main" id="{8344B642-00E1-42CA-876A-B51D5360830A}"/>
               </a:ext>
             </a:extLst>
           </p:cNvPr>
@@ -42211,19 +42436,21 @@
           <a:bodyPr/>
           <a:lstStyle/>
           <a:p>
-            <a:r>
-              <a:rPr lang="de-DE" noProof="0" dirty="0"/>
+            <a:pPr rtl="0"/>
+            <a:r>
+              <a:rPr lang="de-DE" noProof="0"/>
               <a:t>‹Nr.›</a:t>
             </a:r>
+            <a:endParaRPr lang="de-DE" noProof="0" dirty="0"/>
           </a:p>
         </p:txBody>
       </p:sp>
       <p:sp>
         <p:nvSpPr>
-          <p:cNvPr id="6" name="Textplatzhalter 5">
+          <p:cNvPr id="8" name="Textplatzhalter 7">
             <a:extLst>
               <a:ext uri="{FF2B5EF4-FFF2-40B4-BE49-F238E27FC236}">
-                <a16:creationId xmlns:a16="http://schemas.microsoft.com/office/drawing/2014/main" id="{CE598EF9-AE99-495E-AB14-B855EF4AB994}"/>
+                <a16:creationId xmlns:a16="http://schemas.microsoft.com/office/drawing/2014/main" id="{64991336-1587-4914-A078-A930AD30F347}"/>
               </a:ext>
             </a:extLst>
           </p:cNvPr>
@@ -42239,125 +42466,132 @@
           <a:bodyPr/>
           <a:lstStyle/>
           <a:p>
-            <a:pPr marL="457200" indent="-457200">
-              <a:buFont typeface="+mj-lt"/>
-              <a:buAutoNum type="arabicPeriod"/>
-            </a:pPr>
-            <a:r>
-              <a:rPr lang="en-US" noProof="0" dirty="0">
+            <a:r>
+              <a:rPr lang="de-DE" dirty="0"/>
+              <a:t> </a:t>
+            </a:r>
+            <a:r>
+              <a:rPr lang="de-DE" dirty="0" err="1"/>
+              <a:t>Using</a:t>
+            </a:r>
+            <a:r>
+              <a:rPr lang="de-DE" dirty="0"/>
+              <a:t> Interpolation</a:t>
+            </a:r>
+            <a:r>
+              <a:rPr lang="en-US" dirty="0"/>
+              <a:t>:</a:t>
+            </a:r>
+          </a:p>
+          <a:p>
+            <a:pPr lvl="1"/>
+            <a:r>
+              <a:rPr lang="de-DE" dirty="0"/>
+              <a:t> </a:t>
+            </a:r>
+            <a:r>
+              <a:rPr lang="de-DE" dirty="0" err="1"/>
+              <a:t>Instead</a:t>
+            </a:r>
+            <a:r>
+              <a:rPr lang="de-DE" dirty="0"/>
+              <a:t> </a:t>
+            </a:r>
+            <a:r>
+              <a:rPr lang="de-DE" dirty="0" err="1"/>
+              <a:t>of</a:t>
+            </a:r>
+            <a:r>
+              <a:rPr lang="de-DE" dirty="0"/>
+              <a:t> </a:t>
+            </a:r>
+            <a:r>
+              <a:rPr lang="de-DE" dirty="0" err="1"/>
+              <a:t>strengthening</a:t>
+            </a:r>
+            <a:r>
+              <a:rPr lang="de-DE" dirty="0"/>
+              <a:t> </a:t>
+            </a:r>
+            <a:r>
+              <a:rPr lang="de-DE" dirty="0" err="1"/>
+              <a:t>frames</a:t>
+            </a:r>
+            <a:r>
+              <a:rPr lang="de-DE" dirty="0"/>
+              <a:t> </a:t>
+            </a:r>
+            <a:r>
+              <a:rPr lang="de-DE" dirty="0" err="1"/>
+              <a:t>with</a:t>
+            </a:r>
+            <a:r>
+              <a:rPr lang="de-DE" dirty="0"/>
+              <a:t> </a:t>
+            </a:r>
+            <a:r>
+              <a:rPr lang="de-DE" dirty="0" err="1"/>
+              <a:t>the</a:t>
+            </a:r>
+            <a:r>
+              <a:rPr lang="de-DE" dirty="0"/>
+              <a:t> </a:t>
+            </a:r>
+            <a:r>
+              <a:rPr lang="de-DE" dirty="0" err="1"/>
+              <a:t>negated</a:t>
+            </a:r>
+            <a:r>
+              <a:rPr lang="de-DE" dirty="0"/>
+              <a:t> </a:t>
+            </a:r>
+            <a:r>
+              <a:rPr lang="de-DE" dirty="0" err="1"/>
+              <a:t>proof</a:t>
+            </a:r>
+            <a:r>
+              <a:rPr lang="de-DE" dirty="0"/>
+              <a:t>-obligation, </a:t>
+            </a:r>
+            <a:r>
+              <a:rPr lang="de-DE" dirty="0" err="1"/>
+              <a:t>compute</a:t>
+            </a:r>
+            <a:r>
+              <a:rPr lang="de-DE" dirty="0"/>
+              <a:t> an </a:t>
+            </a:r>
+            <a:r>
+              <a:rPr lang="de-DE" dirty="0" err="1"/>
+              <a:t>interpolant</a:t>
+            </a:r>
+            <a:endParaRPr lang="de-DE" dirty="0"/>
+          </a:p>
+          <a:p>
+            <a:pPr lvl="1"/>
+            <a:r>
+              <a:rPr lang="de-DE" dirty="0">
                 <a:solidFill>
-                  <a:schemeClr val="bg1">
-                    <a:lumMod val="75000"/>
-                  </a:schemeClr>
+                  <a:srgbClr val="FF0000"/>
                 </a:solidFill>
               </a:rPr>
-              <a:t> Introduction</a:t>
-            </a:r>
-          </a:p>
-          <a:p>
-            <a:pPr marL="457200" indent="-457200">
-              <a:buFont typeface="+mj-lt"/>
-              <a:buAutoNum type="arabicPeriod"/>
-            </a:pPr>
-            <a:r>
-              <a:rPr lang="en-US" noProof="0" dirty="0">
+              <a:t> @</a:t>
+            </a:r>
+            <a:r>
+              <a:rPr lang="de-DE" dirty="0" err="1">
                 <a:solidFill>
-                  <a:schemeClr val="bg1">
-                    <a:lumMod val="75000"/>
-                  </a:schemeClr>
+                  <a:srgbClr val="FF0000"/>
                 </a:solidFill>
               </a:rPr>
-              <a:t> Background: PDR on Hardware</a:t>
-            </a:r>
-          </a:p>
-          <a:p>
-            <a:pPr marL="457200" indent="-457200">
-              <a:buFont typeface="+mj-lt"/>
-              <a:buAutoNum type="arabicPeriod"/>
-            </a:pPr>
-            <a:r>
-              <a:rPr lang="en-US" noProof="0" dirty="0">
+              <a:t>ToDo</a:t>
+            </a:r>
+            <a:r>
+              <a:rPr lang="de-DE" dirty="0">
                 <a:solidFill>
-                  <a:schemeClr val="bg1">
-                    <a:lumMod val="75000"/>
-                  </a:schemeClr>
+                  <a:srgbClr val="FF0000"/>
                 </a:solidFill>
               </a:rPr>
-              <a:t> PDR on Software</a:t>
-            </a:r>
-          </a:p>
-          <a:p>
-            <a:pPr marL="457200" indent="-457200">
-              <a:buFont typeface="+mj-lt"/>
-              <a:buAutoNum type="arabicPeriod"/>
-            </a:pPr>
-            <a:r>
-              <a:rPr lang="en-US" noProof="0" dirty="0"/>
-              <a:t> Implementation in Ultimate</a:t>
-            </a:r>
-          </a:p>
-          <a:p>
-            <a:pPr marL="457200" indent="-457200">
-              <a:buFont typeface="+mj-lt"/>
-              <a:buAutoNum type="arabicPeriod"/>
-            </a:pPr>
-            <a:r>
-              <a:rPr lang="en-US" noProof="0" dirty="0">
-                <a:solidFill>
-                  <a:schemeClr val="bg1">
-                    <a:lumMod val="75000"/>
-                  </a:schemeClr>
-                </a:solidFill>
-              </a:rPr>
-              <a:t> Evaluation</a:t>
-            </a:r>
-          </a:p>
-          <a:p>
-            <a:pPr marL="457200" indent="-457200">
-              <a:buFont typeface="+mj-lt"/>
-              <a:buAutoNum type="arabicPeriod"/>
-            </a:pPr>
-            <a:r>
-              <a:rPr lang="en-US" noProof="0" dirty="0">
-                <a:solidFill>
-                  <a:schemeClr val="bg1">
-                    <a:lumMod val="75000"/>
-                  </a:schemeClr>
-                </a:solidFill>
-              </a:rPr>
-              <a:t> Related Work</a:t>
-            </a:r>
-          </a:p>
-          <a:p>
-            <a:pPr marL="457200" indent="-457200">
-              <a:buFont typeface="+mj-lt"/>
-              <a:buAutoNum type="arabicPeriod"/>
-            </a:pPr>
-            <a:r>
-              <a:rPr lang="en-US" noProof="0" dirty="0">
-                <a:solidFill>
-                  <a:schemeClr val="bg1">
-                    <a:lumMod val="75000"/>
-                  </a:schemeClr>
-                </a:solidFill>
-              </a:rPr>
-              <a:t> Future Work</a:t>
-            </a:r>
-          </a:p>
-          <a:p>
-            <a:pPr marL="457200" indent="-457200">
-              <a:buFont typeface="+mj-lt"/>
-              <a:buAutoNum type="arabicPeriod"/>
-            </a:pPr>
-            <a:r>
-              <a:rPr lang="en-US" noProof="0" dirty="0">
-                <a:solidFill>
-                  <a:schemeClr val="bg1">
-                    <a:lumMod val="75000"/>
-                  </a:schemeClr>
-                </a:solidFill>
-              </a:rPr>
-              <a:t> Conclusion</a:t>
+              <a:t> MOAR</a:t>
             </a:r>
           </a:p>
         </p:txBody>
@@ -42365,7 +42599,7 @@
     </p:spTree>
     <p:extLst>
       <p:ext uri="{BB962C8B-B14F-4D97-AF65-F5344CB8AC3E}">
-        <p14:creationId xmlns:p14="http://schemas.microsoft.com/office/powerpoint/2010/main" val="2410371820"/>
+        <p14:creationId xmlns:p14="http://schemas.microsoft.com/office/powerpoint/2010/main" val="3349202991"/>
       </p:ext>
     </p:extLst>
   </p:cSld>
@@ -42409,7 +42643,7 @@
           <p:cNvPr id="2" name="Titel 1">
             <a:extLst>
               <a:ext uri="{FF2B5EF4-FFF2-40B4-BE49-F238E27FC236}">
-                <a16:creationId xmlns:a16="http://schemas.microsoft.com/office/drawing/2014/main" id="{88D0B7CE-4CD2-438D-92E0-6751B0EF287C}"/>
+                <a16:creationId xmlns:a16="http://schemas.microsoft.com/office/drawing/2014/main" id="{258F9DE9-7431-495F-AD93-EEA178EDD70F}"/>
               </a:ext>
             </a:extLst>
           </p:cNvPr>
@@ -42429,7 +42663,7 @@
           <a:p>
             <a:r>
               <a:rPr lang="en-US" noProof="0" dirty="0"/>
-              <a:t>4.1 Implementation</a:t>
+              <a:t>Overview</a:t>
             </a:r>
           </a:p>
         </p:txBody>
@@ -42439,7 +42673,7 @@
           <p:cNvPr id="3" name="Datumsplatzhalter 2">
             <a:extLst>
               <a:ext uri="{FF2B5EF4-FFF2-40B4-BE49-F238E27FC236}">
-                <a16:creationId xmlns:a16="http://schemas.microsoft.com/office/drawing/2014/main" id="{C7B36917-798D-4D50-A04A-E43D318403FF}"/>
+                <a16:creationId xmlns:a16="http://schemas.microsoft.com/office/drawing/2014/main" id="{000E5BF3-EE16-4A3A-9AC2-C8097A1631D5}"/>
               </a:ext>
             </a:extLst>
           </p:cNvPr>
@@ -42457,10 +42691,9 @@
           <a:p>
             <a:pPr algn="r"/>
             <a:r>
-              <a:rPr lang="de-DE" noProof="0"/>
+              <a:rPr lang="de-DE" noProof="0" dirty="0"/>
               <a:t>28.8.18</a:t>
             </a:r>
-            <a:endParaRPr lang="de-DE" noProof="0" dirty="0"/>
           </a:p>
         </p:txBody>
       </p:sp>
@@ -42469,7 +42702,7 @@
           <p:cNvPr id="4" name="Fußzeilenplatzhalter 3">
             <a:extLst>
               <a:ext uri="{FF2B5EF4-FFF2-40B4-BE49-F238E27FC236}">
-                <a16:creationId xmlns:a16="http://schemas.microsoft.com/office/drawing/2014/main" id="{949B90A7-41C4-4A2E-B048-A81DD7A38DDD}"/>
+                <a16:creationId xmlns:a16="http://schemas.microsoft.com/office/drawing/2014/main" id="{1CE74D54-9888-488A-8C5A-F53E42E541BE}"/>
               </a:ext>
             </a:extLst>
           </p:cNvPr>
@@ -42495,7 +42728,7 @@
           <p:cNvPr id="5" name="Foliennummernplatzhalter 4">
             <a:extLst>
               <a:ext uri="{FF2B5EF4-FFF2-40B4-BE49-F238E27FC236}">
-                <a16:creationId xmlns:a16="http://schemas.microsoft.com/office/drawing/2014/main" id="{B3BD31E2-4E52-439B-991A-ECEFE516756A}"/>
+                <a16:creationId xmlns:a16="http://schemas.microsoft.com/office/drawing/2014/main" id="{02087F13-7305-43B7-A46E-958A431D74B0}"/>
               </a:ext>
             </a:extLst>
           </p:cNvPr>
@@ -42512,10 +42745,9 @@
           <a:lstStyle/>
           <a:p>
             <a:r>
-              <a:rPr lang="de-DE" noProof="0"/>
+              <a:rPr lang="de-DE" noProof="0" dirty="0"/>
               <a:t>‹Nr.›</a:t>
             </a:r>
-            <a:endParaRPr lang="de-DE" noProof="0" dirty="0"/>
           </a:p>
         </p:txBody>
       </p:sp>
@@ -42524,7 +42756,7 @@
           <p:cNvPr id="6" name="Textplatzhalter 5">
             <a:extLst>
               <a:ext uri="{FF2B5EF4-FFF2-40B4-BE49-F238E27FC236}">
-                <a16:creationId xmlns:a16="http://schemas.microsoft.com/office/drawing/2014/main" id="{2191D12C-8926-4881-8427-6E7CF165A05D}"/>
+                <a16:creationId xmlns:a16="http://schemas.microsoft.com/office/drawing/2014/main" id="{CE598EF9-AE99-495E-AB14-B855EF4AB994}"/>
               </a:ext>
             </a:extLst>
           </p:cNvPr>
@@ -42540,14 +42772,133 @@
           <a:bodyPr/>
           <a:lstStyle/>
           <a:p>
-            <a:endParaRPr lang="en-US"/>
+            <a:pPr marL="457200" indent="-457200">
+              <a:buFont typeface="+mj-lt"/>
+              <a:buAutoNum type="arabicPeriod"/>
+            </a:pPr>
+            <a:r>
+              <a:rPr lang="en-US" noProof="0" dirty="0">
+                <a:solidFill>
+                  <a:schemeClr val="bg1">
+                    <a:lumMod val="75000"/>
+                  </a:schemeClr>
+                </a:solidFill>
+              </a:rPr>
+              <a:t> Introduction</a:t>
+            </a:r>
+          </a:p>
+          <a:p>
+            <a:pPr marL="457200" indent="-457200">
+              <a:buFont typeface="+mj-lt"/>
+              <a:buAutoNum type="arabicPeriod"/>
+            </a:pPr>
+            <a:r>
+              <a:rPr lang="en-US" noProof="0" dirty="0">
+                <a:solidFill>
+                  <a:schemeClr val="bg1">
+                    <a:lumMod val="75000"/>
+                  </a:schemeClr>
+                </a:solidFill>
+              </a:rPr>
+              <a:t> Background: PDR on Hardware</a:t>
+            </a:r>
+          </a:p>
+          <a:p>
+            <a:pPr marL="457200" indent="-457200">
+              <a:buFont typeface="+mj-lt"/>
+              <a:buAutoNum type="arabicPeriod"/>
+            </a:pPr>
+            <a:r>
+              <a:rPr lang="en-US" noProof="0" dirty="0">
+                <a:solidFill>
+                  <a:schemeClr val="bg1">
+                    <a:lumMod val="75000"/>
+                  </a:schemeClr>
+                </a:solidFill>
+              </a:rPr>
+              <a:t> PDR on Software</a:t>
+            </a:r>
+          </a:p>
+          <a:p>
+            <a:pPr marL="457200" indent="-457200">
+              <a:buFont typeface="+mj-lt"/>
+              <a:buAutoNum type="arabicPeriod"/>
+            </a:pPr>
+            <a:r>
+              <a:rPr lang="en-US" noProof="0" dirty="0"/>
+              <a:t> Implementation in Ultimate</a:t>
+            </a:r>
+          </a:p>
+          <a:p>
+            <a:pPr marL="457200" indent="-457200">
+              <a:buFont typeface="+mj-lt"/>
+              <a:buAutoNum type="arabicPeriod"/>
+            </a:pPr>
+            <a:r>
+              <a:rPr lang="en-US" noProof="0" dirty="0">
+                <a:solidFill>
+                  <a:schemeClr val="bg1">
+                    <a:lumMod val="75000"/>
+                  </a:schemeClr>
+                </a:solidFill>
+              </a:rPr>
+              <a:t> Evaluation</a:t>
+            </a:r>
+          </a:p>
+          <a:p>
+            <a:pPr marL="457200" indent="-457200">
+              <a:buFont typeface="+mj-lt"/>
+              <a:buAutoNum type="arabicPeriod"/>
+            </a:pPr>
+            <a:r>
+              <a:rPr lang="en-US" noProof="0" dirty="0">
+                <a:solidFill>
+                  <a:schemeClr val="bg1">
+                    <a:lumMod val="75000"/>
+                  </a:schemeClr>
+                </a:solidFill>
+              </a:rPr>
+              <a:t> Related Work</a:t>
+            </a:r>
+          </a:p>
+          <a:p>
+            <a:pPr marL="457200" indent="-457200">
+              <a:buFont typeface="+mj-lt"/>
+              <a:buAutoNum type="arabicPeriod"/>
+            </a:pPr>
+            <a:r>
+              <a:rPr lang="en-US" noProof="0" dirty="0">
+                <a:solidFill>
+                  <a:schemeClr val="bg1">
+                    <a:lumMod val="75000"/>
+                  </a:schemeClr>
+                </a:solidFill>
+              </a:rPr>
+              <a:t> Future Work</a:t>
+            </a:r>
+          </a:p>
+          <a:p>
+            <a:pPr marL="457200" indent="-457200">
+              <a:buFont typeface="+mj-lt"/>
+              <a:buAutoNum type="arabicPeriod"/>
+            </a:pPr>
+            <a:r>
+              <a:rPr lang="en-US" noProof="0" dirty="0">
+                <a:solidFill>
+                  <a:schemeClr val="bg1">
+                    <a:lumMod val="75000"/>
+                  </a:schemeClr>
+                </a:solidFill>
+              </a:rPr>
+              <a:t> Conclusion</a:t>
+            </a:r>
           </a:p>
         </p:txBody>
       </p:sp>
     </p:spTree>
     <p:extLst>
       <p:ext uri="{BB962C8B-B14F-4D97-AF65-F5344CB8AC3E}">
-        <p14:creationId xmlns:p14="http://schemas.microsoft.com/office/powerpoint/2010/main" val="1507221561"/>
+        <p14:creationId xmlns:p14="http://schemas.microsoft.com/office/powerpoint/2010/main" val="2410371820"/>
       </p:ext>
     </p:extLst>
   </p:cSld>
@@ -42591,7 +42942,7 @@
           <p:cNvPr id="2" name="Titel 1">
             <a:extLst>
               <a:ext uri="{FF2B5EF4-FFF2-40B4-BE49-F238E27FC236}">
-                <a16:creationId xmlns:a16="http://schemas.microsoft.com/office/drawing/2014/main" id="{3CBFF54C-48C4-4F8D-8151-E27884EA96C0}"/>
+                <a16:creationId xmlns:a16="http://schemas.microsoft.com/office/drawing/2014/main" id="{88D0B7CE-4CD2-438D-92E0-6751B0EF287C}"/>
               </a:ext>
             </a:extLst>
           </p:cNvPr>
@@ -42611,7 +42962,11 @@
           <a:p>
             <a:r>
               <a:rPr lang="en-US" noProof="0" dirty="0"/>
-              <a:t>4.2 Implemented Improvements</a:t>
+              <a:t>4.1 Implementation: </a:t>
+            </a:r>
+            <a:r>
+              <a:rPr lang="en-US" b="0" noProof="0" dirty="0"/>
+              <a:t>Introduction Ultimate</a:t>
             </a:r>
           </a:p>
         </p:txBody>
@@ -42621,7 +42976,7 @@
           <p:cNvPr id="3" name="Datumsplatzhalter 2">
             <a:extLst>
               <a:ext uri="{FF2B5EF4-FFF2-40B4-BE49-F238E27FC236}">
-                <a16:creationId xmlns:a16="http://schemas.microsoft.com/office/drawing/2014/main" id="{557939D5-7A33-4DBF-BBED-F7F97BCC6E53}"/>
+                <a16:creationId xmlns:a16="http://schemas.microsoft.com/office/drawing/2014/main" id="{C7B36917-798D-4D50-A04A-E43D318403FF}"/>
               </a:ext>
             </a:extLst>
           </p:cNvPr>
@@ -42651,7 +43006,7 @@
           <p:cNvPr id="4" name="Fußzeilenplatzhalter 3">
             <a:extLst>
               <a:ext uri="{FF2B5EF4-FFF2-40B4-BE49-F238E27FC236}">
-                <a16:creationId xmlns:a16="http://schemas.microsoft.com/office/drawing/2014/main" id="{0BAC5EB1-1C2E-451A-8652-3E5421D9B4BA}"/>
+                <a16:creationId xmlns:a16="http://schemas.microsoft.com/office/drawing/2014/main" id="{949B90A7-41C4-4A2E-B048-A81DD7A38DDD}"/>
               </a:ext>
             </a:extLst>
           </p:cNvPr>
@@ -42677,7 +43032,7 @@
           <p:cNvPr id="5" name="Foliennummernplatzhalter 4">
             <a:extLst>
               <a:ext uri="{FF2B5EF4-FFF2-40B4-BE49-F238E27FC236}">
-                <a16:creationId xmlns:a16="http://schemas.microsoft.com/office/drawing/2014/main" id="{A41816D8-C2EB-4746-85BA-D939F2FDDCD2}"/>
+                <a16:creationId xmlns:a16="http://schemas.microsoft.com/office/drawing/2014/main" id="{B3BD31E2-4E52-439B-991A-ECEFE516756A}"/>
               </a:ext>
             </a:extLst>
           </p:cNvPr>
@@ -42706,7 +43061,7 @@
           <p:cNvPr id="6" name="Textplatzhalter 5">
             <a:extLst>
               <a:ext uri="{FF2B5EF4-FFF2-40B4-BE49-F238E27FC236}">
-                <a16:creationId xmlns:a16="http://schemas.microsoft.com/office/drawing/2014/main" id="{35A06C42-B988-4ABE-9CBB-E9F3C605D506}"/>
+                <a16:creationId xmlns:a16="http://schemas.microsoft.com/office/drawing/2014/main" id="{2191D12C-8926-4881-8427-6E7CF165A05D}"/>
               </a:ext>
             </a:extLst>
           </p:cNvPr>
@@ -42722,14 +43077,14 @@
           <a:bodyPr/>
           <a:lstStyle/>
           <a:p>
-            <a:endParaRPr lang="en-US"/>
+            <a:endParaRPr lang="en-US" dirty="0"/>
           </a:p>
         </p:txBody>
       </p:sp>
     </p:spTree>
     <p:extLst>
       <p:ext uri="{BB962C8B-B14F-4D97-AF65-F5344CB8AC3E}">
-        <p14:creationId xmlns:p14="http://schemas.microsoft.com/office/powerpoint/2010/main" val="2887651881"/>
+        <p14:creationId xmlns:p14="http://schemas.microsoft.com/office/powerpoint/2010/main" val="1507221561"/>
       </p:ext>
     </p:extLst>
   </p:cSld>
@@ -42773,7 +43128,7 @@
           <p:cNvPr id="2" name="Titel 1">
             <a:extLst>
               <a:ext uri="{FF2B5EF4-FFF2-40B4-BE49-F238E27FC236}">
-                <a16:creationId xmlns:a16="http://schemas.microsoft.com/office/drawing/2014/main" id="{258F9DE9-7431-495F-AD93-EEA178EDD70F}"/>
+                <a16:creationId xmlns:a16="http://schemas.microsoft.com/office/drawing/2014/main" id="{9F42E920-AC9A-4256-B3E1-71C6A427C1B3}"/>
               </a:ext>
             </a:extLst>
           </p:cNvPr>
@@ -42792,9 +43147,18 @@
           <a:lstStyle/>
           <a:p>
             <a:r>
-              <a:rPr lang="en-US" noProof="0" dirty="0"/>
-              <a:t>Overview</a:t>
-            </a:r>
+              <a:rPr lang="en-US" dirty="0"/>
+              <a:t>4.2 Implementation</a:t>
+            </a:r>
+            <a:r>
+              <a:rPr lang="en-US"/>
+              <a:t>: </a:t>
+            </a:r>
+            <a:r>
+              <a:rPr lang="en-US" b="0"/>
+              <a:t>CEGAR-Scheme with PDR</a:t>
+            </a:r>
+            <a:endParaRPr lang="en-US" b="0" dirty="0"/>
           </a:p>
         </p:txBody>
       </p:sp>
@@ -42803,7 +43167,7 @@
           <p:cNvPr id="3" name="Datumsplatzhalter 2">
             <a:extLst>
               <a:ext uri="{FF2B5EF4-FFF2-40B4-BE49-F238E27FC236}">
-                <a16:creationId xmlns:a16="http://schemas.microsoft.com/office/drawing/2014/main" id="{000E5BF3-EE16-4A3A-9AC2-C8097A1631D5}"/>
+                <a16:creationId xmlns:a16="http://schemas.microsoft.com/office/drawing/2014/main" id="{68CE9DEE-17CA-493D-9EDD-BAE209ABC3B9}"/>
               </a:ext>
             </a:extLst>
           </p:cNvPr>
@@ -42821,9 +43185,10 @@
           <a:p>
             <a:pPr algn="r"/>
             <a:r>
-              <a:rPr lang="de-DE" noProof="0" dirty="0"/>
+              <a:rPr lang="de-DE" noProof="0"/>
               <a:t>28.8.18</a:t>
             </a:r>
+            <a:endParaRPr lang="de-DE" noProof="0" dirty="0"/>
           </a:p>
         </p:txBody>
       </p:sp>
@@ -42832,7 +43197,7 @@
           <p:cNvPr id="4" name="Fußzeilenplatzhalter 3">
             <a:extLst>
               <a:ext uri="{FF2B5EF4-FFF2-40B4-BE49-F238E27FC236}">
-                <a16:creationId xmlns:a16="http://schemas.microsoft.com/office/drawing/2014/main" id="{1CE74D54-9888-488A-8C5A-F53E42E541BE}"/>
+                <a16:creationId xmlns:a16="http://schemas.microsoft.com/office/drawing/2014/main" id="{AEE5266B-F79D-4A3B-9C6C-8858096D54E0}"/>
               </a:ext>
             </a:extLst>
           </p:cNvPr>
@@ -42858,7 +43223,7 @@
           <p:cNvPr id="5" name="Foliennummernplatzhalter 4">
             <a:extLst>
               <a:ext uri="{FF2B5EF4-FFF2-40B4-BE49-F238E27FC236}">
-                <a16:creationId xmlns:a16="http://schemas.microsoft.com/office/drawing/2014/main" id="{02087F13-7305-43B7-A46E-958A431D74B0}"/>
+                <a16:creationId xmlns:a16="http://schemas.microsoft.com/office/drawing/2014/main" id="{5AF191A9-A3F7-492D-A956-ACC61DE4923C}"/>
               </a:ext>
             </a:extLst>
           </p:cNvPr>
@@ -42875,9 +43240,10 @@
           <a:lstStyle/>
           <a:p>
             <a:r>
-              <a:rPr lang="de-DE" noProof="0" dirty="0"/>
+              <a:rPr lang="de-DE" noProof="0"/>
               <a:t>‹Nr.›</a:t>
             </a:r>
+            <a:endParaRPr lang="de-DE" noProof="0" dirty="0"/>
           </a:p>
         </p:txBody>
       </p:sp>
@@ -42886,7 +43252,7 @@
           <p:cNvPr id="6" name="Textplatzhalter 5">
             <a:extLst>
               <a:ext uri="{FF2B5EF4-FFF2-40B4-BE49-F238E27FC236}">
-                <a16:creationId xmlns:a16="http://schemas.microsoft.com/office/drawing/2014/main" id="{CE598EF9-AE99-495E-AB14-B855EF4AB994}"/>
+                <a16:creationId xmlns:a16="http://schemas.microsoft.com/office/drawing/2014/main" id="{5721DC57-3F82-405E-9B8F-0C93742049F6}"/>
               </a:ext>
             </a:extLst>
           </p:cNvPr>
@@ -42902,143 +43268,14 @@
           <a:bodyPr/>
           <a:lstStyle/>
           <a:p>
-            <a:pPr marL="457200" indent="-457200">
-              <a:buFont typeface="+mj-lt"/>
-              <a:buAutoNum type="arabicPeriod"/>
-            </a:pPr>
-            <a:r>
-              <a:rPr lang="en-US" noProof="0" dirty="0">
-                <a:solidFill>
-                  <a:schemeClr val="bg1">
-                    <a:lumMod val="75000"/>
-                  </a:schemeClr>
-                </a:solidFill>
-              </a:rPr>
-              <a:t> Introduction</a:t>
-            </a:r>
-          </a:p>
-          <a:p>
-            <a:pPr marL="457200" indent="-457200">
-              <a:buFont typeface="+mj-lt"/>
-              <a:buAutoNum type="arabicPeriod"/>
-            </a:pPr>
-            <a:r>
-              <a:rPr lang="en-US" noProof="0" dirty="0">
-                <a:solidFill>
-                  <a:schemeClr val="bg1">
-                    <a:lumMod val="75000"/>
-                  </a:schemeClr>
-                </a:solidFill>
-              </a:rPr>
-              <a:t> Background: PDR on Hardware</a:t>
-            </a:r>
-          </a:p>
-          <a:p>
-            <a:pPr marL="457200" indent="-457200">
-              <a:buFont typeface="+mj-lt"/>
-              <a:buAutoNum type="arabicPeriod"/>
-            </a:pPr>
-            <a:r>
-              <a:rPr lang="en-US" noProof="0" dirty="0">
-                <a:solidFill>
-                  <a:schemeClr val="bg1">
-                    <a:lumMod val="75000"/>
-                  </a:schemeClr>
-                </a:solidFill>
-              </a:rPr>
-              <a:t> PDR on Software</a:t>
-            </a:r>
-          </a:p>
-          <a:p>
-            <a:pPr marL="457200" indent="-457200">
-              <a:buFont typeface="+mj-lt"/>
-              <a:buAutoNum type="arabicPeriod"/>
-            </a:pPr>
-            <a:r>
-              <a:rPr lang="en-US" noProof="0" dirty="0">
-                <a:solidFill>
-                  <a:schemeClr val="bg1">
-                    <a:lumMod val="75000"/>
-                  </a:schemeClr>
-                </a:solidFill>
-              </a:rPr>
-              <a:t> Implementation in Ultimate</a:t>
-            </a:r>
-          </a:p>
-          <a:p>
-            <a:pPr marL="457200" indent="-457200">
-              <a:buFont typeface="+mj-lt"/>
-              <a:buAutoNum type="arabicPeriod"/>
-            </a:pPr>
-            <a:r>
-              <a:rPr lang="en-US" noProof="0" dirty="0">
-                <a:solidFill>
-                  <a:schemeClr val="bg1">
-                    <a:lumMod val="75000"/>
-                  </a:schemeClr>
-                </a:solidFill>
-              </a:rPr>
-              <a:t> </a:t>
-            </a:r>
-            <a:r>
-              <a:rPr lang="en-US" noProof="0" dirty="0"/>
-              <a:t>Evaluation</a:t>
-            </a:r>
-          </a:p>
-          <a:p>
-            <a:pPr marL="457200" indent="-457200">
-              <a:buFont typeface="+mj-lt"/>
-              <a:buAutoNum type="arabicPeriod"/>
-            </a:pPr>
-            <a:r>
-              <a:rPr lang="en-US" noProof="0" dirty="0">
-                <a:solidFill>
-                  <a:schemeClr val="bg1">
-                    <a:lumMod val="75000"/>
-                  </a:schemeClr>
-                </a:solidFill>
-              </a:rPr>
-              <a:t> Related Work</a:t>
-            </a:r>
-          </a:p>
-          <a:p>
-            <a:pPr marL="457200" indent="-457200">
-              <a:buFont typeface="+mj-lt"/>
-              <a:buAutoNum type="arabicPeriod"/>
-            </a:pPr>
-            <a:r>
-              <a:rPr lang="en-US" noProof="0" dirty="0">
-                <a:solidFill>
-                  <a:schemeClr val="bg1">
-                    <a:lumMod val="75000"/>
-                  </a:schemeClr>
-                </a:solidFill>
-              </a:rPr>
-              <a:t> Future Work</a:t>
-            </a:r>
-          </a:p>
-          <a:p>
-            <a:pPr marL="457200" indent="-457200">
-              <a:buFont typeface="+mj-lt"/>
-              <a:buAutoNum type="arabicPeriod"/>
-            </a:pPr>
-            <a:r>
-              <a:rPr lang="en-US" noProof="0" dirty="0">
-                <a:solidFill>
-                  <a:schemeClr val="bg1">
-                    <a:lumMod val="75000"/>
-                  </a:schemeClr>
-                </a:solidFill>
-              </a:rPr>
-              <a:t> Conclusion</a:t>
-            </a:r>
+            <a:endParaRPr lang="en-US"/>
           </a:p>
         </p:txBody>
       </p:sp>
     </p:spTree>
     <p:extLst>
       <p:ext uri="{BB962C8B-B14F-4D97-AF65-F5344CB8AC3E}">
-        <p14:creationId xmlns:p14="http://schemas.microsoft.com/office/powerpoint/2010/main" val="2952575237"/>
+        <p14:creationId xmlns:p14="http://schemas.microsoft.com/office/powerpoint/2010/main" val="1608415498"/>
       </p:ext>
     </p:extLst>
   </p:cSld>
@@ -43391,7 +43628,7 @@
           <p:cNvPr id="2" name="Titel 1">
             <a:extLst>
               <a:ext uri="{FF2B5EF4-FFF2-40B4-BE49-F238E27FC236}">
-                <a16:creationId xmlns:a16="http://schemas.microsoft.com/office/drawing/2014/main" id="{639A182A-104F-4CC0-9E89-7EFB1328271A}"/>
+                <a16:creationId xmlns:a16="http://schemas.microsoft.com/office/drawing/2014/main" id="{3CBFF54C-48C4-4F8D-8151-E27884EA96C0}"/>
               </a:ext>
             </a:extLst>
           </p:cNvPr>
@@ -43411,7 +43648,7 @@
           <a:p>
             <a:r>
               <a:rPr lang="en-US" noProof="0" dirty="0"/>
-              <a:t>5.1 Data Comparison</a:t>
+              <a:t>4.3 Implemented Improvements</a:t>
             </a:r>
           </a:p>
         </p:txBody>
@@ -43421,7 +43658,7 @@
           <p:cNvPr id="3" name="Datumsplatzhalter 2">
             <a:extLst>
               <a:ext uri="{FF2B5EF4-FFF2-40B4-BE49-F238E27FC236}">
-                <a16:creationId xmlns:a16="http://schemas.microsoft.com/office/drawing/2014/main" id="{38DA099B-00E8-449D-B871-86766CFA446E}"/>
+                <a16:creationId xmlns:a16="http://schemas.microsoft.com/office/drawing/2014/main" id="{557939D5-7A33-4DBF-BBED-F7F97BCC6E53}"/>
               </a:ext>
             </a:extLst>
           </p:cNvPr>
@@ -43451,7 +43688,7 @@
           <p:cNvPr id="4" name="Fußzeilenplatzhalter 3">
             <a:extLst>
               <a:ext uri="{FF2B5EF4-FFF2-40B4-BE49-F238E27FC236}">
-                <a16:creationId xmlns:a16="http://schemas.microsoft.com/office/drawing/2014/main" id="{706E8142-9589-473D-B581-D5BC63DF8A77}"/>
+                <a16:creationId xmlns:a16="http://schemas.microsoft.com/office/drawing/2014/main" id="{0BAC5EB1-1C2E-451A-8652-3E5421D9B4BA}"/>
               </a:ext>
             </a:extLst>
           </p:cNvPr>
@@ -43477,7 +43714,7 @@
           <p:cNvPr id="5" name="Foliennummernplatzhalter 4">
             <a:extLst>
               <a:ext uri="{FF2B5EF4-FFF2-40B4-BE49-F238E27FC236}">
-                <a16:creationId xmlns:a16="http://schemas.microsoft.com/office/drawing/2014/main" id="{0A371862-6B97-4798-B16D-2C82B0C13127}"/>
+                <a16:creationId xmlns:a16="http://schemas.microsoft.com/office/drawing/2014/main" id="{A41816D8-C2EB-4746-85BA-D939F2FDDCD2}"/>
               </a:ext>
             </a:extLst>
           </p:cNvPr>
@@ -43506,7 +43743,7 @@
           <p:cNvPr id="6" name="Textplatzhalter 5">
             <a:extLst>
               <a:ext uri="{FF2B5EF4-FFF2-40B4-BE49-F238E27FC236}">
-                <a16:creationId xmlns:a16="http://schemas.microsoft.com/office/drawing/2014/main" id="{AD3A6B2E-4C90-4ACC-81E7-EE9E7F1B3B01}"/>
+                <a16:creationId xmlns:a16="http://schemas.microsoft.com/office/drawing/2014/main" id="{35A06C42-B988-4ABE-9CBB-E9F3C605D506}"/>
               </a:ext>
             </a:extLst>
           </p:cNvPr>
@@ -43522,14 +43759,14 @@
           <a:bodyPr/>
           <a:lstStyle/>
           <a:p>
-            <a:endParaRPr lang="en-US" dirty="0"/>
+            <a:endParaRPr lang="en-US"/>
           </a:p>
         </p:txBody>
       </p:sp>
     </p:spTree>
     <p:extLst>
       <p:ext uri="{BB962C8B-B14F-4D97-AF65-F5344CB8AC3E}">
-        <p14:creationId xmlns:p14="http://schemas.microsoft.com/office/powerpoint/2010/main" val="3415860571"/>
+        <p14:creationId xmlns:p14="http://schemas.microsoft.com/office/powerpoint/2010/main" val="2887651881"/>
       </p:ext>
     </p:extLst>
   </p:cSld>
@@ -43573,7 +43810,7 @@
           <p:cNvPr id="2" name="Titel 1">
             <a:extLst>
               <a:ext uri="{FF2B5EF4-FFF2-40B4-BE49-F238E27FC236}">
-                <a16:creationId xmlns:a16="http://schemas.microsoft.com/office/drawing/2014/main" id="{639A182A-104F-4CC0-9E89-7EFB1328271A}"/>
+                <a16:creationId xmlns:a16="http://schemas.microsoft.com/office/drawing/2014/main" id="{258F9DE9-7431-495F-AD93-EEA178EDD70F}"/>
               </a:ext>
             </a:extLst>
           </p:cNvPr>
@@ -43593,7 +43830,7 @@
           <a:p>
             <a:r>
               <a:rPr lang="en-US" noProof="0" dirty="0"/>
-              <a:t>5.2 Discussion</a:t>
+              <a:t>Overview</a:t>
             </a:r>
           </a:p>
         </p:txBody>
@@ -43603,7 +43840,7 @@
           <p:cNvPr id="3" name="Datumsplatzhalter 2">
             <a:extLst>
               <a:ext uri="{FF2B5EF4-FFF2-40B4-BE49-F238E27FC236}">
-                <a16:creationId xmlns:a16="http://schemas.microsoft.com/office/drawing/2014/main" id="{38DA099B-00E8-449D-B871-86766CFA446E}"/>
+                <a16:creationId xmlns:a16="http://schemas.microsoft.com/office/drawing/2014/main" id="{000E5BF3-EE16-4A3A-9AC2-C8097A1631D5}"/>
               </a:ext>
             </a:extLst>
           </p:cNvPr>
@@ -43621,10 +43858,9 @@
           <a:p>
             <a:pPr algn="r"/>
             <a:r>
-              <a:rPr lang="de-DE" noProof="0"/>
+              <a:rPr lang="de-DE" noProof="0" dirty="0"/>
               <a:t>28.8.18</a:t>
             </a:r>
-            <a:endParaRPr lang="de-DE" noProof="0" dirty="0"/>
           </a:p>
         </p:txBody>
       </p:sp>
@@ -43633,7 +43869,7 @@
           <p:cNvPr id="4" name="Fußzeilenplatzhalter 3">
             <a:extLst>
               <a:ext uri="{FF2B5EF4-FFF2-40B4-BE49-F238E27FC236}">
-                <a16:creationId xmlns:a16="http://schemas.microsoft.com/office/drawing/2014/main" id="{706E8142-9589-473D-B581-D5BC63DF8A77}"/>
+                <a16:creationId xmlns:a16="http://schemas.microsoft.com/office/drawing/2014/main" id="{1CE74D54-9888-488A-8C5A-F53E42E541BE}"/>
               </a:ext>
             </a:extLst>
           </p:cNvPr>
@@ -43659,7 +43895,7 @@
           <p:cNvPr id="5" name="Foliennummernplatzhalter 4">
             <a:extLst>
               <a:ext uri="{FF2B5EF4-FFF2-40B4-BE49-F238E27FC236}">
-                <a16:creationId xmlns:a16="http://schemas.microsoft.com/office/drawing/2014/main" id="{0A371862-6B97-4798-B16D-2C82B0C13127}"/>
+                <a16:creationId xmlns:a16="http://schemas.microsoft.com/office/drawing/2014/main" id="{02087F13-7305-43B7-A46E-958A431D74B0}"/>
               </a:ext>
             </a:extLst>
           </p:cNvPr>
@@ -43676,10 +43912,9 @@
           <a:lstStyle/>
           <a:p>
             <a:r>
-              <a:rPr lang="de-DE" noProof="0"/>
+              <a:rPr lang="de-DE" noProof="0" dirty="0"/>
               <a:t>‹Nr.›</a:t>
             </a:r>
-            <a:endParaRPr lang="de-DE" noProof="0" dirty="0"/>
           </a:p>
         </p:txBody>
       </p:sp>
@@ -43688,7 +43923,7 @@
           <p:cNvPr id="6" name="Textplatzhalter 5">
             <a:extLst>
               <a:ext uri="{FF2B5EF4-FFF2-40B4-BE49-F238E27FC236}">
-                <a16:creationId xmlns:a16="http://schemas.microsoft.com/office/drawing/2014/main" id="{AD3A6B2E-4C90-4ACC-81E7-EE9E7F1B3B01}"/>
+                <a16:creationId xmlns:a16="http://schemas.microsoft.com/office/drawing/2014/main" id="{CE598EF9-AE99-495E-AB14-B855EF4AB994}"/>
               </a:ext>
             </a:extLst>
           </p:cNvPr>
@@ -43704,14 +43939,143 @@
           <a:bodyPr/>
           <a:lstStyle/>
           <a:p>
-            <a:endParaRPr lang="en-US"/>
+            <a:pPr marL="457200" indent="-457200">
+              <a:buFont typeface="+mj-lt"/>
+              <a:buAutoNum type="arabicPeriod"/>
+            </a:pPr>
+            <a:r>
+              <a:rPr lang="en-US" noProof="0" dirty="0">
+                <a:solidFill>
+                  <a:schemeClr val="bg1">
+                    <a:lumMod val="75000"/>
+                  </a:schemeClr>
+                </a:solidFill>
+              </a:rPr>
+              <a:t> Introduction</a:t>
+            </a:r>
+          </a:p>
+          <a:p>
+            <a:pPr marL="457200" indent="-457200">
+              <a:buFont typeface="+mj-lt"/>
+              <a:buAutoNum type="arabicPeriod"/>
+            </a:pPr>
+            <a:r>
+              <a:rPr lang="en-US" noProof="0" dirty="0">
+                <a:solidFill>
+                  <a:schemeClr val="bg1">
+                    <a:lumMod val="75000"/>
+                  </a:schemeClr>
+                </a:solidFill>
+              </a:rPr>
+              <a:t> Background: PDR on Hardware</a:t>
+            </a:r>
+          </a:p>
+          <a:p>
+            <a:pPr marL="457200" indent="-457200">
+              <a:buFont typeface="+mj-lt"/>
+              <a:buAutoNum type="arabicPeriod"/>
+            </a:pPr>
+            <a:r>
+              <a:rPr lang="en-US" noProof="0" dirty="0">
+                <a:solidFill>
+                  <a:schemeClr val="bg1">
+                    <a:lumMod val="75000"/>
+                  </a:schemeClr>
+                </a:solidFill>
+              </a:rPr>
+              <a:t> PDR on Software</a:t>
+            </a:r>
+          </a:p>
+          <a:p>
+            <a:pPr marL="457200" indent="-457200">
+              <a:buFont typeface="+mj-lt"/>
+              <a:buAutoNum type="arabicPeriod"/>
+            </a:pPr>
+            <a:r>
+              <a:rPr lang="en-US" noProof="0" dirty="0">
+                <a:solidFill>
+                  <a:schemeClr val="bg1">
+                    <a:lumMod val="75000"/>
+                  </a:schemeClr>
+                </a:solidFill>
+              </a:rPr>
+              <a:t> Implementation in Ultimate</a:t>
+            </a:r>
+          </a:p>
+          <a:p>
+            <a:pPr marL="457200" indent="-457200">
+              <a:buFont typeface="+mj-lt"/>
+              <a:buAutoNum type="arabicPeriod"/>
+            </a:pPr>
+            <a:r>
+              <a:rPr lang="en-US" noProof="0" dirty="0">
+                <a:solidFill>
+                  <a:schemeClr val="bg1">
+                    <a:lumMod val="75000"/>
+                  </a:schemeClr>
+                </a:solidFill>
+              </a:rPr>
+              <a:t> </a:t>
+            </a:r>
+            <a:r>
+              <a:rPr lang="en-US" noProof="0" dirty="0"/>
+              <a:t>Evaluation</a:t>
+            </a:r>
+          </a:p>
+          <a:p>
+            <a:pPr marL="457200" indent="-457200">
+              <a:buFont typeface="+mj-lt"/>
+              <a:buAutoNum type="arabicPeriod"/>
+            </a:pPr>
+            <a:r>
+              <a:rPr lang="en-US" noProof="0" dirty="0">
+                <a:solidFill>
+                  <a:schemeClr val="bg1">
+                    <a:lumMod val="75000"/>
+                  </a:schemeClr>
+                </a:solidFill>
+              </a:rPr>
+              <a:t> Related Work</a:t>
+            </a:r>
+          </a:p>
+          <a:p>
+            <a:pPr marL="457200" indent="-457200">
+              <a:buFont typeface="+mj-lt"/>
+              <a:buAutoNum type="arabicPeriod"/>
+            </a:pPr>
+            <a:r>
+              <a:rPr lang="en-US" noProof="0" dirty="0">
+                <a:solidFill>
+                  <a:schemeClr val="bg1">
+                    <a:lumMod val="75000"/>
+                  </a:schemeClr>
+                </a:solidFill>
+              </a:rPr>
+              <a:t> Future Work</a:t>
+            </a:r>
+          </a:p>
+          <a:p>
+            <a:pPr marL="457200" indent="-457200">
+              <a:buFont typeface="+mj-lt"/>
+              <a:buAutoNum type="arabicPeriod"/>
+            </a:pPr>
+            <a:r>
+              <a:rPr lang="en-US" noProof="0" dirty="0">
+                <a:solidFill>
+                  <a:schemeClr val="bg1">
+                    <a:lumMod val="75000"/>
+                  </a:schemeClr>
+                </a:solidFill>
+              </a:rPr>
+              <a:t> Conclusion</a:t>
+            </a:r>
           </a:p>
         </p:txBody>
       </p:sp>
     </p:spTree>
     <p:extLst>
       <p:ext uri="{BB962C8B-B14F-4D97-AF65-F5344CB8AC3E}">
-        <p14:creationId xmlns:p14="http://schemas.microsoft.com/office/powerpoint/2010/main" val="3006478507"/>
+        <p14:creationId xmlns:p14="http://schemas.microsoft.com/office/powerpoint/2010/main" val="2952575237"/>
       </p:ext>
     </p:extLst>
   </p:cSld>
@@ -43755,7 +44119,7 @@
           <p:cNvPr id="2" name="Titel 1">
             <a:extLst>
               <a:ext uri="{FF2B5EF4-FFF2-40B4-BE49-F238E27FC236}">
-                <a16:creationId xmlns:a16="http://schemas.microsoft.com/office/drawing/2014/main" id="{258F9DE9-7431-495F-AD93-EEA178EDD70F}"/>
+                <a16:creationId xmlns:a16="http://schemas.microsoft.com/office/drawing/2014/main" id="{639A182A-104F-4CC0-9E89-7EFB1328271A}"/>
               </a:ext>
             </a:extLst>
           </p:cNvPr>
@@ -43775,7 +44139,7 @@
           <a:p>
             <a:r>
               <a:rPr lang="en-US" noProof="0" dirty="0"/>
-              <a:t>Overview</a:t>
+              <a:t>5.1 Data Comparison</a:t>
             </a:r>
           </a:p>
         </p:txBody>
@@ -43785,7 +44149,7 @@
           <p:cNvPr id="3" name="Datumsplatzhalter 2">
             <a:extLst>
               <a:ext uri="{FF2B5EF4-FFF2-40B4-BE49-F238E27FC236}">
-                <a16:creationId xmlns:a16="http://schemas.microsoft.com/office/drawing/2014/main" id="{000E5BF3-EE16-4A3A-9AC2-C8097A1631D5}"/>
+                <a16:creationId xmlns:a16="http://schemas.microsoft.com/office/drawing/2014/main" id="{38DA099B-00E8-449D-B871-86766CFA446E}"/>
               </a:ext>
             </a:extLst>
           </p:cNvPr>
@@ -43803,9 +44167,10 @@
           <a:p>
             <a:pPr algn="r"/>
             <a:r>
-              <a:rPr lang="de-DE" noProof="0" dirty="0"/>
+              <a:rPr lang="de-DE" noProof="0"/>
               <a:t>28.8.18</a:t>
             </a:r>
+            <a:endParaRPr lang="de-DE" noProof="0" dirty="0"/>
           </a:p>
         </p:txBody>
       </p:sp>
@@ -43814,7 +44179,7 @@
           <p:cNvPr id="4" name="Fußzeilenplatzhalter 3">
             <a:extLst>
               <a:ext uri="{FF2B5EF4-FFF2-40B4-BE49-F238E27FC236}">
-                <a16:creationId xmlns:a16="http://schemas.microsoft.com/office/drawing/2014/main" id="{1CE74D54-9888-488A-8C5A-F53E42E541BE}"/>
+                <a16:creationId xmlns:a16="http://schemas.microsoft.com/office/drawing/2014/main" id="{706E8142-9589-473D-B581-D5BC63DF8A77}"/>
               </a:ext>
             </a:extLst>
           </p:cNvPr>
@@ -43840,7 +44205,7 @@
           <p:cNvPr id="5" name="Foliennummernplatzhalter 4">
             <a:extLst>
               <a:ext uri="{FF2B5EF4-FFF2-40B4-BE49-F238E27FC236}">
-                <a16:creationId xmlns:a16="http://schemas.microsoft.com/office/drawing/2014/main" id="{02087F13-7305-43B7-A46E-958A431D74B0}"/>
+                <a16:creationId xmlns:a16="http://schemas.microsoft.com/office/drawing/2014/main" id="{0A371862-6B97-4798-B16D-2C82B0C13127}"/>
               </a:ext>
             </a:extLst>
           </p:cNvPr>
@@ -43857,9 +44222,10 @@
           <a:lstStyle/>
           <a:p>
             <a:r>
-              <a:rPr lang="de-DE" noProof="0" dirty="0"/>
+              <a:rPr lang="de-DE" noProof="0"/>
               <a:t>‹Nr.›</a:t>
             </a:r>
+            <a:endParaRPr lang="de-DE" noProof="0" dirty="0"/>
           </a:p>
         </p:txBody>
       </p:sp>
@@ -43868,7 +44234,7 @@
           <p:cNvPr id="6" name="Textplatzhalter 5">
             <a:extLst>
               <a:ext uri="{FF2B5EF4-FFF2-40B4-BE49-F238E27FC236}">
-                <a16:creationId xmlns:a16="http://schemas.microsoft.com/office/drawing/2014/main" id="{CE598EF9-AE99-495E-AB14-B855EF4AB994}"/>
+                <a16:creationId xmlns:a16="http://schemas.microsoft.com/office/drawing/2014/main" id="{AD3A6B2E-4C90-4ACC-81E7-EE9E7F1B3B01}"/>
               </a:ext>
             </a:extLst>
           </p:cNvPr>
@@ -43884,133 +44250,14 @@
           <a:bodyPr/>
           <a:lstStyle/>
           <a:p>
-            <a:pPr marL="457200" indent="-457200">
-              <a:buFont typeface="+mj-lt"/>
-              <a:buAutoNum type="arabicPeriod"/>
-            </a:pPr>
-            <a:r>
-              <a:rPr lang="en-US" noProof="0" dirty="0">
-                <a:solidFill>
-                  <a:schemeClr val="bg1">
-                    <a:lumMod val="75000"/>
-                  </a:schemeClr>
-                </a:solidFill>
-              </a:rPr>
-              <a:t> Introduction</a:t>
-            </a:r>
-          </a:p>
-          <a:p>
-            <a:pPr marL="457200" indent="-457200">
-              <a:buFont typeface="+mj-lt"/>
-              <a:buAutoNum type="arabicPeriod"/>
-            </a:pPr>
-            <a:r>
-              <a:rPr lang="en-US" noProof="0" dirty="0">
-                <a:solidFill>
-                  <a:schemeClr val="bg1">
-                    <a:lumMod val="75000"/>
-                  </a:schemeClr>
-                </a:solidFill>
-              </a:rPr>
-              <a:t> Background: PDR on Hardware</a:t>
-            </a:r>
-          </a:p>
-          <a:p>
-            <a:pPr marL="457200" indent="-457200">
-              <a:buFont typeface="+mj-lt"/>
-              <a:buAutoNum type="arabicPeriod"/>
-            </a:pPr>
-            <a:r>
-              <a:rPr lang="en-US" noProof="0" dirty="0">
-                <a:solidFill>
-                  <a:schemeClr val="bg1">
-                    <a:lumMod val="75000"/>
-                  </a:schemeClr>
-                </a:solidFill>
-              </a:rPr>
-              <a:t> PDR on Software</a:t>
-            </a:r>
-          </a:p>
-          <a:p>
-            <a:pPr marL="457200" indent="-457200">
-              <a:buFont typeface="+mj-lt"/>
-              <a:buAutoNum type="arabicPeriod"/>
-            </a:pPr>
-            <a:r>
-              <a:rPr lang="en-US" noProof="0" dirty="0">
-                <a:solidFill>
-                  <a:schemeClr val="bg1">
-                    <a:lumMod val="75000"/>
-                  </a:schemeClr>
-                </a:solidFill>
-              </a:rPr>
-              <a:t> Implementation in Ultimate</a:t>
-            </a:r>
-          </a:p>
-          <a:p>
-            <a:pPr marL="457200" indent="-457200">
-              <a:buFont typeface="+mj-lt"/>
-              <a:buAutoNum type="arabicPeriod"/>
-            </a:pPr>
-            <a:r>
-              <a:rPr lang="en-US" noProof="0" dirty="0">
-                <a:solidFill>
-                  <a:schemeClr val="bg1">
-                    <a:lumMod val="75000"/>
-                  </a:schemeClr>
-                </a:solidFill>
-              </a:rPr>
-              <a:t> Evaluation</a:t>
-            </a:r>
-          </a:p>
-          <a:p>
-            <a:pPr marL="457200" indent="-457200">
-              <a:buFont typeface="+mj-lt"/>
-              <a:buAutoNum type="arabicPeriod"/>
-            </a:pPr>
-            <a:r>
-              <a:rPr lang="en-US" noProof="0" dirty="0"/>
-              <a:t> Related Work</a:t>
-            </a:r>
-          </a:p>
-          <a:p>
-            <a:pPr marL="457200" indent="-457200">
-              <a:buFont typeface="+mj-lt"/>
-              <a:buAutoNum type="arabicPeriod"/>
-            </a:pPr>
-            <a:r>
-              <a:rPr lang="en-US" noProof="0" dirty="0">
-                <a:solidFill>
-                  <a:schemeClr val="bg1">
-                    <a:lumMod val="75000"/>
-                  </a:schemeClr>
-                </a:solidFill>
-              </a:rPr>
-              <a:t> Future Work</a:t>
-            </a:r>
-          </a:p>
-          <a:p>
-            <a:pPr marL="457200" indent="-457200">
-              <a:buFont typeface="+mj-lt"/>
-              <a:buAutoNum type="arabicPeriod"/>
-            </a:pPr>
-            <a:r>
-              <a:rPr lang="en-US" noProof="0" dirty="0">
-                <a:solidFill>
-                  <a:schemeClr val="bg1">
-                    <a:lumMod val="75000"/>
-                  </a:schemeClr>
-                </a:solidFill>
-              </a:rPr>
-              <a:t> Conclusion</a:t>
-            </a:r>
+            <a:endParaRPr lang="en-US" dirty="0"/>
           </a:p>
         </p:txBody>
       </p:sp>
     </p:spTree>
     <p:extLst>
       <p:ext uri="{BB962C8B-B14F-4D97-AF65-F5344CB8AC3E}">
-        <p14:creationId xmlns:p14="http://schemas.microsoft.com/office/powerpoint/2010/main" val="371221840"/>
+        <p14:creationId xmlns:p14="http://schemas.microsoft.com/office/powerpoint/2010/main" val="3415860571"/>
       </p:ext>
     </p:extLst>
   </p:cSld>
@@ -44054,7 +44301,7 @@
           <p:cNvPr id="2" name="Titel 1">
             <a:extLst>
               <a:ext uri="{FF2B5EF4-FFF2-40B4-BE49-F238E27FC236}">
-                <a16:creationId xmlns:a16="http://schemas.microsoft.com/office/drawing/2014/main" id="{D8764DBC-B712-48E9-93A7-926F17740E4A}"/>
+                <a16:creationId xmlns:a16="http://schemas.microsoft.com/office/drawing/2014/main" id="{639A182A-104F-4CC0-9E89-7EFB1328271A}"/>
               </a:ext>
             </a:extLst>
           </p:cNvPr>
@@ -44074,7 +44321,7 @@
           <a:p>
             <a:r>
               <a:rPr lang="en-US" noProof="0" dirty="0"/>
-              <a:t>6. Related Work</a:t>
+              <a:t>5.2 Discussion</a:t>
             </a:r>
           </a:p>
         </p:txBody>
@@ -44084,7 +44331,7 @@
           <p:cNvPr id="3" name="Datumsplatzhalter 2">
             <a:extLst>
               <a:ext uri="{FF2B5EF4-FFF2-40B4-BE49-F238E27FC236}">
-                <a16:creationId xmlns:a16="http://schemas.microsoft.com/office/drawing/2014/main" id="{B4DC9AE1-56AD-42B8-830D-FDA82C17FACE}"/>
+                <a16:creationId xmlns:a16="http://schemas.microsoft.com/office/drawing/2014/main" id="{38DA099B-00E8-449D-B871-86766CFA446E}"/>
               </a:ext>
             </a:extLst>
           </p:cNvPr>
@@ -44114,7 +44361,7 @@
           <p:cNvPr id="4" name="Fußzeilenplatzhalter 3">
             <a:extLst>
               <a:ext uri="{FF2B5EF4-FFF2-40B4-BE49-F238E27FC236}">
-                <a16:creationId xmlns:a16="http://schemas.microsoft.com/office/drawing/2014/main" id="{08DD6017-78C2-4FC8-BD43-1619E5A77B09}"/>
+                <a16:creationId xmlns:a16="http://schemas.microsoft.com/office/drawing/2014/main" id="{706E8142-9589-473D-B581-D5BC63DF8A77}"/>
               </a:ext>
             </a:extLst>
           </p:cNvPr>
@@ -44140,7 +44387,7 @@
           <p:cNvPr id="5" name="Foliennummernplatzhalter 4">
             <a:extLst>
               <a:ext uri="{FF2B5EF4-FFF2-40B4-BE49-F238E27FC236}">
-                <a16:creationId xmlns:a16="http://schemas.microsoft.com/office/drawing/2014/main" id="{60D445DA-54CD-4D61-AC48-0C699153EAE6}"/>
+                <a16:creationId xmlns:a16="http://schemas.microsoft.com/office/drawing/2014/main" id="{0A371862-6B97-4798-B16D-2C82B0C13127}"/>
               </a:ext>
             </a:extLst>
           </p:cNvPr>
@@ -44169,7 +44416,7 @@
           <p:cNvPr id="6" name="Textplatzhalter 5">
             <a:extLst>
               <a:ext uri="{FF2B5EF4-FFF2-40B4-BE49-F238E27FC236}">
-                <a16:creationId xmlns:a16="http://schemas.microsoft.com/office/drawing/2014/main" id="{09137662-A8C9-4B37-9538-3F1333A13A77}"/>
+                <a16:creationId xmlns:a16="http://schemas.microsoft.com/office/drawing/2014/main" id="{AD3A6B2E-4C90-4ACC-81E7-EE9E7F1B3B01}"/>
               </a:ext>
             </a:extLst>
           </p:cNvPr>
@@ -44192,7 +44439,7 @@
     </p:spTree>
     <p:extLst>
       <p:ext uri="{BB962C8B-B14F-4D97-AF65-F5344CB8AC3E}">
-        <p14:creationId xmlns:p14="http://schemas.microsoft.com/office/powerpoint/2010/main" val="1625781177"/>
+        <p14:creationId xmlns:p14="http://schemas.microsoft.com/office/powerpoint/2010/main" val="3006478507"/>
       </p:ext>
     </p:extLst>
   </p:cSld>
@@ -44450,6 +44697,16 @@
               <a:buAutoNum type="arabicPeriod"/>
             </a:pPr>
             <a:r>
+              <a:rPr lang="en-US" noProof="0" dirty="0"/>
+              <a:t> Related Work</a:t>
+            </a:r>
+          </a:p>
+          <a:p>
+            <a:pPr marL="457200" indent="-457200">
+              <a:buFont typeface="+mj-lt"/>
+              <a:buAutoNum type="arabicPeriod"/>
+            </a:pPr>
+            <a:r>
               <a:rPr lang="en-US" noProof="0" dirty="0">
                 <a:solidFill>
                   <a:schemeClr val="bg1">
@@ -44457,16 +44714,6 @@
                   </a:schemeClr>
                 </a:solidFill>
               </a:rPr>
-              <a:t> Related Work</a:t>
-            </a:r>
-          </a:p>
-          <a:p>
-            <a:pPr marL="457200" indent="-457200">
-              <a:buFont typeface="+mj-lt"/>
-              <a:buAutoNum type="arabicPeriod"/>
-            </a:pPr>
-            <a:r>
-              <a:rPr lang="en-US" noProof="0" dirty="0"/>
               <a:t> Future Work</a:t>
             </a:r>
           </a:p>
@@ -44491,7 +44738,7 @@
     </p:spTree>
     <p:extLst>
       <p:ext uri="{BB962C8B-B14F-4D97-AF65-F5344CB8AC3E}">
-        <p14:creationId xmlns:p14="http://schemas.microsoft.com/office/powerpoint/2010/main" val="1775252008"/>
+        <p14:creationId xmlns:p14="http://schemas.microsoft.com/office/powerpoint/2010/main" val="371221840"/>
       </p:ext>
     </p:extLst>
   </p:cSld>
@@ -44535,7 +44782,7 @@
           <p:cNvPr id="2" name="Titel 1">
             <a:extLst>
               <a:ext uri="{FF2B5EF4-FFF2-40B4-BE49-F238E27FC236}">
-                <a16:creationId xmlns:a16="http://schemas.microsoft.com/office/drawing/2014/main" id="{FEE42046-CEB7-407C-83C9-233A406884FF}"/>
+                <a16:creationId xmlns:a16="http://schemas.microsoft.com/office/drawing/2014/main" id="{D8764DBC-B712-48E9-93A7-926F17740E4A}"/>
               </a:ext>
             </a:extLst>
           </p:cNvPr>
@@ -44555,7 +44802,7 @@
           <a:p>
             <a:r>
               <a:rPr lang="en-US" noProof="0" dirty="0"/>
-              <a:t>7.1 Further Improvements</a:t>
+              <a:t>6. Related Work</a:t>
             </a:r>
           </a:p>
         </p:txBody>
@@ -44565,7 +44812,7 @@
           <p:cNvPr id="3" name="Datumsplatzhalter 2">
             <a:extLst>
               <a:ext uri="{FF2B5EF4-FFF2-40B4-BE49-F238E27FC236}">
-                <a16:creationId xmlns:a16="http://schemas.microsoft.com/office/drawing/2014/main" id="{C895FC0F-5452-4C1B-95E6-6FB8A156638B}"/>
+                <a16:creationId xmlns:a16="http://schemas.microsoft.com/office/drawing/2014/main" id="{B4DC9AE1-56AD-42B8-830D-FDA82C17FACE}"/>
               </a:ext>
             </a:extLst>
           </p:cNvPr>
@@ -44595,7 +44842,7 @@
           <p:cNvPr id="4" name="Fußzeilenplatzhalter 3">
             <a:extLst>
               <a:ext uri="{FF2B5EF4-FFF2-40B4-BE49-F238E27FC236}">
-                <a16:creationId xmlns:a16="http://schemas.microsoft.com/office/drawing/2014/main" id="{DAF29A85-0E28-4F1C-887E-D7DD725564C4}"/>
+                <a16:creationId xmlns:a16="http://schemas.microsoft.com/office/drawing/2014/main" id="{08DD6017-78C2-4FC8-BD43-1619E5A77B09}"/>
               </a:ext>
             </a:extLst>
           </p:cNvPr>
@@ -44621,7 +44868,7 @@
           <p:cNvPr id="5" name="Foliennummernplatzhalter 4">
             <a:extLst>
               <a:ext uri="{FF2B5EF4-FFF2-40B4-BE49-F238E27FC236}">
-                <a16:creationId xmlns:a16="http://schemas.microsoft.com/office/drawing/2014/main" id="{5F68C3A7-3B62-4CFC-95C9-5D8C234AF74A}"/>
+                <a16:creationId xmlns:a16="http://schemas.microsoft.com/office/drawing/2014/main" id="{60D445DA-54CD-4D61-AC48-0C699153EAE6}"/>
               </a:ext>
             </a:extLst>
           </p:cNvPr>
@@ -44650,7 +44897,7 @@
           <p:cNvPr id="6" name="Textplatzhalter 5">
             <a:extLst>
               <a:ext uri="{FF2B5EF4-FFF2-40B4-BE49-F238E27FC236}">
-                <a16:creationId xmlns:a16="http://schemas.microsoft.com/office/drawing/2014/main" id="{C943C053-DB4E-4D12-87C0-6463BD5ABB73}"/>
+                <a16:creationId xmlns:a16="http://schemas.microsoft.com/office/drawing/2014/main" id="{09137662-A8C9-4B37-9538-3F1333A13A77}"/>
               </a:ext>
             </a:extLst>
           </p:cNvPr>
@@ -44673,7 +44920,7 @@
     </p:spTree>
     <p:extLst>
       <p:ext uri="{BB962C8B-B14F-4D97-AF65-F5344CB8AC3E}">
-        <p14:creationId xmlns:p14="http://schemas.microsoft.com/office/powerpoint/2010/main" val="2540749696"/>
+        <p14:creationId xmlns:p14="http://schemas.microsoft.com/office/powerpoint/2010/main" val="1625781177"/>
       </p:ext>
     </p:extLst>
   </p:cSld>
@@ -44947,6 +45194,16 @@
               <a:buAutoNum type="arabicPeriod"/>
             </a:pPr>
             <a:r>
+              <a:rPr lang="en-US" noProof="0" dirty="0"/>
+              <a:t> Future Work</a:t>
+            </a:r>
+          </a:p>
+          <a:p>
+            <a:pPr marL="457200" indent="-457200">
+              <a:buFont typeface="+mj-lt"/>
+              <a:buAutoNum type="arabicPeriod"/>
+            </a:pPr>
+            <a:r>
               <a:rPr lang="en-US" noProof="0" dirty="0">
                 <a:solidFill>
                   <a:schemeClr val="bg1">
@@ -44954,27 +45211,7 @@
                   </a:schemeClr>
                 </a:solidFill>
               </a:rPr>
-              <a:t> Future Work</a:t>
-            </a:r>
-          </a:p>
-          <a:p>
-            <a:pPr marL="457200" indent="-457200">
-              <a:buFont typeface="+mj-lt"/>
-              <a:buAutoNum type="arabicPeriod"/>
-            </a:pPr>
-            <a:r>
-              <a:rPr lang="en-US" noProof="0" dirty="0">
-                <a:solidFill>
-                  <a:schemeClr val="bg1">
-                    <a:lumMod val="75000"/>
-                  </a:schemeClr>
-                </a:solidFill>
-              </a:rPr>
-              <a:t> </a:t>
-            </a:r>
-            <a:r>
-              <a:rPr lang="en-US" noProof="0" dirty="0"/>
-              <a:t>Conclusion</a:t>
+              <a:t> Conclusion</a:t>
             </a:r>
           </a:p>
         </p:txBody>
@@ -44982,7 +45219,7 @@
     </p:spTree>
     <p:extLst>
       <p:ext uri="{BB962C8B-B14F-4D97-AF65-F5344CB8AC3E}">
-        <p14:creationId xmlns:p14="http://schemas.microsoft.com/office/powerpoint/2010/main" val="1604303624"/>
+        <p14:creationId xmlns:p14="http://schemas.microsoft.com/office/powerpoint/2010/main" val="1775252008"/>
       </p:ext>
     </p:extLst>
   </p:cSld>
@@ -45026,7 +45263,7 @@
           <p:cNvPr id="2" name="Titel 1">
             <a:extLst>
               <a:ext uri="{FF2B5EF4-FFF2-40B4-BE49-F238E27FC236}">
-                <a16:creationId xmlns:a16="http://schemas.microsoft.com/office/drawing/2014/main" id="{80CA55E8-942A-4B6D-AA27-41A867385C32}"/>
+                <a16:creationId xmlns:a16="http://schemas.microsoft.com/office/drawing/2014/main" id="{FEE42046-CEB7-407C-83C9-233A406884FF}"/>
               </a:ext>
             </a:extLst>
           </p:cNvPr>
@@ -45046,7 +45283,7 @@
           <a:p>
             <a:r>
               <a:rPr lang="en-US" noProof="0" dirty="0"/>
-              <a:t>8. Conclusion</a:t>
+              <a:t>7.1 Implementing Further Improvements</a:t>
             </a:r>
           </a:p>
         </p:txBody>
@@ -45056,7 +45293,7 @@
           <p:cNvPr id="3" name="Datumsplatzhalter 2">
             <a:extLst>
               <a:ext uri="{FF2B5EF4-FFF2-40B4-BE49-F238E27FC236}">
-                <a16:creationId xmlns:a16="http://schemas.microsoft.com/office/drawing/2014/main" id="{A794DD83-A8FB-422D-B27B-921519862F6F}"/>
+                <a16:creationId xmlns:a16="http://schemas.microsoft.com/office/drawing/2014/main" id="{C895FC0F-5452-4C1B-95E6-6FB8A156638B}"/>
               </a:ext>
             </a:extLst>
           </p:cNvPr>
@@ -45086,7 +45323,7 @@
           <p:cNvPr id="4" name="Fußzeilenplatzhalter 3">
             <a:extLst>
               <a:ext uri="{FF2B5EF4-FFF2-40B4-BE49-F238E27FC236}">
-                <a16:creationId xmlns:a16="http://schemas.microsoft.com/office/drawing/2014/main" id="{A5A13B36-BDD7-4A07-B10F-98D40DA3BD03}"/>
+                <a16:creationId xmlns:a16="http://schemas.microsoft.com/office/drawing/2014/main" id="{DAF29A85-0E28-4F1C-887E-D7DD725564C4}"/>
               </a:ext>
             </a:extLst>
           </p:cNvPr>
@@ -45112,7 +45349,7 @@
           <p:cNvPr id="5" name="Foliennummernplatzhalter 4">
             <a:extLst>
               <a:ext uri="{FF2B5EF4-FFF2-40B4-BE49-F238E27FC236}">
-                <a16:creationId xmlns:a16="http://schemas.microsoft.com/office/drawing/2014/main" id="{E717477E-49AC-42D2-B75C-18E15FD20C29}"/>
+                <a16:creationId xmlns:a16="http://schemas.microsoft.com/office/drawing/2014/main" id="{5F68C3A7-3B62-4CFC-95C9-5D8C234AF74A}"/>
               </a:ext>
             </a:extLst>
           </p:cNvPr>
@@ -45141,7 +45378,7 @@
           <p:cNvPr id="6" name="Textplatzhalter 5">
             <a:extLst>
               <a:ext uri="{FF2B5EF4-FFF2-40B4-BE49-F238E27FC236}">
-                <a16:creationId xmlns:a16="http://schemas.microsoft.com/office/drawing/2014/main" id="{5CC4491B-8ED2-4B7A-9DFD-E23376F5BCE6}"/>
+                <a16:creationId xmlns:a16="http://schemas.microsoft.com/office/drawing/2014/main" id="{C943C053-DB4E-4D12-87C0-6463BD5ABB73}"/>
               </a:ext>
             </a:extLst>
           </p:cNvPr>
@@ -45164,7 +45401,7 @@
     </p:spTree>
     <p:extLst>
       <p:ext uri="{BB962C8B-B14F-4D97-AF65-F5344CB8AC3E}">
-        <p14:creationId xmlns:p14="http://schemas.microsoft.com/office/powerpoint/2010/main" val="1589484008"/>
+        <p14:creationId xmlns:p14="http://schemas.microsoft.com/office/powerpoint/2010/main" val="2540749696"/>
       </p:ext>
     </p:extLst>
   </p:cSld>
@@ -45208,7 +45445,7 @@
           <p:cNvPr id="2" name="Titel 1">
             <a:extLst>
               <a:ext uri="{FF2B5EF4-FFF2-40B4-BE49-F238E27FC236}">
-                <a16:creationId xmlns:a16="http://schemas.microsoft.com/office/drawing/2014/main" id="{6F21EE1C-224B-40A0-B674-A5B2A807AE96}"/>
+                <a16:creationId xmlns:a16="http://schemas.microsoft.com/office/drawing/2014/main" id="{258F9DE9-7431-495F-AD93-EEA178EDD70F}"/>
               </a:ext>
             </a:extLst>
           </p:cNvPr>
@@ -45226,7 +45463,10 @@
           </a:bodyPr>
           <a:lstStyle/>
           <a:p>
-            <a:endParaRPr lang="en-US" noProof="0" dirty="0"/>
+            <a:r>
+              <a:rPr lang="en-US" noProof="0" dirty="0"/>
+              <a:t>Overview</a:t>
+            </a:r>
           </a:p>
         </p:txBody>
       </p:sp>
@@ -45235,7 +45475,7 @@
           <p:cNvPr id="3" name="Datumsplatzhalter 2">
             <a:extLst>
               <a:ext uri="{FF2B5EF4-FFF2-40B4-BE49-F238E27FC236}">
-                <a16:creationId xmlns:a16="http://schemas.microsoft.com/office/drawing/2014/main" id="{22E4F3D9-F00B-48F9-B122-3CE9A196D954}"/>
+                <a16:creationId xmlns:a16="http://schemas.microsoft.com/office/drawing/2014/main" id="{000E5BF3-EE16-4A3A-9AC2-C8097A1631D5}"/>
               </a:ext>
             </a:extLst>
           </p:cNvPr>
@@ -45253,10 +45493,9 @@
           <a:p>
             <a:pPr algn="r"/>
             <a:r>
-              <a:rPr lang="de-DE" noProof="0"/>
+              <a:rPr lang="de-DE" noProof="0" dirty="0"/>
               <a:t>28.8.18</a:t>
             </a:r>
-            <a:endParaRPr lang="de-DE" noProof="0" dirty="0"/>
           </a:p>
         </p:txBody>
       </p:sp>
@@ -45265,7 +45504,7 @@
           <p:cNvPr id="4" name="Fußzeilenplatzhalter 3">
             <a:extLst>
               <a:ext uri="{FF2B5EF4-FFF2-40B4-BE49-F238E27FC236}">
-                <a16:creationId xmlns:a16="http://schemas.microsoft.com/office/drawing/2014/main" id="{AEAF9544-C774-4EE7-9E2D-016152D3D346}"/>
+                <a16:creationId xmlns:a16="http://schemas.microsoft.com/office/drawing/2014/main" id="{1CE74D54-9888-488A-8C5A-F53E42E541BE}"/>
               </a:ext>
             </a:extLst>
           </p:cNvPr>
@@ -45291,7 +45530,7 @@
           <p:cNvPr id="5" name="Foliennummernplatzhalter 4">
             <a:extLst>
               <a:ext uri="{FF2B5EF4-FFF2-40B4-BE49-F238E27FC236}">
-                <a16:creationId xmlns:a16="http://schemas.microsoft.com/office/drawing/2014/main" id="{C3A0E628-C0EC-4FB7-89ED-BB59353A0DC1}"/>
+                <a16:creationId xmlns:a16="http://schemas.microsoft.com/office/drawing/2014/main" id="{02087F13-7305-43B7-A46E-958A431D74B0}"/>
               </a:ext>
             </a:extLst>
           </p:cNvPr>
@@ -45308,10 +45547,9 @@
           <a:lstStyle/>
           <a:p>
             <a:r>
-              <a:rPr lang="de-DE" noProof="0"/>
+              <a:rPr lang="de-DE" noProof="0" dirty="0"/>
               <a:t>‹Nr.›</a:t>
             </a:r>
-            <a:endParaRPr lang="de-DE" noProof="0" dirty="0"/>
           </a:p>
         </p:txBody>
       </p:sp>
@@ -45320,7 +45558,7 @@
           <p:cNvPr id="6" name="Textplatzhalter 5">
             <a:extLst>
               <a:ext uri="{FF2B5EF4-FFF2-40B4-BE49-F238E27FC236}">
-                <a16:creationId xmlns:a16="http://schemas.microsoft.com/office/drawing/2014/main" id="{D58B1428-60B6-43BB-B705-5B716255E24F}"/>
+                <a16:creationId xmlns:a16="http://schemas.microsoft.com/office/drawing/2014/main" id="{CE598EF9-AE99-495E-AB14-B855EF4AB994}"/>
               </a:ext>
             </a:extLst>
           </p:cNvPr>
@@ -45336,14 +45574,325 @@
           <a:bodyPr/>
           <a:lstStyle/>
           <a:p>
-            <a:endParaRPr lang="en-US"/>
+            <a:pPr marL="457200" indent="-457200">
+              <a:buFont typeface="+mj-lt"/>
+              <a:buAutoNum type="arabicPeriod"/>
+            </a:pPr>
+            <a:r>
+              <a:rPr lang="en-US" noProof="0" dirty="0">
+                <a:solidFill>
+                  <a:schemeClr val="bg1">
+                    <a:lumMod val="75000"/>
+                  </a:schemeClr>
+                </a:solidFill>
+              </a:rPr>
+              <a:t> Introduction</a:t>
+            </a:r>
+          </a:p>
+          <a:p>
+            <a:pPr marL="457200" indent="-457200">
+              <a:buFont typeface="+mj-lt"/>
+              <a:buAutoNum type="arabicPeriod"/>
+            </a:pPr>
+            <a:r>
+              <a:rPr lang="en-US" noProof="0" dirty="0">
+                <a:solidFill>
+                  <a:schemeClr val="bg1">
+                    <a:lumMod val="75000"/>
+                  </a:schemeClr>
+                </a:solidFill>
+              </a:rPr>
+              <a:t> Background: PDR on Hardware</a:t>
+            </a:r>
+          </a:p>
+          <a:p>
+            <a:pPr marL="457200" indent="-457200">
+              <a:buFont typeface="+mj-lt"/>
+              <a:buAutoNum type="arabicPeriod"/>
+            </a:pPr>
+            <a:r>
+              <a:rPr lang="en-US" noProof="0" dirty="0">
+                <a:solidFill>
+                  <a:schemeClr val="bg1">
+                    <a:lumMod val="75000"/>
+                  </a:schemeClr>
+                </a:solidFill>
+              </a:rPr>
+              <a:t> PDR on Software</a:t>
+            </a:r>
+          </a:p>
+          <a:p>
+            <a:pPr marL="457200" indent="-457200">
+              <a:buFont typeface="+mj-lt"/>
+              <a:buAutoNum type="arabicPeriod"/>
+            </a:pPr>
+            <a:r>
+              <a:rPr lang="en-US" noProof="0" dirty="0">
+                <a:solidFill>
+                  <a:schemeClr val="bg1">
+                    <a:lumMod val="75000"/>
+                  </a:schemeClr>
+                </a:solidFill>
+              </a:rPr>
+              <a:t> Implementation in Ultimate</a:t>
+            </a:r>
+          </a:p>
+          <a:p>
+            <a:pPr marL="457200" indent="-457200">
+              <a:buFont typeface="+mj-lt"/>
+              <a:buAutoNum type="arabicPeriod"/>
+            </a:pPr>
+            <a:r>
+              <a:rPr lang="en-US" noProof="0" dirty="0">
+                <a:solidFill>
+                  <a:schemeClr val="bg1">
+                    <a:lumMod val="75000"/>
+                  </a:schemeClr>
+                </a:solidFill>
+              </a:rPr>
+              <a:t> Evaluation</a:t>
+            </a:r>
+          </a:p>
+          <a:p>
+            <a:pPr marL="457200" indent="-457200">
+              <a:buFont typeface="+mj-lt"/>
+              <a:buAutoNum type="arabicPeriod"/>
+            </a:pPr>
+            <a:r>
+              <a:rPr lang="en-US" noProof="0" dirty="0">
+                <a:solidFill>
+                  <a:schemeClr val="bg1">
+                    <a:lumMod val="75000"/>
+                  </a:schemeClr>
+                </a:solidFill>
+              </a:rPr>
+              <a:t> Related Work</a:t>
+            </a:r>
+          </a:p>
+          <a:p>
+            <a:pPr marL="457200" indent="-457200">
+              <a:buFont typeface="+mj-lt"/>
+              <a:buAutoNum type="arabicPeriod"/>
+            </a:pPr>
+            <a:r>
+              <a:rPr lang="en-US" noProof="0" dirty="0">
+                <a:solidFill>
+                  <a:schemeClr val="bg1">
+                    <a:lumMod val="75000"/>
+                  </a:schemeClr>
+                </a:solidFill>
+              </a:rPr>
+              <a:t> Future Work</a:t>
+            </a:r>
+          </a:p>
+          <a:p>
+            <a:pPr marL="457200" indent="-457200">
+              <a:buFont typeface="+mj-lt"/>
+              <a:buAutoNum type="arabicPeriod"/>
+            </a:pPr>
+            <a:r>
+              <a:rPr lang="en-US" noProof="0" dirty="0">
+                <a:solidFill>
+                  <a:schemeClr val="bg1">
+                    <a:lumMod val="75000"/>
+                  </a:schemeClr>
+                </a:solidFill>
+              </a:rPr>
+              <a:t> </a:t>
+            </a:r>
+            <a:r>
+              <a:rPr lang="en-US" noProof="0" dirty="0"/>
+              <a:t>Conclusion</a:t>
+            </a:r>
           </a:p>
         </p:txBody>
       </p:sp>
     </p:spTree>
     <p:extLst>
       <p:ext uri="{BB962C8B-B14F-4D97-AF65-F5344CB8AC3E}">
-        <p14:creationId xmlns:p14="http://schemas.microsoft.com/office/powerpoint/2010/main" val="2603132474"/>
+        <p14:creationId xmlns:p14="http://schemas.microsoft.com/office/powerpoint/2010/main" val="1604303624"/>
+      </p:ext>
+    </p:extLst>
+  </p:cSld>
+  <p:clrMapOvr>
+    <a:masterClrMapping/>
+  </p:clrMapOvr>
+  <mc:AlternateContent xmlns:mc="http://schemas.openxmlformats.org/markup-compatibility/2006" xmlns:p14="http://schemas.microsoft.com/office/powerpoint/2010/main">
+    <mc:Choice Requires="p14">
+      <p:transition spd="med" p14:dur="700">
+        <p:fade/>
+      </p:transition>
+    </mc:Choice>
+    <mc:Fallback xmlns="">
+      <p:transition spd="med">
+        <p:fade/>
+      </p:transition>
+    </mc:Fallback>
+  </mc:AlternateContent>
+</p:sld>
+</file>
+
+<file path=ppt/slides/slide69.xml><?xml version="1.0" encoding="utf-8"?>
+<p:sld xmlns:a="http://schemas.openxmlformats.org/drawingml/2006/main" xmlns:r="http://schemas.openxmlformats.org/officeDocument/2006/relationships" xmlns:p="http://schemas.openxmlformats.org/presentationml/2006/main">
+  <p:cSld>
+    <p:spTree>
+      <p:nvGrpSpPr>
+        <p:cNvPr id="1" name=""/>
+        <p:cNvGrpSpPr/>
+        <p:nvPr/>
+      </p:nvGrpSpPr>
+      <p:grpSpPr>
+        <a:xfrm>
+          <a:off x="0" y="0"/>
+          <a:ext cx="0" cy="0"/>
+          <a:chOff x="0" y="0"/>
+          <a:chExt cx="0" cy="0"/>
+        </a:xfrm>
+      </p:grpSpPr>
+      <p:sp>
+        <p:nvSpPr>
+          <p:cNvPr id="2" name="Titel 1">
+            <a:extLst>
+              <a:ext uri="{FF2B5EF4-FFF2-40B4-BE49-F238E27FC236}">
+                <a16:creationId xmlns:a16="http://schemas.microsoft.com/office/drawing/2014/main" id="{80CA55E8-942A-4B6D-AA27-41A867385C32}"/>
+              </a:ext>
+            </a:extLst>
+          </p:cNvPr>
+          <p:cNvSpPr>
+            <a:spLocks noGrp="1"/>
+          </p:cNvSpPr>
+          <p:nvPr>
+            <p:ph type="title"/>
+          </p:nvPr>
+        </p:nvSpPr>
+        <p:spPr/>
+        <p:txBody>
+          <a:bodyPr>
+            <a:normAutofit fontScale="90000"/>
+          </a:bodyPr>
+          <a:lstStyle/>
+          <a:p>
+            <a:r>
+              <a:rPr lang="en-US" noProof="0" dirty="0"/>
+              <a:t>8. Conclusion</a:t>
+            </a:r>
+          </a:p>
+        </p:txBody>
+      </p:sp>
+      <p:sp>
+        <p:nvSpPr>
+          <p:cNvPr id="3" name="Datumsplatzhalter 2">
+            <a:extLst>
+              <a:ext uri="{FF2B5EF4-FFF2-40B4-BE49-F238E27FC236}">
+                <a16:creationId xmlns:a16="http://schemas.microsoft.com/office/drawing/2014/main" id="{A794DD83-A8FB-422D-B27B-921519862F6F}"/>
+              </a:ext>
+            </a:extLst>
+          </p:cNvPr>
+          <p:cNvSpPr>
+            <a:spLocks noGrp="1"/>
+          </p:cNvSpPr>
+          <p:nvPr>
+            <p:ph type="dt" sz="half" idx="10"/>
+          </p:nvPr>
+        </p:nvSpPr>
+        <p:spPr/>
+        <p:txBody>
+          <a:bodyPr/>
+          <a:lstStyle/>
+          <a:p>
+            <a:pPr algn="r"/>
+            <a:r>
+              <a:rPr lang="de-DE" noProof="0"/>
+              <a:t>28.8.18</a:t>
+            </a:r>
+            <a:endParaRPr lang="de-DE" noProof="0" dirty="0"/>
+          </a:p>
+        </p:txBody>
+      </p:sp>
+      <p:sp>
+        <p:nvSpPr>
+          <p:cNvPr id="4" name="Fußzeilenplatzhalter 3">
+            <a:extLst>
+              <a:ext uri="{FF2B5EF4-FFF2-40B4-BE49-F238E27FC236}">
+                <a16:creationId xmlns:a16="http://schemas.microsoft.com/office/drawing/2014/main" id="{A5A13B36-BDD7-4A07-B10F-98D40DA3BD03}"/>
+              </a:ext>
+            </a:extLst>
+          </p:cNvPr>
+          <p:cNvSpPr>
+            <a:spLocks noGrp="1"/>
+          </p:cNvSpPr>
+          <p:nvPr>
+            <p:ph type="ftr" sz="quarter" idx="11"/>
+          </p:nvPr>
+        </p:nvSpPr>
+        <p:spPr/>
+        <p:txBody>
+          <a:bodyPr/>
+          <a:lstStyle/>
+          <a:p>
+            <a:pPr rtl="0"/>
+            <a:endParaRPr lang="de-DE" noProof="0" dirty="0"/>
+          </a:p>
+        </p:txBody>
+      </p:sp>
+      <p:sp>
+        <p:nvSpPr>
+          <p:cNvPr id="5" name="Foliennummernplatzhalter 4">
+            <a:extLst>
+              <a:ext uri="{FF2B5EF4-FFF2-40B4-BE49-F238E27FC236}">
+                <a16:creationId xmlns:a16="http://schemas.microsoft.com/office/drawing/2014/main" id="{E717477E-49AC-42D2-B75C-18E15FD20C29}"/>
+              </a:ext>
+            </a:extLst>
+          </p:cNvPr>
+          <p:cNvSpPr>
+            <a:spLocks noGrp="1"/>
+          </p:cNvSpPr>
+          <p:nvPr>
+            <p:ph type="sldNum" sz="quarter" idx="12"/>
+          </p:nvPr>
+        </p:nvSpPr>
+        <p:spPr/>
+        <p:txBody>
+          <a:bodyPr/>
+          <a:lstStyle/>
+          <a:p>
+            <a:r>
+              <a:rPr lang="de-DE" noProof="0"/>
+              <a:t>‹Nr.›</a:t>
+            </a:r>
+            <a:endParaRPr lang="de-DE" noProof="0" dirty="0"/>
+          </a:p>
+        </p:txBody>
+      </p:sp>
+      <p:sp>
+        <p:nvSpPr>
+          <p:cNvPr id="6" name="Textplatzhalter 5">
+            <a:extLst>
+              <a:ext uri="{FF2B5EF4-FFF2-40B4-BE49-F238E27FC236}">
+                <a16:creationId xmlns:a16="http://schemas.microsoft.com/office/drawing/2014/main" id="{5CC4491B-8ED2-4B7A-9DFD-E23376F5BCE6}"/>
+              </a:ext>
+            </a:extLst>
+          </p:cNvPr>
+          <p:cNvSpPr>
+            <a:spLocks noGrp="1"/>
+          </p:cNvSpPr>
+          <p:nvPr>
+            <p:ph type="body" sz="quarter" idx="13"/>
+          </p:nvPr>
+        </p:nvSpPr>
+        <p:spPr/>
+        <p:txBody>
+          <a:bodyPr/>
+          <a:lstStyle/>
+          <a:p>
+            <a:endParaRPr lang="en-US"/>
+          </a:p>
+        </p:txBody>
+      </p:sp>
+    </p:spTree>
+    <p:extLst>
+      <p:ext uri="{BB962C8B-B14F-4D97-AF65-F5344CB8AC3E}">
+        <p14:creationId xmlns:p14="http://schemas.microsoft.com/office/powerpoint/2010/main" val="1589484008"/>
       </p:ext>
     </p:extLst>
   </p:cSld>
@@ -45962,6 +46511,185 @@
 </p:sld>
 </file>
 
+<file path=ppt/slides/slide70.xml><?xml version="1.0" encoding="utf-8"?>
+<p:sld xmlns:a="http://schemas.openxmlformats.org/drawingml/2006/main" xmlns:r="http://schemas.openxmlformats.org/officeDocument/2006/relationships" xmlns:p="http://schemas.openxmlformats.org/presentationml/2006/main">
+  <p:cSld>
+    <p:spTree>
+      <p:nvGrpSpPr>
+        <p:cNvPr id="1" name=""/>
+        <p:cNvGrpSpPr/>
+        <p:nvPr/>
+      </p:nvGrpSpPr>
+      <p:grpSpPr>
+        <a:xfrm>
+          <a:off x="0" y="0"/>
+          <a:ext cx="0" cy="0"/>
+          <a:chOff x="0" y="0"/>
+          <a:chExt cx="0" cy="0"/>
+        </a:xfrm>
+      </p:grpSpPr>
+      <p:sp>
+        <p:nvSpPr>
+          <p:cNvPr id="2" name="Titel 1">
+            <a:extLst>
+              <a:ext uri="{FF2B5EF4-FFF2-40B4-BE49-F238E27FC236}">
+                <a16:creationId xmlns:a16="http://schemas.microsoft.com/office/drawing/2014/main" id="{6F21EE1C-224B-40A0-B674-A5B2A807AE96}"/>
+              </a:ext>
+            </a:extLst>
+          </p:cNvPr>
+          <p:cNvSpPr>
+            <a:spLocks noGrp="1"/>
+          </p:cNvSpPr>
+          <p:nvPr>
+            <p:ph type="title"/>
+          </p:nvPr>
+        </p:nvSpPr>
+        <p:spPr/>
+        <p:txBody>
+          <a:bodyPr>
+            <a:normAutofit fontScale="90000"/>
+          </a:bodyPr>
+          <a:lstStyle/>
+          <a:p>
+            <a:endParaRPr lang="en-US" noProof="0" dirty="0"/>
+          </a:p>
+        </p:txBody>
+      </p:sp>
+      <p:sp>
+        <p:nvSpPr>
+          <p:cNvPr id="3" name="Datumsplatzhalter 2">
+            <a:extLst>
+              <a:ext uri="{FF2B5EF4-FFF2-40B4-BE49-F238E27FC236}">
+                <a16:creationId xmlns:a16="http://schemas.microsoft.com/office/drawing/2014/main" id="{22E4F3D9-F00B-48F9-B122-3CE9A196D954}"/>
+              </a:ext>
+            </a:extLst>
+          </p:cNvPr>
+          <p:cNvSpPr>
+            <a:spLocks noGrp="1"/>
+          </p:cNvSpPr>
+          <p:nvPr>
+            <p:ph type="dt" sz="half" idx="10"/>
+          </p:nvPr>
+        </p:nvSpPr>
+        <p:spPr/>
+        <p:txBody>
+          <a:bodyPr/>
+          <a:lstStyle/>
+          <a:p>
+            <a:pPr algn="r"/>
+            <a:r>
+              <a:rPr lang="de-DE" noProof="0"/>
+              <a:t>28.8.18</a:t>
+            </a:r>
+            <a:endParaRPr lang="de-DE" noProof="0" dirty="0"/>
+          </a:p>
+        </p:txBody>
+      </p:sp>
+      <p:sp>
+        <p:nvSpPr>
+          <p:cNvPr id="4" name="Fußzeilenplatzhalter 3">
+            <a:extLst>
+              <a:ext uri="{FF2B5EF4-FFF2-40B4-BE49-F238E27FC236}">
+                <a16:creationId xmlns:a16="http://schemas.microsoft.com/office/drawing/2014/main" id="{AEAF9544-C774-4EE7-9E2D-016152D3D346}"/>
+              </a:ext>
+            </a:extLst>
+          </p:cNvPr>
+          <p:cNvSpPr>
+            <a:spLocks noGrp="1"/>
+          </p:cNvSpPr>
+          <p:nvPr>
+            <p:ph type="ftr" sz="quarter" idx="11"/>
+          </p:nvPr>
+        </p:nvSpPr>
+        <p:spPr/>
+        <p:txBody>
+          <a:bodyPr/>
+          <a:lstStyle/>
+          <a:p>
+            <a:pPr rtl="0"/>
+            <a:endParaRPr lang="de-DE" noProof="0" dirty="0"/>
+          </a:p>
+        </p:txBody>
+      </p:sp>
+      <p:sp>
+        <p:nvSpPr>
+          <p:cNvPr id="5" name="Foliennummernplatzhalter 4">
+            <a:extLst>
+              <a:ext uri="{FF2B5EF4-FFF2-40B4-BE49-F238E27FC236}">
+                <a16:creationId xmlns:a16="http://schemas.microsoft.com/office/drawing/2014/main" id="{C3A0E628-C0EC-4FB7-89ED-BB59353A0DC1}"/>
+              </a:ext>
+            </a:extLst>
+          </p:cNvPr>
+          <p:cNvSpPr>
+            <a:spLocks noGrp="1"/>
+          </p:cNvSpPr>
+          <p:nvPr>
+            <p:ph type="sldNum" sz="quarter" idx="12"/>
+          </p:nvPr>
+        </p:nvSpPr>
+        <p:spPr/>
+        <p:txBody>
+          <a:bodyPr/>
+          <a:lstStyle/>
+          <a:p>
+            <a:r>
+              <a:rPr lang="de-DE" noProof="0"/>
+              <a:t>‹Nr.›</a:t>
+            </a:r>
+            <a:endParaRPr lang="de-DE" noProof="0" dirty="0"/>
+          </a:p>
+        </p:txBody>
+      </p:sp>
+      <p:sp>
+        <p:nvSpPr>
+          <p:cNvPr id="6" name="Textplatzhalter 5">
+            <a:extLst>
+              <a:ext uri="{FF2B5EF4-FFF2-40B4-BE49-F238E27FC236}">
+                <a16:creationId xmlns:a16="http://schemas.microsoft.com/office/drawing/2014/main" id="{D58B1428-60B6-43BB-B705-5B716255E24F}"/>
+              </a:ext>
+            </a:extLst>
+          </p:cNvPr>
+          <p:cNvSpPr>
+            <a:spLocks noGrp="1"/>
+          </p:cNvSpPr>
+          <p:nvPr>
+            <p:ph type="body" sz="quarter" idx="13"/>
+          </p:nvPr>
+        </p:nvSpPr>
+        <p:spPr/>
+        <p:txBody>
+          <a:bodyPr/>
+          <a:lstStyle/>
+          <a:p>
+            <a:endParaRPr lang="en-US"/>
+          </a:p>
+        </p:txBody>
+      </p:sp>
+    </p:spTree>
+    <p:extLst>
+      <p:ext uri="{BB962C8B-B14F-4D97-AF65-F5344CB8AC3E}">
+        <p14:creationId xmlns:p14="http://schemas.microsoft.com/office/powerpoint/2010/main" val="2603132474"/>
+      </p:ext>
+    </p:extLst>
+  </p:cSld>
+  <p:clrMapOvr>
+    <a:masterClrMapping/>
+  </p:clrMapOvr>
+  <mc:AlternateContent xmlns:mc="http://schemas.openxmlformats.org/markup-compatibility/2006" xmlns:p14="http://schemas.microsoft.com/office/powerpoint/2010/main">
+    <mc:Choice Requires="p14">
+      <p:transition spd="med" p14:dur="700">
+        <p:fade/>
+      </p:transition>
+    </mc:Choice>
+    <mc:Fallback xmlns="">
+      <p:transition spd="med">
+        <p:fade/>
+      </p:transition>
+    </mc:Fallback>
+  </mc:AlternateContent>
+</p:sld>
+</file>
+
 <file path=ppt/slides/slide8.xml><?xml version="1.0" encoding="utf-8"?>
 <p:sld xmlns:a="http://schemas.openxmlformats.org/drawingml/2006/main" xmlns:r="http://schemas.openxmlformats.org/officeDocument/2006/relationships" xmlns:p="http://schemas.openxmlformats.org/presentationml/2006/main">
   <p:cSld>
@@ -46098,8 +46826,8 @@
           </a:p>
         </p:txBody>
       </p:sp>
-      <mc:AlternateContent xmlns:mc="http://schemas.openxmlformats.org/markup-compatibility/2006">
-        <mc:Choice xmlns:a14="http://schemas.microsoft.com/office/drawing/2010/main" Requires="a14">
+      <mc:AlternateContent xmlns:mc="http://schemas.openxmlformats.org/markup-compatibility/2006" xmlns:a14="http://schemas.microsoft.com/office/drawing/2010/main">
+        <mc:Choice Requires="a14">
           <p:sp>
             <p:nvSpPr>
               <p:cNvPr id="6" name="Textplatzhalter 5">
@@ -46336,7 +47064,7 @@
                 <a14:m>
                   <m:oMath xmlns:m="http://schemas.openxmlformats.org/officeDocument/2006/math">
                     <m:r>
-                      <a:rPr lang="de-DE" b="0" i="1" noProof="0" smtClean="0">
+                      <a:rPr lang="en-US" b="0" i="1" noProof="0" smtClean="0">
                         <a:latin typeface="Cambria Math" panose="02040503050406030204" pitchFamily="18" charset="0"/>
                       </a:rPr>
                       <m:t>𝑋</m:t>
@@ -46398,7 +47126,7 @@
             </p:txBody>
           </p:sp>
         </mc:Choice>
-        <mc:Fallback>
+        <mc:Fallback xmlns="">
           <p:sp>
             <p:nvSpPr>
               <p:cNvPr id="6" name="Textplatzhalter 5">
@@ -46599,8 +47327,8 @@
           </a:p>
         </p:txBody>
       </p:sp>
-      <mc:AlternateContent xmlns:mc="http://schemas.openxmlformats.org/markup-compatibility/2006">
-        <mc:Choice xmlns:a14="http://schemas.microsoft.com/office/drawing/2010/main" Requires="a14">
+      <mc:AlternateContent xmlns:mc="http://schemas.openxmlformats.org/markup-compatibility/2006" xmlns:a14="http://schemas.microsoft.com/office/drawing/2010/main">
+        <mc:Choice Requires="a14">
           <p:sp>
             <p:nvSpPr>
               <p:cNvPr id="6" name="Textplatzhalter 5">
@@ -46691,7 +47419,7 @@
                 <a14:m>
                   <m:oMath xmlns:m="http://schemas.openxmlformats.org/officeDocument/2006/math">
                     <m:r>
-                      <a:rPr lang="de-DE" b="0" i="1" noProof="0" smtClean="0">
+                      <a:rPr lang="en-US" b="0" i="1" noProof="0" smtClean="0">
                         <a:solidFill>
                           <a:schemeClr val="accent1"/>
                         </a:solidFill>
@@ -46951,7 +47679,7 @@
             </p:txBody>
           </p:sp>
         </mc:Choice>
-        <mc:Fallback>
+        <mc:Fallback xmlns="">
           <p:sp>
             <p:nvSpPr>
               <p:cNvPr id="6" name="Textplatzhalter 5">

--- a/Presentation/pdr_presentation.pptx
+++ b/Presentation/pdr_presentation.pptx
@@ -5,10 +5,10 @@
     <p:sldMasterId id="2147483648" r:id="rId4"/>
   </p:sldMasterIdLst>
   <p:notesMasterIdLst>
-    <p:notesMasterId r:id="rId75"/>
+    <p:notesMasterId r:id="rId77"/>
   </p:notesMasterIdLst>
   <p:handoutMasterIdLst>
-    <p:handoutMasterId r:id="rId76"/>
+    <p:handoutMasterId r:id="rId78"/>
   </p:handoutMasterIdLst>
   <p:sldIdLst>
     <p:sldId id="256" r:id="rId5"/>
@@ -34,13 +34,13 @@
     <p:sldId id="297" r:id="rId25"/>
     <p:sldId id="298" r:id="rId26"/>
     <p:sldId id="299" r:id="rId27"/>
-    <p:sldId id="300" r:id="rId28"/>
-    <p:sldId id="288" r:id="rId29"/>
-    <p:sldId id="264" r:id="rId30"/>
-    <p:sldId id="265" r:id="rId31"/>
-    <p:sldId id="266" r:id="rId32"/>
-    <p:sldId id="267" r:id="rId33"/>
-    <p:sldId id="301" r:id="rId34"/>
+    <p:sldId id="331" r:id="rId28"/>
+    <p:sldId id="300" r:id="rId29"/>
+    <p:sldId id="288" r:id="rId30"/>
+    <p:sldId id="264" r:id="rId31"/>
+    <p:sldId id="265" r:id="rId32"/>
+    <p:sldId id="266" r:id="rId33"/>
+    <p:sldId id="267" r:id="rId34"/>
     <p:sldId id="302" r:id="rId35"/>
     <p:sldId id="303" r:id="rId36"/>
     <p:sldId id="304" r:id="rId37"/>
@@ -62,8 +62,8 @@
     <p:sldId id="322" r:id="rId53"/>
     <p:sldId id="323" r:id="rId54"/>
     <p:sldId id="324" r:id="rId55"/>
-    <p:sldId id="325" r:id="rId56"/>
-    <p:sldId id="326" r:id="rId57"/>
+    <p:sldId id="332" r:id="rId56"/>
+    <p:sldId id="333" r:id="rId57"/>
     <p:sldId id="269" r:id="rId58"/>
     <p:sldId id="270" r:id="rId59"/>
     <p:sldId id="327" r:id="rId60"/>
@@ -76,11 +76,13 @@
     <p:sldId id="277" r:id="rId67"/>
     <p:sldId id="276" r:id="rId68"/>
     <p:sldId id="278" r:id="rId69"/>
-    <p:sldId id="279" r:id="rId70"/>
-    <p:sldId id="280" r:id="rId71"/>
-    <p:sldId id="281" r:id="rId72"/>
-    <p:sldId id="282" r:id="rId73"/>
-    <p:sldId id="316" r:id="rId74"/>
+    <p:sldId id="329" r:id="rId70"/>
+    <p:sldId id="279" r:id="rId71"/>
+    <p:sldId id="280" r:id="rId72"/>
+    <p:sldId id="330" r:id="rId73"/>
+    <p:sldId id="281" r:id="rId74"/>
+    <p:sldId id="282" r:id="rId75"/>
+    <p:sldId id="316" r:id="rId76"/>
   </p:sldIdLst>
   <p:sldSz cx="12192000" cy="6858000"/>
   <p:notesSz cx="6858000" cy="9144000"/>
@@ -211,6 +213,7 @@
             <p14:sldId id="297"/>
             <p14:sldId id="298"/>
             <p14:sldId id="299"/>
+            <p14:sldId id="331"/>
             <p14:sldId id="300"/>
             <p14:sldId id="288"/>
             <p14:sldId id="264"/>
@@ -221,7 +224,6 @@
           <p14:sldIdLst>
             <p14:sldId id="266"/>
             <p14:sldId id="267"/>
-            <p14:sldId id="301"/>
             <p14:sldId id="302"/>
             <p14:sldId id="303"/>
             <p14:sldId id="304"/>
@@ -243,8 +245,8 @@
             <p14:sldId id="322"/>
             <p14:sldId id="323"/>
             <p14:sldId id="324"/>
-            <p14:sldId id="325"/>
-            <p14:sldId id="326"/>
+            <p14:sldId id="332"/>
+            <p14:sldId id="333"/>
             <p14:sldId id="269"/>
             <p14:sldId id="270"/>
             <p14:sldId id="327"/>
@@ -269,12 +271,14 @@
           <p14:sldIdLst>
             <p14:sldId id="276"/>
             <p14:sldId id="278"/>
+            <p14:sldId id="329"/>
             <p14:sldId id="279"/>
           </p14:sldIdLst>
         </p14:section>
         <p14:section name="Future Work" id="{65ECF7E9-33BE-478E-90FC-C73BB90C283F}">
           <p14:sldIdLst>
             <p14:sldId id="280"/>
+            <p14:sldId id="330"/>
             <p14:sldId id="281"/>
           </p14:sldIdLst>
         </p14:section>
@@ -305,6 +309,14 @@
     </p:ext>
   </p:extLst>
 </p:presentation>
+</file>
+
+<file path=ppt/revisionInfo.xml><?xml version="1.0" encoding="utf-8"?>
+<p1510:revInfo xmlns:a="http://schemas.openxmlformats.org/drawingml/2006/main" xmlns:r="http://schemas.openxmlformats.org/officeDocument/2006/relationships" xmlns:p1510="http://schemas.microsoft.com/office/powerpoint/2015/10/main">
+  <p1510:revLst>
+    <p1510:client id="{A72330BE-EE0E-49BD-8665-53098FFBF810}" v="6" dt="2018-09-11T11:47:12.110"/>
+  </p1510:revLst>
+</p1510:revInfo>
 </file>
 
 <file path=ppt/handoutMasters/handoutMaster1.xml><?xml version="1.0" encoding="utf-8"?>
@@ -391,7 +403,7 @@
             <a:pPr algn="r" rtl="0"/>
             <a:fld id="{A3A1C496-08FF-443A-8346-D8DC578D93A9}" type="datetime1">
               <a:rPr lang="de-DE" smtClean="0"/>
-              <a:t>08.09.2018</a:t>
+              <a:t>11.09.2018</a:t>
             </a:fld>
             <a:endParaRPr lang="de-DE" dirty="0"/>
           </a:p>
@@ -560,7 +572,7 @@
             <a:fld id="{EDBF6CAB-81FD-4522-B5E4-1073B576E0F9}" type="datetime1">
               <a:rPr lang="de-DE" noProof="0" smtClean="0"/>
               <a:pPr algn="r"/>
-              <a:t>08.09.2018</a:t>
+              <a:t>11.09.2018</a:t>
             </a:fld>
             <a:endParaRPr lang="de-DE" noProof="0" dirty="0"/>
           </a:p>
@@ -2432,7 +2444,15 @@
           <a:p>
             <a:r>
               <a:rPr lang="de-DE" dirty="0"/>
-              <a:t>Nichts Ausführliches</a:t>
+              <a:t>Vielleicht die anderen </a:t>
+            </a:r>
+            <a:r>
+              <a:rPr lang="de-DE" dirty="0" err="1"/>
+              <a:t>Approaches</a:t>
+            </a:r>
+            <a:r>
+              <a:rPr lang="de-DE" dirty="0"/>
+              <a:t> so Erwähnen wie in PDR_in_ICFG_Ex2, also einfach nur so oberflächlich anschneiden</a:t>
             </a:r>
             <a:endParaRPr lang="en-US" dirty="0"/>
           </a:p>
@@ -2464,7 +2484,183 @@
     </p:spTree>
     <p:extLst>
       <p:ext uri="{BB962C8B-B14F-4D97-AF65-F5344CB8AC3E}">
+        <p14:creationId xmlns:p14="http://schemas.microsoft.com/office/powerpoint/2010/main" val="4214369428"/>
+      </p:ext>
+    </p:extLst>
+  </p:cSld>
+  <p:clrMapOvr>
+    <a:masterClrMapping/>
+  </p:clrMapOvr>
+</p:notes>
+</file>
+
+<file path=ppt/notesSlides/notesSlide23.xml><?xml version="1.0" encoding="utf-8"?>
+<p:notes xmlns:a="http://schemas.openxmlformats.org/drawingml/2006/main" xmlns:r="http://schemas.openxmlformats.org/officeDocument/2006/relationships" xmlns:p="http://schemas.openxmlformats.org/presentationml/2006/main">
+  <p:cSld>
+    <p:spTree>
+      <p:nvGrpSpPr>
+        <p:cNvPr id="1" name=""/>
+        <p:cNvGrpSpPr/>
+        <p:nvPr/>
+      </p:nvGrpSpPr>
+      <p:grpSpPr>
+        <a:xfrm>
+          <a:off x="0" y="0"/>
+          <a:ext cx="0" cy="0"/>
+          <a:chOff x="0" y="0"/>
+          <a:chExt cx="0" cy="0"/>
+        </a:xfrm>
+      </p:grpSpPr>
+      <p:sp>
+        <p:nvSpPr>
+          <p:cNvPr id="2" name="Folienbildplatzhalter 1"/>
+          <p:cNvSpPr>
+            <a:spLocks noGrp="1" noRot="1" noChangeAspect="1"/>
+          </p:cNvSpPr>
+          <p:nvPr>
+            <p:ph type="sldImg"/>
+          </p:nvPr>
+        </p:nvSpPr>
+        <p:spPr/>
+      </p:sp>
+      <p:sp>
+        <p:nvSpPr>
+          <p:cNvPr id="3" name="Notizenplatzhalter 2"/>
+          <p:cNvSpPr>
+            <a:spLocks noGrp="1"/>
+          </p:cNvSpPr>
+          <p:nvPr>
+            <p:ph type="body" idx="1"/>
+          </p:nvPr>
+        </p:nvSpPr>
+        <p:spPr/>
+        <p:txBody>
+          <a:bodyPr/>
+          <a:lstStyle/>
+          <a:p>
+            <a:r>
+              <a:rPr lang="de-DE" dirty="0"/>
+              <a:t>Nichts Ausführliches</a:t>
+            </a:r>
+            <a:endParaRPr lang="en-US" dirty="0"/>
+          </a:p>
+        </p:txBody>
+      </p:sp>
+      <p:sp>
+        <p:nvSpPr>
+          <p:cNvPr id="4" name="Foliennummernplatzhalter 3"/>
+          <p:cNvSpPr>
+            <a:spLocks noGrp="1"/>
+          </p:cNvSpPr>
+          <p:nvPr>
+            <p:ph type="sldNum" sz="quarter" idx="10"/>
+          </p:nvPr>
+        </p:nvSpPr>
+        <p:spPr/>
+        <p:txBody>
+          <a:bodyPr/>
+          <a:lstStyle/>
+          <a:p>
+            <a:r>
+              <a:rPr lang="de-DE" noProof="0"/>
+              <a:t>‹Nr.›</a:t>
+            </a:r>
+            <a:endParaRPr lang="de-DE" noProof="0" dirty="0"/>
+          </a:p>
+        </p:txBody>
+      </p:sp>
+    </p:spTree>
+    <p:extLst>
+      <p:ext uri="{BB962C8B-B14F-4D97-AF65-F5344CB8AC3E}">
         <p14:creationId xmlns:p14="http://schemas.microsoft.com/office/powerpoint/2010/main" val="1968005275"/>
+      </p:ext>
+    </p:extLst>
+  </p:cSld>
+  <p:clrMapOvr>
+    <a:masterClrMapping/>
+  </p:clrMapOvr>
+</p:notes>
+</file>
+
+<file path=ppt/notesSlides/notesSlide24.xml><?xml version="1.0" encoding="utf-8"?>
+<p:notes xmlns:a="http://schemas.openxmlformats.org/drawingml/2006/main" xmlns:r="http://schemas.openxmlformats.org/officeDocument/2006/relationships" xmlns:p="http://schemas.openxmlformats.org/presentationml/2006/main">
+  <p:cSld>
+    <p:spTree>
+      <p:nvGrpSpPr>
+        <p:cNvPr id="1" name=""/>
+        <p:cNvGrpSpPr/>
+        <p:nvPr/>
+      </p:nvGrpSpPr>
+      <p:grpSpPr>
+        <a:xfrm>
+          <a:off x="0" y="0"/>
+          <a:ext cx="0" cy="0"/>
+          <a:chOff x="0" y="0"/>
+          <a:chExt cx="0" cy="0"/>
+        </a:xfrm>
+      </p:grpSpPr>
+      <p:sp>
+        <p:nvSpPr>
+          <p:cNvPr id="2" name="Folienbildplatzhalter 1"/>
+          <p:cNvSpPr>
+            <a:spLocks noGrp="1" noRot="1" noChangeAspect="1"/>
+          </p:cNvSpPr>
+          <p:nvPr>
+            <p:ph type="sldImg"/>
+          </p:nvPr>
+        </p:nvSpPr>
+        <p:spPr/>
+      </p:sp>
+      <p:sp>
+        <p:nvSpPr>
+          <p:cNvPr id="3" name="Notizenplatzhalter 2"/>
+          <p:cNvSpPr>
+            <a:spLocks noGrp="1"/>
+          </p:cNvSpPr>
+          <p:nvPr>
+            <p:ph type="body" idx="1"/>
+          </p:nvPr>
+        </p:nvSpPr>
+        <p:spPr/>
+        <p:txBody>
+          <a:bodyPr/>
+          <a:lstStyle/>
+          <a:p>
+            <a:r>
+              <a:rPr lang="de-DE" dirty="0"/>
+              <a:t>Nichts Ausführliches</a:t>
+            </a:r>
+            <a:endParaRPr lang="en-US" dirty="0"/>
+          </a:p>
+        </p:txBody>
+      </p:sp>
+      <p:sp>
+        <p:nvSpPr>
+          <p:cNvPr id="4" name="Foliennummernplatzhalter 3"/>
+          <p:cNvSpPr>
+            <a:spLocks noGrp="1"/>
+          </p:cNvSpPr>
+          <p:nvPr>
+            <p:ph type="sldNum" sz="quarter" idx="10"/>
+          </p:nvPr>
+        </p:nvSpPr>
+        <p:spPr/>
+        <p:txBody>
+          <a:bodyPr/>
+          <a:lstStyle/>
+          <a:p>
+            <a:r>
+              <a:rPr lang="de-DE" noProof="0"/>
+              <a:t>‹Nr.›</a:t>
+            </a:r>
+            <a:endParaRPr lang="de-DE" noProof="0" dirty="0"/>
+          </a:p>
+        </p:txBody>
+      </p:sp>
+    </p:spTree>
+    <p:extLst>
+      <p:ext uri="{BB962C8B-B14F-4D97-AF65-F5344CB8AC3E}">
+        <p14:creationId xmlns:p14="http://schemas.microsoft.com/office/powerpoint/2010/main" val="3992661768"/>
       </p:ext>
     </p:extLst>
   </p:cSld>
@@ -18535,7 +18731,7 @@
                   <a:rPr lang="en-US" noProof="0" dirty="0">
                     <a:sym typeface="Wingdings" panose="05000000000000000000" pitchFamily="2" charset="2"/>
                   </a:rPr>
-                  <a:t>If </a:t>
+                  <a:t> If </a:t>
                 </a:r>
                 <a:r>
                   <a:rPr lang="en-US" noProof="0" dirty="0">
@@ -18636,7 +18832,7 @@
                   <a:rPr lang="en-US" noProof="0" dirty="0">
                     <a:sym typeface="Wingdings" panose="05000000000000000000" pitchFamily="2" charset="2"/>
                   </a:rPr>
-                  <a:t>If </a:t>
+                  <a:t> If </a:t>
                 </a:r>
                 <a:r>
                   <a:rPr lang="en-US" noProof="0" dirty="0">
@@ -18770,7 +18966,7 @@
               <a:blipFill>
                 <a:blip r:embed="rId2"/>
                 <a:stretch>
-                  <a:fillRect l="-498" t="-8530"/>
+                  <a:fillRect l="-498" t="-8399"/>
                 </a:stretch>
               </a:blipFill>
             </p:spPr>
@@ -18779,7 +18975,7 @@
               <a:lstStyle/>
               <a:p>
                 <a:r>
-                  <a:rPr lang="en-US">
+                  <a:rPr lang="de-DE">
                     <a:noFill/>
                   </a:rPr>
                   <a:t> </a:t>
@@ -19278,7 +19474,7 @@
                 </a:pPr>
                 <a:r>
                   <a:rPr lang="en-US" noProof="0" dirty="0"/>
-                  <a:t>Let </a:t>
+                  <a:t> Let </a:t>
                 </a:r>
                 <a14:m>
                   <m:oMath xmlns:m="http://schemas.openxmlformats.org/officeDocument/2006/math">
@@ -19395,7 +19591,7 @@
                 </a:pPr>
                 <a:r>
                   <a:rPr lang="en-US" noProof="0" dirty="0"/>
-                  <a:t>Is </a:t>
+                  <a:t> Is </a:t>
                 </a:r>
                 <a14:m>
                   <m:oMath xmlns:m="http://schemas.openxmlformats.org/officeDocument/2006/math">
@@ -19547,7 +19743,22 @@
                   <a:rPr lang="en-US" noProof="0" dirty="0">
                     <a:sym typeface="Wingdings" panose="05000000000000000000" pitchFamily="2" charset="2"/>
                   </a:rPr>
-                  <a:t>	If </a:t>
+                  <a:t>	</a:t>
+                </a:r>
+                <a:r>
+                  <a:rPr lang="en-US" noProof="0" dirty="0">
+                    <a:solidFill>
+                      <a:schemeClr val="accent1"/>
+                    </a:solidFill>
+                    <a:sym typeface="Wingdings" panose="05000000000000000000" pitchFamily="2" charset="2"/>
+                  </a:rPr>
+                  <a:t></a:t>
+                </a:r>
+                <a:r>
+                  <a:rPr lang="en-US" noProof="0" dirty="0">
+                    <a:sym typeface="Wingdings" panose="05000000000000000000" pitchFamily="2" charset="2"/>
+                  </a:rPr>
+                  <a:t> If </a:t>
                 </a:r>
                 <a:r>
                   <a:rPr lang="en-US" noProof="0" dirty="0">
@@ -20276,7 +20487,7 @@
               <a:blipFill>
                 <a:blip r:embed="rId2"/>
                 <a:stretch>
-                  <a:fillRect t="-1488"/>
+                  <a:fillRect t="-1637"/>
                 </a:stretch>
               </a:blipFill>
             </p:spPr>
@@ -20285,7 +20496,7 @@
               <a:lstStyle/>
               <a:p>
                 <a:r>
-                  <a:rPr lang="en-US">
+                  <a:rPr lang="de-DE">
                     <a:noFill/>
                   </a:rPr>
                   <a:t> </a:t>
@@ -20323,7 +20534,27 @@
           <a:p>
             <a:r>
               <a:rPr lang="en-US" noProof="0" dirty="0"/>
-              <a:t>Checking if the next state is a good state</a:t>
+              <a:t>Checking if the </a:t>
+            </a:r>
+            <a:r>
+              <a:rPr lang="en-US" noProof="0" dirty="0">
+                <a:solidFill>
+                  <a:schemeClr val="accent1"/>
+                </a:solidFill>
+              </a:rPr>
+              <a:t>next state </a:t>
+            </a:r>
+            <a:r>
+              <a:rPr lang="en-US" noProof="0" dirty="0"/>
+              <a:t>is a </a:t>
+            </a:r>
+            <a:r>
+              <a:rPr lang="en-US" noProof="0" dirty="0">
+                <a:solidFill>
+                  <a:schemeClr val="accent1"/>
+                </a:solidFill>
+              </a:rPr>
+              <a:t>good state:</a:t>
             </a:r>
           </a:p>
           <a:p>
@@ -20525,7 +20756,7 @@
                 </a:pPr>
                 <a:r>
                   <a:rPr lang="en-US" noProof="0" dirty="0"/>
-                  <a:t>Let </a:t>
+                  <a:t> Let </a:t>
                 </a:r>
                 <a14:m>
                   <m:oMath xmlns:m="http://schemas.openxmlformats.org/officeDocument/2006/math">
@@ -20642,7 +20873,7 @@
                 </a:pPr>
                 <a:r>
                   <a:rPr lang="en-US" noProof="0" dirty="0"/>
-                  <a:t>Is </a:t>
+                  <a:t> Is </a:t>
                 </a:r>
                 <a14:m>
                   <m:oMath xmlns:m="http://schemas.openxmlformats.org/officeDocument/2006/math">
@@ -20794,7 +21025,22 @@
                   <a:rPr lang="en-US" noProof="0" dirty="0">
                     <a:sym typeface="Wingdings" panose="05000000000000000000" pitchFamily="2" charset="2"/>
                   </a:rPr>
-                  <a:t>	 If </a:t>
+                  <a:t>	</a:t>
+                </a:r>
+                <a:r>
+                  <a:rPr lang="en-US" noProof="0" dirty="0">
+                    <a:solidFill>
+                      <a:schemeClr val="accent1"/>
+                    </a:solidFill>
+                    <a:sym typeface="Wingdings" panose="05000000000000000000" pitchFamily="2" charset="2"/>
+                  </a:rPr>
+                  <a:t></a:t>
+                </a:r>
+                <a:r>
+                  <a:rPr lang="en-US" noProof="0" dirty="0">
+                    <a:sym typeface="Wingdings" panose="05000000000000000000" pitchFamily="2" charset="2"/>
+                  </a:rPr>
+                  <a:t> If </a:t>
                 </a:r>
                 <a:r>
                   <a:rPr lang="en-US" noProof="0" dirty="0">
@@ -20854,7 +21100,7 @@
               <a:blipFill>
                 <a:blip r:embed="rId2"/>
                 <a:stretch>
-                  <a:fillRect t="-1488"/>
+                  <a:fillRect t="-1637"/>
                 </a:stretch>
               </a:blipFill>
             </p:spPr>
@@ -20863,7 +21109,7 @@
               <a:lstStyle/>
               <a:p>
                 <a:r>
-                  <a:rPr lang="en-US">
+                  <a:rPr lang="de-DE">
                     <a:noFill/>
                   </a:rPr>
                   <a:t> </a:t>
@@ -22799,8 +23045,8 @@
           </a:p>
         </p:txBody>
       </p:sp>
-      <mc:AlternateContent xmlns:mc="http://schemas.openxmlformats.org/markup-compatibility/2006" xmlns:a14="http://schemas.microsoft.com/office/drawing/2010/main">
-        <mc:Choice Requires="a14">
+      <mc:AlternateContent xmlns:mc="http://schemas.openxmlformats.org/markup-compatibility/2006">
+        <mc:Choice xmlns:a14="http://schemas.microsoft.com/office/drawing/2010/main" Requires="a14">
           <p:sp>
             <p:nvSpPr>
               <p:cNvPr id="7" name="Textplatzhalter 6">
@@ -23036,12 +23282,12 @@
                   <a:t>Algorithm </a:t>
                 </a:r>
                 <a:r>
-                  <a:rPr lang="en-US" sz="2000" noProof="0" dirty="0" err="1">
+                  <a:rPr lang="en-US" sz="2000" noProof="0" dirty="0">
                     <a:solidFill>
                       <a:schemeClr val="accent1"/>
                     </a:solidFill>
                   </a:rPr>
-                  <a:t>strenghthens</a:t>
+                  <a:t>strengthens</a:t>
                 </a:r>
                 <a:r>
                   <a:rPr lang="en-US" sz="2000" noProof="0" dirty="0"/>
@@ -23110,9 +23356,18 @@
                 </a:pPr>
                 <a:r>
                   <a:rPr lang="en-US" sz="2000" noProof="0" dirty="0">
+                    <a:solidFill>
+                      <a:schemeClr val="accent1"/>
+                    </a:solidFill>
                     <a:sym typeface="Wingdings" panose="05000000000000000000" pitchFamily="2" charset="2"/>
                   </a:rPr>
-                  <a:t> </a:t>
+                  <a:t></a:t>
+                </a:r>
+                <a:r>
+                  <a:rPr lang="en-US" sz="2000" noProof="0" dirty="0">
+                    <a:sym typeface="Wingdings" panose="05000000000000000000" pitchFamily="2" charset="2"/>
+                  </a:rPr>
+                  <a:t> </a:t>
                 </a:r>
                 <a14:m>
                   <m:oMath xmlns:m="http://schemas.openxmlformats.org/officeDocument/2006/math">
@@ -23287,7 +23542,7 @@
             </p:txBody>
           </p:sp>
         </mc:Choice>
-        <mc:Fallback xmlns="">
+        <mc:Fallback>
           <p:sp>
             <p:nvSpPr>
               <p:cNvPr id="7" name="Textplatzhalter 6">
@@ -23317,7 +23572,7 @@
               <a:lstStyle/>
               <a:p>
                 <a:r>
-                  <a:rPr lang="en-US">
+                  <a:rPr lang="de-DE">
                     <a:noFill/>
                   </a:rPr>
                   <a:t> </a:t>
@@ -23562,7 +23817,7 @@
               <a:p>
                 <a:r>
                   <a:rPr lang="en-US" noProof="0" dirty="0"/>
-                  <a:t>This continues recursively until:</a:t>
+                  <a:t> This continues recursively until:</a:t>
                 </a:r>
               </a:p>
               <a:p>
@@ -23590,9 +23845,18 @@
                 </a:pPr>
                 <a:r>
                   <a:rPr lang="en-US" noProof="0" dirty="0">
+                    <a:solidFill>
+                      <a:schemeClr val="accent1"/>
+                    </a:solidFill>
                     <a:sym typeface="Wingdings" panose="05000000000000000000" pitchFamily="2" charset="2"/>
                   </a:rPr>
-                  <a:t> A</a:t>
+                  <a:t></a:t>
+                </a:r>
+                <a:r>
+                  <a:rPr lang="en-US" noProof="0" dirty="0">
+                    <a:sym typeface="Wingdings" panose="05000000000000000000" pitchFamily="2" charset="2"/>
+                  </a:rPr>
+                  <a:t> A</a:t>
                 </a:r>
                 <a:r>
                   <a:rPr lang="en-US" noProof="0" dirty="0"/>
@@ -23671,9 +23935,18 @@
                 </a:pPr>
                 <a:r>
                   <a:rPr lang="en-US" noProof="0" dirty="0">
+                    <a:solidFill>
+                      <a:schemeClr val="accent1"/>
+                    </a:solidFill>
                     <a:sym typeface="Wingdings" panose="05000000000000000000" pitchFamily="2" charset="2"/>
                   </a:rPr>
-                  <a:t> P</a:t>
+                  <a:t></a:t>
+                </a:r>
+                <a:r>
+                  <a:rPr lang="en-US" noProof="0" dirty="0">
+                    <a:sym typeface="Wingdings" panose="05000000000000000000" pitchFamily="2" charset="2"/>
+                  </a:rPr>
+                  <a:t> P</a:t>
                 </a:r>
                 <a:r>
                   <a:rPr lang="en-US" noProof="0" dirty="0"/>
@@ -23728,7 +24001,7 @@
               <a:blipFill>
                 <a:blip r:embed="rId3"/>
                 <a:stretch>
-                  <a:fillRect l="-498" t="-1444"/>
+                  <a:fillRect l="-498" t="-1312"/>
                 </a:stretch>
               </a:blipFill>
             </p:spPr>
@@ -23737,7 +24010,7 @@
               <a:lstStyle/>
               <a:p>
                 <a:r>
-                  <a:rPr lang="en-US">
+                  <a:rPr lang="de-DE">
                     <a:noFill/>
                   </a:rPr>
                   <a:t> </a:t>
@@ -24387,8 +24660,8 @@
           </a:p>
         </p:txBody>
       </p:sp>
-      <mc:AlternateContent xmlns:mc="http://schemas.openxmlformats.org/markup-compatibility/2006" xmlns:a14="http://schemas.microsoft.com/office/drawing/2010/main">
-        <mc:Choice Requires="a14">
+      <mc:AlternateContent xmlns:mc="http://schemas.openxmlformats.org/markup-compatibility/2006">
+        <mc:Choice xmlns:a14="http://schemas.microsoft.com/office/drawing/2010/main" Requires="a14">
           <p:sp>
             <p:nvSpPr>
               <p:cNvPr id="2" name="Textplatzhalter 1">
@@ -24416,15 +24689,7 @@
                 </a:pPr>
                 <a:r>
                   <a:rPr lang="en-US" noProof="0" dirty="0"/>
-                  <a:t>After no proof-obligations are left, the algorithm </a:t>
-                </a:r>
-                <a:r>
-                  <a:rPr lang="en-US" noProof="0" dirty="0" err="1"/>
-                  <a:t>initzializes</a:t>
-                </a:r>
-                <a:r>
-                  <a:rPr lang="en-US" noProof="0" dirty="0"/>
-                  <a:t> new frame </a:t>
+                  <a:t> After no proof-obligations are left, the algorithm initializes new frame </a:t>
                 </a:r>
                 <a14:m>
                   <m:oMath xmlns:m="http://schemas.openxmlformats.org/officeDocument/2006/math">
@@ -24489,23 +24754,7 @@
                 </a:pPr>
                 <a:r>
                   <a:rPr lang="en-US" noProof="0" dirty="0"/>
-                  <a:t>Algorithm passes on learned </a:t>
-                </a:r>
-                <a:r>
-                  <a:rPr lang="en-US" noProof="0" dirty="0" err="1"/>
-                  <a:t>informations</a:t>
-                </a:r>
-                <a:r>
-                  <a:rPr lang="en-US" noProof="0" dirty="0"/>
-                  <a:t>, </a:t>
-                </a:r>
-                <a:r>
-                  <a:rPr lang="en-US" noProof="0" dirty="0" err="1"/>
-                  <a:t>e.g</a:t>
-                </a:r>
-                <a:r>
-                  <a:rPr lang="en-US" noProof="0" dirty="0"/>
-                  <a:t>, which states are blocked:</a:t>
+                  <a:t> Algorithm passes on learned information, e.g., which states are blocked:</a:t>
                 </a:r>
               </a:p>
               <a:p>
@@ -24595,6 +24844,13 @@
                       <m:sub/>
                       <m:sup/>
                       <m:e>
+                        <m:r>
+                          <a:rPr lang="de-DE" b="0" i="1" noProof="0" smtClean="0">
+                            <a:latin typeface="Cambria Math" panose="02040503050406030204" pitchFamily="18" charset="0"/>
+                            <a:ea typeface="Cambria Math" panose="02040503050406030204" pitchFamily="18" charset="0"/>
+                          </a:rPr>
+                          <m:t> </m:t>
+                        </m:r>
                         <m:r>
                           <a:rPr lang="en-US" b="0" i="1" noProof="0" smtClean="0">
                             <a:latin typeface="Cambria Math" panose="02040503050406030204" pitchFamily="18" charset="0"/>
@@ -24714,7 +24970,7 @@
             </p:txBody>
           </p:sp>
         </mc:Choice>
-        <mc:Fallback xmlns="">
+        <mc:Fallback>
           <p:sp>
             <p:nvSpPr>
               <p:cNvPr id="2" name="Textplatzhalter 1">
@@ -24735,7 +24991,7 @@
               <a:blipFill>
                 <a:blip r:embed="rId2"/>
                 <a:stretch>
-                  <a:fillRect t="-1488"/>
+                  <a:fillRect t="-1637"/>
                 </a:stretch>
               </a:blipFill>
             </p:spPr>
@@ -24744,7 +25000,7 @@
               <a:lstStyle/>
               <a:p>
                 <a:r>
-                  <a:rPr lang="en-US">
+                  <a:rPr lang="de-DE">
                     <a:noFill/>
                   </a:rPr>
                   <a:t> </a:t>
@@ -24956,8 +25212,8 @@
           </a:p>
         </p:txBody>
       </p:sp>
-      <mc:AlternateContent xmlns:mc="http://schemas.openxmlformats.org/markup-compatibility/2006" xmlns:a14="http://schemas.microsoft.com/office/drawing/2010/main">
-        <mc:Choice Requires="a14">
+      <mc:AlternateContent xmlns:mc="http://schemas.openxmlformats.org/markup-compatibility/2006">
+        <mc:Choice xmlns:a14="http://schemas.microsoft.com/office/drawing/2010/main" Requires="a14">
           <p:sp>
             <p:nvSpPr>
               <p:cNvPr id="2" name="Textplatzhalter 1">
@@ -24985,15 +25241,7 @@
                 </a:pPr>
                 <a:r>
                   <a:rPr lang="en-US" noProof="0" dirty="0"/>
-                  <a:t>After no proof-obligations are left, the algorithm </a:t>
-                </a:r>
-                <a:r>
-                  <a:rPr lang="en-US" noProof="0" dirty="0" err="1"/>
-                  <a:t>initzializes</a:t>
-                </a:r>
-                <a:r>
-                  <a:rPr lang="en-US" noProof="0" dirty="0"/>
-                  <a:t> new frame </a:t>
+                  <a:t> After no proof-obligations are left, the algorithm initializes new frame </a:t>
                 </a:r>
                 <a14:m>
                   <m:oMath xmlns:m="http://schemas.openxmlformats.org/officeDocument/2006/math">
@@ -25058,23 +25306,7 @@
                 </a:pPr>
                 <a:r>
                   <a:rPr lang="en-US" noProof="0" dirty="0"/>
-                  <a:t>Algorithm passes on learned </a:t>
-                </a:r>
-                <a:r>
-                  <a:rPr lang="en-US" noProof="0" dirty="0" err="1"/>
-                  <a:t>informations</a:t>
-                </a:r>
-                <a:r>
-                  <a:rPr lang="en-US" noProof="0" dirty="0"/>
-                  <a:t>, </a:t>
-                </a:r>
-                <a:r>
-                  <a:rPr lang="en-US" noProof="0" dirty="0" err="1"/>
-                  <a:t>e.g</a:t>
-                </a:r>
-                <a:r>
-                  <a:rPr lang="en-US" noProof="0" dirty="0"/>
-                  <a:t>, which states are blocked:</a:t>
+                  <a:t> Algorithm passes on learned information, e.g., which states are blocked:</a:t>
                 </a:r>
               </a:p>
               <a:p>
@@ -25164,6 +25396,13 @@
                       <m:sub/>
                       <m:sup/>
                       <m:e>
+                        <m:r>
+                          <a:rPr lang="de-DE" b="0" i="1" noProof="0" smtClean="0">
+                            <a:latin typeface="Cambria Math" panose="02040503050406030204" pitchFamily="18" charset="0"/>
+                            <a:ea typeface="Cambria Math" panose="02040503050406030204" pitchFamily="18" charset="0"/>
+                          </a:rPr>
+                          <m:t> </m:t>
+                        </m:r>
                         <m:r>
                           <a:rPr lang="en-US" b="0" i="1" noProof="0" smtClean="0">
                             <a:latin typeface="Cambria Math" panose="02040503050406030204" pitchFamily="18" charset="0"/>
@@ -25252,7 +25491,7 @@
                   <a:rPr lang="en-US" noProof="0" dirty="0">
                     <a:sym typeface="Wingdings" panose="05000000000000000000" pitchFamily="2" charset="2"/>
                   </a:rPr>
-                  <a:t>If </a:t>
+                  <a:t> If </a:t>
                 </a:r>
                 <a:r>
                   <a:rPr lang="en-US" noProof="0" dirty="0">
@@ -25325,6 +25564,9 @@
                 </a:pPr>
                 <a:r>
                   <a:rPr lang="en-US" sz="2000" noProof="0" dirty="0">
+                    <a:solidFill>
+                      <a:schemeClr val="accent1"/>
+                    </a:solidFill>
                     <a:sym typeface="Wingdings" panose="05000000000000000000" pitchFamily="2" charset="2"/>
                   </a:rPr>
                   <a:t></a:t>
@@ -25447,7 +25689,7 @@
             </p:txBody>
           </p:sp>
         </mc:Choice>
-        <mc:Fallback xmlns="">
+        <mc:Fallback>
           <p:sp>
             <p:nvSpPr>
               <p:cNvPr id="2" name="Textplatzhalter 1">
@@ -25468,7 +25710,7 @@
               <a:blipFill>
                 <a:blip r:embed="rId2"/>
                 <a:stretch>
-                  <a:fillRect t="-1488"/>
+                  <a:fillRect t="-1637"/>
                 </a:stretch>
               </a:blipFill>
             </p:spPr>
@@ -25477,7 +25719,7 @@
               <a:lstStyle/>
               <a:p>
                 <a:r>
-                  <a:rPr lang="en-US">
+                  <a:rPr lang="de-DE">
                     <a:noFill/>
                   </a:rPr>
                   <a:t> </a:t>
@@ -25689,8 +25931,8 @@
           </a:p>
         </p:txBody>
       </p:sp>
-      <mc:AlternateContent xmlns:mc="http://schemas.openxmlformats.org/markup-compatibility/2006" xmlns:a14="http://schemas.microsoft.com/office/drawing/2010/main">
-        <mc:Choice Requires="a14">
+      <mc:AlternateContent xmlns:mc="http://schemas.openxmlformats.org/markup-compatibility/2006">
+        <mc:Choice xmlns:a14="http://schemas.microsoft.com/office/drawing/2010/main" Requires="a14">
           <p:sp>
             <p:nvSpPr>
               <p:cNvPr id="2" name="Textplatzhalter 1">
@@ -25718,7 +25960,965 @@
                 </a:pPr>
                 <a:r>
                   <a:rPr lang="en-US" noProof="0" dirty="0"/>
-                  <a:t>After all clauses have been tested, algorithm checks if </a:t>
+                  <a:t> After all clauses have been tested, algorithm checks if </a:t>
+                </a:r>
+                <a14:m>
+                  <m:oMath xmlns:m="http://schemas.openxmlformats.org/officeDocument/2006/math">
+                    <m:sSub>
+                      <m:sSubPr>
+                        <m:ctrlPr>
+                          <a:rPr lang="en-US" i="1" noProof="0" smtClean="0">
+                            <a:latin typeface="Cambria Math" panose="02040503050406030204" pitchFamily="18" charset="0"/>
+                          </a:rPr>
+                        </m:ctrlPr>
+                      </m:sSubPr>
+                      <m:e>
+                        <m:r>
+                          <a:rPr lang="en-US" b="0" i="1" noProof="0" smtClean="0">
+                            <a:latin typeface="Cambria Math" panose="02040503050406030204" pitchFamily="18" charset="0"/>
+                          </a:rPr>
+                          <m:t>𝐹</m:t>
+                        </m:r>
+                      </m:e>
+                      <m:sub>
+                        <m:r>
+                          <a:rPr lang="en-US" b="0" i="1" noProof="0" smtClean="0">
+                            <a:latin typeface="Cambria Math" panose="02040503050406030204" pitchFamily="18" charset="0"/>
+                          </a:rPr>
+                          <m:t>𝑘</m:t>
+                        </m:r>
+                      </m:sub>
+                    </m:sSub>
+                    <m:r>
+                      <a:rPr lang="en-US" b="0" i="1" noProof="0" smtClean="0">
+                        <a:latin typeface="Cambria Math" panose="02040503050406030204" pitchFamily="18" charset="0"/>
+                      </a:rPr>
+                      <m:t> </m:t>
+                    </m:r>
+                    <m:r>
+                      <a:rPr lang="en-US" b="0" i="1" noProof="0" smtClean="0">
+                        <a:latin typeface="Cambria Math" panose="02040503050406030204" pitchFamily="18" charset="0"/>
+                        <a:ea typeface="Cambria Math" panose="02040503050406030204" pitchFamily="18" charset="0"/>
+                      </a:rPr>
+                      <m:t>≡ </m:t>
+                    </m:r>
+                    <m:sSub>
+                      <m:sSubPr>
+                        <m:ctrlPr>
+                          <a:rPr lang="en-US" b="0" i="1" noProof="0" smtClean="0">
+                            <a:latin typeface="Cambria Math" panose="02040503050406030204" pitchFamily="18" charset="0"/>
+                            <a:ea typeface="Cambria Math" panose="02040503050406030204" pitchFamily="18" charset="0"/>
+                          </a:rPr>
+                        </m:ctrlPr>
+                      </m:sSubPr>
+                      <m:e>
+                        <m:r>
+                          <a:rPr lang="en-US" b="0" i="1" noProof="0" smtClean="0">
+                            <a:latin typeface="Cambria Math" panose="02040503050406030204" pitchFamily="18" charset="0"/>
+                            <a:ea typeface="Cambria Math" panose="02040503050406030204" pitchFamily="18" charset="0"/>
+                          </a:rPr>
+                          <m:t>𝐹</m:t>
+                        </m:r>
+                      </m:e>
+                      <m:sub>
+                        <m:r>
+                          <a:rPr lang="en-US" b="0" i="1" noProof="0" smtClean="0">
+                            <a:latin typeface="Cambria Math" panose="02040503050406030204" pitchFamily="18" charset="0"/>
+                            <a:ea typeface="Cambria Math" panose="02040503050406030204" pitchFamily="18" charset="0"/>
+                          </a:rPr>
+                          <m:t>𝑘</m:t>
+                        </m:r>
+                        <m:r>
+                          <a:rPr lang="en-US" b="0" i="1" noProof="0" smtClean="0">
+                            <a:latin typeface="Cambria Math" panose="02040503050406030204" pitchFamily="18" charset="0"/>
+                            <a:ea typeface="Cambria Math" panose="02040503050406030204" pitchFamily="18" charset="0"/>
+                          </a:rPr>
+                          <m:t>+1</m:t>
+                        </m:r>
+                      </m:sub>
+                    </m:sSub>
+                  </m:oMath>
+                </a14:m>
+                <a:endParaRPr lang="en-US" b="0" noProof="0" dirty="0">
+                  <a:ea typeface="Cambria Math" panose="02040503050406030204" pitchFamily="18" charset="0"/>
+                </a:endParaRPr>
+              </a:p>
+              <a:p>
+                <a:pPr marL="274320" lvl="1" indent="0">
+                  <a:buNone/>
+                </a:pPr>
+                <a:endParaRPr lang="en-US" b="0" noProof="0" dirty="0">
+                  <a:ea typeface="Cambria Math" panose="02040503050406030204" pitchFamily="18" charset="0"/>
+                </a:endParaRPr>
+              </a:p>
+              <a:p>
+                <a:pPr lvl="2">
+                  <a:buFont typeface="Wingdings" panose="05000000000000000000" pitchFamily="2" charset="2"/>
+                  <a:buChar char="§"/>
+                </a:pPr>
+                <a:r>
+                  <a:rPr lang="en-US" noProof="0" dirty="0">
+                    <a:sym typeface="Wingdings" panose="05000000000000000000" pitchFamily="2" charset="2"/>
+                  </a:rPr>
+                  <a:t>If </a:t>
+                </a:r>
+                <a:r>
+                  <a:rPr lang="en-US" noProof="0" dirty="0">
+                    <a:solidFill>
+                      <a:schemeClr val="accent1"/>
+                    </a:solidFill>
+                    <a:sym typeface="Wingdings" panose="05000000000000000000" pitchFamily="2" charset="2"/>
+                  </a:rPr>
+                  <a:t>so</a:t>
+                </a:r>
+                <a:r>
+                  <a:rPr lang="en-US" noProof="0" dirty="0">
+                    <a:sym typeface="Wingdings" panose="05000000000000000000" pitchFamily="2" charset="2"/>
+                  </a:rPr>
+                  <a:t>, the algorithm has found a </a:t>
+                </a:r>
+                <a:r>
+                  <a:rPr lang="en-US" noProof="0" dirty="0">
+                    <a:solidFill>
+                      <a:schemeClr val="accent1"/>
+                    </a:solidFill>
+                    <a:sym typeface="Wingdings" panose="05000000000000000000" pitchFamily="2" charset="2"/>
+                  </a:rPr>
+                  <a:t>fixpoint</a:t>
+                </a:r>
+                <a:r>
+                  <a:rPr lang="en-US" noProof="0" dirty="0">
+                    <a:sym typeface="Wingdings" panose="05000000000000000000" pitchFamily="2" charset="2"/>
+                  </a:rPr>
+                  <a:t> and terminates</a:t>
+                </a:r>
+              </a:p>
+              <a:p>
+                <a:pPr marL="735012" lvl="3" indent="0">
+                  <a:buNone/>
+                </a:pPr>
+                <a:r>
+                  <a:rPr lang="en-US" noProof="0" dirty="0">
+                    <a:solidFill>
+                      <a:schemeClr val="accent1"/>
+                    </a:solidFill>
+                    <a:sym typeface="Wingdings" panose="05000000000000000000" pitchFamily="2" charset="2"/>
+                  </a:rPr>
+                  <a:t></a:t>
+                </a:r>
+                <a:r>
+                  <a:rPr lang="en-US" noProof="0" dirty="0">
+                    <a:sym typeface="Wingdings" panose="05000000000000000000" pitchFamily="2" charset="2"/>
+                  </a:rPr>
+                  <a:t> </a:t>
+                </a:r>
+                <a:r>
+                  <a:rPr lang="en-US" noProof="0" dirty="0">
+                    <a:solidFill>
+                      <a:schemeClr val="accent1"/>
+                    </a:solidFill>
+                    <a:sym typeface="Wingdings" panose="05000000000000000000" pitchFamily="2" charset="2"/>
+                  </a:rPr>
+                  <a:t>No states </a:t>
+                </a:r>
+                <a:r>
+                  <a:rPr lang="en-US" noProof="0" dirty="0">
+                    <a:sym typeface="Wingdings" panose="05000000000000000000" pitchFamily="2" charset="2"/>
+                  </a:rPr>
+                  <a:t>of </a:t>
+                </a:r>
+                <a14:m>
+                  <m:oMath xmlns:m="http://schemas.openxmlformats.org/officeDocument/2006/math">
+                    <m:acc>
+                      <m:accPr>
+                        <m:chr m:val="̅"/>
+                        <m:ctrlPr>
+                          <a:rPr lang="en-US" i="1" noProof="0" smtClean="0">
+                            <a:latin typeface="Cambria Math" panose="02040503050406030204" pitchFamily="18" charset="0"/>
+                            <a:sym typeface="Wingdings" panose="05000000000000000000" pitchFamily="2" charset="2"/>
+                          </a:rPr>
+                        </m:ctrlPr>
+                      </m:accPr>
+                      <m:e>
+                        <m:r>
+                          <a:rPr lang="en-US" b="0" i="1" noProof="0" smtClean="0">
+                            <a:latin typeface="Cambria Math" panose="02040503050406030204" pitchFamily="18" charset="0"/>
+                            <a:sym typeface="Wingdings" panose="05000000000000000000" pitchFamily="2" charset="2"/>
+                          </a:rPr>
+                          <m:t>𝑃</m:t>
+                        </m:r>
+                      </m:e>
+                    </m:acc>
+                  </m:oMath>
+                </a14:m>
+                <a:r>
+                  <a:rPr lang="en-US" noProof="0" dirty="0"/>
+                  <a:t> are </a:t>
+                </a:r>
+                <a:r>
+                  <a:rPr lang="en-US" noProof="0" dirty="0">
+                    <a:solidFill>
+                      <a:schemeClr val="accent1"/>
+                    </a:solidFill>
+                  </a:rPr>
+                  <a:t>reachable</a:t>
+                </a:r>
+              </a:p>
+              <a:p>
+                <a:pPr lvl="2"/>
+                <a:endParaRPr lang="en-US" noProof="0" dirty="0"/>
+              </a:p>
+              <a:p>
+                <a:pPr marL="506412" lvl="2" indent="0">
+                  <a:buNone/>
+                </a:pPr>
+                <a:endParaRPr lang="en-US" noProof="0" dirty="0">
+                  <a:sym typeface="Wingdings" panose="05000000000000000000" pitchFamily="2" charset="2"/>
+                </a:endParaRPr>
+              </a:p>
+              <a:p>
+                <a:pPr lvl="2">
+                  <a:buFont typeface="Wingdings" panose="05000000000000000000" pitchFamily="2" charset="2"/>
+                  <a:buChar char="§"/>
+                </a:pPr>
+                <a:endParaRPr lang="en-US" noProof="0" dirty="0">
+                  <a:sym typeface="Wingdings" panose="05000000000000000000" pitchFamily="2" charset="2"/>
+                </a:endParaRPr>
+              </a:p>
+              <a:p>
+                <a:pPr lvl="2">
+                  <a:buFont typeface="Wingdings" panose="05000000000000000000" pitchFamily="2" charset="2"/>
+                  <a:buChar char="§"/>
+                </a:pPr>
+                <a:endParaRPr lang="en-US" noProof="0" dirty="0">
+                  <a:sym typeface="Wingdings" panose="05000000000000000000" pitchFamily="2" charset="2"/>
+                </a:endParaRPr>
+              </a:p>
+              <a:p>
+                <a:pPr lvl="1"/>
+                <a:endParaRPr lang="en-US" noProof="0" dirty="0">
+                  <a:sym typeface="Wingdings" panose="05000000000000000000" pitchFamily="2" charset="2"/>
+                </a:endParaRPr>
+              </a:p>
+            </p:txBody>
+          </p:sp>
+        </mc:Choice>
+        <mc:Fallback>
+          <p:sp>
+            <p:nvSpPr>
+              <p:cNvPr id="2" name="Textplatzhalter 1">
+                <a:extLst>
+                  <a:ext uri="{FF2B5EF4-FFF2-40B4-BE49-F238E27FC236}">
+                    <a16:creationId xmlns:a16="http://schemas.microsoft.com/office/drawing/2014/main" id="{C337C313-F3FF-45E7-8430-A2F7DF0AEE39}"/>
+                  </a:ext>
+                </a:extLst>
+              </p:cNvPr>
+              <p:cNvSpPr>
+                <a:spLocks noGrp="1" noRot="1" noChangeAspect="1" noMove="1" noResize="1" noEditPoints="1" noAdjustHandles="1" noChangeArrowheads="1" noChangeShapeType="1" noTextEdit="1"/>
+              </p:cNvSpPr>
+              <p:nvPr>
+                <p:ph type="body" sz="quarter" idx="13"/>
+              </p:nvPr>
+            </p:nvSpPr>
+            <p:spPr>
+              <a:blipFill>
+                <a:blip r:embed="rId2"/>
+                <a:stretch>
+                  <a:fillRect t="-1637"/>
+                </a:stretch>
+              </a:blipFill>
+            </p:spPr>
+            <p:txBody>
+              <a:bodyPr/>
+              <a:lstStyle/>
+              <a:p>
+                <a:r>
+                  <a:rPr lang="de-DE">
+                    <a:noFill/>
+                  </a:rPr>
+                  <a:t> </a:t>
+                </a:r>
+              </a:p>
+            </p:txBody>
+          </p:sp>
+        </mc:Fallback>
+      </mc:AlternateContent>
+      <p:sp>
+        <p:nvSpPr>
+          <p:cNvPr id="8" name="Textplatzhalter 7">
+            <a:extLst>
+              <a:ext uri="{FF2B5EF4-FFF2-40B4-BE49-F238E27FC236}">
+                <a16:creationId xmlns:a16="http://schemas.microsoft.com/office/drawing/2014/main" id="{EB5900AC-9042-4445-AAA7-322581583494}"/>
+              </a:ext>
+            </a:extLst>
+          </p:cNvPr>
+          <p:cNvSpPr>
+            <a:spLocks noGrp="1"/>
+          </p:cNvSpPr>
+          <p:nvPr>
+            <p:ph type="body" sz="quarter" idx="14"/>
+          </p:nvPr>
+        </p:nvSpPr>
+        <p:spPr/>
+        <p:txBody>
+          <a:bodyPr/>
+          <a:lstStyle/>
+          <a:p>
+            <a:r>
+              <a:rPr lang="en-US" noProof="0" dirty="0"/>
+              <a:t>Check for </a:t>
+            </a:r>
+            <a:r>
+              <a:rPr lang="en-US" noProof="0" dirty="0">
+                <a:solidFill>
+                  <a:schemeClr val="accent1"/>
+                </a:solidFill>
+              </a:rPr>
+              <a:t>termination</a:t>
+            </a:r>
+            <a:r>
+              <a:rPr lang="en-US" noProof="0" dirty="0"/>
+              <a:t>:</a:t>
+            </a:r>
+          </a:p>
+        </p:txBody>
+      </p:sp>
+    </p:spTree>
+    <p:extLst>
+      <p:ext uri="{BB962C8B-B14F-4D97-AF65-F5344CB8AC3E}">
+        <p14:creationId xmlns:p14="http://schemas.microsoft.com/office/powerpoint/2010/main" val="116212317"/>
+      </p:ext>
+    </p:extLst>
+  </p:cSld>
+  <p:clrMapOvr>
+    <a:masterClrMapping/>
+  </p:clrMapOvr>
+  <mc:AlternateContent xmlns:mc="http://schemas.openxmlformats.org/markup-compatibility/2006" xmlns:p14="http://schemas.microsoft.com/office/powerpoint/2010/main">
+    <mc:Choice Requires="p14">
+      <p:transition spd="med" p14:dur="700">
+        <p:fade/>
+      </p:transition>
+    </mc:Choice>
+    <mc:Fallback xmlns="">
+      <p:transition spd="med">
+        <p:fade/>
+      </p:transition>
+    </mc:Fallback>
+  </mc:AlternateContent>
+</p:sld>
+</file>
+
+<file path=ppt/slides/slide24.xml><?xml version="1.0" encoding="utf-8"?>
+<p:sld xmlns:a="http://schemas.openxmlformats.org/drawingml/2006/main" xmlns:r="http://schemas.openxmlformats.org/officeDocument/2006/relationships" xmlns:p="http://schemas.openxmlformats.org/presentationml/2006/main">
+  <p:cSld>
+    <p:spTree>
+      <p:nvGrpSpPr>
+        <p:cNvPr id="1" name=""/>
+        <p:cNvGrpSpPr/>
+        <p:nvPr/>
+      </p:nvGrpSpPr>
+      <p:grpSpPr>
+        <a:xfrm>
+          <a:off x="0" y="0"/>
+          <a:ext cx="0" cy="0"/>
+          <a:chOff x="0" y="0"/>
+          <a:chExt cx="0" cy="0"/>
+        </a:xfrm>
+      </p:grpSpPr>
+      <p:sp>
+        <p:nvSpPr>
+          <p:cNvPr id="6" name="Titel 5">
+            <a:extLst>
+              <a:ext uri="{FF2B5EF4-FFF2-40B4-BE49-F238E27FC236}">
+                <a16:creationId xmlns:a16="http://schemas.microsoft.com/office/drawing/2014/main" id="{1661A19C-2FAC-45A3-810F-F0198EA3B294}"/>
+              </a:ext>
+            </a:extLst>
+          </p:cNvPr>
+          <p:cNvSpPr>
+            <a:spLocks noGrp="1"/>
+          </p:cNvSpPr>
+          <p:nvPr>
+            <p:ph type="title"/>
+          </p:nvPr>
+        </p:nvSpPr>
+        <p:spPr/>
+        <p:txBody>
+          <a:bodyPr>
+            <a:normAutofit fontScale="90000"/>
+          </a:bodyPr>
+          <a:lstStyle/>
+          <a:p>
+            <a:r>
+              <a:rPr lang="en-US" noProof="0" dirty="0"/>
+              <a:t>2.2 Algorithm: </a:t>
+            </a:r>
+            <a:r>
+              <a:rPr lang="en-US" b="0" noProof="0" dirty="0"/>
+              <a:t>Propagation-Phase</a:t>
+            </a:r>
+          </a:p>
+        </p:txBody>
+      </p:sp>
+      <p:sp>
+        <p:nvSpPr>
+          <p:cNvPr id="3" name="Datumsplatzhalter 2">
+            <a:extLst>
+              <a:ext uri="{FF2B5EF4-FFF2-40B4-BE49-F238E27FC236}">
+                <a16:creationId xmlns:a16="http://schemas.microsoft.com/office/drawing/2014/main" id="{9B2C4A63-DAA0-46CB-BFF4-627C7D5EC074}"/>
+              </a:ext>
+            </a:extLst>
+          </p:cNvPr>
+          <p:cNvSpPr>
+            <a:spLocks noGrp="1"/>
+          </p:cNvSpPr>
+          <p:nvPr>
+            <p:ph type="dt" sz="half" idx="10"/>
+          </p:nvPr>
+        </p:nvSpPr>
+        <p:spPr/>
+        <p:txBody>
+          <a:bodyPr/>
+          <a:lstStyle/>
+          <a:p>
+            <a:pPr algn="r"/>
+            <a:r>
+              <a:rPr lang="de-DE" noProof="0"/>
+              <a:t>28.8.18</a:t>
+            </a:r>
+            <a:endParaRPr lang="de-DE" noProof="0" dirty="0"/>
+          </a:p>
+        </p:txBody>
+      </p:sp>
+      <p:sp>
+        <p:nvSpPr>
+          <p:cNvPr id="4" name="Fußzeilenplatzhalter 3">
+            <a:extLst>
+              <a:ext uri="{FF2B5EF4-FFF2-40B4-BE49-F238E27FC236}">
+                <a16:creationId xmlns:a16="http://schemas.microsoft.com/office/drawing/2014/main" id="{F01DBAC8-199D-47F3-A570-982F80C57CDD}"/>
+              </a:ext>
+            </a:extLst>
+          </p:cNvPr>
+          <p:cNvSpPr>
+            <a:spLocks noGrp="1"/>
+          </p:cNvSpPr>
+          <p:nvPr>
+            <p:ph type="ftr" sz="quarter" idx="11"/>
+          </p:nvPr>
+        </p:nvSpPr>
+        <p:spPr/>
+        <p:txBody>
+          <a:bodyPr/>
+          <a:lstStyle/>
+          <a:p>
+            <a:pPr rtl="0"/>
+            <a:endParaRPr lang="de-DE" noProof="0" dirty="0"/>
+          </a:p>
+        </p:txBody>
+      </p:sp>
+      <p:sp>
+        <p:nvSpPr>
+          <p:cNvPr id="5" name="Foliennummernplatzhalter 4">
+            <a:extLst>
+              <a:ext uri="{FF2B5EF4-FFF2-40B4-BE49-F238E27FC236}">
+                <a16:creationId xmlns:a16="http://schemas.microsoft.com/office/drawing/2014/main" id="{DD033B92-4039-43BD-BBE0-0462193EF5A3}"/>
+              </a:ext>
+            </a:extLst>
+          </p:cNvPr>
+          <p:cNvSpPr>
+            <a:spLocks noGrp="1"/>
+          </p:cNvSpPr>
+          <p:nvPr>
+            <p:ph type="sldNum" sz="quarter" idx="12"/>
+          </p:nvPr>
+        </p:nvSpPr>
+        <p:spPr/>
+        <p:txBody>
+          <a:bodyPr/>
+          <a:lstStyle/>
+          <a:p>
+            <a:pPr rtl="0"/>
+            <a:r>
+              <a:rPr lang="de-DE" noProof="0"/>
+              <a:t>‹Nr.›</a:t>
+            </a:r>
+            <a:endParaRPr lang="de-DE" noProof="0" dirty="0"/>
+          </a:p>
+        </p:txBody>
+      </p:sp>
+      <mc:AlternateContent xmlns:mc="http://schemas.openxmlformats.org/markup-compatibility/2006">
+        <mc:Choice xmlns:a14="http://schemas.microsoft.com/office/drawing/2010/main" Requires="a14">
+          <p:sp>
+            <p:nvSpPr>
+              <p:cNvPr id="2" name="Textplatzhalter 1">
+                <a:extLst>
+                  <a:ext uri="{FF2B5EF4-FFF2-40B4-BE49-F238E27FC236}">
+                    <a16:creationId xmlns:a16="http://schemas.microsoft.com/office/drawing/2014/main" id="{C337C313-F3FF-45E7-8430-A2F7DF0AEE39}"/>
+                  </a:ext>
+                </a:extLst>
+              </p:cNvPr>
+              <p:cNvSpPr>
+                <a:spLocks noGrp="1"/>
+              </p:cNvSpPr>
+              <p:nvPr>
+                <p:ph type="body" sz="quarter" idx="13"/>
+              </p:nvPr>
+            </p:nvSpPr>
+            <p:spPr/>
+            <p:txBody>
+              <a:bodyPr/>
+              <a:lstStyle/>
+              <a:p>
+                <a:pPr lvl="1">
+                  <a:buFont typeface="Wingdings" panose="05000000000000000000" pitchFamily="2" charset="2"/>
+                  <a:buChar char="Ø"/>
+                </a:pPr>
+                <a:r>
+                  <a:rPr lang="en-US" noProof="0" dirty="0"/>
+                  <a:t> After all clauses have been tested, algorithm checks if </a:t>
+                </a:r>
+                <a14:m>
+                  <m:oMath xmlns:m="http://schemas.openxmlformats.org/officeDocument/2006/math">
+                    <m:sSub>
+                      <m:sSubPr>
+                        <m:ctrlPr>
+                          <a:rPr lang="en-US" i="1" noProof="0" smtClean="0">
+                            <a:latin typeface="Cambria Math" panose="02040503050406030204" pitchFamily="18" charset="0"/>
+                          </a:rPr>
+                        </m:ctrlPr>
+                      </m:sSubPr>
+                      <m:e>
+                        <m:r>
+                          <a:rPr lang="en-US" b="0" i="1" noProof="0" smtClean="0">
+                            <a:latin typeface="Cambria Math" panose="02040503050406030204" pitchFamily="18" charset="0"/>
+                          </a:rPr>
+                          <m:t>𝐹</m:t>
+                        </m:r>
+                      </m:e>
+                      <m:sub>
+                        <m:r>
+                          <a:rPr lang="en-US" b="0" i="1" noProof="0" smtClean="0">
+                            <a:latin typeface="Cambria Math" panose="02040503050406030204" pitchFamily="18" charset="0"/>
+                          </a:rPr>
+                          <m:t>𝑘</m:t>
+                        </m:r>
+                      </m:sub>
+                    </m:sSub>
+                    <m:r>
+                      <a:rPr lang="en-US" b="0" i="1" noProof="0" smtClean="0">
+                        <a:latin typeface="Cambria Math" panose="02040503050406030204" pitchFamily="18" charset="0"/>
+                      </a:rPr>
+                      <m:t> </m:t>
+                    </m:r>
+                    <m:r>
+                      <a:rPr lang="en-US" b="0" i="1" noProof="0" smtClean="0">
+                        <a:latin typeface="Cambria Math" panose="02040503050406030204" pitchFamily="18" charset="0"/>
+                        <a:ea typeface="Cambria Math" panose="02040503050406030204" pitchFamily="18" charset="0"/>
+                      </a:rPr>
+                      <m:t>≡ </m:t>
+                    </m:r>
+                    <m:sSub>
+                      <m:sSubPr>
+                        <m:ctrlPr>
+                          <a:rPr lang="en-US" b="0" i="1" noProof="0" smtClean="0">
+                            <a:latin typeface="Cambria Math" panose="02040503050406030204" pitchFamily="18" charset="0"/>
+                            <a:ea typeface="Cambria Math" panose="02040503050406030204" pitchFamily="18" charset="0"/>
+                          </a:rPr>
+                        </m:ctrlPr>
+                      </m:sSubPr>
+                      <m:e>
+                        <m:r>
+                          <a:rPr lang="en-US" b="0" i="1" noProof="0" smtClean="0">
+                            <a:latin typeface="Cambria Math" panose="02040503050406030204" pitchFamily="18" charset="0"/>
+                            <a:ea typeface="Cambria Math" panose="02040503050406030204" pitchFamily="18" charset="0"/>
+                          </a:rPr>
+                          <m:t>𝐹</m:t>
+                        </m:r>
+                      </m:e>
+                      <m:sub>
+                        <m:r>
+                          <a:rPr lang="en-US" b="0" i="1" noProof="0" smtClean="0">
+                            <a:latin typeface="Cambria Math" panose="02040503050406030204" pitchFamily="18" charset="0"/>
+                            <a:ea typeface="Cambria Math" panose="02040503050406030204" pitchFamily="18" charset="0"/>
+                          </a:rPr>
+                          <m:t>𝑘</m:t>
+                        </m:r>
+                        <m:r>
+                          <a:rPr lang="en-US" b="0" i="1" noProof="0" smtClean="0">
+                            <a:latin typeface="Cambria Math" panose="02040503050406030204" pitchFamily="18" charset="0"/>
+                            <a:ea typeface="Cambria Math" panose="02040503050406030204" pitchFamily="18" charset="0"/>
+                          </a:rPr>
+                          <m:t>+1</m:t>
+                        </m:r>
+                      </m:sub>
+                    </m:sSub>
+                  </m:oMath>
+                </a14:m>
+                <a:endParaRPr lang="en-US" b="0" noProof="0" dirty="0">
+                  <a:ea typeface="Cambria Math" panose="02040503050406030204" pitchFamily="18" charset="0"/>
+                </a:endParaRPr>
+              </a:p>
+              <a:p>
+                <a:pPr marL="274320" lvl="1" indent="0">
+                  <a:buNone/>
+                </a:pPr>
+                <a:endParaRPr lang="en-US" b="0" noProof="0" dirty="0">
+                  <a:ea typeface="Cambria Math" panose="02040503050406030204" pitchFamily="18" charset="0"/>
+                </a:endParaRPr>
+              </a:p>
+              <a:p>
+                <a:pPr lvl="2">
+                  <a:buFont typeface="Wingdings" panose="05000000000000000000" pitchFamily="2" charset="2"/>
+                  <a:buChar char="§"/>
+                </a:pPr>
+                <a:r>
+                  <a:rPr lang="en-US" dirty="0">
+                    <a:sym typeface="Wingdings" panose="05000000000000000000" pitchFamily="2" charset="2"/>
+                  </a:rPr>
+                  <a:t>If </a:t>
+                </a:r>
+                <a:r>
+                  <a:rPr lang="en-US" dirty="0">
+                    <a:solidFill>
+                      <a:schemeClr val="accent1"/>
+                    </a:solidFill>
+                    <a:sym typeface="Wingdings" panose="05000000000000000000" pitchFamily="2" charset="2"/>
+                  </a:rPr>
+                  <a:t>not</a:t>
+                </a:r>
+                <a:r>
+                  <a:rPr lang="en-US" dirty="0">
+                    <a:sym typeface="Wingdings" panose="05000000000000000000" pitchFamily="2" charset="2"/>
+                  </a:rPr>
+                  <a:t>, the algorithm </a:t>
+                </a:r>
+                <a:r>
+                  <a:rPr lang="en-US" dirty="0">
+                    <a:solidFill>
+                      <a:schemeClr val="accent1"/>
+                    </a:solidFill>
+                    <a:sym typeface="Wingdings" panose="05000000000000000000" pitchFamily="2" charset="2"/>
+                  </a:rPr>
+                  <a:t>continues</a:t>
+                </a:r>
+                <a:r>
+                  <a:rPr lang="en-US" dirty="0">
+                    <a:sym typeface="Wingdings" panose="05000000000000000000" pitchFamily="2" charset="2"/>
+                  </a:rPr>
+                  <a:t> with a new Next Transition Phase</a:t>
+                </a:r>
+              </a:p>
+              <a:p>
+                <a:pPr lvl="2"/>
+                <a:endParaRPr lang="en-US" noProof="0" dirty="0"/>
+              </a:p>
+              <a:p>
+                <a:pPr lvl="2">
+                  <a:buFont typeface="Wingdings" panose="05000000000000000000" pitchFamily="2" charset="2"/>
+                  <a:buChar char="§"/>
+                </a:pPr>
+                <a:endParaRPr lang="en-US" noProof="0" dirty="0">
+                  <a:sym typeface="Wingdings" panose="05000000000000000000" pitchFamily="2" charset="2"/>
+                </a:endParaRPr>
+              </a:p>
+              <a:p>
+                <a:pPr lvl="2">
+                  <a:buFont typeface="Wingdings" panose="05000000000000000000" pitchFamily="2" charset="2"/>
+                  <a:buChar char="§"/>
+                </a:pPr>
+                <a:endParaRPr lang="en-US" noProof="0" dirty="0">
+                  <a:sym typeface="Wingdings" panose="05000000000000000000" pitchFamily="2" charset="2"/>
+                </a:endParaRPr>
+              </a:p>
+              <a:p>
+                <a:pPr lvl="2">
+                  <a:buFont typeface="Wingdings" panose="05000000000000000000" pitchFamily="2" charset="2"/>
+                  <a:buChar char="§"/>
+                </a:pPr>
+                <a:endParaRPr lang="en-US" noProof="0" dirty="0">
+                  <a:sym typeface="Wingdings" panose="05000000000000000000" pitchFamily="2" charset="2"/>
+                </a:endParaRPr>
+              </a:p>
+              <a:p>
+                <a:pPr lvl="1"/>
+                <a:endParaRPr lang="en-US" noProof="0" dirty="0">
+                  <a:sym typeface="Wingdings" panose="05000000000000000000" pitchFamily="2" charset="2"/>
+                </a:endParaRPr>
+              </a:p>
+            </p:txBody>
+          </p:sp>
+        </mc:Choice>
+        <mc:Fallback>
+          <p:sp>
+            <p:nvSpPr>
+              <p:cNvPr id="2" name="Textplatzhalter 1">
+                <a:extLst>
+                  <a:ext uri="{FF2B5EF4-FFF2-40B4-BE49-F238E27FC236}">
+                    <a16:creationId xmlns:a16="http://schemas.microsoft.com/office/drawing/2014/main" id="{C337C313-F3FF-45E7-8430-A2F7DF0AEE39}"/>
+                  </a:ext>
+                </a:extLst>
+              </p:cNvPr>
+              <p:cNvSpPr>
+                <a:spLocks noGrp="1" noRot="1" noChangeAspect="1" noMove="1" noResize="1" noEditPoints="1" noAdjustHandles="1" noChangeArrowheads="1" noChangeShapeType="1" noTextEdit="1"/>
+              </p:cNvSpPr>
+              <p:nvPr>
+                <p:ph type="body" sz="quarter" idx="13"/>
+              </p:nvPr>
+            </p:nvSpPr>
+            <p:spPr>
+              <a:blipFill>
+                <a:blip r:embed="rId2"/>
+                <a:stretch>
+                  <a:fillRect t="-1637"/>
+                </a:stretch>
+              </a:blipFill>
+            </p:spPr>
+            <p:txBody>
+              <a:bodyPr/>
+              <a:lstStyle/>
+              <a:p>
+                <a:r>
+                  <a:rPr lang="de-DE">
+                    <a:noFill/>
+                  </a:rPr>
+                  <a:t> </a:t>
+                </a:r>
+              </a:p>
+            </p:txBody>
+          </p:sp>
+        </mc:Fallback>
+      </mc:AlternateContent>
+      <p:sp>
+        <p:nvSpPr>
+          <p:cNvPr id="8" name="Textplatzhalter 7">
+            <a:extLst>
+              <a:ext uri="{FF2B5EF4-FFF2-40B4-BE49-F238E27FC236}">
+                <a16:creationId xmlns:a16="http://schemas.microsoft.com/office/drawing/2014/main" id="{EB5900AC-9042-4445-AAA7-322581583494}"/>
+              </a:ext>
+            </a:extLst>
+          </p:cNvPr>
+          <p:cNvSpPr>
+            <a:spLocks noGrp="1"/>
+          </p:cNvSpPr>
+          <p:nvPr>
+            <p:ph type="body" sz="quarter" idx="14"/>
+          </p:nvPr>
+        </p:nvSpPr>
+        <p:spPr/>
+        <p:txBody>
+          <a:bodyPr/>
+          <a:lstStyle/>
+          <a:p>
+            <a:r>
+              <a:rPr lang="en-US" noProof="0" dirty="0"/>
+              <a:t>Check for </a:t>
+            </a:r>
+            <a:r>
+              <a:rPr lang="en-US" noProof="0" dirty="0">
+                <a:solidFill>
+                  <a:schemeClr val="accent1"/>
+                </a:solidFill>
+              </a:rPr>
+              <a:t>termination</a:t>
+            </a:r>
+            <a:r>
+              <a:rPr lang="en-US" noProof="0" dirty="0"/>
+              <a:t>:</a:t>
+            </a:r>
+          </a:p>
+        </p:txBody>
+      </p:sp>
+    </p:spTree>
+    <p:extLst>
+      <p:ext uri="{BB962C8B-B14F-4D97-AF65-F5344CB8AC3E}">
+        <p14:creationId xmlns:p14="http://schemas.microsoft.com/office/powerpoint/2010/main" val="348871999"/>
+      </p:ext>
+    </p:extLst>
+  </p:cSld>
+  <p:clrMapOvr>
+    <a:masterClrMapping/>
+  </p:clrMapOvr>
+  <mc:AlternateContent xmlns:mc="http://schemas.openxmlformats.org/markup-compatibility/2006" xmlns:p14="http://schemas.microsoft.com/office/powerpoint/2010/main">
+    <mc:Choice Requires="p14">
+      <p:transition spd="med" p14:dur="700">
+        <p:fade/>
+      </p:transition>
+    </mc:Choice>
+    <mc:Fallback xmlns="">
+      <p:transition spd="med">
+        <p:fade/>
+      </p:transition>
+    </mc:Fallback>
+  </mc:AlternateContent>
+</p:sld>
+</file>
+
+<file path=ppt/slides/slide25.xml><?xml version="1.0" encoding="utf-8"?>
+<p:sld xmlns:a="http://schemas.openxmlformats.org/drawingml/2006/main" xmlns:r="http://schemas.openxmlformats.org/officeDocument/2006/relationships" xmlns:p="http://schemas.openxmlformats.org/presentationml/2006/main">
+  <p:cSld>
+    <p:spTree>
+      <p:nvGrpSpPr>
+        <p:cNvPr id="1" name=""/>
+        <p:cNvGrpSpPr/>
+        <p:nvPr/>
+      </p:nvGrpSpPr>
+      <p:grpSpPr>
+        <a:xfrm>
+          <a:off x="0" y="0"/>
+          <a:ext cx="0" cy="0"/>
+          <a:chOff x="0" y="0"/>
+          <a:chExt cx="0" cy="0"/>
+        </a:xfrm>
+      </p:grpSpPr>
+      <p:sp>
+        <p:nvSpPr>
+          <p:cNvPr id="6" name="Titel 5">
+            <a:extLst>
+              <a:ext uri="{FF2B5EF4-FFF2-40B4-BE49-F238E27FC236}">
+                <a16:creationId xmlns:a16="http://schemas.microsoft.com/office/drawing/2014/main" id="{1661A19C-2FAC-45A3-810F-F0198EA3B294}"/>
+              </a:ext>
+            </a:extLst>
+          </p:cNvPr>
+          <p:cNvSpPr>
+            <a:spLocks noGrp="1"/>
+          </p:cNvSpPr>
+          <p:nvPr>
+            <p:ph type="title"/>
+          </p:nvPr>
+        </p:nvSpPr>
+        <p:spPr/>
+        <p:txBody>
+          <a:bodyPr>
+            <a:normAutofit fontScale="90000"/>
+          </a:bodyPr>
+          <a:lstStyle/>
+          <a:p>
+            <a:r>
+              <a:rPr lang="en-US" noProof="0" dirty="0"/>
+              <a:t>2.2 Algorithm: </a:t>
+            </a:r>
+            <a:r>
+              <a:rPr lang="en-US" b="0" noProof="0" dirty="0"/>
+              <a:t>Propagation-Phase</a:t>
+            </a:r>
+          </a:p>
+        </p:txBody>
+      </p:sp>
+      <p:sp>
+        <p:nvSpPr>
+          <p:cNvPr id="3" name="Datumsplatzhalter 2">
+            <a:extLst>
+              <a:ext uri="{FF2B5EF4-FFF2-40B4-BE49-F238E27FC236}">
+                <a16:creationId xmlns:a16="http://schemas.microsoft.com/office/drawing/2014/main" id="{9B2C4A63-DAA0-46CB-BFF4-627C7D5EC074}"/>
+              </a:ext>
+            </a:extLst>
+          </p:cNvPr>
+          <p:cNvSpPr>
+            <a:spLocks noGrp="1"/>
+          </p:cNvSpPr>
+          <p:nvPr>
+            <p:ph type="dt" sz="half" idx="10"/>
+          </p:nvPr>
+        </p:nvSpPr>
+        <p:spPr/>
+        <p:txBody>
+          <a:bodyPr/>
+          <a:lstStyle/>
+          <a:p>
+            <a:pPr algn="r"/>
+            <a:r>
+              <a:rPr lang="de-DE" noProof="0"/>
+              <a:t>28.8.18</a:t>
+            </a:r>
+            <a:endParaRPr lang="de-DE" noProof="0" dirty="0"/>
+          </a:p>
+        </p:txBody>
+      </p:sp>
+      <p:sp>
+        <p:nvSpPr>
+          <p:cNvPr id="4" name="Fußzeilenplatzhalter 3">
+            <a:extLst>
+              <a:ext uri="{FF2B5EF4-FFF2-40B4-BE49-F238E27FC236}">
+                <a16:creationId xmlns:a16="http://schemas.microsoft.com/office/drawing/2014/main" id="{F01DBAC8-199D-47F3-A570-982F80C57CDD}"/>
+              </a:ext>
+            </a:extLst>
+          </p:cNvPr>
+          <p:cNvSpPr>
+            <a:spLocks noGrp="1"/>
+          </p:cNvSpPr>
+          <p:nvPr>
+            <p:ph type="ftr" sz="quarter" idx="11"/>
+          </p:nvPr>
+        </p:nvSpPr>
+        <p:spPr/>
+        <p:txBody>
+          <a:bodyPr/>
+          <a:lstStyle/>
+          <a:p>
+            <a:pPr rtl="0"/>
+            <a:endParaRPr lang="de-DE" noProof="0" dirty="0"/>
+          </a:p>
+        </p:txBody>
+      </p:sp>
+      <p:sp>
+        <p:nvSpPr>
+          <p:cNvPr id="5" name="Foliennummernplatzhalter 4">
+            <a:extLst>
+              <a:ext uri="{FF2B5EF4-FFF2-40B4-BE49-F238E27FC236}">
+                <a16:creationId xmlns:a16="http://schemas.microsoft.com/office/drawing/2014/main" id="{DD033B92-4039-43BD-BBE0-0462193EF5A3}"/>
+              </a:ext>
+            </a:extLst>
+          </p:cNvPr>
+          <p:cNvSpPr>
+            <a:spLocks noGrp="1"/>
+          </p:cNvSpPr>
+          <p:nvPr>
+            <p:ph type="sldNum" sz="quarter" idx="12"/>
+          </p:nvPr>
+        </p:nvSpPr>
+        <p:spPr/>
+        <p:txBody>
+          <a:bodyPr/>
+          <a:lstStyle/>
+          <a:p>
+            <a:pPr rtl="0"/>
+            <a:r>
+              <a:rPr lang="de-DE" noProof="0"/>
+              <a:t>‹Nr.›</a:t>
+            </a:r>
+            <a:endParaRPr lang="de-DE" noProof="0" dirty="0"/>
+          </a:p>
+        </p:txBody>
+      </p:sp>
+      <mc:AlternateContent xmlns:mc="http://schemas.openxmlformats.org/markup-compatibility/2006">
+        <mc:Choice xmlns:a14="http://schemas.microsoft.com/office/drawing/2010/main" Requires="a14">
+          <p:sp>
+            <p:nvSpPr>
+              <p:cNvPr id="2" name="Textplatzhalter 1">
+                <a:extLst>
+                  <a:ext uri="{FF2B5EF4-FFF2-40B4-BE49-F238E27FC236}">
+                    <a16:creationId xmlns:a16="http://schemas.microsoft.com/office/drawing/2014/main" id="{C337C313-F3FF-45E7-8430-A2F7DF0AEE39}"/>
+                  </a:ext>
+                </a:extLst>
+              </p:cNvPr>
+              <p:cNvSpPr>
+                <a:spLocks noGrp="1"/>
+              </p:cNvSpPr>
+              <p:nvPr>
+                <p:ph type="body" sz="quarter" idx="13"/>
+              </p:nvPr>
+            </p:nvSpPr>
+            <p:spPr/>
+            <p:txBody>
+              <a:bodyPr/>
+              <a:lstStyle/>
+              <a:p>
+                <a:pPr lvl="1">
+                  <a:buFont typeface="Wingdings" panose="05000000000000000000" pitchFamily="2" charset="2"/>
+                  <a:buChar char="Ø"/>
+                </a:pPr>
+                <a:r>
+                  <a:rPr lang="en-US" noProof="0" dirty="0"/>
+                  <a:t> After all clauses have been tested, algorithm checks if </a:t>
                 </a:r>
                 <a14:m>
                   <m:oMath xmlns:m="http://schemas.openxmlformats.org/officeDocument/2006/math">
@@ -25810,7 +27010,22 @@
                   <a:rPr lang="en-US" noProof="0" dirty="0">
                     <a:sym typeface="Wingdings" panose="05000000000000000000" pitchFamily="2" charset="2"/>
                   </a:rPr>
-                  <a:t>If so, the algorithm has found a fixpoint and terminates</a:t>
+                  <a:t>If so, the algorithm has found a </a:t>
+                </a:r>
+                <a:r>
+                  <a:rPr lang="en-US" noProof="0" dirty="0">
+                    <a:solidFill>
+                      <a:schemeClr val="accent1"/>
+                    </a:solidFill>
+                    <a:sym typeface="Wingdings" panose="05000000000000000000" pitchFamily="2" charset="2"/>
+                  </a:rPr>
+                  <a:t>fixpoint</a:t>
+                </a:r>
+                <a:r>
+                  <a:rPr lang="en-US" noProof="0" dirty="0">
+                    <a:sym typeface="Wingdings" panose="05000000000000000000" pitchFamily="2" charset="2"/>
+                  </a:rPr>
+                  <a:t> and terminates</a:t>
                 </a:r>
               </a:p>
               <a:p>
@@ -25819,454 +27034,18 @@
                 </a:pPr>
                 <a:r>
                   <a:rPr lang="en-US" noProof="0" dirty="0">
+                    <a:solidFill>
+                      <a:schemeClr val="accent1"/>
+                    </a:solidFill>
                     <a:sym typeface="Wingdings" panose="05000000000000000000" pitchFamily="2" charset="2"/>
                   </a:rPr>
-                  <a:t> No states of </a:t>
-                </a:r>
-                <a14:m>
-                  <m:oMath xmlns:m="http://schemas.openxmlformats.org/officeDocument/2006/math">
-                    <m:acc>
-                      <m:accPr>
-                        <m:chr m:val="̅"/>
-                        <m:ctrlPr>
-                          <a:rPr lang="en-US" i="1" noProof="0" smtClean="0">
-                            <a:latin typeface="Cambria Math" panose="02040503050406030204" pitchFamily="18" charset="0"/>
-                            <a:sym typeface="Wingdings" panose="05000000000000000000" pitchFamily="2" charset="2"/>
-                          </a:rPr>
-                        </m:ctrlPr>
-                      </m:accPr>
-                      <m:e>
-                        <m:r>
-                          <a:rPr lang="en-US" b="0" i="1" noProof="0" smtClean="0">
-                            <a:latin typeface="Cambria Math" panose="02040503050406030204" pitchFamily="18" charset="0"/>
-                            <a:sym typeface="Wingdings" panose="05000000000000000000" pitchFamily="2" charset="2"/>
-                          </a:rPr>
-                          <m:t>𝑃</m:t>
-                        </m:r>
-                      </m:e>
-                    </m:acc>
-                  </m:oMath>
-                </a14:m>
-                <a:r>
-                  <a:rPr lang="en-US" noProof="0" dirty="0"/>
-                  <a:t> are reachable</a:t>
-                </a:r>
-              </a:p>
-              <a:p>
-                <a:pPr lvl="2"/>
-                <a:endParaRPr lang="en-US" noProof="0" dirty="0"/>
-              </a:p>
-              <a:p>
-                <a:pPr lvl="2">
-                  <a:buFont typeface="Wingdings" panose="05000000000000000000" pitchFamily="2" charset="2"/>
-                  <a:buChar char="§"/>
-                </a:pPr>
+                  <a:t></a:t>
+                </a:r>
                 <a:r>
                   <a:rPr lang="en-US" noProof="0" dirty="0">
                     <a:sym typeface="Wingdings" panose="05000000000000000000" pitchFamily="2" charset="2"/>
                   </a:rPr>
-                  <a:t>If not, the algorithm continues with a new Next Transition Phase</a:t>
-                </a:r>
-              </a:p>
-              <a:p>
-                <a:pPr lvl="2">
-                  <a:buFont typeface="Wingdings" panose="05000000000000000000" pitchFamily="2" charset="2"/>
-                  <a:buChar char="§"/>
-                </a:pPr>
-                <a:endParaRPr lang="en-US" noProof="0" dirty="0">
-                  <a:sym typeface="Wingdings" panose="05000000000000000000" pitchFamily="2" charset="2"/>
-                </a:endParaRPr>
-              </a:p>
-              <a:p>
-                <a:pPr lvl="2">
-                  <a:buFont typeface="Wingdings" panose="05000000000000000000" pitchFamily="2" charset="2"/>
-                  <a:buChar char="§"/>
-                </a:pPr>
-                <a:endParaRPr lang="en-US" noProof="0" dirty="0">
-                  <a:sym typeface="Wingdings" panose="05000000000000000000" pitchFamily="2" charset="2"/>
-                </a:endParaRPr>
-              </a:p>
-              <a:p>
-                <a:pPr lvl="2">
-                  <a:buFont typeface="Wingdings" panose="05000000000000000000" pitchFamily="2" charset="2"/>
-                  <a:buChar char="§"/>
-                </a:pPr>
-                <a:endParaRPr lang="en-US" noProof="0" dirty="0">
-                  <a:sym typeface="Wingdings" panose="05000000000000000000" pitchFamily="2" charset="2"/>
-                </a:endParaRPr>
-              </a:p>
-              <a:p>
-                <a:pPr lvl="1"/>
-                <a:endParaRPr lang="en-US" noProof="0" dirty="0">
-                  <a:sym typeface="Wingdings" panose="05000000000000000000" pitchFamily="2" charset="2"/>
-                </a:endParaRPr>
-              </a:p>
-            </p:txBody>
-          </p:sp>
-        </mc:Choice>
-        <mc:Fallback xmlns="">
-          <p:sp>
-            <p:nvSpPr>
-              <p:cNvPr id="2" name="Textplatzhalter 1">
-                <a:extLst>
-                  <a:ext uri="{FF2B5EF4-FFF2-40B4-BE49-F238E27FC236}">
-                    <a16:creationId xmlns:a16="http://schemas.microsoft.com/office/drawing/2014/main" id="{C337C313-F3FF-45E7-8430-A2F7DF0AEE39}"/>
-                  </a:ext>
-                </a:extLst>
-              </p:cNvPr>
-              <p:cNvSpPr>
-                <a:spLocks noGrp="1" noRot="1" noChangeAspect="1" noMove="1" noResize="1" noEditPoints="1" noAdjustHandles="1" noChangeArrowheads="1" noChangeShapeType="1" noTextEdit="1"/>
-              </p:cNvSpPr>
-              <p:nvPr>
-                <p:ph type="body" sz="quarter" idx="13"/>
-              </p:nvPr>
-            </p:nvSpPr>
-            <p:spPr>
-              <a:blipFill>
-                <a:blip r:embed="rId2"/>
-                <a:stretch>
-                  <a:fillRect t="-1488"/>
-                </a:stretch>
-              </a:blipFill>
-            </p:spPr>
-            <p:txBody>
-              <a:bodyPr/>
-              <a:lstStyle/>
-              <a:p>
-                <a:r>
-                  <a:rPr lang="en-US">
-                    <a:noFill/>
-                  </a:rPr>
-                  <a:t> </a:t>
-                </a:r>
-              </a:p>
-            </p:txBody>
-          </p:sp>
-        </mc:Fallback>
-      </mc:AlternateContent>
-      <p:sp>
-        <p:nvSpPr>
-          <p:cNvPr id="8" name="Textplatzhalter 7">
-            <a:extLst>
-              <a:ext uri="{FF2B5EF4-FFF2-40B4-BE49-F238E27FC236}">
-                <a16:creationId xmlns:a16="http://schemas.microsoft.com/office/drawing/2014/main" id="{EB5900AC-9042-4445-AAA7-322581583494}"/>
-              </a:ext>
-            </a:extLst>
-          </p:cNvPr>
-          <p:cNvSpPr>
-            <a:spLocks noGrp="1"/>
-          </p:cNvSpPr>
-          <p:nvPr>
-            <p:ph type="body" sz="quarter" idx="14"/>
-          </p:nvPr>
-        </p:nvSpPr>
-        <p:spPr/>
-        <p:txBody>
-          <a:bodyPr/>
-          <a:lstStyle/>
-          <a:p>
-            <a:r>
-              <a:rPr lang="en-US" noProof="0" dirty="0"/>
-              <a:t>Check for termination:</a:t>
-            </a:r>
-          </a:p>
-        </p:txBody>
-      </p:sp>
-    </p:spTree>
-    <p:extLst>
-      <p:ext uri="{BB962C8B-B14F-4D97-AF65-F5344CB8AC3E}">
-        <p14:creationId xmlns:p14="http://schemas.microsoft.com/office/powerpoint/2010/main" val="116212317"/>
-      </p:ext>
-    </p:extLst>
-  </p:cSld>
-  <p:clrMapOvr>
-    <a:masterClrMapping/>
-  </p:clrMapOvr>
-  <mc:AlternateContent xmlns:mc="http://schemas.openxmlformats.org/markup-compatibility/2006" xmlns:p14="http://schemas.microsoft.com/office/powerpoint/2010/main">
-    <mc:Choice Requires="p14">
-      <p:transition spd="med" p14:dur="700">
-        <p:fade/>
-      </p:transition>
-    </mc:Choice>
-    <mc:Fallback xmlns="">
-      <p:transition spd="med">
-        <p:fade/>
-      </p:transition>
-    </mc:Fallback>
-  </mc:AlternateContent>
-</p:sld>
-</file>
-
-<file path=ppt/slides/slide24.xml><?xml version="1.0" encoding="utf-8"?>
-<p:sld xmlns:a="http://schemas.openxmlformats.org/drawingml/2006/main" xmlns:r="http://schemas.openxmlformats.org/officeDocument/2006/relationships" xmlns:p="http://schemas.openxmlformats.org/presentationml/2006/main">
-  <p:cSld>
-    <p:spTree>
-      <p:nvGrpSpPr>
-        <p:cNvPr id="1" name=""/>
-        <p:cNvGrpSpPr/>
-        <p:nvPr/>
-      </p:nvGrpSpPr>
-      <p:grpSpPr>
-        <a:xfrm>
-          <a:off x="0" y="0"/>
-          <a:ext cx="0" cy="0"/>
-          <a:chOff x="0" y="0"/>
-          <a:chExt cx="0" cy="0"/>
-        </a:xfrm>
-      </p:grpSpPr>
-      <p:sp>
-        <p:nvSpPr>
-          <p:cNvPr id="6" name="Titel 5">
-            <a:extLst>
-              <a:ext uri="{FF2B5EF4-FFF2-40B4-BE49-F238E27FC236}">
-                <a16:creationId xmlns:a16="http://schemas.microsoft.com/office/drawing/2014/main" id="{1661A19C-2FAC-45A3-810F-F0198EA3B294}"/>
-              </a:ext>
-            </a:extLst>
-          </p:cNvPr>
-          <p:cNvSpPr>
-            <a:spLocks noGrp="1"/>
-          </p:cNvSpPr>
-          <p:nvPr>
-            <p:ph type="title"/>
-          </p:nvPr>
-        </p:nvSpPr>
-        <p:spPr/>
-        <p:txBody>
-          <a:bodyPr>
-            <a:normAutofit fontScale="90000"/>
-          </a:bodyPr>
-          <a:lstStyle/>
-          <a:p>
-            <a:r>
-              <a:rPr lang="en-US" noProof="0" dirty="0"/>
-              <a:t>2.2 Algorithm: </a:t>
-            </a:r>
-            <a:r>
-              <a:rPr lang="en-US" b="0" noProof="0" dirty="0"/>
-              <a:t>Propagation-Phase</a:t>
-            </a:r>
-          </a:p>
-        </p:txBody>
-      </p:sp>
-      <p:sp>
-        <p:nvSpPr>
-          <p:cNvPr id="3" name="Datumsplatzhalter 2">
-            <a:extLst>
-              <a:ext uri="{FF2B5EF4-FFF2-40B4-BE49-F238E27FC236}">
-                <a16:creationId xmlns:a16="http://schemas.microsoft.com/office/drawing/2014/main" id="{9B2C4A63-DAA0-46CB-BFF4-627C7D5EC074}"/>
-              </a:ext>
-            </a:extLst>
-          </p:cNvPr>
-          <p:cNvSpPr>
-            <a:spLocks noGrp="1"/>
-          </p:cNvSpPr>
-          <p:nvPr>
-            <p:ph type="dt" sz="half" idx="10"/>
-          </p:nvPr>
-        </p:nvSpPr>
-        <p:spPr/>
-        <p:txBody>
-          <a:bodyPr/>
-          <a:lstStyle/>
-          <a:p>
-            <a:pPr algn="r"/>
-            <a:r>
-              <a:rPr lang="de-DE" noProof="0"/>
-              <a:t>28.8.18</a:t>
-            </a:r>
-            <a:endParaRPr lang="de-DE" noProof="0" dirty="0"/>
-          </a:p>
-        </p:txBody>
-      </p:sp>
-      <p:sp>
-        <p:nvSpPr>
-          <p:cNvPr id="4" name="Fußzeilenplatzhalter 3">
-            <a:extLst>
-              <a:ext uri="{FF2B5EF4-FFF2-40B4-BE49-F238E27FC236}">
-                <a16:creationId xmlns:a16="http://schemas.microsoft.com/office/drawing/2014/main" id="{F01DBAC8-199D-47F3-A570-982F80C57CDD}"/>
-              </a:ext>
-            </a:extLst>
-          </p:cNvPr>
-          <p:cNvSpPr>
-            <a:spLocks noGrp="1"/>
-          </p:cNvSpPr>
-          <p:nvPr>
-            <p:ph type="ftr" sz="quarter" idx="11"/>
-          </p:nvPr>
-        </p:nvSpPr>
-        <p:spPr/>
-        <p:txBody>
-          <a:bodyPr/>
-          <a:lstStyle/>
-          <a:p>
-            <a:pPr rtl="0"/>
-            <a:endParaRPr lang="de-DE" noProof="0" dirty="0"/>
-          </a:p>
-        </p:txBody>
-      </p:sp>
-      <p:sp>
-        <p:nvSpPr>
-          <p:cNvPr id="5" name="Foliennummernplatzhalter 4">
-            <a:extLst>
-              <a:ext uri="{FF2B5EF4-FFF2-40B4-BE49-F238E27FC236}">
-                <a16:creationId xmlns:a16="http://schemas.microsoft.com/office/drawing/2014/main" id="{DD033B92-4039-43BD-BBE0-0462193EF5A3}"/>
-              </a:ext>
-            </a:extLst>
-          </p:cNvPr>
-          <p:cNvSpPr>
-            <a:spLocks noGrp="1"/>
-          </p:cNvSpPr>
-          <p:nvPr>
-            <p:ph type="sldNum" sz="quarter" idx="12"/>
-          </p:nvPr>
-        </p:nvSpPr>
-        <p:spPr/>
-        <p:txBody>
-          <a:bodyPr/>
-          <a:lstStyle/>
-          <a:p>
-            <a:pPr rtl="0"/>
-            <a:r>
-              <a:rPr lang="de-DE" noProof="0"/>
-              <a:t>‹Nr.›</a:t>
-            </a:r>
-            <a:endParaRPr lang="de-DE" noProof="0" dirty="0"/>
-          </a:p>
-        </p:txBody>
-      </p:sp>
-      <mc:AlternateContent xmlns:mc="http://schemas.openxmlformats.org/markup-compatibility/2006" xmlns:a14="http://schemas.microsoft.com/office/drawing/2010/main">
-        <mc:Choice Requires="a14">
-          <p:sp>
-            <p:nvSpPr>
-              <p:cNvPr id="2" name="Textplatzhalter 1">
-                <a:extLst>
-                  <a:ext uri="{FF2B5EF4-FFF2-40B4-BE49-F238E27FC236}">
-                    <a16:creationId xmlns:a16="http://schemas.microsoft.com/office/drawing/2014/main" id="{C337C313-F3FF-45E7-8430-A2F7DF0AEE39}"/>
-                  </a:ext>
-                </a:extLst>
-              </p:cNvPr>
-              <p:cNvSpPr>
-                <a:spLocks noGrp="1"/>
-              </p:cNvSpPr>
-              <p:nvPr>
-                <p:ph type="body" sz="quarter" idx="13"/>
-              </p:nvPr>
-            </p:nvSpPr>
-            <p:spPr/>
-            <p:txBody>
-              <a:bodyPr/>
-              <a:lstStyle/>
-              <a:p>
-                <a:pPr lvl="1">
-                  <a:buFont typeface="Wingdings" panose="05000000000000000000" pitchFamily="2" charset="2"/>
-                  <a:buChar char="Ø"/>
-                </a:pPr>
-                <a:r>
-                  <a:rPr lang="en-US" noProof="0" dirty="0"/>
-                  <a:t>After all clauses have been tested, algorithm checks if </a:t>
-                </a:r>
-                <a14:m>
-                  <m:oMath xmlns:m="http://schemas.openxmlformats.org/officeDocument/2006/math">
-                    <m:sSub>
-                      <m:sSubPr>
-                        <m:ctrlPr>
-                          <a:rPr lang="en-US" i="1" noProof="0" smtClean="0">
-                            <a:latin typeface="Cambria Math" panose="02040503050406030204" pitchFamily="18" charset="0"/>
-                          </a:rPr>
-                        </m:ctrlPr>
-                      </m:sSubPr>
-                      <m:e>
-                        <m:r>
-                          <a:rPr lang="en-US" b="0" i="1" noProof="0" smtClean="0">
-                            <a:latin typeface="Cambria Math" panose="02040503050406030204" pitchFamily="18" charset="0"/>
-                          </a:rPr>
-                          <m:t>𝐹</m:t>
-                        </m:r>
-                      </m:e>
-                      <m:sub>
-                        <m:r>
-                          <a:rPr lang="en-US" b="0" i="1" noProof="0" smtClean="0">
-                            <a:latin typeface="Cambria Math" panose="02040503050406030204" pitchFamily="18" charset="0"/>
-                          </a:rPr>
-                          <m:t>𝑘</m:t>
-                        </m:r>
-                      </m:sub>
-                    </m:sSub>
-                    <m:r>
-                      <a:rPr lang="en-US" b="0" i="1" noProof="0" smtClean="0">
-                        <a:latin typeface="Cambria Math" panose="02040503050406030204" pitchFamily="18" charset="0"/>
-                      </a:rPr>
-                      <m:t> </m:t>
-                    </m:r>
-                    <m:r>
-                      <a:rPr lang="en-US" b="0" i="1" noProof="0" smtClean="0">
-                        <a:latin typeface="Cambria Math" panose="02040503050406030204" pitchFamily="18" charset="0"/>
-                        <a:ea typeface="Cambria Math" panose="02040503050406030204" pitchFamily="18" charset="0"/>
-                      </a:rPr>
-                      <m:t>≡ </m:t>
-                    </m:r>
-                    <m:sSub>
-                      <m:sSubPr>
-                        <m:ctrlPr>
-                          <a:rPr lang="en-US" b="0" i="1" noProof="0" smtClean="0">
-                            <a:latin typeface="Cambria Math" panose="02040503050406030204" pitchFamily="18" charset="0"/>
-                            <a:ea typeface="Cambria Math" panose="02040503050406030204" pitchFamily="18" charset="0"/>
-                          </a:rPr>
-                        </m:ctrlPr>
-                      </m:sSubPr>
-                      <m:e>
-                        <m:r>
-                          <a:rPr lang="en-US" b="0" i="1" noProof="0" smtClean="0">
-                            <a:latin typeface="Cambria Math" panose="02040503050406030204" pitchFamily="18" charset="0"/>
-                            <a:ea typeface="Cambria Math" panose="02040503050406030204" pitchFamily="18" charset="0"/>
-                          </a:rPr>
-                          <m:t>𝐹</m:t>
-                        </m:r>
-                      </m:e>
-                      <m:sub>
-                        <m:r>
-                          <a:rPr lang="en-US" b="0" i="1" noProof="0" smtClean="0">
-                            <a:latin typeface="Cambria Math" panose="02040503050406030204" pitchFamily="18" charset="0"/>
-                            <a:ea typeface="Cambria Math" panose="02040503050406030204" pitchFamily="18" charset="0"/>
-                          </a:rPr>
-                          <m:t>𝑘</m:t>
-                        </m:r>
-                        <m:r>
-                          <a:rPr lang="en-US" b="0" i="1" noProof="0" smtClean="0">
-                            <a:latin typeface="Cambria Math" panose="02040503050406030204" pitchFamily="18" charset="0"/>
-                            <a:ea typeface="Cambria Math" panose="02040503050406030204" pitchFamily="18" charset="0"/>
-                          </a:rPr>
-                          <m:t>+1</m:t>
-                        </m:r>
-                      </m:sub>
-                    </m:sSub>
-                  </m:oMath>
-                </a14:m>
-                <a:endParaRPr lang="en-US" b="0" noProof="0" dirty="0">
-                  <a:ea typeface="Cambria Math" panose="02040503050406030204" pitchFamily="18" charset="0"/>
-                </a:endParaRPr>
-              </a:p>
-              <a:p>
-                <a:pPr lvl="2">
-                  <a:buFont typeface="Wingdings" panose="05000000000000000000" pitchFamily="2" charset="2"/>
-                  <a:buChar char="§"/>
-                </a:pPr>
-                <a:r>
-                  <a:rPr lang="en-US" noProof="0" dirty="0">
-                    <a:sym typeface="Wingdings" panose="05000000000000000000" pitchFamily="2" charset="2"/>
-                  </a:rPr>
-                  <a:t>If so, the algorithm has found a fixpoint and terminates</a:t>
-                </a:r>
-              </a:p>
-              <a:p>
-                <a:pPr marL="735012" lvl="3" indent="0">
-                  <a:buNone/>
-                </a:pPr>
-                <a:r>
-                  <a:rPr lang="en-US" noProof="0" dirty="0">
-                    <a:sym typeface="Wingdings" panose="05000000000000000000" pitchFamily="2" charset="2"/>
-                  </a:rPr>
-                  <a:t> No states of </a:t>
+                  <a:t> No states of </a:t>
                 </a:r>
                 <a14:m>
                   <m:oMath xmlns:m="http://schemas.openxmlformats.org/officeDocument/2006/math">
@@ -26345,7 +27124,7 @@
                   <a:rPr lang="en-US" noProof="0" dirty="0">
                     <a:sym typeface="Wingdings" panose="05000000000000000000" pitchFamily="2" charset="2"/>
                   </a:rPr>
-                  <a:t>Algorithm repeats the three phases until a fixpoint is found, or a proof-obligation </a:t>
+                  <a:t> Algorithm repeats the three phases until a fixpoint is found, or a proof-obligation </a:t>
                 </a:r>
                 <a14:m>
                   <m:oMath xmlns:m="http://schemas.openxmlformats.org/officeDocument/2006/math">
@@ -26379,7 +27158,7 @@
             </p:txBody>
           </p:sp>
         </mc:Choice>
-        <mc:Fallback xmlns="">
+        <mc:Fallback>
           <p:sp>
             <p:nvSpPr>
               <p:cNvPr id="2" name="Textplatzhalter 1">
@@ -26400,7 +27179,7 @@
               <a:blipFill>
                 <a:blip r:embed="rId2"/>
                 <a:stretch>
-                  <a:fillRect l="-498" t="-1488"/>
+                  <a:fillRect l="-498" t="-1637"/>
                 </a:stretch>
               </a:blipFill>
             </p:spPr>
@@ -26409,7 +27188,7 @@
               <a:lstStyle/>
               <a:p>
                 <a:r>
-                  <a:rPr lang="en-US">
+                  <a:rPr lang="de-DE">
                     <a:noFill/>
                   </a:rPr>
                   <a:t> </a:t>
@@ -26442,7 +27221,19 @@
           <a:p>
             <a:r>
               <a:rPr lang="en-US" noProof="0" dirty="0"/>
-              <a:t>Check for termination</a:t>
+              <a:t>Check for </a:t>
+            </a:r>
+            <a:r>
+              <a:rPr lang="en-US" noProof="0" dirty="0">
+                <a:solidFill>
+                  <a:schemeClr val="accent1"/>
+                </a:solidFill>
+              </a:rPr>
+              <a:t>termination</a:t>
+            </a:r>
+            <a:r>
+              <a:rPr lang="en-US" noProof="0" dirty="0"/>
+              <a:t>:</a:t>
             </a:r>
           </a:p>
         </p:txBody>
@@ -26472,7 +27263,7 @@
 </p:sld>
 </file>
 
-<file path=ppt/slides/slide25.xml><?xml version="1.0" encoding="utf-8"?>
+<file path=ppt/slides/slide26.xml><?xml version="1.0" encoding="utf-8"?>
 <p:sld xmlns:a="http://schemas.openxmlformats.org/drawingml/2006/main" xmlns:r="http://schemas.openxmlformats.org/officeDocument/2006/relationships" xmlns:p="http://schemas.openxmlformats.org/presentationml/2006/main">
   <p:cSld>
     <p:spTree>
@@ -26859,7 +27650,7 @@
 </p:sld>
 </file>
 
-<file path=ppt/slides/slide26.xml><?xml version="1.0" encoding="utf-8"?>
+<file path=ppt/slides/slide27.xml><?xml version="1.0" encoding="utf-8"?>
 <p:sld xmlns:a="http://schemas.openxmlformats.org/drawingml/2006/main" xmlns:r="http://schemas.openxmlformats.org/officeDocument/2006/relationships" xmlns:p="http://schemas.openxmlformats.org/presentationml/2006/main">
   <p:cSld>
     <p:spTree>
@@ -27021,304 +27812,6 @@
     <p:extLst>
       <p:ext uri="{BB962C8B-B14F-4D97-AF65-F5344CB8AC3E}">
         <p14:creationId xmlns:p14="http://schemas.microsoft.com/office/powerpoint/2010/main" val="3924982230"/>
-      </p:ext>
-    </p:extLst>
-  </p:cSld>
-  <p:clrMapOvr>
-    <a:masterClrMapping/>
-  </p:clrMapOvr>
-  <mc:AlternateContent xmlns:mc="http://schemas.openxmlformats.org/markup-compatibility/2006" xmlns:p14="http://schemas.microsoft.com/office/powerpoint/2010/main">
-    <mc:Choice Requires="p14">
-      <p:transition spd="med" p14:dur="700">
-        <p:fade/>
-      </p:transition>
-    </mc:Choice>
-    <mc:Fallback xmlns="">
-      <p:transition spd="med">
-        <p:fade/>
-      </p:transition>
-    </mc:Fallback>
-  </mc:AlternateContent>
-</p:sld>
-</file>
-
-<file path=ppt/slides/slide27.xml><?xml version="1.0" encoding="utf-8"?>
-<p:sld xmlns:a="http://schemas.openxmlformats.org/drawingml/2006/main" xmlns:r="http://schemas.openxmlformats.org/officeDocument/2006/relationships" xmlns:p="http://schemas.openxmlformats.org/presentationml/2006/main">
-  <p:cSld>
-    <p:spTree>
-      <p:nvGrpSpPr>
-        <p:cNvPr id="1" name=""/>
-        <p:cNvGrpSpPr/>
-        <p:nvPr/>
-      </p:nvGrpSpPr>
-      <p:grpSpPr>
-        <a:xfrm>
-          <a:off x="0" y="0"/>
-          <a:ext cx="0" cy="0"/>
-          <a:chOff x="0" y="0"/>
-          <a:chExt cx="0" cy="0"/>
-        </a:xfrm>
-      </p:grpSpPr>
-      <p:sp>
-        <p:nvSpPr>
-          <p:cNvPr id="2" name="Titel 1">
-            <a:extLst>
-              <a:ext uri="{FF2B5EF4-FFF2-40B4-BE49-F238E27FC236}">
-                <a16:creationId xmlns:a16="http://schemas.microsoft.com/office/drawing/2014/main" id="{F6B3D18A-1F06-46E0-A6ED-31DCC0DB488C}"/>
-              </a:ext>
-            </a:extLst>
-          </p:cNvPr>
-          <p:cNvSpPr>
-            <a:spLocks noGrp="1"/>
-          </p:cNvSpPr>
-          <p:nvPr>
-            <p:ph type="title"/>
-          </p:nvPr>
-        </p:nvSpPr>
-        <p:spPr/>
-        <p:txBody>
-          <a:bodyPr>
-            <a:normAutofit fontScale="90000"/>
-          </a:bodyPr>
-          <a:lstStyle/>
-          <a:p>
-            <a:r>
-              <a:rPr lang="en-US" noProof="0" dirty="0"/>
-              <a:t>2.4 Possible Improvements</a:t>
-            </a:r>
-          </a:p>
-        </p:txBody>
-      </p:sp>
-      <p:sp>
-        <p:nvSpPr>
-          <p:cNvPr id="3" name="Datumsplatzhalter 2">
-            <a:extLst>
-              <a:ext uri="{FF2B5EF4-FFF2-40B4-BE49-F238E27FC236}">
-                <a16:creationId xmlns:a16="http://schemas.microsoft.com/office/drawing/2014/main" id="{E087382C-A564-44FB-B4A5-98CE28CA4B35}"/>
-              </a:ext>
-            </a:extLst>
-          </p:cNvPr>
-          <p:cNvSpPr>
-            <a:spLocks noGrp="1"/>
-          </p:cNvSpPr>
-          <p:nvPr>
-            <p:ph type="dt" sz="half" idx="10"/>
-          </p:nvPr>
-        </p:nvSpPr>
-        <p:spPr/>
-        <p:txBody>
-          <a:bodyPr/>
-          <a:lstStyle/>
-          <a:p>
-            <a:pPr algn="r"/>
-            <a:r>
-              <a:rPr lang="de-DE" noProof="0"/>
-              <a:t>28.8.18</a:t>
-            </a:r>
-            <a:endParaRPr lang="de-DE" noProof="0" dirty="0"/>
-          </a:p>
-        </p:txBody>
-      </p:sp>
-      <p:sp>
-        <p:nvSpPr>
-          <p:cNvPr id="4" name="Fußzeilenplatzhalter 3">
-            <a:extLst>
-              <a:ext uri="{FF2B5EF4-FFF2-40B4-BE49-F238E27FC236}">
-                <a16:creationId xmlns:a16="http://schemas.microsoft.com/office/drawing/2014/main" id="{B15F91F9-8321-42A7-8C39-2D5761C78D36}"/>
-              </a:ext>
-            </a:extLst>
-          </p:cNvPr>
-          <p:cNvSpPr>
-            <a:spLocks noGrp="1"/>
-          </p:cNvSpPr>
-          <p:nvPr>
-            <p:ph type="ftr" sz="quarter" idx="11"/>
-          </p:nvPr>
-        </p:nvSpPr>
-        <p:spPr/>
-        <p:txBody>
-          <a:bodyPr/>
-          <a:lstStyle/>
-          <a:p>
-            <a:pPr rtl="0"/>
-            <a:endParaRPr lang="de-DE" noProof="0" dirty="0"/>
-          </a:p>
-        </p:txBody>
-      </p:sp>
-      <p:sp>
-        <p:nvSpPr>
-          <p:cNvPr id="5" name="Foliennummernplatzhalter 4">
-            <a:extLst>
-              <a:ext uri="{FF2B5EF4-FFF2-40B4-BE49-F238E27FC236}">
-                <a16:creationId xmlns:a16="http://schemas.microsoft.com/office/drawing/2014/main" id="{5E7BF228-F0BB-41ED-B4A5-1BA795747798}"/>
-              </a:ext>
-            </a:extLst>
-          </p:cNvPr>
-          <p:cNvSpPr>
-            <a:spLocks noGrp="1"/>
-          </p:cNvSpPr>
-          <p:nvPr>
-            <p:ph type="sldNum" sz="quarter" idx="12"/>
-          </p:nvPr>
-        </p:nvSpPr>
-        <p:spPr/>
-        <p:txBody>
-          <a:bodyPr/>
-          <a:lstStyle/>
-          <a:p>
-            <a:r>
-              <a:rPr lang="de-DE" noProof="0"/>
-              <a:t>‹Nr.›</a:t>
-            </a:r>
-            <a:endParaRPr lang="de-DE" noProof="0" dirty="0"/>
-          </a:p>
-        </p:txBody>
-      </p:sp>
-      <p:sp>
-        <p:nvSpPr>
-          <p:cNvPr id="6" name="Textplatzhalter 5">
-            <a:extLst>
-              <a:ext uri="{FF2B5EF4-FFF2-40B4-BE49-F238E27FC236}">
-                <a16:creationId xmlns:a16="http://schemas.microsoft.com/office/drawing/2014/main" id="{1F65BAD4-F133-43E9-9255-19893504DB96}"/>
-              </a:ext>
-            </a:extLst>
-          </p:cNvPr>
-          <p:cNvSpPr>
-            <a:spLocks noGrp="1"/>
-          </p:cNvSpPr>
-          <p:nvPr>
-            <p:ph type="body" sz="quarter" idx="13"/>
-          </p:nvPr>
-        </p:nvSpPr>
-        <p:spPr/>
-        <p:txBody>
-          <a:bodyPr/>
-          <a:lstStyle/>
-          <a:p>
-            <a:r>
-              <a:rPr lang="en-US" noProof="0" dirty="0"/>
-              <a:t> Blocking </a:t>
-            </a:r>
-            <a:r>
-              <a:rPr lang="en-US" noProof="0" dirty="0">
-                <a:solidFill>
-                  <a:schemeClr val="accent1"/>
-                </a:solidFill>
-              </a:rPr>
-              <a:t>one state </a:t>
-            </a:r>
-            <a:r>
-              <a:rPr lang="en-US" noProof="0" dirty="0"/>
-              <a:t>at a time is </a:t>
-            </a:r>
-            <a:r>
-              <a:rPr lang="en-US" noProof="0" dirty="0">
-                <a:solidFill>
-                  <a:schemeClr val="accent1"/>
-                </a:solidFill>
-              </a:rPr>
-              <a:t>ineffective</a:t>
-            </a:r>
-            <a:r>
-              <a:rPr lang="en-US" noProof="0" dirty="0"/>
-              <a:t>:</a:t>
-            </a:r>
-          </a:p>
-          <a:p>
-            <a:pPr lvl="1"/>
-            <a:r>
-              <a:rPr lang="en-US" noProof="0" dirty="0">
-                <a:sym typeface="Wingdings" panose="05000000000000000000" pitchFamily="2" charset="2"/>
-              </a:rPr>
-              <a:t>Generalize blocked states</a:t>
-            </a:r>
-          </a:p>
-          <a:p>
-            <a:pPr marL="274320" lvl="1" indent="0">
-              <a:buNone/>
-            </a:pPr>
-            <a:r>
-              <a:rPr lang="en-US" noProof="0" dirty="0"/>
-              <a:t>	</a:t>
-            </a:r>
-            <a:r>
-              <a:rPr lang="en-US" noProof="0" dirty="0">
-                <a:sym typeface="Wingdings" panose="05000000000000000000" pitchFamily="2" charset="2"/>
-              </a:rPr>
-              <a:t> </a:t>
-            </a:r>
-            <a:r>
-              <a:rPr lang="en-US" noProof="0" dirty="0"/>
-              <a:t>Eliminate insignificant cubes from states, that are not used by UNSAT-cores</a:t>
-            </a:r>
-          </a:p>
-          <a:p>
-            <a:pPr marL="0" indent="0">
-              <a:buNone/>
-            </a:pPr>
-            <a:endParaRPr lang="en-US" noProof="0" dirty="0"/>
-          </a:p>
-          <a:p>
-            <a:r>
-              <a:rPr lang="en-US" noProof="0" dirty="0"/>
-              <a:t> </a:t>
-            </a:r>
-            <a:r>
-              <a:rPr lang="en-US" noProof="0" dirty="0">
-                <a:solidFill>
-                  <a:schemeClr val="accent1"/>
-                </a:solidFill>
-              </a:rPr>
-              <a:t>Ternary Simulation </a:t>
-            </a:r>
-            <a:r>
-              <a:rPr lang="en-US" noProof="0" dirty="0"/>
-              <a:t>to reduce proof-obligations:</a:t>
-            </a:r>
-          </a:p>
-          <a:p>
-            <a:pPr lvl="1"/>
-            <a:r>
-              <a:rPr lang="en-US" noProof="0" dirty="0"/>
-              <a:t>Extend binary variables with a </a:t>
-            </a:r>
-            <a:r>
-              <a:rPr lang="en-US" noProof="0" dirty="0">
-                <a:solidFill>
-                  <a:schemeClr val="accent1"/>
-                </a:solidFill>
-              </a:rPr>
-              <a:t>new value: unknown </a:t>
-            </a:r>
-          </a:p>
-          <a:p>
-            <a:pPr lvl="1"/>
-            <a:r>
-              <a:rPr lang="en-US" noProof="0" dirty="0"/>
-              <a:t>Check state variables of proof-obligations for importance</a:t>
-            </a:r>
-          </a:p>
-          <a:p>
-            <a:pPr marL="506412" lvl="2" indent="0">
-              <a:buNone/>
-            </a:pPr>
-            <a:r>
-              <a:rPr lang="en-US" noProof="0" dirty="0">
-                <a:sym typeface="Wingdings" panose="05000000000000000000" pitchFamily="2" charset="2"/>
-              </a:rPr>
-              <a:t>	 Eliminate unimportant state variables</a:t>
-            </a:r>
-            <a:endParaRPr lang="en-US" noProof="0" dirty="0"/>
-          </a:p>
-          <a:p>
-            <a:endParaRPr lang="en-US" noProof="0" dirty="0"/>
-          </a:p>
-        </p:txBody>
-      </p:sp>
-    </p:spTree>
-    <p:extLst>
-      <p:ext uri="{BB962C8B-B14F-4D97-AF65-F5344CB8AC3E}">
-        <p14:creationId xmlns:p14="http://schemas.microsoft.com/office/powerpoint/2010/main" val="2810527099"/>
       </p:ext>
     </p:extLst>
   </p:cSld>
@@ -27362,7 +27855,7 @@
           <p:cNvPr id="2" name="Titel 1">
             <a:extLst>
               <a:ext uri="{FF2B5EF4-FFF2-40B4-BE49-F238E27FC236}">
-                <a16:creationId xmlns:a16="http://schemas.microsoft.com/office/drawing/2014/main" id="{258F9DE9-7431-495F-AD93-EEA178EDD70F}"/>
+                <a16:creationId xmlns:a16="http://schemas.microsoft.com/office/drawing/2014/main" id="{F6B3D18A-1F06-46E0-A6ED-31DCC0DB488C}"/>
               </a:ext>
             </a:extLst>
           </p:cNvPr>
@@ -27382,7 +27875,7 @@
           <a:p>
             <a:r>
               <a:rPr lang="en-US" noProof="0" dirty="0"/>
-              <a:t>Overview</a:t>
+              <a:t>2.4 Possible Improvements</a:t>
             </a:r>
           </a:p>
         </p:txBody>
@@ -27392,7 +27885,7 @@
           <p:cNvPr id="3" name="Datumsplatzhalter 2">
             <a:extLst>
               <a:ext uri="{FF2B5EF4-FFF2-40B4-BE49-F238E27FC236}">
-                <a16:creationId xmlns:a16="http://schemas.microsoft.com/office/drawing/2014/main" id="{000E5BF3-EE16-4A3A-9AC2-C8097A1631D5}"/>
+                <a16:creationId xmlns:a16="http://schemas.microsoft.com/office/drawing/2014/main" id="{E087382C-A564-44FB-B4A5-98CE28CA4B35}"/>
               </a:ext>
             </a:extLst>
           </p:cNvPr>
@@ -27410,9 +27903,10 @@
           <a:p>
             <a:pPr algn="r"/>
             <a:r>
-              <a:rPr lang="de-DE" noProof="0" dirty="0"/>
+              <a:rPr lang="de-DE" noProof="0"/>
               <a:t>28.8.18</a:t>
             </a:r>
+            <a:endParaRPr lang="de-DE" noProof="0" dirty="0"/>
           </a:p>
         </p:txBody>
       </p:sp>
@@ -27421,7 +27915,7 @@
           <p:cNvPr id="4" name="Fußzeilenplatzhalter 3">
             <a:extLst>
               <a:ext uri="{FF2B5EF4-FFF2-40B4-BE49-F238E27FC236}">
-                <a16:creationId xmlns:a16="http://schemas.microsoft.com/office/drawing/2014/main" id="{1CE74D54-9888-488A-8C5A-F53E42E541BE}"/>
+                <a16:creationId xmlns:a16="http://schemas.microsoft.com/office/drawing/2014/main" id="{B15F91F9-8321-42A7-8C39-2D5761C78D36}"/>
               </a:ext>
             </a:extLst>
           </p:cNvPr>
@@ -27447,7 +27941,7 @@
           <p:cNvPr id="5" name="Foliennummernplatzhalter 4">
             <a:extLst>
               <a:ext uri="{FF2B5EF4-FFF2-40B4-BE49-F238E27FC236}">
-                <a16:creationId xmlns:a16="http://schemas.microsoft.com/office/drawing/2014/main" id="{02087F13-7305-43B7-A46E-958A431D74B0}"/>
+                <a16:creationId xmlns:a16="http://schemas.microsoft.com/office/drawing/2014/main" id="{5E7BF228-F0BB-41ED-B4A5-1BA795747798}"/>
               </a:ext>
             </a:extLst>
           </p:cNvPr>
@@ -27464,9 +27958,10 @@
           <a:lstStyle/>
           <a:p>
             <a:r>
-              <a:rPr lang="de-DE" noProof="0" dirty="0"/>
+              <a:rPr lang="de-DE" noProof="0"/>
               <a:t>‹Nr.›</a:t>
             </a:r>
+            <a:endParaRPr lang="de-DE" noProof="0" dirty="0"/>
           </a:p>
         </p:txBody>
       </p:sp>
@@ -27475,7 +27970,7 @@
           <p:cNvPr id="6" name="Textplatzhalter 5">
             <a:extLst>
               <a:ext uri="{FF2B5EF4-FFF2-40B4-BE49-F238E27FC236}">
-                <a16:creationId xmlns:a16="http://schemas.microsoft.com/office/drawing/2014/main" id="{CE598EF9-AE99-495E-AB14-B855EF4AB994}"/>
+                <a16:creationId xmlns:a16="http://schemas.microsoft.com/office/drawing/2014/main" id="{1F65BAD4-F133-43E9-9255-19893504DB96}"/>
               </a:ext>
             </a:extLst>
           </p:cNvPr>
@@ -27491,133 +27986,195 @@
           <a:bodyPr/>
           <a:lstStyle/>
           <a:p>
-            <a:pPr marL="457200" indent="-457200">
-              <a:buFont typeface="+mj-lt"/>
-              <a:buAutoNum type="arabicPeriod"/>
-            </a:pPr>
+            <a:r>
+              <a:rPr lang="en-US" noProof="0" dirty="0"/>
+              <a:t> Blocking </a:t>
+            </a:r>
             <a:r>
               <a:rPr lang="en-US" noProof="0" dirty="0">
                 <a:solidFill>
-                  <a:schemeClr val="bg1">
-                    <a:lumMod val="75000"/>
-                  </a:schemeClr>
+                  <a:schemeClr val="accent1"/>
                 </a:solidFill>
               </a:rPr>
-              <a:t> Introduction</a:t>
-            </a:r>
-          </a:p>
-          <a:p>
-            <a:pPr marL="457200" indent="-457200">
-              <a:buFont typeface="+mj-lt"/>
-              <a:buAutoNum type="arabicPeriod"/>
-            </a:pPr>
+              <a:t>one state </a:t>
+            </a:r>
+            <a:r>
+              <a:rPr lang="en-US" noProof="0" dirty="0"/>
+              <a:t>at a time is </a:t>
+            </a:r>
             <a:r>
               <a:rPr lang="en-US" noProof="0" dirty="0">
                 <a:solidFill>
-                  <a:schemeClr val="bg1">
-                    <a:lumMod val="75000"/>
-                  </a:schemeClr>
+                  <a:schemeClr val="accent1"/>
                 </a:solidFill>
               </a:rPr>
-              <a:t> Background: PDR on Hardware</a:t>
-            </a:r>
-          </a:p>
-          <a:p>
-            <a:pPr marL="457200" indent="-457200">
-              <a:buFont typeface="+mj-lt"/>
-              <a:buAutoNum type="arabicPeriod"/>
+              <a:t>ineffective</a:t>
+            </a:r>
+            <a:r>
+              <a:rPr lang="en-US" noProof="0" dirty="0"/>
+              <a:t>:</a:t>
+            </a:r>
+          </a:p>
+          <a:p>
+            <a:pPr lvl="1"/>
+            <a:r>
+              <a:rPr lang="en-US" noProof="0" dirty="0">
+                <a:sym typeface="Wingdings" panose="05000000000000000000" pitchFamily="2" charset="2"/>
+              </a:rPr>
+              <a:t>Generalize blocked states</a:t>
+            </a:r>
+          </a:p>
+          <a:p>
+            <a:pPr marL="274320" lvl="1" indent="0">
+              <a:buNone/>
             </a:pPr>
             <a:r>
               <a:rPr lang="en-US" noProof="0" dirty="0"/>
-              <a:t> PDR on Software</a:t>
-            </a:r>
-          </a:p>
-          <a:p>
-            <a:pPr marL="457200" indent="-457200">
-              <a:buFont typeface="+mj-lt"/>
-              <a:buAutoNum type="arabicPeriod"/>
-            </a:pPr>
+              <a:t>	</a:t>
+            </a:r>
             <a:r>
               <a:rPr lang="en-US" noProof="0" dirty="0">
                 <a:solidFill>
-                  <a:schemeClr val="bg1">
-                    <a:lumMod val="75000"/>
-                  </a:schemeClr>
+                  <a:schemeClr val="accent1"/>
+                </a:solidFill>
+                <a:sym typeface="Wingdings" panose="05000000000000000000" pitchFamily="2" charset="2"/>
+              </a:rPr>
+              <a:t> </a:t>
+            </a:r>
+            <a:r>
+              <a:rPr lang="en-US" noProof="0" dirty="0"/>
+              <a:t>Eliminate </a:t>
+            </a:r>
+            <a:r>
+              <a:rPr lang="en-US" noProof="0" dirty="0">
+                <a:solidFill>
+                  <a:schemeClr val="accent1"/>
                 </a:solidFill>
               </a:rPr>
-              <a:t> Implementation in Ultimate</a:t>
-            </a:r>
-          </a:p>
-          <a:p>
-            <a:pPr marL="457200" indent="-457200">
-              <a:buFont typeface="+mj-lt"/>
-              <a:buAutoNum type="arabicPeriod"/>
+              <a:t>insignificant</a:t>
+            </a:r>
+            <a:r>
+              <a:rPr lang="en-US" noProof="0" dirty="0"/>
+              <a:t> cubes from states, that are not used by UNSAT-cores</a:t>
+            </a:r>
+          </a:p>
+          <a:p>
+            <a:pPr marL="0" indent="0">
+              <a:buNone/>
             </a:pPr>
+            <a:endParaRPr lang="en-US" noProof="0" dirty="0"/>
+          </a:p>
+          <a:p>
+            <a:r>
+              <a:rPr lang="en-US" noProof="0" dirty="0"/>
+              <a:t> </a:t>
+            </a:r>
             <a:r>
               <a:rPr lang="en-US" noProof="0" dirty="0">
                 <a:solidFill>
-                  <a:schemeClr val="bg1">
-                    <a:lumMod val="75000"/>
-                  </a:schemeClr>
+                  <a:schemeClr val="accent1"/>
                 </a:solidFill>
               </a:rPr>
-              <a:t> Evaluation</a:t>
-            </a:r>
-          </a:p>
-          <a:p>
-            <a:pPr marL="457200" indent="-457200">
-              <a:buFont typeface="+mj-lt"/>
-              <a:buAutoNum type="arabicPeriod"/>
-            </a:pPr>
+              <a:t>Ternary Simulation </a:t>
+            </a:r>
+            <a:r>
+              <a:rPr lang="en-US" noProof="0" dirty="0"/>
+              <a:t>to </a:t>
+            </a:r>
             <a:r>
               <a:rPr lang="en-US" noProof="0" dirty="0">
                 <a:solidFill>
-                  <a:schemeClr val="bg1">
-                    <a:lumMod val="75000"/>
-                  </a:schemeClr>
+                  <a:schemeClr val="accent1"/>
                 </a:solidFill>
               </a:rPr>
-              <a:t> Related Work</a:t>
-            </a:r>
-          </a:p>
-          <a:p>
-            <a:pPr marL="457200" indent="-457200">
-              <a:buFont typeface="+mj-lt"/>
-              <a:buAutoNum type="arabicPeriod"/>
-            </a:pPr>
+              <a:t>reduce</a:t>
+            </a:r>
+            <a:r>
+              <a:rPr lang="en-US" noProof="0" dirty="0"/>
+              <a:t> proof-obligations:</a:t>
+            </a:r>
+          </a:p>
+          <a:p>
+            <a:pPr lvl="1"/>
+            <a:r>
+              <a:rPr lang="en-US" noProof="0" dirty="0"/>
+              <a:t>Extend binary variables with a </a:t>
+            </a:r>
             <a:r>
               <a:rPr lang="en-US" noProof="0" dirty="0">
                 <a:solidFill>
-                  <a:schemeClr val="bg1">
-                    <a:lumMod val="75000"/>
-                  </a:schemeClr>
+                  <a:schemeClr val="accent1"/>
                 </a:solidFill>
               </a:rPr>
-              <a:t> Future Work</a:t>
-            </a:r>
-          </a:p>
-          <a:p>
-            <a:pPr marL="457200" indent="-457200">
-              <a:buFont typeface="+mj-lt"/>
-              <a:buAutoNum type="arabicPeriod"/>
-            </a:pPr>
+              <a:t>new value: unknown </a:t>
+            </a:r>
+          </a:p>
+          <a:p>
+            <a:pPr lvl="1"/>
+            <a:r>
+              <a:rPr lang="en-US" noProof="0" dirty="0"/>
+              <a:t>Check state variables of proof-obligations for </a:t>
+            </a:r>
             <a:r>
               <a:rPr lang="en-US" noProof="0" dirty="0">
                 <a:solidFill>
-                  <a:schemeClr val="bg1">
-                    <a:lumMod val="75000"/>
-                  </a:schemeClr>
+                  <a:schemeClr val="accent1"/>
                 </a:solidFill>
               </a:rPr>
-              <a:t> Conclusion</a:t>
-            </a:r>
+              <a:t>importance</a:t>
+            </a:r>
+          </a:p>
+          <a:p>
+            <a:pPr marL="506412" lvl="2" indent="0">
+              <a:buNone/>
+            </a:pPr>
+            <a:r>
+              <a:rPr lang="en-US" noProof="0" dirty="0">
+                <a:sym typeface="Wingdings" panose="05000000000000000000" pitchFamily="2" charset="2"/>
+              </a:rPr>
+              <a:t>	</a:t>
+            </a:r>
+            <a:r>
+              <a:rPr lang="en-US" noProof="0" dirty="0">
+                <a:solidFill>
+                  <a:schemeClr val="accent1"/>
+                </a:solidFill>
+                <a:sym typeface="Wingdings" panose="05000000000000000000" pitchFamily="2" charset="2"/>
+              </a:rPr>
+              <a:t></a:t>
+            </a:r>
+            <a:r>
+              <a:rPr lang="en-US" noProof="0" dirty="0">
+                <a:sym typeface="Wingdings" panose="05000000000000000000" pitchFamily="2" charset="2"/>
+              </a:rPr>
+              <a:t> Eliminate </a:t>
+            </a:r>
+            <a:r>
+              <a:rPr lang="en-US" noProof="0" dirty="0">
+                <a:solidFill>
+                  <a:schemeClr val="accent1"/>
+                </a:solidFill>
+                <a:sym typeface="Wingdings" panose="05000000000000000000" pitchFamily="2" charset="2"/>
+              </a:rPr>
+              <a:t>unimportant</a:t>
+            </a:r>
+            <a:r>
+              <a:rPr lang="en-US" noProof="0" dirty="0">
+                <a:sym typeface="Wingdings" panose="05000000000000000000" pitchFamily="2" charset="2"/>
+              </a:rPr>
+              <a:t> state variables</a:t>
+            </a:r>
+            <a:endParaRPr lang="en-US" noProof="0" dirty="0"/>
+          </a:p>
+          <a:p>
+            <a:endParaRPr lang="en-US" noProof="0" dirty="0"/>
           </a:p>
         </p:txBody>
       </p:sp>
     </p:spTree>
     <p:extLst>
       <p:ext uri="{BB962C8B-B14F-4D97-AF65-F5344CB8AC3E}">
-        <p14:creationId xmlns:p14="http://schemas.microsoft.com/office/powerpoint/2010/main" val="4087838175"/>
+        <p14:creationId xmlns:p14="http://schemas.microsoft.com/office/powerpoint/2010/main" val="2810527099"/>
       </p:ext>
     </p:extLst>
   </p:cSld>
@@ -27661,7 +28218,7 @@
           <p:cNvPr id="2" name="Titel 1">
             <a:extLst>
               <a:ext uri="{FF2B5EF4-FFF2-40B4-BE49-F238E27FC236}">
-                <a16:creationId xmlns:a16="http://schemas.microsoft.com/office/drawing/2014/main" id="{7C1B9FA5-5DB3-4590-8300-D006AF838165}"/>
+                <a16:creationId xmlns:a16="http://schemas.microsoft.com/office/drawing/2014/main" id="{258F9DE9-7431-495F-AD93-EEA178EDD70F}"/>
               </a:ext>
             </a:extLst>
           </p:cNvPr>
@@ -27681,7 +28238,7 @@
           <a:p>
             <a:r>
               <a:rPr lang="en-US" noProof="0" dirty="0"/>
-              <a:t>3.1 Preliminaries</a:t>
+              <a:t>Overview</a:t>
             </a:r>
           </a:p>
         </p:txBody>
@@ -27691,7 +28248,7 @@
           <p:cNvPr id="3" name="Datumsplatzhalter 2">
             <a:extLst>
               <a:ext uri="{FF2B5EF4-FFF2-40B4-BE49-F238E27FC236}">
-                <a16:creationId xmlns:a16="http://schemas.microsoft.com/office/drawing/2014/main" id="{5911A214-53A8-47FC-86B0-0B90B633DD35}"/>
+                <a16:creationId xmlns:a16="http://schemas.microsoft.com/office/drawing/2014/main" id="{000E5BF3-EE16-4A3A-9AC2-C8097A1631D5}"/>
               </a:ext>
             </a:extLst>
           </p:cNvPr>
@@ -27709,10 +28266,9 @@
           <a:p>
             <a:pPr algn="r"/>
             <a:r>
-              <a:rPr lang="de-DE" noProof="0"/>
+              <a:rPr lang="de-DE" noProof="0" dirty="0"/>
               <a:t>28.8.18</a:t>
             </a:r>
-            <a:endParaRPr lang="de-DE" noProof="0" dirty="0"/>
           </a:p>
         </p:txBody>
       </p:sp>
@@ -27721,7 +28277,7 @@
           <p:cNvPr id="4" name="Fußzeilenplatzhalter 3">
             <a:extLst>
               <a:ext uri="{FF2B5EF4-FFF2-40B4-BE49-F238E27FC236}">
-                <a16:creationId xmlns:a16="http://schemas.microsoft.com/office/drawing/2014/main" id="{3EE67A4B-4B60-4F3A-A036-E46478FED8E2}"/>
+                <a16:creationId xmlns:a16="http://schemas.microsoft.com/office/drawing/2014/main" id="{1CE74D54-9888-488A-8C5A-F53E42E541BE}"/>
               </a:ext>
             </a:extLst>
           </p:cNvPr>
@@ -27747,7 +28303,7 @@
           <p:cNvPr id="5" name="Foliennummernplatzhalter 4">
             <a:extLst>
               <a:ext uri="{FF2B5EF4-FFF2-40B4-BE49-F238E27FC236}">
-                <a16:creationId xmlns:a16="http://schemas.microsoft.com/office/drawing/2014/main" id="{2BB665AE-41A4-4025-9A2F-FFCB3973B325}"/>
+                <a16:creationId xmlns:a16="http://schemas.microsoft.com/office/drawing/2014/main" id="{02087F13-7305-43B7-A46E-958A431D74B0}"/>
               </a:ext>
             </a:extLst>
           </p:cNvPr>
@@ -27764,10 +28320,9 @@
           <a:lstStyle/>
           <a:p>
             <a:r>
-              <a:rPr lang="de-DE" noProof="0"/>
+              <a:rPr lang="de-DE" noProof="0" dirty="0"/>
               <a:t>‹Nr.›</a:t>
             </a:r>
-            <a:endParaRPr lang="de-DE" noProof="0" dirty="0"/>
           </a:p>
         </p:txBody>
       </p:sp>
@@ -27776,7 +28331,7 @@
           <p:cNvPr id="6" name="Textplatzhalter 5">
             <a:extLst>
               <a:ext uri="{FF2B5EF4-FFF2-40B4-BE49-F238E27FC236}">
-                <a16:creationId xmlns:a16="http://schemas.microsoft.com/office/drawing/2014/main" id="{C2A8ACDC-8FF6-440C-9D87-8482FA086D31}"/>
+                <a16:creationId xmlns:a16="http://schemas.microsoft.com/office/drawing/2014/main" id="{CE598EF9-AE99-495E-AB14-B855EF4AB994}"/>
               </a:ext>
             </a:extLst>
           </p:cNvPr>
@@ -27792,23 +28347,133 @@
           <a:bodyPr/>
           <a:lstStyle/>
           <a:p>
+            <a:pPr marL="457200" indent="-457200">
+              <a:buFont typeface="+mj-lt"/>
+              <a:buAutoNum type="arabicPeriod"/>
+            </a:pPr>
+            <a:r>
+              <a:rPr lang="en-US" noProof="0" dirty="0">
+                <a:solidFill>
+                  <a:schemeClr val="bg1">
+                    <a:lumMod val="75000"/>
+                  </a:schemeClr>
+                </a:solidFill>
+              </a:rPr>
+              <a:t> Introduction</a:t>
+            </a:r>
+          </a:p>
+          <a:p>
+            <a:pPr marL="457200" indent="-457200">
+              <a:buFont typeface="+mj-lt"/>
+              <a:buAutoNum type="arabicPeriod"/>
+            </a:pPr>
+            <a:r>
+              <a:rPr lang="en-US" noProof="0" dirty="0">
+                <a:solidFill>
+                  <a:schemeClr val="bg1">
+                    <a:lumMod val="75000"/>
+                  </a:schemeClr>
+                </a:solidFill>
+              </a:rPr>
+              <a:t> Background: PDR on Hardware</a:t>
+            </a:r>
+          </a:p>
+          <a:p>
+            <a:pPr marL="457200" indent="-457200">
+              <a:buFont typeface="+mj-lt"/>
+              <a:buAutoNum type="arabicPeriod"/>
+            </a:pPr>
             <a:r>
               <a:rPr lang="en-US" noProof="0" dirty="0"/>
-              <a:t>To use PDR on software, we need to lift the algorithm from propositional-logic based systems to first-order logic based systems</a:t>
-            </a:r>
-          </a:p>
-          <a:p>
-            <a:pPr marL="0" indent="0">
-              <a:buNone/>
+              <a:t> PDR on Software</a:t>
+            </a:r>
+          </a:p>
+          <a:p>
+            <a:pPr marL="457200" indent="-457200">
+              <a:buFont typeface="+mj-lt"/>
+              <a:buAutoNum type="arabicPeriod"/>
             </a:pPr>
-            <a:endParaRPr lang="en-US" noProof="0" dirty="0"/>
+            <a:r>
+              <a:rPr lang="en-US" noProof="0" dirty="0">
+                <a:solidFill>
+                  <a:schemeClr val="bg1">
+                    <a:lumMod val="75000"/>
+                  </a:schemeClr>
+                </a:solidFill>
+              </a:rPr>
+              <a:t> Implementation in Ultimate</a:t>
+            </a:r>
+          </a:p>
+          <a:p>
+            <a:pPr marL="457200" indent="-457200">
+              <a:buFont typeface="+mj-lt"/>
+              <a:buAutoNum type="arabicPeriod"/>
+            </a:pPr>
+            <a:r>
+              <a:rPr lang="en-US" noProof="0" dirty="0">
+                <a:solidFill>
+                  <a:schemeClr val="bg1">
+                    <a:lumMod val="75000"/>
+                  </a:schemeClr>
+                </a:solidFill>
+              </a:rPr>
+              <a:t> Evaluation</a:t>
+            </a:r>
+          </a:p>
+          <a:p>
+            <a:pPr marL="457200" indent="-457200">
+              <a:buFont typeface="+mj-lt"/>
+              <a:buAutoNum type="arabicPeriod"/>
+            </a:pPr>
+            <a:r>
+              <a:rPr lang="en-US" noProof="0" dirty="0">
+                <a:solidFill>
+                  <a:schemeClr val="bg1">
+                    <a:lumMod val="75000"/>
+                  </a:schemeClr>
+                </a:solidFill>
+              </a:rPr>
+              <a:t> Related Work</a:t>
+            </a:r>
+          </a:p>
+          <a:p>
+            <a:pPr marL="457200" indent="-457200">
+              <a:buFont typeface="+mj-lt"/>
+              <a:buAutoNum type="arabicPeriod"/>
+            </a:pPr>
+            <a:r>
+              <a:rPr lang="en-US" noProof="0" dirty="0">
+                <a:solidFill>
+                  <a:schemeClr val="bg1">
+                    <a:lumMod val="75000"/>
+                  </a:schemeClr>
+                </a:solidFill>
+              </a:rPr>
+              <a:t> Future Work</a:t>
+            </a:r>
+          </a:p>
+          <a:p>
+            <a:pPr marL="457200" indent="-457200">
+              <a:buFont typeface="+mj-lt"/>
+              <a:buAutoNum type="arabicPeriod"/>
+            </a:pPr>
+            <a:r>
+              <a:rPr lang="en-US" noProof="0" dirty="0">
+                <a:solidFill>
+                  <a:schemeClr val="bg1">
+                    <a:lumMod val="75000"/>
+                  </a:schemeClr>
+                </a:solidFill>
+              </a:rPr>
+              <a:t> Conclusion</a:t>
+            </a:r>
           </a:p>
         </p:txBody>
       </p:sp>
     </p:spTree>
     <p:extLst>
       <p:ext uri="{BB962C8B-B14F-4D97-AF65-F5344CB8AC3E}">
-        <p14:creationId xmlns:p14="http://schemas.microsoft.com/office/powerpoint/2010/main" val="603395283"/>
+        <p14:creationId xmlns:p14="http://schemas.microsoft.com/office/powerpoint/2010/main" val="4087838175"/>
       </p:ext>
     </p:extLst>
   </p:cSld>
@@ -28109,7 +28774,7 @@
           <p:cNvPr id="2" name="Titel 1">
             <a:extLst>
               <a:ext uri="{FF2B5EF4-FFF2-40B4-BE49-F238E27FC236}">
-                <a16:creationId xmlns:a16="http://schemas.microsoft.com/office/drawing/2014/main" id="{07D7A3B8-45B1-4CB4-AABE-2175B9D4D39B}"/>
+                <a16:creationId xmlns:a16="http://schemas.microsoft.com/office/drawing/2014/main" id="{7C1B9FA5-5DB3-4590-8300-D006AF838165}"/>
               </a:ext>
             </a:extLst>
           </p:cNvPr>
@@ -28139,7 +28804,7 @@
           <p:cNvPr id="3" name="Datumsplatzhalter 2">
             <a:extLst>
               <a:ext uri="{FF2B5EF4-FFF2-40B4-BE49-F238E27FC236}">
-                <a16:creationId xmlns:a16="http://schemas.microsoft.com/office/drawing/2014/main" id="{5B42DD90-7374-4069-A696-B2CD881BA460}"/>
+                <a16:creationId xmlns:a16="http://schemas.microsoft.com/office/drawing/2014/main" id="{5911A214-53A8-47FC-86B0-0B90B633DD35}"/>
               </a:ext>
             </a:extLst>
           </p:cNvPr>
@@ -28169,7 +28834,7 @@
           <p:cNvPr id="4" name="Fußzeilenplatzhalter 3">
             <a:extLst>
               <a:ext uri="{FF2B5EF4-FFF2-40B4-BE49-F238E27FC236}">
-                <a16:creationId xmlns:a16="http://schemas.microsoft.com/office/drawing/2014/main" id="{5784B41A-D011-4516-BCF2-2F6E85FA3E19}"/>
+                <a16:creationId xmlns:a16="http://schemas.microsoft.com/office/drawing/2014/main" id="{3EE67A4B-4B60-4F3A-A036-E46478FED8E2}"/>
               </a:ext>
             </a:extLst>
           </p:cNvPr>
@@ -28185,7 +28850,53 @@
           <a:bodyPr/>
           <a:lstStyle/>
           <a:p>
-            <a:pPr rtl="0"/>
+            <a:r>
+              <a:rPr lang="de-DE" dirty="0"/>
+              <a:t>1. Tim Lange, Martin R. </a:t>
+            </a:r>
+            <a:r>
+              <a:rPr lang="de-DE" dirty="0" err="1"/>
+              <a:t>Neuh¨außer</a:t>
+            </a:r>
+            <a:r>
+              <a:rPr lang="de-DE" dirty="0"/>
+              <a:t>, and Thomas Noll. IC3 </a:t>
+            </a:r>
+            <a:r>
+              <a:rPr lang="de-DE" dirty="0" err="1"/>
+              <a:t>software</a:t>
+            </a:r>
+            <a:r>
+              <a:rPr lang="de-DE" dirty="0"/>
+              <a:t> </a:t>
+            </a:r>
+            <a:r>
+              <a:rPr lang="de-DE" dirty="0" err="1"/>
+              <a:t>model</a:t>
+            </a:r>
+            <a:r>
+              <a:rPr lang="de-DE" dirty="0"/>
+              <a:t> </a:t>
+            </a:r>
+            <a:r>
+              <a:rPr lang="de-DE" dirty="0" err="1"/>
+              <a:t>checking</a:t>
+            </a:r>
+            <a:endParaRPr lang="de-DE" dirty="0"/>
+          </a:p>
+          <a:p>
+            <a:r>
+              <a:rPr lang="en-US" dirty="0"/>
+              <a:t>on control flow automata. In </a:t>
+            </a:r>
+            <a:r>
+              <a:rPr lang="en-US" i="1" dirty="0"/>
+              <a:t>FMCAD</a:t>
+            </a:r>
+            <a:r>
+              <a:rPr lang="en-US" dirty="0"/>
+              <a:t>, pages 97–104. IEEE, 2015.</a:t>
+            </a:r>
             <a:endParaRPr lang="de-DE" noProof="0" dirty="0"/>
           </a:p>
         </p:txBody>
@@ -28195,7 +28906,7 @@
           <p:cNvPr id="5" name="Foliennummernplatzhalter 4">
             <a:extLst>
               <a:ext uri="{FF2B5EF4-FFF2-40B4-BE49-F238E27FC236}">
-                <a16:creationId xmlns:a16="http://schemas.microsoft.com/office/drawing/2014/main" id="{22AFAED8-3BC4-4EC3-BF09-15B916AF8641}"/>
+                <a16:creationId xmlns:a16="http://schemas.microsoft.com/office/drawing/2014/main" id="{2BB665AE-41A4-4025-9A2F-FFCB3973B325}"/>
               </a:ext>
             </a:extLst>
           </p:cNvPr>
@@ -28224,7 +28935,7 @@
           <p:cNvPr id="6" name="Textplatzhalter 5">
             <a:extLst>
               <a:ext uri="{FF2B5EF4-FFF2-40B4-BE49-F238E27FC236}">
-                <a16:creationId xmlns:a16="http://schemas.microsoft.com/office/drawing/2014/main" id="{4AD2972C-5A11-47E7-AB00-1D600D98BD41}"/>
+                <a16:creationId xmlns:a16="http://schemas.microsoft.com/office/drawing/2014/main" id="{C2A8ACDC-8FF6-440C-9D87-8482FA086D31}"/>
               </a:ext>
             </a:extLst>
           </p:cNvPr>
@@ -28242,24 +28953,36 @@
           <a:p>
             <a:r>
               <a:rPr lang="en-US" noProof="0" dirty="0"/>
-              <a:t>To use PDR on software, we need to lift the algorithm from propositional-logic based systems to first-order logic based systems</a:t>
-            </a:r>
-          </a:p>
-          <a:p>
+              <a:t> For using PDR on software, lift the algorithm from propositional logic to first-order logic</a:t>
+            </a:r>
+          </a:p>
+          <a:p>
+            <a:pPr marL="0" indent="0">
+              <a:buNone/>
+            </a:pPr>
             <a:endParaRPr lang="en-US" noProof="0" dirty="0"/>
           </a:p>
           <a:p>
-            <a:r>
-              <a:rPr lang="en-US" noProof="0" dirty="0"/>
-              <a:t>For that we first need new definitions</a:t>
-            </a:r>
+            <a:pPr>
+              <a:buFont typeface="Wingdings" panose="05000000000000000000" pitchFamily="2" charset="2"/>
+              <a:buChar char="è"/>
+            </a:pPr>
+            <a:r>
+              <a:rPr lang="en-US" dirty="0">
+                <a:sym typeface="Wingdings" panose="05000000000000000000" pitchFamily="2" charset="2"/>
+              </a:rPr>
+              <a:t> We base our approach on the technique described by Lange et al. </a:t>
+            </a:r>
+            <a:endParaRPr lang="en-US" baseline="30000" dirty="0">
+              <a:sym typeface="Wingdings" panose="05000000000000000000" pitchFamily="2" charset="2"/>
+            </a:endParaRPr>
           </a:p>
         </p:txBody>
       </p:sp>
     </p:spTree>
     <p:extLst>
       <p:ext uri="{BB962C8B-B14F-4D97-AF65-F5344CB8AC3E}">
-        <p14:creationId xmlns:p14="http://schemas.microsoft.com/office/powerpoint/2010/main" val="1510833741"/>
+        <p14:creationId xmlns:p14="http://schemas.microsoft.com/office/powerpoint/2010/main" val="603395283"/>
       </p:ext>
     </p:extLst>
   </p:cSld>
@@ -28447,7 +29170,31 @@
               <a:p>
                 <a:r>
                   <a:rPr lang="en-US" noProof="0" dirty="0"/>
-                  <a:t>A control flow graph (CFG) </a:t>
+                  <a:t> A </a:t>
+                </a:r>
+                <a:r>
+                  <a:rPr lang="en-US" noProof="0" dirty="0">
+                    <a:solidFill>
+                      <a:schemeClr val="accent1"/>
+                    </a:solidFill>
+                  </a:rPr>
+                  <a:t>control flow graph </a:t>
+                </a:r>
+                <a:r>
+                  <a:rPr lang="en-US" noProof="0" dirty="0"/>
+                  <a:t>(</a:t>
+                </a:r>
+                <a:r>
+                  <a:rPr lang="en-US" noProof="0" dirty="0">
+                    <a:solidFill>
+                      <a:schemeClr val="accent1"/>
+                    </a:solidFill>
+                  </a:rPr>
+                  <a:t>CFG</a:t>
+                </a:r>
+                <a:r>
+                  <a:rPr lang="en-US" noProof="0" dirty="0"/>
+                  <a:t>) </a:t>
                 </a:r>
                 <a14:m>
                   <m:oMath xmlns:m="http://schemas.openxmlformats.org/officeDocument/2006/math">
@@ -28574,35 +29321,123 @@
                 <a:pPr lvl="1"/>
                 <a:r>
                   <a:rPr lang="en-US" noProof="0" dirty="0"/>
-                  <a:t>A finite set of variables X</a:t>
-                </a:r>
-              </a:p>
-              <a:p>
-                <a:pPr lvl="1"/>
-                <a:r>
-                  <a:rPr lang="en-US" noProof="0" dirty="0"/>
-                  <a:t>A finite set of locations L</a:t>
-                </a:r>
-              </a:p>
-              <a:p>
-                <a:pPr lvl="1"/>
-                <a:r>
-                  <a:rPr lang="en-US" noProof="0" dirty="0"/>
-                  <a:t>A finite set of transitions </a:t>
+                  <a:t>A finite set of </a:t>
+                </a:r>
+                <a:r>
+                  <a:rPr lang="en-US" noProof="0" dirty="0">
+                    <a:solidFill>
+                      <a:schemeClr val="accent1"/>
+                    </a:solidFill>
+                  </a:rPr>
+                  <a:t>first-</a:t>
+                </a:r>
+                <a:r>
+                  <a:rPr lang="en-US" dirty="0">
+                    <a:solidFill>
+                      <a:schemeClr val="accent1"/>
+                    </a:solidFill>
+                  </a:rPr>
+                  <a:t>order </a:t>
+                </a:r>
+                <a:r>
+                  <a:rPr lang="en-US" noProof="0" dirty="0">
+                    <a:solidFill>
+                      <a:schemeClr val="accent1"/>
+                    </a:solidFill>
+                  </a:rPr>
+                  <a:t>variables </a:t>
                 </a:r>
                 <a14:m>
                   <m:oMath xmlns:m="http://schemas.openxmlformats.org/officeDocument/2006/math">
                     <m:r>
                       <a:rPr lang="en-US" b="0" i="1" noProof="0" smtClean="0">
+                        <a:solidFill>
+                          <a:schemeClr val="tx2"/>
+                        </a:solidFill>
+                        <a:latin typeface="Cambria Math" panose="02040503050406030204" pitchFamily="18" charset="0"/>
+                      </a:rPr>
+                      <m:t>𝑋</m:t>
+                    </m:r>
+                  </m:oMath>
+                </a14:m>
+                <a:endParaRPr lang="en-US" noProof="0" dirty="0">
+                  <a:solidFill>
+                    <a:schemeClr val="accent1"/>
+                  </a:solidFill>
+                </a:endParaRPr>
+              </a:p>
+              <a:p>
+                <a:pPr lvl="1"/>
+                <a:r>
+                  <a:rPr lang="en-US" noProof="0" dirty="0"/>
+                  <a:t>A finite set of </a:t>
+                </a:r>
+                <a:r>
+                  <a:rPr lang="en-US" noProof="0" dirty="0">
+                    <a:solidFill>
+                      <a:schemeClr val="accent1"/>
+                    </a:solidFill>
+                  </a:rPr>
+                  <a:t>locations </a:t>
+                </a:r>
+                <a14:m>
+                  <m:oMath xmlns:m="http://schemas.openxmlformats.org/officeDocument/2006/math">
+                    <m:r>
+                      <a:rPr lang="en-US" b="0" i="1" noProof="0" smtClean="0">
+                        <a:solidFill>
+                          <a:schemeClr val="tx2"/>
+                        </a:solidFill>
+                        <a:latin typeface="Cambria Math" panose="02040503050406030204" pitchFamily="18" charset="0"/>
+                      </a:rPr>
+                      <m:t>𝐿</m:t>
+                    </m:r>
+                  </m:oMath>
+                </a14:m>
+                <a:endParaRPr lang="en-US" noProof="0" dirty="0">
+                  <a:solidFill>
+                    <a:schemeClr val="tx2"/>
+                  </a:solidFill>
+                </a:endParaRPr>
+              </a:p>
+              <a:p>
+                <a:pPr lvl="1"/>
+                <a:r>
+                  <a:rPr lang="en-US" noProof="0" dirty="0"/>
+                  <a:t>A finite set of </a:t>
+                </a:r>
+                <a:r>
+                  <a:rPr lang="en-US" noProof="0" dirty="0">
+                    <a:solidFill>
+                      <a:schemeClr val="accent1"/>
+                    </a:solidFill>
+                  </a:rPr>
+                  <a:t>transitions </a:t>
+                </a:r>
+                <a14:m>
+                  <m:oMath xmlns:m="http://schemas.openxmlformats.org/officeDocument/2006/math">
+                    <m:r>
+                      <a:rPr lang="en-US" b="0" i="1" noProof="0" smtClean="0">
+                        <a:solidFill>
+                          <a:schemeClr val="tx2"/>
+                        </a:solidFill>
                         <a:latin typeface="Cambria Math" panose="02040503050406030204" pitchFamily="18" charset="0"/>
                       </a:rPr>
                       <m:t>𝐺</m:t>
                     </m:r>
                     <m:r>
                       <a:rPr lang="en-US" b="0" i="1" noProof="0" smtClean="0">
+                        <a:solidFill>
+                          <a:schemeClr val="accent1"/>
+                        </a:solidFill>
                         <a:latin typeface="Cambria Math" panose="02040503050406030204" pitchFamily="18" charset="0"/>
                       </a:rPr>
-                      <m:t> ⊆</m:t>
+                      <m:t> </m:t>
+                    </m:r>
+                    <m:r>
+                      <a:rPr lang="en-US" b="0" i="1" noProof="0" smtClean="0">
+                        <a:latin typeface="Cambria Math" panose="02040503050406030204" pitchFamily="18" charset="0"/>
+                      </a:rPr>
+                      <m:t>⊆</m:t>
                     </m:r>
                     <m:r>
                       <a:rPr lang="en-US" b="0" i="1" noProof="0" smtClean="0">
@@ -28648,10 +29483,19 @@
                   <a:buFont typeface="Wingdings" panose="05000000000000000000" pitchFamily="2" charset="2"/>
                   <a:buChar char="è"/>
                 </a:pPr>
+                <a:r>
+                  <a:rPr lang="en-US" b="0" noProof="0" dirty="0">
+                    <a:sym typeface="Wingdings" panose="05000000000000000000" pitchFamily="2" charset="2"/>
+                  </a:rPr>
+                  <a:t> </a:t>
+                </a:r>
                 <a14:m>
                   <m:oMath xmlns:m="http://schemas.openxmlformats.org/officeDocument/2006/math">
                     <m:r>
                       <a:rPr lang="en-US" b="0" i="1" noProof="0" smtClean="0">
+                        <a:solidFill>
+                          <a:schemeClr val="accent1"/>
+                        </a:solidFill>
                         <a:latin typeface="Cambria Math" panose="02040503050406030204" pitchFamily="18" charset="0"/>
                         <a:sym typeface="Wingdings" panose="05000000000000000000" pitchFamily="2" charset="2"/>
                       </a:rPr>
@@ -28670,7 +29514,22 @@
                   <a:rPr lang="en-US" noProof="0" dirty="0">
                     <a:sym typeface="Wingdings" panose="05000000000000000000" pitchFamily="2" charset="2"/>
                   </a:rPr>
-                  <a:t>being a quantifier free first-order logic formula over variables in </a:t>
+                  <a:t>being a </a:t>
+                </a:r>
+                <a:r>
+                  <a:rPr lang="en-US" noProof="0" dirty="0">
+                    <a:solidFill>
+                      <a:schemeClr val="accent1"/>
+                    </a:solidFill>
+                    <a:sym typeface="Wingdings" panose="05000000000000000000" pitchFamily="2" charset="2"/>
+                  </a:rPr>
+                  <a:t>quantifier free first-order logic formula</a:t>
+                </a:r>
+                <a:r>
+                  <a:rPr lang="en-US" noProof="0" dirty="0">
+                    <a:sym typeface="Wingdings" panose="05000000000000000000" pitchFamily="2" charset="2"/>
+                  </a:rPr>
+                  <a:t> over variables in </a:t>
                 </a:r>
                 <a14:m>
                   <m:oMath xmlns:m="http://schemas.openxmlformats.org/officeDocument/2006/math">
@@ -28847,7 +29706,17 @@
                     <a:ea typeface="Cambria Math" panose="02040503050406030204" pitchFamily="18" charset="0"/>
                     <a:sym typeface="Wingdings" panose="05000000000000000000" pitchFamily="2" charset="2"/>
                   </a:rPr>
-                  <a:t>An initial location </a:t>
+                  <a:t>An </a:t>
+                </a:r>
+                <a:r>
+                  <a:rPr lang="en-US" b="0" noProof="0" dirty="0">
+                    <a:solidFill>
+                      <a:schemeClr val="accent1"/>
+                    </a:solidFill>
+                    <a:ea typeface="Cambria Math" panose="02040503050406030204" pitchFamily="18" charset="0"/>
+                    <a:sym typeface="Wingdings" panose="05000000000000000000" pitchFamily="2" charset="2"/>
+                  </a:rPr>
+                  <a:t>initial location </a:t>
                 </a:r>
                 <a14:m>
                   <m:oMath xmlns:m="http://schemas.openxmlformats.org/officeDocument/2006/math">
@@ -28855,6 +29724,9 @@
                       <m:sSubPr>
                         <m:ctrlPr>
                           <a:rPr lang="en-US" b="0" i="1" noProof="0" smtClean="0">
+                            <a:solidFill>
+                              <a:schemeClr val="tx2"/>
+                            </a:solidFill>
                             <a:latin typeface="Cambria Math" panose="02040503050406030204" pitchFamily="18" charset="0"/>
                             <a:ea typeface="Cambria Math" panose="02040503050406030204" pitchFamily="18" charset="0"/>
                             <a:sym typeface="Wingdings" panose="05000000000000000000" pitchFamily="2" charset="2"/>
@@ -28864,6 +29736,9 @@
                       <m:e>
                         <m:r>
                           <a:rPr lang="en-US" b="0" i="1" noProof="0" smtClean="0">
+                            <a:solidFill>
+                              <a:schemeClr val="tx2"/>
+                            </a:solidFill>
                             <a:latin typeface="Cambria Math" panose="02040503050406030204" pitchFamily="18" charset="0"/>
                             <a:ea typeface="Cambria Math" panose="02040503050406030204" pitchFamily="18" charset="0"/>
                             <a:sym typeface="Wingdings" panose="05000000000000000000" pitchFamily="2" charset="2"/>
@@ -28874,6 +29749,9 @@
                       <m:sub>
                         <m:r>
                           <a:rPr lang="en-US" b="0" i="1" noProof="0" smtClean="0">
+                            <a:solidFill>
+                              <a:schemeClr val="tx2"/>
+                            </a:solidFill>
                             <a:latin typeface="Cambria Math" panose="02040503050406030204" pitchFamily="18" charset="0"/>
                             <a:ea typeface="Cambria Math" panose="02040503050406030204" pitchFamily="18" charset="0"/>
                             <a:sym typeface="Wingdings" panose="05000000000000000000" pitchFamily="2" charset="2"/>
@@ -28884,11 +29762,22 @@
                     </m:sSub>
                     <m:r>
                       <a:rPr lang="en-US" b="0" i="1" noProof="0" smtClean="0">
+                        <a:solidFill>
+                          <a:schemeClr val="tx2"/>
+                        </a:solidFill>
                         <a:latin typeface="Cambria Math" panose="02040503050406030204" pitchFamily="18" charset="0"/>
                         <a:ea typeface="Cambria Math" panose="02040503050406030204" pitchFamily="18" charset="0"/>
                         <a:sym typeface="Wingdings" panose="05000000000000000000" pitchFamily="2" charset="2"/>
                       </a:rPr>
-                      <m:t> ∈</m:t>
+                      <m:t> </m:t>
+                    </m:r>
+                    <m:r>
+                      <a:rPr lang="en-US" b="0" i="1" noProof="0" smtClean="0">
+                        <a:latin typeface="Cambria Math" panose="02040503050406030204" pitchFamily="18" charset="0"/>
+                        <a:ea typeface="Cambria Math" panose="02040503050406030204" pitchFamily="18" charset="0"/>
+                        <a:sym typeface="Wingdings" panose="05000000000000000000" pitchFamily="2" charset="2"/>
+                      </a:rPr>
+                      <m:t>∈</m:t>
                     </m:r>
                     <m:r>
                       <a:rPr lang="en-US" b="0" i="1" noProof="0" smtClean="0">
@@ -28912,7 +29801,17 @@
                     <a:ea typeface="Cambria Math" panose="02040503050406030204" pitchFamily="18" charset="0"/>
                     <a:sym typeface="Wingdings" panose="05000000000000000000" pitchFamily="2" charset="2"/>
                   </a:rPr>
-                  <a:t>An error location </a:t>
+                  <a:t>An </a:t>
+                </a:r>
+                <a:r>
+                  <a:rPr lang="en-US" b="0" noProof="0" dirty="0">
+                    <a:solidFill>
+                      <a:schemeClr val="accent1"/>
+                    </a:solidFill>
+                    <a:ea typeface="Cambria Math" panose="02040503050406030204" pitchFamily="18" charset="0"/>
+                    <a:sym typeface="Wingdings" panose="05000000000000000000" pitchFamily="2" charset="2"/>
+                  </a:rPr>
+                  <a:t>error location </a:t>
                 </a:r>
                 <a14:m>
                   <m:oMath xmlns:m="http://schemas.openxmlformats.org/officeDocument/2006/math">
@@ -28920,6 +29819,9 @@
                       <m:sSubPr>
                         <m:ctrlPr>
                           <a:rPr lang="en-US" b="0" i="1" noProof="0" smtClean="0">
+                            <a:solidFill>
+                              <a:schemeClr val="tx2"/>
+                            </a:solidFill>
                             <a:latin typeface="Cambria Math" panose="02040503050406030204" pitchFamily="18" charset="0"/>
                             <a:ea typeface="Cambria Math" panose="02040503050406030204" pitchFamily="18" charset="0"/>
                             <a:sym typeface="Wingdings" panose="05000000000000000000" pitchFamily="2" charset="2"/>
@@ -28929,6 +29831,9 @@
                       <m:e>
                         <m:r>
                           <a:rPr lang="en-US" b="0" i="1" noProof="0" smtClean="0">
+                            <a:solidFill>
+                              <a:schemeClr val="tx2"/>
+                            </a:solidFill>
                             <a:latin typeface="Cambria Math" panose="02040503050406030204" pitchFamily="18" charset="0"/>
                             <a:ea typeface="Cambria Math" panose="02040503050406030204" pitchFamily="18" charset="0"/>
                             <a:sym typeface="Wingdings" panose="05000000000000000000" pitchFamily="2" charset="2"/>
@@ -28939,6 +29844,9 @@
                       <m:sub>
                         <m:r>
                           <a:rPr lang="en-US" b="0" i="1" noProof="0" smtClean="0">
+                            <a:solidFill>
+                              <a:schemeClr val="tx2"/>
+                            </a:solidFill>
                             <a:latin typeface="Cambria Math" panose="02040503050406030204" pitchFamily="18" charset="0"/>
                             <a:ea typeface="Cambria Math" panose="02040503050406030204" pitchFamily="18" charset="0"/>
                             <a:sym typeface="Wingdings" panose="05000000000000000000" pitchFamily="2" charset="2"/>
@@ -28949,11 +29857,22 @@
                     </m:sSub>
                     <m:r>
                       <a:rPr lang="en-US" b="0" i="1" noProof="0" smtClean="0">
+                        <a:solidFill>
+                          <a:schemeClr val="tx2"/>
+                        </a:solidFill>
                         <a:latin typeface="Cambria Math" panose="02040503050406030204" pitchFamily="18" charset="0"/>
                         <a:ea typeface="Cambria Math" panose="02040503050406030204" pitchFamily="18" charset="0"/>
                         <a:sym typeface="Wingdings" panose="05000000000000000000" pitchFamily="2" charset="2"/>
                       </a:rPr>
-                      <m:t> ∈</m:t>
+                      <m:t> </m:t>
+                    </m:r>
+                    <m:r>
+                      <a:rPr lang="en-US" b="0" i="1" noProof="0" smtClean="0">
+                        <a:latin typeface="Cambria Math" panose="02040503050406030204" pitchFamily="18" charset="0"/>
+                        <a:ea typeface="Cambria Math" panose="02040503050406030204" pitchFamily="18" charset="0"/>
+                        <a:sym typeface="Wingdings" panose="05000000000000000000" pitchFamily="2" charset="2"/>
+                      </a:rPr>
+                      <m:t>∈</m:t>
                     </m:r>
                     <m:r>
                       <a:rPr lang="en-US" b="0" i="1" noProof="0" smtClean="0">
@@ -29007,7 +29926,7 @@
               <a:lstStyle/>
               <a:p>
                 <a:r>
-                  <a:rPr lang="en-US">
+                  <a:rPr lang="de-DE">
                     <a:noFill/>
                   </a:rPr>
                   <a:t> </a:t>
@@ -29211,7 +30130,17 @@
                     <a:ea typeface="Cambria Math" panose="02040503050406030204" pitchFamily="18" charset="0"/>
                     <a:sym typeface="Wingdings" panose="05000000000000000000" pitchFamily="2" charset="2"/>
                   </a:rPr>
-                  <a:t>The transition formula </a:t>
+                  <a:t> The</a:t>
+                </a:r>
+                <a:r>
+                  <a:rPr lang="en-US" b="0" noProof="0" dirty="0">
+                    <a:solidFill>
+                      <a:schemeClr val="accent1"/>
+                    </a:solidFill>
+                    <a:ea typeface="Cambria Math" panose="02040503050406030204" pitchFamily="18" charset="0"/>
+                    <a:sym typeface="Wingdings" panose="05000000000000000000" pitchFamily="2" charset="2"/>
+                  </a:rPr>
+                  <a:t> transition formula </a:t>
                 </a:r>
                 <a14:m>
                   <m:oMath xmlns:m="http://schemas.openxmlformats.org/officeDocument/2006/math">
@@ -29219,6 +30148,9 @@
                       <m:sSubPr>
                         <m:ctrlPr>
                           <a:rPr lang="en-US" b="0" i="1" noProof="0" smtClean="0">
+                            <a:solidFill>
+                              <a:schemeClr val="tx2"/>
+                            </a:solidFill>
                             <a:latin typeface="Cambria Math" panose="02040503050406030204" pitchFamily="18" charset="0"/>
                             <a:ea typeface="Cambria Math" panose="02040503050406030204" pitchFamily="18" charset="0"/>
                             <a:sym typeface="Wingdings" panose="05000000000000000000" pitchFamily="2" charset="2"/>
@@ -29228,6 +30160,9 @@
                       <m:e>
                         <m:r>
                           <a:rPr lang="en-US" b="0" i="1" noProof="0" smtClean="0">
+                            <a:solidFill>
+                              <a:schemeClr val="tx2"/>
+                            </a:solidFill>
                             <a:latin typeface="Cambria Math" panose="02040503050406030204" pitchFamily="18" charset="0"/>
                             <a:ea typeface="Cambria Math" panose="02040503050406030204" pitchFamily="18" charset="0"/>
                             <a:sym typeface="Wingdings" panose="05000000000000000000" pitchFamily="2" charset="2"/>
@@ -29240,6 +30175,9 @@
                           <m:sSubPr>
                             <m:ctrlPr>
                               <a:rPr lang="en-US" b="0" i="1" noProof="0" smtClean="0">
+                                <a:solidFill>
+                                  <a:schemeClr val="tx2"/>
+                                </a:solidFill>
                                 <a:latin typeface="Cambria Math" panose="02040503050406030204" pitchFamily="18" charset="0"/>
                                 <a:ea typeface="Cambria Math" panose="02040503050406030204" pitchFamily="18" charset="0"/>
                                 <a:sym typeface="Wingdings" panose="05000000000000000000" pitchFamily="2" charset="2"/>
@@ -29249,6 +30187,9 @@
                           <m:e>
                             <m:r>
                               <a:rPr lang="en-US" b="0" i="1" noProof="0" smtClean="0">
+                                <a:solidFill>
+                                  <a:schemeClr val="tx2"/>
+                                </a:solidFill>
                                 <a:latin typeface="Cambria Math" panose="02040503050406030204" pitchFamily="18" charset="0"/>
                                 <a:ea typeface="Cambria Math" panose="02040503050406030204" pitchFamily="18" charset="0"/>
                                 <a:sym typeface="Wingdings" panose="05000000000000000000" pitchFamily="2" charset="2"/>
@@ -29259,6 +30200,9 @@
                           <m:sub>
                             <m:r>
                               <a:rPr lang="en-US" b="0" i="1" noProof="0" smtClean="0">
+                                <a:solidFill>
+                                  <a:schemeClr val="tx2"/>
+                                </a:solidFill>
                                 <a:latin typeface="Cambria Math" panose="02040503050406030204" pitchFamily="18" charset="0"/>
                                 <a:ea typeface="Cambria Math" panose="02040503050406030204" pitchFamily="18" charset="0"/>
                                 <a:sym typeface="Wingdings" panose="05000000000000000000" pitchFamily="2" charset="2"/>
@@ -29269,6 +30213,9 @@
                         </m:sSub>
                         <m:r>
                           <a:rPr lang="en-US" b="0" i="1" noProof="0" smtClean="0">
+                            <a:solidFill>
+                              <a:schemeClr val="tx2"/>
+                            </a:solidFill>
                             <a:latin typeface="Cambria Math" panose="02040503050406030204" pitchFamily="18" charset="0"/>
                             <a:ea typeface="Cambria Math" panose="02040503050406030204" pitchFamily="18" charset="0"/>
                             <a:sym typeface="Wingdings" panose="05000000000000000000" pitchFamily="2" charset="2"/>
@@ -29279,6 +30226,9 @@
                           <m:sSubPr>
                             <m:ctrlPr>
                               <a:rPr lang="en-US" i="1" noProof="0">
+                                <a:solidFill>
+                                  <a:schemeClr val="tx2"/>
+                                </a:solidFill>
                                 <a:latin typeface="Cambria Math" panose="02040503050406030204" pitchFamily="18" charset="0"/>
                                 <a:ea typeface="Cambria Math" panose="02040503050406030204" pitchFamily="18" charset="0"/>
                                 <a:sym typeface="Wingdings" panose="05000000000000000000" pitchFamily="2" charset="2"/>
@@ -29288,6 +30238,9 @@
                           <m:e>
                             <m:r>
                               <a:rPr lang="en-US" b="0" i="1" noProof="0" smtClean="0">
+                                <a:solidFill>
+                                  <a:schemeClr val="tx2"/>
+                                </a:solidFill>
                                 <a:latin typeface="Cambria Math" panose="02040503050406030204" pitchFamily="18" charset="0"/>
                                 <a:ea typeface="Cambria Math" panose="02040503050406030204" pitchFamily="18" charset="0"/>
                                 <a:sym typeface="Wingdings" panose="05000000000000000000" pitchFamily="2" charset="2"/>
@@ -29296,6 +30249,9 @@
                             </m:r>
                             <m:r>
                               <a:rPr lang="en-US" i="1" noProof="0">
+                                <a:solidFill>
+                                  <a:schemeClr val="tx2"/>
+                                </a:solidFill>
                                 <a:latin typeface="Cambria Math" panose="02040503050406030204" pitchFamily="18" charset="0"/>
                                 <a:ea typeface="Cambria Math" panose="02040503050406030204" pitchFamily="18" charset="0"/>
                                 <a:sym typeface="Wingdings" panose="05000000000000000000" pitchFamily="2" charset="2"/>
@@ -29306,6 +30262,9 @@
                           <m:sub>
                             <m:r>
                               <a:rPr lang="en-US" b="0" i="1" noProof="0" smtClean="0">
+                                <a:solidFill>
+                                  <a:schemeClr val="tx2"/>
+                                </a:solidFill>
                                 <a:latin typeface="Cambria Math" panose="02040503050406030204" pitchFamily="18" charset="0"/>
                                 <a:ea typeface="Cambria Math" panose="02040503050406030204" pitchFamily="18" charset="0"/>
                                 <a:sym typeface="Wingdings" panose="05000000000000000000" pitchFamily="2" charset="2"/>
@@ -29885,7 +30844,7 @@
               <a:blipFill>
                 <a:blip r:embed="rId2"/>
                 <a:stretch>
-                  <a:fillRect l="-472" t="-919"/>
+                  <a:fillRect l="-472" t="-1050"/>
                 </a:stretch>
               </a:blipFill>
             </p:spPr>
@@ -29894,7 +30853,7 @@
               <a:lstStyle/>
               <a:p>
                 <a:r>
-                  <a:rPr lang="en-US">
+                  <a:rPr lang="de-DE">
                     <a:noFill/>
                   </a:rPr>
                   <a:t> </a:t>
@@ -30098,7 +31057,24 @@
                     <a:ea typeface="Cambria Math" panose="02040503050406030204" pitchFamily="18" charset="0"/>
                     <a:sym typeface="Wingdings" panose="05000000000000000000" pitchFamily="2" charset="2"/>
                   </a:rPr>
-                  <a:t>The transition formula </a:t>
+                  <a:t> The </a:t>
+                </a:r>
+                <a:r>
+                  <a:rPr lang="en-US" b="0" noProof="0" dirty="0">
+                    <a:solidFill>
+                      <a:schemeClr val="accent1"/>
+                    </a:solidFill>
+                    <a:ea typeface="Cambria Math" panose="02040503050406030204" pitchFamily="18" charset="0"/>
+                    <a:sym typeface="Wingdings" panose="05000000000000000000" pitchFamily="2" charset="2"/>
+                  </a:rPr>
+                  <a:t>transition formula</a:t>
+                </a:r>
+                <a:r>
+                  <a:rPr lang="en-US" b="0" noProof="0" dirty="0">
+                    <a:ea typeface="Cambria Math" panose="02040503050406030204" pitchFamily="18" charset="0"/>
+                    <a:sym typeface="Wingdings" panose="05000000000000000000" pitchFamily="2" charset="2"/>
+                  </a:rPr>
+                  <a:t> </a:t>
                 </a:r>
                 <a14:m>
                   <m:oMath xmlns:m="http://schemas.openxmlformats.org/officeDocument/2006/math">
@@ -30747,10 +31723,30 @@
                 </a:pPr>
                 <a:r>
                   <a:rPr lang="en-US" noProof="0" dirty="0">
+                    <a:solidFill>
+                      <a:schemeClr val="accent1"/>
+                    </a:solidFill>
                     <a:ea typeface="Cambria Math" panose="02040503050406030204" pitchFamily="18" charset="0"/>
                     <a:sym typeface="Wingdings" panose="05000000000000000000" pitchFamily="2" charset="2"/>
                   </a:rPr>
-                  <a:t> Global Transition Formula </a:t>
+                  <a:t></a:t>
+                </a:r>
+                <a:r>
+                  <a:rPr lang="en-US" noProof="0" dirty="0">
+                    <a:ea typeface="Cambria Math" panose="02040503050406030204" pitchFamily="18" charset="0"/>
+                    <a:sym typeface="Wingdings" panose="05000000000000000000" pitchFamily="2" charset="2"/>
+                  </a:rPr>
+                  <a:t> </a:t>
+                </a:r>
+                <a:r>
+                  <a:rPr lang="en-US" noProof="0" dirty="0">
+                    <a:solidFill>
+                      <a:schemeClr val="accent1"/>
+                    </a:solidFill>
+                    <a:ea typeface="Cambria Math" panose="02040503050406030204" pitchFamily="18" charset="0"/>
+                    <a:sym typeface="Wingdings" panose="05000000000000000000" pitchFamily="2" charset="2"/>
+                  </a:rPr>
+                  <a:t>Global Transition Formula </a:t>
                 </a:r>
                 <a14:m>
                   <m:oMath xmlns:m="http://schemas.openxmlformats.org/officeDocument/2006/math">
@@ -31048,7 +32044,7 @@
               <a:blipFill>
                 <a:blip r:embed="rId2"/>
                 <a:stretch>
-                  <a:fillRect l="-472" t="-919"/>
+                  <a:fillRect l="-472" t="-1050"/>
                 </a:stretch>
               </a:blipFill>
             </p:spPr>
@@ -31057,7 +32053,7 @@
               <a:lstStyle/>
               <a:p>
                 <a:r>
-                  <a:rPr lang="en-US">
+                  <a:rPr lang="de-DE">
                     <a:noFill/>
                   </a:rPr>
                   <a:t> </a:t>
@@ -31823,7 +32819,7 @@
               <a:p>
                 <a:r>
                   <a:rPr lang="en-US" noProof="0" dirty="0"/>
-                  <a:t>Is </a:t>
+                  <a:t> Is </a:t>
                 </a:r>
                 <a14:m>
                   <m:oMath xmlns:m="http://schemas.openxmlformats.org/officeDocument/2006/math">
@@ -31919,7 +32915,22 @@
                   <a:rPr lang="en-US" noProof="0" dirty="0">
                     <a:sym typeface="Wingdings" panose="05000000000000000000" pitchFamily="2" charset="2"/>
                   </a:rPr>
-                  <a:t>Yes:</a:t>
+                  <a:t> </a:t>
+                </a:r>
+                <a:r>
+                  <a:rPr lang="en-US" noProof="0" dirty="0">
+                    <a:solidFill>
+                      <a:schemeClr val="accent1"/>
+                    </a:solidFill>
+                    <a:sym typeface="Wingdings" panose="05000000000000000000" pitchFamily="2" charset="2"/>
+                  </a:rPr>
+                  <a:t>Yes</a:t>
+                </a:r>
+                <a:r>
+                  <a:rPr lang="en-US" noProof="0" dirty="0">
+                    <a:sym typeface="Wingdings" panose="05000000000000000000" pitchFamily="2" charset="2"/>
+                  </a:rPr>
+                  <a:t>:</a:t>
                 </a:r>
               </a:p>
               <a:p>
@@ -31931,7 +32942,22 @@
                   <a:rPr lang="en-US" noProof="0" dirty="0">
                     <a:sym typeface="Wingdings" panose="05000000000000000000" pitchFamily="2" charset="2"/>
                   </a:rPr>
-                  <a:t>Algorithm terminates, returning that </a:t>
+                  <a:t>Algorithm </a:t>
+                </a:r>
+                <a:r>
+                  <a:rPr lang="en-US" noProof="0" dirty="0">
+                    <a:solidFill>
+                      <a:schemeClr val="accent1"/>
+                    </a:solidFill>
+                    <a:sym typeface="Wingdings" panose="05000000000000000000" pitchFamily="2" charset="2"/>
+                  </a:rPr>
+                  <a:t>terminates</a:t>
+                </a:r>
+                <a:r>
+                  <a:rPr lang="en-US" noProof="0" dirty="0">
+                    <a:sym typeface="Wingdings" panose="05000000000000000000" pitchFamily="2" charset="2"/>
+                  </a:rPr>
+                  <a:t>, returning that </a:t>
                 </a:r>
                 <a14:m>
                   <m:oMath xmlns:m="http://schemas.openxmlformats.org/officeDocument/2006/math">
@@ -31978,7 +33004,15 @@
                 </a14:m>
                 <a:r>
                   <a:rPr lang="en-US" noProof="0" dirty="0"/>
-                  <a:t> is reachable</a:t>
+                  <a:t> is </a:t>
+                </a:r>
+                <a:r>
+                  <a:rPr lang="en-US" noProof="0" dirty="0">
+                    <a:solidFill>
+                      <a:schemeClr val="accent1"/>
+                    </a:solidFill>
+                  </a:rPr>
+                  <a:t>reachable</a:t>
                 </a:r>
               </a:p>
               <a:p>
@@ -31995,7 +33029,19 @@
                 </a:pPr>
                 <a:r>
                   <a:rPr lang="en-US" noProof="0" dirty="0"/>
-                  <a:t>No:</a:t>
+                  <a:t> </a:t>
+                </a:r>
+                <a:r>
+                  <a:rPr lang="en-US" noProof="0" dirty="0">
+                    <a:solidFill>
+                      <a:schemeClr val="accent1"/>
+                    </a:solidFill>
+                  </a:rPr>
+                  <a:t>No</a:t>
+                </a:r>
+                <a:r>
+                  <a:rPr lang="en-US" noProof="0" dirty="0"/>
+                  <a:t>:</a:t>
                 </a:r>
               </a:p>
               <a:p>
@@ -32005,7 +33051,15 @@
                 </a:pPr>
                 <a:r>
                   <a:rPr lang="en-US" noProof="0" dirty="0"/>
-                  <a:t>Algorithm continues</a:t>
+                  <a:t>Algorithm </a:t>
+                </a:r>
+                <a:r>
+                  <a:rPr lang="en-US" noProof="0" dirty="0">
+                    <a:solidFill>
+                      <a:schemeClr val="accent1"/>
+                    </a:solidFill>
+                  </a:rPr>
+                  <a:t>continues</a:t>
                 </a:r>
               </a:p>
             </p:txBody>
@@ -32041,7 +33095,7 @@
               <a:lstStyle/>
               <a:p>
                 <a:r>
-                  <a:rPr lang="en-US">
+                  <a:rPr lang="de-DE">
                     <a:noFill/>
                   </a:rPr>
                   <a:t> </a:t>
@@ -32900,7 +33954,15 @@
               <a:p>
                 <a:r>
                   <a:rPr lang="en-US" noProof="0" dirty="0"/>
-                  <a:t>There is no global trace </a:t>
+                  <a:t> There is </a:t>
+                </a:r>
+                <a:r>
+                  <a:rPr lang="en-US" noProof="0" dirty="0">
+                    <a:solidFill>
+                      <a:schemeClr val="accent1"/>
+                    </a:solidFill>
+                  </a:rPr>
+                  <a:t>no global trace </a:t>
                 </a:r>
                 <a14:m>
                   <m:oMath xmlns:m="http://schemas.openxmlformats.org/officeDocument/2006/math">
@@ -33022,9 +34084,18 @@
                 </a:pPr>
                 <a:r>
                   <a:rPr lang="en-US" noProof="0" dirty="0">
+                    <a:solidFill>
+                      <a:schemeClr val="accent1"/>
+                    </a:solidFill>
                     <a:sym typeface="Wingdings" panose="05000000000000000000" pitchFamily="2" charset="2"/>
                   </a:rPr>
-                  <a:t> Every location </a:t>
+                  <a:t></a:t>
+                </a:r>
+                <a:r>
+                  <a:rPr lang="en-US" noProof="0" dirty="0">
+                    <a:sym typeface="Wingdings" panose="05000000000000000000" pitchFamily="2" charset="2"/>
+                  </a:rPr>
+                  <a:t> Every location </a:t>
                 </a:r>
                 <a14:m>
                   <m:oMath xmlns:m="http://schemas.openxmlformats.org/officeDocument/2006/math">
@@ -33117,7 +34188,17 @@
                     <a:ea typeface="Cambria Math" panose="02040503050406030204" pitchFamily="18" charset="0"/>
                     <a:sym typeface="Wingdings" panose="05000000000000000000" pitchFamily="2" charset="2"/>
                   </a:rPr>
-                  <a:t>has its own local trace </a:t>
+                  <a:t>has its own </a:t>
+                </a:r>
+                <a:r>
+                  <a:rPr lang="en-US" noProof="0" dirty="0">
+                    <a:solidFill>
+                      <a:schemeClr val="accent1"/>
+                    </a:solidFill>
+                    <a:ea typeface="Cambria Math" panose="02040503050406030204" pitchFamily="18" charset="0"/>
+                    <a:sym typeface="Wingdings" panose="05000000000000000000" pitchFamily="2" charset="2"/>
+                  </a:rPr>
+                  <a:t>local trace </a:t>
                 </a:r>
                 <a14:m>
                   <m:oMath xmlns:m="http://schemas.openxmlformats.org/officeDocument/2006/math">
@@ -33282,7 +34363,31 @@
                   <a:rPr lang="en-US" noProof="0" dirty="0">
                     <a:sym typeface="Wingdings" panose="05000000000000000000" pitchFamily="2" charset="2"/>
                   </a:rPr>
-                  <a:t>Lifted frames are cubes of first-order formulas</a:t>
+                  <a:t> Lifted frames are </a:t>
+                </a:r>
+                <a:r>
+                  <a:rPr lang="en-US" noProof="0" dirty="0">
+                    <a:solidFill>
+                      <a:schemeClr val="accent1"/>
+                    </a:solidFill>
+                    <a:sym typeface="Wingdings" panose="05000000000000000000" pitchFamily="2" charset="2"/>
+                  </a:rPr>
+                  <a:t>cubes</a:t>
+                </a:r>
+                <a:r>
+                  <a:rPr lang="en-US" noProof="0" dirty="0">
+                    <a:sym typeface="Wingdings" panose="05000000000000000000" pitchFamily="2" charset="2"/>
+                  </a:rPr>
+                  <a:t> of </a:t>
+                </a:r>
+                <a:r>
+                  <a:rPr lang="en-US" noProof="0" dirty="0">
+                    <a:solidFill>
+                      <a:schemeClr val="accent1"/>
+                    </a:solidFill>
+                    <a:sym typeface="Wingdings" panose="05000000000000000000" pitchFamily="2" charset="2"/>
+                  </a:rPr>
+                  <a:t>first-order formulas</a:t>
                 </a:r>
               </a:p>
               <a:p>
@@ -33383,7 +34488,7 @@
               <a:lstStyle/>
               <a:p>
                 <a:r>
-                  <a:rPr lang="en-US">
+                  <a:rPr lang="de-DE">
                     <a:noFill/>
                   </a:rPr>
                   <a:t> </a:t>
@@ -34209,9 +35314,25 @@
               <a:bodyPr/>
               <a:lstStyle/>
               <a:p>
+                <a:pPr>
+                  <a:buFont typeface="Wingdings" panose="05000000000000000000" pitchFamily="2" charset="2"/>
+                  <a:buChar char="§"/>
+                </a:pPr>
                 <a:r>
                   <a:rPr lang="en-US" noProof="0" dirty="0"/>
-                  <a:t> Initialize each local frames:</a:t>
+                  <a:t> </a:t>
+                </a:r>
+                <a:r>
+                  <a:rPr lang="en-US" noProof="0" dirty="0">
+                    <a:solidFill>
+                      <a:schemeClr val="accent1"/>
+                    </a:solidFill>
+                  </a:rPr>
+                  <a:t>Initialize</a:t>
+                </a:r>
+                <a:r>
+                  <a:rPr lang="en-US" noProof="0" dirty="0"/>
+                  <a:t> each local frames:</a:t>
                 </a:r>
               </a:p>
               <a:p>
@@ -34219,9 +35340,20 @@
                 <a:endParaRPr lang="en-US" noProof="0" dirty="0"/>
               </a:p>
               <a:p>
-                <a:pPr lvl="1"/>
+                <a:pPr lvl="1">
+                  <a:buFont typeface="Wingdings" panose="05000000000000000000" pitchFamily="2" charset="2"/>
+                  <a:buChar char="Ø"/>
+                </a:pPr>
                 <a14:m>
                   <m:oMath xmlns:m="http://schemas.openxmlformats.org/officeDocument/2006/math">
+                    <m:r>
+                      <a:rPr lang="en-US" b="0" i="1" noProof="0" smtClean="0">
+                        <a:latin typeface="Cambria Math" panose="02040503050406030204" pitchFamily="18" charset="0"/>
+                        <a:ea typeface="Cambria Math" panose="02040503050406030204" pitchFamily="18" charset="0"/>
+                        <a:sym typeface="Wingdings" panose="05000000000000000000" pitchFamily="2" charset="2"/>
+                      </a:rPr>
+                      <m:t> </m:t>
+                    </m:r>
                     <m:sSub>
                       <m:sSubPr>
                         <m:ctrlPr>
@@ -34422,7 +35554,7 @@
               <a:blipFill>
                 <a:blip r:embed="rId2"/>
                 <a:stretch>
-                  <a:fillRect l="-498" t="-1444"/>
+                  <a:fillRect l="-498" t="-1312"/>
                 </a:stretch>
               </a:blipFill>
             </p:spPr>
@@ -34431,7 +35563,7 @@
               <a:lstStyle/>
               <a:p>
                 <a:r>
-                  <a:rPr lang="en-US">
+                  <a:rPr lang="de-DE">
                     <a:noFill/>
                   </a:rPr>
                   <a:t> </a:t>
@@ -34774,6 +35906,45 @@
           </a:p>
         </p:txBody>
       </p:sp>
+      <p:sp>
+        <p:nvSpPr>
+          <p:cNvPr id="6" name="Textfeld 5">
+            <a:extLst>
+              <a:ext uri="{FF2B5EF4-FFF2-40B4-BE49-F238E27FC236}">
+                <a16:creationId xmlns:a16="http://schemas.microsoft.com/office/drawing/2014/main" id="{12064F43-416A-49EC-97E6-DA8512003025}"/>
+              </a:ext>
+            </a:extLst>
+          </p:cNvPr>
+          <p:cNvSpPr txBox="1"/>
+          <p:nvPr/>
+        </p:nvSpPr>
+        <p:spPr>
+          <a:xfrm>
+            <a:off x="8410498" y="2505742"/>
+            <a:ext cx="1767087" cy="369332"/>
+          </a:xfrm>
+          <a:prstGeom prst="rect">
+            <a:avLst/>
+          </a:prstGeom>
+          <a:noFill/>
+        </p:spPr>
+        <p:txBody>
+          <a:bodyPr wrap="none" rtlCol="0">
+            <a:spAutoFit/>
+          </a:bodyPr>
+          <a:lstStyle/>
+          <a:p>
+            <a:r>
+              <a:rPr lang="de-DE" dirty="0">
+                <a:solidFill>
+                  <a:schemeClr val="accent1"/>
+                </a:solidFill>
+              </a:rPr>
+              <a:t>Next Level Phase</a:t>
+            </a:r>
+          </a:p>
+        </p:txBody>
+      </p:sp>
     </p:spTree>
     <p:extLst>
       <p:ext uri="{BB962C8B-B14F-4D97-AF65-F5344CB8AC3E}">
@@ -34970,7 +36141,15 @@
                 </a:pPr>
                 <a:r>
                   <a:rPr lang="en-US" noProof="0" dirty="0"/>
-                  <a:t> Let k be the current level</a:t>
+                  <a:t> Let k be the </a:t>
+                </a:r>
+                <a:r>
+                  <a:rPr lang="en-US" noProof="0" dirty="0">
+                    <a:solidFill>
+                      <a:schemeClr val="accent1"/>
+                    </a:solidFill>
+                  </a:rPr>
+                  <a:t>current level:</a:t>
                 </a:r>
               </a:p>
               <a:p>
@@ -35164,55 +36343,49 @@
                 </a:pPr>
                 <a:r>
                   <a:rPr lang="en-US" noProof="0" dirty="0"/>
-                  <a:t> </a:t>
+                  <a:t> Algorithm </a:t>
                 </a:r>
                 <a:r>
                   <a:rPr lang="en-US" noProof="0" dirty="0" err="1"/>
-                  <a:t>Algorithm</a:t>
+                  <a:t>initzializes</a:t>
                 </a:r>
                 <a:r>
                   <a:rPr lang="en-US" noProof="0" dirty="0"/>
                   <a:t> </a:t>
                 </a:r>
                 <a:r>
-                  <a:rPr lang="en-US" noProof="0" dirty="0" err="1"/>
-                  <a:t>initzializes</a:t>
-                </a:r>
+                  <a:rPr lang="en-US" noProof="0" dirty="0">
+                    <a:solidFill>
+                      <a:schemeClr val="accent1"/>
+                    </a:solidFill>
+                  </a:rPr>
+                  <a:t>new level </a:t>
+                </a:r>
+                <a14:m>
+                  <m:oMath xmlns:m="http://schemas.openxmlformats.org/officeDocument/2006/math">
+                    <m:r>
+                      <a:rPr lang="en-US" b="0" i="1" noProof="0" smtClean="0">
+                        <a:solidFill>
+                          <a:schemeClr val="tx2"/>
+                        </a:solidFill>
+                        <a:latin typeface="Cambria Math" panose="02040503050406030204" pitchFamily="18" charset="0"/>
+                      </a:rPr>
+                      <m:t>𝑘</m:t>
+                    </m:r>
+                    <m:r>
+                      <a:rPr lang="en-US" b="0" i="1" noProof="0" smtClean="0">
+                        <a:solidFill>
+                          <a:schemeClr val="tx2"/>
+                        </a:solidFill>
+                        <a:latin typeface="Cambria Math" panose="02040503050406030204" pitchFamily="18" charset="0"/>
+                      </a:rPr>
+                      <m:t>+1</m:t>
+                    </m:r>
+                  </m:oMath>
+                </a14:m>
                 <a:r>
                   <a:rPr lang="en-US" noProof="0" dirty="0"/>
-                  <a:t> </a:t>
-                </a:r>
-                <a:r>
-                  <a:rPr lang="en-US" noProof="0" dirty="0" err="1"/>
-                  <a:t>new</a:t>
-                </a:r>
-                <a:r>
-                  <a:rPr lang="en-US" noProof="0" dirty="0"/>
-                  <a:t> </a:t>
-                </a:r>
-                <a:r>
-                  <a:rPr lang="en-US" noProof="0" dirty="0" err="1"/>
-                  <a:t>level</a:t>
-                </a:r>
-                <a:r>
-                  <a:rPr lang="en-US" noProof="0" dirty="0"/>
-                  <a:t> k+1 </a:t>
-                </a:r>
-                <a:r>
-                  <a:rPr lang="en-US" noProof="0" dirty="0" err="1"/>
-                  <a:t>for</a:t>
-                </a:r>
-                <a:r>
-                  <a:rPr lang="en-US" noProof="0" dirty="0"/>
-                  <a:t> all </a:t>
-                </a:r>
-                <a:r>
-                  <a:rPr lang="en-US" noProof="0" dirty="0" err="1"/>
-                  <a:t>locations</a:t>
-                </a:r>
-                <a:r>
-                  <a:rPr lang="en-US" noProof="0" dirty="0"/>
-                  <a:t> </a:t>
+                  <a:t> for all locations </a:t>
                 </a:r>
                 <a14:m>
                   <m:oMath xmlns:m="http://schemas.openxmlformats.org/officeDocument/2006/math">
@@ -35404,7 +36577,7 @@
               <a:lstStyle/>
               <a:p>
                 <a:r>
-                  <a:rPr lang="en-US">
+                  <a:rPr lang="de-DE">
                     <a:noFill/>
                   </a:rPr>
                   <a:t> </a:t>
@@ -35437,7 +36610,19 @@
           <a:p>
             <a:r>
               <a:rPr lang="en-US" noProof="0" dirty="0"/>
-              <a:t> Initializing the next level:</a:t>
+              <a:t> Initializing the </a:t>
+            </a:r>
+            <a:r>
+              <a:rPr lang="en-US" noProof="0" dirty="0">
+                <a:solidFill>
+                  <a:schemeClr val="accent1"/>
+                </a:solidFill>
+              </a:rPr>
+              <a:t>next level</a:t>
+            </a:r>
+            <a:r>
+              <a:rPr lang="en-US" noProof="0" dirty="0"/>
+              <a:t>:</a:t>
             </a:r>
           </a:p>
         </p:txBody>
@@ -35637,8 +36822,16 @@
                   <a:buChar char="Ø"/>
                 </a:pPr>
                 <a:r>
-                  <a:rPr lang="en-US" noProof="0" dirty="0"/>
-                  <a:t> Let k be the current level</a:t>
+                  <a:rPr lang="en-US" dirty="0"/>
+                  <a:t> Let k be the </a:t>
+                </a:r>
+                <a:r>
+                  <a:rPr lang="en-US" dirty="0">
+                    <a:solidFill>
+                      <a:schemeClr val="accent1"/>
+                    </a:solidFill>
+                  </a:rPr>
+                  <a:t>current level:</a:t>
                 </a:r>
               </a:p>
               <a:p>
@@ -35647,7 +36840,7 @@
                   <a:buChar char="è"/>
                 </a:pPr>
                 <a:r>
-                  <a:rPr lang="en-US" noProof="0" dirty="0">
+                  <a:rPr lang="en-US" dirty="0">
                     <a:sym typeface="Wingdings" panose="05000000000000000000" pitchFamily="2" charset="2"/>
                   </a:rPr>
                   <a:t>Every location </a:t>
@@ -35655,23 +36848,15 @@
                 <a14:m>
                   <m:oMath xmlns:m="http://schemas.openxmlformats.org/officeDocument/2006/math">
                     <m:r>
-                      <a:rPr lang="en-US" i="1" noProof="0" smtClean="0">
+                      <a:rPr lang="en-US" i="1">
                         <a:latin typeface="Cambria Math" panose="02040503050406030204" pitchFamily="18" charset="0"/>
                         <a:ea typeface="Cambria Math" panose="02040503050406030204" pitchFamily="18" charset="0"/>
                         <a:sym typeface="Wingdings" panose="05000000000000000000" pitchFamily="2" charset="2"/>
                       </a:rPr>
-                      <m:t>ℓ</m:t>
+                      <m:t>ℓ ∈</m:t>
                     </m:r>
                     <m:r>
-                      <a:rPr lang="en-US" b="0" i="1" noProof="0" smtClean="0">
-                        <a:latin typeface="Cambria Math" panose="02040503050406030204" pitchFamily="18" charset="0"/>
-                        <a:ea typeface="Cambria Math" panose="02040503050406030204" pitchFamily="18" charset="0"/>
-                        <a:sym typeface="Wingdings" panose="05000000000000000000" pitchFamily="2" charset="2"/>
-                      </a:rPr>
-                      <m:t> ∈</m:t>
-                    </m:r>
-                    <m:r>
-                      <a:rPr lang="en-US" b="0" i="1" noProof="0" smtClean="0">
+                      <a:rPr lang="en-US" i="1">
                         <a:latin typeface="Cambria Math" panose="02040503050406030204" pitchFamily="18" charset="0"/>
                         <a:ea typeface="Cambria Math" panose="02040503050406030204" pitchFamily="18" charset="0"/>
                         <a:sym typeface="Wingdings" panose="05000000000000000000" pitchFamily="2" charset="2"/>
@@ -35679,7 +36864,7 @@
                       <m:t>𝐿</m:t>
                     </m:r>
                     <m:r>
-                      <a:rPr lang="en-US" b="0" i="1" noProof="0" smtClean="0">
+                      <a:rPr lang="en-US" i="1">
                         <a:latin typeface="Cambria Math" panose="02040503050406030204" pitchFamily="18" charset="0"/>
                         <a:ea typeface="Cambria Math" panose="02040503050406030204" pitchFamily="18" charset="0"/>
                         <a:sym typeface="Wingdings" panose="05000000000000000000" pitchFamily="2" charset="2"/>
@@ -35689,7 +36874,7 @@
                     <m:sSub>
                       <m:sSubPr>
                         <m:ctrlPr>
-                          <a:rPr lang="en-US" b="0" i="1" noProof="0" smtClean="0">
+                          <a:rPr lang="en-US" i="1">
                             <a:latin typeface="Cambria Math" panose="02040503050406030204" pitchFamily="18" charset="0"/>
                             <a:ea typeface="Cambria Math" panose="02040503050406030204" pitchFamily="18" charset="0"/>
                             <a:sym typeface="Wingdings" panose="05000000000000000000" pitchFamily="2" charset="2"/>
@@ -35698,7 +36883,7 @@
                       </m:sSubPr>
                       <m:e>
                         <m:r>
-                          <a:rPr lang="en-US" b="0" i="1" noProof="0" smtClean="0">
+                          <a:rPr lang="en-US" i="1">
                             <a:latin typeface="Cambria Math" panose="02040503050406030204" pitchFamily="18" charset="0"/>
                             <a:ea typeface="Cambria Math" panose="02040503050406030204" pitchFamily="18" charset="0"/>
                             <a:sym typeface="Wingdings" panose="05000000000000000000" pitchFamily="2" charset="2"/>
@@ -35708,7 +36893,7 @@
                       </m:e>
                       <m:sub>
                         <m:r>
-                          <a:rPr lang="en-US" b="0" i="1" noProof="0" smtClean="0">
+                          <a:rPr lang="en-US" i="1">
                             <a:latin typeface="Cambria Math" panose="02040503050406030204" pitchFamily="18" charset="0"/>
                             <a:ea typeface="Cambria Math" panose="02040503050406030204" pitchFamily="18" charset="0"/>
                             <a:sym typeface="Wingdings" panose="05000000000000000000" pitchFamily="2" charset="2"/>
@@ -35718,7 +36903,7 @@
                       </m:sub>
                     </m:sSub>
                     <m:r>
-                      <a:rPr lang="en-US" b="0" i="1" noProof="0" smtClean="0">
+                      <a:rPr lang="en-US" i="1">
                         <a:latin typeface="Cambria Math" panose="02040503050406030204" pitchFamily="18" charset="0"/>
                         <a:ea typeface="Cambria Math" panose="02040503050406030204" pitchFamily="18" charset="0"/>
                         <a:sym typeface="Wingdings" panose="05000000000000000000" pitchFamily="2" charset="2"/>
@@ -35728,13 +36913,13 @@
                   </m:oMath>
                 </a14:m>
                 <a:r>
-                  <a:rPr lang="en-US" noProof="0" dirty="0"/>
+                  <a:rPr lang="en-US" dirty="0"/>
                   <a:t> has trace </a:t>
                 </a:r>
                 <a14:m>
                   <m:oMath xmlns:m="http://schemas.openxmlformats.org/officeDocument/2006/math">
                     <m:r>
-                      <a:rPr lang="en-US" b="0" i="1" noProof="0" smtClean="0">
+                      <a:rPr lang="en-US" i="1">
                         <a:latin typeface="Cambria Math" panose="02040503050406030204" pitchFamily="18" charset="0"/>
                       </a:rPr>
                       <m:t>[</m:t>
@@ -35742,14 +36927,14 @@
                     <m:sSub>
                       <m:sSubPr>
                         <m:ctrlPr>
-                          <a:rPr lang="en-US" b="0" i="1" noProof="0" smtClean="0">
+                          <a:rPr lang="en-US" i="1">
                             <a:latin typeface="Cambria Math" panose="02040503050406030204" pitchFamily="18" charset="0"/>
                           </a:rPr>
                         </m:ctrlPr>
                       </m:sSubPr>
                       <m:e>
                         <m:r>
-                          <a:rPr lang="en-US" b="0" i="1" noProof="0" smtClean="0">
+                          <a:rPr lang="en-US" i="1">
                             <a:latin typeface="Cambria Math" panose="02040503050406030204" pitchFamily="18" charset="0"/>
                           </a:rPr>
                           <m:t>𝐹</m:t>
@@ -35757,13 +36942,13 @@
                       </m:e>
                       <m:sub>
                         <m:r>
-                          <a:rPr lang="en-US" b="0" i="1" noProof="0" smtClean="0">
+                          <a:rPr lang="en-US" i="1">
                             <a:latin typeface="Cambria Math" panose="02040503050406030204" pitchFamily="18" charset="0"/>
                           </a:rPr>
                           <m:t>0, </m:t>
                         </m:r>
                         <m:r>
-                          <a:rPr lang="en-US" b="0" i="1" noProof="0" smtClean="0">
+                          <a:rPr lang="en-US" i="1">
                             <a:latin typeface="Cambria Math" panose="02040503050406030204" pitchFamily="18" charset="0"/>
                             <a:ea typeface="Cambria Math" panose="02040503050406030204" pitchFamily="18" charset="0"/>
                           </a:rPr>
@@ -35772,7 +36957,7 @@
                       </m:sub>
                     </m:sSub>
                     <m:r>
-                      <a:rPr lang="en-US" b="0" i="1" noProof="0" smtClean="0">
+                      <a:rPr lang="en-US" i="1">
                         <a:latin typeface="Cambria Math" panose="02040503050406030204" pitchFamily="18" charset="0"/>
                       </a:rPr>
                       <m:t>, …,</m:t>
@@ -35780,14 +36965,14 @@
                     <m:sSub>
                       <m:sSubPr>
                         <m:ctrlPr>
-                          <a:rPr lang="en-US" i="1" noProof="0">
+                          <a:rPr lang="en-US" i="1">
                             <a:latin typeface="Cambria Math" panose="02040503050406030204" pitchFamily="18" charset="0"/>
                           </a:rPr>
                         </m:ctrlPr>
                       </m:sSubPr>
                       <m:e>
                         <m:r>
-                          <a:rPr lang="en-US" i="1" noProof="0">
+                          <a:rPr lang="en-US" i="1">
                             <a:latin typeface="Cambria Math" panose="02040503050406030204" pitchFamily="18" charset="0"/>
                           </a:rPr>
                           <m:t>𝐹</m:t>
@@ -35795,13 +36980,13 @@
                       </m:e>
                       <m:sub>
                         <m:r>
-                          <a:rPr lang="en-US" b="0" i="1" noProof="0" smtClean="0">
+                          <a:rPr lang="en-US" i="1">
                             <a:latin typeface="Cambria Math" panose="02040503050406030204" pitchFamily="18" charset="0"/>
                           </a:rPr>
                           <m:t>𝑘</m:t>
                         </m:r>
                         <m:r>
-                          <a:rPr lang="en-US" b="0" i="1" noProof="0" smtClean="0">
+                          <a:rPr lang="en-US" i="1">
                             <a:latin typeface="Cambria Math" panose="02040503050406030204" pitchFamily="18" charset="0"/>
                           </a:rPr>
                           <m:t>,ℓ</m:t>
@@ -35809,7 +36994,7 @@
                       </m:sub>
                     </m:sSub>
                     <m:r>
-                      <a:rPr lang="en-US" b="0" i="1" noProof="0" smtClean="0">
+                      <a:rPr lang="en-US" i="1">
                         <a:latin typeface="Cambria Math" panose="02040503050406030204" pitchFamily="18" charset="0"/>
                         <a:ea typeface="Cambria Math" panose="02040503050406030204" pitchFamily="18" charset="0"/>
                       </a:rPr>
@@ -35817,7 +37002,7 @@
                     </m:r>
                   </m:oMath>
                 </a14:m>
-                <a:endParaRPr lang="en-US" noProof="0" dirty="0"/>
+                <a:endParaRPr lang="en-US" dirty="0"/>
               </a:p>
               <a:p>
                 <a:pPr marL="506412" lvl="2" indent="0">
@@ -35835,7 +37020,11 @@
                   <a:t> </a:t>
                 </a:r>
                 <a:r>
-                  <a:rPr lang="en-US" dirty="0" err="1"/>
+                  <a:rPr lang="en-US" dirty="0" err="1">
+                    <a:solidFill>
+                      <a:schemeClr val="accent1"/>
+                    </a:solidFill>
+                  </a:rPr>
                   <a:t>Additionally</a:t>
                 </a:r>
                 <a:r>
@@ -35864,10 +37053,22 @@
                 </a:r>
                 <a:r>
                   <a:rPr lang="en-US" dirty="0"/>
-                  <a:t> initial </a:t>
-                </a:r>
-                <a:r>
-                  <a:rPr lang="en-US" dirty="0" err="1"/>
+                  <a:t> </a:t>
+                </a:r>
+                <a:r>
+                  <a:rPr lang="en-US" dirty="0">
+                    <a:solidFill>
+                      <a:schemeClr val="accent1"/>
+                    </a:solidFill>
+                  </a:rPr>
+                  <a:t>initial </a:t>
+                </a:r>
+                <a:r>
+                  <a:rPr lang="en-US" dirty="0" err="1">
+                    <a:solidFill>
+                      <a:schemeClr val="accent1"/>
+                    </a:solidFill>
+                  </a:rPr>
                   <a:t>proof-obligations</a:t>
                 </a:r>
                 <a:r>
@@ -35882,95 +37083,31 @@
                 </a:pPr>
                 <a:r>
                   <a:rPr lang="en-US" dirty="0"/>
-                  <a:t> </a:t>
-                </a:r>
-                <a:r>
-                  <a:rPr lang="en-US" dirty="0" err="1"/>
-                  <a:t>Because</a:t>
+                  <a:t> Because of the </a:t>
+                </a:r>
+                <a:r>
+                  <a:rPr lang="en-US" dirty="0">
+                    <a:solidFill>
+                      <a:schemeClr val="accent1"/>
+                    </a:solidFill>
+                  </a:rPr>
+                  <a:t>structure</a:t>
                 </a:r>
                 <a:r>
                   <a:rPr lang="en-US" dirty="0"/>
-                  <a:t> </a:t>
-                </a:r>
-                <a:r>
-                  <a:rPr lang="en-US" dirty="0" err="1"/>
-                  <a:t>of</a:t>
+                  <a:t> of CFGs, it is </a:t>
+                </a:r>
+                <a:r>
+                  <a:rPr lang="en-US" dirty="0">
+                    <a:solidFill>
+                      <a:schemeClr val="accent1"/>
+                    </a:solidFill>
+                  </a:rPr>
+                  <a:t>always known </a:t>
                 </a:r>
                 <a:r>
                   <a:rPr lang="en-US" dirty="0"/>
-                  <a:t> </a:t>
-                </a:r>
-                <a:r>
-                  <a:rPr lang="en-US" dirty="0" err="1"/>
-                  <a:t>the</a:t>
-                </a:r>
-                <a:r>
-                  <a:rPr lang="en-US" dirty="0"/>
-                  <a:t> </a:t>
-                </a:r>
-                <a:r>
-                  <a:rPr lang="en-US" dirty="0" err="1"/>
-                  <a:t>structure</a:t>
-                </a:r>
-                <a:r>
-                  <a:rPr lang="en-US" dirty="0"/>
-                  <a:t> </a:t>
-                </a:r>
-                <a:r>
-                  <a:rPr lang="en-US" dirty="0" err="1"/>
-                  <a:t>of</a:t>
-                </a:r>
-                <a:r>
-                  <a:rPr lang="en-US" dirty="0"/>
-                  <a:t> CFGs, </a:t>
-                </a:r>
-                <a:r>
-                  <a:rPr lang="en-US" dirty="0" err="1"/>
-                  <a:t>we</a:t>
-                </a:r>
-                <a:r>
-                  <a:rPr lang="en-US" dirty="0"/>
-                  <a:t> </a:t>
-                </a:r>
-                <a:r>
-                  <a:rPr lang="en-US" dirty="0" err="1"/>
-                  <a:t>always</a:t>
-                </a:r>
-                <a:r>
-                  <a:rPr lang="en-US" dirty="0"/>
-                  <a:t> </a:t>
-                </a:r>
-                <a:r>
-                  <a:rPr lang="en-US" dirty="0" err="1"/>
-                  <a:t>know</a:t>
-                </a:r>
-                <a:r>
-                  <a:rPr lang="en-US" dirty="0"/>
-                  <a:t> </a:t>
-                </a:r>
-                <a:r>
-                  <a:rPr lang="en-US" dirty="0" err="1"/>
-                  <a:t>the</a:t>
-                </a:r>
-                <a:r>
-                  <a:rPr lang="en-US" dirty="0"/>
-                  <a:t> </a:t>
-                </a:r>
-                <a:r>
-                  <a:rPr lang="en-US" dirty="0" err="1"/>
-                  <a:t>transitions</a:t>
-                </a:r>
-                <a:r>
-                  <a:rPr lang="en-US" dirty="0"/>
-                  <a:t> </a:t>
-                </a:r>
-                <a:r>
-                  <a:rPr lang="en-US" dirty="0" err="1"/>
-                  <a:t>to</a:t>
-                </a:r>
-                <a:r>
-                  <a:rPr lang="en-US" dirty="0"/>
-                  <a:t> </a:t>
+                  <a:t>which transitions lead to </a:t>
                 </a:r>
                 <a14:m>
                   <m:oMath xmlns:m="http://schemas.openxmlformats.org/officeDocument/2006/math">
@@ -36013,55 +37150,24 @@
                   <a:rPr lang="en-US" dirty="0">
                     <a:sym typeface="Wingdings" panose="05000000000000000000" pitchFamily="2" charset="2"/>
                   </a:rPr>
-                  <a:t> Check G </a:t>
-                </a:r>
-                <a:r>
-                  <a:rPr lang="en-US" dirty="0" err="1">
-                    <a:sym typeface="Wingdings" panose="05000000000000000000" pitchFamily="2" charset="2"/>
-                  </a:rPr>
-                  <a:t>for</a:t>
-                </a:r>
+                  <a:t> Check </a:t>
+                </a:r>
+                <a14:m>
+                  <m:oMath xmlns:m="http://schemas.openxmlformats.org/officeDocument/2006/math">
+                    <m:r>
+                      <a:rPr lang="en-US" b="0" i="1" smtClean="0">
+                        <a:latin typeface="Cambria Math" panose="02040503050406030204" pitchFamily="18" charset="0"/>
+                        <a:sym typeface="Wingdings" panose="05000000000000000000" pitchFamily="2" charset="2"/>
+                      </a:rPr>
+                      <m:t>𝐺</m:t>
+                    </m:r>
+                  </m:oMath>
+                </a14:m>
                 <a:r>
                   <a:rPr lang="en-US" dirty="0">
                     <a:sym typeface="Wingdings" panose="05000000000000000000" pitchFamily="2" charset="2"/>
                   </a:rPr>
-                  <a:t> </a:t>
-                </a:r>
-                <a:r>
-                  <a:rPr lang="en-US" dirty="0" err="1">
-                    <a:sym typeface="Wingdings" panose="05000000000000000000" pitchFamily="2" charset="2"/>
-                  </a:rPr>
-                  <a:t>transitions</a:t>
-                </a:r>
-                <a:r>
-                  <a:rPr lang="en-US" dirty="0">
-                    <a:sym typeface="Wingdings" panose="05000000000000000000" pitchFamily="2" charset="2"/>
-                  </a:rPr>
-                  <a:t> </a:t>
-                </a:r>
-                <a:r>
-                  <a:rPr lang="en-US" dirty="0" err="1">
-                    <a:sym typeface="Wingdings" panose="05000000000000000000" pitchFamily="2" charset="2"/>
-                  </a:rPr>
-                  <a:t>of</a:t>
-                </a:r>
-                <a:r>
-                  <a:rPr lang="en-US" dirty="0">
-                    <a:sym typeface="Wingdings" panose="05000000000000000000" pitchFamily="2" charset="2"/>
-                  </a:rPr>
-                  <a:t> </a:t>
-                </a:r>
-                <a:r>
-                  <a:rPr lang="en-US" dirty="0" err="1">
-                    <a:sym typeface="Wingdings" panose="05000000000000000000" pitchFamily="2" charset="2"/>
-                  </a:rPr>
-                  <a:t>the</a:t>
-                </a:r>
-                <a:r>
-                  <a:rPr lang="en-US" dirty="0">
-                    <a:sym typeface="Wingdings" panose="05000000000000000000" pitchFamily="2" charset="2"/>
-                  </a:rPr>
-                  <a:t> form </a:t>
+                  <a:t> for transitions of the form </a:t>
                 </a:r>
                 <a14:m>
                   <m:oMath xmlns:m="http://schemas.openxmlformats.org/officeDocument/2006/math">
@@ -36174,11 +37280,19 @@
                   <a:t> </a:t>
                 </a:r>
                 <a:r>
-                  <a:rPr lang="en-US" dirty="0" err="1"/>
+                  <a:rPr lang="en-US" dirty="0" err="1">
+                    <a:solidFill>
+                      <a:schemeClr val="accent1"/>
+                    </a:solidFill>
+                  </a:rPr>
                   <a:t>proof</a:t>
                 </a:r>
                 <a:r>
-                  <a:rPr lang="en-US" dirty="0"/>
+                  <a:rPr lang="en-US" dirty="0">
+                    <a:solidFill>
+                      <a:schemeClr val="accent1"/>
+                    </a:solidFill>
+                  </a:rPr>
                   <a:t>-obligation </a:t>
                 </a:r>
                 <a14:m>
@@ -36331,7 +37445,7 @@
               <a:lstStyle/>
               <a:p>
                 <a:r>
-                  <a:rPr lang="en-US">
+                  <a:rPr lang="de-DE">
                     <a:noFill/>
                   </a:rPr>
                   <a:t> </a:t>
@@ -36364,7 +37478,19 @@
           <a:p>
             <a:r>
               <a:rPr lang="en-US" noProof="0" dirty="0"/>
-              <a:t> Initializing the next level:</a:t>
+              <a:t> Initializing the </a:t>
+            </a:r>
+            <a:r>
+              <a:rPr lang="en-US" noProof="0" dirty="0">
+                <a:solidFill>
+                  <a:schemeClr val="accent1"/>
+                </a:solidFill>
+              </a:rPr>
+              <a:t>next level</a:t>
+            </a:r>
+            <a:r>
+              <a:rPr lang="en-US" noProof="0" dirty="0"/>
+              <a:t>:</a:t>
             </a:r>
           </a:p>
         </p:txBody>
@@ -36702,6 +37828,45 @@
           </a:p>
         </p:txBody>
       </p:sp>
+      <p:sp>
+        <p:nvSpPr>
+          <p:cNvPr id="6" name="Textfeld 5">
+            <a:extLst>
+              <a:ext uri="{FF2B5EF4-FFF2-40B4-BE49-F238E27FC236}">
+                <a16:creationId xmlns:a16="http://schemas.microsoft.com/office/drawing/2014/main" id="{1E35DAD7-3CED-4D92-B5E3-4EB3802A4854}"/>
+              </a:ext>
+            </a:extLst>
+          </p:cNvPr>
+          <p:cNvSpPr txBox="1"/>
+          <p:nvPr/>
+        </p:nvSpPr>
+        <p:spPr>
+          <a:xfrm>
+            <a:off x="9461532" y="3549525"/>
+            <a:ext cx="1596912" cy="369332"/>
+          </a:xfrm>
+          <a:prstGeom prst="rect">
+            <a:avLst/>
+          </a:prstGeom>
+          <a:noFill/>
+        </p:spPr>
+        <p:txBody>
+          <a:bodyPr wrap="none" rtlCol="0">
+            <a:spAutoFit/>
+          </a:bodyPr>
+          <a:lstStyle/>
+          <a:p>
+            <a:r>
+              <a:rPr lang="de-DE" dirty="0">
+                <a:solidFill>
+                  <a:schemeClr val="accent1"/>
+                </a:solidFill>
+              </a:rPr>
+              <a:t>Blocking-Phase</a:t>
+            </a:r>
+          </a:p>
+        </p:txBody>
+      </p:sp>
     </p:spTree>
     <p:extLst>
       <p:ext uri="{BB962C8B-B14F-4D97-AF65-F5344CB8AC3E}">
@@ -36891,15 +38056,19 @@
             </a:pPr>
             <a:r>
               <a:rPr lang="en-US" dirty="0"/>
-              <a:t> Blocking-Phase not nested in </a:t>
-            </a:r>
-            <a:r>
-              <a:rPr lang="en-US" dirty="0" err="1"/>
-              <a:t>preceeding</a:t>
+              <a:t> Blocking-Phase </a:t>
+            </a:r>
+            <a:r>
+              <a:rPr lang="en-US" dirty="0">
+                <a:solidFill>
+                  <a:schemeClr val="accent1"/>
+                </a:solidFill>
+              </a:rPr>
+              <a:t>not nested </a:t>
             </a:r>
             <a:r>
               <a:rPr lang="en-US" dirty="0"/>
-              <a:t>-phase</a:t>
+              <a:t>in preceding phase:</a:t>
             </a:r>
           </a:p>
           <a:p>
@@ -36908,22 +38077,90 @@
             </a:pPr>
             <a:r>
               <a:rPr lang="en-US" dirty="0">
+                <a:solidFill>
+                  <a:schemeClr val="accent1"/>
+                </a:solidFill>
                 <a:sym typeface="Wingdings" panose="05000000000000000000" pitchFamily="2" charset="2"/>
               </a:rPr>
-              <a:t> No longer optional</a:t>
-            </a:r>
-          </a:p>
-          <a:p>
-            <a:pPr marL="506412" lvl="2" indent="0">
-              <a:buNone/>
-            </a:pPr>
+              <a:t></a:t>
+            </a:r>
             <a:r>
               <a:rPr lang="en-US" dirty="0">
                 <a:sym typeface="Wingdings" panose="05000000000000000000" pitchFamily="2" charset="2"/>
               </a:rPr>
-              <a:t>	 In each iteration we have at least the initial proof-obligations</a:t>
-            </a:r>
-            <a:endParaRPr lang="en-US" dirty="0"/>
+              <a:t> No longer </a:t>
+            </a:r>
+            <a:r>
+              <a:rPr lang="en-US" dirty="0">
+                <a:solidFill>
+                  <a:schemeClr val="accent1"/>
+                </a:solidFill>
+                <a:sym typeface="Wingdings" panose="05000000000000000000" pitchFamily="2" charset="2"/>
+              </a:rPr>
+              <a:t>optional</a:t>
+            </a:r>
+            <a:r>
+              <a:rPr lang="en-US" dirty="0">
+                <a:sym typeface="Wingdings" panose="05000000000000000000" pitchFamily="2" charset="2"/>
+              </a:rPr>
+              <a:t>:</a:t>
+            </a:r>
+          </a:p>
+          <a:p>
+            <a:pPr lvl="3">
+              <a:buFont typeface="Arial" panose="020B0604020202020204" pitchFamily="34" charset="0"/>
+              <a:buChar char="•"/>
+            </a:pPr>
+            <a:r>
+              <a:rPr lang="en-US" dirty="0">
+                <a:sym typeface="Wingdings" panose="05000000000000000000" pitchFamily="2" charset="2"/>
+              </a:rPr>
+              <a:t>In </a:t>
+            </a:r>
+            <a:r>
+              <a:rPr lang="en-US" dirty="0">
+                <a:solidFill>
+                  <a:schemeClr val="accent1"/>
+                </a:solidFill>
+                <a:sym typeface="Wingdings" panose="05000000000000000000" pitchFamily="2" charset="2"/>
+              </a:rPr>
+              <a:t>each iteration </a:t>
+            </a:r>
+            <a:r>
+              <a:rPr lang="en-US" dirty="0">
+                <a:sym typeface="Wingdings" panose="05000000000000000000" pitchFamily="2" charset="2"/>
+              </a:rPr>
+              <a:t>we have </a:t>
+            </a:r>
+            <a:r>
+              <a:rPr lang="en-US" dirty="0">
+                <a:solidFill>
+                  <a:schemeClr val="accent1"/>
+                </a:solidFill>
+                <a:sym typeface="Wingdings" panose="05000000000000000000" pitchFamily="2" charset="2"/>
+              </a:rPr>
+              <a:t>at least </a:t>
+            </a:r>
+            <a:r>
+              <a:rPr lang="en-US" dirty="0">
+                <a:sym typeface="Wingdings" panose="05000000000000000000" pitchFamily="2" charset="2"/>
+              </a:rPr>
+              <a:t>the </a:t>
+            </a:r>
+            <a:r>
+              <a:rPr lang="en-US" dirty="0">
+                <a:solidFill>
+                  <a:schemeClr val="accent1"/>
+                </a:solidFill>
+                <a:sym typeface="Wingdings" panose="05000000000000000000" pitchFamily="2" charset="2"/>
+              </a:rPr>
+              <a:t>initial proof-obligations</a:t>
+            </a:r>
+            <a:endParaRPr lang="en-US" dirty="0">
+              <a:solidFill>
+                <a:schemeClr val="accent1"/>
+              </a:solidFill>
+            </a:endParaRPr>
           </a:p>
         </p:txBody>
       </p:sp>
@@ -37207,7 +38444,15 @@
                 </a:pPr>
                 <a:r>
                   <a:rPr lang="en-US" dirty="0"/>
-                  <a:t> For each predecessor location </a:t>
+                  <a:t> </a:t>
+                </a:r>
+                <a:r>
+                  <a:rPr lang="en-US" dirty="0">
+                    <a:solidFill>
+                      <a:schemeClr val="accent1"/>
+                    </a:solidFill>
+                  </a:rPr>
+                  <a:t>For each predecessor location </a:t>
                 </a:r>
                 <a14:m>
                   <m:oMath xmlns:m="http://schemas.openxmlformats.org/officeDocument/2006/math">
@@ -37462,7 +38707,22 @@
                   <a:rPr lang="en-US" dirty="0">
                     <a:sym typeface="Wingdings" panose="05000000000000000000" pitchFamily="2" charset="2"/>
                   </a:rPr>
-                  <a:t>If satisfiable:</a:t>
+                  <a:t> If </a:t>
+                </a:r>
+                <a:r>
+                  <a:rPr lang="en-US" dirty="0">
+                    <a:solidFill>
+                      <a:schemeClr val="accent1"/>
+                    </a:solidFill>
+                    <a:sym typeface="Wingdings" panose="05000000000000000000" pitchFamily="2" charset="2"/>
+                  </a:rPr>
+                  <a:t>satisfiable</a:t>
+                </a:r>
+                <a:r>
+                  <a:rPr lang="en-US" dirty="0">
+                    <a:sym typeface="Wingdings" panose="05000000000000000000" pitchFamily="2" charset="2"/>
+                  </a:rPr>
+                  <a:t>:</a:t>
                 </a:r>
               </a:p>
               <a:p>
@@ -37491,7 +38751,22 @@
                   <a:rPr lang="en-US" dirty="0">
                     <a:sym typeface="Wingdings" panose="05000000000000000000" pitchFamily="2" charset="2"/>
                   </a:rPr>
-                  <a:t> could not be blocked at </a:t>
+                  <a:t> could </a:t>
+                </a:r>
+                <a:r>
+                  <a:rPr lang="en-US" dirty="0">
+                    <a:solidFill>
+                      <a:schemeClr val="accent1"/>
+                    </a:solidFill>
+                    <a:sym typeface="Wingdings" panose="05000000000000000000" pitchFamily="2" charset="2"/>
+                  </a:rPr>
+                  <a:t>not be blocked </a:t>
+                </a:r>
+                <a:r>
+                  <a:rPr lang="en-US" dirty="0">
+                    <a:sym typeface="Wingdings" panose="05000000000000000000" pitchFamily="2" charset="2"/>
+                  </a:rPr>
+                  <a:t>at </a:t>
                 </a:r>
                 <a14:m>
                   <m:oMath xmlns:m="http://schemas.openxmlformats.org/officeDocument/2006/math">
@@ -37543,19 +38818,35 @@
                   <a:t> </a:t>
                 </a:r>
                 <a:r>
-                  <a:rPr lang="en-US" dirty="0" err="1"/>
+                  <a:rPr lang="en-US" dirty="0" err="1">
+                    <a:solidFill>
+                      <a:schemeClr val="accent1"/>
+                    </a:solidFill>
+                  </a:rPr>
                   <a:t>new</a:t>
                 </a:r>
                 <a:r>
-                  <a:rPr lang="en-US" dirty="0"/>
+                  <a:rPr lang="en-US" dirty="0">
+                    <a:solidFill>
+                      <a:schemeClr val="accent1"/>
+                    </a:solidFill>
+                  </a:rPr>
                   <a:t> </a:t>
                 </a:r>
                 <a:r>
-                  <a:rPr lang="en-US" dirty="0" err="1"/>
+                  <a:rPr lang="en-US" dirty="0" err="1">
+                    <a:solidFill>
+                      <a:schemeClr val="accent1"/>
+                    </a:solidFill>
+                  </a:rPr>
                   <a:t>proof</a:t>
                 </a:r>
                 <a:r>
-                  <a:rPr lang="en-US" dirty="0"/>
+                  <a:rPr lang="en-US" dirty="0">
+                    <a:solidFill>
+                      <a:schemeClr val="accent1"/>
+                    </a:solidFill>
+                  </a:rPr>
                   <a:t>-obligation </a:t>
                 </a:r>
                 <a14:m>
@@ -37627,9 +38918,18 @@
                 </a:pPr>
                 <a:r>
                   <a:rPr lang="en-US" sz="2000" b="0" dirty="0">
+                    <a:solidFill>
+                      <a:schemeClr val="accent1"/>
+                    </a:solidFill>
                     <a:sym typeface="Wingdings" panose="05000000000000000000" pitchFamily="2" charset="2"/>
                   </a:rPr>
-                  <a:t> </a:t>
+                  <a:t></a:t>
+                </a:r>
+                <a:r>
+                  <a:rPr lang="en-US" sz="2000" b="0" dirty="0">
+                    <a:sym typeface="Wingdings" panose="05000000000000000000" pitchFamily="2" charset="2"/>
+                  </a:rPr>
+                  <a:t>  </a:t>
                 </a:r>
                 <a14:m>
                   <m:oMath xmlns:m="http://schemas.openxmlformats.org/officeDocument/2006/math">
@@ -37643,7 +38943,19 @@
                 </a14:m>
                 <a:r>
                   <a:rPr lang="en-US" sz="2000" dirty="0"/>
-                  <a:t> being the weakest precondition of </a:t>
+                  <a:t> being the </a:t>
+                </a:r>
+                <a:r>
+                  <a:rPr lang="en-US" sz="2000" dirty="0">
+                    <a:solidFill>
+                      <a:schemeClr val="accent1"/>
+                    </a:solidFill>
+                  </a:rPr>
+                  <a:t>weakest precondition </a:t>
+                </a:r>
+                <a:r>
+                  <a:rPr lang="en-US" sz="2000" dirty="0"/>
+                  <a:t>of </a:t>
                 </a:r>
                 <a14:m>
                   <m:oMath xmlns:m="http://schemas.openxmlformats.org/officeDocument/2006/math">
@@ -37745,7 +39057,7 @@
               <a:blipFill>
                 <a:blip r:embed="rId2"/>
                 <a:stretch>
-                  <a:fillRect t="-1488"/>
+                  <a:fillRect t="-1637"/>
                 </a:stretch>
               </a:blipFill>
             </p:spPr>
@@ -37754,7 +39066,7 @@
               <a:lstStyle/>
               <a:p>
                 <a:r>
-                  <a:rPr lang="en-US">
+                  <a:rPr lang="de-DE">
                     <a:noFill/>
                   </a:rPr>
                   <a:t> </a:t>
@@ -38341,7 +39653,22 @@
                   <a:rPr lang="en-US" dirty="0">
                     <a:sym typeface="Wingdings" panose="05000000000000000000" pitchFamily="2" charset="2"/>
                   </a:rPr>
-                  <a:t>If unsatisfiable:</a:t>
+                  <a:t> If </a:t>
+                </a:r>
+                <a:r>
+                  <a:rPr lang="en-US" dirty="0">
+                    <a:solidFill>
+                      <a:schemeClr val="accent1"/>
+                    </a:solidFill>
+                    <a:sym typeface="Wingdings" panose="05000000000000000000" pitchFamily="2" charset="2"/>
+                  </a:rPr>
+                  <a:t>unsatisfiable</a:t>
+                </a:r>
+                <a:r>
+                  <a:rPr lang="en-US" dirty="0">
+                    <a:sym typeface="Wingdings" panose="05000000000000000000" pitchFamily="2" charset="2"/>
+                  </a:rPr>
+                  <a:t>:</a:t>
                 </a:r>
               </a:p>
               <a:p>
@@ -38370,7 +39697,22 @@
                   <a:rPr lang="en-US" dirty="0">
                     <a:sym typeface="Wingdings" panose="05000000000000000000" pitchFamily="2" charset="2"/>
                   </a:rPr>
-                  <a:t> is blocked at </a:t>
+                  <a:t> is </a:t>
+                </a:r>
+                <a:r>
+                  <a:rPr lang="en-US" dirty="0">
+                    <a:solidFill>
+                      <a:schemeClr val="accent1"/>
+                    </a:solidFill>
+                    <a:sym typeface="Wingdings" panose="05000000000000000000" pitchFamily="2" charset="2"/>
+                  </a:rPr>
+                  <a:t>blocked</a:t>
+                </a:r>
+                <a:r>
+                  <a:rPr lang="en-US" dirty="0">
+                    <a:sym typeface="Wingdings" panose="05000000000000000000" pitchFamily="2" charset="2"/>
+                  </a:rPr>
+                  <a:t> at </a:t>
                 </a:r>
                 <a14:m>
                   <m:oMath xmlns:m="http://schemas.openxmlformats.org/officeDocument/2006/math">
@@ -38413,7 +39755,22 @@
                   <a:rPr lang="en-US" dirty="0">
                     <a:sym typeface="Wingdings" panose="05000000000000000000" pitchFamily="2" charset="2"/>
                   </a:rPr>
-                  <a:t> Strengthen each frame </a:t>
+                  <a:t> </a:t>
+                </a:r>
+                <a:r>
+                  <a:rPr lang="en-US" dirty="0">
+                    <a:solidFill>
+                      <a:schemeClr val="accent1"/>
+                    </a:solidFill>
+                    <a:sym typeface="Wingdings" panose="05000000000000000000" pitchFamily="2" charset="2"/>
+                  </a:rPr>
+                  <a:t>Strengthen</a:t>
+                </a:r>
+                <a:r>
+                  <a:rPr lang="en-US" dirty="0">
+                    <a:sym typeface="Wingdings" panose="05000000000000000000" pitchFamily="2" charset="2"/>
+                  </a:rPr>
+                  <a:t> each frame </a:t>
                 </a:r>
                 <a14:m>
                   <m:oMath xmlns:m="http://schemas.openxmlformats.org/officeDocument/2006/math">
@@ -38530,9 +39887,18 @@
                 </a:pPr>
                 <a:r>
                   <a:rPr lang="en-US" sz="2000" dirty="0">
+                    <a:solidFill>
+                      <a:schemeClr val="accent1"/>
+                    </a:solidFill>
                     <a:sym typeface="Wingdings" panose="05000000000000000000" pitchFamily="2" charset="2"/>
                   </a:rPr>
-                  <a:t> </a:t>
+                  <a:t></a:t>
+                </a:r>
+                <a:r>
+                  <a:rPr lang="en-US" sz="2000" dirty="0">
+                    <a:sym typeface="Wingdings" panose="05000000000000000000" pitchFamily="2" charset="2"/>
+                  </a:rPr>
+                  <a:t> </a:t>
                 </a:r>
                 <a14:m>
                   <m:oMath xmlns:m="http://schemas.openxmlformats.org/officeDocument/2006/math">
@@ -38680,7 +40046,7 @@
               <a:blipFill>
                 <a:blip r:embed="rId2"/>
                 <a:stretch>
-                  <a:fillRect t="-1488"/>
+                  <a:fillRect t="-1637"/>
                 </a:stretch>
               </a:blipFill>
             </p:spPr>
@@ -38689,7 +40055,7 @@
               <a:lstStyle/>
               <a:p>
                 <a:r>
-                  <a:rPr lang="en-US">
+                  <a:rPr lang="de-DE">
                     <a:noFill/>
                   </a:rPr>
                   <a:t> </a:t>
@@ -38928,29 +40294,83 @@
               <a:p>
                 <a:r>
                   <a:rPr lang="en-US" dirty="0"/>
-                  <a:t>This continues recursively until:</a:t>
+                  <a:t> This </a:t>
+                </a:r>
+                <a:r>
+                  <a:rPr lang="en-US" dirty="0">
+                    <a:solidFill>
+                      <a:schemeClr val="accent1"/>
+                    </a:solidFill>
+                  </a:rPr>
+                  <a:t>continues</a:t>
+                </a:r>
+                <a:r>
+                  <a:rPr lang="en-US" dirty="0"/>
+                  <a:t> recursively until:</a:t>
                 </a:r>
               </a:p>
               <a:p>
-                <a:pPr lvl="1"/>
-                <a:r>
-                  <a:rPr lang="en-US" dirty="0"/>
-                  <a:t>There are no proof-obligations left</a:t>
-                </a:r>
-              </a:p>
-              <a:p>
-                <a:pPr marL="506412" lvl="2" indent="0">
+                <a:pPr marL="274320" lvl="1" indent="0">
                   <a:buNone/>
                 </a:pPr>
+                <a:r>
+                  <a:rPr lang="en-US" dirty="0">
+                    <a:solidFill>
+                      <a:schemeClr val="accent1"/>
+                    </a:solidFill>
+                    <a:sym typeface="Wingdings" panose="05000000000000000000" pitchFamily="2" charset="2"/>
+                  </a:rPr>
+                  <a:t></a:t>
+                </a:r>
                 <a:r>
                   <a:rPr lang="en-US" dirty="0">
                     <a:sym typeface="Wingdings" panose="05000000000000000000" pitchFamily="2" charset="2"/>
                   </a:rPr>
-                  <a:t> A</a:t>
+                  <a:t> </a:t>
                 </a:r>
                 <a:r>
                   <a:rPr lang="en-US" dirty="0"/>
-                  <a:t>lgorithm continues with the next phase</a:t>
+                  <a:t>There are </a:t>
+                </a:r>
+                <a:r>
+                  <a:rPr lang="en-US" dirty="0">
+                    <a:solidFill>
+                      <a:schemeClr val="accent1"/>
+                    </a:solidFill>
+                  </a:rPr>
+                  <a:t>no proof-obligations </a:t>
+                </a:r>
+                <a:r>
+                  <a:rPr lang="en-US" dirty="0"/>
+                  <a:t>left:</a:t>
+                </a:r>
+              </a:p>
+              <a:p>
+                <a:pPr lvl="2">
+                  <a:buFont typeface="Arial" panose="020B0604020202020204" pitchFamily="34" charset="0"/>
+                  <a:buChar char="•"/>
+                </a:pPr>
+                <a:r>
+                  <a:rPr lang="en-US" dirty="0">
+                    <a:sym typeface="Wingdings" panose="05000000000000000000" pitchFamily="2" charset="2"/>
+                  </a:rPr>
+                  <a:t>A</a:t>
+                </a:r>
+                <a:r>
+                  <a:rPr lang="en-US" dirty="0"/>
+                  <a:t>lgorithm </a:t>
+                </a:r>
+                <a:r>
+                  <a:rPr lang="en-US" dirty="0">
+                    <a:solidFill>
+                      <a:schemeClr val="accent1"/>
+                    </a:solidFill>
+                  </a:rPr>
+                  <a:t>continues</a:t>
+                </a:r>
+                <a:r>
+                  <a:rPr lang="en-US" dirty="0"/>
+                  <a:t> with the next phase</a:t>
                 </a:r>
               </a:p>
               <a:p>
@@ -38958,7 +40378,24 @@
                 <a:endParaRPr lang="en-US" dirty="0"/>
               </a:p>
               <a:p>
-                <a:pPr lvl="1"/>
+                <a:pPr marL="274320" lvl="1" indent="0">
+                  <a:buNone/>
+                </a:pPr>
+                <a:r>
+                  <a:rPr lang="en-US" dirty="0">
+                    <a:solidFill>
+                      <a:schemeClr val="accent1"/>
+                    </a:solidFill>
+                    <a:sym typeface="Wingdings" panose="05000000000000000000" pitchFamily="2" charset="2"/>
+                  </a:rPr>
+                  <a:t></a:t>
+                </a:r>
+                <a:r>
+                  <a:rPr lang="en-US" dirty="0">
+                    <a:sym typeface="Wingdings" panose="05000000000000000000" pitchFamily="2" charset="2"/>
+                  </a:rPr>
+                  <a:t> </a:t>
+                </a:r>
                 <a:r>
                   <a:rPr lang="en-US" dirty="0"/>
                   <a:t>A proof-obligation </a:t>
@@ -39004,18 +40441,54 @@
                 </a:r>
               </a:p>
               <a:p>
-                <a:pPr marL="506412" lvl="2" indent="0">
-                  <a:buNone/>
+                <a:pPr lvl="2">
+                  <a:buFont typeface="Arial" panose="020B0604020202020204" pitchFamily="34" charset="0"/>
+                  <a:buChar char="•"/>
                 </a:pPr>
                 <a:r>
                   <a:rPr lang="en-US" dirty="0">
+                    <a:solidFill>
+                      <a:schemeClr val="accent1"/>
+                    </a:solidFill>
                     <a:sym typeface="Wingdings" panose="05000000000000000000" pitchFamily="2" charset="2"/>
                   </a:rPr>
-                  <a:t> P</a:t>
+                  <a:t>P</a:t>
+                </a:r>
+                <a:r>
+                  <a:rPr lang="en-US" dirty="0">
+                    <a:solidFill>
+                      <a:schemeClr val="accent1"/>
+                    </a:solidFill>
+                  </a:rPr>
+                  <a:t>roving</a:t>
                 </a:r>
                 <a:r>
                   <a:rPr lang="en-US" dirty="0"/>
-                  <a:t>roving that there exists a feasible path to </a:t>
+                  <a:t> that there </a:t>
+                </a:r>
+                <a:r>
+                  <a:rPr lang="en-US" dirty="0">
+                    <a:solidFill>
+                      <a:schemeClr val="accent1"/>
+                    </a:solidFill>
+                  </a:rPr>
+                  <a:t>exists</a:t>
+                </a:r>
+                <a:r>
+                  <a:rPr lang="en-US" dirty="0"/>
+                  <a:t> a </a:t>
+                </a:r>
+                <a:r>
+                  <a:rPr lang="en-US" dirty="0">
+                    <a:solidFill>
+                      <a:schemeClr val="accent1"/>
+                    </a:solidFill>
+                  </a:rPr>
+                  <a:t>feasible path </a:t>
+                </a:r>
+                <a:r>
+                  <a:rPr lang="en-US" dirty="0"/>
+                  <a:t>to </a:t>
                 </a:r>
                 <a14:m>
                   <m:oMath xmlns:m="http://schemas.openxmlformats.org/officeDocument/2006/math">
@@ -39081,7 +40554,7 @@
               <a:blipFill>
                 <a:blip r:embed="rId2"/>
                 <a:stretch>
-                  <a:fillRect l="-498" t="-1444"/>
+                  <a:fillRect l="-498" t="-1312"/>
                 </a:stretch>
               </a:blipFill>
             </p:spPr>
@@ -39090,7 +40563,7 @@
               <a:lstStyle/>
               <a:p>
                 <a:r>
-                  <a:rPr lang="en-US">
+                  <a:rPr lang="de-DE">
                     <a:noFill/>
                   </a:rPr>
                   <a:t> </a:t>
@@ -39614,6 +41087,45 @@
           </a:p>
         </p:txBody>
       </p:sp>
+      <p:sp>
+        <p:nvSpPr>
+          <p:cNvPr id="6" name="Textfeld 5">
+            <a:extLst>
+              <a:ext uri="{FF2B5EF4-FFF2-40B4-BE49-F238E27FC236}">
+                <a16:creationId xmlns:a16="http://schemas.microsoft.com/office/drawing/2014/main" id="{CA52DC4B-35C0-4752-A310-504BD85A932E}"/>
+              </a:ext>
+            </a:extLst>
+          </p:cNvPr>
+          <p:cNvSpPr txBox="1"/>
+          <p:nvPr/>
+        </p:nvSpPr>
+        <p:spPr>
+          <a:xfrm>
+            <a:off x="9002955" y="4545568"/>
+            <a:ext cx="1947456" cy="369332"/>
+          </a:xfrm>
+          <a:prstGeom prst="rect">
+            <a:avLst/>
+          </a:prstGeom>
+          <a:noFill/>
+        </p:spPr>
+        <p:txBody>
+          <a:bodyPr wrap="none" rtlCol="0">
+            <a:spAutoFit/>
+          </a:bodyPr>
+          <a:lstStyle/>
+          <a:p>
+            <a:r>
+              <a:rPr lang="de-DE" dirty="0">
+                <a:solidFill>
+                  <a:schemeClr val="accent1"/>
+                </a:solidFill>
+              </a:rPr>
+              <a:t>Propagation-Phase</a:t>
+            </a:r>
+          </a:p>
+        </p:txBody>
+      </p:sp>
     </p:spTree>
     <p:extLst>
       <p:ext uri="{BB962C8B-B14F-4D97-AF65-F5344CB8AC3E}">
@@ -39777,8 +41289,8 @@
           </a:p>
         </p:txBody>
       </p:sp>
-      <mc:AlternateContent xmlns:mc="http://schemas.openxmlformats.org/markup-compatibility/2006" xmlns:a14="http://schemas.microsoft.com/office/drawing/2010/main">
-        <mc:Choice Requires="a14">
+      <mc:AlternateContent xmlns:mc="http://schemas.openxmlformats.org/markup-compatibility/2006">
+        <mc:Choice xmlns:a14="http://schemas.microsoft.com/office/drawing/2010/main" Requires="a14">
           <p:sp>
             <p:nvSpPr>
               <p:cNvPr id="7" name="Textplatzhalter 6">
@@ -39805,50 +41317,37 @@
                   <a:t> </a:t>
                 </a:r>
                 <a:r>
-                  <a:rPr lang="en-US" dirty="0" err="1"/>
+                  <a:rPr lang="en-US" dirty="0">
+                    <a:solidFill>
+                      <a:schemeClr val="accent1"/>
+                    </a:solidFill>
+                  </a:rPr>
                   <a:t>No</a:t>
                 </a:r>
                 <a:r>
                   <a:rPr lang="en-US" dirty="0"/>
-                  <a:t> </a:t>
-                </a:r>
-                <a:r>
-                  <a:rPr lang="en-US" dirty="0" err="1"/>
-                  <a:t>more</a:t>
+                  <a:t> more </a:t>
+                </a:r>
+                <a:r>
+                  <a:rPr lang="en-US" dirty="0">
+                    <a:solidFill>
+                      <a:schemeClr val="accent1"/>
+                    </a:solidFill>
+                  </a:rPr>
+                  <a:t>propagation</a:t>
                 </a:r>
                 <a:r>
                   <a:rPr lang="en-US" dirty="0"/>
-                  <a:t> </a:t>
-                </a:r>
-                <a:r>
-                  <a:rPr lang="en-US" dirty="0" err="1"/>
-                  <a:t>propagation</a:t>
-                </a:r>
-                <a:r>
-                  <a:rPr lang="en-US" dirty="0"/>
-                  <a:t> </a:t>
-                </a:r>
-                <a:r>
-                  <a:rPr lang="en-US" dirty="0" err="1"/>
-                  <a:t>of</a:t>
-                </a:r>
-                <a:r>
-                  <a:rPr lang="en-US" dirty="0"/>
-                  <a:t> </a:t>
-                </a:r>
-                <a:r>
-                  <a:rPr lang="en-US" dirty="0" err="1"/>
-                  <a:t>learned</a:t>
-                </a:r>
-                <a:r>
-                  <a:rPr lang="en-US" dirty="0"/>
-                  <a:t> </a:t>
-                </a:r>
-                <a:r>
-                  <a:rPr lang="en-US" dirty="0" err="1"/>
-                  <a:t>information</a:t>
-                </a:r>
-                <a:endParaRPr lang="en-US" dirty="0"/>
+                  <a:t> of </a:t>
+                </a:r>
+                <a:r>
+                  <a:rPr lang="en-US" dirty="0">
+                    <a:solidFill>
+                      <a:schemeClr val="accent1"/>
+                    </a:solidFill>
+                  </a:rPr>
+                  <a:t>learned information</a:t>
+                </a:r>
               </a:p>
               <a:p>
                 <a:endParaRPr lang="en-US" dirty="0"/>
@@ -39859,34 +41358,25 @@
                   <a:t> </a:t>
                 </a:r>
                 <a:r>
-                  <a:rPr lang="en-US" dirty="0" err="1"/>
+                  <a:rPr lang="en-US" dirty="0">
+                    <a:solidFill>
+                      <a:schemeClr val="accent1"/>
+                    </a:solidFill>
+                  </a:rPr>
                   <a:t>Only</a:t>
                 </a:r>
                 <a:r>
                   <a:rPr lang="en-US" dirty="0"/>
-                  <a:t> </a:t>
-                </a:r>
-                <a:r>
-                  <a:rPr lang="en-US" dirty="0" err="1"/>
-                  <a:t>checking</a:t>
-                </a:r>
-                <a:r>
-                  <a:rPr lang="en-US" dirty="0"/>
-                  <a:t> </a:t>
-                </a:r>
-                <a:r>
-                  <a:rPr lang="en-US" dirty="0" err="1"/>
-                  <a:t>for</a:t>
-                </a:r>
-                <a:r>
-                  <a:rPr lang="en-US" dirty="0"/>
-                  <a:t> </a:t>
-                </a:r>
-                <a:r>
-                  <a:rPr lang="en-US" dirty="0" err="1"/>
+                  <a:t> checking for </a:t>
+                </a:r>
+                <a:r>
+                  <a:rPr lang="en-US" dirty="0">
+                    <a:solidFill>
+                      <a:schemeClr val="accent1"/>
+                    </a:solidFill>
+                  </a:rPr>
                   <a:t>termination</a:t>
                 </a:r>
-                <a:endParaRPr lang="en-US" dirty="0"/>
               </a:p>
               <a:p>
                 <a:pPr lvl="1">
@@ -39897,37 +41387,16 @@
                   <a:rPr lang="en-US" dirty="0">
                     <a:sym typeface="Wingdings" panose="05000000000000000000" pitchFamily="2" charset="2"/>
                   </a:rPr>
-                  <a:t> </a:t>
-                </a:r>
-                <a:r>
-                  <a:rPr lang="en-US" dirty="0" err="1">
+                  <a:t> Trying to find a </a:t>
+                </a:r>
+                <a:r>
+                  <a:rPr lang="en-US" dirty="0">
+                    <a:solidFill>
+                      <a:schemeClr val="accent1"/>
+                    </a:solidFill>
                     <a:sym typeface="Wingdings" panose="05000000000000000000" pitchFamily="2" charset="2"/>
                   </a:rPr>
-                  <a:t>Trying</a:t>
-                </a:r>
-                <a:r>
-                  <a:rPr lang="en-US" dirty="0">
-                    <a:sym typeface="Wingdings" panose="05000000000000000000" pitchFamily="2" charset="2"/>
-                  </a:rPr>
-                  <a:t> </a:t>
-                </a:r>
-                <a:r>
-                  <a:rPr lang="en-US" dirty="0" err="1">
-                    <a:sym typeface="Wingdings" panose="05000000000000000000" pitchFamily="2" charset="2"/>
-                  </a:rPr>
-                  <a:t>to</a:t>
-                </a:r>
-                <a:r>
-                  <a:rPr lang="en-US" dirty="0">
-                    <a:sym typeface="Wingdings" panose="05000000000000000000" pitchFamily="2" charset="2"/>
-                  </a:rPr>
-                  <a:t> find a global </a:t>
-                </a:r>
-                <a:r>
-                  <a:rPr lang="en-US" dirty="0" err="1">
-                    <a:sym typeface="Wingdings" panose="05000000000000000000" pitchFamily="2" charset="2"/>
-                  </a:rPr>
-                  <a:t>fixpoint</a:t>
+                  <a:t>global fixpoint</a:t>
                 </a:r>
                 <a:r>
                   <a:rPr lang="en-US" dirty="0">
@@ -39942,20 +41411,8 @@
                   <a:buChar char="•"/>
                 </a:pPr>
                 <a:r>
-                  <a:rPr lang="en-US" dirty="0" err="1"/>
-                  <a:t>Is</a:t>
-                </a:r>
-                <a:r>
                   <a:rPr lang="en-US" dirty="0"/>
-                  <a:t> </a:t>
-                </a:r>
-                <a:r>
-                  <a:rPr lang="en-US" dirty="0" err="1"/>
-                  <a:t>there</a:t>
-                </a:r>
-                <a:r>
-                  <a:rPr lang="en-US" dirty="0"/>
-                  <a:t> an </a:t>
+                  <a:t>Is there an </a:t>
                 </a:r>
                 <a14:m>
                   <m:oMath xmlns:m="http://schemas.openxmlformats.org/officeDocument/2006/math">
@@ -40129,7 +41586,7 @@
             </p:txBody>
           </p:sp>
         </mc:Choice>
-        <mc:Fallback xmlns="">
+        <mc:Fallback>
           <p:sp>
             <p:nvSpPr>
               <p:cNvPr id="7" name="Textplatzhalter 6">
@@ -40150,7 +41607,7 @@
               <a:blipFill>
                 <a:blip r:embed="rId2"/>
                 <a:stretch>
-                  <a:fillRect l="-498" t="-1444"/>
+                  <a:fillRect l="-498" t="-1312"/>
                 </a:stretch>
               </a:blipFill>
             </p:spPr>
@@ -40159,7 +41616,7 @@
               <a:lstStyle/>
               <a:p>
                 <a:r>
-                  <a:rPr lang="en-US">
+                  <a:rPr lang="de-DE">
                     <a:noFill/>
                   </a:rPr>
                   <a:t> </a:t>
@@ -40332,8 +41789,8 @@
           </a:p>
         </p:txBody>
       </p:sp>
-      <mc:AlternateContent xmlns:mc="http://schemas.openxmlformats.org/markup-compatibility/2006" xmlns:a14="http://schemas.microsoft.com/office/drawing/2010/main">
-        <mc:Choice Requires="a14">
+      <mc:AlternateContent xmlns:mc="http://schemas.openxmlformats.org/markup-compatibility/2006">
+        <mc:Choice xmlns:a14="http://schemas.microsoft.com/office/drawing/2010/main" Requires="a14">
           <p:sp>
             <p:nvSpPr>
               <p:cNvPr id="7" name="Textplatzhalter 6">
@@ -40360,50 +41817,37 @@
                   <a:t> </a:t>
                 </a:r>
                 <a:r>
-                  <a:rPr lang="en-US" dirty="0" err="1"/>
+                  <a:rPr lang="en-US" dirty="0">
+                    <a:solidFill>
+                      <a:schemeClr val="accent1"/>
+                    </a:solidFill>
+                  </a:rPr>
                   <a:t>No</a:t>
                 </a:r>
                 <a:r>
                   <a:rPr lang="en-US" dirty="0"/>
-                  <a:t> </a:t>
-                </a:r>
-                <a:r>
-                  <a:rPr lang="en-US" dirty="0" err="1"/>
-                  <a:t>more</a:t>
+                  <a:t> more </a:t>
+                </a:r>
+                <a:r>
+                  <a:rPr lang="en-US" dirty="0">
+                    <a:solidFill>
+                      <a:schemeClr val="accent1"/>
+                    </a:solidFill>
+                  </a:rPr>
+                  <a:t>propagation</a:t>
                 </a:r>
                 <a:r>
                   <a:rPr lang="en-US" dirty="0"/>
-                  <a:t> </a:t>
-                </a:r>
-                <a:r>
-                  <a:rPr lang="en-US" dirty="0" err="1"/>
-                  <a:t>propagation</a:t>
-                </a:r>
-                <a:r>
-                  <a:rPr lang="en-US" dirty="0"/>
-                  <a:t> </a:t>
-                </a:r>
-                <a:r>
-                  <a:rPr lang="en-US" dirty="0" err="1"/>
-                  <a:t>of</a:t>
-                </a:r>
-                <a:r>
-                  <a:rPr lang="en-US" dirty="0"/>
-                  <a:t> </a:t>
-                </a:r>
-                <a:r>
-                  <a:rPr lang="en-US" dirty="0" err="1"/>
-                  <a:t>learned</a:t>
-                </a:r>
-                <a:r>
-                  <a:rPr lang="en-US" dirty="0"/>
-                  <a:t> </a:t>
-                </a:r>
-                <a:r>
-                  <a:rPr lang="en-US" dirty="0" err="1"/>
-                  <a:t>information</a:t>
-                </a:r>
-                <a:endParaRPr lang="en-US" dirty="0"/>
+                  <a:t> of </a:t>
+                </a:r>
+                <a:r>
+                  <a:rPr lang="en-US" dirty="0">
+                    <a:solidFill>
+                      <a:schemeClr val="accent1"/>
+                    </a:solidFill>
+                  </a:rPr>
+                  <a:t>learned information</a:t>
+                </a:r>
               </a:p>
               <a:p>
                 <a:endParaRPr lang="en-US" dirty="0"/>
@@ -40414,34 +41858,25 @@
                   <a:t> </a:t>
                 </a:r>
                 <a:r>
-                  <a:rPr lang="en-US" dirty="0" err="1"/>
+                  <a:rPr lang="en-US" dirty="0">
+                    <a:solidFill>
+                      <a:schemeClr val="accent1"/>
+                    </a:solidFill>
+                  </a:rPr>
                   <a:t>Only</a:t>
                 </a:r>
                 <a:r>
                   <a:rPr lang="en-US" dirty="0"/>
-                  <a:t> </a:t>
-                </a:r>
-                <a:r>
-                  <a:rPr lang="en-US" dirty="0" err="1"/>
-                  <a:t>checking</a:t>
-                </a:r>
-                <a:r>
-                  <a:rPr lang="en-US" dirty="0"/>
-                  <a:t> </a:t>
-                </a:r>
-                <a:r>
-                  <a:rPr lang="en-US" dirty="0" err="1"/>
-                  <a:t>for</a:t>
-                </a:r>
-                <a:r>
-                  <a:rPr lang="en-US" dirty="0"/>
-                  <a:t> </a:t>
-                </a:r>
-                <a:r>
-                  <a:rPr lang="en-US" dirty="0" err="1"/>
+                  <a:t> checking for </a:t>
+                </a:r>
+                <a:r>
+                  <a:rPr lang="en-US" dirty="0">
+                    <a:solidFill>
+                      <a:schemeClr val="accent1"/>
+                    </a:solidFill>
+                  </a:rPr>
                   <a:t>termination</a:t>
                 </a:r>
-                <a:endParaRPr lang="en-US" dirty="0"/>
               </a:p>
               <a:p>
                 <a:pPr lvl="1">
@@ -40452,37 +41887,16 @@
                   <a:rPr lang="en-US" dirty="0">
                     <a:sym typeface="Wingdings" panose="05000000000000000000" pitchFamily="2" charset="2"/>
                   </a:rPr>
-                  <a:t> </a:t>
-                </a:r>
-                <a:r>
-                  <a:rPr lang="en-US" dirty="0" err="1">
+                  <a:t> Trying to find a </a:t>
+                </a:r>
+                <a:r>
+                  <a:rPr lang="en-US" dirty="0">
+                    <a:solidFill>
+                      <a:schemeClr val="accent1"/>
+                    </a:solidFill>
                     <a:sym typeface="Wingdings" panose="05000000000000000000" pitchFamily="2" charset="2"/>
                   </a:rPr>
-                  <a:t>Trying</a:t>
-                </a:r>
-                <a:r>
-                  <a:rPr lang="en-US" dirty="0">
-                    <a:sym typeface="Wingdings" panose="05000000000000000000" pitchFamily="2" charset="2"/>
-                  </a:rPr>
-                  <a:t> </a:t>
-                </a:r>
-                <a:r>
-                  <a:rPr lang="en-US" dirty="0" err="1">
-                    <a:sym typeface="Wingdings" panose="05000000000000000000" pitchFamily="2" charset="2"/>
-                  </a:rPr>
-                  <a:t>to</a:t>
-                </a:r>
-                <a:r>
-                  <a:rPr lang="en-US" dirty="0">
-                    <a:sym typeface="Wingdings" panose="05000000000000000000" pitchFamily="2" charset="2"/>
-                  </a:rPr>
-                  <a:t> find a global </a:t>
-                </a:r>
-                <a:r>
-                  <a:rPr lang="en-US" dirty="0" err="1">
-                    <a:sym typeface="Wingdings" panose="05000000000000000000" pitchFamily="2" charset="2"/>
-                  </a:rPr>
-                  <a:t>fixpoint</a:t>
+                  <a:t>global fixpoint</a:t>
                 </a:r>
                 <a:r>
                   <a:rPr lang="en-US" dirty="0">
@@ -40497,20 +41911,8 @@
                   <a:buChar char="•"/>
                 </a:pPr>
                 <a:r>
-                  <a:rPr lang="en-US" dirty="0" err="1"/>
-                  <a:t>Is</a:t>
-                </a:r>
-                <a:r>
                   <a:rPr lang="en-US" dirty="0"/>
-                  <a:t> </a:t>
-                </a:r>
-                <a:r>
-                  <a:rPr lang="en-US" dirty="0" err="1"/>
-                  <a:t>there</a:t>
-                </a:r>
-                <a:r>
-                  <a:rPr lang="en-US" dirty="0"/>
-                  <a:t> an </a:t>
+                  <a:t>Is there an </a:t>
                 </a:r>
                 <a14:m>
                   <m:oMath xmlns:m="http://schemas.openxmlformats.org/officeDocument/2006/math">
@@ -40680,9 +42082,18 @@
                 </a:pPr>
                 <a:r>
                   <a:rPr lang="en-US" dirty="0">
+                    <a:solidFill>
+                      <a:schemeClr val="accent1"/>
+                    </a:solidFill>
                     <a:sym typeface="Wingdings" panose="05000000000000000000" pitchFamily="2" charset="2"/>
                   </a:rPr>
-                  <a:t> Yes:</a:t>
+                  <a:t> Yes</a:t>
+                </a:r>
+                <a:r>
+                  <a:rPr lang="en-US" dirty="0">
+                    <a:sym typeface="Wingdings" panose="05000000000000000000" pitchFamily="2" charset="2"/>
+                  </a:rPr>
+                  <a:t>:</a:t>
                 </a:r>
               </a:p>
               <a:p>
@@ -40691,84 +42102,32 @@
                   <a:buChar char="•"/>
                 </a:pPr>
                 <a:r>
-                  <a:rPr lang="en-US" dirty="0" err="1"/>
-                  <a:t>Algorithm</a:t>
-                </a:r>
-                <a:r>
                   <a:rPr lang="en-US" dirty="0"/>
-                  <a:t> </a:t>
-                </a:r>
-                <a:r>
-                  <a:rPr lang="en-US" dirty="0" err="1"/>
+                  <a:t>Algorithm </a:t>
+                </a:r>
+                <a:r>
+                  <a:rPr lang="en-US" dirty="0">
+                    <a:solidFill>
+                      <a:schemeClr val="accent1"/>
+                    </a:solidFill>
+                  </a:rPr>
                   <a:t>terminates</a:t>
                 </a:r>
                 <a:r>
                   <a:rPr lang="en-US" dirty="0"/>
-                  <a:t> </a:t>
-                </a:r>
-                <a:r>
-                  <a:rPr lang="en-US" dirty="0" err="1"/>
-                  <a:t>returning</a:t>
+                  <a:t> returning that there is </a:t>
+                </a:r>
+                <a:r>
+                  <a:rPr lang="en-US" dirty="0">
+                    <a:solidFill>
+                      <a:schemeClr val="accent1"/>
+                    </a:solidFill>
+                  </a:rPr>
+                  <a:t>no feasible path </a:t>
                 </a:r>
                 <a:r>
                   <a:rPr lang="en-US" dirty="0"/>
-                  <a:t> </a:t>
-                </a:r>
-                <a:r>
-                  <a:rPr lang="en-US" dirty="0" err="1"/>
-                  <a:t>that</a:t>
-                </a:r>
-                <a:r>
-                  <a:rPr lang="en-US" dirty="0"/>
-                  <a:t> </a:t>
-                </a:r>
-                <a:r>
-                  <a:rPr lang="en-US" dirty="0" err="1"/>
-                  <a:t>there</a:t>
-                </a:r>
-                <a:r>
-                  <a:rPr lang="en-US" dirty="0"/>
-                  <a:t> </a:t>
-                </a:r>
-                <a:r>
-                  <a:rPr lang="en-US" dirty="0" err="1"/>
-                  <a:t>is</a:t>
-                </a:r>
-                <a:r>
-                  <a:rPr lang="en-US" dirty="0"/>
-                  <a:t> </a:t>
-                </a:r>
-                <a:r>
-                  <a:rPr lang="en-US" dirty="0" err="1"/>
-                  <a:t>no</a:t>
-                </a:r>
-                <a:r>
-                  <a:rPr lang="en-US" dirty="0"/>
-                  <a:t> </a:t>
-                </a:r>
-                <a:r>
-                  <a:rPr lang="en-US" dirty="0" err="1"/>
-                  <a:t>feasible</a:t>
-                </a:r>
-                <a:r>
-                  <a:rPr lang="en-US" dirty="0"/>
-                  <a:t> </a:t>
-                </a:r>
-                <a:r>
-                  <a:rPr lang="en-US" dirty="0" err="1"/>
-                  <a:t>path</a:t>
-                </a:r>
-                <a:r>
-                  <a:rPr lang="en-US" dirty="0"/>
-                  <a:t> </a:t>
-                </a:r>
-                <a:r>
-                  <a:rPr lang="en-US" dirty="0" err="1"/>
-                  <a:t>to</a:t>
-                </a:r>
-                <a:r>
-                  <a:rPr lang="en-US" dirty="0"/>
-                  <a:t> </a:t>
+                  <a:t>to </a:t>
                 </a:r>
                 <a14:m>
                   <m:oMath xmlns:m="http://schemas.openxmlformats.org/officeDocument/2006/math">
@@ -40804,10 +42163,17 @@
                 </a14:m>
                 <a:endParaRPr lang="en-US" dirty="0"/>
               </a:p>
+              <a:p>
+                <a:pPr lvl="2">
+                  <a:buFont typeface="Arial" panose="020B0604020202020204" pitchFamily="34" charset="0"/>
+                  <a:buChar char="•"/>
+                </a:pPr>
+                <a:endParaRPr lang="en-US" dirty="0"/>
+              </a:p>
             </p:txBody>
           </p:sp>
         </mc:Choice>
-        <mc:Fallback xmlns="">
+        <mc:Fallback>
           <p:sp>
             <p:nvSpPr>
               <p:cNvPr id="7" name="Textplatzhalter 6">
@@ -40828,7 +42194,7 @@
               <a:blipFill>
                 <a:blip r:embed="rId2"/>
                 <a:stretch>
-                  <a:fillRect l="-498" t="-1444"/>
+                  <a:fillRect l="-498" t="-1312"/>
                 </a:stretch>
               </a:blipFill>
             </p:spPr>
@@ -40837,7 +42203,7 @@
               <a:lstStyle/>
               <a:p>
                 <a:r>
-                  <a:rPr lang="en-US">
+                  <a:rPr lang="de-DE">
                     <a:noFill/>
                   </a:rPr>
                   <a:t> </a:t>
@@ -40850,7 +42216,7 @@
     </p:spTree>
     <p:extLst>
       <p:ext uri="{BB962C8B-B14F-4D97-AF65-F5344CB8AC3E}">
-        <p14:creationId xmlns:p14="http://schemas.microsoft.com/office/powerpoint/2010/main" val="3273605003"/>
+        <p14:creationId xmlns:p14="http://schemas.microsoft.com/office/powerpoint/2010/main" val="2893565352"/>
       </p:ext>
     </p:extLst>
   </p:cSld>
@@ -41038,50 +42404,37 @@
                   <a:t> </a:t>
                 </a:r>
                 <a:r>
-                  <a:rPr lang="en-US" dirty="0" err="1"/>
+                  <a:rPr lang="en-US" dirty="0">
+                    <a:solidFill>
+                      <a:schemeClr val="accent1"/>
+                    </a:solidFill>
+                  </a:rPr>
                   <a:t>No</a:t>
                 </a:r>
                 <a:r>
                   <a:rPr lang="en-US" dirty="0"/>
-                  <a:t> </a:t>
-                </a:r>
-                <a:r>
-                  <a:rPr lang="en-US" dirty="0" err="1"/>
-                  <a:t>more</a:t>
+                  <a:t> more </a:t>
+                </a:r>
+                <a:r>
+                  <a:rPr lang="en-US" dirty="0">
+                    <a:solidFill>
+                      <a:schemeClr val="accent1"/>
+                    </a:solidFill>
+                  </a:rPr>
+                  <a:t>propagation</a:t>
                 </a:r>
                 <a:r>
                   <a:rPr lang="en-US" dirty="0"/>
-                  <a:t> </a:t>
-                </a:r>
-                <a:r>
-                  <a:rPr lang="en-US" dirty="0" err="1"/>
-                  <a:t>propagation</a:t>
-                </a:r>
-                <a:r>
-                  <a:rPr lang="en-US" dirty="0"/>
-                  <a:t> </a:t>
-                </a:r>
-                <a:r>
-                  <a:rPr lang="en-US" dirty="0" err="1"/>
-                  <a:t>of</a:t>
-                </a:r>
-                <a:r>
-                  <a:rPr lang="en-US" dirty="0"/>
-                  <a:t> </a:t>
-                </a:r>
-                <a:r>
-                  <a:rPr lang="en-US" dirty="0" err="1"/>
-                  <a:t>learned</a:t>
-                </a:r>
-                <a:r>
-                  <a:rPr lang="en-US" dirty="0"/>
-                  <a:t> </a:t>
-                </a:r>
-                <a:r>
-                  <a:rPr lang="en-US" dirty="0" err="1"/>
-                  <a:t>information</a:t>
-                </a:r>
-                <a:endParaRPr lang="en-US" dirty="0"/>
+                  <a:t> of </a:t>
+                </a:r>
+                <a:r>
+                  <a:rPr lang="en-US" dirty="0">
+                    <a:solidFill>
+                      <a:schemeClr val="accent1"/>
+                    </a:solidFill>
+                  </a:rPr>
+                  <a:t>learned information</a:t>
+                </a:r>
               </a:p>
               <a:p>
                 <a:endParaRPr lang="en-US" dirty="0"/>
@@ -41089,7 +42442,27 @@
               <a:p>
                 <a:r>
                   <a:rPr lang="en-US" dirty="0"/>
-                  <a:t> Only checking for termination:</a:t>
+                  <a:t> </a:t>
+                </a:r>
+                <a:r>
+                  <a:rPr lang="en-US" dirty="0">
+                    <a:solidFill>
+                      <a:schemeClr val="accent1"/>
+                    </a:solidFill>
+                  </a:rPr>
+                  <a:t>Only</a:t>
+                </a:r>
+                <a:r>
+                  <a:rPr lang="en-US" dirty="0"/>
+                  <a:t> checking for </a:t>
+                </a:r>
+                <a:r>
+                  <a:rPr lang="en-US" dirty="0">
+                    <a:solidFill>
+                      <a:schemeClr val="accent1"/>
+                    </a:solidFill>
+                  </a:rPr>
+                  <a:t>termination</a:t>
                 </a:r>
               </a:p>
               <a:p>
@@ -41101,37 +42474,16 @@
                   <a:rPr lang="en-US" dirty="0">
                     <a:sym typeface="Wingdings" panose="05000000000000000000" pitchFamily="2" charset="2"/>
                   </a:rPr>
-                  <a:t> </a:t>
-                </a:r>
-                <a:r>
-                  <a:rPr lang="en-US" dirty="0" err="1">
+                  <a:t> Trying to find a </a:t>
+                </a:r>
+                <a:r>
+                  <a:rPr lang="en-US" dirty="0">
+                    <a:solidFill>
+                      <a:schemeClr val="accent1"/>
+                    </a:solidFill>
                     <a:sym typeface="Wingdings" panose="05000000000000000000" pitchFamily="2" charset="2"/>
                   </a:rPr>
-                  <a:t>Trying</a:t>
-                </a:r>
-                <a:r>
-                  <a:rPr lang="en-US" dirty="0">
-                    <a:sym typeface="Wingdings" panose="05000000000000000000" pitchFamily="2" charset="2"/>
-                  </a:rPr>
-                  <a:t> </a:t>
-                </a:r>
-                <a:r>
-                  <a:rPr lang="en-US" dirty="0" err="1">
-                    <a:sym typeface="Wingdings" panose="05000000000000000000" pitchFamily="2" charset="2"/>
-                  </a:rPr>
-                  <a:t>to</a:t>
-                </a:r>
-                <a:r>
-                  <a:rPr lang="en-US" dirty="0">
-                    <a:sym typeface="Wingdings" panose="05000000000000000000" pitchFamily="2" charset="2"/>
-                  </a:rPr>
-                  <a:t> find a global </a:t>
-                </a:r>
-                <a:r>
-                  <a:rPr lang="en-US" dirty="0" err="1">
-                    <a:sym typeface="Wingdings" panose="05000000000000000000" pitchFamily="2" charset="2"/>
-                  </a:rPr>
-                  <a:t>fixpoint</a:t>
+                  <a:t>global fixpoint</a:t>
                 </a:r>
                 <a:r>
                   <a:rPr lang="en-US" dirty="0">
@@ -41146,20 +42498,8 @@
                   <a:buChar char="•"/>
                 </a:pPr>
                 <a:r>
-                  <a:rPr lang="en-US" dirty="0" err="1"/>
-                  <a:t>Is</a:t>
-                </a:r>
-                <a:r>
                   <a:rPr lang="en-US" dirty="0"/>
-                  <a:t> </a:t>
-                </a:r>
-                <a:r>
-                  <a:rPr lang="en-US" dirty="0" err="1"/>
-                  <a:t>there</a:t>
-                </a:r>
-                <a:r>
-                  <a:rPr lang="en-US" dirty="0"/>
-                  <a:t> an </a:t>
+                  <a:t>Is there an </a:t>
                 </a:r>
                 <a14:m>
                   <m:oMath xmlns:m="http://schemas.openxmlformats.org/officeDocument/2006/math">
@@ -41329,15 +42669,12 @@
                 </a:pPr>
                 <a:r>
                   <a:rPr lang="en-US" dirty="0">
+                    <a:solidFill>
+                      <a:schemeClr val="accent1"/>
+                    </a:solidFill>
                     <a:sym typeface="Wingdings" panose="05000000000000000000" pitchFamily="2" charset="2"/>
                   </a:rPr>
-                  <a:t> </a:t>
-                </a:r>
-                <a:r>
-                  <a:rPr lang="en-US" dirty="0" err="1">
-                    <a:sym typeface="Wingdings" panose="05000000000000000000" pitchFamily="2" charset="2"/>
-                  </a:rPr>
-                  <a:t>No</a:t>
+                  <a:t> No</a:t>
                 </a:r>
                 <a:r>
                   <a:rPr lang="en-US" dirty="0">
@@ -41352,49 +42689,34 @@
                   <a:buChar char="•"/>
                 </a:pPr>
                 <a:r>
-                  <a:rPr lang="en-US" dirty="0" err="1"/>
-                  <a:t>Algorithm</a:t>
-                </a:r>
-                <a:r>
                   <a:rPr lang="en-US" dirty="0"/>
-                  <a:t> </a:t>
-                </a:r>
-                <a:r>
-                  <a:rPr lang="en-US" dirty="0" err="1"/>
+                  <a:t>Algorithm </a:t>
+                </a:r>
+                <a:r>
+                  <a:rPr lang="en-US" dirty="0">
+                    <a:solidFill>
+                      <a:schemeClr val="accent1"/>
+                    </a:solidFill>
+                  </a:rPr>
                   <a:t>continues</a:t>
                 </a:r>
                 <a:r>
                   <a:rPr lang="en-US" dirty="0"/>
-                  <a:t> </a:t>
-                </a:r>
-                <a:r>
-                  <a:rPr lang="en-US" dirty="0" err="1"/>
-                  <a:t>with</a:t>
-                </a:r>
-                <a:r>
-                  <a:rPr lang="en-US" dirty="0"/>
-                  <a:t> </a:t>
-                </a:r>
-                <a:r>
-                  <a:rPr lang="en-US" dirty="0" err="1"/>
-                  <a:t>the</a:t>
-                </a:r>
-                <a:r>
-                  <a:rPr lang="en-US" dirty="0"/>
-                  <a:t> </a:t>
-                </a:r>
-                <a:r>
-                  <a:rPr lang="en-US" dirty="0" err="1"/>
-                  <a:t>next</a:t>
-                </a:r>
-                <a:r>
-                  <a:rPr lang="en-US" dirty="0"/>
-                  <a:t> </a:t>
-                </a:r>
-                <a:r>
-                  <a:rPr lang="en-US" dirty="0" err="1"/>
-                  <a:t>level</a:t>
-                </a:r>
+                  <a:t> with the next level</a:t>
+                </a:r>
+              </a:p>
+              <a:p>
+                <a:pPr lvl="3">
+                  <a:buFont typeface="Arial" panose="020B0604020202020204" pitchFamily="34" charset="0"/>
+                  <a:buChar char="•"/>
+                </a:pPr>
+                <a:endParaRPr lang="en-US" dirty="0"/>
+              </a:p>
+              <a:p>
+                <a:pPr lvl="2">
+                  <a:buFont typeface="Arial" panose="020B0604020202020204" pitchFamily="34" charset="0"/>
+                  <a:buChar char="•"/>
+                </a:pPr>
                 <a:endParaRPr lang="en-US" dirty="0"/>
               </a:p>
             </p:txBody>
@@ -41421,7 +42743,7 @@
               <a:blipFill>
                 <a:blip r:embed="rId2"/>
                 <a:stretch>
-                  <a:fillRect l="-498" t="-1444"/>
+                  <a:fillRect l="-498" t="-1312"/>
                 </a:stretch>
               </a:blipFill>
             </p:spPr>
@@ -41430,7 +42752,7 @@
               <a:lstStyle/>
               <a:p>
                 <a:r>
-                  <a:rPr lang="en-US">
+                  <a:rPr lang="de-DE">
                     <a:noFill/>
                   </a:rPr>
                   <a:t> </a:t>
@@ -41443,7 +42765,7 @@
     </p:spTree>
     <p:extLst>
       <p:ext uri="{BB962C8B-B14F-4D97-AF65-F5344CB8AC3E}">
-        <p14:creationId xmlns:p14="http://schemas.microsoft.com/office/powerpoint/2010/main" val="3340197834"/>
+        <p14:creationId xmlns:p14="http://schemas.microsoft.com/office/powerpoint/2010/main" val="52647146"/>
       </p:ext>
     </p:extLst>
   </p:cSld>
@@ -41807,479 +43129,310 @@
           <a:lstStyle/>
           <a:p>
             <a:r>
-              <a:rPr lang="de-DE" dirty="0"/>
-              <a:t> </a:t>
-            </a:r>
-            <a:r>
-              <a:rPr lang="de-DE" dirty="0" err="1"/>
-              <a:t>Using</a:t>
-            </a:r>
-            <a:r>
-              <a:rPr lang="de-DE" dirty="0"/>
-              <a:t> </a:t>
-            </a:r>
-            <a:r>
-              <a:rPr lang="de-DE" dirty="0" err="1"/>
-              <a:t>the</a:t>
-            </a:r>
-            <a:r>
-              <a:rPr lang="de-DE" dirty="0"/>
-              <a:t> </a:t>
-            </a:r>
-            <a:r>
-              <a:rPr lang="de-DE" dirty="0" err="1"/>
-              <a:t>weakest</a:t>
-            </a:r>
-            <a:r>
-              <a:rPr lang="de-DE" dirty="0"/>
-              <a:t> </a:t>
-            </a:r>
-            <a:r>
-              <a:rPr lang="de-DE" dirty="0" err="1"/>
-              <a:t>precondition</a:t>
-            </a:r>
-            <a:r>
-              <a:rPr lang="de-DE" dirty="0"/>
+              <a:rPr lang="en-US" dirty="0"/>
+              <a:t> Using the </a:t>
+            </a:r>
+            <a:r>
+              <a:rPr lang="en-US" dirty="0">
+                <a:solidFill>
+                  <a:schemeClr val="accent1"/>
+                </a:solidFill>
+              </a:rPr>
+              <a:t>weakest precondition</a:t>
+            </a:r>
+            <a:r>
+              <a:rPr lang="en-US" dirty="0"/>
               <a:t>:</a:t>
             </a:r>
           </a:p>
           <a:p>
-            <a:pPr lvl="1"/>
-            <a:r>
-              <a:rPr lang="de-DE" dirty="0">
+            <a:pPr marL="274320" lvl="1" indent="0">
+              <a:buNone/>
+            </a:pPr>
+            <a:r>
+              <a:rPr lang="en-US" dirty="0">
+                <a:solidFill>
+                  <a:schemeClr val="accent1"/>
+                </a:solidFill>
                 <a:sym typeface="Wingdings" panose="05000000000000000000" pitchFamily="2" charset="2"/>
               </a:rPr>
-              <a:t> </a:t>
-            </a:r>
-            <a:r>
-              <a:rPr lang="de-DE" dirty="0" err="1">
-                <a:sym typeface="Wingdings" panose="05000000000000000000" pitchFamily="2" charset="2"/>
-              </a:rPr>
-              <a:t>Overapproximation</a:t>
-            </a:r>
-            <a:r>
-              <a:rPr lang="de-DE" dirty="0">
+              <a:t></a:t>
+            </a:r>
+            <a:r>
+              <a:rPr lang="en-US" dirty="0">
                 <a:sym typeface="Wingdings" panose="05000000000000000000" pitchFamily="2" charset="2"/>
               </a:rPr>
               <a:t> </a:t>
             </a:r>
             <a:r>
-              <a:rPr lang="de-DE" dirty="0" err="1">
+              <a:rPr lang="en-US" dirty="0">
+                <a:solidFill>
+                  <a:schemeClr val="accent1"/>
+                </a:solidFill>
                 <a:sym typeface="Wingdings" panose="05000000000000000000" pitchFamily="2" charset="2"/>
               </a:rPr>
-              <a:t>of</a:t>
-            </a:r>
-            <a:r>
-              <a:rPr lang="de-DE" dirty="0">
+              <a:t>Over approximation</a:t>
+            </a:r>
+            <a:r>
+              <a:rPr lang="en-US" dirty="0">
+                <a:sym typeface="Wingdings" panose="05000000000000000000" pitchFamily="2" charset="2"/>
+              </a:rPr>
+              <a:t> of predecessor states</a:t>
+            </a:r>
+          </a:p>
+          <a:p>
+            <a:pPr marL="274320" lvl="1" indent="0">
+              <a:buNone/>
+            </a:pPr>
+            <a:r>
+              <a:rPr lang="en-US" dirty="0">
+                <a:solidFill>
+                  <a:schemeClr val="accent1"/>
+                </a:solidFill>
+                <a:sym typeface="Wingdings" panose="05000000000000000000" pitchFamily="2" charset="2"/>
+              </a:rPr>
+              <a:t></a:t>
+            </a:r>
+            <a:r>
+              <a:rPr lang="en-US" dirty="0">
+                <a:sym typeface="Wingdings" panose="05000000000000000000" pitchFamily="2" charset="2"/>
+              </a:rPr>
+              <a:t> Algorithm does </a:t>
+            </a:r>
+            <a:r>
+              <a:rPr lang="en-US" dirty="0">
+                <a:solidFill>
+                  <a:schemeClr val="accent1"/>
+                </a:solidFill>
+                <a:sym typeface="Wingdings" panose="05000000000000000000" pitchFamily="2" charset="2"/>
+              </a:rPr>
+              <a:t>not need </a:t>
+            </a:r>
+            <a:r>
+              <a:rPr lang="en-US" dirty="0">
+                <a:sym typeface="Wingdings" panose="05000000000000000000" pitchFamily="2" charset="2"/>
+              </a:rPr>
+              <a:t>to </a:t>
+            </a:r>
+            <a:r>
+              <a:rPr lang="en-US" dirty="0">
+                <a:solidFill>
+                  <a:schemeClr val="accent1"/>
+                </a:solidFill>
+                <a:sym typeface="Wingdings" panose="05000000000000000000" pitchFamily="2" charset="2"/>
+              </a:rPr>
+              <a:t>generate</a:t>
+            </a:r>
+            <a:r>
+              <a:rPr lang="en-US" dirty="0">
+                <a:sym typeface="Wingdings" panose="05000000000000000000" pitchFamily="2" charset="2"/>
+              </a:rPr>
+              <a:t> an </a:t>
+            </a:r>
+            <a:r>
+              <a:rPr lang="en-US" dirty="0">
+                <a:solidFill>
+                  <a:schemeClr val="accent1"/>
+                </a:solidFill>
+                <a:sym typeface="Wingdings" panose="05000000000000000000" pitchFamily="2" charset="2"/>
+              </a:rPr>
+              <a:t>explicit proof-obligation</a:t>
+            </a:r>
+            <a:r>
+              <a:rPr lang="en-US" dirty="0">
+                <a:sym typeface="Wingdings" panose="05000000000000000000" pitchFamily="2" charset="2"/>
+              </a:rPr>
+              <a:t> for each predecessor state</a:t>
+            </a:r>
+          </a:p>
+          <a:p>
+            <a:pPr lvl="1"/>
+            <a:endParaRPr lang="en-US" dirty="0">
+              <a:sym typeface="Wingdings" panose="05000000000000000000" pitchFamily="2" charset="2"/>
+            </a:endParaRPr>
+          </a:p>
+          <a:p>
+            <a:r>
+              <a:rPr lang="en-US" dirty="0">
+                <a:sym typeface="Wingdings" panose="05000000000000000000" pitchFamily="2" charset="2"/>
+              </a:rPr>
+              <a:t> Using the </a:t>
+            </a:r>
+            <a:r>
+              <a:rPr lang="en-US" dirty="0">
+                <a:solidFill>
+                  <a:schemeClr val="accent1"/>
+                </a:solidFill>
+                <a:sym typeface="Wingdings" panose="05000000000000000000" pitchFamily="2" charset="2"/>
+              </a:rPr>
+              <a:t>disjunctive normal form</a:t>
+            </a:r>
+            <a:r>
+              <a:rPr lang="en-US" dirty="0">
+                <a:sym typeface="Wingdings" panose="05000000000000000000" pitchFamily="2" charset="2"/>
+              </a:rPr>
+              <a:t> (</a:t>
+            </a:r>
+            <a:r>
+              <a:rPr lang="en-US" dirty="0">
+                <a:solidFill>
+                  <a:schemeClr val="accent1"/>
+                </a:solidFill>
+                <a:sym typeface="Wingdings" panose="05000000000000000000" pitchFamily="2" charset="2"/>
+              </a:rPr>
+              <a:t>DNF</a:t>
+            </a:r>
+            <a:r>
+              <a:rPr lang="en-US" dirty="0">
+                <a:sym typeface="Wingdings" panose="05000000000000000000" pitchFamily="2" charset="2"/>
+              </a:rPr>
+              <a:t>):</a:t>
+            </a:r>
+          </a:p>
+          <a:p>
+            <a:pPr marL="274320" lvl="1" indent="0">
+              <a:buNone/>
+            </a:pPr>
+            <a:r>
+              <a:rPr lang="en-US" dirty="0">
+                <a:solidFill>
+                  <a:schemeClr val="accent1"/>
+                </a:solidFill>
+                <a:sym typeface="Wingdings" panose="05000000000000000000" pitchFamily="2" charset="2"/>
+              </a:rPr>
+              <a:t></a:t>
+            </a:r>
+            <a:r>
+              <a:rPr lang="en-US" dirty="0">
                 <a:sym typeface="Wingdings" panose="05000000000000000000" pitchFamily="2" charset="2"/>
               </a:rPr>
               <a:t> </a:t>
             </a:r>
             <a:r>
-              <a:rPr lang="de-DE" dirty="0" err="1">
+              <a:rPr lang="en-US" dirty="0">
+                <a:solidFill>
+                  <a:schemeClr val="accent1"/>
+                </a:solidFill>
                 <a:sym typeface="Wingdings" panose="05000000000000000000" pitchFamily="2" charset="2"/>
               </a:rPr>
-              <a:t>predecessor</a:t>
-            </a:r>
-            <a:r>
-              <a:rPr lang="de-DE" dirty="0">
+              <a:t>Negation</a:t>
+            </a:r>
+            <a:r>
+              <a:rPr lang="en-US" dirty="0">
+                <a:sym typeface="Wingdings" panose="05000000000000000000" pitchFamily="2" charset="2"/>
+              </a:rPr>
+              <a:t> of a </a:t>
+            </a:r>
+            <a:r>
+              <a:rPr lang="en-US" dirty="0">
+                <a:solidFill>
+                  <a:schemeClr val="accent1"/>
+                </a:solidFill>
+                <a:sym typeface="Wingdings" panose="05000000000000000000" pitchFamily="2" charset="2"/>
+              </a:rPr>
+              <a:t>cube</a:t>
+            </a:r>
+            <a:r>
+              <a:rPr lang="en-US" dirty="0">
+                <a:sym typeface="Wingdings" panose="05000000000000000000" pitchFamily="2" charset="2"/>
+              </a:rPr>
+              <a:t> is a </a:t>
+            </a:r>
+            <a:r>
+              <a:rPr lang="en-US" dirty="0">
+                <a:solidFill>
+                  <a:schemeClr val="accent1"/>
+                </a:solidFill>
+                <a:sym typeface="Wingdings" panose="05000000000000000000" pitchFamily="2" charset="2"/>
+              </a:rPr>
+              <a:t>clause</a:t>
+            </a:r>
+            <a:r>
+              <a:rPr lang="en-US" dirty="0">
+                <a:sym typeface="Wingdings" panose="05000000000000000000" pitchFamily="2" charset="2"/>
+              </a:rPr>
+              <a:t>:</a:t>
+            </a:r>
+          </a:p>
+          <a:p>
+            <a:pPr lvl="2">
+              <a:buFont typeface="Arial" panose="020B0604020202020204" pitchFamily="34" charset="0"/>
+              <a:buChar char="•"/>
+            </a:pPr>
+            <a:r>
+              <a:rPr lang="en-US" dirty="0">
+                <a:solidFill>
+                  <a:schemeClr val="accent1"/>
+                </a:solidFill>
+                <a:sym typeface="Wingdings" panose="05000000000000000000" pitchFamily="2" charset="2"/>
+              </a:rPr>
+              <a:t>Split</a:t>
+            </a:r>
+            <a:r>
+              <a:rPr lang="en-US" dirty="0">
                 <a:sym typeface="Wingdings" panose="05000000000000000000" pitchFamily="2" charset="2"/>
               </a:rPr>
               <a:t> </a:t>
             </a:r>
             <a:r>
-              <a:rPr lang="de-DE" dirty="0" err="1">
+              <a:rPr lang="en-US" dirty="0">
+                <a:solidFill>
+                  <a:schemeClr val="accent1"/>
+                </a:solidFill>
                 <a:sym typeface="Wingdings" panose="05000000000000000000" pitchFamily="2" charset="2"/>
               </a:rPr>
-              <a:t>states</a:t>
-            </a:r>
-            <a:endParaRPr lang="de-DE" dirty="0">
-              <a:sym typeface="Wingdings" panose="05000000000000000000" pitchFamily="2" charset="2"/>
-            </a:endParaRPr>
-          </a:p>
-          <a:p>
-            <a:pPr lvl="1"/>
-            <a:r>
-              <a:rPr lang="de-DE" dirty="0">
+              <a:t>large</a:t>
+            </a:r>
+            <a:r>
+              <a:rPr lang="en-US" dirty="0">
                 <a:sym typeface="Wingdings" panose="05000000000000000000" pitchFamily="2" charset="2"/>
               </a:rPr>
-              <a:t> </a:t>
-            </a:r>
-            <a:r>
-              <a:rPr lang="de-DE" dirty="0" err="1">
-                <a:sym typeface="Wingdings" panose="05000000000000000000" pitchFamily="2" charset="2"/>
-              </a:rPr>
-              <a:t>Algorithm</a:t>
-            </a:r>
-            <a:r>
-              <a:rPr lang="de-DE" dirty="0">
-                <a:sym typeface="Wingdings" panose="05000000000000000000" pitchFamily="2" charset="2"/>
-              </a:rPr>
-              <a:t> </a:t>
-            </a:r>
-            <a:r>
-              <a:rPr lang="de-DE" dirty="0" err="1">
-                <a:sym typeface="Wingdings" panose="05000000000000000000" pitchFamily="2" charset="2"/>
-              </a:rPr>
-              <a:t>does</a:t>
-            </a:r>
-            <a:r>
-              <a:rPr lang="de-DE" dirty="0">
-                <a:sym typeface="Wingdings" panose="05000000000000000000" pitchFamily="2" charset="2"/>
-              </a:rPr>
-              <a:t> not </a:t>
-            </a:r>
-            <a:r>
-              <a:rPr lang="de-DE" dirty="0" err="1">
-                <a:sym typeface="Wingdings" panose="05000000000000000000" pitchFamily="2" charset="2"/>
-              </a:rPr>
-              <a:t>need</a:t>
-            </a:r>
-            <a:r>
-              <a:rPr lang="de-DE" dirty="0">
-                <a:sym typeface="Wingdings" panose="05000000000000000000" pitchFamily="2" charset="2"/>
-              </a:rPr>
-              <a:t> </a:t>
-            </a:r>
-            <a:r>
-              <a:rPr lang="de-DE" dirty="0" err="1">
-                <a:sym typeface="Wingdings" panose="05000000000000000000" pitchFamily="2" charset="2"/>
-              </a:rPr>
-              <a:t>to</a:t>
-            </a:r>
-            <a:r>
-              <a:rPr lang="de-DE" dirty="0">
-                <a:sym typeface="Wingdings" panose="05000000000000000000" pitchFamily="2" charset="2"/>
-              </a:rPr>
-              <a:t> </a:t>
-            </a:r>
-            <a:r>
-              <a:rPr lang="de-DE" dirty="0" err="1">
-                <a:sym typeface="Wingdings" panose="05000000000000000000" pitchFamily="2" charset="2"/>
-              </a:rPr>
-              <a:t>generate</a:t>
-            </a:r>
-            <a:r>
-              <a:rPr lang="de-DE" dirty="0">
-                <a:sym typeface="Wingdings" panose="05000000000000000000" pitchFamily="2" charset="2"/>
-              </a:rPr>
-              <a:t> an explicit </a:t>
-            </a:r>
-            <a:r>
-              <a:rPr lang="de-DE" dirty="0" err="1">
-                <a:sym typeface="Wingdings" panose="05000000000000000000" pitchFamily="2" charset="2"/>
-              </a:rPr>
-              <a:t>proof</a:t>
-            </a:r>
-            <a:r>
-              <a:rPr lang="de-DE" dirty="0">
-                <a:sym typeface="Wingdings" panose="05000000000000000000" pitchFamily="2" charset="2"/>
-              </a:rPr>
-              <a:t>-obligation </a:t>
-            </a:r>
-            <a:r>
-              <a:rPr lang="de-DE" dirty="0" err="1">
-                <a:sym typeface="Wingdings" panose="05000000000000000000" pitchFamily="2" charset="2"/>
-              </a:rPr>
-              <a:t>for</a:t>
-            </a:r>
-            <a:r>
-              <a:rPr lang="de-DE" dirty="0">
-                <a:sym typeface="Wingdings" panose="05000000000000000000" pitchFamily="2" charset="2"/>
-              </a:rPr>
-              <a:t> </a:t>
-            </a:r>
-            <a:r>
-              <a:rPr lang="de-DE" dirty="0" err="1">
-                <a:sym typeface="Wingdings" panose="05000000000000000000" pitchFamily="2" charset="2"/>
-              </a:rPr>
-              <a:t>each</a:t>
-            </a:r>
-            <a:r>
-              <a:rPr lang="de-DE" dirty="0">
-                <a:sym typeface="Wingdings" panose="05000000000000000000" pitchFamily="2" charset="2"/>
-              </a:rPr>
-              <a:t> </a:t>
-            </a:r>
-            <a:r>
-              <a:rPr lang="de-DE" dirty="0" err="1">
-                <a:sym typeface="Wingdings" panose="05000000000000000000" pitchFamily="2" charset="2"/>
-              </a:rPr>
-              <a:t>predecessor</a:t>
-            </a:r>
-            <a:r>
-              <a:rPr lang="de-DE" dirty="0">
-                <a:sym typeface="Wingdings" panose="05000000000000000000" pitchFamily="2" charset="2"/>
-              </a:rPr>
-              <a:t> </a:t>
-            </a:r>
-            <a:r>
-              <a:rPr lang="de-DE" dirty="0" err="1">
-                <a:sym typeface="Wingdings" panose="05000000000000000000" pitchFamily="2" charset="2"/>
-              </a:rPr>
-              <a:t>state</a:t>
-            </a:r>
-            <a:endParaRPr lang="de-DE" dirty="0">
-              <a:sym typeface="Wingdings" panose="05000000000000000000" pitchFamily="2" charset="2"/>
-            </a:endParaRPr>
-          </a:p>
-          <a:p>
-            <a:pPr lvl="1"/>
-            <a:endParaRPr lang="de-DE" dirty="0">
-              <a:sym typeface="Wingdings" panose="05000000000000000000" pitchFamily="2" charset="2"/>
-            </a:endParaRPr>
-          </a:p>
-          <a:p>
-            <a:r>
-              <a:rPr lang="de-DE" dirty="0">
-                <a:sym typeface="Wingdings" panose="05000000000000000000" pitchFamily="2" charset="2"/>
-              </a:rPr>
-              <a:t> </a:t>
-            </a:r>
-            <a:r>
-              <a:rPr lang="de-DE" dirty="0" err="1">
-                <a:sym typeface="Wingdings" panose="05000000000000000000" pitchFamily="2" charset="2"/>
-              </a:rPr>
-              <a:t>Using</a:t>
-            </a:r>
-            <a:r>
-              <a:rPr lang="de-DE" dirty="0">
-                <a:sym typeface="Wingdings" panose="05000000000000000000" pitchFamily="2" charset="2"/>
-              </a:rPr>
-              <a:t> </a:t>
-            </a:r>
-            <a:r>
-              <a:rPr lang="de-DE" dirty="0" err="1">
-                <a:sym typeface="Wingdings" panose="05000000000000000000" pitchFamily="2" charset="2"/>
-              </a:rPr>
-              <a:t>the</a:t>
-            </a:r>
-            <a:r>
-              <a:rPr lang="de-DE" dirty="0">
-                <a:sym typeface="Wingdings" panose="05000000000000000000" pitchFamily="2" charset="2"/>
-              </a:rPr>
-              <a:t> </a:t>
-            </a:r>
-            <a:r>
-              <a:rPr lang="de-DE" dirty="0" err="1">
-                <a:sym typeface="Wingdings" panose="05000000000000000000" pitchFamily="2" charset="2"/>
-              </a:rPr>
-              <a:t>disjunctive</a:t>
-            </a:r>
-            <a:r>
-              <a:rPr lang="de-DE" dirty="0">
-                <a:sym typeface="Wingdings" panose="05000000000000000000" pitchFamily="2" charset="2"/>
-              </a:rPr>
-              <a:t> normal form (DNF):</a:t>
-            </a:r>
-          </a:p>
-          <a:p>
-            <a:pPr lvl="1"/>
-            <a:r>
-              <a:rPr lang="de-DE" dirty="0">
-                <a:sym typeface="Wingdings" panose="05000000000000000000" pitchFamily="2" charset="2"/>
-              </a:rPr>
-              <a:t> Negation </a:t>
-            </a:r>
-            <a:r>
-              <a:rPr lang="de-DE" dirty="0" err="1">
-                <a:sym typeface="Wingdings" panose="05000000000000000000" pitchFamily="2" charset="2"/>
-              </a:rPr>
-              <a:t>of</a:t>
-            </a:r>
-            <a:r>
-              <a:rPr lang="de-DE" dirty="0">
-                <a:sym typeface="Wingdings" panose="05000000000000000000" pitchFamily="2" charset="2"/>
-              </a:rPr>
-              <a:t> a </a:t>
-            </a:r>
-            <a:r>
-              <a:rPr lang="de-DE" dirty="0" err="1">
-                <a:sym typeface="Wingdings" panose="05000000000000000000" pitchFamily="2" charset="2"/>
-              </a:rPr>
-              <a:t>cube</a:t>
-            </a:r>
-            <a:r>
-              <a:rPr lang="de-DE" dirty="0">
-                <a:sym typeface="Wingdings" panose="05000000000000000000" pitchFamily="2" charset="2"/>
-              </a:rPr>
-              <a:t> </a:t>
-            </a:r>
-            <a:r>
-              <a:rPr lang="de-DE" dirty="0" err="1">
-                <a:sym typeface="Wingdings" panose="05000000000000000000" pitchFamily="2" charset="2"/>
-              </a:rPr>
-              <a:t>is</a:t>
-            </a:r>
-            <a:r>
-              <a:rPr lang="de-DE" dirty="0">
-                <a:sym typeface="Wingdings" panose="05000000000000000000" pitchFamily="2" charset="2"/>
-              </a:rPr>
-              <a:t> a </a:t>
-            </a:r>
-            <a:r>
-              <a:rPr lang="de-DE" dirty="0" err="1">
-                <a:sym typeface="Wingdings" panose="05000000000000000000" pitchFamily="2" charset="2"/>
-              </a:rPr>
-              <a:t>clause</a:t>
-            </a:r>
-            <a:endParaRPr lang="de-DE" dirty="0">
-              <a:sym typeface="Wingdings" panose="05000000000000000000" pitchFamily="2" charset="2"/>
-            </a:endParaRPr>
-          </a:p>
-          <a:p>
-            <a:pPr lvl="2"/>
-            <a:r>
-              <a:rPr lang="de-DE" dirty="0">
-                <a:sym typeface="Wingdings" panose="05000000000000000000" pitchFamily="2" charset="2"/>
-              </a:rPr>
-              <a:t> Split large </a:t>
-            </a:r>
-            <a:r>
-              <a:rPr lang="de-DE" dirty="0" err="1">
-                <a:sym typeface="Wingdings" panose="05000000000000000000" pitchFamily="2" charset="2"/>
-              </a:rPr>
-              <a:t>proof-obligations</a:t>
-            </a:r>
-            <a:r>
-              <a:rPr lang="de-DE" dirty="0">
-                <a:sym typeface="Wingdings" panose="05000000000000000000" pitchFamily="2" charset="2"/>
-              </a:rPr>
-              <a:t> </a:t>
-            </a:r>
-            <a:r>
-              <a:rPr lang="de-DE" dirty="0" err="1">
-                <a:sym typeface="Wingdings" panose="05000000000000000000" pitchFamily="2" charset="2"/>
-              </a:rPr>
-              <a:t>into</a:t>
-            </a:r>
-            <a:r>
-              <a:rPr lang="de-DE" dirty="0">
-                <a:sym typeface="Wingdings" panose="05000000000000000000" pitchFamily="2" charset="2"/>
-              </a:rPr>
-              <a:t> </a:t>
-            </a:r>
-            <a:r>
-              <a:rPr lang="de-DE" dirty="0" err="1">
+              <a:t> proof-obligations into </a:t>
+            </a:r>
+            <a:r>
+              <a:rPr lang="en-US" dirty="0">
+                <a:solidFill>
+                  <a:schemeClr val="accent1"/>
+                </a:solidFill>
                 <a:sym typeface="Wingdings" panose="05000000000000000000" pitchFamily="2" charset="2"/>
               </a:rPr>
               <a:t>smaller</a:t>
             </a:r>
             <a:r>
-              <a:rPr lang="de-DE" dirty="0">
+              <a:rPr lang="en-US" dirty="0">
                 <a:sym typeface="Wingdings" panose="05000000000000000000" pitchFamily="2" charset="2"/>
               </a:rPr>
-              <a:t> </a:t>
-            </a:r>
-            <a:r>
-              <a:rPr lang="de-DE" dirty="0" err="1">
+              <a:t> ones by taking each cube of the </a:t>
+            </a:r>
+            <a:r>
+              <a:rPr lang="en-US" dirty="0">
+                <a:solidFill>
+                  <a:schemeClr val="accent1"/>
+                </a:solidFill>
                 <a:sym typeface="Wingdings" panose="05000000000000000000" pitchFamily="2" charset="2"/>
               </a:rPr>
-              <a:t>ones</a:t>
-            </a:r>
-            <a:r>
-              <a:rPr lang="de-DE" dirty="0">
+              <a:t>DNF</a:t>
+            </a:r>
+            <a:r>
+              <a:rPr lang="en-US" dirty="0">
                 <a:sym typeface="Wingdings" panose="05000000000000000000" pitchFamily="2" charset="2"/>
               </a:rPr>
-              <a:t> </a:t>
-            </a:r>
-            <a:r>
-              <a:rPr lang="de-DE" dirty="0" err="1">
+              <a:t> as a 	      </a:t>
+            </a:r>
+            <a:r>
+              <a:rPr lang="en-US" dirty="0">
+                <a:solidFill>
+                  <a:schemeClr val="accent1"/>
+                </a:solidFill>
                 <a:sym typeface="Wingdings" panose="05000000000000000000" pitchFamily="2" charset="2"/>
               </a:rPr>
-              <a:t>by</a:t>
-            </a:r>
-            <a:r>
-              <a:rPr lang="de-DE" dirty="0">
-                <a:sym typeface="Wingdings" panose="05000000000000000000" pitchFamily="2" charset="2"/>
-              </a:rPr>
-              <a:t> </a:t>
-            </a:r>
-            <a:r>
-              <a:rPr lang="de-DE" dirty="0" err="1">
-                <a:sym typeface="Wingdings" panose="05000000000000000000" pitchFamily="2" charset="2"/>
-              </a:rPr>
-              <a:t>taking</a:t>
-            </a:r>
-            <a:r>
-              <a:rPr lang="de-DE" dirty="0">
-                <a:sym typeface="Wingdings" panose="05000000000000000000" pitchFamily="2" charset="2"/>
-              </a:rPr>
-              <a:t> </a:t>
-            </a:r>
-            <a:r>
-              <a:rPr lang="de-DE" dirty="0" err="1">
-                <a:sym typeface="Wingdings" panose="05000000000000000000" pitchFamily="2" charset="2"/>
-              </a:rPr>
-              <a:t>each</a:t>
-            </a:r>
-            <a:r>
-              <a:rPr lang="de-DE" dirty="0">
-                <a:sym typeface="Wingdings" panose="05000000000000000000" pitchFamily="2" charset="2"/>
-              </a:rPr>
-              <a:t> </a:t>
-            </a:r>
-            <a:r>
-              <a:rPr lang="de-DE" dirty="0" err="1">
-                <a:sym typeface="Wingdings" panose="05000000000000000000" pitchFamily="2" charset="2"/>
-              </a:rPr>
-              <a:t>cube</a:t>
-            </a:r>
-            <a:r>
-              <a:rPr lang="de-DE" dirty="0">
-                <a:sym typeface="Wingdings" panose="05000000000000000000" pitchFamily="2" charset="2"/>
-              </a:rPr>
-              <a:t> </a:t>
-            </a:r>
-            <a:r>
-              <a:rPr lang="de-DE" dirty="0" err="1">
-                <a:sym typeface="Wingdings" panose="05000000000000000000" pitchFamily="2" charset="2"/>
-              </a:rPr>
-              <a:t>of</a:t>
-            </a:r>
-            <a:r>
-              <a:rPr lang="de-DE" dirty="0">
-                <a:sym typeface="Wingdings" panose="05000000000000000000" pitchFamily="2" charset="2"/>
-              </a:rPr>
-              <a:t> </a:t>
-            </a:r>
-            <a:r>
-              <a:rPr lang="de-DE" dirty="0" err="1">
-                <a:sym typeface="Wingdings" panose="05000000000000000000" pitchFamily="2" charset="2"/>
-              </a:rPr>
-              <a:t>the</a:t>
-            </a:r>
-            <a:r>
-              <a:rPr lang="de-DE" dirty="0">
-                <a:sym typeface="Wingdings" panose="05000000000000000000" pitchFamily="2" charset="2"/>
-              </a:rPr>
-              <a:t> DNF </a:t>
-            </a:r>
-            <a:r>
-              <a:rPr lang="de-DE" dirty="0" err="1">
-                <a:sym typeface="Wingdings" panose="05000000000000000000" pitchFamily="2" charset="2"/>
-              </a:rPr>
-              <a:t>as</a:t>
-            </a:r>
-            <a:r>
-              <a:rPr lang="de-DE" dirty="0">
-                <a:sym typeface="Wingdings" panose="05000000000000000000" pitchFamily="2" charset="2"/>
-              </a:rPr>
-              <a:t> a 	      	  separate </a:t>
-            </a:r>
-            <a:r>
-              <a:rPr lang="de-DE" dirty="0" err="1">
-                <a:sym typeface="Wingdings" panose="05000000000000000000" pitchFamily="2" charset="2"/>
-              </a:rPr>
-              <a:t>proof</a:t>
-            </a:r>
-            <a:r>
-              <a:rPr lang="de-DE" dirty="0">
-                <a:sym typeface="Wingdings" panose="05000000000000000000" pitchFamily="2" charset="2"/>
-              </a:rPr>
-              <a:t>-obligation</a:t>
-            </a:r>
-            <a:endParaRPr lang="en-US" dirty="0"/>
+              <a:t>separate proof-obligation</a:t>
+            </a:r>
+            <a:endParaRPr lang="en-US" dirty="0">
+              <a:solidFill>
+                <a:schemeClr val="accent1"/>
+              </a:solidFill>
+            </a:endParaRPr>
           </a:p>
         </p:txBody>
       </p:sp>
@@ -42467,16 +43620,16 @@
           <a:lstStyle/>
           <a:p>
             <a:r>
-              <a:rPr lang="de-DE" dirty="0"/>
-              <a:t> </a:t>
-            </a:r>
-            <a:r>
-              <a:rPr lang="de-DE" dirty="0" err="1"/>
-              <a:t>Using</a:t>
-            </a:r>
-            <a:r>
-              <a:rPr lang="de-DE" dirty="0"/>
-              <a:t> Interpolation</a:t>
+              <a:rPr lang="en-US" dirty="0"/>
+              <a:t> Using </a:t>
+            </a:r>
+            <a:r>
+              <a:rPr lang="en-US" dirty="0">
+                <a:solidFill>
+                  <a:schemeClr val="accent1"/>
+                </a:solidFill>
+              </a:rPr>
+              <a:t>Interpolation</a:t>
             </a:r>
             <a:r>
               <a:rPr lang="en-US" dirty="0"/>
@@ -42486,91 +43639,14 @@
           <a:p>
             <a:pPr lvl="1"/>
             <a:r>
-              <a:rPr lang="de-DE" dirty="0"/>
-              <a:t> </a:t>
-            </a:r>
-            <a:r>
-              <a:rPr lang="de-DE" dirty="0" err="1"/>
-              <a:t>Instead</a:t>
-            </a:r>
-            <a:r>
-              <a:rPr lang="de-DE" dirty="0"/>
-              <a:t> </a:t>
-            </a:r>
-            <a:r>
-              <a:rPr lang="de-DE" dirty="0" err="1"/>
-              <a:t>of</a:t>
-            </a:r>
-            <a:r>
-              <a:rPr lang="de-DE" dirty="0"/>
-              <a:t> </a:t>
-            </a:r>
-            <a:r>
-              <a:rPr lang="de-DE" dirty="0" err="1"/>
-              <a:t>strengthening</a:t>
-            </a:r>
-            <a:r>
-              <a:rPr lang="de-DE" dirty="0"/>
-              <a:t> </a:t>
-            </a:r>
-            <a:r>
-              <a:rPr lang="de-DE" dirty="0" err="1"/>
-              <a:t>frames</a:t>
-            </a:r>
-            <a:r>
-              <a:rPr lang="de-DE" dirty="0"/>
-              <a:t> </a:t>
-            </a:r>
-            <a:r>
-              <a:rPr lang="de-DE" dirty="0" err="1"/>
-              <a:t>with</a:t>
-            </a:r>
-            <a:r>
-              <a:rPr lang="de-DE" dirty="0"/>
-              <a:t> </a:t>
-            </a:r>
-            <a:r>
-              <a:rPr lang="de-DE" dirty="0" err="1"/>
-              <a:t>the</a:t>
-            </a:r>
-            <a:r>
-              <a:rPr lang="de-DE" dirty="0"/>
-              <a:t> </a:t>
-            </a:r>
-            <a:r>
-              <a:rPr lang="de-DE" dirty="0" err="1"/>
-              <a:t>negated</a:t>
-            </a:r>
-            <a:r>
-              <a:rPr lang="de-DE" dirty="0"/>
-              <a:t> </a:t>
-            </a:r>
-            <a:r>
-              <a:rPr lang="de-DE" dirty="0" err="1"/>
-              <a:t>proof</a:t>
-            </a:r>
-            <a:r>
-              <a:rPr lang="de-DE" dirty="0"/>
-              <a:t>-obligation, </a:t>
-            </a:r>
-            <a:r>
-              <a:rPr lang="de-DE" dirty="0" err="1"/>
-              <a:t>compute</a:t>
-            </a:r>
-            <a:r>
-              <a:rPr lang="de-DE" dirty="0"/>
-              <a:t> an </a:t>
-            </a:r>
-            <a:r>
-              <a:rPr lang="de-DE" dirty="0" err="1"/>
-              <a:t>interpolant</a:t>
-            </a:r>
-            <a:endParaRPr lang="de-DE" dirty="0"/>
+              <a:rPr lang="en-US" dirty="0"/>
+              <a:t> Instead of strengthening frames with the negated proof-obligation, compute an interpolant</a:t>
+            </a:r>
           </a:p>
           <a:p>
             <a:pPr lvl="1"/>
             <a:r>
-              <a:rPr lang="de-DE" dirty="0">
+              <a:rPr lang="en-US" dirty="0">
                 <a:solidFill>
                   <a:srgbClr val="FF0000"/>
                 </a:solidFill>
@@ -42578,7 +43654,7 @@
               <a:t> @</a:t>
             </a:r>
             <a:r>
-              <a:rPr lang="de-DE" dirty="0" err="1">
+              <a:rPr lang="en-US" dirty="0" err="1">
                 <a:solidFill>
                   <a:srgbClr val="FF0000"/>
                 </a:solidFill>
@@ -42586,7 +43662,7 @@
               <a:t>ToDo</a:t>
             </a:r>
             <a:r>
-              <a:rPr lang="de-DE" dirty="0">
+              <a:rPr lang="en-US" dirty="0">
                 <a:solidFill>
                   <a:srgbClr val="FF0000"/>
                 </a:solidFill>
@@ -43148,17 +44224,12 @@
           <a:p>
             <a:r>
               <a:rPr lang="en-US" dirty="0"/>
-              <a:t>4.2 Implementation</a:t>
-            </a:r>
-            <a:r>
-              <a:rPr lang="en-US"/>
-              <a:t>: </a:t>
-            </a:r>
-            <a:r>
-              <a:rPr lang="en-US" b="0"/>
+              <a:t>4.2 Implementation: </a:t>
+            </a:r>
+            <a:r>
+              <a:rPr lang="en-US" b="0" dirty="0"/>
               <a:t>CEGAR-Scheme with PDR</a:t>
             </a:r>
-            <a:endParaRPr lang="en-US" b="0" dirty="0"/>
           </a:p>
         </p:txBody>
       </p:sp>
@@ -44892,12 +45963,221 @@
           </a:p>
         </p:txBody>
       </p:sp>
+      <mc:AlternateContent xmlns:mc="http://schemas.openxmlformats.org/markup-compatibility/2006">
+        <mc:Choice xmlns:a14="http://schemas.microsoft.com/office/drawing/2010/main" Requires="a14">
+          <p:sp>
+            <p:nvSpPr>
+              <p:cNvPr id="6" name="Textplatzhalter 5">
+                <a:extLst>
+                  <a:ext uri="{FF2B5EF4-FFF2-40B4-BE49-F238E27FC236}">
+                    <a16:creationId xmlns:a16="http://schemas.microsoft.com/office/drawing/2014/main" id="{09137662-A8C9-4B37-9538-3F1333A13A77}"/>
+                  </a:ext>
+                </a:extLst>
+              </p:cNvPr>
+              <p:cNvSpPr>
+                <a:spLocks noGrp="1"/>
+              </p:cNvSpPr>
+              <p:nvPr>
+                <p:ph type="body" sz="quarter" idx="13"/>
+              </p:nvPr>
+            </p:nvSpPr>
+            <p:spPr/>
+            <p:txBody>
+              <a:bodyPr/>
+              <a:lstStyle/>
+              <a:p>
+                <a:r>
+                  <a:rPr lang="en-US" dirty="0"/>
+                  <a:t> </a:t>
+                </a:r>
+                <a:r>
+                  <a:rPr lang="en-US" dirty="0">
+                    <a:solidFill>
+                      <a:schemeClr val="accent1"/>
+                    </a:solidFill>
+                  </a:rPr>
+                  <a:t>Bit-Blasting</a:t>
+                </a:r>
+                <a:r>
+                  <a:rPr lang="en-US" dirty="0"/>
+                  <a:t>:</a:t>
+                </a:r>
+              </a:p>
+              <a:p>
+                <a:pPr lvl="1"/>
+                <a:r>
+                  <a:rPr lang="en-US" dirty="0"/>
+                  <a:t> Encode variables as </a:t>
+                </a:r>
+                <a:r>
+                  <a:rPr lang="en-US" dirty="0" err="1">
+                    <a:solidFill>
+                      <a:schemeClr val="accent1"/>
+                    </a:solidFill>
+                  </a:rPr>
+                  <a:t>bitvectors</a:t>
+                </a:r>
+                <a:endParaRPr lang="en-US" dirty="0">
+                  <a:solidFill>
+                    <a:schemeClr val="accent1"/>
+                  </a:solidFill>
+                </a:endParaRPr>
+              </a:p>
+              <a:p>
+                <a:pPr lvl="1"/>
+                <a:r>
+                  <a:rPr lang="en-US" dirty="0"/>
+                  <a:t> Use </a:t>
+                </a:r>
+                <a:r>
+                  <a:rPr lang="en-US" dirty="0">
+                    <a:solidFill>
+                      <a:schemeClr val="accent1"/>
+                    </a:solidFill>
+                  </a:rPr>
+                  <a:t>new variable </a:t>
+                </a:r>
+                <a14:m>
+                  <m:oMath xmlns:m="http://schemas.openxmlformats.org/officeDocument/2006/math">
+                    <m:r>
+                      <a:rPr lang="en-US" b="0" i="1" smtClean="0">
+                        <a:latin typeface="Cambria Math" panose="02040503050406030204" pitchFamily="18" charset="0"/>
+                      </a:rPr>
+                      <m:t>𝑝𝑐</m:t>
+                    </m:r>
+                  </m:oMath>
+                </a14:m>
+                <a:r>
+                  <a:rPr lang="en-US" dirty="0"/>
+                  <a:t> to keep track of </a:t>
+                </a:r>
+                <a:r>
+                  <a:rPr lang="en-US" dirty="0">
+                    <a:solidFill>
+                      <a:schemeClr val="accent1"/>
+                    </a:solidFill>
+                  </a:rPr>
+                  <a:t>program location</a:t>
+                </a:r>
+              </a:p>
+              <a:p>
+                <a:pPr lvl="1"/>
+                <a:r>
+                  <a:rPr lang="en-US" dirty="0"/>
+                  <a:t> Use </a:t>
+                </a:r>
+                <a:r>
+                  <a:rPr lang="en-US" dirty="0">
+                    <a:solidFill>
+                      <a:schemeClr val="accent1"/>
+                    </a:solidFill>
+                  </a:rPr>
+                  <a:t>unmodified hardware PDR </a:t>
+                </a:r>
+                <a:r>
+                  <a:rPr lang="en-US" dirty="0"/>
+                  <a:t>algorithm on that</a:t>
+                </a:r>
+              </a:p>
+              <a:p>
+                <a:pPr marL="274320" lvl="1" indent="0">
+                  <a:buNone/>
+                </a:pPr>
+                <a:r>
+                  <a:rPr lang="en-US" dirty="0">
+                    <a:solidFill>
+                      <a:schemeClr val="accent1"/>
+                    </a:solidFill>
+                    <a:sym typeface="Wingdings" panose="05000000000000000000" pitchFamily="2" charset="2"/>
+                  </a:rPr>
+                  <a:t></a:t>
+                </a:r>
+                <a:r>
+                  <a:rPr lang="en-US" dirty="0">
+                    <a:sym typeface="Wingdings" panose="05000000000000000000" pitchFamily="2" charset="2"/>
+                  </a:rPr>
+                  <a:t> </a:t>
+                </a:r>
+                <a:r>
+                  <a:rPr lang="en-US" dirty="0">
+                    <a:solidFill>
+                      <a:schemeClr val="accent1"/>
+                    </a:solidFill>
+                    <a:sym typeface="Wingdings" panose="05000000000000000000" pitchFamily="2" charset="2"/>
+                  </a:rPr>
+                  <a:t>Drawback</a:t>
+                </a:r>
+                <a:r>
+                  <a:rPr lang="en-US" dirty="0">
+                    <a:sym typeface="Wingdings" panose="05000000000000000000" pitchFamily="2" charset="2"/>
+                  </a:rPr>
+                  <a:t>: tedious handling of </a:t>
+                </a:r>
+                <a14:m>
+                  <m:oMath xmlns:m="http://schemas.openxmlformats.org/officeDocument/2006/math">
+                    <m:r>
+                      <a:rPr lang="en-US" b="0" i="1" smtClean="0">
+                        <a:latin typeface="Cambria Math" panose="02040503050406030204" pitchFamily="18" charset="0"/>
+                        <a:sym typeface="Wingdings" panose="05000000000000000000" pitchFamily="2" charset="2"/>
+                      </a:rPr>
+                      <m:t>𝑝𝑐</m:t>
+                    </m:r>
+                  </m:oMath>
+                </a14:m>
+                <a:r>
+                  <a:rPr lang="en-US" dirty="0"/>
+                  <a:t> variable</a:t>
+                </a:r>
+              </a:p>
+            </p:txBody>
+          </p:sp>
+        </mc:Choice>
+        <mc:Fallback>
+          <p:sp>
+            <p:nvSpPr>
+              <p:cNvPr id="6" name="Textplatzhalter 5">
+                <a:extLst>
+                  <a:ext uri="{FF2B5EF4-FFF2-40B4-BE49-F238E27FC236}">
+                    <a16:creationId xmlns:a16="http://schemas.microsoft.com/office/drawing/2014/main" id="{09137662-A8C9-4B37-9538-3F1333A13A77}"/>
+                  </a:ext>
+                </a:extLst>
+              </p:cNvPr>
+              <p:cNvSpPr>
+                <a:spLocks noGrp="1" noRot="1" noChangeAspect="1" noMove="1" noResize="1" noEditPoints="1" noAdjustHandles="1" noChangeArrowheads="1" noChangeShapeType="1" noTextEdit="1"/>
+              </p:cNvSpPr>
+              <p:nvPr>
+                <p:ph type="body" sz="quarter" idx="13"/>
+              </p:nvPr>
+            </p:nvSpPr>
+            <p:spPr>
+              <a:blipFill>
+                <a:blip r:embed="rId3"/>
+                <a:stretch>
+                  <a:fillRect l="-498" t="-1637"/>
+                </a:stretch>
+              </a:blipFill>
+            </p:spPr>
+            <p:txBody>
+              <a:bodyPr/>
+              <a:lstStyle/>
+              <a:p>
+                <a:r>
+                  <a:rPr lang="de-DE">
+                    <a:noFill/>
+                  </a:rPr>
+                  <a:t> </a:t>
+                </a:r>
+              </a:p>
+            </p:txBody>
+          </p:sp>
+        </mc:Fallback>
+      </mc:AlternateContent>
       <p:sp>
         <p:nvSpPr>
-          <p:cNvPr id="6" name="Textplatzhalter 5">
+          <p:cNvPr id="7" name="Textplatzhalter 6">
             <a:extLst>
               <a:ext uri="{FF2B5EF4-FFF2-40B4-BE49-F238E27FC236}">
-                <a16:creationId xmlns:a16="http://schemas.microsoft.com/office/drawing/2014/main" id="{09137662-A8C9-4B37-9538-3F1333A13A77}"/>
+                <a16:creationId xmlns:a16="http://schemas.microsoft.com/office/drawing/2014/main" id="{1240335A-C99C-4576-9B96-26F2C0E95901}"/>
               </a:ext>
             </a:extLst>
           </p:cNvPr>
@@ -44905,7 +46185,7 @@
             <a:spLocks noGrp="1"/>
           </p:cNvSpPr>
           <p:nvPr>
-            <p:ph type="body" sz="quarter" idx="13"/>
+            <p:ph type="body" sz="quarter" idx="14"/>
           </p:nvPr>
         </p:nvSpPr>
         <p:spPr/>
@@ -44913,7 +46193,25 @@
           <a:bodyPr/>
           <a:lstStyle/>
           <a:p>
-            <a:endParaRPr lang="en-US"/>
+            <a:r>
+              <a:rPr lang="en-US" dirty="0"/>
+              <a:t> There are several </a:t>
+            </a:r>
+            <a:r>
+              <a:rPr lang="en-US" dirty="0">
+                <a:solidFill>
+                  <a:schemeClr val="accent1"/>
+                </a:solidFill>
+              </a:rPr>
+              <a:t>other techniques </a:t>
+            </a:r>
+            <a:r>
+              <a:rPr lang="en-US" dirty="0"/>
+              <a:t>of using PDR on software:</a:t>
+            </a:r>
+          </a:p>
+          <a:p>
+            <a:endParaRPr lang="en-US" dirty="0"/>
           </a:p>
         </p:txBody>
       </p:sp>
@@ -44964,7 +46262,7 @@
           <p:cNvPr id="2" name="Titel 1">
             <a:extLst>
               <a:ext uri="{FF2B5EF4-FFF2-40B4-BE49-F238E27FC236}">
-                <a16:creationId xmlns:a16="http://schemas.microsoft.com/office/drawing/2014/main" id="{258F9DE9-7431-495F-AD93-EEA178EDD70F}"/>
+                <a16:creationId xmlns:a16="http://schemas.microsoft.com/office/drawing/2014/main" id="{D8764DBC-B712-48E9-93A7-926F17740E4A}"/>
               </a:ext>
             </a:extLst>
           </p:cNvPr>
@@ -44984,7 +46282,7 @@
           <a:p>
             <a:r>
               <a:rPr lang="en-US" noProof="0" dirty="0"/>
-              <a:t>Overview</a:t>
+              <a:t>6. Related Work</a:t>
             </a:r>
           </a:p>
         </p:txBody>
@@ -44994,7 +46292,7 @@
           <p:cNvPr id="3" name="Datumsplatzhalter 2">
             <a:extLst>
               <a:ext uri="{FF2B5EF4-FFF2-40B4-BE49-F238E27FC236}">
-                <a16:creationId xmlns:a16="http://schemas.microsoft.com/office/drawing/2014/main" id="{000E5BF3-EE16-4A3A-9AC2-C8097A1631D5}"/>
+                <a16:creationId xmlns:a16="http://schemas.microsoft.com/office/drawing/2014/main" id="{B4DC9AE1-56AD-42B8-830D-FDA82C17FACE}"/>
               </a:ext>
             </a:extLst>
           </p:cNvPr>
@@ -45012,9 +46310,10 @@
           <a:p>
             <a:pPr algn="r"/>
             <a:r>
-              <a:rPr lang="de-DE" noProof="0" dirty="0"/>
+              <a:rPr lang="de-DE" noProof="0"/>
               <a:t>28.8.18</a:t>
             </a:r>
+            <a:endParaRPr lang="de-DE" noProof="0" dirty="0"/>
           </a:p>
         </p:txBody>
       </p:sp>
@@ -45023,7 +46322,7 @@
           <p:cNvPr id="4" name="Fußzeilenplatzhalter 3">
             <a:extLst>
               <a:ext uri="{FF2B5EF4-FFF2-40B4-BE49-F238E27FC236}">
-                <a16:creationId xmlns:a16="http://schemas.microsoft.com/office/drawing/2014/main" id="{1CE74D54-9888-488A-8C5A-F53E42E541BE}"/>
+                <a16:creationId xmlns:a16="http://schemas.microsoft.com/office/drawing/2014/main" id="{08DD6017-78C2-4FC8-BD43-1619E5A77B09}"/>
               </a:ext>
             </a:extLst>
           </p:cNvPr>
@@ -45049,7 +46348,7 @@
           <p:cNvPr id="5" name="Foliennummernplatzhalter 4">
             <a:extLst>
               <a:ext uri="{FF2B5EF4-FFF2-40B4-BE49-F238E27FC236}">
-                <a16:creationId xmlns:a16="http://schemas.microsoft.com/office/drawing/2014/main" id="{02087F13-7305-43B7-A46E-958A431D74B0}"/>
+                <a16:creationId xmlns:a16="http://schemas.microsoft.com/office/drawing/2014/main" id="{60D445DA-54CD-4D61-AC48-0C699153EAE6}"/>
               </a:ext>
             </a:extLst>
           </p:cNvPr>
@@ -45066,9 +46365,10 @@
           <a:lstStyle/>
           <a:p>
             <a:r>
-              <a:rPr lang="de-DE" noProof="0" dirty="0"/>
+              <a:rPr lang="de-DE" noProof="0"/>
               <a:t>‹Nr.›</a:t>
             </a:r>
+            <a:endParaRPr lang="de-DE" noProof="0" dirty="0"/>
           </a:p>
         </p:txBody>
       </p:sp>
@@ -45077,7 +46377,7 @@
           <p:cNvPr id="6" name="Textplatzhalter 5">
             <a:extLst>
               <a:ext uri="{FF2B5EF4-FFF2-40B4-BE49-F238E27FC236}">
-                <a16:creationId xmlns:a16="http://schemas.microsoft.com/office/drawing/2014/main" id="{CE598EF9-AE99-495E-AB14-B855EF4AB994}"/>
+                <a16:creationId xmlns:a16="http://schemas.microsoft.com/office/drawing/2014/main" id="{09137662-A8C9-4B37-9538-3F1333A13A77}"/>
               </a:ext>
             </a:extLst>
           </p:cNvPr>
@@ -45093,133 +46393,98 @@
           <a:bodyPr/>
           <a:lstStyle/>
           <a:p>
-            <a:pPr marL="457200" indent="-457200">
-              <a:buFont typeface="+mj-lt"/>
-              <a:buAutoNum type="arabicPeriod"/>
-            </a:pPr>
-            <a:r>
-              <a:rPr lang="en-US" noProof="0" dirty="0">
+            <a:r>
+              <a:rPr lang="en-US" dirty="0"/>
+              <a:t> Using Abstract Reachability Trees (ART):</a:t>
+            </a:r>
+          </a:p>
+          <a:p>
+            <a:pPr lvl="1"/>
+            <a:r>
+              <a:rPr lang="en-US" dirty="0"/>
+              <a:t> Exploiting the partitioning of program’s state space by unwinding the CFG into an ART</a:t>
+            </a:r>
+          </a:p>
+          <a:p>
+            <a:pPr lvl="1"/>
+            <a:r>
+              <a:rPr lang="en-US" dirty="0">
                 <a:solidFill>
-                  <a:schemeClr val="bg1">
-                    <a:lumMod val="75000"/>
-                  </a:schemeClr>
+                  <a:srgbClr val="FF0000"/>
                 </a:solidFill>
               </a:rPr>
-              <a:t> Introduction</a:t>
-            </a:r>
-          </a:p>
-          <a:p>
-            <a:pPr marL="457200" indent="-457200">
-              <a:buFont typeface="+mj-lt"/>
-              <a:buAutoNum type="arabicPeriod"/>
-            </a:pPr>
-            <a:r>
-              <a:rPr lang="en-US" noProof="0" dirty="0">
+              <a:t> @</a:t>
+            </a:r>
+            <a:r>
+              <a:rPr lang="en-US" dirty="0" err="1">
                 <a:solidFill>
-                  <a:schemeClr val="bg1">
-                    <a:lumMod val="75000"/>
-                  </a:schemeClr>
+                  <a:srgbClr val="FF0000"/>
                 </a:solidFill>
               </a:rPr>
-              <a:t> Background: PDR on Hardware</a:t>
-            </a:r>
-          </a:p>
-          <a:p>
-            <a:pPr marL="457200" indent="-457200">
-              <a:buFont typeface="+mj-lt"/>
-              <a:buAutoNum type="arabicPeriod"/>
-            </a:pPr>
-            <a:r>
-              <a:rPr lang="en-US" noProof="0" dirty="0">
+              <a:t>ToDo</a:t>
+            </a:r>
+            <a:r>
+              <a:rPr lang="en-US" dirty="0">
                 <a:solidFill>
-                  <a:schemeClr val="bg1">
-                    <a:lumMod val="75000"/>
-                  </a:schemeClr>
+                  <a:srgbClr val="FF0000"/>
                 </a:solidFill>
               </a:rPr>
-              <a:t> PDR on Software</a:t>
-            </a:r>
-          </a:p>
-          <a:p>
-            <a:pPr marL="457200" indent="-457200">
-              <a:buFont typeface="+mj-lt"/>
-              <a:buAutoNum type="arabicPeriod"/>
-            </a:pPr>
-            <a:r>
-              <a:rPr lang="en-US" noProof="0" dirty="0">
+              <a:t>: introducing ARTs and how </a:t>
+            </a:r>
+            <a:r>
+              <a:rPr lang="en-US" dirty="0" err="1">
                 <a:solidFill>
-                  <a:schemeClr val="bg1">
-                    <a:lumMod val="75000"/>
-                  </a:schemeClr>
+                  <a:srgbClr val="FF0000"/>
                 </a:solidFill>
               </a:rPr>
-              <a:t> Implementation in Ultimate</a:t>
-            </a:r>
-          </a:p>
-          <a:p>
-            <a:pPr marL="457200" indent="-457200">
-              <a:buFont typeface="+mj-lt"/>
-              <a:buAutoNum type="arabicPeriod"/>
-            </a:pPr>
-            <a:r>
-              <a:rPr lang="en-US" noProof="0" dirty="0">
+              <a:t>algo</a:t>
+            </a:r>
+            <a:r>
+              <a:rPr lang="en-US" dirty="0">
                 <a:solidFill>
-                  <a:schemeClr val="bg1">
-                    <a:lumMod val="75000"/>
-                  </a:schemeClr>
+                  <a:srgbClr val="FF0000"/>
                 </a:solidFill>
               </a:rPr>
-              <a:t> Evaluation</a:t>
-            </a:r>
-          </a:p>
-          <a:p>
-            <a:pPr marL="457200" indent="-457200">
-              <a:buFont typeface="+mj-lt"/>
-              <a:buAutoNum type="arabicPeriod"/>
-            </a:pPr>
-            <a:r>
-              <a:rPr lang="en-US" noProof="0" dirty="0">
-                <a:solidFill>
-                  <a:schemeClr val="bg1">
-                    <a:lumMod val="75000"/>
-                  </a:schemeClr>
-                </a:solidFill>
-              </a:rPr>
-              <a:t> Related Work</a:t>
-            </a:r>
-          </a:p>
-          <a:p>
-            <a:pPr marL="457200" indent="-457200">
-              <a:buFont typeface="+mj-lt"/>
-              <a:buAutoNum type="arabicPeriod"/>
-            </a:pPr>
-            <a:r>
-              <a:rPr lang="en-US" noProof="0" dirty="0"/>
-              <a:t> Future Work</a:t>
-            </a:r>
-          </a:p>
-          <a:p>
-            <a:pPr marL="457200" indent="-457200">
-              <a:buFont typeface="+mj-lt"/>
-              <a:buAutoNum type="arabicPeriod"/>
-            </a:pPr>
-            <a:r>
-              <a:rPr lang="en-US" noProof="0" dirty="0">
-                <a:solidFill>
-                  <a:schemeClr val="bg1">
-                    <a:lumMod val="75000"/>
-                  </a:schemeClr>
-                </a:solidFill>
-              </a:rPr>
-              <a:t> Conclusion</a:t>
-            </a:r>
+              <a:t> works</a:t>
+            </a:r>
+          </a:p>
+        </p:txBody>
+      </p:sp>
+      <p:sp>
+        <p:nvSpPr>
+          <p:cNvPr id="7" name="Textplatzhalter 6">
+            <a:extLst>
+              <a:ext uri="{FF2B5EF4-FFF2-40B4-BE49-F238E27FC236}">
+                <a16:creationId xmlns:a16="http://schemas.microsoft.com/office/drawing/2014/main" id="{1240335A-C99C-4576-9B96-26F2C0E95901}"/>
+              </a:ext>
+            </a:extLst>
+          </p:cNvPr>
+          <p:cNvSpPr>
+            <a:spLocks noGrp="1"/>
+          </p:cNvSpPr>
+          <p:nvPr>
+            <p:ph type="body" sz="quarter" idx="14"/>
+          </p:nvPr>
+        </p:nvSpPr>
+        <p:spPr/>
+        <p:txBody>
+          <a:bodyPr/>
+          <a:lstStyle/>
+          <a:p>
+            <a:r>
+              <a:rPr lang="en-US" dirty="0"/>
+              <a:t> There are several other techniques of using PDR on software:</a:t>
+            </a:r>
+          </a:p>
+          <a:p>
+            <a:endParaRPr lang="en-US" dirty="0"/>
           </a:p>
         </p:txBody>
       </p:sp>
     </p:spTree>
     <p:extLst>
       <p:ext uri="{BB962C8B-B14F-4D97-AF65-F5344CB8AC3E}">
-        <p14:creationId xmlns:p14="http://schemas.microsoft.com/office/powerpoint/2010/main" val="1775252008"/>
+        <p14:creationId xmlns:p14="http://schemas.microsoft.com/office/powerpoint/2010/main" val="870308946"/>
       </p:ext>
     </p:extLst>
   </p:cSld>
@@ -45263,7 +46528,7 @@
           <p:cNvPr id="2" name="Titel 1">
             <a:extLst>
               <a:ext uri="{FF2B5EF4-FFF2-40B4-BE49-F238E27FC236}">
-                <a16:creationId xmlns:a16="http://schemas.microsoft.com/office/drawing/2014/main" id="{FEE42046-CEB7-407C-83C9-233A406884FF}"/>
+                <a16:creationId xmlns:a16="http://schemas.microsoft.com/office/drawing/2014/main" id="{258F9DE9-7431-495F-AD93-EEA178EDD70F}"/>
               </a:ext>
             </a:extLst>
           </p:cNvPr>
@@ -45283,7 +46548,7 @@
           <a:p>
             <a:r>
               <a:rPr lang="en-US" noProof="0" dirty="0"/>
-              <a:t>7.1 Implementing Further Improvements</a:t>
+              <a:t>Overview</a:t>
             </a:r>
           </a:p>
         </p:txBody>
@@ -45293,7 +46558,7 @@
           <p:cNvPr id="3" name="Datumsplatzhalter 2">
             <a:extLst>
               <a:ext uri="{FF2B5EF4-FFF2-40B4-BE49-F238E27FC236}">
-                <a16:creationId xmlns:a16="http://schemas.microsoft.com/office/drawing/2014/main" id="{C895FC0F-5452-4C1B-95E6-6FB8A156638B}"/>
+                <a16:creationId xmlns:a16="http://schemas.microsoft.com/office/drawing/2014/main" id="{000E5BF3-EE16-4A3A-9AC2-C8097A1631D5}"/>
               </a:ext>
             </a:extLst>
           </p:cNvPr>
@@ -45311,10 +46576,9 @@
           <a:p>
             <a:pPr algn="r"/>
             <a:r>
-              <a:rPr lang="de-DE" noProof="0"/>
+              <a:rPr lang="de-DE" noProof="0" dirty="0"/>
               <a:t>28.8.18</a:t>
             </a:r>
-            <a:endParaRPr lang="de-DE" noProof="0" dirty="0"/>
           </a:p>
         </p:txBody>
       </p:sp>
@@ -45323,7 +46587,7 @@
           <p:cNvPr id="4" name="Fußzeilenplatzhalter 3">
             <a:extLst>
               <a:ext uri="{FF2B5EF4-FFF2-40B4-BE49-F238E27FC236}">
-                <a16:creationId xmlns:a16="http://schemas.microsoft.com/office/drawing/2014/main" id="{DAF29A85-0E28-4F1C-887E-D7DD725564C4}"/>
+                <a16:creationId xmlns:a16="http://schemas.microsoft.com/office/drawing/2014/main" id="{1CE74D54-9888-488A-8C5A-F53E42E541BE}"/>
               </a:ext>
             </a:extLst>
           </p:cNvPr>
@@ -45349,7 +46613,7 @@
           <p:cNvPr id="5" name="Foliennummernplatzhalter 4">
             <a:extLst>
               <a:ext uri="{FF2B5EF4-FFF2-40B4-BE49-F238E27FC236}">
-                <a16:creationId xmlns:a16="http://schemas.microsoft.com/office/drawing/2014/main" id="{5F68C3A7-3B62-4CFC-95C9-5D8C234AF74A}"/>
+                <a16:creationId xmlns:a16="http://schemas.microsoft.com/office/drawing/2014/main" id="{02087F13-7305-43B7-A46E-958A431D74B0}"/>
               </a:ext>
             </a:extLst>
           </p:cNvPr>
@@ -45366,10 +46630,9 @@
           <a:lstStyle/>
           <a:p>
             <a:r>
-              <a:rPr lang="de-DE" noProof="0"/>
+              <a:rPr lang="de-DE" noProof="0" dirty="0"/>
               <a:t>‹Nr.›</a:t>
             </a:r>
-            <a:endParaRPr lang="de-DE" noProof="0" dirty="0"/>
           </a:p>
         </p:txBody>
       </p:sp>
@@ -45378,7 +46641,7 @@
           <p:cNvPr id="6" name="Textplatzhalter 5">
             <a:extLst>
               <a:ext uri="{FF2B5EF4-FFF2-40B4-BE49-F238E27FC236}">
-                <a16:creationId xmlns:a16="http://schemas.microsoft.com/office/drawing/2014/main" id="{C943C053-DB4E-4D12-87C0-6463BD5ABB73}"/>
+                <a16:creationId xmlns:a16="http://schemas.microsoft.com/office/drawing/2014/main" id="{CE598EF9-AE99-495E-AB14-B855EF4AB994}"/>
               </a:ext>
             </a:extLst>
           </p:cNvPr>
@@ -45394,14 +46657,133 @@
           <a:bodyPr/>
           <a:lstStyle/>
           <a:p>
-            <a:endParaRPr lang="en-US"/>
+            <a:pPr marL="457200" indent="-457200">
+              <a:buFont typeface="+mj-lt"/>
+              <a:buAutoNum type="arabicPeriod"/>
+            </a:pPr>
+            <a:r>
+              <a:rPr lang="en-US" noProof="0" dirty="0">
+                <a:solidFill>
+                  <a:schemeClr val="bg1">
+                    <a:lumMod val="75000"/>
+                  </a:schemeClr>
+                </a:solidFill>
+              </a:rPr>
+              <a:t> Introduction</a:t>
+            </a:r>
+          </a:p>
+          <a:p>
+            <a:pPr marL="457200" indent="-457200">
+              <a:buFont typeface="+mj-lt"/>
+              <a:buAutoNum type="arabicPeriod"/>
+            </a:pPr>
+            <a:r>
+              <a:rPr lang="en-US" noProof="0" dirty="0">
+                <a:solidFill>
+                  <a:schemeClr val="bg1">
+                    <a:lumMod val="75000"/>
+                  </a:schemeClr>
+                </a:solidFill>
+              </a:rPr>
+              <a:t> Background: PDR on Hardware</a:t>
+            </a:r>
+          </a:p>
+          <a:p>
+            <a:pPr marL="457200" indent="-457200">
+              <a:buFont typeface="+mj-lt"/>
+              <a:buAutoNum type="arabicPeriod"/>
+            </a:pPr>
+            <a:r>
+              <a:rPr lang="en-US" noProof="0" dirty="0">
+                <a:solidFill>
+                  <a:schemeClr val="bg1">
+                    <a:lumMod val="75000"/>
+                  </a:schemeClr>
+                </a:solidFill>
+              </a:rPr>
+              <a:t> PDR on Software</a:t>
+            </a:r>
+          </a:p>
+          <a:p>
+            <a:pPr marL="457200" indent="-457200">
+              <a:buFont typeface="+mj-lt"/>
+              <a:buAutoNum type="arabicPeriod"/>
+            </a:pPr>
+            <a:r>
+              <a:rPr lang="en-US" noProof="0" dirty="0">
+                <a:solidFill>
+                  <a:schemeClr val="bg1">
+                    <a:lumMod val="75000"/>
+                  </a:schemeClr>
+                </a:solidFill>
+              </a:rPr>
+              <a:t> Implementation in Ultimate</a:t>
+            </a:r>
+          </a:p>
+          <a:p>
+            <a:pPr marL="457200" indent="-457200">
+              <a:buFont typeface="+mj-lt"/>
+              <a:buAutoNum type="arabicPeriod"/>
+            </a:pPr>
+            <a:r>
+              <a:rPr lang="en-US" noProof="0" dirty="0">
+                <a:solidFill>
+                  <a:schemeClr val="bg1">
+                    <a:lumMod val="75000"/>
+                  </a:schemeClr>
+                </a:solidFill>
+              </a:rPr>
+              <a:t> Evaluation</a:t>
+            </a:r>
+          </a:p>
+          <a:p>
+            <a:pPr marL="457200" indent="-457200">
+              <a:buFont typeface="+mj-lt"/>
+              <a:buAutoNum type="arabicPeriod"/>
+            </a:pPr>
+            <a:r>
+              <a:rPr lang="en-US" noProof="0" dirty="0">
+                <a:solidFill>
+                  <a:schemeClr val="bg1">
+                    <a:lumMod val="75000"/>
+                  </a:schemeClr>
+                </a:solidFill>
+              </a:rPr>
+              <a:t> Related Work</a:t>
+            </a:r>
+          </a:p>
+          <a:p>
+            <a:pPr marL="457200" indent="-457200">
+              <a:buFont typeface="+mj-lt"/>
+              <a:buAutoNum type="arabicPeriod"/>
+            </a:pPr>
+            <a:r>
+              <a:rPr lang="en-US" noProof="0" dirty="0"/>
+              <a:t> Future Work</a:t>
+            </a:r>
+          </a:p>
+          <a:p>
+            <a:pPr marL="457200" indent="-457200">
+              <a:buFont typeface="+mj-lt"/>
+              <a:buAutoNum type="arabicPeriod"/>
+            </a:pPr>
+            <a:r>
+              <a:rPr lang="en-US" noProof="0" dirty="0">
+                <a:solidFill>
+                  <a:schemeClr val="bg1">
+                    <a:lumMod val="75000"/>
+                  </a:schemeClr>
+                </a:solidFill>
+              </a:rPr>
+              <a:t> Conclusion</a:t>
+            </a:r>
           </a:p>
         </p:txBody>
       </p:sp>
     </p:spTree>
     <p:extLst>
       <p:ext uri="{BB962C8B-B14F-4D97-AF65-F5344CB8AC3E}">
-        <p14:creationId xmlns:p14="http://schemas.microsoft.com/office/powerpoint/2010/main" val="2540749696"/>
+        <p14:creationId xmlns:p14="http://schemas.microsoft.com/office/powerpoint/2010/main" val="1775252008"/>
       </p:ext>
     </p:extLst>
   </p:cSld>
@@ -45445,7 +46827,7 @@
           <p:cNvPr id="2" name="Titel 1">
             <a:extLst>
               <a:ext uri="{FF2B5EF4-FFF2-40B4-BE49-F238E27FC236}">
-                <a16:creationId xmlns:a16="http://schemas.microsoft.com/office/drawing/2014/main" id="{258F9DE9-7431-495F-AD93-EEA178EDD70F}"/>
+                <a16:creationId xmlns:a16="http://schemas.microsoft.com/office/drawing/2014/main" id="{FEE42046-CEB7-407C-83C9-233A406884FF}"/>
               </a:ext>
             </a:extLst>
           </p:cNvPr>
@@ -45465,7 +46847,7 @@
           <a:p>
             <a:r>
               <a:rPr lang="en-US" noProof="0" dirty="0"/>
-              <a:t>Overview</a:t>
+              <a:t>7.1 Implementing Further Improvements</a:t>
             </a:r>
           </a:p>
         </p:txBody>
@@ -45475,7 +46857,7 @@
           <p:cNvPr id="3" name="Datumsplatzhalter 2">
             <a:extLst>
               <a:ext uri="{FF2B5EF4-FFF2-40B4-BE49-F238E27FC236}">
-                <a16:creationId xmlns:a16="http://schemas.microsoft.com/office/drawing/2014/main" id="{000E5BF3-EE16-4A3A-9AC2-C8097A1631D5}"/>
+                <a16:creationId xmlns:a16="http://schemas.microsoft.com/office/drawing/2014/main" id="{C895FC0F-5452-4C1B-95E6-6FB8A156638B}"/>
               </a:ext>
             </a:extLst>
           </p:cNvPr>
@@ -45493,9 +46875,10 @@
           <a:p>
             <a:pPr algn="r"/>
             <a:r>
-              <a:rPr lang="de-DE" noProof="0" dirty="0"/>
+              <a:rPr lang="de-DE" noProof="0"/>
               <a:t>28.8.18</a:t>
             </a:r>
+            <a:endParaRPr lang="de-DE" noProof="0" dirty="0"/>
           </a:p>
         </p:txBody>
       </p:sp>
@@ -45504,7 +46887,7 @@
           <p:cNvPr id="4" name="Fußzeilenplatzhalter 3">
             <a:extLst>
               <a:ext uri="{FF2B5EF4-FFF2-40B4-BE49-F238E27FC236}">
-                <a16:creationId xmlns:a16="http://schemas.microsoft.com/office/drawing/2014/main" id="{1CE74D54-9888-488A-8C5A-F53E42E541BE}"/>
+                <a16:creationId xmlns:a16="http://schemas.microsoft.com/office/drawing/2014/main" id="{DAF29A85-0E28-4F1C-887E-D7DD725564C4}"/>
               </a:ext>
             </a:extLst>
           </p:cNvPr>
@@ -45530,7 +46913,7 @@
           <p:cNvPr id="5" name="Foliennummernplatzhalter 4">
             <a:extLst>
               <a:ext uri="{FF2B5EF4-FFF2-40B4-BE49-F238E27FC236}">
-                <a16:creationId xmlns:a16="http://schemas.microsoft.com/office/drawing/2014/main" id="{02087F13-7305-43B7-A46E-958A431D74B0}"/>
+                <a16:creationId xmlns:a16="http://schemas.microsoft.com/office/drawing/2014/main" id="{5F68C3A7-3B62-4CFC-95C9-5D8C234AF74A}"/>
               </a:ext>
             </a:extLst>
           </p:cNvPr>
@@ -45547,18 +46930,19 @@
           <a:lstStyle/>
           <a:p>
             <a:r>
-              <a:rPr lang="de-DE" noProof="0" dirty="0"/>
+              <a:rPr lang="de-DE" noProof="0"/>
               <a:t>‹Nr.›</a:t>
             </a:r>
+            <a:endParaRPr lang="de-DE" noProof="0" dirty="0"/>
           </a:p>
         </p:txBody>
       </p:sp>
       <p:sp>
         <p:nvSpPr>
-          <p:cNvPr id="6" name="Textplatzhalter 5">
+          <p:cNvPr id="7" name="Textplatzhalter 6">
             <a:extLst>
               <a:ext uri="{FF2B5EF4-FFF2-40B4-BE49-F238E27FC236}">
-                <a16:creationId xmlns:a16="http://schemas.microsoft.com/office/drawing/2014/main" id="{CE598EF9-AE99-495E-AB14-B855EF4AB994}"/>
+                <a16:creationId xmlns:a16="http://schemas.microsoft.com/office/drawing/2014/main" id="{E3CCBB98-1718-419D-A951-3F3C2F0C2349}"/>
               </a:ext>
             </a:extLst>
           </p:cNvPr>
@@ -45574,135 +46958,81 @@
           <a:bodyPr/>
           <a:lstStyle/>
           <a:p>
-            <a:pPr marL="457200" indent="-457200">
-              <a:buFont typeface="+mj-lt"/>
-              <a:buAutoNum type="arabicPeriod"/>
-            </a:pPr>
-            <a:r>
-              <a:rPr lang="en-US" noProof="0" dirty="0">
+            <a:r>
+              <a:rPr lang="en-US" dirty="0"/>
+              <a:t> </a:t>
+            </a:r>
+            <a:r>
+              <a:rPr lang="en-US" dirty="0">
                 <a:solidFill>
-                  <a:schemeClr val="bg1">
-                    <a:lumMod val="75000"/>
-                  </a:schemeClr>
+                  <a:schemeClr val="accent1"/>
                 </a:solidFill>
               </a:rPr>
-              <a:t> Introduction</a:t>
-            </a:r>
-          </a:p>
-          <a:p>
-            <a:pPr marL="457200" indent="-457200">
-              <a:buFont typeface="+mj-lt"/>
-              <a:buAutoNum type="arabicPeriod"/>
+              <a:t>Interpolation</a:t>
+            </a:r>
+            <a:r>
+              <a:rPr lang="en-US" dirty="0"/>
+              <a:t>:</a:t>
+            </a:r>
+          </a:p>
+          <a:p>
+            <a:pPr lvl="1"/>
+            <a:r>
+              <a:rPr lang="en-US" dirty="0"/>
+              <a:t> Ultimate already supports ways of computing interpolants</a:t>
+            </a:r>
+          </a:p>
+          <a:p>
+            <a:pPr lvl="1">
+              <a:buFont typeface="Wingdings" panose="05000000000000000000" pitchFamily="2" charset="2"/>
+              <a:buChar char="è"/>
             </a:pPr>
             <a:r>
-              <a:rPr lang="en-US" noProof="0" dirty="0">
-                <a:solidFill>
-                  <a:schemeClr val="bg1">
-                    <a:lumMod val="75000"/>
-                  </a:schemeClr>
-                </a:solidFill>
+              <a:rPr lang="en-US" dirty="0">
+                <a:sym typeface="Wingdings" panose="05000000000000000000" pitchFamily="2" charset="2"/>
               </a:rPr>
-              <a:t> Background: PDR on Hardware</a:t>
-            </a:r>
-          </a:p>
-          <a:p>
-            <a:pPr marL="457200" indent="-457200">
-              <a:buFont typeface="+mj-lt"/>
-              <a:buAutoNum type="arabicPeriod"/>
+              <a:t> Instead of strengthening frames with negated proof-obligation, add interpolant</a:t>
+            </a:r>
+          </a:p>
+          <a:p>
+            <a:pPr lvl="1">
+              <a:buFont typeface="Wingdings" panose="05000000000000000000" pitchFamily="2" charset="2"/>
+              <a:buChar char="è"/>
             </a:pPr>
             <a:r>
-              <a:rPr lang="en-US" noProof="0" dirty="0">
-                <a:solidFill>
-                  <a:schemeClr val="bg1">
-                    <a:lumMod val="75000"/>
-                  </a:schemeClr>
-                </a:solidFill>
+              <a:rPr lang="en-US" dirty="0">
+                <a:sym typeface="Wingdings" panose="05000000000000000000" pitchFamily="2" charset="2"/>
               </a:rPr>
-              <a:t> PDR on Software</a:t>
-            </a:r>
-          </a:p>
-          <a:p>
-            <a:pPr marL="457200" indent="-457200">
-              <a:buFont typeface="+mj-lt"/>
-              <a:buAutoNum type="arabicPeriod"/>
-            </a:pPr>
-            <a:r>
-              <a:rPr lang="en-US" noProof="0" dirty="0">
-                <a:solidFill>
-                  <a:schemeClr val="bg1">
-                    <a:lumMod val="75000"/>
-                  </a:schemeClr>
-                </a:solidFill>
-              </a:rPr>
-              <a:t> Implementation in Ultimate</a:t>
-            </a:r>
-          </a:p>
-          <a:p>
-            <a:pPr marL="457200" indent="-457200">
-              <a:buFont typeface="+mj-lt"/>
-              <a:buAutoNum type="arabicPeriod"/>
-            </a:pPr>
-            <a:r>
-              <a:rPr lang="en-US" noProof="0" dirty="0">
-                <a:solidFill>
-                  <a:schemeClr val="bg1">
-                    <a:lumMod val="75000"/>
-                  </a:schemeClr>
-                </a:solidFill>
-              </a:rPr>
-              <a:t> Evaluation</a:t>
-            </a:r>
-          </a:p>
-          <a:p>
-            <a:pPr marL="457200" indent="-457200">
-              <a:buFont typeface="+mj-lt"/>
-              <a:buAutoNum type="arabicPeriod"/>
-            </a:pPr>
-            <a:r>
-              <a:rPr lang="en-US" noProof="0" dirty="0">
-                <a:solidFill>
-                  <a:schemeClr val="bg1">
-                    <a:lumMod val="75000"/>
-                  </a:schemeClr>
-                </a:solidFill>
-              </a:rPr>
-              <a:t> Related Work</a:t>
-            </a:r>
-          </a:p>
-          <a:p>
-            <a:pPr marL="457200" indent="-457200">
-              <a:buFont typeface="+mj-lt"/>
-              <a:buAutoNum type="arabicPeriod"/>
-            </a:pPr>
-            <a:r>
-              <a:rPr lang="en-US" noProof="0" dirty="0">
-                <a:solidFill>
-                  <a:schemeClr val="bg1">
-                    <a:lumMod val="75000"/>
-                  </a:schemeClr>
-                </a:solidFill>
-              </a:rPr>
-              <a:t> Future Work</a:t>
-            </a:r>
-          </a:p>
-          <a:p>
-            <a:pPr marL="457200" indent="-457200">
-              <a:buFont typeface="+mj-lt"/>
-              <a:buAutoNum type="arabicPeriod"/>
-            </a:pPr>
-            <a:r>
-              <a:rPr lang="en-US" noProof="0" dirty="0">
-                <a:solidFill>
-                  <a:schemeClr val="bg1">
-                    <a:lumMod val="75000"/>
-                  </a:schemeClr>
-                </a:solidFill>
-              </a:rPr>
-              <a:t> </a:t>
-            </a:r>
-            <a:r>
-              <a:rPr lang="en-US" noProof="0" dirty="0"/>
-              <a:t>Conclusion</a:t>
+              <a:t> Helps with loops</a:t>
+            </a:r>
+            <a:endParaRPr lang="en-US" dirty="0"/>
+          </a:p>
+        </p:txBody>
+      </p:sp>
+      <p:sp>
+        <p:nvSpPr>
+          <p:cNvPr id="8" name="Textplatzhalter 7">
+            <a:extLst>
+              <a:ext uri="{FF2B5EF4-FFF2-40B4-BE49-F238E27FC236}">
+                <a16:creationId xmlns:a16="http://schemas.microsoft.com/office/drawing/2014/main" id="{E4D30246-4BAC-4700-871D-3FE9AA6398B7}"/>
+              </a:ext>
+            </a:extLst>
+          </p:cNvPr>
+          <p:cNvSpPr>
+            <a:spLocks noGrp="1"/>
+          </p:cNvSpPr>
+          <p:nvPr>
+            <p:ph type="body" sz="quarter" idx="14"/>
+          </p:nvPr>
+        </p:nvSpPr>
+        <p:spPr/>
+        <p:txBody>
+          <a:bodyPr/>
+          <a:lstStyle/>
+          <a:p>
+            <a:r>
+              <a:rPr lang="en-US" dirty="0"/>
+              <a:t> There are possible ways to make our PDR algorithm more efficient:</a:t>
             </a:r>
           </a:p>
         </p:txBody>
@@ -45710,7 +47040,7 @@
     </p:spTree>
     <p:extLst>
       <p:ext uri="{BB962C8B-B14F-4D97-AF65-F5344CB8AC3E}">
-        <p14:creationId xmlns:p14="http://schemas.microsoft.com/office/powerpoint/2010/main" val="1604303624"/>
+        <p14:creationId xmlns:p14="http://schemas.microsoft.com/office/powerpoint/2010/main" val="2540749696"/>
       </p:ext>
     </p:extLst>
   </p:cSld>
@@ -45754,7 +47084,7 @@
           <p:cNvPr id="2" name="Titel 1">
             <a:extLst>
               <a:ext uri="{FF2B5EF4-FFF2-40B4-BE49-F238E27FC236}">
-                <a16:creationId xmlns:a16="http://schemas.microsoft.com/office/drawing/2014/main" id="{80CA55E8-942A-4B6D-AA27-41A867385C32}"/>
+                <a16:creationId xmlns:a16="http://schemas.microsoft.com/office/drawing/2014/main" id="{FEE42046-CEB7-407C-83C9-233A406884FF}"/>
               </a:ext>
             </a:extLst>
           </p:cNvPr>
@@ -45774,7 +47104,7 @@
           <a:p>
             <a:r>
               <a:rPr lang="en-US" noProof="0" dirty="0"/>
-              <a:t>8. Conclusion</a:t>
+              <a:t>7.1 Implementing Further Improvements</a:t>
             </a:r>
           </a:p>
         </p:txBody>
@@ -45784,7 +47114,7 @@
           <p:cNvPr id="3" name="Datumsplatzhalter 2">
             <a:extLst>
               <a:ext uri="{FF2B5EF4-FFF2-40B4-BE49-F238E27FC236}">
-                <a16:creationId xmlns:a16="http://schemas.microsoft.com/office/drawing/2014/main" id="{A794DD83-A8FB-422D-B27B-921519862F6F}"/>
+                <a16:creationId xmlns:a16="http://schemas.microsoft.com/office/drawing/2014/main" id="{C895FC0F-5452-4C1B-95E6-6FB8A156638B}"/>
               </a:ext>
             </a:extLst>
           </p:cNvPr>
@@ -45814,7 +47144,7 @@
           <p:cNvPr id="4" name="Fußzeilenplatzhalter 3">
             <a:extLst>
               <a:ext uri="{FF2B5EF4-FFF2-40B4-BE49-F238E27FC236}">
-                <a16:creationId xmlns:a16="http://schemas.microsoft.com/office/drawing/2014/main" id="{A5A13B36-BDD7-4A07-B10F-98D40DA3BD03}"/>
+                <a16:creationId xmlns:a16="http://schemas.microsoft.com/office/drawing/2014/main" id="{DAF29A85-0E28-4F1C-887E-D7DD725564C4}"/>
               </a:ext>
             </a:extLst>
           </p:cNvPr>
@@ -45840,7 +47170,7 @@
           <p:cNvPr id="5" name="Foliennummernplatzhalter 4">
             <a:extLst>
               <a:ext uri="{FF2B5EF4-FFF2-40B4-BE49-F238E27FC236}">
-                <a16:creationId xmlns:a16="http://schemas.microsoft.com/office/drawing/2014/main" id="{E717477E-49AC-42D2-B75C-18E15FD20C29}"/>
+                <a16:creationId xmlns:a16="http://schemas.microsoft.com/office/drawing/2014/main" id="{5F68C3A7-3B62-4CFC-95C9-5D8C234AF74A}"/>
               </a:ext>
             </a:extLst>
           </p:cNvPr>
@@ -45866,10 +47196,10 @@
       </p:sp>
       <p:sp>
         <p:nvSpPr>
-          <p:cNvPr id="6" name="Textplatzhalter 5">
+          <p:cNvPr id="7" name="Textplatzhalter 6">
             <a:extLst>
               <a:ext uri="{FF2B5EF4-FFF2-40B4-BE49-F238E27FC236}">
-                <a16:creationId xmlns:a16="http://schemas.microsoft.com/office/drawing/2014/main" id="{5CC4491B-8ED2-4B7A-9DFD-E23376F5BCE6}"/>
+                <a16:creationId xmlns:a16="http://schemas.microsoft.com/office/drawing/2014/main" id="{E3CCBB98-1718-419D-A951-3F3C2F0C2349}"/>
               </a:ext>
             </a:extLst>
           </p:cNvPr>
@@ -45885,14 +47215,195 @@
           <a:bodyPr/>
           <a:lstStyle/>
           <a:p>
-            <a:endParaRPr lang="en-US"/>
+            <a:r>
+              <a:rPr lang="en-US" dirty="0"/>
+              <a:t> </a:t>
+            </a:r>
+            <a:r>
+              <a:rPr lang="en-US" dirty="0">
+                <a:solidFill>
+                  <a:schemeClr val="accent1"/>
+                </a:solidFill>
+              </a:rPr>
+              <a:t>Dealing with procedures</a:t>
+            </a:r>
+            <a:r>
+              <a:rPr lang="en-US" dirty="0"/>
+              <a:t>:</a:t>
+            </a:r>
+          </a:p>
+          <a:p>
+            <a:pPr lvl="1"/>
+            <a:r>
+              <a:rPr lang="en-US" dirty="0"/>
+              <a:t> Ultimate verifies C programs that contain </a:t>
+            </a:r>
+            <a:r>
+              <a:rPr lang="en-US" dirty="0">
+                <a:solidFill>
+                  <a:schemeClr val="accent1"/>
+                </a:solidFill>
+              </a:rPr>
+              <a:t>procedure calls</a:t>
+            </a:r>
+          </a:p>
+          <a:p>
+            <a:pPr lvl="1">
+              <a:buFont typeface="Wingdings" panose="05000000000000000000" pitchFamily="2" charset="2"/>
+              <a:buChar char="è"/>
+            </a:pPr>
+            <a:r>
+              <a:rPr lang="en-US" dirty="0">
+                <a:sym typeface="Wingdings" panose="05000000000000000000" pitchFamily="2" charset="2"/>
+              </a:rPr>
+              <a:t> Our algorithm</a:t>
+            </a:r>
+            <a:r>
+              <a:rPr lang="en-US" dirty="0"/>
+              <a:t> </a:t>
+            </a:r>
+            <a:r>
+              <a:rPr lang="en-US" dirty="0">
+                <a:solidFill>
+                  <a:schemeClr val="accent1"/>
+                </a:solidFill>
+              </a:rPr>
+              <a:t>cannot deal </a:t>
+            </a:r>
+            <a:r>
+              <a:rPr lang="en-US" dirty="0"/>
+              <a:t>with them:</a:t>
+            </a:r>
+          </a:p>
+          <a:p>
+            <a:pPr lvl="2">
+              <a:buFont typeface="Arial" panose="020B0604020202020204" pitchFamily="34" charset="0"/>
+              <a:buChar char="•"/>
+            </a:pPr>
+            <a:r>
+              <a:rPr lang="en-US" dirty="0"/>
+              <a:t>Problems arise due to PDR‘s </a:t>
+            </a:r>
+            <a:r>
+              <a:rPr lang="en-US" dirty="0">
+                <a:solidFill>
+                  <a:schemeClr val="accent1"/>
+                </a:solidFill>
+              </a:rPr>
+              <a:t>linear backwards-search nature</a:t>
+            </a:r>
+          </a:p>
+          <a:p>
+            <a:pPr lvl="2">
+              <a:buFont typeface="Arial" panose="020B0604020202020204" pitchFamily="34" charset="0"/>
+              <a:buChar char="•"/>
+            </a:pPr>
+            <a:endParaRPr lang="en-US" dirty="0"/>
+          </a:p>
+          <a:p>
+            <a:pPr lvl="1">
+              <a:buFont typeface="Wingdings" panose="05000000000000000000" pitchFamily="2" charset="2"/>
+              <a:buChar char="è"/>
+            </a:pPr>
+            <a:r>
+              <a:rPr lang="en-US" dirty="0">
+                <a:solidFill>
+                  <a:schemeClr val="accent1"/>
+                </a:solidFill>
+                <a:sym typeface="Wingdings" panose="05000000000000000000" pitchFamily="2" charset="2"/>
+              </a:rPr>
+              <a:t> Possible solutions</a:t>
+            </a:r>
+            <a:r>
+              <a:rPr lang="en-US" dirty="0">
+                <a:sym typeface="Wingdings" panose="05000000000000000000" pitchFamily="2" charset="2"/>
+              </a:rPr>
+              <a:t>:</a:t>
+            </a:r>
+          </a:p>
+          <a:p>
+            <a:pPr lvl="2">
+              <a:buFont typeface="Arial" panose="020B0604020202020204" pitchFamily="34" charset="0"/>
+              <a:buChar char="•"/>
+            </a:pPr>
+            <a:r>
+              <a:rPr lang="en-US" dirty="0">
+                <a:sym typeface="Wingdings" panose="05000000000000000000" pitchFamily="2" charset="2"/>
+              </a:rPr>
+              <a:t> Modify PDR to deal with procedures </a:t>
+            </a:r>
+            <a:r>
+              <a:rPr lang="en-US" dirty="0">
+                <a:solidFill>
+                  <a:schemeClr val="accent1"/>
+                </a:solidFill>
+                <a:sym typeface="Wingdings" panose="05000000000000000000" pitchFamily="2" charset="2"/>
+              </a:rPr>
+              <a:t>non-linearly</a:t>
+            </a:r>
+          </a:p>
+          <a:p>
+            <a:pPr lvl="2">
+              <a:buFont typeface="Arial" panose="020B0604020202020204" pitchFamily="34" charset="0"/>
+              <a:buChar char="•"/>
+            </a:pPr>
+            <a:r>
+              <a:rPr lang="en-US" dirty="0">
+                <a:sym typeface="Wingdings" panose="05000000000000000000" pitchFamily="2" charset="2"/>
+              </a:rPr>
+              <a:t> Calculate </a:t>
+            </a:r>
+            <a:r>
+              <a:rPr lang="en-US" dirty="0">
+                <a:solidFill>
+                  <a:schemeClr val="accent1"/>
+                </a:solidFill>
+                <a:sym typeface="Wingdings" panose="05000000000000000000" pitchFamily="2" charset="2"/>
+              </a:rPr>
+              <a:t>procedure summary </a:t>
+            </a:r>
+            <a:r>
+              <a:rPr lang="en-US" dirty="0">
+                <a:sym typeface="Wingdings" panose="05000000000000000000" pitchFamily="2" charset="2"/>
+              </a:rPr>
+              <a:t>and attach that to the CFG, removing the procedure altogether</a:t>
+            </a:r>
+            <a:endParaRPr lang="en-US" dirty="0"/>
+          </a:p>
+        </p:txBody>
+      </p:sp>
+      <p:sp>
+        <p:nvSpPr>
+          <p:cNvPr id="8" name="Textplatzhalter 7">
+            <a:extLst>
+              <a:ext uri="{FF2B5EF4-FFF2-40B4-BE49-F238E27FC236}">
+                <a16:creationId xmlns:a16="http://schemas.microsoft.com/office/drawing/2014/main" id="{E4D30246-4BAC-4700-871D-3FE9AA6398B7}"/>
+              </a:ext>
+            </a:extLst>
+          </p:cNvPr>
+          <p:cNvSpPr>
+            <a:spLocks noGrp="1"/>
+          </p:cNvSpPr>
+          <p:nvPr>
+            <p:ph type="body" sz="quarter" idx="14"/>
+          </p:nvPr>
+        </p:nvSpPr>
+        <p:spPr/>
+        <p:txBody>
+          <a:bodyPr/>
+          <a:lstStyle/>
+          <a:p>
+            <a:r>
+              <a:rPr lang="en-US" dirty="0"/>
+              <a:t> There are possible ways to make our PDR algorithm more efficient:</a:t>
+            </a:r>
           </a:p>
         </p:txBody>
       </p:sp>
     </p:spTree>
     <p:extLst>
       <p:ext uri="{BB962C8B-B14F-4D97-AF65-F5344CB8AC3E}">
-        <p14:creationId xmlns:p14="http://schemas.microsoft.com/office/powerpoint/2010/main" val="1589484008"/>
+        <p14:creationId xmlns:p14="http://schemas.microsoft.com/office/powerpoint/2010/main" val="3571985860"/>
       </p:ext>
     </p:extLst>
   </p:cSld>
@@ -46101,7 +47612,7 @@
               <a:p>
                 <a:r>
                   <a:rPr lang="en-US" noProof="0" dirty="0"/>
-                  <a:t>A </a:t>
+                  <a:t> A </a:t>
                 </a:r>
                 <a:r>
                   <a:rPr lang="en-US" noProof="0" dirty="0">
@@ -46325,7 +47836,7 @@
                       <a:schemeClr val="accent1"/>
                     </a:solidFill>
                   </a:rPr>
-                  <a:t>States</a:t>
+                  <a:t> States</a:t>
                 </a:r>
                 <a:r>
                   <a:rPr lang="en-US" noProof="0" dirty="0"/>
@@ -46362,9 +47873,18 @@
                 </a:pPr>
                 <a:r>
                   <a:rPr lang="en-US" noProof="0" dirty="0">
+                    <a:solidFill>
+                      <a:schemeClr val="accent1"/>
+                    </a:solidFill>
                     <a:sym typeface="Wingdings" panose="05000000000000000000" pitchFamily="2" charset="2"/>
                   </a:rPr>
-                  <a:t>Finite number of states: </a:t>
+                  <a:t></a:t>
+                </a:r>
+                <a:r>
+                  <a:rPr lang="en-US" noProof="0" dirty="0">
+                    <a:sym typeface="Wingdings" panose="05000000000000000000" pitchFamily="2" charset="2"/>
+                  </a:rPr>
+                  <a:t> Finite number of states: </a:t>
                 </a:r>
                 <a14:m>
                   <m:oMath xmlns:m="http://schemas.openxmlformats.org/officeDocument/2006/math">
@@ -46422,14 +47942,26 @@
               </a:p>
               <a:p>
                 <a:r>
-                  <a:rPr lang="en-US" noProof="0" dirty="0"/>
+                  <a:rPr lang="en-US" noProof="0" dirty="0">
+                    <a:solidFill>
+                      <a:srgbClr val="FF0000"/>
+                    </a:solidFill>
+                  </a:rPr>
                   <a:t>Transitions @</a:t>
                 </a:r>
                 <a:r>
-                  <a:rPr lang="en-US" noProof="0" dirty="0" err="1"/>
+                  <a:rPr lang="en-US" noProof="0" dirty="0" err="1">
+                    <a:solidFill>
+                      <a:srgbClr val="FF0000"/>
+                    </a:solidFill>
+                  </a:rPr>
                   <a:t>Todo</a:t>
                 </a:r>
-                <a:endParaRPr lang="en-US" noProof="0" dirty="0"/>
+                <a:endParaRPr lang="en-US" noProof="0" dirty="0">
+                  <a:solidFill>
+                    <a:srgbClr val="FF0000"/>
+                  </a:solidFill>
+                </a:endParaRPr>
               </a:p>
               <a:p>
                 <a:pPr marL="274320" lvl="1" indent="0">
@@ -46467,7 +47999,7 @@
               <a:blipFill>
                 <a:blip r:embed="rId3"/>
                 <a:stretch>
-                  <a:fillRect l="-498" t="-1444"/>
+                  <a:fillRect l="-498" t="-1312"/>
                 </a:stretch>
               </a:blipFill>
             </p:spPr>
@@ -46476,7 +48008,7 @@
               <a:lstStyle/>
               <a:p>
                 <a:r>
-                  <a:rPr lang="en-US">
+                  <a:rPr lang="de-DE">
                     <a:noFill/>
                   </a:rPr>
                   <a:t> </a:t>
@@ -46512,6 +48044,497 @@
 </file>
 
 <file path=ppt/slides/slide70.xml><?xml version="1.0" encoding="utf-8"?>
+<p:sld xmlns:a="http://schemas.openxmlformats.org/drawingml/2006/main" xmlns:r="http://schemas.openxmlformats.org/officeDocument/2006/relationships" xmlns:p="http://schemas.openxmlformats.org/presentationml/2006/main">
+  <p:cSld>
+    <p:spTree>
+      <p:nvGrpSpPr>
+        <p:cNvPr id="1" name=""/>
+        <p:cNvGrpSpPr/>
+        <p:nvPr/>
+      </p:nvGrpSpPr>
+      <p:grpSpPr>
+        <a:xfrm>
+          <a:off x="0" y="0"/>
+          <a:ext cx="0" cy="0"/>
+          <a:chOff x="0" y="0"/>
+          <a:chExt cx="0" cy="0"/>
+        </a:xfrm>
+      </p:grpSpPr>
+      <p:sp>
+        <p:nvSpPr>
+          <p:cNvPr id="2" name="Titel 1">
+            <a:extLst>
+              <a:ext uri="{FF2B5EF4-FFF2-40B4-BE49-F238E27FC236}">
+                <a16:creationId xmlns:a16="http://schemas.microsoft.com/office/drawing/2014/main" id="{258F9DE9-7431-495F-AD93-EEA178EDD70F}"/>
+              </a:ext>
+            </a:extLst>
+          </p:cNvPr>
+          <p:cNvSpPr>
+            <a:spLocks noGrp="1"/>
+          </p:cNvSpPr>
+          <p:nvPr>
+            <p:ph type="title"/>
+          </p:nvPr>
+        </p:nvSpPr>
+        <p:spPr/>
+        <p:txBody>
+          <a:bodyPr>
+            <a:normAutofit fontScale="90000"/>
+          </a:bodyPr>
+          <a:lstStyle/>
+          <a:p>
+            <a:r>
+              <a:rPr lang="en-US" noProof="0" dirty="0"/>
+              <a:t>Overview</a:t>
+            </a:r>
+          </a:p>
+        </p:txBody>
+      </p:sp>
+      <p:sp>
+        <p:nvSpPr>
+          <p:cNvPr id="3" name="Datumsplatzhalter 2">
+            <a:extLst>
+              <a:ext uri="{FF2B5EF4-FFF2-40B4-BE49-F238E27FC236}">
+                <a16:creationId xmlns:a16="http://schemas.microsoft.com/office/drawing/2014/main" id="{000E5BF3-EE16-4A3A-9AC2-C8097A1631D5}"/>
+              </a:ext>
+            </a:extLst>
+          </p:cNvPr>
+          <p:cNvSpPr>
+            <a:spLocks noGrp="1"/>
+          </p:cNvSpPr>
+          <p:nvPr>
+            <p:ph type="dt" sz="half" idx="10"/>
+          </p:nvPr>
+        </p:nvSpPr>
+        <p:spPr/>
+        <p:txBody>
+          <a:bodyPr/>
+          <a:lstStyle/>
+          <a:p>
+            <a:pPr algn="r"/>
+            <a:r>
+              <a:rPr lang="de-DE" noProof="0" dirty="0"/>
+              <a:t>28.8.18</a:t>
+            </a:r>
+          </a:p>
+        </p:txBody>
+      </p:sp>
+      <p:sp>
+        <p:nvSpPr>
+          <p:cNvPr id="4" name="Fußzeilenplatzhalter 3">
+            <a:extLst>
+              <a:ext uri="{FF2B5EF4-FFF2-40B4-BE49-F238E27FC236}">
+                <a16:creationId xmlns:a16="http://schemas.microsoft.com/office/drawing/2014/main" id="{1CE74D54-9888-488A-8C5A-F53E42E541BE}"/>
+              </a:ext>
+            </a:extLst>
+          </p:cNvPr>
+          <p:cNvSpPr>
+            <a:spLocks noGrp="1"/>
+          </p:cNvSpPr>
+          <p:nvPr>
+            <p:ph type="ftr" sz="quarter" idx="11"/>
+          </p:nvPr>
+        </p:nvSpPr>
+        <p:spPr/>
+        <p:txBody>
+          <a:bodyPr/>
+          <a:lstStyle/>
+          <a:p>
+            <a:pPr rtl="0"/>
+            <a:endParaRPr lang="de-DE" noProof="0" dirty="0"/>
+          </a:p>
+        </p:txBody>
+      </p:sp>
+      <p:sp>
+        <p:nvSpPr>
+          <p:cNvPr id="5" name="Foliennummernplatzhalter 4">
+            <a:extLst>
+              <a:ext uri="{FF2B5EF4-FFF2-40B4-BE49-F238E27FC236}">
+                <a16:creationId xmlns:a16="http://schemas.microsoft.com/office/drawing/2014/main" id="{02087F13-7305-43B7-A46E-958A431D74B0}"/>
+              </a:ext>
+            </a:extLst>
+          </p:cNvPr>
+          <p:cNvSpPr>
+            <a:spLocks noGrp="1"/>
+          </p:cNvSpPr>
+          <p:nvPr>
+            <p:ph type="sldNum" sz="quarter" idx="12"/>
+          </p:nvPr>
+        </p:nvSpPr>
+        <p:spPr/>
+        <p:txBody>
+          <a:bodyPr/>
+          <a:lstStyle/>
+          <a:p>
+            <a:r>
+              <a:rPr lang="de-DE" noProof="0" dirty="0"/>
+              <a:t>‹Nr.›</a:t>
+            </a:r>
+          </a:p>
+        </p:txBody>
+      </p:sp>
+      <p:sp>
+        <p:nvSpPr>
+          <p:cNvPr id="6" name="Textplatzhalter 5">
+            <a:extLst>
+              <a:ext uri="{FF2B5EF4-FFF2-40B4-BE49-F238E27FC236}">
+                <a16:creationId xmlns:a16="http://schemas.microsoft.com/office/drawing/2014/main" id="{CE598EF9-AE99-495E-AB14-B855EF4AB994}"/>
+              </a:ext>
+            </a:extLst>
+          </p:cNvPr>
+          <p:cNvSpPr>
+            <a:spLocks noGrp="1"/>
+          </p:cNvSpPr>
+          <p:nvPr>
+            <p:ph type="body" sz="quarter" idx="13"/>
+          </p:nvPr>
+        </p:nvSpPr>
+        <p:spPr/>
+        <p:txBody>
+          <a:bodyPr/>
+          <a:lstStyle/>
+          <a:p>
+            <a:pPr marL="457200" indent="-457200">
+              <a:buFont typeface="+mj-lt"/>
+              <a:buAutoNum type="arabicPeriod"/>
+            </a:pPr>
+            <a:r>
+              <a:rPr lang="en-US" noProof="0" dirty="0">
+                <a:solidFill>
+                  <a:schemeClr val="bg1">
+                    <a:lumMod val="75000"/>
+                  </a:schemeClr>
+                </a:solidFill>
+              </a:rPr>
+              <a:t> Introduction</a:t>
+            </a:r>
+          </a:p>
+          <a:p>
+            <a:pPr marL="457200" indent="-457200">
+              <a:buFont typeface="+mj-lt"/>
+              <a:buAutoNum type="arabicPeriod"/>
+            </a:pPr>
+            <a:r>
+              <a:rPr lang="en-US" noProof="0" dirty="0">
+                <a:solidFill>
+                  <a:schemeClr val="bg1">
+                    <a:lumMod val="75000"/>
+                  </a:schemeClr>
+                </a:solidFill>
+              </a:rPr>
+              <a:t> Background: PDR on Hardware</a:t>
+            </a:r>
+          </a:p>
+          <a:p>
+            <a:pPr marL="457200" indent="-457200">
+              <a:buFont typeface="+mj-lt"/>
+              <a:buAutoNum type="arabicPeriod"/>
+            </a:pPr>
+            <a:r>
+              <a:rPr lang="en-US" noProof="0" dirty="0">
+                <a:solidFill>
+                  <a:schemeClr val="bg1">
+                    <a:lumMod val="75000"/>
+                  </a:schemeClr>
+                </a:solidFill>
+              </a:rPr>
+              <a:t> PDR on Software</a:t>
+            </a:r>
+          </a:p>
+          <a:p>
+            <a:pPr marL="457200" indent="-457200">
+              <a:buFont typeface="+mj-lt"/>
+              <a:buAutoNum type="arabicPeriod"/>
+            </a:pPr>
+            <a:r>
+              <a:rPr lang="en-US" noProof="0" dirty="0">
+                <a:solidFill>
+                  <a:schemeClr val="bg1">
+                    <a:lumMod val="75000"/>
+                  </a:schemeClr>
+                </a:solidFill>
+              </a:rPr>
+              <a:t> Implementation in Ultimate</a:t>
+            </a:r>
+          </a:p>
+          <a:p>
+            <a:pPr marL="457200" indent="-457200">
+              <a:buFont typeface="+mj-lt"/>
+              <a:buAutoNum type="arabicPeriod"/>
+            </a:pPr>
+            <a:r>
+              <a:rPr lang="en-US" noProof="0" dirty="0">
+                <a:solidFill>
+                  <a:schemeClr val="bg1">
+                    <a:lumMod val="75000"/>
+                  </a:schemeClr>
+                </a:solidFill>
+              </a:rPr>
+              <a:t> Evaluation</a:t>
+            </a:r>
+          </a:p>
+          <a:p>
+            <a:pPr marL="457200" indent="-457200">
+              <a:buFont typeface="+mj-lt"/>
+              <a:buAutoNum type="arabicPeriod"/>
+            </a:pPr>
+            <a:r>
+              <a:rPr lang="en-US" noProof="0" dirty="0">
+                <a:solidFill>
+                  <a:schemeClr val="bg1">
+                    <a:lumMod val="75000"/>
+                  </a:schemeClr>
+                </a:solidFill>
+              </a:rPr>
+              <a:t> Related Work</a:t>
+            </a:r>
+          </a:p>
+          <a:p>
+            <a:pPr marL="457200" indent="-457200">
+              <a:buFont typeface="+mj-lt"/>
+              <a:buAutoNum type="arabicPeriod"/>
+            </a:pPr>
+            <a:r>
+              <a:rPr lang="en-US" noProof="0" dirty="0">
+                <a:solidFill>
+                  <a:schemeClr val="bg1">
+                    <a:lumMod val="75000"/>
+                  </a:schemeClr>
+                </a:solidFill>
+              </a:rPr>
+              <a:t> Future Work</a:t>
+            </a:r>
+          </a:p>
+          <a:p>
+            <a:pPr marL="457200" indent="-457200">
+              <a:buFont typeface="+mj-lt"/>
+              <a:buAutoNum type="arabicPeriod"/>
+            </a:pPr>
+            <a:r>
+              <a:rPr lang="en-US" noProof="0" dirty="0">
+                <a:solidFill>
+                  <a:schemeClr val="bg1">
+                    <a:lumMod val="75000"/>
+                  </a:schemeClr>
+                </a:solidFill>
+              </a:rPr>
+              <a:t> </a:t>
+            </a:r>
+            <a:r>
+              <a:rPr lang="en-US" noProof="0" dirty="0"/>
+              <a:t>Conclusion</a:t>
+            </a:r>
+          </a:p>
+        </p:txBody>
+      </p:sp>
+    </p:spTree>
+    <p:extLst>
+      <p:ext uri="{BB962C8B-B14F-4D97-AF65-F5344CB8AC3E}">
+        <p14:creationId xmlns:p14="http://schemas.microsoft.com/office/powerpoint/2010/main" val="1604303624"/>
+      </p:ext>
+    </p:extLst>
+  </p:cSld>
+  <p:clrMapOvr>
+    <a:masterClrMapping/>
+  </p:clrMapOvr>
+  <mc:AlternateContent xmlns:mc="http://schemas.openxmlformats.org/markup-compatibility/2006" xmlns:p14="http://schemas.microsoft.com/office/powerpoint/2010/main">
+    <mc:Choice Requires="p14">
+      <p:transition spd="med" p14:dur="700">
+        <p:fade/>
+      </p:transition>
+    </mc:Choice>
+    <mc:Fallback xmlns="">
+      <p:transition spd="med">
+        <p:fade/>
+      </p:transition>
+    </mc:Fallback>
+  </mc:AlternateContent>
+</p:sld>
+</file>
+
+<file path=ppt/slides/slide71.xml><?xml version="1.0" encoding="utf-8"?>
+<p:sld xmlns:a="http://schemas.openxmlformats.org/drawingml/2006/main" xmlns:r="http://schemas.openxmlformats.org/officeDocument/2006/relationships" xmlns:p="http://schemas.openxmlformats.org/presentationml/2006/main">
+  <p:cSld>
+    <p:spTree>
+      <p:nvGrpSpPr>
+        <p:cNvPr id="1" name=""/>
+        <p:cNvGrpSpPr/>
+        <p:nvPr/>
+      </p:nvGrpSpPr>
+      <p:grpSpPr>
+        <a:xfrm>
+          <a:off x="0" y="0"/>
+          <a:ext cx="0" cy="0"/>
+          <a:chOff x="0" y="0"/>
+          <a:chExt cx="0" cy="0"/>
+        </a:xfrm>
+      </p:grpSpPr>
+      <p:sp>
+        <p:nvSpPr>
+          <p:cNvPr id="2" name="Titel 1">
+            <a:extLst>
+              <a:ext uri="{FF2B5EF4-FFF2-40B4-BE49-F238E27FC236}">
+                <a16:creationId xmlns:a16="http://schemas.microsoft.com/office/drawing/2014/main" id="{80CA55E8-942A-4B6D-AA27-41A867385C32}"/>
+              </a:ext>
+            </a:extLst>
+          </p:cNvPr>
+          <p:cNvSpPr>
+            <a:spLocks noGrp="1"/>
+          </p:cNvSpPr>
+          <p:nvPr>
+            <p:ph type="title"/>
+          </p:nvPr>
+        </p:nvSpPr>
+        <p:spPr/>
+        <p:txBody>
+          <a:bodyPr>
+            <a:normAutofit fontScale="90000"/>
+          </a:bodyPr>
+          <a:lstStyle/>
+          <a:p>
+            <a:r>
+              <a:rPr lang="en-US" noProof="0" dirty="0"/>
+              <a:t>8. Conclusion</a:t>
+            </a:r>
+          </a:p>
+        </p:txBody>
+      </p:sp>
+      <p:sp>
+        <p:nvSpPr>
+          <p:cNvPr id="3" name="Datumsplatzhalter 2">
+            <a:extLst>
+              <a:ext uri="{FF2B5EF4-FFF2-40B4-BE49-F238E27FC236}">
+                <a16:creationId xmlns:a16="http://schemas.microsoft.com/office/drawing/2014/main" id="{A794DD83-A8FB-422D-B27B-921519862F6F}"/>
+              </a:ext>
+            </a:extLst>
+          </p:cNvPr>
+          <p:cNvSpPr>
+            <a:spLocks noGrp="1"/>
+          </p:cNvSpPr>
+          <p:nvPr>
+            <p:ph type="dt" sz="half" idx="10"/>
+          </p:nvPr>
+        </p:nvSpPr>
+        <p:spPr/>
+        <p:txBody>
+          <a:bodyPr/>
+          <a:lstStyle/>
+          <a:p>
+            <a:pPr algn="r"/>
+            <a:r>
+              <a:rPr lang="de-DE" noProof="0"/>
+              <a:t>28.8.18</a:t>
+            </a:r>
+            <a:endParaRPr lang="de-DE" noProof="0" dirty="0"/>
+          </a:p>
+        </p:txBody>
+      </p:sp>
+      <p:sp>
+        <p:nvSpPr>
+          <p:cNvPr id="4" name="Fußzeilenplatzhalter 3">
+            <a:extLst>
+              <a:ext uri="{FF2B5EF4-FFF2-40B4-BE49-F238E27FC236}">
+                <a16:creationId xmlns:a16="http://schemas.microsoft.com/office/drawing/2014/main" id="{A5A13B36-BDD7-4A07-B10F-98D40DA3BD03}"/>
+              </a:ext>
+            </a:extLst>
+          </p:cNvPr>
+          <p:cNvSpPr>
+            <a:spLocks noGrp="1"/>
+          </p:cNvSpPr>
+          <p:nvPr>
+            <p:ph type="ftr" sz="quarter" idx="11"/>
+          </p:nvPr>
+        </p:nvSpPr>
+        <p:spPr/>
+        <p:txBody>
+          <a:bodyPr/>
+          <a:lstStyle/>
+          <a:p>
+            <a:pPr rtl="0"/>
+            <a:endParaRPr lang="de-DE" noProof="0" dirty="0"/>
+          </a:p>
+        </p:txBody>
+      </p:sp>
+      <p:sp>
+        <p:nvSpPr>
+          <p:cNvPr id="5" name="Foliennummernplatzhalter 4">
+            <a:extLst>
+              <a:ext uri="{FF2B5EF4-FFF2-40B4-BE49-F238E27FC236}">
+                <a16:creationId xmlns:a16="http://schemas.microsoft.com/office/drawing/2014/main" id="{E717477E-49AC-42D2-B75C-18E15FD20C29}"/>
+              </a:ext>
+            </a:extLst>
+          </p:cNvPr>
+          <p:cNvSpPr>
+            <a:spLocks noGrp="1"/>
+          </p:cNvSpPr>
+          <p:nvPr>
+            <p:ph type="sldNum" sz="quarter" idx="12"/>
+          </p:nvPr>
+        </p:nvSpPr>
+        <p:spPr/>
+        <p:txBody>
+          <a:bodyPr/>
+          <a:lstStyle/>
+          <a:p>
+            <a:r>
+              <a:rPr lang="de-DE" noProof="0"/>
+              <a:t>‹Nr.›</a:t>
+            </a:r>
+            <a:endParaRPr lang="de-DE" noProof="0" dirty="0"/>
+          </a:p>
+        </p:txBody>
+      </p:sp>
+      <p:sp>
+        <p:nvSpPr>
+          <p:cNvPr id="6" name="Textplatzhalter 5">
+            <a:extLst>
+              <a:ext uri="{FF2B5EF4-FFF2-40B4-BE49-F238E27FC236}">
+                <a16:creationId xmlns:a16="http://schemas.microsoft.com/office/drawing/2014/main" id="{5CC4491B-8ED2-4B7A-9DFD-E23376F5BCE6}"/>
+              </a:ext>
+            </a:extLst>
+          </p:cNvPr>
+          <p:cNvSpPr>
+            <a:spLocks noGrp="1"/>
+          </p:cNvSpPr>
+          <p:nvPr>
+            <p:ph type="body" sz="quarter" idx="13"/>
+          </p:nvPr>
+        </p:nvSpPr>
+        <p:spPr/>
+        <p:txBody>
+          <a:bodyPr/>
+          <a:lstStyle/>
+          <a:p>
+            <a:endParaRPr lang="en-US"/>
+          </a:p>
+        </p:txBody>
+      </p:sp>
+    </p:spTree>
+    <p:extLst>
+      <p:ext uri="{BB962C8B-B14F-4D97-AF65-F5344CB8AC3E}">
+        <p14:creationId xmlns:p14="http://schemas.microsoft.com/office/powerpoint/2010/main" val="1589484008"/>
+      </p:ext>
+    </p:extLst>
+  </p:cSld>
+  <p:clrMapOvr>
+    <a:masterClrMapping/>
+  </p:clrMapOvr>
+  <mc:AlternateContent xmlns:mc="http://schemas.openxmlformats.org/markup-compatibility/2006" xmlns:p14="http://schemas.microsoft.com/office/powerpoint/2010/main">
+    <mc:Choice Requires="p14">
+      <p:transition spd="med" p14:dur="700">
+        <p:fade/>
+      </p:transition>
+    </mc:Choice>
+    <mc:Fallback xmlns="">
+      <p:transition spd="med">
+        <p:fade/>
+      </p:transition>
+    </mc:Fallback>
+  </mc:AlternateContent>
+</p:sld>
+</file>
+
+<file path=ppt/slides/slide72.xml><?xml version="1.0" encoding="utf-8"?>
 <p:sld xmlns:a="http://schemas.openxmlformats.org/drawingml/2006/main" xmlns:r="http://schemas.openxmlformats.org/officeDocument/2006/relationships" xmlns:p="http://schemas.openxmlformats.org/presentationml/2006/main">
   <p:cSld>
     <p:spTree>
@@ -46853,7 +48876,7 @@
               <a:p>
                 <a:r>
                   <a:rPr lang="en-US" noProof="0" dirty="0"/>
-                  <a:t>Given a formula </a:t>
+                  <a:t> Given a formula </a:t>
                 </a:r>
                 <a14:m>
                   <m:oMath xmlns:m="http://schemas.openxmlformats.org/officeDocument/2006/math">
@@ -46922,7 +48945,7 @@
               <a:p>
                 <a:r>
                   <a:rPr lang="en-US" noProof="0" dirty="0"/>
-                  <a:t>A </a:t>
+                  <a:t> A </a:t>
                 </a:r>
                 <a:r>
                   <a:rPr lang="en-US" noProof="0" dirty="0">
@@ -46934,21 +48957,13 @@
                 </a:r>
                 <a:r>
                   <a:rPr lang="en-US" noProof="0" dirty="0"/>
-                  <a:t> is a variable or </a:t>
-                </a:r>
-                <a:r>
-                  <a:rPr lang="en-US" noProof="0" dirty="0" err="1"/>
-                  <a:t>ist</a:t>
-                </a:r>
-                <a:r>
-                  <a:rPr lang="en-US" noProof="0" dirty="0"/>
-                  <a:t> negation</a:t>
+                  <a:t> is a variable or its negation</a:t>
                 </a:r>
               </a:p>
               <a:p>
                 <a:r>
                   <a:rPr lang="en-US" noProof="0" dirty="0"/>
-                  <a:t>A </a:t>
+                  <a:t> A </a:t>
                 </a:r>
                 <a:r>
                   <a:rPr lang="en-US" noProof="0" dirty="0">
@@ -46966,7 +48981,7 @@
               <a:p>
                 <a:r>
                   <a:rPr lang="en-US" noProof="0" dirty="0"/>
-                  <a:t>A </a:t>
+                  <a:t> A </a:t>
                 </a:r>
                 <a:r>
                   <a:rPr lang="en-US" noProof="0" dirty="0">
@@ -46987,9 +49002,18 @@
                 </a:pPr>
                 <a:r>
                   <a:rPr lang="en-US" noProof="0" dirty="0">
+                    <a:solidFill>
+                      <a:schemeClr val="accent1"/>
+                    </a:solidFill>
                     <a:sym typeface="Wingdings" panose="05000000000000000000" pitchFamily="2" charset="2"/>
                   </a:rPr>
-                  <a:t> </a:t>
+                  <a:t></a:t>
+                </a:r>
+                <a:r>
+                  <a:rPr lang="en-US" noProof="0" dirty="0">
+                    <a:sym typeface="Wingdings" panose="05000000000000000000" pitchFamily="2" charset="2"/>
+                  </a:rPr>
+                  <a:t> </a:t>
                 </a:r>
                 <a:r>
                   <a:rPr lang="en-US" noProof="0" dirty="0">
@@ -47047,7 +49071,7 @@
               <a:p>
                 <a:r>
                   <a:rPr lang="en-US" noProof="0" dirty="0"/>
-                  <a:t>A </a:t>
+                  <a:t> A </a:t>
                 </a:r>
                 <a:r>
                   <a:rPr lang="en-US" noProof="0" dirty="0">
@@ -47082,12 +49106,22 @@
                 </a:pPr>
                 <a:r>
                   <a:rPr lang="en-US" noProof="0" dirty="0">
+                    <a:solidFill>
+                      <a:schemeClr val="accent1"/>
+                    </a:solidFill>
                     <a:sym typeface="Wingdings" panose="05000000000000000000" pitchFamily="2" charset="2"/>
                   </a:rPr>
                   <a:t></a:t>
                 </a:r>
                 <a14:m>
                   <m:oMath xmlns:m="http://schemas.openxmlformats.org/officeDocument/2006/math">
+                    <m:r>
+                      <a:rPr lang="en-US" b="0" i="0" noProof="0" smtClean="0">
+                        <a:latin typeface="Cambria Math" panose="02040503050406030204" pitchFamily="18" charset="0"/>
+                        <a:sym typeface="Wingdings" panose="05000000000000000000" pitchFamily="2" charset="2"/>
+                      </a:rPr>
+                      <m:t> </m:t>
+                    </m:r>
                     <m:acc>
                       <m:accPr>
                         <m:chr m:val="̅"/>
@@ -47156,7 +49190,7 @@
               <a:lstStyle/>
               <a:p>
                 <a:r>
-                  <a:rPr lang="en-US">
+                  <a:rPr lang="de-DE">
                     <a:noFill/>
                   </a:rPr>
                   <a:t> </a:t>
@@ -47354,7 +49388,7 @@
               <a:p>
                 <a:r>
                   <a:rPr lang="en-US" noProof="0" dirty="0"/>
-                  <a:t>PDR on hardware checks if </a:t>
+                  <a:t> PDR on hardware checks if </a:t>
                 </a:r>
                 <a:r>
                   <a:rPr lang="en-US" noProof="0" dirty="0">
@@ -47436,15 +49470,19 @@
                 </a:endParaRPr>
               </a:p>
               <a:p>
-                <a:endParaRPr lang="en-US" noProof="0" dirty="0"/>
+                <a:endParaRPr lang="en-US" noProof="0" dirty="0">
+                  <a:solidFill>
+                    <a:schemeClr val="accent1"/>
+                  </a:solidFill>
+                </a:endParaRPr>
               </a:p>
               <a:p>
                 <a:r>
-                  <a:rPr lang="en-US" noProof="0" dirty="0"/>
-                  <a:t>For that it uses cubes of clauses, called </a:t>
-                </a:r>
-                <a:r>
-                  <a:rPr lang="en-US" noProof="0" dirty="0">
+                  <a:rPr lang="en-US" dirty="0"/>
+                  <a:t> For that it uses cubes of clauses, called </a:t>
+                </a:r>
+                <a:r>
+                  <a:rPr lang="en-US" dirty="0">
                     <a:solidFill>
                       <a:schemeClr val="accent1"/>
                     </a:solidFill>
@@ -47455,7 +49493,7 @@
               <a:p>
                 <a:pPr lvl="1"/>
                 <a:r>
-                  <a:rPr lang="en-US" noProof="0" dirty="0"/>
+                  <a:rPr lang="en-US" dirty="0"/>
                   <a:t>Frame </a:t>
                 </a:r>
                 <a14:m>
@@ -47463,14 +49501,14 @@
                     <m:sSub>
                       <m:sSubPr>
                         <m:ctrlPr>
-                          <a:rPr lang="en-US" b="0" i="1" noProof="0" smtClean="0">
+                          <a:rPr lang="en-US" i="1">
                             <a:latin typeface="Cambria Math" panose="02040503050406030204" pitchFamily="18" charset="0"/>
                           </a:rPr>
                         </m:ctrlPr>
                       </m:sSubPr>
                       <m:e>
                         <m:r>
-                          <a:rPr lang="en-US" b="0" i="1" noProof="0" smtClean="0">
+                          <a:rPr lang="en-US" i="1">
                             <a:latin typeface="Cambria Math" panose="02040503050406030204" pitchFamily="18" charset="0"/>
                           </a:rPr>
                           <m:t>𝐹</m:t>
@@ -47478,13 +49516,13 @@
                       </m:e>
                       <m:sub>
                         <m:r>
-                          <a:rPr lang="en-US" b="0" i="1" noProof="0" smtClean="0">
+                          <a:rPr lang="en-US" i="1">
                             <a:latin typeface="Cambria Math" panose="02040503050406030204" pitchFamily="18" charset="0"/>
                           </a:rPr>
                           <m:t>𝑖</m:t>
                         </m:r>
                         <m:r>
-                          <a:rPr lang="en-US" b="0" i="1" noProof="0" smtClean="0">
+                          <a:rPr lang="en-US" i="1">
                             <a:latin typeface="Cambria Math" panose="02040503050406030204" pitchFamily="18" charset="0"/>
                           </a:rPr>
                           <m:t>  </m:t>
@@ -47494,11 +49532,11 @@
                   </m:oMath>
                 </a14:m>
                 <a:r>
-                  <a:rPr lang="en-US" noProof="0" dirty="0"/>
+                  <a:rPr lang="en-US" dirty="0"/>
                   <a:t>represents an </a:t>
                 </a:r>
                 <a:r>
-                  <a:rPr lang="en-US" noProof="0" dirty="0">
+                  <a:rPr lang="en-US" dirty="0">
                     <a:solidFill>
                       <a:schemeClr val="accent1"/>
                     </a:solidFill>
@@ -47506,11 +49544,11 @@
                   <a:t>over-approximation</a:t>
                 </a:r>
                 <a:r>
-                  <a:rPr lang="en-US" noProof="0" dirty="0"/>
+                  <a:rPr lang="en-US" dirty="0"/>
                   <a:t> of </a:t>
                 </a:r>
                 <a:r>
-                  <a:rPr lang="en-US" noProof="0" dirty="0">
+                  <a:rPr lang="en-US" dirty="0">
                     <a:solidFill>
                       <a:schemeClr val="accent1"/>
                     </a:solidFill>
@@ -47518,17 +49556,173 @@
                   <a:t>reachable states </a:t>
                 </a:r>
                 <a:r>
-                  <a:rPr lang="en-US" noProof="0" dirty="0"/>
+                  <a:rPr lang="en-US" dirty="0"/>
                   <a:t>in at most </a:t>
                 </a:r>
                 <a:r>
-                  <a:rPr lang="en-US" noProof="0" dirty="0" err="1"/>
+                  <a:rPr lang="en-US" dirty="0" err="1"/>
                   <a:t>i</a:t>
                 </a:r>
                 <a:r>
-                  <a:rPr lang="en-US" noProof="0" dirty="0"/>
+                  <a:rPr lang="en-US" dirty="0"/>
                   <a:t> transitions from I</a:t>
                 </a:r>
+              </a:p>
+              <a:p>
+                <a:endParaRPr lang="en-US" noProof="0" dirty="0">
+                  <a:solidFill>
+                    <a:schemeClr val="accent1"/>
+                  </a:solidFill>
+                </a:endParaRPr>
+              </a:p>
+              <a:p>
+                <a:r>
+                  <a:rPr lang="en-US" dirty="0">
+                    <a:solidFill>
+                      <a:schemeClr val="accent1"/>
+                    </a:solidFill>
+                  </a:rPr>
+                  <a:t> </a:t>
+                </a:r>
+                <a:r>
+                  <a:rPr lang="en-US" dirty="0"/>
+                  <a:t>PDR maintains </a:t>
+                </a:r>
+                <a:r>
+                  <a:rPr lang="en-US" dirty="0">
+                    <a:solidFill>
+                      <a:schemeClr val="accent1"/>
+                    </a:solidFill>
+                  </a:rPr>
+                  <a:t>sequence</a:t>
+                </a:r>
+                <a:r>
+                  <a:rPr lang="en-US" dirty="0"/>
+                  <a:t> of frames </a:t>
+                </a:r>
+                <a14:m>
+                  <m:oMath xmlns:m="http://schemas.openxmlformats.org/officeDocument/2006/math">
+                    <m:r>
+                      <a:rPr lang="en-US" i="1">
+                        <a:latin typeface="Cambria Math" panose="02040503050406030204" pitchFamily="18" charset="0"/>
+                      </a:rPr>
+                      <m:t>[</m:t>
+                    </m:r>
+                    <m:sSub>
+                      <m:sSubPr>
+                        <m:ctrlPr>
+                          <a:rPr lang="en-US" i="1">
+                            <a:latin typeface="Cambria Math" panose="02040503050406030204" pitchFamily="18" charset="0"/>
+                          </a:rPr>
+                        </m:ctrlPr>
+                      </m:sSubPr>
+                      <m:e>
+                        <m:r>
+                          <a:rPr lang="en-US" i="1">
+                            <a:latin typeface="Cambria Math" panose="02040503050406030204" pitchFamily="18" charset="0"/>
+                          </a:rPr>
+                          <m:t>𝐹</m:t>
+                        </m:r>
+                      </m:e>
+                      <m:sub>
+                        <m:r>
+                          <a:rPr lang="en-US" i="1">
+                            <a:latin typeface="Cambria Math" panose="02040503050406030204" pitchFamily="18" charset="0"/>
+                          </a:rPr>
+                          <m:t>0</m:t>
+                        </m:r>
+                      </m:sub>
+                    </m:sSub>
+                    <m:r>
+                      <a:rPr lang="en-US" i="1">
+                        <a:latin typeface="Cambria Math" panose="02040503050406030204" pitchFamily="18" charset="0"/>
+                      </a:rPr>
+                      <m:t>, </m:t>
+                    </m:r>
+                    <m:sSub>
+                      <m:sSubPr>
+                        <m:ctrlPr>
+                          <a:rPr lang="en-US" i="1">
+                            <a:latin typeface="Cambria Math" panose="02040503050406030204" pitchFamily="18" charset="0"/>
+                          </a:rPr>
+                        </m:ctrlPr>
+                      </m:sSubPr>
+                      <m:e>
+                        <m:r>
+                          <a:rPr lang="en-US" i="1">
+                            <a:latin typeface="Cambria Math" panose="02040503050406030204" pitchFamily="18" charset="0"/>
+                          </a:rPr>
+                          <m:t>𝐹</m:t>
+                        </m:r>
+                      </m:e>
+                      <m:sub>
+                        <m:r>
+                          <a:rPr lang="en-US" i="1">
+                            <a:latin typeface="Cambria Math" panose="02040503050406030204" pitchFamily="18" charset="0"/>
+                          </a:rPr>
+                          <m:t>1</m:t>
+                        </m:r>
+                      </m:sub>
+                    </m:sSub>
+                    <m:r>
+                      <a:rPr lang="en-US" i="1">
+                        <a:latin typeface="Cambria Math" panose="02040503050406030204" pitchFamily="18" charset="0"/>
+                      </a:rPr>
+                      <m:t>, …, </m:t>
+                    </m:r>
+                    <m:sSub>
+                      <m:sSubPr>
+                        <m:ctrlPr>
+                          <a:rPr lang="en-US" i="1">
+                            <a:latin typeface="Cambria Math" panose="02040503050406030204" pitchFamily="18" charset="0"/>
+                          </a:rPr>
+                        </m:ctrlPr>
+                      </m:sSubPr>
+                      <m:e>
+                        <m:r>
+                          <a:rPr lang="en-US" i="1">
+                            <a:latin typeface="Cambria Math" panose="02040503050406030204" pitchFamily="18" charset="0"/>
+                          </a:rPr>
+                          <m:t>𝐹</m:t>
+                        </m:r>
+                      </m:e>
+                      <m:sub>
+                        <m:r>
+                          <a:rPr lang="en-US" i="1">
+                            <a:latin typeface="Cambria Math" panose="02040503050406030204" pitchFamily="18" charset="0"/>
+                          </a:rPr>
+                          <m:t>𝑘</m:t>
+                        </m:r>
+                      </m:sub>
+                    </m:sSub>
+                    <m:r>
+                      <a:rPr lang="en-US" i="1">
+                        <a:latin typeface="Cambria Math" panose="02040503050406030204" pitchFamily="18" charset="0"/>
+                      </a:rPr>
+                      <m:t>]</m:t>
+                    </m:r>
+                  </m:oMath>
+                </a14:m>
+                <a:r>
+                  <a:rPr lang="en-US" dirty="0"/>
+                  <a:t>, called </a:t>
+                </a:r>
+                <a:r>
+                  <a:rPr lang="en-US" dirty="0">
+                    <a:solidFill>
+                      <a:schemeClr val="accent1"/>
+                    </a:solidFill>
+                  </a:rPr>
+                  <a:t>trace</a:t>
+                </a:r>
+                <a:endParaRPr lang="en-US" dirty="0"/>
+              </a:p>
+              <a:p>
+                <a:endParaRPr lang="en-US" noProof="0" dirty="0">
+                  <a:solidFill>
+                    <a:schemeClr val="accent1"/>
+                  </a:solidFill>
+                </a:endParaRPr>
               </a:p>
               <a:p>
                 <a:pPr marL="45720" indent="0">
@@ -47537,138 +49731,10 @@
                 <a:endParaRPr lang="en-US" noProof="0" dirty="0"/>
               </a:p>
               <a:p>
-                <a:pPr marL="388620" indent="-342900"/>
-                <a:r>
-                  <a:rPr lang="en-US" noProof="0" dirty="0"/>
-                  <a:t>PDR maintains </a:t>
-                </a:r>
-                <a:r>
-                  <a:rPr lang="en-US" noProof="0" dirty="0">
-                    <a:solidFill>
-                      <a:schemeClr val="accent1"/>
-                    </a:solidFill>
-                  </a:rPr>
-                  <a:t>sequence</a:t>
-                </a:r>
-                <a:r>
-                  <a:rPr lang="en-US" noProof="0" dirty="0"/>
-                  <a:t> of frames </a:t>
-                </a:r>
-                <a14:m>
-                  <m:oMath xmlns:m="http://schemas.openxmlformats.org/officeDocument/2006/math">
-                    <m:r>
-                      <a:rPr lang="en-US" b="0" i="1" noProof="0" smtClean="0">
-                        <a:latin typeface="Cambria Math" panose="02040503050406030204" pitchFamily="18" charset="0"/>
-                      </a:rPr>
-                      <m:t>[</m:t>
-                    </m:r>
-                    <m:sSub>
-                      <m:sSubPr>
-                        <m:ctrlPr>
-                          <a:rPr lang="en-US" b="0" i="1" noProof="0" smtClean="0">
-                            <a:latin typeface="Cambria Math" panose="02040503050406030204" pitchFamily="18" charset="0"/>
-                          </a:rPr>
-                        </m:ctrlPr>
-                      </m:sSubPr>
-                      <m:e>
-                        <m:r>
-                          <a:rPr lang="en-US" b="0" i="1" noProof="0" smtClean="0">
-                            <a:latin typeface="Cambria Math" panose="02040503050406030204" pitchFamily="18" charset="0"/>
-                          </a:rPr>
-                          <m:t>𝐹</m:t>
-                        </m:r>
-                      </m:e>
-                      <m:sub>
-                        <m:r>
-                          <a:rPr lang="en-US" b="0" i="1" noProof="0" smtClean="0">
-                            <a:latin typeface="Cambria Math" panose="02040503050406030204" pitchFamily="18" charset="0"/>
-                          </a:rPr>
-                          <m:t>0</m:t>
-                        </m:r>
-                      </m:sub>
-                    </m:sSub>
-                    <m:r>
-                      <a:rPr lang="en-US" b="0" i="1" noProof="0" smtClean="0">
-                        <a:latin typeface="Cambria Math" panose="02040503050406030204" pitchFamily="18" charset="0"/>
-                      </a:rPr>
-                      <m:t>, </m:t>
-                    </m:r>
-                    <m:sSub>
-                      <m:sSubPr>
-                        <m:ctrlPr>
-                          <a:rPr lang="en-US" b="0" i="1" noProof="0" smtClean="0">
-                            <a:latin typeface="Cambria Math" panose="02040503050406030204" pitchFamily="18" charset="0"/>
-                          </a:rPr>
-                        </m:ctrlPr>
-                      </m:sSubPr>
-                      <m:e>
-                        <m:r>
-                          <a:rPr lang="en-US" b="0" i="1" noProof="0" smtClean="0">
-                            <a:latin typeface="Cambria Math" panose="02040503050406030204" pitchFamily="18" charset="0"/>
-                          </a:rPr>
-                          <m:t>𝐹</m:t>
-                        </m:r>
-                      </m:e>
-                      <m:sub>
-                        <m:r>
-                          <a:rPr lang="en-US" b="0" i="1" noProof="0" smtClean="0">
-                            <a:latin typeface="Cambria Math" panose="02040503050406030204" pitchFamily="18" charset="0"/>
-                          </a:rPr>
-                          <m:t>1</m:t>
-                        </m:r>
-                      </m:sub>
-                    </m:sSub>
-                    <m:r>
-                      <a:rPr lang="en-US" b="0" i="1" noProof="0" smtClean="0">
-                        <a:latin typeface="Cambria Math" panose="02040503050406030204" pitchFamily="18" charset="0"/>
-                      </a:rPr>
-                      <m:t>, …, </m:t>
-                    </m:r>
-                    <m:sSub>
-                      <m:sSubPr>
-                        <m:ctrlPr>
-                          <a:rPr lang="en-US" b="0" i="1" noProof="0" smtClean="0">
-                            <a:latin typeface="Cambria Math" panose="02040503050406030204" pitchFamily="18" charset="0"/>
-                          </a:rPr>
-                        </m:ctrlPr>
-                      </m:sSubPr>
-                      <m:e>
-                        <m:r>
-                          <a:rPr lang="en-US" b="0" i="1" noProof="0" smtClean="0">
-                            <a:latin typeface="Cambria Math" panose="02040503050406030204" pitchFamily="18" charset="0"/>
-                          </a:rPr>
-                          <m:t>𝐹</m:t>
-                        </m:r>
-                      </m:e>
-                      <m:sub>
-                        <m:r>
-                          <a:rPr lang="en-US" b="0" i="1" noProof="0" smtClean="0">
-                            <a:latin typeface="Cambria Math" panose="02040503050406030204" pitchFamily="18" charset="0"/>
-                          </a:rPr>
-                          <m:t>𝑘</m:t>
-                        </m:r>
-                      </m:sub>
-                    </m:sSub>
-                    <m:r>
-                      <a:rPr lang="en-US" b="0" i="1" noProof="0" smtClean="0">
-                        <a:latin typeface="Cambria Math" panose="02040503050406030204" pitchFamily="18" charset="0"/>
-                      </a:rPr>
-                      <m:t>]</m:t>
-                    </m:r>
-                  </m:oMath>
-                </a14:m>
-                <a:r>
-                  <a:rPr lang="en-US" noProof="0" dirty="0"/>
-                  <a:t>, called </a:t>
-                </a:r>
-                <a:r>
-                  <a:rPr lang="en-US" noProof="0" dirty="0">
-                    <a:solidFill>
-                      <a:schemeClr val="accent1"/>
-                    </a:solidFill>
-                  </a:rPr>
-                  <a:t>trace</a:t>
-                </a:r>
+                <a:pPr marL="45720" indent="0">
+                  <a:buNone/>
+                </a:pPr>
+                <a:endParaRPr lang="en-US" noProof="0" dirty="0"/>
               </a:p>
               <a:p>
                 <a:pPr marL="45720" indent="0">
@@ -47709,7 +49775,7 @@
               <a:lstStyle/>
               <a:p>
                 <a:r>
-                  <a:rPr lang="en-US">
+                  <a:rPr lang="de-DE">
                     <a:noFill/>
                   </a:rPr>
                   <a:t> </a:t>
@@ -48452,21 +50518,6 @@
 </file>
 
 <file path=customXml/item1.xml><?xml version="1.0" encoding="utf-8"?>
-<?mso-contentType ?>
-<FormTemplates xmlns="http://schemas.microsoft.com/sharepoint/v3/contenttype/forms">
-  <Display>DocumentLibraryForm</Display>
-  <Edit>DocumentLibraryForm</Edit>
-  <New>DocumentLibraryForm</New>
-</FormTemplates>
-</file>
-
-<file path=customXml/item2.xml><?xml version="1.0" encoding="utf-8"?>
-<p:properties xmlns:p="http://schemas.microsoft.com/office/2006/metadata/properties" xmlns:xsi="http://www.w3.org/2001/XMLSchema-instance" xmlns:pc="http://schemas.microsoft.com/office/infopath/2007/PartnerControls">
-  <documentManagement/>
-</p:properties>
-</file>
-
-<file path=customXml/item3.xml><?xml version="1.0" encoding="utf-8"?>
 <ct:contentTypeSchema xmlns:ct="http://schemas.microsoft.com/office/2006/metadata/contentType" xmlns:ma="http://schemas.microsoft.com/office/2006/metadata/properties/metaAttributes" ct:_="" ma:_="" ma:contentTypeName="Document" ma:contentTypeID="0x0101007C1D5F340F01F94FA2FD29A5E6DC872E" ma:contentTypeVersion="0" ma:contentTypeDescription="Create a new document." ma:contentTypeScope="" ma:versionID="141aba3b8f8cb7f331be6546df69db50">
   <xsd:schema xmlns:xsd="http://www.w3.org/2001/XMLSchema" xmlns:xs="http://www.w3.org/2001/XMLSchema" xmlns:p="http://schemas.microsoft.com/office/2006/metadata/properties" targetNamespace="http://schemas.microsoft.com/office/2006/metadata/properties" ma:root="true" ma:fieldsID="f8e4ef66d87525153bd8907774ed28f8">
     <xsd:element name="properties">
@@ -48580,30 +50631,22 @@
 </ct:contentTypeSchema>
 </file>
 
-<file path=customXml/itemProps1.xml><?xml version="1.0" encoding="utf-8"?>
-<ds:datastoreItem xmlns:ds="http://schemas.openxmlformats.org/officeDocument/2006/customXml" ds:itemID="{17BDA8A7-0CEB-4225-87B6-CC21A8611889}">
-  <ds:schemaRefs>
-    <ds:schemaRef ds:uri="http://schemas.microsoft.com/sharepoint/v3/contenttype/forms"/>
-  </ds:schemaRefs>
-</ds:datastoreItem>
+<file path=customXml/item2.xml><?xml version="1.0" encoding="utf-8"?>
+<?mso-contentType ?>
+<FormTemplates xmlns="http://schemas.microsoft.com/sharepoint/v3/contenttype/forms">
+  <Display>DocumentLibraryForm</Display>
+  <Edit>DocumentLibraryForm</Edit>
+  <New>DocumentLibraryForm</New>
+</FormTemplates>
 </file>
 
-<file path=customXml/itemProps2.xml><?xml version="1.0" encoding="utf-8"?>
-<ds:datastoreItem xmlns:ds="http://schemas.openxmlformats.org/officeDocument/2006/customXml" ds:itemID="{5B928D1E-68BA-412E-B34A-7160A7263FC7}">
-  <ds:schemaRefs>
-    <ds:schemaRef ds:uri="http://purl.org/dc/dcmitype/"/>
-    <ds:schemaRef ds:uri="http://schemas.microsoft.com/office/infopath/2007/PartnerControls"/>
-    <ds:schemaRef ds:uri="http://purl.org/dc/elements/1.1/"/>
-    <ds:schemaRef ds:uri="http://schemas.microsoft.com/office/2006/documentManagement/types"/>
-    <ds:schemaRef ds:uri="http://purl.org/dc/terms/"/>
-    <ds:schemaRef ds:uri="http://schemas.openxmlformats.org/package/2006/metadata/core-properties"/>
-    <ds:schemaRef ds:uri="http://schemas.microsoft.com/office/2006/metadata/properties"/>
-    <ds:schemaRef ds:uri="http://www.w3.org/XML/1998/namespace"/>
-  </ds:schemaRefs>
-</ds:datastoreItem>
+<file path=customXml/item3.xml><?xml version="1.0" encoding="utf-8"?>
+<p:properties xmlns:p="http://schemas.microsoft.com/office/2006/metadata/properties" xmlns:xsi="http://www.w3.org/2001/XMLSchema-instance" xmlns:pc="http://schemas.microsoft.com/office/infopath/2007/PartnerControls">
+  <documentManagement/>
+</p:properties>
 </file>
 
-<file path=customXml/itemProps3.xml><?xml version="1.0" encoding="utf-8"?>
+<file path=customXml/itemProps1.xml><?xml version="1.0" encoding="utf-8"?>
 <ds:datastoreItem xmlns:ds="http://schemas.openxmlformats.org/officeDocument/2006/customXml" ds:itemID="{64DF5C83-574F-4252-A4F8-E258C190AA31}">
   <ds:schemaRefs>
     <ds:schemaRef ds:uri="http://schemas.microsoft.com/office/2006/metadata/contentType"/>
@@ -48617,4 +50660,21 @@
     <ds:schemaRef ds:uri="http://schemas.microsoft.com/office/infopath/2007/PartnerControls"/>
   </ds:schemaRefs>
 </ds:datastoreItem>
+</file>
+
+<file path=customXml/itemProps2.xml><?xml version="1.0" encoding="utf-8"?>
+<ds:datastoreItem xmlns:ds="http://schemas.openxmlformats.org/officeDocument/2006/customXml" ds:itemID="{17BDA8A7-0CEB-4225-87B6-CC21A8611889}">
+  <ds:schemaRefs>
+    <ds:schemaRef ds:uri="http://schemas.microsoft.com/sharepoint/v3/contenttype/forms"/>
+  </ds:schemaRefs>
+</ds:datastoreItem>
+</file>
+
+<file path=customXml/itemProps3.xml><?xml version="1.0" encoding="utf-8"?>
+<ds:datastoreItem xmlns:ds="http://schemas.openxmlformats.org/officeDocument/2006/customXml" ds:itemID="{5B928D1E-68BA-412E-B34A-7160A7263FC7}">
+  <ds:schemaRefs>
+    <ds:schemaRef ds:uri="http://schemas.microsoft.com/office/2006/metadata/properties"/>
+    <ds:schemaRef ds:uri="http://schemas.microsoft.com/office/infopath/2007/PartnerControls"/>
+  </ds:schemaRefs>
+</ds:datastoreItem>
 </file>